--- a/Выпускная квалификационная работа.pptx
+++ b/Выпускная квалификационная работа.pptx
@@ -5,7 +5,7 @@
     <p:sldMasterId id="2147483756" r:id="rId1"/>
   </p:sldMasterIdLst>
   <p:notesMasterIdLst>
-    <p:notesMasterId r:id="rId24"/>
+    <p:notesMasterId r:id="rId36"/>
   </p:notesMasterIdLst>
   <p:sldIdLst>
     <p:sldId id="256" r:id="rId2"/>
@@ -30,6 +30,18 @@
     <p:sldId id="275" r:id="rId21"/>
     <p:sldId id="276" r:id="rId22"/>
     <p:sldId id="277" r:id="rId23"/>
+    <p:sldId id="278" r:id="rId24"/>
+    <p:sldId id="279" r:id="rId25"/>
+    <p:sldId id="280" r:id="rId26"/>
+    <p:sldId id="281" r:id="rId27"/>
+    <p:sldId id="282" r:id="rId28"/>
+    <p:sldId id="283" r:id="rId29"/>
+    <p:sldId id="284" r:id="rId30"/>
+    <p:sldId id="285" r:id="rId31"/>
+    <p:sldId id="286" r:id="rId32"/>
+    <p:sldId id="287" r:id="rId33"/>
+    <p:sldId id="288" r:id="rId34"/>
+    <p:sldId id="289" r:id="rId35"/>
   </p:sldIdLst>
   <p:sldSz cx="9144000" cy="6858000" type="screen4x3"/>
   <p:notesSz cx="6858000" cy="9144000"/>
@@ -213,6 +225,7 @@
           <a:p>
             <a:fld id="{6DD2198D-AA87-438E-AC3E-1AE87968A2FD}" type="datetimeFigureOut">
               <a:rPr lang="ru-RU" smtClean="0"/>
+              <a:pPr/>
               <a:t>23.05.2020</a:t>
             </a:fld>
             <a:endParaRPr lang="ru-RU"/>
@@ -374,6 +387,7 @@
           <a:p>
             <a:fld id="{3E9C54AA-E9DE-4FB5-81A5-31822454A93D}" type="slidenum">
               <a:rPr lang="ru-RU" smtClean="0"/>
+              <a:pPr/>
               <a:t>‹#›</a:t>
             </a:fld>
             <a:endParaRPr lang="ru-RU"/>
@@ -545,6 +559,7 @@
           <a:p>
             <a:fld id="{3E9C54AA-E9DE-4FB5-81A5-31822454A93D}" type="slidenum">
               <a:rPr lang="ru-RU" smtClean="0"/>
+              <a:pPr/>
               <a:t>7</a:t>
             </a:fld>
             <a:endParaRPr lang="ru-RU"/>
@@ -633,6 +648,7 @@
           <a:p>
             <a:fld id="{3E9C54AA-E9DE-4FB5-81A5-31822454A93D}" type="slidenum">
               <a:rPr lang="ru-RU" smtClean="0"/>
+              <a:pPr/>
               <a:t>16</a:t>
             </a:fld>
             <a:endParaRPr lang="ru-RU"/>
@@ -721,6 +737,7 @@
           <a:p>
             <a:fld id="{3E9C54AA-E9DE-4FB5-81A5-31822454A93D}" type="slidenum">
               <a:rPr lang="ru-RU" smtClean="0"/>
+              <a:pPr/>
               <a:t>17</a:t>
             </a:fld>
             <a:endParaRPr lang="ru-RU"/>
@@ -820,6 +837,7 @@
           <a:p>
             <a:fld id="{3E9C54AA-E9DE-4FB5-81A5-31822454A93D}" type="slidenum">
               <a:rPr lang="ru-RU" smtClean="0"/>
+              <a:pPr/>
               <a:t>18</a:t>
             </a:fld>
             <a:endParaRPr lang="ru-RU"/>
@@ -908,6 +926,7 @@
           <a:p>
             <a:fld id="{3E9C54AA-E9DE-4FB5-81A5-31822454A93D}" type="slidenum">
               <a:rPr lang="ru-RU" smtClean="0"/>
+              <a:pPr/>
               <a:t>19</a:t>
             </a:fld>
             <a:endParaRPr lang="ru-RU"/>
@@ -996,6 +1015,7 @@
           <a:p>
             <a:fld id="{3E9C54AA-E9DE-4FB5-81A5-31822454A93D}" type="slidenum">
               <a:rPr lang="ru-RU" smtClean="0"/>
+              <a:pPr/>
               <a:t>20</a:t>
             </a:fld>
             <a:endParaRPr lang="ru-RU"/>
@@ -1084,6 +1104,7 @@
           <a:p>
             <a:fld id="{3E9C54AA-E9DE-4FB5-81A5-31822454A93D}" type="slidenum">
               <a:rPr lang="ru-RU" smtClean="0"/>
+              <a:pPr/>
               <a:t>21</a:t>
             </a:fld>
             <a:endParaRPr lang="ru-RU"/>
@@ -1172,7 +1193,275 @@
           <a:p>
             <a:fld id="{3E9C54AA-E9DE-4FB5-81A5-31822454A93D}" type="slidenum">
               <a:rPr lang="ru-RU" smtClean="0"/>
+              <a:pPr/>
               <a:t>22</a:t>
+            </a:fld>
+            <a:endParaRPr lang="ru-RU"/>
+          </a:p>
+        </p:txBody>
+      </p:sp>
+    </p:spTree>
+  </p:cSld>
+  <p:clrMapOvr>
+    <a:masterClrMapping/>
+  </p:clrMapOvr>
+</p:notes>
+</file>
+
+<file path=ppt/notesSlides/notesSlide17.xml><?xml version="1.0" encoding="utf-8"?>
+<p:notes xmlns:a="http://schemas.openxmlformats.org/drawingml/2006/main" xmlns:r="http://schemas.openxmlformats.org/officeDocument/2006/relationships" xmlns:p="http://schemas.openxmlformats.org/presentationml/2006/main">
+  <p:cSld>
+    <p:spTree>
+      <p:nvGrpSpPr>
+        <p:cNvPr id="1" name=""/>
+        <p:cNvGrpSpPr/>
+        <p:nvPr/>
+      </p:nvGrpSpPr>
+      <p:grpSpPr>
+        <a:xfrm>
+          <a:off x="0" y="0"/>
+          <a:ext cx="0" cy="0"/>
+          <a:chOff x="0" y="0"/>
+          <a:chExt cx="0" cy="0"/>
+        </a:xfrm>
+      </p:grpSpPr>
+      <p:sp>
+        <p:nvSpPr>
+          <p:cNvPr id="2" name="Образ слайда 1"/>
+          <p:cNvSpPr>
+            <a:spLocks noGrp="1" noRot="1" noChangeAspect="1"/>
+          </p:cNvSpPr>
+          <p:nvPr>
+            <p:ph type="sldImg"/>
+          </p:nvPr>
+        </p:nvSpPr>
+        <p:spPr/>
+      </p:sp>
+      <p:sp>
+        <p:nvSpPr>
+          <p:cNvPr id="3" name="Заметки 2"/>
+          <p:cNvSpPr>
+            <a:spLocks noGrp="1"/>
+          </p:cNvSpPr>
+          <p:nvPr>
+            <p:ph type="body" idx="1"/>
+          </p:nvPr>
+        </p:nvSpPr>
+        <p:spPr/>
+        <p:txBody>
+          <a:bodyPr>
+            <a:normAutofit/>
+          </a:bodyPr>
+          <a:lstStyle/>
+          <a:p>
+            <a:endParaRPr lang="ru-RU" sz="1200" kern="1200" dirty="0">
+              <a:solidFill>
+                <a:schemeClr val="tx1"/>
+              </a:solidFill>
+              <a:latin typeface="+mn-lt"/>
+              <a:ea typeface="+mn-ea"/>
+              <a:cs typeface="+mn-cs"/>
+            </a:endParaRPr>
+          </a:p>
+        </p:txBody>
+      </p:sp>
+      <p:sp>
+        <p:nvSpPr>
+          <p:cNvPr id="4" name="Номер слайда 3"/>
+          <p:cNvSpPr>
+            <a:spLocks noGrp="1"/>
+          </p:cNvSpPr>
+          <p:nvPr>
+            <p:ph type="sldNum" sz="quarter" idx="10"/>
+          </p:nvPr>
+        </p:nvSpPr>
+        <p:spPr/>
+        <p:txBody>
+          <a:bodyPr/>
+          <a:lstStyle/>
+          <a:p>
+            <a:fld id="{3E9C54AA-E9DE-4FB5-81A5-31822454A93D}" type="slidenum">
+              <a:rPr lang="ru-RU" smtClean="0"/>
+              <a:pPr/>
+              <a:t>23</a:t>
+            </a:fld>
+            <a:endParaRPr lang="ru-RU"/>
+          </a:p>
+        </p:txBody>
+      </p:sp>
+    </p:spTree>
+  </p:cSld>
+  <p:clrMapOvr>
+    <a:masterClrMapping/>
+  </p:clrMapOvr>
+</p:notes>
+</file>
+
+<file path=ppt/notesSlides/notesSlide18.xml><?xml version="1.0" encoding="utf-8"?>
+<p:notes xmlns:a="http://schemas.openxmlformats.org/drawingml/2006/main" xmlns:r="http://schemas.openxmlformats.org/officeDocument/2006/relationships" xmlns:p="http://schemas.openxmlformats.org/presentationml/2006/main">
+  <p:cSld>
+    <p:spTree>
+      <p:nvGrpSpPr>
+        <p:cNvPr id="1" name=""/>
+        <p:cNvGrpSpPr/>
+        <p:nvPr/>
+      </p:nvGrpSpPr>
+      <p:grpSpPr>
+        <a:xfrm>
+          <a:off x="0" y="0"/>
+          <a:ext cx="0" cy="0"/>
+          <a:chOff x="0" y="0"/>
+          <a:chExt cx="0" cy="0"/>
+        </a:xfrm>
+      </p:grpSpPr>
+      <p:sp>
+        <p:nvSpPr>
+          <p:cNvPr id="2" name="Образ слайда 1"/>
+          <p:cNvSpPr>
+            <a:spLocks noGrp="1" noRot="1" noChangeAspect="1"/>
+          </p:cNvSpPr>
+          <p:nvPr>
+            <p:ph type="sldImg"/>
+          </p:nvPr>
+        </p:nvSpPr>
+        <p:spPr/>
+      </p:sp>
+      <p:sp>
+        <p:nvSpPr>
+          <p:cNvPr id="3" name="Заметки 2"/>
+          <p:cNvSpPr>
+            <a:spLocks noGrp="1"/>
+          </p:cNvSpPr>
+          <p:nvPr>
+            <p:ph type="body" idx="1"/>
+          </p:nvPr>
+        </p:nvSpPr>
+        <p:spPr/>
+        <p:txBody>
+          <a:bodyPr>
+            <a:normAutofit/>
+          </a:bodyPr>
+          <a:lstStyle/>
+          <a:p>
+            <a:endParaRPr lang="ru-RU" sz="1200" kern="1200" dirty="0">
+              <a:solidFill>
+                <a:schemeClr val="tx1"/>
+              </a:solidFill>
+              <a:latin typeface="+mn-lt"/>
+              <a:ea typeface="+mn-ea"/>
+              <a:cs typeface="+mn-cs"/>
+            </a:endParaRPr>
+          </a:p>
+        </p:txBody>
+      </p:sp>
+      <p:sp>
+        <p:nvSpPr>
+          <p:cNvPr id="4" name="Номер слайда 3"/>
+          <p:cNvSpPr>
+            <a:spLocks noGrp="1"/>
+          </p:cNvSpPr>
+          <p:nvPr>
+            <p:ph type="sldNum" sz="quarter" idx="10"/>
+          </p:nvPr>
+        </p:nvSpPr>
+        <p:spPr/>
+        <p:txBody>
+          <a:bodyPr/>
+          <a:lstStyle/>
+          <a:p>
+            <a:fld id="{3E9C54AA-E9DE-4FB5-81A5-31822454A93D}" type="slidenum">
+              <a:rPr lang="ru-RU" smtClean="0"/>
+              <a:pPr/>
+              <a:t>24</a:t>
+            </a:fld>
+            <a:endParaRPr lang="ru-RU"/>
+          </a:p>
+        </p:txBody>
+      </p:sp>
+    </p:spTree>
+  </p:cSld>
+  <p:clrMapOvr>
+    <a:masterClrMapping/>
+  </p:clrMapOvr>
+</p:notes>
+</file>
+
+<file path=ppt/notesSlides/notesSlide19.xml><?xml version="1.0" encoding="utf-8"?>
+<p:notes xmlns:a="http://schemas.openxmlformats.org/drawingml/2006/main" xmlns:r="http://schemas.openxmlformats.org/officeDocument/2006/relationships" xmlns:p="http://schemas.openxmlformats.org/presentationml/2006/main">
+  <p:cSld>
+    <p:spTree>
+      <p:nvGrpSpPr>
+        <p:cNvPr id="1" name=""/>
+        <p:cNvGrpSpPr/>
+        <p:nvPr/>
+      </p:nvGrpSpPr>
+      <p:grpSpPr>
+        <a:xfrm>
+          <a:off x="0" y="0"/>
+          <a:ext cx="0" cy="0"/>
+          <a:chOff x="0" y="0"/>
+          <a:chExt cx="0" cy="0"/>
+        </a:xfrm>
+      </p:grpSpPr>
+      <p:sp>
+        <p:nvSpPr>
+          <p:cNvPr id="2" name="Образ слайда 1"/>
+          <p:cNvSpPr>
+            <a:spLocks noGrp="1" noRot="1" noChangeAspect="1"/>
+          </p:cNvSpPr>
+          <p:nvPr>
+            <p:ph type="sldImg"/>
+          </p:nvPr>
+        </p:nvSpPr>
+        <p:spPr/>
+      </p:sp>
+      <p:sp>
+        <p:nvSpPr>
+          <p:cNvPr id="3" name="Заметки 2"/>
+          <p:cNvSpPr>
+            <a:spLocks noGrp="1"/>
+          </p:cNvSpPr>
+          <p:nvPr>
+            <p:ph type="body" idx="1"/>
+          </p:nvPr>
+        </p:nvSpPr>
+        <p:spPr/>
+        <p:txBody>
+          <a:bodyPr>
+            <a:normAutofit/>
+          </a:bodyPr>
+          <a:lstStyle/>
+          <a:p>
+            <a:endParaRPr lang="ru-RU" sz="1200" kern="1200" dirty="0">
+              <a:solidFill>
+                <a:schemeClr val="tx1"/>
+              </a:solidFill>
+              <a:latin typeface="+mn-lt"/>
+              <a:ea typeface="+mn-ea"/>
+              <a:cs typeface="+mn-cs"/>
+            </a:endParaRPr>
+          </a:p>
+        </p:txBody>
+      </p:sp>
+      <p:sp>
+        <p:nvSpPr>
+          <p:cNvPr id="4" name="Номер слайда 3"/>
+          <p:cNvSpPr>
+            <a:spLocks noGrp="1"/>
+          </p:cNvSpPr>
+          <p:nvPr>
+            <p:ph type="sldNum" sz="quarter" idx="10"/>
+          </p:nvPr>
+        </p:nvSpPr>
+        <p:spPr/>
+        <p:txBody>
+          <a:bodyPr/>
+          <a:lstStyle/>
+          <a:p>
+            <a:fld id="{3E9C54AA-E9DE-4FB5-81A5-31822454A93D}" type="slidenum">
+              <a:rPr lang="ru-RU" smtClean="0"/>
+              <a:pPr/>
+              <a:t>25</a:t>
             </a:fld>
             <a:endParaRPr lang="ru-RU"/>
           </a:p>
@@ -1253,7 +1542,809 @@
           <a:p>
             <a:fld id="{3E9C54AA-E9DE-4FB5-81A5-31822454A93D}" type="slidenum">
               <a:rPr lang="ru-RU" smtClean="0"/>
+              <a:pPr/>
               <a:t>8</a:t>
+            </a:fld>
+            <a:endParaRPr lang="ru-RU"/>
+          </a:p>
+        </p:txBody>
+      </p:sp>
+    </p:spTree>
+  </p:cSld>
+  <p:clrMapOvr>
+    <a:masterClrMapping/>
+  </p:clrMapOvr>
+</p:notes>
+</file>
+
+<file path=ppt/notesSlides/notesSlide20.xml><?xml version="1.0" encoding="utf-8"?>
+<p:notes xmlns:a="http://schemas.openxmlformats.org/drawingml/2006/main" xmlns:r="http://schemas.openxmlformats.org/officeDocument/2006/relationships" xmlns:p="http://schemas.openxmlformats.org/presentationml/2006/main">
+  <p:cSld>
+    <p:spTree>
+      <p:nvGrpSpPr>
+        <p:cNvPr id="1" name=""/>
+        <p:cNvGrpSpPr/>
+        <p:nvPr/>
+      </p:nvGrpSpPr>
+      <p:grpSpPr>
+        <a:xfrm>
+          <a:off x="0" y="0"/>
+          <a:ext cx="0" cy="0"/>
+          <a:chOff x="0" y="0"/>
+          <a:chExt cx="0" cy="0"/>
+        </a:xfrm>
+      </p:grpSpPr>
+      <p:sp>
+        <p:nvSpPr>
+          <p:cNvPr id="2" name="Образ слайда 1"/>
+          <p:cNvSpPr>
+            <a:spLocks noGrp="1" noRot="1" noChangeAspect="1"/>
+          </p:cNvSpPr>
+          <p:nvPr>
+            <p:ph type="sldImg"/>
+          </p:nvPr>
+        </p:nvSpPr>
+        <p:spPr/>
+      </p:sp>
+      <p:sp>
+        <p:nvSpPr>
+          <p:cNvPr id="3" name="Заметки 2"/>
+          <p:cNvSpPr>
+            <a:spLocks noGrp="1"/>
+          </p:cNvSpPr>
+          <p:nvPr>
+            <p:ph type="body" idx="1"/>
+          </p:nvPr>
+        </p:nvSpPr>
+        <p:spPr/>
+        <p:txBody>
+          <a:bodyPr>
+            <a:normAutofit/>
+          </a:bodyPr>
+          <a:lstStyle/>
+          <a:p>
+            <a:endParaRPr lang="ru-RU" sz="1200" kern="1200" dirty="0">
+              <a:solidFill>
+                <a:schemeClr val="tx1"/>
+              </a:solidFill>
+              <a:latin typeface="+mn-lt"/>
+              <a:ea typeface="+mn-ea"/>
+              <a:cs typeface="+mn-cs"/>
+            </a:endParaRPr>
+          </a:p>
+        </p:txBody>
+      </p:sp>
+      <p:sp>
+        <p:nvSpPr>
+          <p:cNvPr id="4" name="Номер слайда 3"/>
+          <p:cNvSpPr>
+            <a:spLocks noGrp="1"/>
+          </p:cNvSpPr>
+          <p:nvPr>
+            <p:ph type="sldNum" sz="quarter" idx="10"/>
+          </p:nvPr>
+        </p:nvSpPr>
+        <p:spPr/>
+        <p:txBody>
+          <a:bodyPr/>
+          <a:lstStyle/>
+          <a:p>
+            <a:fld id="{3E9C54AA-E9DE-4FB5-81A5-31822454A93D}" type="slidenum">
+              <a:rPr lang="ru-RU" smtClean="0"/>
+              <a:pPr/>
+              <a:t>26</a:t>
+            </a:fld>
+            <a:endParaRPr lang="ru-RU"/>
+          </a:p>
+        </p:txBody>
+      </p:sp>
+    </p:spTree>
+  </p:cSld>
+  <p:clrMapOvr>
+    <a:masterClrMapping/>
+  </p:clrMapOvr>
+</p:notes>
+</file>
+
+<file path=ppt/notesSlides/notesSlide21.xml><?xml version="1.0" encoding="utf-8"?>
+<p:notes xmlns:a="http://schemas.openxmlformats.org/drawingml/2006/main" xmlns:r="http://schemas.openxmlformats.org/officeDocument/2006/relationships" xmlns:p="http://schemas.openxmlformats.org/presentationml/2006/main">
+  <p:cSld>
+    <p:spTree>
+      <p:nvGrpSpPr>
+        <p:cNvPr id="1" name=""/>
+        <p:cNvGrpSpPr/>
+        <p:nvPr/>
+      </p:nvGrpSpPr>
+      <p:grpSpPr>
+        <a:xfrm>
+          <a:off x="0" y="0"/>
+          <a:ext cx="0" cy="0"/>
+          <a:chOff x="0" y="0"/>
+          <a:chExt cx="0" cy="0"/>
+        </a:xfrm>
+      </p:grpSpPr>
+      <p:sp>
+        <p:nvSpPr>
+          <p:cNvPr id="2" name="Образ слайда 1"/>
+          <p:cNvSpPr>
+            <a:spLocks noGrp="1" noRot="1" noChangeAspect="1"/>
+          </p:cNvSpPr>
+          <p:nvPr>
+            <p:ph type="sldImg"/>
+          </p:nvPr>
+        </p:nvSpPr>
+        <p:spPr/>
+      </p:sp>
+      <p:sp>
+        <p:nvSpPr>
+          <p:cNvPr id="3" name="Заметки 2"/>
+          <p:cNvSpPr>
+            <a:spLocks noGrp="1"/>
+          </p:cNvSpPr>
+          <p:nvPr>
+            <p:ph type="body" idx="1"/>
+          </p:nvPr>
+        </p:nvSpPr>
+        <p:spPr/>
+        <p:txBody>
+          <a:bodyPr>
+            <a:normAutofit/>
+          </a:bodyPr>
+          <a:lstStyle/>
+          <a:p>
+            <a:endParaRPr lang="ru-RU" sz="1200" kern="1200" dirty="0">
+              <a:solidFill>
+                <a:schemeClr val="tx1"/>
+              </a:solidFill>
+              <a:latin typeface="+mn-lt"/>
+              <a:ea typeface="+mn-ea"/>
+              <a:cs typeface="+mn-cs"/>
+            </a:endParaRPr>
+          </a:p>
+        </p:txBody>
+      </p:sp>
+      <p:sp>
+        <p:nvSpPr>
+          <p:cNvPr id="4" name="Номер слайда 3"/>
+          <p:cNvSpPr>
+            <a:spLocks noGrp="1"/>
+          </p:cNvSpPr>
+          <p:nvPr>
+            <p:ph type="sldNum" sz="quarter" idx="10"/>
+          </p:nvPr>
+        </p:nvSpPr>
+        <p:spPr/>
+        <p:txBody>
+          <a:bodyPr/>
+          <a:lstStyle/>
+          <a:p>
+            <a:fld id="{3E9C54AA-E9DE-4FB5-81A5-31822454A93D}" type="slidenum">
+              <a:rPr lang="ru-RU" smtClean="0"/>
+              <a:pPr/>
+              <a:t>27</a:t>
+            </a:fld>
+            <a:endParaRPr lang="ru-RU"/>
+          </a:p>
+        </p:txBody>
+      </p:sp>
+    </p:spTree>
+  </p:cSld>
+  <p:clrMapOvr>
+    <a:masterClrMapping/>
+  </p:clrMapOvr>
+</p:notes>
+</file>
+
+<file path=ppt/notesSlides/notesSlide22.xml><?xml version="1.0" encoding="utf-8"?>
+<p:notes xmlns:a="http://schemas.openxmlformats.org/drawingml/2006/main" xmlns:r="http://schemas.openxmlformats.org/officeDocument/2006/relationships" xmlns:p="http://schemas.openxmlformats.org/presentationml/2006/main">
+  <p:cSld>
+    <p:spTree>
+      <p:nvGrpSpPr>
+        <p:cNvPr id="1" name=""/>
+        <p:cNvGrpSpPr/>
+        <p:nvPr/>
+      </p:nvGrpSpPr>
+      <p:grpSpPr>
+        <a:xfrm>
+          <a:off x="0" y="0"/>
+          <a:ext cx="0" cy="0"/>
+          <a:chOff x="0" y="0"/>
+          <a:chExt cx="0" cy="0"/>
+        </a:xfrm>
+      </p:grpSpPr>
+      <p:sp>
+        <p:nvSpPr>
+          <p:cNvPr id="2" name="Образ слайда 1"/>
+          <p:cNvSpPr>
+            <a:spLocks noGrp="1" noRot="1" noChangeAspect="1"/>
+          </p:cNvSpPr>
+          <p:nvPr>
+            <p:ph type="sldImg"/>
+          </p:nvPr>
+        </p:nvSpPr>
+        <p:spPr/>
+      </p:sp>
+      <p:sp>
+        <p:nvSpPr>
+          <p:cNvPr id="3" name="Заметки 2"/>
+          <p:cNvSpPr>
+            <a:spLocks noGrp="1"/>
+          </p:cNvSpPr>
+          <p:nvPr>
+            <p:ph type="body" idx="1"/>
+          </p:nvPr>
+        </p:nvSpPr>
+        <p:spPr/>
+        <p:txBody>
+          <a:bodyPr>
+            <a:normAutofit/>
+          </a:bodyPr>
+          <a:lstStyle/>
+          <a:p>
+            <a:endParaRPr lang="ru-RU" sz="1200" kern="1200" dirty="0">
+              <a:solidFill>
+                <a:schemeClr val="tx1"/>
+              </a:solidFill>
+              <a:latin typeface="+mn-lt"/>
+              <a:ea typeface="+mn-ea"/>
+              <a:cs typeface="+mn-cs"/>
+            </a:endParaRPr>
+          </a:p>
+        </p:txBody>
+      </p:sp>
+      <p:sp>
+        <p:nvSpPr>
+          <p:cNvPr id="4" name="Номер слайда 3"/>
+          <p:cNvSpPr>
+            <a:spLocks noGrp="1"/>
+          </p:cNvSpPr>
+          <p:nvPr>
+            <p:ph type="sldNum" sz="quarter" idx="10"/>
+          </p:nvPr>
+        </p:nvSpPr>
+        <p:spPr/>
+        <p:txBody>
+          <a:bodyPr/>
+          <a:lstStyle/>
+          <a:p>
+            <a:fld id="{3E9C54AA-E9DE-4FB5-81A5-31822454A93D}" type="slidenum">
+              <a:rPr lang="ru-RU" smtClean="0"/>
+              <a:pPr/>
+              <a:t>28</a:t>
+            </a:fld>
+            <a:endParaRPr lang="ru-RU"/>
+          </a:p>
+        </p:txBody>
+      </p:sp>
+    </p:spTree>
+  </p:cSld>
+  <p:clrMapOvr>
+    <a:masterClrMapping/>
+  </p:clrMapOvr>
+</p:notes>
+</file>
+
+<file path=ppt/notesSlides/notesSlide23.xml><?xml version="1.0" encoding="utf-8"?>
+<p:notes xmlns:a="http://schemas.openxmlformats.org/drawingml/2006/main" xmlns:r="http://schemas.openxmlformats.org/officeDocument/2006/relationships" xmlns:p="http://schemas.openxmlformats.org/presentationml/2006/main">
+  <p:cSld>
+    <p:spTree>
+      <p:nvGrpSpPr>
+        <p:cNvPr id="1" name=""/>
+        <p:cNvGrpSpPr/>
+        <p:nvPr/>
+      </p:nvGrpSpPr>
+      <p:grpSpPr>
+        <a:xfrm>
+          <a:off x="0" y="0"/>
+          <a:ext cx="0" cy="0"/>
+          <a:chOff x="0" y="0"/>
+          <a:chExt cx="0" cy="0"/>
+        </a:xfrm>
+      </p:grpSpPr>
+      <p:sp>
+        <p:nvSpPr>
+          <p:cNvPr id="2" name="Образ слайда 1"/>
+          <p:cNvSpPr>
+            <a:spLocks noGrp="1" noRot="1" noChangeAspect="1"/>
+          </p:cNvSpPr>
+          <p:nvPr>
+            <p:ph type="sldImg"/>
+          </p:nvPr>
+        </p:nvSpPr>
+        <p:spPr/>
+      </p:sp>
+      <p:sp>
+        <p:nvSpPr>
+          <p:cNvPr id="3" name="Заметки 2"/>
+          <p:cNvSpPr>
+            <a:spLocks noGrp="1"/>
+          </p:cNvSpPr>
+          <p:nvPr>
+            <p:ph type="body" idx="1"/>
+          </p:nvPr>
+        </p:nvSpPr>
+        <p:spPr/>
+        <p:txBody>
+          <a:bodyPr>
+            <a:normAutofit/>
+          </a:bodyPr>
+          <a:lstStyle/>
+          <a:p>
+            <a:endParaRPr lang="ru-RU" sz="1200" kern="1200" dirty="0">
+              <a:solidFill>
+                <a:schemeClr val="tx1"/>
+              </a:solidFill>
+              <a:latin typeface="+mn-lt"/>
+              <a:ea typeface="+mn-ea"/>
+              <a:cs typeface="+mn-cs"/>
+            </a:endParaRPr>
+          </a:p>
+        </p:txBody>
+      </p:sp>
+      <p:sp>
+        <p:nvSpPr>
+          <p:cNvPr id="4" name="Номер слайда 3"/>
+          <p:cNvSpPr>
+            <a:spLocks noGrp="1"/>
+          </p:cNvSpPr>
+          <p:nvPr>
+            <p:ph type="sldNum" sz="quarter" idx="10"/>
+          </p:nvPr>
+        </p:nvSpPr>
+        <p:spPr/>
+        <p:txBody>
+          <a:bodyPr/>
+          <a:lstStyle/>
+          <a:p>
+            <a:fld id="{3E9C54AA-E9DE-4FB5-81A5-31822454A93D}" type="slidenum">
+              <a:rPr lang="ru-RU" smtClean="0"/>
+              <a:pPr/>
+              <a:t>29</a:t>
+            </a:fld>
+            <a:endParaRPr lang="ru-RU"/>
+          </a:p>
+        </p:txBody>
+      </p:sp>
+    </p:spTree>
+  </p:cSld>
+  <p:clrMapOvr>
+    <a:masterClrMapping/>
+  </p:clrMapOvr>
+</p:notes>
+</file>
+
+<file path=ppt/notesSlides/notesSlide24.xml><?xml version="1.0" encoding="utf-8"?>
+<p:notes xmlns:a="http://schemas.openxmlformats.org/drawingml/2006/main" xmlns:r="http://schemas.openxmlformats.org/officeDocument/2006/relationships" xmlns:p="http://schemas.openxmlformats.org/presentationml/2006/main">
+  <p:cSld>
+    <p:spTree>
+      <p:nvGrpSpPr>
+        <p:cNvPr id="1" name=""/>
+        <p:cNvGrpSpPr/>
+        <p:nvPr/>
+      </p:nvGrpSpPr>
+      <p:grpSpPr>
+        <a:xfrm>
+          <a:off x="0" y="0"/>
+          <a:ext cx="0" cy="0"/>
+          <a:chOff x="0" y="0"/>
+          <a:chExt cx="0" cy="0"/>
+        </a:xfrm>
+      </p:grpSpPr>
+      <p:sp>
+        <p:nvSpPr>
+          <p:cNvPr id="2" name="Образ слайда 1"/>
+          <p:cNvSpPr>
+            <a:spLocks noGrp="1" noRot="1" noChangeAspect="1"/>
+          </p:cNvSpPr>
+          <p:nvPr>
+            <p:ph type="sldImg"/>
+          </p:nvPr>
+        </p:nvSpPr>
+        <p:spPr/>
+      </p:sp>
+      <p:sp>
+        <p:nvSpPr>
+          <p:cNvPr id="3" name="Заметки 2"/>
+          <p:cNvSpPr>
+            <a:spLocks noGrp="1"/>
+          </p:cNvSpPr>
+          <p:nvPr>
+            <p:ph type="body" idx="1"/>
+          </p:nvPr>
+        </p:nvSpPr>
+        <p:spPr/>
+        <p:txBody>
+          <a:bodyPr>
+            <a:normAutofit/>
+          </a:bodyPr>
+          <a:lstStyle/>
+          <a:p>
+            <a:endParaRPr lang="ru-RU" sz="1200" kern="1200" dirty="0">
+              <a:solidFill>
+                <a:schemeClr val="tx1"/>
+              </a:solidFill>
+              <a:latin typeface="+mn-lt"/>
+              <a:ea typeface="+mn-ea"/>
+              <a:cs typeface="+mn-cs"/>
+            </a:endParaRPr>
+          </a:p>
+        </p:txBody>
+      </p:sp>
+      <p:sp>
+        <p:nvSpPr>
+          <p:cNvPr id="4" name="Номер слайда 3"/>
+          <p:cNvSpPr>
+            <a:spLocks noGrp="1"/>
+          </p:cNvSpPr>
+          <p:nvPr>
+            <p:ph type="sldNum" sz="quarter" idx="10"/>
+          </p:nvPr>
+        </p:nvSpPr>
+        <p:spPr/>
+        <p:txBody>
+          <a:bodyPr/>
+          <a:lstStyle/>
+          <a:p>
+            <a:fld id="{3E9C54AA-E9DE-4FB5-81A5-31822454A93D}" type="slidenum">
+              <a:rPr lang="ru-RU" smtClean="0"/>
+              <a:pPr/>
+              <a:t>30</a:t>
+            </a:fld>
+            <a:endParaRPr lang="ru-RU"/>
+          </a:p>
+        </p:txBody>
+      </p:sp>
+    </p:spTree>
+  </p:cSld>
+  <p:clrMapOvr>
+    <a:masterClrMapping/>
+  </p:clrMapOvr>
+</p:notes>
+</file>
+
+<file path=ppt/notesSlides/notesSlide25.xml><?xml version="1.0" encoding="utf-8"?>
+<p:notes xmlns:a="http://schemas.openxmlformats.org/drawingml/2006/main" xmlns:r="http://schemas.openxmlformats.org/officeDocument/2006/relationships" xmlns:p="http://schemas.openxmlformats.org/presentationml/2006/main">
+  <p:cSld>
+    <p:spTree>
+      <p:nvGrpSpPr>
+        <p:cNvPr id="1" name=""/>
+        <p:cNvGrpSpPr/>
+        <p:nvPr/>
+      </p:nvGrpSpPr>
+      <p:grpSpPr>
+        <a:xfrm>
+          <a:off x="0" y="0"/>
+          <a:ext cx="0" cy="0"/>
+          <a:chOff x="0" y="0"/>
+          <a:chExt cx="0" cy="0"/>
+        </a:xfrm>
+      </p:grpSpPr>
+      <p:sp>
+        <p:nvSpPr>
+          <p:cNvPr id="2" name="Образ слайда 1"/>
+          <p:cNvSpPr>
+            <a:spLocks noGrp="1" noRot="1" noChangeAspect="1"/>
+          </p:cNvSpPr>
+          <p:nvPr>
+            <p:ph type="sldImg"/>
+          </p:nvPr>
+        </p:nvSpPr>
+        <p:spPr/>
+      </p:sp>
+      <p:sp>
+        <p:nvSpPr>
+          <p:cNvPr id="3" name="Заметки 2"/>
+          <p:cNvSpPr>
+            <a:spLocks noGrp="1"/>
+          </p:cNvSpPr>
+          <p:nvPr>
+            <p:ph type="body" idx="1"/>
+          </p:nvPr>
+        </p:nvSpPr>
+        <p:spPr/>
+        <p:txBody>
+          <a:bodyPr>
+            <a:normAutofit/>
+          </a:bodyPr>
+          <a:lstStyle/>
+          <a:p>
+            <a:endParaRPr lang="ru-RU" sz="1200" kern="1200" dirty="0">
+              <a:solidFill>
+                <a:schemeClr val="tx1"/>
+              </a:solidFill>
+              <a:latin typeface="+mn-lt"/>
+              <a:ea typeface="+mn-ea"/>
+              <a:cs typeface="+mn-cs"/>
+            </a:endParaRPr>
+          </a:p>
+        </p:txBody>
+      </p:sp>
+      <p:sp>
+        <p:nvSpPr>
+          <p:cNvPr id="4" name="Номер слайда 3"/>
+          <p:cNvSpPr>
+            <a:spLocks noGrp="1"/>
+          </p:cNvSpPr>
+          <p:nvPr>
+            <p:ph type="sldNum" sz="quarter" idx="10"/>
+          </p:nvPr>
+        </p:nvSpPr>
+        <p:spPr/>
+        <p:txBody>
+          <a:bodyPr/>
+          <a:lstStyle/>
+          <a:p>
+            <a:fld id="{3E9C54AA-E9DE-4FB5-81A5-31822454A93D}" type="slidenum">
+              <a:rPr lang="ru-RU" smtClean="0"/>
+              <a:pPr/>
+              <a:t>31</a:t>
+            </a:fld>
+            <a:endParaRPr lang="ru-RU"/>
+          </a:p>
+        </p:txBody>
+      </p:sp>
+    </p:spTree>
+  </p:cSld>
+  <p:clrMapOvr>
+    <a:masterClrMapping/>
+  </p:clrMapOvr>
+</p:notes>
+</file>
+
+<file path=ppt/notesSlides/notesSlide26.xml><?xml version="1.0" encoding="utf-8"?>
+<p:notes xmlns:a="http://schemas.openxmlformats.org/drawingml/2006/main" xmlns:r="http://schemas.openxmlformats.org/officeDocument/2006/relationships" xmlns:p="http://schemas.openxmlformats.org/presentationml/2006/main">
+  <p:cSld>
+    <p:spTree>
+      <p:nvGrpSpPr>
+        <p:cNvPr id="1" name=""/>
+        <p:cNvGrpSpPr/>
+        <p:nvPr/>
+      </p:nvGrpSpPr>
+      <p:grpSpPr>
+        <a:xfrm>
+          <a:off x="0" y="0"/>
+          <a:ext cx="0" cy="0"/>
+          <a:chOff x="0" y="0"/>
+          <a:chExt cx="0" cy="0"/>
+        </a:xfrm>
+      </p:grpSpPr>
+      <p:sp>
+        <p:nvSpPr>
+          <p:cNvPr id="2" name="Образ слайда 1"/>
+          <p:cNvSpPr>
+            <a:spLocks noGrp="1" noRot="1" noChangeAspect="1"/>
+          </p:cNvSpPr>
+          <p:nvPr>
+            <p:ph type="sldImg"/>
+          </p:nvPr>
+        </p:nvSpPr>
+        <p:spPr/>
+      </p:sp>
+      <p:sp>
+        <p:nvSpPr>
+          <p:cNvPr id="3" name="Заметки 2"/>
+          <p:cNvSpPr>
+            <a:spLocks noGrp="1"/>
+          </p:cNvSpPr>
+          <p:nvPr>
+            <p:ph type="body" idx="1"/>
+          </p:nvPr>
+        </p:nvSpPr>
+        <p:spPr/>
+        <p:txBody>
+          <a:bodyPr>
+            <a:normAutofit/>
+          </a:bodyPr>
+          <a:lstStyle/>
+          <a:p>
+            <a:endParaRPr lang="ru-RU" sz="1200" kern="1200" dirty="0">
+              <a:solidFill>
+                <a:schemeClr val="tx1"/>
+              </a:solidFill>
+              <a:latin typeface="+mn-lt"/>
+              <a:ea typeface="+mn-ea"/>
+              <a:cs typeface="+mn-cs"/>
+            </a:endParaRPr>
+          </a:p>
+        </p:txBody>
+      </p:sp>
+      <p:sp>
+        <p:nvSpPr>
+          <p:cNvPr id="4" name="Номер слайда 3"/>
+          <p:cNvSpPr>
+            <a:spLocks noGrp="1"/>
+          </p:cNvSpPr>
+          <p:nvPr>
+            <p:ph type="sldNum" sz="quarter" idx="10"/>
+          </p:nvPr>
+        </p:nvSpPr>
+        <p:spPr/>
+        <p:txBody>
+          <a:bodyPr/>
+          <a:lstStyle/>
+          <a:p>
+            <a:fld id="{3E9C54AA-E9DE-4FB5-81A5-31822454A93D}" type="slidenum">
+              <a:rPr lang="ru-RU" smtClean="0"/>
+              <a:pPr/>
+              <a:t>32</a:t>
+            </a:fld>
+            <a:endParaRPr lang="ru-RU"/>
+          </a:p>
+        </p:txBody>
+      </p:sp>
+    </p:spTree>
+  </p:cSld>
+  <p:clrMapOvr>
+    <a:masterClrMapping/>
+  </p:clrMapOvr>
+</p:notes>
+</file>
+
+<file path=ppt/notesSlides/notesSlide27.xml><?xml version="1.0" encoding="utf-8"?>
+<p:notes xmlns:a="http://schemas.openxmlformats.org/drawingml/2006/main" xmlns:r="http://schemas.openxmlformats.org/officeDocument/2006/relationships" xmlns:p="http://schemas.openxmlformats.org/presentationml/2006/main">
+  <p:cSld>
+    <p:spTree>
+      <p:nvGrpSpPr>
+        <p:cNvPr id="1" name=""/>
+        <p:cNvGrpSpPr/>
+        <p:nvPr/>
+      </p:nvGrpSpPr>
+      <p:grpSpPr>
+        <a:xfrm>
+          <a:off x="0" y="0"/>
+          <a:ext cx="0" cy="0"/>
+          <a:chOff x="0" y="0"/>
+          <a:chExt cx="0" cy="0"/>
+        </a:xfrm>
+      </p:grpSpPr>
+      <p:sp>
+        <p:nvSpPr>
+          <p:cNvPr id="2" name="Образ слайда 1"/>
+          <p:cNvSpPr>
+            <a:spLocks noGrp="1" noRot="1" noChangeAspect="1"/>
+          </p:cNvSpPr>
+          <p:nvPr>
+            <p:ph type="sldImg"/>
+          </p:nvPr>
+        </p:nvSpPr>
+        <p:spPr/>
+      </p:sp>
+      <p:sp>
+        <p:nvSpPr>
+          <p:cNvPr id="3" name="Заметки 2"/>
+          <p:cNvSpPr>
+            <a:spLocks noGrp="1"/>
+          </p:cNvSpPr>
+          <p:nvPr>
+            <p:ph type="body" idx="1"/>
+          </p:nvPr>
+        </p:nvSpPr>
+        <p:spPr/>
+        <p:txBody>
+          <a:bodyPr>
+            <a:normAutofit/>
+          </a:bodyPr>
+          <a:lstStyle/>
+          <a:p>
+            <a:endParaRPr lang="ru-RU" sz="1200" kern="1200" dirty="0">
+              <a:solidFill>
+                <a:schemeClr val="tx1"/>
+              </a:solidFill>
+              <a:latin typeface="+mn-lt"/>
+              <a:ea typeface="+mn-ea"/>
+              <a:cs typeface="+mn-cs"/>
+            </a:endParaRPr>
+          </a:p>
+        </p:txBody>
+      </p:sp>
+      <p:sp>
+        <p:nvSpPr>
+          <p:cNvPr id="4" name="Номер слайда 3"/>
+          <p:cNvSpPr>
+            <a:spLocks noGrp="1"/>
+          </p:cNvSpPr>
+          <p:nvPr>
+            <p:ph type="sldNum" sz="quarter" idx="10"/>
+          </p:nvPr>
+        </p:nvSpPr>
+        <p:spPr/>
+        <p:txBody>
+          <a:bodyPr/>
+          <a:lstStyle/>
+          <a:p>
+            <a:fld id="{3E9C54AA-E9DE-4FB5-81A5-31822454A93D}" type="slidenum">
+              <a:rPr lang="ru-RU" smtClean="0"/>
+              <a:pPr/>
+              <a:t>33</a:t>
+            </a:fld>
+            <a:endParaRPr lang="ru-RU"/>
+          </a:p>
+        </p:txBody>
+      </p:sp>
+    </p:spTree>
+  </p:cSld>
+  <p:clrMapOvr>
+    <a:masterClrMapping/>
+  </p:clrMapOvr>
+</p:notes>
+</file>
+
+<file path=ppt/notesSlides/notesSlide28.xml><?xml version="1.0" encoding="utf-8"?>
+<p:notes xmlns:a="http://schemas.openxmlformats.org/drawingml/2006/main" xmlns:r="http://schemas.openxmlformats.org/officeDocument/2006/relationships" xmlns:p="http://schemas.openxmlformats.org/presentationml/2006/main">
+  <p:cSld>
+    <p:spTree>
+      <p:nvGrpSpPr>
+        <p:cNvPr id="1" name=""/>
+        <p:cNvGrpSpPr/>
+        <p:nvPr/>
+      </p:nvGrpSpPr>
+      <p:grpSpPr>
+        <a:xfrm>
+          <a:off x="0" y="0"/>
+          <a:ext cx="0" cy="0"/>
+          <a:chOff x="0" y="0"/>
+          <a:chExt cx="0" cy="0"/>
+        </a:xfrm>
+      </p:grpSpPr>
+      <p:sp>
+        <p:nvSpPr>
+          <p:cNvPr id="2" name="Образ слайда 1"/>
+          <p:cNvSpPr>
+            <a:spLocks noGrp="1" noRot="1" noChangeAspect="1"/>
+          </p:cNvSpPr>
+          <p:nvPr>
+            <p:ph type="sldImg"/>
+          </p:nvPr>
+        </p:nvSpPr>
+        <p:spPr/>
+      </p:sp>
+      <p:sp>
+        <p:nvSpPr>
+          <p:cNvPr id="3" name="Заметки 2"/>
+          <p:cNvSpPr>
+            <a:spLocks noGrp="1"/>
+          </p:cNvSpPr>
+          <p:nvPr>
+            <p:ph type="body" idx="1"/>
+          </p:nvPr>
+        </p:nvSpPr>
+        <p:spPr/>
+        <p:txBody>
+          <a:bodyPr>
+            <a:normAutofit/>
+          </a:bodyPr>
+          <a:lstStyle/>
+          <a:p>
+            <a:endParaRPr lang="ru-RU" sz="1200" kern="1200" dirty="0">
+              <a:solidFill>
+                <a:schemeClr val="tx1"/>
+              </a:solidFill>
+              <a:latin typeface="+mn-lt"/>
+              <a:ea typeface="+mn-ea"/>
+              <a:cs typeface="+mn-cs"/>
+            </a:endParaRPr>
+          </a:p>
+        </p:txBody>
+      </p:sp>
+      <p:sp>
+        <p:nvSpPr>
+          <p:cNvPr id="4" name="Номер слайда 3"/>
+          <p:cNvSpPr>
+            <a:spLocks noGrp="1"/>
+          </p:cNvSpPr>
+          <p:nvPr>
+            <p:ph type="sldNum" sz="quarter" idx="10"/>
+          </p:nvPr>
+        </p:nvSpPr>
+        <p:spPr/>
+        <p:txBody>
+          <a:bodyPr/>
+          <a:lstStyle/>
+          <a:p>
+            <a:fld id="{3E9C54AA-E9DE-4FB5-81A5-31822454A93D}" type="slidenum">
+              <a:rPr lang="ru-RU" smtClean="0"/>
+              <a:pPr/>
+              <a:t>34</a:t>
             </a:fld>
             <a:endParaRPr lang="ru-RU"/>
           </a:p>
@@ -1478,6 +2569,7 @@
           <a:p>
             <a:fld id="{3E9C54AA-E9DE-4FB5-81A5-31822454A93D}" type="slidenum">
               <a:rPr lang="ru-RU" smtClean="0"/>
+              <a:pPr/>
               <a:t>9</a:t>
             </a:fld>
             <a:endParaRPr lang="ru-RU"/>
@@ -1559,6 +2651,7 @@
           <a:p>
             <a:fld id="{3E9C54AA-E9DE-4FB5-81A5-31822454A93D}" type="slidenum">
               <a:rPr lang="ru-RU" smtClean="0"/>
+              <a:pPr/>
               <a:t>10</a:t>
             </a:fld>
             <a:endParaRPr lang="ru-RU"/>
@@ -1697,6 +2790,7 @@
           <a:p>
             <a:fld id="{3E9C54AA-E9DE-4FB5-81A5-31822454A93D}" type="slidenum">
               <a:rPr lang="ru-RU" smtClean="0"/>
+              <a:pPr/>
               <a:t>11</a:t>
             </a:fld>
             <a:endParaRPr lang="ru-RU"/>
@@ -1904,6 +2998,7 @@
           <a:p>
             <a:fld id="{3E9C54AA-E9DE-4FB5-81A5-31822454A93D}" type="slidenum">
               <a:rPr lang="ru-RU" smtClean="0"/>
+              <a:pPr/>
               <a:t>12</a:t>
             </a:fld>
             <a:endParaRPr lang="ru-RU"/>
@@ -1992,6 +3087,7 @@
           <a:p>
             <a:fld id="{3E9C54AA-E9DE-4FB5-81A5-31822454A93D}" type="slidenum">
               <a:rPr lang="ru-RU" smtClean="0"/>
+              <a:pPr/>
               <a:t>13</a:t>
             </a:fld>
             <a:endParaRPr lang="ru-RU"/>
@@ -2081,6 +3177,7 @@
           <a:p>
             <a:fld id="{3E9C54AA-E9DE-4FB5-81A5-31822454A93D}" type="slidenum">
               <a:rPr lang="ru-RU" smtClean="0"/>
+              <a:pPr/>
               <a:t>14</a:t>
             </a:fld>
             <a:endParaRPr lang="ru-RU"/>
@@ -2169,6 +3266,7 @@
           <a:p>
             <a:fld id="{3E9C54AA-E9DE-4FB5-81A5-31822454A93D}" type="slidenum">
               <a:rPr lang="ru-RU" smtClean="0"/>
+              <a:pPr/>
               <a:t>15</a:t>
             </a:fld>
             <a:endParaRPr lang="ru-RU"/>
@@ -6915,8 +8013,25 @@
                 <a:latin typeface="Times New Roman" pitchFamily="18" charset="0"/>
                 <a:cs typeface="Times New Roman" pitchFamily="18" charset="0"/>
               </a:rPr>
-              <a:t>Руководитель: Ланских Владимир Георгиевич</a:t>
-            </a:r>
+              <a:t>Руководитель: Ланских Владимир </a:t>
+            </a:r>
+            <a:r>
+              <a:rPr lang="ru-RU" sz="2100" noProof="0" dirty="0" smtClean="0">
+                <a:solidFill>
+                  <a:schemeClr val="bg1"/>
+                </a:solidFill>
+                <a:latin typeface="Times New Roman" pitchFamily="18" charset="0"/>
+                <a:cs typeface="Times New Roman" pitchFamily="18" charset="0"/>
+              </a:rPr>
+              <a:t>Георгиевич.</a:t>
+            </a:r>
+            <a:endParaRPr lang="ru-RU" sz="2100" noProof="0" dirty="0" smtClean="0">
+              <a:solidFill>
+                <a:schemeClr val="bg1"/>
+              </a:solidFill>
+              <a:latin typeface="Times New Roman" pitchFamily="18" charset="0"/>
+              <a:cs typeface="Times New Roman" pitchFamily="18" charset="0"/>
+            </a:endParaRPr>
           </a:p>
           <a:p>
             <a:pPr marL="0" marR="64008" lvl="0" indent="0" defTabSz="914400" rtl="0" eaLnBrk="1" fontAlgn="auto" latinLnBrk="0" hangingPunct="1">
@@ -7081,37 +8196,7 @@
                 <a:latin typeface="Times New Roman" pitchFamily="18" charset="0"/>
                 <a:cs typeface="Times New Roman" pitchFamily="18" charset="0"/>
               </a:rPr>
-              <a:t>К</a:t>
-            </a:r>
-            <a:r>
-              <a:rPr lang="ru-RU" sz="3200" dirty="0" smtClean="0">
-                <a:solidFill>
-                  <a:schemeClr val="bg1"/>
-                </a:solidFill>
-                <a:latin typeface="Times New Roman" pitchFamily="18" charset="0"/>
-                <a:cs typeface="Times New Roman" pitchFamily="18" charset="0"/>
-              </a:rPr>
-              <a:t>ритерии выбора системы учета </a:t>
-            </a:r>
-            <a:r>
-              <a:rPr lang="ru-RU" sz="3200" dirty="0" smtClean="0">
-                <a:solidFill>
-                  <a:schemeClr val="bg1"/>
-                </a:solidFill>
-                <a:latin typeface="Times New Roman" pitchFamily="18" charset="0"/>
-                <a:cs typeface="Times New Roman" pitchFamily="18" charset="0"/>
-              </a:rPr>
-              <a:t>розничных и оптовых </a:t>
-            </a:r>
-            <a:r>
-              <a:rPr lang="ru-RU" sz="3200" dirty="0" smtClean="0">
-                <a:solidFill>
-                  <a:schemeClr val="bg1"/>
-                </a:solidFill>
-                <a:latin typeface="Times New Roman" pitchFamily="18" charset="0"/>
-                <a:cs typeface="Times New Roman" pitchFamily="18" charset="0"/>
-              </a:rPr>
-              <a:t>продаж.</a:t>
+              <a:t>Критерии выбора системы учета розничных и оптовых продаж.</a:t>
             </a:r>
             <a:endParaRPr lang="ru-RU" sz="3200" dirty="0">
               <a:solidFill>
@@ -7223,14 +8308,7 @@
                 <a:latin typeface="Times New Roman" pitchFamily="18" charset="0"/>
                 <a:cs typeface="Times New Roman" pitchFamily="18" charset="0"/>
               </a:rPr>
-              <a:t> простота </a:t>
-            </a:r>
-            <a:r>
-              <a:rPr lang="ru-RU" sz="2400" dirty="0" smtClean="0">
-                <a:latin typeface="Times New Roman" pitchFamily="18" charset="0"/>
-                <a:cs typeface="Times New Roman" pitchFamily="18" charset="0"/>
-              </a:rPr>
-              <a:t>использования;</a:t>
+              <a:t> простота использования;</a:t>
             </a:r>
           </a:p>
           <a:p>
@@ -7243,14 +8321,7 @@
                 <a:latin typeface="Times New Roman" pitchFamily="18" charset="0"/>
                 <a:cs typeface="Times New Roman" pitchFamily="18" charset="0"/>
               </a:rPr>
-              <a:t> простота </a:t>
-            </a:r>
-            <a:r>
-              <a:rPr lang="ru-RU" sz="2400" dirty="0" smtClean="0">
-                <a:latin typeface="Times New Roman" pitchFamily="18" charset="0"/>
-                <a:cs typeface="Times New Roman" pitchFamily="18" charset="0"/>
-              </a:rPr>
-              <a:t>интеграции с другими системами.</a:t>
+              <a:t> простота интеграции с другими системами.</a:t>
             </a:r>
           </a:p>
           <a:p>
@@ -7435,14 +8506,7 @@
                 <a:latin typeface="Times New Roman" pitchFamily="18" charset="0"/>
                 <a:cs typeface="Times New Roman" pitchFamily="18" charset="0"/>
               </a:rPr>
-              <a:t>Метод </a:t>
-            </a:r>
-            <a:r>
-              <a:rPr lang="ru-RU" sz="2400" b="1" dirty="0" smtClean="0">
-                <a:latin typeface="Times New Roman" pitchFamily="18" charset="0"/>
-                <a:cs typeface="Times New Roman" pitchFamily="18" charset="0"/>
-              </a:rPr>
-              <a:t>анализа иерархий (</a:t>
+              <a:t>Метод анализа иерархий (</a:t>
             </a:r>
             <a:r>
               <a:rPr lang="ru-RU" sz="2400" b="1" dirty="0" err="1" smtClean="0">
@@ -7471,21 +8535,7 @@
                 <a:latin typeface="Times New Roman" pitchFamily="18" charset="0"/>
                 <a:cs typeface="Times New Roman" pitchFamily="18" charset="0"/>
               </a:rPr>
-              <a:t>Шкала результата </a:t>
-            </a:r>
-            <a:r>
-              <a:rPr lang="ru-RU" sz="2400" b="1" dirty="0" smtClean="0">
-                <a:latin typeface="Times New Roman" pitchFamily="18" charset="0"/>
-                <a:cs typeface="Times New Roman" pitchFamily="18" charset="0"/>
-              </a:rPr>
-              <a:t>сравнения пары </a:t>
-            </a:r>
-            <a:r>
-              <a:rPr lang="ru-RU" sz="2400" b="1" dirty="0" smtClean="0">
-                <a:latin typeface="Times New Roman" pitchFamily="18" charset="0"/>
-                <a:cs typeface="Times New Roman" pitchFamily="18" charset="0"/>
-              </a:rPr>
-              <a:t>альтернатив:</a:t>
+              <a:t>Шкала результата сравнения пары альтернатив:</a:t>
             </a:r>
           </a:p>
           <a:p>
@@ -7507,56 +8557,17 @@
                 <a:latin typeface="Times New Roman" pitchFamily="18" charset="0"/>
                 <a:cs typeface="Times New Roman" pitchFamily="18" charset="0"/>
               </a:rPr>
-              <a:t> 2</a:t>
-            </a:r>
+              <a:t> 2 – умеренное превосходство;</a:t>
+            </a:r>
+          </a:p>
+          <a:p>
             <a:r>
               <a:rPr lang="ru-RU" sz="2400" dirty="0" smtClean="0">
                 <a:latin typeface="Times New Roman" pitchFamily="18" charset="0"/>
                 <a:cs typeface="Times New Roman" pitchFamily="18" charset="0"/>
               </a:rPr>
-              <a:t> </a:t>
-            </a:r>
-            <a:r>
-              <a:rPr lang="ru-RU" sz="2400" dirty="0" smtClean="0">
-                <a:latin typeface="Times New Roman" pitchFamily="18" charset="0"/>
-                <a:cs typeface="Times New Roman" pitchFamily="18" charset="0"/>
-              </a:rPr>
-              <a:t>– умеренное превосходство;</a:t>
-            </a:r>
-          </a:p>
-          <a:p>
-            <a:r>
-              <a:rPr lang="ru-RU" sz="2400" dirty="0" smtClean="0">
-                <a:latin typeface="Times New Roman" pitchFamily="18" charset="0"/>
-                <a:cs typeface="Times New Roman" pitchFamily="18" charset="0"/>
-              </a:rPr>
-              <a:t> </a:t>
-            </a:r>
-            <a:r>
-              <a:rPr lang="ru-RU" sz="2400" dirty="0" smtClean="0">
-                <a:latin typeface="Times New Roman" pitchFamily="18" charset="0"/>
-                <a:cs typeface="Times New Roman" pitchFamily="18" charset="0"/>
-              </a:rPr>
-              <a:t>5 </a:t>
-            </a:r>
-            <a:r>
-              <a:rPr lang="ru-RU" sz="2400" dirty="0" smtClean="0">
-                <a:latin typeface="Times New Roman" pitchFamily="18" charset="0"/>
-                <a:cs typeface="Times New Roman" pitchFamily="18" charset="0"/>
-              </a:rPr>
-              <a:t>– сильное превосходство</a:t>
-            </a:r>
-            <a:r>
-              <a:rPr lang="ru-RU" sz="2400" dirty="0" smtClean="0">
-                <a:latin typeface="Times New Roman" pitchFamily="18" charset="0"/>
-                <a:cs typeface="Times New Roman" pitchFamily="18" charset="0"/>
-              </a:rPr>
-              <a:t>;</a:t>
-            </a:r>
-            <a:endParaRPr lang="ru-RU" sz="2400" dirty="0" smtClean="0">
-              <a:latin typeface="Times New Roman" pitchFamily="18" charset="0"/>
-              <a:cs typeface="Times New Roman" pitchFamily="18" charset="0"/>
-            </a:endParaRPr>
+              <a:t> 5 – сильное превосходство;</a:t>
+            </a:r>
           </a:p>
         </p:txBody>
       </p:sp>
@@ -7971,17 +8982,7 @@
                 <a:latin typeface="Times New Roman" pitchFamily="18" charset="0"/>
                 <a:cs typeface="Times New Roman" pitchFamily="18" charset="0"/>
               </a:rPr>
-              <a:t>Оценка критерия </a:t>
-            </a:r>
-            <a:r>
-              <a:rPr lang="ru-RU" sz="3200" dirty="0" smtClean="0">
-                <a:solidFill>
-                  <a:schemeClr val="bg1"/>
-                </a:solidFill>
-                <a:latin typeface="Times New Roman" pitchFamily="18" charset="0"/>
-                <a:cs typeface="Times New Roman" pitchFamily="18" charset="0"/>
-              </a:rPr>
-              <a:t>простота использования</a:t>
+              <a:t>Оценка критерия простота использования</a:t>
             </a:r>
             <a:endParaRPr lang="ru-RU" sz="3200" dirty="0">
               <a:solidFill>
@@ -8154,17 +9155,7 @@
                 <a:latin typeface="Times New Roman" pitchFamily="18" charset="0"/>
                 <a:cs typeface="Times New Roman" pitchFamily="18" charset="0"/>
               </a:rPr>
-              <a:t>Оценка критерия </a:t>
-            </a:r>
-            <a:r>
-              <a:rPr lang="ru-RU" sz="3200" dirty="0" smtClean="0">
-                <a:solidFill>
-                  <a:schemeClr val="bg1"/>
-                </a:solidFill>
-                <a:latin typeface="Times New Roman" pitchFamily="18" charset="0"/>
-                <a:cs typeface="Times New Roman" pitchFamily="18" charset="0"/>
-              </a:rPr>
-              <a:t>простота интеграции с другими системами</a:t>
+              <a:t>Оценка критерия простота интеграции с другими системами</a:t>
             </a:r>
             <a:endParaRPr lang="ru-RU" sz="3200" dirty="0">
               <a:solidFill>
@@ -8512,17 +9503,7 @@
                 <a:latin typeface="Times New Roman" pitchFamily="18" charset="0"/>
                 <a:cs typeface="Times New Roman" pitchFamily="18" charset="0"/>
               </a:rPr>
-              <a:t>Оценка </a:t>
-            </a:r>
-            <a:r>
-              <a:rPr lang="ru-RU" sz="3200" dirty="0" smtClean="0">
-                <a:solidFill>
-                  <a:schemeClr val="bg1"/>
-                </a:solidFill>
-                <a:latin typeface="Times New Roman" pitchFamily="18" charset="0"/>
-                <a:cs typeface="Times New Roman" pitchFamily="18" charset="0"/>
-              </a:rPr>
-              <a:t>функций полезности</a:t>
+              <a:t>Оценка функций полезности</a:t>
             </a:r>
             <a:endParaRPr lang="ru-RU" sz="3200" dirty="0">
               <a:solidFill>
@@ -8585,14 +9566,7 @@
                 <a:latin typeface="Times New Roman" pitchFamily="18" charset="0"/>
                 <a:cs typeface="Times New Roman" pitchFamily="18" charset="0"/>
               </a:rPr>
-              <a:t>Система </a:t>
-            </a:r>
-            <a:r>
-              <a:rPr lang="ru-RU" sz="2400" dirty="0" smtClean="0">
-                <a:latin typeface="Times New Roman" pitchFamily="18" charset="0"/>
-                <a:cs typeface="Times New Roman" pitchFamily="18" charset="0"/>
-              </a:rPr>
-              <a:t>«Турбо Бухгалтер» - 21.22%;</a:t>
+              <a:t>Система «Турбо Бухгалтер» - 21.22%;</a:t>
             </a:r>
           </a:p>
           <a:p>
@@ -8726,37 +9700,7 @@
                 <a:latin typeface="Times New Roman" pitchFamily="18" charset="0"/>
                 <a:cs typeface="Times New Roman" pitchFamily="18" charset="0"/>
               </a:rPr>
-              <a:t>Анализ стоимости </a:t>
-            </a:r>
-            <a:r>
-              <a:rPr lang="ru-RU" sz="3200" dirty="0" smtClean="0">
-                <a:solidFill>
-                  <a:schemeClr val="bg1"/>
-                </a:solidFill>
-                <a:latin typeface="Times New Roman" pitchFamily="18" charset="0"/>
-                <a:cs typeface="Times New Roman" pitchFamily="18" charset="0"/>
-              </a:rPr>
-              <a:t>программ и </a:t>
-            </a:r>
-            <a:r>
-              <a:rPr lang="ru-RU" sz="3200" dirty="0" smtClean="0">
-                <a:solidFill>
-                  <a:schemeClr val="bg1"/>
-                </a:solidFill>
-                <a:latin typeface="Times New Roman" pitchFamily="18" charset="0"/>
-                <a:cs typeface="Times New Roman" pitchFamily="18" charset="0"/>
-              </a:rPr>
-              <a:t>функции </a:t>
-            </a:r>
-            <a:r>
-              <a:rPr lang="ru-RU" sz="3200" dirty="0" smtClean="0">
-                <a:solidFill>
-                  <a:schemeClr val="bg1"/>
-                </a:solidFill>
-                <a:latin typeface="Times New Roman" pitchFamily="18" charset="0"/>
-                <a:cs typeface="Times New Roman" pitchFamily="18" charset="0"/>
-              </a:rPr>
-              <a:t>полезности</a:t>
+              <a:t>Анализ стоимости программ и функции полезности</a:t>
             </a:r>
             <a:endParaRPr lang="ru-RU" sz="3200" dirty="0">
               <a:solidFill>
@@ -8863,7 +9807,17 @@
                 <a:latin typeface="Times New Roman" pitchFamily="18" charset="0"/>
                 <a:cs typeface="Times New Roman" pitchFamily="18" charset="0"/>
               </a:rPr>
-              <a:t>Схема </a:t>
+              <a:t>Схема организации и критерии выбора     </a:t>
+            </a:r>
+            <a:r>
+              <a:rPr lang="en-US" sz="3200" dirty="0" smtClean="0">
+                <a:solidFill>
+                  <a:schemeClr val="bg1"/>
+                </a:solidFill>
+                <a:latin typeface="Times New Roman" pitchFamily="18" charset="0"/>
+                <a:cs typeface="Times New Roman" pitchFamily="18" charset="0"/>
+              </a:rPr>
+              <a:t>IP</a:t>
             </a:r>
             <a:r>
               <a:rPr lang="ru-RU" sz="3200" dirty="0" smtClean="0">
@@ -8873,37 +9827,7 @@
                 <a:latin typeface="Times New Roman" pitchFamily="18" charset="0"/>
                 <a:cs typeface="Times New Roman" pitchFamily="18" charset="0"/>
               </a:rPr>
-              <a:t>организации и критерии выбора     </a:t>
-            </a:r>
-            <a:r>
-              <a:rPr lang="en-US" sz="3200" dirty="0" smtClean="0">
-                <a:solidFill>
-                  <a:schemeClr val="bg1"/>
-                </a:solidFill>
-                <a:latin typeface="Times New Roman" pitchFamily="18" charset="0"/>
-                <a:cs typeface="Times New Roman" pitchFamily="18" charset="0"/>
-              </a:rPr>
-              <a:t>IP</a:t>
-            </a:r>
-            <a:r>
-              <a:rPr lang="ru-RU" sz="3200" dirty="0" smtClean="0">
-                <a:solidFill>
-                  <a:schemeClr val="bg1"/>
-                </a:solidFill>
-                <a:latin typeface="Times New Roman" pitchFamily="18" charset="0"/>
-                <a:cs typeface="Times New Roman" pitchFamily="18" charset="0"/>
-              </a:rPr>
-              <a:t> </a:t>
-            </a:r>
-            <a:r>
-              <a:rPr lang="ru-RU" sz="3200" dirty="0" smtClean="0">
-                <a:solidFill>
-                  <a:schemeClr val="bg1"/>
-                </a:solidFill>
-                <a:latin typeface="Times New Roman" pitchFamily="18" charset="0"/>
-                <a:cs typeface="Times New Roman" pitchFamily="18" charset="0"/>
-              </a:rPr>
-              <a:t>– телефонии</a:t>
+              <a:t> – телефонии</a:t>
             </a:r>
             <a:endParaRPr lang="ru-RU" sz="3200" dirty="0">
               <a:solidFill>
@@ -9010,14 +9934,7 @@
                 <a:latin typeface="Times New Roman" pitchFamily="18" charset="0"/>
                 <a:cs typeface="Times New Roman" pitchFamily="18" charset="0"/>
               </a:rPr>
-              <a:t> надежность </a:t>
-            </a:r>
-            <a:r>
-              <a:rPr lang="ru-RU" sz="2400" dirty="0" smtClean="0">
-                <a:latin typeface="Times New Roman" pitchFamily="18" charset="0"/>
-                <a:cs typeface="Times New Roman" pitchFamily="18" charset="0"/>
-              </a:rPr>
-              <a:t>и качество;</a:t>
+              <a:t> надежность и качество;</a:t>
             </a:r>
           </a:p>
           <a:p>
@@ -9030,14 +9947,7 @@
                 <a:latin typeface="Times New Roman" pitchFamily="18" charset="0"/>
                 <a:cs typeface="Times New Roman" pitchFamily="18" charset="0"/>
               </a:rPr>
-              <a:t> возможность </a:t>
-            </a:r>
-            <a:r>
-              <a:rPr lang="ru-RU" sz="2400" dirty="0" smtClean="0">
-                <a:latin typeface="Times New Roman" pitchFamily="18" charset="0"/>
-                <a:cs typeface="Times New Roman" pitchFamily="18" charset="0"/>
-              </a:rPr>
-              <a:t>подключения более 10 рабочих телефонных мест;</a:t>
+              <a:t> возможность подключения более 10 рабочих телефонных мест;</a:t>
             </a:r>
           </a:p>
           <a:p>
@@ -9050,14 +9960,7 @@
                 <a:latin typeface="Times New Roman" pitchFamily="18" charset="0"/>
                 <a:cs typeface="Times New Roman" pitchFamily="18" charset="0"/>
               </a:rPr>
-              <a:t> возможность  </a:t>
-            </a:r>
-            <a:r>
-              <a:rPr lang="ru-RU" sz="2400" dirty="0" smtClean="0">
-                <a:latin typeface="Times New Roman" pitchFamily="18" charset="0"/>
-                <a:cs typeface="Times New Roman" pitchFamily="18" charset="0"/>
-              </a:rPr>
-              <a:t>переадресации и внутренних вызовов;</a:t>
+              <a:t> возможность  переадресации и внутренних вызовов;</a:t>
             </a:r>
           </a:p>
           <a:p>
@@ -9070,14 +9973,7 @@
                 <a:latin typeface="Times New Roman" pitchFamily="18" charset="0"/>
                 <a:cs typeface="Times New Roman" pitchFamily="18" charset="0"/>
               </a:rPr>
-              <a:t> цена</a:t>
-            </a:r>
-            <a:r>
-              <a:rPr lang="ru-RU" sz="2400" dirty="0" smtClean="0">
-                <a:latin typeface="Times New Roman" pitchFamily="18" charset="0"/>
-                <a:cs typeface="Times New Roman" pitchFamily="18" charset="0"/>
-              </a:rPr>
-              <a:t>.</a:t>
+              <a:t> цена.</a:t>
             </a:r>
             <a:endParaRPr lang="ru-RU" sz="2400" dirty="0">
               <a:latin typeface="Times New Roman" pitchFamily="18" charset="0"/>
@@ -9390,17 +10286,7 @@
                 <a:latin typeface="Times New Roman" pitchFamily="18" charset="0"/>
                 <a:cs typeface="Times New Roman" pitchFamily="18" charset="0"/>
               </a:rPr>
-              <a:t>Системы безопасности и </a:t>
-            </a:r>
-            <a:r>
-              <a:rPr lang="ru-RU" sz="3200" dirty="0" smtClean="0">
-                <a:solidFill>
-                  <a:schemeClr val="bg1"/>
-                </a:solidFill>
-                <a:latin typeface="Times New Roman" pitchFamily="18" charset="0"/>
-                <a:cs typeface="Times New Roman" pitchFamily="18" charset="0"/>
-              </a:rPr>
-              <a:t>видеонаблюдения</a:t>
+              <a:t>Системы безопасности и видеонаблюдения</a:t>
             </a:r>
             <a:endParaRPr lang="ru-RU" sz="3200" dirty="0">
               <a:solidFill>
@@ -9448,14 +10334,7 @@
                 <a:latin typeface="Times New Roman" pitchFamily="18" charset="0"/>
                 <a:cs typeface="Times New Roman" pitchFamily="18" charset="0"/>
               </a:rPr>
-              <a:t>Основные требования </a:t>
-            </a:r>
-            <a:r>
-              <a:rPr lang="ru-RU" sz="2400" b="1" dirty="0" smtClean="0">
-                <a:latin typeface="Times New Roman" pitchFamily="18" charset="0"/>
-                <a:cs typeface="Times New Roman" pitchFamily="18" charset="0"/>
-              </a:rPr>
-              <a:t>к системе:</a:t>
+              <a:t>Основные требования к системе:</a:t>
             </a:r>
           </a:p>
           <a:p>
@@ -9468,21 +10347,7 @@
                 <a:latin typeface="Times New Roman" pitchFamily="18" charset="0"/>
                 <a:cs typeface="Times New Roman" pitchFamily="18" charset="0"/>
               </a:rPr>
-              <a:t> </a:t>
-            </a:r>
-            <a:r>
-              <a:rPr lang="ru-RU" sz="2400" dirty="0" smtClean="0">
-                <a:latin typeface="Times New Roman" pitchFamily="18" charset="0"/>
-                <a:cs typeface="Times New Roman" pitchFamily="18" charset="0"/>
-              </a:rPr>
-              <a:t>непрерывная круглосуточная работа</a:t>
-            </a:r>
-            <a:r>
-              <a:rPr lang="ru-RU" sz="2400" dirty="0" smtClean="0">
-                <a:latin typeface="Times New Roman" pitchFamily="18" charset="0"/>
-                <a:cs typeface="Times New Roman" pitchFamily="18" charset="0"/>
-              </a:rPr>
-              <a:t>;</a:t>
+              <a:t> непрерывная круглосуточная работа;</a:t>
             </a:r>
           </a:p>
           <a:p>
@@ -9495,14 +10360,7 @@
                 <a:latin typeface="Times New Roman" pitchFamily="18" charset="0"/>
                 <a:cs typeface="Times New Roman" pitchFamily="18" charset="0"/>
               </a:rPr>
-              <a:t> высокое </a:t>
-            </a:r>
-            <a:r>
-              <a:rPr lang="ru-RU" sz="2400" dirty="0" smtClean="0">
-                <a:latin typeface="Times New Roman" pitchFamily="18" charset="0"/>
-                <a:cs typeface="Times New Roman" pitchFamily="18" charset="0"/>
-              </a:rPr>
-              <a:t>разрешение(</a:t>
+              <a:t> высокое разрешение(</a:t>
             </a:r>
             <a:r>
               <a:rPr lang="en-US" sz="2400" dirty="0" smtClean="0">
@@ -9543,14 +10401,7 @@
                 <a:latin typeface="Times New Roman" pitchFamily="18" charset="0"/>
                 <a:cs typeface="Times New Roman" pitchFamily="18" charset="0"/>
               </a:rPr>
-              <a:t> угол </a:t>
-            </a:r>
-            <a:r>
-              <a:rPr lang="ru-RU" sz="2400" dirty="0" smtClean="0">
-                <a:latin typeface="Times New Roman" pitchFamily="18" charset="0"/>
-                <a:cs typeface="Times New Roman" pitchFamily="18" charset="0"/>
-              </a:rPr>
-              <a:t>обзора</a:t>
+              <a:t> угол обзора</a:t>
             </a:r>
             <a:r>
               <a:rPr lang="en-US" sz="2400" dirty="0" smtClean="0">
@@ -9584,14 +10435,7 @@
                 <a:latin typeface="Times New Roman" pitchFamily="18" charset="0"/>
                 <a:cs typeface="Times New Roman" pitchFamily="18" charset="0"/>
               </a:rPr>
-              <a:t> возможность </a:t>
-            </a:r>
-            <a:r>
-              <a:rPr lang="ru-RU" sz="2400" dirty="0" smtClean="0">
-                <a:latin typeface="Times New Roman" pitchFamily="18" charset="0"/>
-                <a:cs typeface="Times New Roman" pitchFamily="18" charset="0"/>
-              </a:rPr>
-              <a:t>хранения видеоархива большого объема;</a:t>
+              <a:t> возможность хранения видеоархива большого объема;</a:t>
             </a:r>
           </a:p>
           <a:p>
@@ -9604,26 +10448,8 @@
                 <a:latin typeface="Times New Roman" pitchFamily="18" charset="0"/>
                 <a:cs typeface="Times New Roman" pitchFamily="18" charset="0"/>
               </a:rPr>
-              <a:t> </a:t>
-            </a:r>
-            <a:r>
-              <a:rPr lang="ru-RU" sz="2400" dirty="0" smtClean="0">
-                <a:latin typeface="Times New Roman" pitchFamily="18" charset="0"/>
-                <a:cs typeface="Times New Roman" pitchFamily="18" charset="0"/>
-              </a:rPr>
-              <a:t>возможность переноса и дальнейшего просмотра информации из архива как в формате системы, так и в </a:t>
-            </a:r>
-            <a:r>
-              <a:rPr lang="ru-RU" sz="2400" dirty="0" smtClean="0">
-                <a:latin typeface="Times New Roman" pitchFamily="18" charset="0"/>
-                <a:cs typeface="Times New Roman" pitchFamily="18" charset="0"/>
-              </a:rPr>
-              <a:t>других</a:t>
-            </a:r>
-            <a:endParaRPr lang="ru-RU" sz="2400" dirty="0" smtClean="0">
-              <a:latin typeface="Times New Roman" pitchFamily="18" charset="0"/>
-              <a:cs typeface="Times New Roman" pitchFamily="18" charset="0"/>
-            </a:endParaRPr>
+              <a:t> возможность переноса и дальнейшего просмотра информации из архива как в формате системы, так и в других</a:t>
+            </a:r>
           </a:p>
           <a:p>
             <a:pPr lvl="0">
@@ -9635,14 +10461,7 @@
                 <a:latin typeface="Times New Roman" pitchFamily="18" charset="0"/>
                 <a:cs typeface="Times New Roman" pitchFamily="18" charset="0"/>
               </a:rPr>
-              <a:t> возможность </a:t>
-            </a:r>
-            <a:r>
-              <a:rPr lang="ru-RU" sz="2400" dirty="0" smtClean="0">
-                <a:latin typeface="Times New Roman" pitchFamily="18" charset="0"/>
-                <a:cs typeface="Times New Roman" pitchFamily="18" charset="0"/>
-              </a:rPr>
-              <a:t>полноэкранного вывода любой камеры при просмотре в режиме реального времени и просмотре видеоархива;</a:t>
+              <a:t> возможность полноэкранного вывода любой камеры при просмотре в режиме реального времени и просмотре видеоархива;</a:t>
             </a:r>
           </a:p>
           <a:p>
@@ -9655,14 +10474,7 @@
                 <a:latin typeface="Times New Roman" pitchFamily="18" charset="0"/>
                 <a:cs typeface="Times New Roman" pitchFamily="18" charset="0"/>
               </a:rPr>
-              <a:t> возможность </a:t>
-            </a:r>
-            <a:r>
-              <a:rPr lang="ru-RU" sz="2400" dirty="0" smtClean="0">
-                <a:latin typeface="Times New Roman" pitchFamily="18" charset="0"/>
-                <a:cs typeface="Times New Roman" pitchFamily="18" charset="0"/>
-              </a:rPr>
-              <a:t>многократного цифрового увеличения изображения и обработки «кадра»;</a:t>
+              <a:t> возможность многократного цифрового увеличения изображения и обработки «кадра»;</a:t>
             </a:r>
           </a:p>
           <a:p>
@@ -9798,14 +10610,7 @@
                 <a:latin typeface="Times New Roman" pitchFamily="18" charset="0"/>
                 <a:cs typeface="Times New Roman" pitchFamily="18" charset="0"/>
               </a:rPr>
-              <a:t>Общие </a:t>
-            </a:r>
-            <a:r>
-              <a:rPr lang="ru-RU" sz="2400" b="1" dirty="0" smtClean="0">
-                <a:latin typeface="Times New Roman" pitchFamily="18" charset="0"/>
-                <a:cs typeface="Times New Roman" pitchFamily="18" charset="0"/>
-              </a:rPr>
-              <a:t>требования к учетной системе:</a:t>
+              <a:t>Общие требования к учетной системе:</a:t>
             </a:r>
           </a:p>
           <a:p>
@@ -9818,14 +10623,7 @@
                 <a:latin typeface="Times New Roman" pitchFamily="18" charset="0"/>
                 <a:cs typeface="Times New Roman" pitchFamily="18" charset="0"/>
               </a:rPr>
-              <a:t> сбор </a:t>
-            </a:r>
-            <a:r>
-              <a:rPr lang="ru-RU" sz="2400" dirty="0" smtClean="0">
-                <a:latin typeface="Times New Roman" pitchFamily="18" charset="0"/>
-                <a:cs typeface="Times New Roman" pitchFamily="18" charset="0"/>
-              </a:rPr>
-              <a:t>первичных данных о деятельности компании и представление их в удобном для анализа виде;</a:t>
+              <a:t> сбор первичных данных о деятельности компании и представление их в удобном для анализа виде;</a:t>
             </a:r>
           </a:p>
           <a:p>
@@ -9838,14 +10636,7 @@
                 <a:latin typeface="Times New Roman" pitchFamily="18" charset="0"/>
                 <a:cs typeface="Times New Roman" pitchFamily="18" charset="0"/>
               </a:rPr>
-              <a:t> управленческий </a:t>
-            </a:r>
-            <a:r>
-              <a:rPr lang="ru-RU" sz="2400" dirty="0" smtClean="0">
-                <a:latin typeface="Times New Roman" pitchFamily="18" charset="0"/>
-                <a:cs typeface="Times New Roman" pitchFamily="18" charset="0"/>
-              </a:rPr>
-              <a:t>и регламентированный учет;</a:t>
+              <a:t> управленческий и регламентированный учет;</a:t>
             </a:r>
           </a:p>
           <a:p>
@@ -9858,14 +10649,7 @@
                 <a:latin typeface="Times New Roman" pitchFamily="18" charset="0"/>
                 <a:cs typeface="Times New Roman" pitchFamily="18" charset="0"/>
               </a:rPr>
-              <a:t> поддержка </a:t>
-            </a:r>
-            <a:r>
-              <a:rPr lang="ru-RU" sz="2400" dirty="0" smtClean="0">
-                <a:latin typeface="Times New Roman" pitchFamily="18" charset="0"/>
-                <a:cs typeface="Times New Roman" pitchFamily="18" charset="0"/>
-              </a:rPr>
-              <a:t>документооборота;</a:t>
+              <a:t> поддержка документооборота;</a:t>
             </a:r>
           </a:p>
           <a:p>
@@ -9878,14 +10662,7 @@
                 <a:latin typeface="Times New Roman" pitchFamily="18" charset="0"/>
                 <a:cs typeface="Times New Roman" pitchFamily="18" charset="0"/>
               </a:rPr>
-              <a:t> планирование </a:t>
-            </a:r>
-            <a:r>
-              <a:rPr lang="ru-RU" sz="2400" dirty="0" smtClean="0">
-                <a:latin typeface="Times New Roman" pitchFamily="18" charset="0"/>
-                <a:cs typeface="Times New Roman" pitchFamily="18" charset="0"/>
-              </a:rPr>
-              <a:t>и прогнозирование;</a:t>
+              <a:t> планирование и прогнозирование;</a:t>
             </a:r>
           </a:p>
           <a:p>
@@ -9898,14 +10675,7 @@
                 <a:latin typeface="Times New Roman" pitchFamily="18" charset="0"/>
                 <a:cs typeface="Times New Roman" pitchFamily="18" charset="0"/>
               </a:rPr>
-              <a:t> поддержка </a:t>
-            </a:r>
-            <a:r>
-              <a:rPr lang="ru-RU" sz="2400" dirty="0" smtClean="0">
-                <a:latin typeface="Times New Roman" pitchFamily="18" charset="0"/>
-                <a:cs typeface="Times New Roman" pitchFamily="18" charset="0"/>
-              </a:rPr>
-              <a:t>бизнес-процессов;</a:t>
+              <a:t> поддержка бизнес-процессов;</a:t>
             </a:r>
           </a:p>
           <a:p>
@@ -9918,14 +10688,7 @@
                 <a:latin typeface="Times New Roman" pitchFamily="18" charset="0"/>
                 <a:cs typeface="Times New Roman" pitchFamily="18" charset="0"/>
               </a:rPr>
-              <a:t> доработка </a:t>
-            </a:r>
-            <a:r>
-              <a:rPr lang="ru-RU" sz="2400" dirty="0" smtClean="0">
-                <a:latin typeface="Times New Roman" pitchFamily="18" charset="0"/>
-                <a:cs typeface="Times New Roman" pitchFamily="18" charset="0"/>
-              </a:rPr>
-              <a:t>под нужды предприятия;</a:t>
+              <a:t> доработка под нужды предприятия;</a:t>
             </a:r>
           </a:p>
           <a:p>
@@ -9938,14 +10701,7 @@
                 <a:latin typeface="Times New Roman" pitchFamily="18" charset="0"/>
                 <a:cs typeface="Times New Roman" pitchFamily="18" charset="0"/>
               </a:rPr>
-              <a:t> простота </a:t>
-            </a:r>
-            <a:r>
-              <a:rPr lang="ru-RU" sz="2400" dirty="0" smtClean="0">
-                <a:latin typeface="Times New Roman" pitchFamily="18" charset="0"/>
-                <a:cs typeface="Times New Roman" pitchFamily="18" charset="0"/>
-              </a:rPr>
-              <a:t>использования;</a:t>
+              <a:t> простота использования;</a:t>
             </a:r>
           </a:p>
           <a:p>
@@ -9958,14 +10714,7 @@
                 <a:latin typeface="Times New Roman" pitchFamily="18" charset="0"/>
                 <a:cs typeface="Times New Roman" pitchFamily="18" charset="0"/>
               </a:rPr>
-              <a:t> простота </a:t>
-            </a:r>
-            <a:r>
-              <a:rPr lang="ru-RU" sz="2400" dirty="0" smtClean="0">
-                <a:latin typeface="Times New Roman" pitchFamily="18" charset="0"/>
-                <a:cs typeface="Times New Roman" pitchFamily="18" charset="0"/>
-              </a:rPr>
-              <a:t>интеграции с другими системами.</a:t>
+              <a:t> простота интеграции с другими системами.</a:t>
             </a:r>
           </a:p>
           <a:p>
@@ -10091,14 +10840,7 @@
                 <a:latin typeface="Times New Roman" pitchFamily="18" charset="0"/>
                 <a:cs typeface="Times New Roman" pitchFamily="18" charset="0"/>
               </a:rPr>
-              <a:t>Автоматизирует </a:t>
-            </a:r>
-            <a:r>
-              <a:rPr lang="ru-RU" sz="2400" b="1" dirty="0" smtClean="0">
-                <a:latin typeface="Times New Roman" pitchFamily="18" charset="0"/>
-                <a:cs typeface="Times New Roman" pitchFamily="18" charset="0"/>
-              </a:rPr>
-              <a:t>следующие направления хозяйственной деятельности:</a:t>
+              <a:t>Автоматизирует следующие направления хозяйственной деятельности:</a:t>
             </a:r>
           </a:p>
           <a:p>
@@ -10111,14 +10853,7 @@
                 <a:latin typeface="Times New Roman" pitchFamily="18" charset="0"/>
                 <a:cs typeface="Times New Roman" pitchFamily="18" charset="0"/>
               </a:rPr>
-              <a:t> управление </a:t>
-            </a:r>
-            <a:r>
-              <a:rPr lang="ru-RU" sz="2400" dirty="0" smtClean="0">
-                <a:latin typeface="Times New Roman" pitchFamily="18" charset="0"/>
-                <a:cs typeface="Times New Roman" pitchFamily="18" charset="0"/>
-              </a:rPr>
-              <a:t>отношениями с клиентами;</a:t>
+              <a:t> управление отношениями с клиентами;</a:t>
             </a:r>
           </a:p>
           <a:p>
@@ -10131,14 +10866,7 @@
                 <a:latin typeface="Times New Roman" pitchFamily="18" charset="0"/>
                 <a:cs typeface="Times New Roman" pitchFamily="18" charset="0"/>
               </a:rPr>
-              <a:t> управление </a:t>
-            </a:r>
-            <a:r>
-              <a:rPr lang="ru-RU" sz="2400" dirty="0" smtClean="0">
-                <a:latin typeface="Times New Roman" pitchFamily="18" charset="0"/>
-                <a:cs typeface="Times New Roman" pitchFamily="18" charset="0"/>
-              </a:rPr>
-              <a:t>процессами продаж;</a:t>
+              <a:t> управление процессами продаж;</a:t>
             </a:r>
           </a:p>
           <a:p>
@@ -10151,14 +10879,7 @@
                 <a:latin typeface="Times New Roman" pitchFamily="18" charset="0"/>
                 <a:cs typeface="Times New Roman" pitchFamily="18" charset="0"/>
               </a:rPr>
-              <a:t> управление </a:t>
-            </a:r>
-            <a:r>
-              <a:rPr lang="ru-RU" sz="2400" dirty="0" smtClean="0">
-                <a:latin typeface="Times New Roman" pitchFamily="18" charset="0"/>
-                <a:cs typeface="Times New Roman" pitchFamily="18" charset="0"/>
-              </a:rPr>
-              <a:t>запасами;</a:t>
+              <a:t> управление запасами;</a:t>
             </a:r>
           </a:p>
           <a:p>
@@ -10171,14 +10892,7 @@
                 <a:latin typeface="Times New Roman" pitchFamily="18" charset="0"/>
                 <a:cs typeface="Times New Roman" pitchFamily="18" charset="0"/>
               </a:rPr>
-              <a:t> управление </a:t>
-            </a:r>
-            <a:r>
-              <a:rPr lang="ru-RU" sz="2400" dirty="0" smtClean="0">
-                <a:latin typeface="Times New Roman" pitchFamily="18" charset="0"/>
-                <a:cs typeface="Times New Roman" pitchFamily="18" charset="0"/>
-              </a:rPr>
-              <a:t>закупками;</a:t>
+              <a:t> управление закупками;</a:t>
             </a:r>
           </a:p>
           <a:p>
@@ -10191,14 +10905,7 @@
                 <a:latin typeface="Times New Roman" pitchFamily="18" charset="0"/>
                 <a:cs typeface="Times New Roman" pitchFamily="18" charset="0"/>
               </a:rPr>
-              <a:t> управление </a:t>
-            </a:r>
-            <a:r>
-              <a:rPr lang="ru-RU" sz="2400" dirty="0" smtClean="0">
-                <a:latin typeface="Times New Roman" pitchFamily="18" charset="0"/>
-                <a:cs typeface="Times New Roman" pitchFamily="18" charset="0"/>
-              </a:rPr>
-              <a:t>складом;</a:t>
+              <a:t> управление складом;</a:t>
             </a:r>
           </a:p>
           <a:p>
@@ -10211,14 +10918,7 @@
                 <a:latin typeface="Times New Roman" pitchFamily="18" charset="0"/>
                 <a:cs typeface="Times New Roman" pitchFamily="18" charset="0"/>
               </a:rPr>
-              <a:t> управление </a:t>
-            </a:r>
-            <a:r>
-              <a:rPr lang="ru-RU" sz="2400" dirty="0" smtClean="0">
-                <a:latin typeface="Times New Roman" pitchFamily="18" charset="0"/>
-                <a:cs typeface="Times New Roman" pitchFamily="18" charset="0"/>
-              </a:rPr>
-              <a:t>финансами;</a:t>
+              <a:t> управление финансами;</a:t>
             </a:r>
           </a:p>
           <a:p>
@@ -10231,14 +10931,7 @@
                 <a:latin typeface="Times New Roman" pitchFamily="18" charset="0"/>
                 <a:cs typeface="Times New Roman" pitchFamily="18" charset="0"/>
               </a:rPr>
-              <a:t> контроль </a:t>
-            </a:r>
-            <a:r>
-              <a:rPr lang="ru-RU" sz="2400" dirty="0" smtClean="0">
-                <a:latin typeface="Times New Roman" pitchFamily="18" charset="0"/>
-                <a:cs typeface="Times New Roman" pitchFamily="18" charset="0"/>
-              </a:rPr>
-              <a:t>и анализ целевых показателей деятельности предприятия.</a:t>
+              <a:t> контроль и анализ целевых показателей деятельности предприятия.</a:t>
             </a:r>
           </a:p>
           <a:p>
@@ -10247,6 +10940,1815 @@
               <a:buChar char="•"/>
             </a:pPr>
             <a:endParaRPr lang="ru-RU" sz="2400" dirty="0">
+              <a:latin typeface="Times New Roman" pitchFamily="18" charset="0"/>
+              <a:cs typeface="Times New Roman" pitchFamily="18" charset="0"/>
+            </a:endParaRPr>
+          </a:p>
+        </p:txBody>
+      </p:sp>
+    </p:spTree>
+  </p:cSld>
+  <p:clrMapOvr>
+    <a:masterClrMapping/>
+  </p:clrMapOvr>
+  <p:timing>
+    <p:tnLst>
+      <p:par>
+        <p:cTn id="1" dur="indefinite" restart="never" nodeType="tmRoot"/>
+      </p:par>
+    </p:tnLst>
+  </p:timing>
+</p:sld>
+</file>
+
+<file path=ppt/slides/slide23.xml><?xml version="1.0" encoding="utf-8"?>
+<p:sld xmlns:a="http://schemas.openxmlformats.org/drawingml/2006/main" xmlns:r="http://schemas.openxmlformats.org/officeDocument/2006/relationships" xmlns:p="http://schemas.openxmlformats.org/presentationml/2006/main">
+  <p:cSld>
+    <p:spTree>
+      <p:nvGrpSpPr>
+        <p:cNvPr id="1" name=""/>
+        <p:cNvGrpSpPr/>
+        <p:nvPr/>
+      </p:nvGrpSpPr>
+      <p:grpSpPr>
+        <a:xfrm>
+          <a:off x="0" y="0"/>
+          <a:ext cx="0" cy="0"/>
+          <a:chOff x="0" y="0"/>
+          <a:chExt cx="0" cy="0"/>
+        </a:xfrm>
+      </p:grpSpPr>
+      <p:sp>
+        <p:nvSpPr>
+          <p:cNvPr id="3" name="Заголовок 2"/>
+          <p:cNvSpPr>
+            <a:spLocks noGrp="1"/>
+          </p:cNvSpPr>
+          <p:nvPr>
+            <p:ph type="title"/>
+          </p:nvPr>
+        </p:nvSpPr>
+        <p:spPr>
+          <a:solidFill>
+            <a:schemeClr val="bg2">
+              <a:lumMod val="50000"/>
+            </a:schemeClr>
+          </a:solidFill>
+        </p:spPr>
+        <p:txBody>
+          <a:bodyPr>
+            <a:noAutofit/>
+          </a:bodyPr>
+          <a:lstStyle/>
+          <a:p>
+            <a:r>
+              <a:rPr lang="ru-RU" sz="3200" dirty="0" smtClean="0">
+                <a:solidFill>
+                  <a:schemeClr val="bg1"/>
+                </a:solidFill>
+                <a:latin typeface="Times New Roman" pitchFamily="18" charset="0"/>
+                <a:cs typeface="Times New Roman" pitchFamily="18" charset="0"/>
+              </a:rPr>
+              <a:t>Система «1C: Управление торговлей»</a:t>
+            </a:r>
+            <a:endParaRPr lang="ru-RU" sz="3200" dirty="0">
+              <a:solidFill>
+                <a:schemeClr val="bg1"/>
+              </a:solidFill>
+              <a:latin typeface="Times New Roman" pitchFamily="18" charset="0"/>
+              <a:cs typeface="Times New Roman" pitchFamily="18" charset="0"/>
+            </a:endParaRPr>
+          </a:p>
+        </p:txBody>
+      </p:sp>
+      <p:sp>
+        <p:nvSpPr>
+          <p:cNvPr id="5" name="Заголовок 2"/>
+          <p:cNvSpPr txBox="1">
+            <a:spLocks/>
+          </p:cNvSpPr>
+          <p:nvPr/>
+        </p:nvSpPr>
+        <p:spPr>
+          <a:xfrm>
+            <a:off x="467544" y="1196752"/>
+            <a:ext cx="8208912" cy="4320480"/>
+          </a:xfrm>
+          <a:prstGeom prst="rect">
+            <a:avLst/>
+          </a:prstGeom>
+          <a:noFill/>
+        </p:spPr>
+        <p:txBody>
+          <a:bodyPr vert="horz" rtlCol="0" anchor="ctr">
+            <a:noAutofit/>
+            <a:scene3d>
+              <a:camera prst="orthographicFront"/>
+              <a:lightRig rig="soft" dir="t"/>
+            </a:scene3d>
+            <a:sp3d prstMaterial="softEdge">
+              <a:bevelT w="25400" h="25400"/>
+            </a:sp3d>
+          </a:bodyPr>
+          <a:lstStyle/>
+          <a:p>
+            <a:r>
+              <a:rPr lang="ru-RU" sz="2400" b="1" dirty="0" smtClean="0">
+                <a:latin typeface="Times New Roman" pitchFamily="18" charset="0"/>
+                <a:cs typeface="Times New Roman" pitchFamily="18" charset="0"/>
+              </a:rPr>
+              <a:t>Конфигурация 1С «Управление торговлей» включает в себя</a:t>
+            </a:r>
+            <a:r>
+              <a:rPr lang="ru-RU" sz="2400" b="1" dirty="0" smtClean="0">
+                <a:latin typeface="Times New Roman" pitchFamily="18" charset="0"/>
+                <a:cs typeface="Times New Roman" pitchFamily="18" charset="0"/>
+              </a:rPr>
+              <a:t>:</a:t>
+            </a:r>
+          </a:p>
+          <a:p>
+            <a:pPr lvl="0">
+              <a:buFont typeface="Arial" pitchFamily="34" charset="0"/>
+              <a:buChar char="•"/>
+            </a:pPr>
+            <a:r>
+              <a:rPr lang="ru-RU" sz="2400" dirty="0" smtClean="0">
+                <a:latin typeface="Times New Roman" pitchFamily="18" charset="0"/>
+                <a:cs typeface="Times New Roman" pitchFamily="18" charset="0"/>
+              </a:rPr>
+              <a:t> справочники</a:t>
+            </a:r>
+            <a:r>
+              <a:rPr lang="ru-RU" sz="2400" dirty="0" smtClean="0">
+                <a:latin typeface="Times New Roman" pitchFamily="18" charset="0"/>
+                <a:cs typeface="Times New Roman" pitchFamily="18" charset="0"/>
+              </a:rPr>
+              <a:t>;</a:t>
+            </a:r>
+          </a:p>
+          <a:p>
+            <a:pPr lvl="0">
+              <a:buFont typeface="Arial" pitchFamily="34" charset="0"/>
+              <a:buChar char="•"/>
+            </a:pPr>
+            <a:r>
+              <a:rPr lang="ru-RU" sz="2400" dirty="0" smtClean="0">
+                <a:latin typeface="Times New Roman" pitchFamily="18" charset="0"/>
+                <a:cs typeface="Times New Roman" pitchFamily="18" charset="0"/>
+              </a:rPr>
+              <a:t> документы</a:t>
+            </a:r>
+            <a:r>
+              <a:rPr lang="ru-RU" sz="2400" dirty="0" smtClean="0">
+                <a:latin typeface="Times New Roman" pitchFamily="18" charset="0"/>
+                <a:cs typeface="Times New Roman" pitchFamily="18" charset="0"/>
+              </a:rPr>
+              <a:t>;</a:t>
+            </a:r>
+          </a:p>
+          <a:p>
+            <a:pPr lvl="0">
+              <a:buFont typeface="Arial" pitchFamily="34" charset="0"/>
+              <a:buChar char="•"/>
+            </a:pPr>
+            <a:r>
+              <a:rPr lang="ru-RU" sz="2400" dirty="0" smtClean="0">
+                <a:latin typeface="Times New Roman" pitchFamily="18" charset="0"/>
+                <a:cs typeface="Times New Roman" pitchFamily="18" charset="0"/>
+              </a:rPr>
+              <a:t> журналы</a:t>
+            </a:r>
+            <a:r>
+              <a:rPr lang="ru-RU" sz="2400" dirty="0" smtClean="0">
+                <a:latin typeface="Times New Roman" pitchFamily="18" charset="0"/>
+                <a:cs typeface="Times New Roman" pitchFamily="18" charset="0"/>
+              </a:rPr>
+              <a:t>;</a:t>
+            </a:r>
+          </a:p>
+          <a:p>
+            <a:pPr lvl="0">
+              <a:buFont typeface="Arial" pitchFamily="34" charset="0"/>
+              <a:buChar char="•"/>
+            </a:pPr>
+            <a:r>
+              <a:rPr lang="ru-RU" sz="2400" dirty="0" smtClean="0">
+                <a:latin typeface="Times New Roman" pitchFamily="18" charset="0"/>
+                <a:cs typeface="Times New Roman" pitchFamily="18" charset="0"/>
+              </a:rPr>
+              <a:t> отчеты</a:t>
+            </a:r>
+            <a:r>
+              <a:rPr lang="ru-RU" sz="2400" dirty="0" smtClean="0">
+                <a:latin typeface="Times New Roman" pitchFamily="18" charset="0"/>
+                <a:cs typeface="Times New Roman" pitchFamily="18" charset="0"/>
+              </a:rPr>
+              <a:t>.</a:t>
+            </a:r>
+          </a:p>
+          <a:p>
+            <a:endParaRPr lang="ru-RU" sz="2400" dirty="0">
+              <a:latin typeface="Times New Roman" pitchFamily="18" charset="0"/>
+              <a:cs typeface="Times New Roman" pitchFamily="18" charset="0"/>
+            </a:endParaRPr>
+          </a:p>
+        </p:txBody>
+      </p:sp>
+    </p:spTree>
+  </p:cSld>
+  <p:clrMapOvr>
+    <a:masterClrMapping/>
+  </p:clrMapOvr>
+  <p:timing>
+    <p:tnLst>
+      <p:par>
+        <p:cTn id="1" dur="indefinite" restart="never" nodeType="tmRoot"/>
+      </p:par>
+    </p:tnLst>
+  </p:timing>
+</p:sld>
+</file>
+
+<file path=ppt/slides/slide24.xml><?xml version="1.0" encoding="utf-8"?>
+<p:sld xmlns:a="http://schemas.openxmlformats.org/drawingml/2006/main" xmlns:r="http://schemas.openxmlformats.org/officeDocument/2006/relationships" xmlns:p="http://schemas.openxmlformats.org/presentationml/2006/main">
+  <p:cSld>
+    <p:spTree>
+      <p:nvGrpSpPr>
+        <p:cNvPr id="1" name=""/>
+        <p:cNvGrpSpPr/>
+        <p:nvPr/>
+      </p:nvGrpSpPr>
+      <p:grpSpPr>
+        <a:xfrm>
+          <a:off x="0" y="0"/>
+          <a:ext cx="0" cy="0"/>
+          <a:chOff x="0" y="0"/>
+          <a:chExt cx="0" cy="0"/>
+        </a:xfrm>
+      </p:grpSpPr>
+      <p:sp>
+        <p:nvSpPr>
+          <p:cNvPr id="3" name="Заголовок 2"/>
+          <p:cNvSpPr>
+            <a:spLocks noGrp="1"/>
+          </p:cNvSpPr>
+          <p:nvPr>
+            <p:ph type="title"/>
+          </p:nvPr>
+        </p:nvSpPr>
+        <p:spPr>
+          <a:solidFill>
+            <a:schemeClr val="bg2">
+              <a:lumMod val="50000"/>
+            </a:schemeClr>
+          </a:solidFill>
+        </p:spPr>
+        <p:txBody>
+          <a:bodyPr>
+            <a:noAutofit/>
+          </a:bodyPr>
+          <a:lstStyle/>
+          <a:p>
+            <a:r>
+              <a:rPr lang="ru-RU" sz="3200" dirty="0" smtClean="0">
+                <a:solidFill>
+                  <a:schemeClr val="bg1"/>
+                </a:solidFill>
+                <a:latin typeface="Times New Roman" pitchFamily="18" charset="0"/>
+                <a:cs typeface="Times New Roman" pitchFamily="18" charset="0"/>
+              </a:rPr>
+              <a:t>Система «1C: Управление торговлей</a:t>
+            </a:r>
+            <a:r>
+              <a:rPr lang="ru-RU" sz="3200" dirty="0" smtClean="0">
+                <a:solidFill>
+                  <a:schemeClr val="bg1"/>
+                </a:solidFill>
+                <a:latin typeface="Times New Roman" pitchFamily="18" charset="0"/>
+                <a:cs typeface="Times New Roman" pitchFamily="18" charset="0"/>
+              </a:rPr>
+              <a:t>» Справочники</a:t>
+            </a:r>
+            <a:endParaRPr lang="ru-RU" sz="3200" dirty="0">
+              <a:solidFill>
+                <a:schemeClr val="bg1"/>
+              </a:solidFill>
+              <a:latin typeface="Times New Roman" pitchFamily="18" charset="0"/>
+              <a:cs typeface="Times New Roman" pitchFamily="18" charset="0"/>
+            </a:endParaRPr>
+          </a:p>
+        </p:txBody>
+      </p:sp>
+      <p:sp>
+        <p:nvSpPr>
+          <p:cNvPr id="5" name="Заголовок 2"/>
+          <p:cNvSpPr txBox="1">
+            <a:spLocks/>
+          </p:cNvSpPr>
+          <p:nvPr/>
+        </p:nvSpPr>
+        <p:spPr>
+          <a:xfrm>
+            <a:off x="467544" y="1196752"/>
+            <a:ext cx="8208912" cy="3168352"/>
+          </a:xfrm>
+          <a:prstGeom prst="rect">
+            <a:avLst/>
+          </a:prstGeom>
+          <a:noFill/>
+        </p:spPr>
+        <p:txBody>
+          <a:bodyPr vert="horz" rtlCol="0" anchor="ctr">
+            <a:noAutofit/>
+            <a:scene3d>
+              <a:camera prst="orthographicFront"/>
+              <a:lightRig rig="soft" dir="t"/>
+            </a:scene3d>
+            <a:sp3d prstMaterial="softEdge">
+              <a:bevelT w="25400" h="25400"/>
+            </a:sp3d>
+          </a:bodyPr>
+          <a:lstStyle/>
+          <a:p>
+            <a:endParaRPr lang="ru-RU" sz="2400" dirty="0">
+              <a:latin typeface="Times New Roman" pitchFamily="18" charset="0"/>
+              <a:cs typeface="Times New Roman" pitchFamily="18" charset="0"/>
+            </a:endParaRPr>
+          </a:p>
+        </p:txBody>
+      </p:sp>
+      <p:sp>
+        <p:nvSpPr>
+          <p:cNvPr id="4" name="Заголовок 2"/>
+          <p:cNvSpPr txBox="1">
+            <a:spLocks/>
+          </p:cNvSpPr>
+          <p:nvPr/>
+        </p:nvSpPr>
+        <p:spPr>
+          <a:xfrm>
+            <a:off x="395536" y="1700808"/>
+            <a:ext cx="8280920" cy="4320480"/>
+          </a:xfrm>
+          <a:prstGeom prst="rect">
+            <a:avLst/>
+          </a:prstGeom>
+          <a:noFill/>
+        </p:spPr>
+        <p:txBody>
+          <a:bodyPr vert="horz" rtlCol="0" anchor="ctr">
+            <a:noAutofit/>
+            <a:scene3d>
+              <a:camera prst="orthographicFront"/>
+              <a:lightRig rig="soft" dir="t"/>
+            </a:scene3d>
+            <a:sp3d prstMaterial="softEdge">
+              <a:bevelT w="25400" h="25400"/>
+            </a:sp3d>
+          </a:bodyPr>
+          <a:lstStyle/>
+          <a:p>
+            <a:r>
+              <a:rPr lang="ru-RU" sz="2400" b="1" dirty="0" smtClean="0">
+                <a:latin typeface="Times New Roman" pitchFamily="18" charset="0"/>
+                <a:cs typeface="Times New Roman" pitchFamily="18" charset="0"/>
+              </a:rPr>
+              <a:t>Основные справочники:</a:t>
+            </a:r>
+          </a:p>
+          <a:p>
+            <a:pPr lvl="0">
+              <a:buFont typeface="Arial" pitchFamily="34" charset="0"/>
+              <a:buChar char="•"/>
+            </a:pPr>
+            <a:r>
+              <a:rPr lang="ru-RU" sz="2400" dirty="0" smtClean="0">
+                <a:latin typeface="Times New Roman" pitchFamily="18" charset="0"/>
+                <a:cs typeface="Times New Roman" pitchFamily="18" charset="0"/>
+              </a:rPr>
+              <a:t> контрагенты</a:t>
+            </a:r>
+            <a:r>
+              <a:rPr lang="ru-RU" sz="2400" dirty="0" smtClean="0">
+                <a:latin typeface="Times New Roman" pitchFamily="18" charset="0"/>
+                <a:cs typeface="Times New Roman" pitchFamily="18" charset="0"/>
+              </a:rPr>
+              <a:t>;</a:t>
+            </a:r>
+          </a:p>
+          <a:p>
+            <a:pPr lvl="0">
+              <a:buFont typeface="Arial" pitchFamily="34" charset="0"/>
+              <a:buChar char="•"/>
+            </a:pPr>
+            <a:r>
+              <a:rPr lang="ru-RU" sz="2400" dirty="0" smtClean="0">
+                <a:latin typeface="Times New Roman" pitchFamily="18" charset="0"/>
+                <a:cs typeface="Times New Roman" pitchFamily="18" charset="0"/>
+              </a:rPr>
+              <a:t> организации</a:t>
+            </a:r>
+            <a:r>
+              <a:rPr lang="ru-RU" sz="2400" dirty="0" smtClean="0">
+                <a:latin typeface="Times New Roman" pitchFamily="18" charset="0"/>
+                <a:cs typeface="Times New Roman" pitchFamily="18" charset="0"/>
+              </a:rPr>
+              <a:t>;</a:t>
+            </a:r>
+          </a:p>
+          <a:p>
+            <a:pPr lvl="0">
+              <a:buFont typeface="Arial" pitchFamily="34" charset="0"/>
+              <a:buChar char="•"/>
+            </a:pPr>
+            <a:r>
+              <a:rPr lang="ru-RU" sz="2400" dirty="0" smtClean="0">
+                <a:latin typeface="Times New Roman" pitchFamily="18" charset="0"/>
+                <a:cs typeface="Times New Roman" pitchFamily="18" charset="0"/>
+              </a:rPr>
+              <a:t> номенклатура.</a:t>
+            </a:r>
+          </a:p>
+          <a:p>
+            <a:pPr lvl="0">
+              <a:buFont typeface="Arial" pitchFamily="34" charset="0"/>
+              <a:buChar char="•"/>
+            </a:pPr>
+            <a:endParaRPr lang="ru-RU" sz="2400" dirty="0" smtClean="0">
+              <a:latin typeface="Times New Roman" pitchFamily="18" charset="0"/>
+              <a:cs typeface="Times New Roman" pitchFamily="18" charset="0"/>
+            </a:endParaRPr>
+          </a:p>
+          <a:p>
+            <a:r>
+              <a:rPr lang="ru-RU" sz="2400" b="1" dirty="0" smtClean="0">
+                <a:latin typeface="Times New Roman" pitchFamily="18" charset="0"/>
+                <a:cs typeface="Times New Roman" pitchFamily="18" charset="0"/>
+              </a:rPr>
+              <a:t>Контрагенты:</a:t>
+            </a:r>
+            <a:endParaRPr lang="ru-RU" sz="2400" b="1" dirty="0" smtClean="0">
+              <a:latin typeface="Times New Roman" pitchFamily="18" charset="0"/>
+              <a:cs typeface="Times New Roman" pitchFamily="18" charset="0"/>
+            </a:endParaRPr>
+          </a:p>
+          <a:p>
+            <a:pPr lvl="0">
+              <a:buFont typeface="Arial" pitchFamily="34" charset="0"/>
+              <a:buChar char="•"/>
+            </a:pPr>
+            <a:r>
+              <a:rPr lang="ru-RU" sz="2400" dirty="0" smtClean="0">
+                <a:latin typeface="Times New Roman" pitchFamily="18" charset="0"/>
+                <a:cs typeface="Times New Roman" pitchFamily="18" charset="0"/>
+              </a:rPr>
+              <a:t> покупатели</a:t>
+            </a:r>
+            <a:r>
+              <a:rPr lang="ru-RU" sz="2400" dirty="0" smtClean="0">
+                <a:latin typeface="Times New Roman" pitchFamily="18" charset="0"/>
+                <a:cs typeface="Times New Roman" pitchFamily="18" charset="0"/>
+              </a:rPr>
+              <a:t>;</a:t>
+            </a:r>
+          </a:p>
+          <a:p>
+            <a:pPr lvl="0">
+              <a:buFont typeface="Arial" pitchFamily="34" charset="0"/>
+              <a:buChar char="•"/>
+            </a:pPr>
+            <a:r>
+              <a:rPr lang="ru-RU" sz="2400" dirty="0" smtClean="0">
+                <a:latin typeface="Times New Roman" pitchFamily="18" charset="0"/>
+                <a:cs typeface="Times New Roman" pitchFamily="18" charset="0"/>
+              </a:rPr>
+              <a:t> поставщики</a:t>
+            </a:r>
+            <a:r>
+              <a:rPr lang="ru-RU" sz="2400" dirty="0" smtClean="0">
+                <a:latin typeface="Times New Roman" pitchFamily="18" charset="0"/>
+                <a:cs typeface="Times New Roman" pitchFamily="18" charset="0"/>
+              </a:rPr>
+              <a:t>.</a:t>
+            </a:r>
+          </a:p>
+          <a:p>
+            <a:pPr lvl="0"/>
+            <a:endParaRPr lang="ru-RU" sz="2400" dirty="0" smtClean="0">
+              <a:latin typeface="Times New Roman" pitchFamily="18" charset="0"/>
+              <a:cs typeface="Times New Roman" pitchFamily="18" charset="0"/>
+            </a:endParaRPr>
+          </a:p>
+          <a:p>
+            <a:endParaRPr lang="ru-RU" sz="2400" dirty="0">
+              <a:latin typeface="Times New Roman" pitchFamily="18" charset="0"/>
+              <a:cs typeface="Times New Roman" pitchFamily="18" charset="0"/>
+            </a:endParaRPr>
+          </a:p>
+        </p:txBody>
+      </p:sp>
+    </p:spTree>
+  </p:cSld>
+  <p:clrMapOvr>
+    <a:masterClrMapping/>
+  </p:clrMapOvr>
+  <p:timing>
+    <p:tnLst>
+      <p:par>
+        <p:cTn id="1" dur="indefinite" restart="never" nodeType="tmRoot"/>
+      </p:par>
+    </p:tnLst>
+  </p:timing>
+</p:sld>
+</file>
+
+<file path=ppt/slides/slide25.xml><?xml version="1.0" encoding="utf-8"?>
+<p:sld xmlns:a="http://schemas.openxmlformats.org/drawingml/2006/main" xmlns:r="http://schemas.openxmlformats.org/officeDocument/2006/relationships" xmlns:p="http://schemas.openxmlformats.org/presentationml/2006/main">
+  <p:cSld>
+    <p:spTree>
+      <p:nvGrpSpPr>
+        <p:cNvPr id="1" name=""/>
+        <p:cNvGrpSpPr/>
+        <p:nvPr/>
+      </p:nvGrpSpPr>
+      <p:grpSpPr>
+        <a:xfrm>
+          <a:off x="0" y="0"/>
+          <a:ext cx="0" cy="0"/>
+          <a:chOff x="0" y="0"/>
+          <a:chExt cx="0" cy="0"/>
+        </a:xfrm>
+      </p:grpSpPr>
+      <p:sp>
+        <p:nvSpPr>
+          <p:cNvPr id="3" name="Заголовок 2"/>
+          <p:cNvSpPr>
+            <a:spLocks noGrp="1"/>
+          </p:cNvSpPr>
+          <p:nvPr>
+            <p:ph type="title"/>
+          </p:nvPr>
+        </p:nvSpPr>
+        <p:spPr>
+          <a:solidFill>
+            <a:schemeClr val="bg2">
+              <a:lumMod val="50000"/>
+            </a:schemeClr>
+          </a:solidFill>
+        </p:spPr>
+        <p:txBody>
+          <a:bodyPr>
+            <a:noAutofit/>
+          </a:bodyPr>
+          <a:lstStyle/>
+          <a:p>
+            <a:r>
+              <a:rPr lang="ru-RU" sz="3200" dirty="0" smtClean="0">
+                <a:solidFill>
+                  <a:schemeClr val="bg1"/>
+                </a:solidFill>
+                <a:latin typeface="Times New Roman" pitchFamily="18" charset="0"/>
+                <a:cs typeface="Times New Roman" pitchFamily="18" charset="0"/>
+              </a:rPr>
+              <a:t>Система «1C: Управление торговлей</a:t>
+            </a:r>
+            <a:r>
+              <a:rPr lang="ru-RU" sz="3200" dirty="0" smtClean="0">
+                <a:solidFill>
+                  <a:schemeClr val="bg1"/>
+                </a:solidFill>
+                <a:latin typeface="Times New Roman" pitchFamily="18" charset="0"/>
+                <a:cs typeface="Times New Roman" pitchFamily="18" charset="0"/>
+              </a:rPr>
+              <a:t>» Документы</a:t>
+            </a:r>
+            <a:endParaRPr lang="ru-RU" sz="3200" dirty="0">
+              <a:solidFill>
+                <a:schemeClr val="bg1"/>
+              </a:solidFill>
+              <a:latin typeface="Times New Roman" pitchFamily="18" charset="0"/>
+              <a:cs typeface="Times New Roman" pitchFamily="18" charset="0"/>
+            </a:endParaRPr>
+          </a:p>
+        </p:txBody>
+      </p:sp>
+      <p:sp>
+        <p:nvSpPr>
+          <p:cNvPr id="5" name="Заголовок 2"/>
+          <p:cNvSpPr txBox="1">
+            <a:spLocks/>
+          </p:cNvSpPr>
+          <p:nvPr/>
+        </p:nvSpPr>
+        <p:spPr>
+          <a:xfrm>
+            <a:off x="467544" y="1196752"/>
+            <a:ext cx="8208912" cy="3168352"/>
+          </a:xfrm>
+          <a:prstGeom prst="rect">
+            <a:avLst/>
+          </a:prstGeom>
+          <a:noFill/>
+        </p:spPr>
+        <p:txBody>
+          <a:bodyPr vert="horz" rtlCol="0" anchor="ctr">
+            <a:noAutofit/>
+            <a:scene3d>
+              <a:camera prst="orthographicFront"/>
+              <a:lightRig rig="soft" dir="t"/>
+            </a:scene3d>
+            <a:sp3d prstMaterial="softEdge">
+              <a:bevelT w="25400" h="25400"/>
+            </a:sp3d>
+          </a:bodyPr>
+          <a:lstStyle/>
+          <a:p>
+            <a:endParaRPr lang="ru-RU" sz="2400" dirty="0">
+              <a:latin typeface="Times New Roman" pitchFamily="18" charset="0"/>
+              <a:cs typeface="Times New Roman" pitchFamily="18" charset="0"/>
+            </a:endParaRPr>
+          </a:p>
+        </p:txBody>
+      </p:sp>
+      <p:sp>
+        <p:nvSpPr>
+          <p:cNvPr id="4" name="Заголовок 2"/>
+          <p:cNvSpPr txBox="1">
+            <a:spLocks/>
+          </p:cNvSpPr>
+          <p:nvPr/>
+        </p:nvSpPr>
+        <p:spPr>
+          <a:xfrm>
+            <a:off x="395536" y="1700808"/>
+            <a:ext cx="8280920" cy="3240360"/>
+          </a:xfrm>
+          <a:prstGeom prst="rect">
+            <a:avLst/>
+          </a:prstGeom>
+          <a:noFill/>
+        </p:spPr>
+        <p:txBody>
+          <a:bodyPr vert="horz" rtlCol="0" anchor="ctr">
+            <a:noAutofit/>
+            <a:scene3d>
+              <a:camera prst="orthographicFront"/>
+              <a:lightRig rig="soft" dir="t"/>
+            </a:scene3d>
+            <a:sp3d prstMaterial="softEdge">
+              <a:bevelT w="25400" h="25400"/>
+            </a:sp3d>
+          </a:bodyPr>
+          <a:lstStyle/>
+          <a:p>
+            <a:r>
+              <a:rPr lang="ru-RU" sz="2400" b="1" dirty="0" smtClean="0">
+                <a:latin typeface="Times New Roman" pitchFamily="18" charset="0"/>
+                <a:cs typeface="Times New Roman" pitchFamily="18" charset="0"/>
+              </a:rPr>
+              <a:t>Основные документы 1С «Управление торговлей»:</a:t>
+            </a:r>
+          </a:p>
+          <a:p>
+            <a:pPr lvl="0">
+              <a:buFont typeface="Arial" pitchFamily="34" charset="0"/>
+              <a:buChar char="•"/>
+            </a:pPr>
+            <a:r>
+              <a:rPr lang="ru-RU" sz="2400" dirty="0" smtClean="0">
+                <a:latin typeface="Times New Roman" pitchFamily="18" charset="0"/>
+                <a:cs typeface="Times New Roman" pitchFamily="18" charset="0"/>
+              </a:rPr>
+              <a:t> заказ </a:t>
+            </a:r>
+            <a:r>
+              <a:rPr lang="ru-RU" sz="2400" dirty="0" smtClean="0">
+                <a:latin typeface="Times New Roman" pitchFamily="18" charset="0"/>
+                <a:cs typeface="Times New Roman" pitchFamily="18" charset="0"/>
+              </a:rPr>
+              <a:t>покупателя;</a:t>
+            </a:r>
+          </a:p>
+          <a:p>
+            <a:pPr lvl="0">
+              <a:buFont typeface="Arial" pitchFamily="34" charset="0"/>
+              <a:buChar char="•"/>
+            </a:pPr>
+            <a:r>
+              <a:rPr lang="ru-RU" sz="2400" dirty="0" smtClean="0">
+                <a:latin typeface="Times New Roman" pitchFamily="18" charset="0"/>
+                <a:cs typeface="Times New Roman" pitchFamily="18" charset="0"/>
+              </a:rPr>
+              <a:t> счет-фактура</a:t>
+            </a:r>
+            <a:r>
+              <a:rPr lang="ru-RU" sz="2400" dirty="0" smtClean="0">
+                <a:latin typeface="Times New Roman" pitchFamily="18" charset="0"/>
+                <a:cs typeface="Times New Roman" pitchFamily="18" charset="0"/>
+              </a:rPr>
+              <a:t>;</a:t>
+            </a:r>
+          </a:p>
+          <a:p>
+            <a:pPr lvl="0">
+              <a:buFont typeface="Arial" pitchFamily="34" charset="0"/>
+              <a:buChar char="•"/>
+            </a:pPr>
+            <a:r>
+              <a:rPr lang="ru-RU" sz="2400" dirty="0" smtClean="0">
+                <a:latin typeface="Times New Roman" pitchFamily="18" charset="0"/>
+                <a:cs typeface="Times New Roman" pitchFamily="18" charset="0"/>
+              </a:rPr>
+              <a:t> реализация </a:t>
+            </a:r>
+            <a:r>
+              <a:rPr lang="ru-RU" sz="2400" dirty="0" smtClean="0">
+                <a:latin typeface="Times New Roman" pitchFamily="18" charset="0"/>
+                <a:cs typeface="Times New Roman" pitchFamily="18" charset="0"/>
+              </a:rPr>
+              <a:t>товаров и услуг;</a:t>
+            </a:r>
+          </a:p>
+          <a:p>
+            <a:pPr lvl="0">
+              <a:buFont typeface="Arial" pitchFamily="34" charset="0"/>
+              <a:buChar char="•"/>
+            </a:pPr>
+            <a:r>
+              <a:rPr lang="ru-RU" sz="2400" dirty="0" smtClean="0">
+                <a:latin typeface="Times New Roman" pitchFamily="18" charset="0"/>
+                <a:cs typeface="Times New Roman" pitchFamily="18" charset="0"/>
+              </a:rPr>
+              <a:t> финансовые </a:t>
+            </a:r>
+            <a:r>
+              <a:rPr lang="ru-RU" sz="2400" dirty="0" smtClean="0">
+                <a:latin typeface="Times New Roman" pitchFamily="18" charset="0"/>
+                <a:cs typeface="Times New Roman" pitchFamily="18" charset="0"/>
+              </a:rPr>
+              <a:t>документы.</a:t>
+            </a:r>
+          </a:p>
+          <a:p>
+            <a:pPr lvl="0"/>
+            <a:endParaRPr lang="ru-RU" sz="2400" dirty="0" smtClean="0">
+              <a:latin typeface="Times New Roman" pitchFamily="18" charset="0"/>
+              <a:cs typeface="Times New Roman" pitchFamily="18" charset="0"/>
+            </a:endParaRPr>
+          </a:p>
+          <a:p>
+            <a:endParaRPr lang="ru-RU" sz="2400" dirty="0">
+              <a:latin typeface="Times New Roman" pitchFamily="18" charset="0"/>
+              <a:cs typeface="Times New Roman" pitchFamily="18" charset="0"/>
+            </a:endParaRPr>
+          </a:p>
+        </p:txBody>
+      </p:sp>
+    </p:spTree>
+  </p:cSld>
+  <p:clrMapOvr>
+    <a:masterClrMapping/>
+  </p:clrMapOvr>
+  <p:timing>
+    <p:tnLst>
+      <p:par>
+        <p:cTn id="1" dur="indefinite" restart="never" nodeType="tmRoot"/>
+      </p:par>
+    </p:tnLst>
+  </p:timing>
+</p:sld>
+</file>
+
+<file path=ppt/slides/slide26.xml><?xml version="1.0" encoding="utf-8"?>
+<p:sld xmlns:a="http://schemas.openxmlformats.org/drawingml/2006/main" xmlns:r="http://schemas.openxmlformats.org/officeDocument/2006/relationships" xmlns:p="http://schemas.openxmlformats.org/presentationml/2006/main">
+  <p:cSld>
+    <p:spTree>
+      <p:nvGrpSpPr>
+        <p:cNvPr id="1" name=""/>
+        <p:cNvGrpSpPr/>
+        <p:nvPr/>
+      </p:nvGrpSpPr>
+      <p:grpSpPr>
+        <a:xfrm>
+          <a:off x="0" y="0"/>
+          <a:ext cx="0" cy="0"/>
+          <a:chOff x="0" y="0"/>
+          <a:chExt cx="0" cy="0"/>
+        </a:xfrm>
+      </p:grpSpPr>
+      <p:sp>
+        <p:nvSpPr>
+          <p:cNvPr id="3" name="Заголовок 2"/>
+          <p:cNvSpPr>
+            <a:spLocks noGrp="1"/>
+          </p:cNvSpPr>
+          <p:nvPr>
+            <p:ph type="title"/>
+          </p:nvPr>
+        </p:nvSpPr>
+        <p:spPr>
+          <a:solidFill>
+            <a:schemeClr val="bg2">
+              <a:lumMod val="50000"/>
+            </a:schemeClr>
+          </a:solidFill>
+        </p:spPr>
+        <p:txBody>
+          <a:bodyPr>
+            <a:noAutofit/>
+          </a:bodyPr>
+          <a:lstStyle/>
+          <a:p>
+            <a:r>
+              <a:rPr lang="ru-RU" sz="3200" dirty="0" smtClean="0">
+                <a:solidFill>
+                  <a:schemeClr val="bg1"/>
+                </a:solidFill>
+                <a:latin typeface="Times New Roman" pitchFamily="18" charset="0"/>
+                <a:cs typeface="Times New Roman" pitchFamily="18" charset="0"/>
+              </a:rPr>
+              <a:t>Система «1C: Управление торговлей</a:t>
+            </a:r>
+            <a:r>
+              <a:rPr lang="ru-RU" sz="3200" dirty="0" smtClean="0">
+                <a:solidFill>
+                  <a:schemeClr val="bg1"/>
+                </a:solidFill>
+                <a:latin typeface="Times New Roman" pitchFamily="18" charset="0"/>
+                <a:cs typeface="Times New Roman" pitchFamily="18" charset="0"/>
+              </a:rPr>
+              <a:t>» Журналы</a:t>
+            </a:r>
+            <a:endParaRPr lang="ru-RU" sz="3200" dirty="0">
+              <a:solidFill>
+                <a:schemeClr val="bg1"/>
+              </a:solidFill>
+              <a:latin typeface="Times New Roman" pitchFamily="18" charset="0"/>
+              <a:cs typeface="Times New Roman" pitchFamily="18" charset="0"/>
+            </a:endParaRPr>
+          </a:p>
+        </p:txBody>
+      </p:sp>
+      <p:sp>
+        <p:nvSpPr>
+          <p:cNvPr id="5" name="Заголовок 2"/>
+          <p:cNvSpPr txBox="1">
+            <a:spLocks/>
+          </p:cNvSpPr>
+          <p:nvPr/>
+        </p:nvSpPr>
+        <p:spPr>
+          <a:xfrm>
+            <a:off x="467544" y="1196752"/>
+            <a:ext cx="8208912" cy="3168352"/>
+          </a:xfrm>
+          <a:prstGeom prst="rect">
+            <a:avLst/>
+          </a:prstGeom>
+          <a:noFill/>
+        </p:spPr>
+        <p:txBody>
+          <a:bodyPr vert="horz" rtlCol="0" anchor="ctr">
+            <a:noAutofit/>
+            <a:scene3d>
+              <a:camera prst="orthographicFront"/>
+              <a:lightRig rig="soft" dir="t"/>
+            </a:scene3d>
+            <a:sp3d prstMaterial="softEdge">
+              <a:bevelT w="25400" h="25400"/>
+            </a:sp3d>
+          </a:bodyPr>
+          <a:lstStyle/>
+          <a:p>
+            <a:endParaRPr lang="ru-RU" sz="2400" dirty="0">
+              <a:latin typeface="Times New Roman" pitchFamily="18" charset="0"/>
+              <a:cs typeface="Times New Roman" pitchFamily="18" charset="0"/>
+            </a:endParaRPr>
+          </a:p>
+        </p:txBody>
+      </p:sp>
+      <p:sp>
+        <p:nvSpPr>
+          <p:cNvPr id="4" name="Заголовок 2"/>
+          <p:cNvSpPr txBox="1">
+            <a:spLocks/>
+          </p:cNvSpPr>
+          <p:nvPr/>
+        </p:nvSpPr>
+        <p:spPr>
+          <a:xfrm>
+            <a:off x="395536" y="1700808"/>
+            <a:ext cx="8280920" cy="3240360"/>
+          </a:xfrm>
+          <a:prstGeom prst="rect">
+            <a:avLst/>
+          </a:prstGeom>
+          <a:noFill/>
+        </p:spPr>
+        <p:txBody>
+          <a:bodyPr vert="horz" rtlCol="0" anchor="ctr">
+            <a:noAutofit/>
+            <a:scene3d>
+              <a:camera prst="orthographicFront"/>
+              <a:lightRig rig="soft" dir="t"/>
+            </a:scene3d>
+            <a:sp3d prstMaterial="softEdge">
+              <a:bevelT w="25400" h="25400"/>
+            </a:sp3d>
+          </a:bodyPr>
+          <a:lstStyle/>
+          <a:p>
+            <a:r>
+              <a:rPr lang="ru-RU" sz="2400" b="1" dirty="0" smtClean="0">
+                <a:latin typeface="Times New Roman" pitchFamily="18" charset="0"/>
+                <a:cs typeface="Times New Roman" pitchFamily="18" charset="0"/>
+              </a:rPr>
+              <a:t>Журналы документов </a:t>
+            </a:r>
+            <a:r>
+              <a:rPr lang="ru-RU" sz="2400" dirty="0" smtClean="0">
+                <a:latin typeface="Times New Roman" pitchFamily="18" charset="0"/>
+                <a:cs typeface="Times New Roman" pitchFamily="18" charset="0"/>
+              </a:rPr>
+              <a:t>– это прикладные объекты конфигурации, предназначенные для просмотра документов разных типов. </a:t>
+            </a:r>
+          </a:p>
+          <a:p>
+            <a:endParaRPr lang="ru-RU" sz="2400" dirty="0">
+              <a:latin typeface="Times New Roman" pitchFamily="18" charset="0"/>
+              <a:cs typeface="Times New Roman" pitchFamily="18" charset="0"/>
+            </a:endParaRPr>
+          </a:p>
+        </p:txBody>
+      </p:sp>
+    </p:spTree>
+  </p:cSld>
+  <p:clrMapOvr>
+    <a:masterClrMapping/>
+  </p:clrMapOvr>
+  <p:timing>
+    <p:tnLst>
+      <p:par>
+        <p:cTn id="1" dur="indefinite" restart="never" nodeType="tmRoot"/>
+      </p:par>
+    </p:tnLst>
+  </p:timing>
+</p:sld>
+</file>
+
+<file path=ppt/slides/slide27.xml><?xml version="1.0" encoding="utf-8"?>
+<p:sld xmlns:a="http://schemas.openxmlformats.org/drawingml/2006/main" xmlns:r="http://schemas.openxmlformats.org/officeDocument/2006/relationships" xmlns:p="http://schemas.openxmlformats.org/presentationml/2006/main">
+  <p:cSld>
+    <p:spTree>
+      <p:nvGrpSpPr>
+        <p:cNvPr id="1" name=""/>
+        <p:cNvGrpSpPr/>
+        <p:nvPr/>
+      </p:nvGrpSpPr>
+      <p:grpSpPr>
+        <a:xfrm>
+          <a:off x="0" y="0"/>
+          <a:ext cx="0" cy="0"/>
+          <a:chOff x="0" y="0"/>
+          <a:chExt cx="0" cy="0"/>
+        </a:xfrm>
+      </p:grpSpPr>
+      <p:sp>
+        <p:nvSpPr>
+          <p:cNvPr id="3" name="Заголовок 2"/>
+          <p:cNvSpPr>
+            <a:spLocks noGrp="1"/>
+          </p:cNvSpPr>
+          <p:nvPr>
+            <p:ph type="title"/>
+          </p:nvPr>
+        </p:nvSpPr>
+        <p:spPr>
+          <a:solidFill>
+            <a:schemeClr val="bg2">
+              <a:lumMod val="50000"/>
+            </a:schemeClr>
+          </a:solidFill>
+        </p:spPr>
+        <p:txBody>
+          <a:bodyPr>
+            <a:noAutofit/>
+          </a:bodyPr>
+          <a:lstStyle/>
+          <a:p>
+            <a:r>
+              <a:rPr lang="ru-RU" sz="3200" dirty="0" smtClean="0">
+                <a:solidFill>
+                  <a:schemeClr val="bg1"/>
+                </a:solidFill>
+                <a:latin typeface="Times New Roman" pitchFamily="18" charset="0"/>
+                <a:cs typeface="Times New Roman" pitchFamily="18" charset="0"/>
+              </a:rPr>
+              <a:t>Система «1C: Управление торговлей</a:t>
+            </a:r>
+            <a:r>
+              <a:rPr lang="ru-RU" sz="3200" dirty="0" smtClean="0">
+                <a:solidFill>
+                  <a:schemeClr val="bg1"/>
+                </a:solidFill>
+                <a:latin typeface="Times New Roman" pitchFamily="18" charset="0"/>
+                <a:cs typeface="Times New Roman" pitchFamily="18" charset="0"/>
+              </a:rPr>
+              <a:t>» Отчеты</a:t>
+            </a:r>
+            <a:endParaRPr lang="ru-RU" sz="3200" dirty="0">
+              <a:solidFill>
+                <a:schemeClr val="bg1"/>
+              </a:solidFill>
+              <a:latin typeface="Times New Roman" pitchFamily="18" charset="0"/>
+              <a:cs typeface="Times New Roman" pitchFamily="18" charset="0"/>
+            </a:endParaRPr>
+          </a:p>
+        </p:txBody>
+      </p:sp>
+      <p:sp>
+        <p:nvSpPr>
+          <p:cNvPr id="5" name="Заголовок 2"/>
+          <p:cNvSpPr txBox="1">
+            <a:spLocks/>
+          </p:cNvSpPr>
+          <p:nvPr/>
+        </p:nvSpPr>
+        <p:spPr>
+          <a:xfrm>
+            <a:off x="467544" y="1196752"/>
+            <a:ext cx="8208912" cy="3168352"/>
+          </a:xfrm>
+          <a:prstGeom prst="rect">
+            <a:avLst/>
+          </a:prstGeom>
+          <a:noFill/>
+        </p:spPr>
+        <p:txBody>
+          <a:bodyPr vert="horz" rtlCol="0" anchor="ctr">
+            <a:noAutofit/>
+            <a:scene3d>
+              <a:camera prst="orthographicFront"/>
+              <a:lightRig rig="soft" dir="t"/>
+            </a:scene3d>
+            <a:sp3d prstMaterial="softEdge">
+              <a:bevelT w="25400" h="25400"/>
+            </a:sp3d>
+          </a:bodyPr>
+          <a:lstStyle/>
+          <a:p>
+            <a:endParaRPr lang="ru-RU" sz="2400" dirty="0">
+              <a:latin typeface="Times New Roman" pitchFamily="18" charset="0"/>
+              <a:cs typeface="Times New Roman" pitchFamily="18" charset="0"/>
+            </a:endParaRPr>
+          </a:p>
+        </p:txBody>
+      </p:sp>
+      <p:sp>
+        <p:nvSpPr>
+          <p:cNvPr id="4" name="Заголовок 2"/>
+          <p:cNvSpPr txBox="1">
+            <a:spLocks/>
+          </p:cNvSpPr>
+          <p:nvPr/>
+        </p:nvSpPr>
+        <p:spPr>
+          <a:xfrm>
+            <a:off x="395536" y="1700808"/>
+            <a:ext cx="8280920" cy="4248472"/>
+          </a:xfrm>
+          <a:prstGeom prst="rect">
+            <a:avLst/>
+          </a:prstGeom>
+          <a:noFill/>
+        </p:spPr>
+        <p:txBody>
+          <a:bodyPr vert="horz" rtlCol="0" anchor="ctr">
+            <a:noAutofit/>
+            <a:scene3d>
+              <a:camera prst="orthographicFront"/>
+              <a:lightRig rig="soft" dir="t"/>
+            </a:scene3d>
+            <a:sp3d prstMaterial="softEdge">
+              <a:bevelT w="25400" h="25400"/>
+            </a:sp3d>
+          </a:bodyPr>
+          <a:lstStyle/>
+          <a:p>
+            <a:r>
+              <a:rPr lang="ru-RU" sz="2400" b="1" dirty="0" smtClean="0">
+                <a:latin typeface="Times New Roman" pitchFamily="18" charset="0"/>
+                <a:cs typeface="Times New Roman" pitchFamily="18" charset="0"/>
+              </a:rPr>
+              <a:t>Основные отчеты:</a:t>
+            </a:r>
+          </a:p>
+          <a:p>
+            <a:pPr lvl="0">
+              <a:buFont typeface="Arial" pitchFamily="34" charset="0"/>
+              <a:buChar char="•"/>
+            </a:pPr>
+            <a:r>
+              <a:rPr lang="ru-RU" sz="2400" dirty="0" smtClean="0">
+                <a:latin typeface="Times New Roman" pitchFamily="18" charset="0"/>
+                <a:cs typeface="Times New Roman" pitchFamily="18" charset="0"/>
+              </a:rPr>
+              <a:t> анализ </a:t>
+            </a:r>
+            <a:r>
+              <a:rPr lang="ru-RU" sz="2400" dirty="0" smtClean="0">
+                <a:latin typeface="Times New Roman" pitchFamily="18" charset="0"/>
+                <a:cs typeface="Times New Roman" pitchFamily="18" charset="0"/>
+              </a:rPr>
+              <a:t>цен;</a:t>
+            </a:r>
+          </a:p>
+          <a:p>
+            <a:pPr lvl="0">
+              <a:buFont typeface="Arial" pitchFamily="34" charset="0"/>
+              <a:buChar char="•"/>
+            </a:pPr>
+            <a:r>
+              <a:rPr lang="ru-RU" sz="2400" dirty="0" smtClean="0">
+                <a:latin typeface="Times New Roman" pitchFamily="18" charset="0"/>
+                <a:cs typeface="Times New Roman" pitchFamily="18" charset="0"/>
+              </a:rPr>
+              <a:t> оценка </a:t>
+            </a:r>
+            <a:r>
+              <a:rPr lang="ru-RU" sz="2400" dirty="0" smtClean="0">
+                <a:latin typeface="Times New Roman" pitchFamily="18" charset="0"/>
+                <a:cs typeface="Times New Roman" pitchFamily="18" charset="0"/>
+              </a:rPr>
+              <a:t>рентабельности продажи;</a:t>
+            </a:r>
+          </a:p>
+          <a:p>
+            <a:pPr lvl="0">
+              <a:buFont typeface="Arial" pitchFamily="34" charset="0"/>
+              <a:buChar char="•"/>
+            </a:pPr>
+            <a:r>
+              <a:rPr lang="ru-RU" sz="2400" dirty="0" smtClean="0">
+                <a:latin typeface="Times New Roman" pitchFamily="18" charset="0"/>
+                <a:cs typeface="Times New Roman" pitchFamily="18" charset="0"/>
+              </a:rPr>
+              <a:t> состояние </a:t>
+            </a:r>
+            <a:r>
+              <a:rPr lang="ru-RU" sz="2400" dirty="0" smtClean="0">
+                <a:latin typeface="Times New Roman" pitchFamily="18" charset="0"/>
+                <a:cs typeface="Times New Roman" pitchFamily="18" charset="0"/>
+              </a:rPr>
+              <a:t>выполнения;</a:t>
+            </a:r>
+          </a:p>
+          <a:p>
+            <a:pPr lvl="0">
+              <a:buFont typeface="Arial" pitchFamily="34" charset="0"/>
+              <a:buChar char="•"/>
+            </a:pPr>
+            <a:r>
+              <a:rPr lang="ru-RU" sz="2400" dirty="0" smtClean="0">
+                <a:latin typeface="Times New Roman" pitchFamily="18" charset="0"/>
+                <a:cs typeface="Times New Roman" pitchFamily="18" charset="0"/>
+              </a:rPr>
+              <a:t> причины </a:t>
+            </a:r>
+            <a:r>
+              <a:rPr lang="ru-RU" sz="2400" dirty="0" smtClean="0">
+                <a:latin typeface="Times New Roman" pitchFamily="18" charset="0"/>
+                <a:cs typeface="Times New Roman" pitchFamily="18" charset="0"/>
+              </a:rPr>
+              <a:t>отмены заказов;</a:t>
+            </a:r>
+          </a:p>
+          <a:p>
+            <a:pPr lvl="0">
+              <a:buFont typeface="Arial" pitchFamily="34" charset="0"/>
+              <a:buChar char="•"/>
+            </a:pPr>
+            <a:r>
+              <a:rPr lang="ru-RU" sz="2400" dirty="0" smtClean="0">
+                <a:latin typeface="Times New Roman" pitchFamily="18" charset="0"/>
+                <a:cs typeface="Times New Roman" pitchFamily="18" charset="0"/>
+              </a:rPr>
+              <a:t> ведомость </a:t>
+            </a:r>
+            <a:r>
+              <a:rPr lang="ru-RU" sz="2400" dirty="0" smtClean="0">
+                <a:latin typeface="Times New Roman" pitchFamily="18" charset="0"/>
+                <a:cs typeface="Times New Roman" pitchFamily="18" charset="0"/>
+              </a:rPr>
+              <a:t>расчетов с клиентами;</a:t>
+            </a:r>
+          </a:p>
+          <a:p>
+            <a:pPr lvl="0">
+              <a:buFont typeface="Arial" pitchFamily="34" charset="0"/>
+              <a:buChar char="•"/>
+            </a:pPr>
+            <a:r>
+              <a:rPr lang="ru-RU" sz="2400" dirty="0" smtClean="0">
+                <a:latin typeface="Times New Roman" pitchFamily="18" charset="0"/>
+                <a:cs typeface="Times New Roman" pitchFamily="18" charset="0"/>
+              </a:rPr>
+              <a:t> динамика </a:t>
+            </a:r>
+            <a:r>
+              <a:rPr lang="ru-RU" sz="2400" dirty="0" smtClean="0">
+                <a:latin typeface="Times New Roman" pitchFamily="18" charset="0"/>
+                <a:cs typeface="Times New Roman" pitchFamily="18" charset="0"/>
+              </a:rPr>
+              <a:t>просроченной задолженности клиентов;</a:t>
+            </a:r>
+          </a:p>
+          <a:p>
+            <a:pPr lvl="0">
+              <a:buFont typeface="Arial" pitchFamily="34" charset="0"/>
+              <a:buChar char="•"/>
+            </a:pPr>
+            <a:r>
+              <a:rPr lang="ru-RU" sz="2400" dirty="0" smtClean="0">
+                <a:latin typeface="Times New Roman" pitchFamily="18" charset="0"/>
+                <a:cs typeface="Times New Roman" pitchFamily="18" charset="0"/>
+              </a:rPr>
+              <a:t> платежная </a:t>
+            </a:r>
+            <a:r>
+              <a:rPr lang="ru-RU" sz="2400" dirty="0" smtClean="0">
+                <a:latin typeface="Times New Roman" pitchFamily="18" charset="0"/>
+                <a:cs typeface="Times New Roman" pitchFamily="18" charset="0"/>
+              </a:rPr>
+              <a:t>дисциплина клиента;</a:t>
+            </a:r>
+          </a:p>
+          <a:p>
+            <a:pPr lvl="0">
+              <a:buFont typeface="Arial" pitchFamily="34" charset="0"/>
+              <a:buChar char="•"/>
+            </a:pPr>
+            <a:r>
+              <a:rPr lang="ru-RU" sz="2400" dirty="0" smtClean="0">
+                <a:latin typeface="Times New Roman" pitchFamily="18" charset="0"/>
+                <a:cs typeface="Times New Roman" pitchFamily="18" charset="0"/>
+              </a:rPr>
+              <a:t> задолженность </a:t>
+            </a:r>
+            <a:r>
+              <a:rPr lang="ru-RU" sz="2400" dirty="0" smtClean="0">
+                <a:latin typeface="Times New Roman" pitchFamily="18" charset="0"/>
+                <a:cs typeface="Times New Roman" pitchFamily="18" charset="0"/>
+              </a:rPr>
+              <a:t>клиентов по срокам.</a:t>
+            </a:r>
+          </a:p>
+          <a:p>
+            <a:endParaRPr lang="ru-RU" sz="2400" dirty="0">
+              <a:latin typeface="Times New Roman" pitchFamily="18" charset="0"/>
+              <a:cs typeface="Times New Roman" pitchFamily="18" charset="0"/>
+            </a:endParaRPr>
+          </a:p>
+        </p:txBody>
+      </p:sp>
+    </p:spTree>
+  </p:cSld>
+  <p:clrMapOvr>
+    <a:masterClrMapping/>
+  </p:clrMapOvr>
+  <p:timing>
+    <p:tnLst>
+      <p:par>
+        <p:cTn id="1" dur="indefinite" restart="never" nodeType="tmRoot"/>
+      </p:par>
+    </p:tnLst>
+  </p:timing>
+</p:sld>
+</file>
+
+<file path=ppt/slides/slide28.xml><?xml version="1.0" encoding="utf-8"?>
+<p:sld xmlns:a="http://schemas.openxmlformats.org/drawingml/2006/main" xmlns:r="http://schemas.openxmlformats.org/officeDocument/2006/relationships" xmlns:p="http://schemas.openxmlformats.org/presentationml/2006/main">
+  <p:cSld>
+    <p:spTree>
+      <p:nvGrpSpPr>
+        <p:cNvPr id="1" name=""/>
+        <p:cNvGrpSpPr/>
+        <p:nvPr/>
+      </p:nvGrpSpPr>
+      <p:grpSpPr>
+        <a:xfrm>
+          <a:off x="0" y="0"/>
+          <a:ext cx="0" cy="0"/>
+          <a:chOff x="0" y="0"/>
+          <a:chExt cx="0" cy="0"/>
+        </a:xfrm>
+      </p:grpSpPr>
+      <p:sp>
+        <p:nvSpPr>
+          <p:cNvPr id="3" name="Заголовок 2"/>
+          <p:cNvSpPr>
+            <a:spLocks noGrp="1"/>
+          </p:cNvSpPr>
+          <p:nvPr>
+            <p:ph type="title"/>
+          </p:nvPr>
+        </p:nvSpPr>
+        <p:spPr>
+          <a:solidFill>
+            <a:schemeClr val="bg2">
+              <a:lumMod val="50000"/>
+            </a:schemeClr>
+          </a:solidFill>
+        </p:spPr>
+        <p:txBody>
+          <a:bodyPr>
+            <a:noAutofit/>
+          </a:bodyPr>
+          <a:lstStyle/>
+          <a:p>
+            <a:r>
+              <a:rPr lang="ru-RU" sz="3200" dirty="0" smtClean="0">
+                <a:solidFill>
+                  <a:schemeClr val="bg1"/>
+                </a:solidFill>
+                <a:latin typeface="Times New Roman" pitchFamily="18" charset="0"/>
+                <a:cs typeface="Times New Roman" pitchFamily="18" charset="0"/>
+              </a:rPr>
+              <a:t>Система «1C: Управление торговлей</a:t>
+            </a:r>
+            <a:r>
+              <a:rPr lang="ru-RU" sz="3200" dirty="0" smtClean="0">
+                <a:solidFill>
+                  <a:schemeClr val="bg1"/>
+                </a:solidFill>
+                <a:latin typeface="Times New Roman" pitchFamily="18" charset="0"/>
+                <a:cs typeface="Times New Roman" pitchFamily="18" charset="0"/>
+              </a:rPr>
+              <a:t>» </a:t>
+            </a:r>
+            <a:r>
+              <a:rPr lang="ru-RU" sz="3200" dirty="0" smtClean="0">
+                <a:solidFill>
+                  <a:schemeClr val="bg1"/>
+                </a:solidFill>
+                <a:latin typeface="Times New Roman" pitchFamily="18" charset="0"/>
+                <a:cs typeface="Times New Roman" pitchFamily="18" charset="0"/>
+              </a:rPr>
+              <a:t>Ограничение прав на уровне записи (RLS) </a:t>
+            </a:r>
+            <a:endParaRPr lang="ru-RU" sz="3200" dirty="0">
+              <a:solidFill>
+                <a:schemeClr val="bg1"/>
+              </a:solidFill>
+              <a:latin typeface="Times New Roman" pitchFamily="18" charset="0"/>
+              <a:cs typeface="Times New Roman" pitchFamily="18" charset="0"/>
+            </a:endParaRPr>
+          </a:p>
+        </p:txBody>
+      </p:sp>
+      <p:sp>
+        <p:nvSpPr>
+          <p:cNvPr id="5" name="Заголовок 2"/>
+          <p:cNvSpPr txBox="1">
+            <a:spLocks/>
+          </p:cNvSpPr>
+          <p:nvPr/>
+        </p:nvSpPr>
+        <p:spPr>
+          <a:xfrm>
+            <a:off x="467544" y="1196752"/>
+            <a:ext cx="8208912" cy="3168352"/>
+          </a:xfrm>
+          <a:prstGeom prst="rect">
+            <a:avLst/>
+          </a:prstGeom>
+          <a:noFill/>
+        </p:spPr>
+        <p:txBody>
+          <a:bodyPr vert="horz" rtlCol="0" anchor="ctr">
+            <a:noAutofit/>
+            <a:scene3d>
+              <a:camera prst="orthographicFront"/>
+              <a:lightRig rig="soft" dir="t"/>
+            </a:scene3d>
+            <a:sp3d prstMaterial="softEdge">
+              <a:bevelT w="25400" h="25400"/>
+            </a:sp3d>
+          </a:bodyPr>
+          <a:lstStyle/>
+          <a:p>
+            <a:endParaRPr lang="ru-RU" sz="2400" dirty="0">
+              <a:latin typeface="Times New Roman" pitchFamily="18" charset="0"/>
+              <a:cs typeface="Times New Roman" pitchFamily="18" charset="0"/>
+            </a:endParaRPr>
+          </a:p>
+        </p:txBody>
+      </p:sp>
+      <p:sp>
+        <p:nvSpPr>
+          <p:cNvPr id="4" name="Заголовок 2"/>
+          <p:cNvSpPr txBox="1">
+            <a:spLocks/>
+          </p:cNvSpPr>
+          <p:nvPr/>
+        </p:nvSpPr>
+        <p:spPr>
+          <a:xfrm>
+            <a:off x="395536" y="1700808"/>
+            <a:ext cx="8280920" cy="3168352"/>
+          </a:xfrm>
+          <a:prstGeom prst="rect">
+            <a:avLst/>
+          </a:prstGeom>
+          <a:noFill/>
+        </p:spPr>
+        <p:txBody>
+          <a:bodyPr vert="horz" rtlCol="0" anchor="ctr">
+            <a:noAutofit/>
+            <a:scene3d>
+              <a:camera prst="orthographicFront"/>
+              <a:lightRig rig="soft" dir="t"/>
+            </a:scene3d>
+            <a:sp3d prstMaterial="softEdge">
+              <a:bevelT w="25400" h="25400"/>
+            </a:sp3d>
+          </a:bodyPr>
+          <a:lstStyle/>
+          <a:p>
+            <a:r>
+              <a:rPr lang="ru-RU" sz="2400" b="1" dirty="0" smtClean="0">
+                <a:latin typeface="Times New Roman" pitchFamily="18" charset="0"/>
+                <a:cs typeface="Times New Roman" pitchFamily="18" charset="0"/>
+              </a:rPr>
+              <a:t>Ограничение прав на уровне записи (RLS) применяется для ограничения следующих типов прав</a:t>
+            </a:r>
+            <a:r>
+              <a:rPr lang="ru-RU" sz="2400" b="1" dirty="0" smtClean="0">
+                <a:latin typeface="Times New Roman" pitchFamily="18" charset="0"/>
+                <a:cs typeface="Times New Roman" pitchFamily="18" charset="0"/>
+              </a:rPr>
+              <a:t>:</a:t>
+            </a:r>
+          </a:p>
+          <a:p>
+            <a:pPr lvl="0">
+              <a:buFont typeface="Arial" pitchFamily="34" charset="0"/>
+              <a:buChar char="•"/>
+            </a:pPr>
+            <a:r>
+              <a:rPr lang="ru-RU" sz="2400" dirty="0" smtClean="0">
+                <a:latin typeface="Times New Roman" pitchFamily="18" charset="0"/>
+                <a:cs typeface="Times New Roman" pitchFamily="18" charset="0"/>
+              </a:rPr>
+              <a:t> чтение</a:t>
+            </a:r>
+            <a:r>
+              <a:rPr lang="ru-RU" sz="2400" dirty="0" smtClean="0">
+                <a:latin typeface="Times New Roman" pitchFamily="18" charset="0"/>
+                <a:cs typeface="Times New Roman" pitchFamily="18" charset="0"/>
+              </a:rPr>
+              <a:t>;</a:t>
+            </a:r>
+          </a:p>
+          <a:p>
+            <a:pPr lvl="0">
+              <a:buFont typeface="Arial" pitchFamily="34" charset="0"/>
+              <a:buChar char="•"/>
+            </a:pPr>
+            <a:r>
+              <a:rPr lang="ru-RU" sz="2400" dirty="0" smtClean="0">
+                <a:latin typeface="Times New Roman" pitchFamily="18" charset="0"/>
+                <a:cs typeface="Times New Roman" pitchFamily="18" charset="0"/>
+              </a:rPr>
+              <a:t> добавление</a:t>
+            </a:r>
+            <a:r>
+              <a:rPr lang="ru-RU" sz="2400" dirty="0" smtClean="0">
+                <a:latin typeface="Times New Roman" pitchFamily="18" charset="0"/>
+                <a:cs typeface="Times New Roman" pitchFamily="18" charset="0"/>
+              </a:rPr>
+              <a:t>;</a:t>
+            </a:r>
+          </a:p>
+          <a:p>
+            <a:pPr lvl="0">
+              <a:buFont typeface="Arial" pitchFamily="34" charset="0"/>
+              <a:buChar char="•"/>
+            </a:pPr>
+            <a:r>
+              <a:rPr lang="ru-RU" sz="2400" dirty="0" smtClean="0">
+                <a:latin typeface="Times New Roman" pitchFamily="18" charset="0"/>
+                <a:cs typeface="Times New Roman" pitchFamily="18" charset="0"/>
+              </a:rPr>
+              <a:t> изменение</a:t>
+            </a:r>
+            <a:r>
+              <a:rPr lang="ru-RU" sz="2400" dirty="0" smtClean="0">
+                <a:latin typeface="Times New Roman" pitchFamily="18" charset="0"/>
+                <a:cs typeface="Times New Roman" pitchFamily="18" charset="0"/>
+              </a:rPr>
+              <a:t>;</a:t>
+            </a:r>
+          </a:p>
+          <a:p>
+            <a:pPr lvl="0">
+              <a:buFont typeface="Arial" pitchFamily="34" charset="0"/>
+              <a:buChar char="•"/>
+            </a:pPr>
+            <a:r>
+              <a:rPr lang="ru-RU" sz="2400" dirty="0" smtClean="0">
+                <a:latin typeface="Times New Roman" pitchFamily="18" charset="0"/>
+                <a:cs typeface="Times New Roman" pitchFamily="18" charset="0"/>
+              </a:rPr>
+              <a:t> удаление</a:t>
+            </a:r>
+            <a:r>
+              <a:rPr lang="ru-RU" sz="2400" dirty="0" smtClean="0">
+                <a:latin typeface="Times New Roman" pitchFamily="18" charset="0"/>
+                <a:cs typeface="Times New Roman" pitchFamily="18" charset="0"/>
+              </a:rPr>
+              <a:t>.</a:t>
+            </a:r>
+          </a:p>
+          <a:p>
+            <a:endParaRPr lang="ru-RU" sz="2400" b="1" dirty="0">
+              <a:latin typeface="Times New Roman" pitchFamily="18" charset="0"/>
+              <a:cs typeface="Times New Roman" pitchFamily="18" charset="0"/>
+            </a:endParaRPr>
+          </a:p>
+        </p:txBody>
+      </p:sp>
+    </p:spTree>
+  </p:cSld>
+  <p:clrMapOvr>
+    <a:masterClrMapping/>
+  </p:clrMapOvr>
+  <p:timing>
+    <p:tnLst>
+      <p:par>
+        <p:cTn id="1" dur="indefinite" restart="never" nodeType="tmRoot"/>
+      </p:par>
+    </p:tnLst>
+  </p:timing>
+</p:sld>
+</file>
+
+<file path=ppt/slides/slide29.xml><?xml version="1.0" encoding="utf-8"?>
+<p:sld xmlns:a="http://schemas.openxmlformats.org/drawingml/2006/main" xmlns:r="http://schemas.openxmlformats.org/officeDocument/2006/relationships" xmlns:p="http://schemas.openxmlformats.org/presentationml/2006/main">
+  <p:cSld>
+    <p:spTree>
+      <p:nvGrpSpPr>
+        <p:cNvPr id="1" name=""/>
+        <p:cNvGrpSpPr/>
+        <p:nvPr/>
+      </p:nvGrpSpPr>
+      <p:grpSpPr>
+        <a:xfrm>
+          <a:off x="0" y="0"/>
+          <a:ext cx="0" cy="0"/>
+          <a:chOff x="0" y="0"/>
+          <a:chExt cx="0" cy="0"/>
+        </a:xfrm>
+      </p:grpSpPr>
+      <p:sp>
+        <p:nvSpPr>
+          <p:cNvPr id="3" name="Заголовок 2"/>
+          <p:cNvSpPr>
+            <a:spLocks noGrp="1"/>
+          </p:cNvSpPr>
+          <p:nvPr>
+            <p:ph type="title"/>
+          </p:nvPr>
+        </p:nvSpPr>
+        <p:spPr>
+          <a:solidFill>
+            <a:schemeClr val="bg2">
+              <a:lumMod val="50000"/>
+            </a:schemeClr>
+          </a:solidFill>
+        </p:spPr>
+        <p:txBody>
+          <a:bodyPr>
+            <a:noAutofit/>
+          </a:bodyPr>
+          <a:lstStyle/>
+          <a:p>
+            <a:r>
+              <a:rPr lang="ru-RU" sz="3200" dirty="0" smtClean="0">
+                <a:solidFill>
+                  <a:schemeClr val="bg1"/>
+                </a:solidFill>
+              </a:rPr>
+              <a:t>Проектирование системы IP-телефонии.</a:t>
+            </a:r>
+            <a:endParaRPr lang="ru-RU" sz="3200" dirty="0">
+              <a:solidFill>
+                <a:schemeClr val="bg1"/>
+              </a:solidFill>
+              <a:latin typeface="Times New Roman" pitchFamily="18" charset="0"/>
+              <a:cs typeface="Times New Roman" pitchFamily="18" charset="0"/>
+            </a:endParaRPr>
+          </a:p>
+        </p:txBody>
+      </p:sp>
+      <p:sp>
+        <p:nvSpPr>
+          <p:cNvPr id="5" name="Заголовок 2"/>
+          <p:cNvSpPr txBox="1">
+            <a:spLocks/>
+          </p:cNvSpPr>
+          <p:nvPr/>
+        </p:nvSpPr>
+        <p:spPr>
+          <a:xfrm>
+            <a:off x="467544" y="1196752"/>
+            <a:ext cx="8208912" cy="3168352"/>
+          </a:xfrm>
+          <a:prstGeom prst="rect">
+            <a:avLst/>
+          </a:prstGeom>
+          <a:noFill/>
+        </p:spPr>
+        <p:txBody>
+          <a:bodyPr vert="horz" rtlCol="0" anchor="ctr">
+            <a:noAutofit/>
+            <a:scene3d>
+              <a:camera prst="orthographicFront"/>
+              <a:lightRig rig="soft" dir="t"/>
+            </a:scene3d>
+            <a:sp3d prstMaterial="softEdge">
+              <a:bevelT w="25400" h="25400"/>
+            </a:sp3d>
+          </a:bodyPr>
+          <a:lstStyle/>
+          <a:p>
+            <a:endParaRPr lang="ru-RU" sz="2400" dirty="0">
+              <a:latin typeface="Times New Roman" pitchFamily="18" charset="0"/>
+              <a:cs typeface="Times New Roman" pitchFamily="18" charset="0"/>
+            </a:endParaRPr>
+          </a:p>
+        </p:txBody>
+      </p:sp>
+      <p:sp>
+        <p:nvSpPr>
+          <p:cNvPr id="4" name="Заголовок 2"/>
+          <p:cNvSpPr txBox="1">
+            <a:spLocks/>
+          </p:cNvSpPr>
+          <p:nvPr/>
+        </p:nvSpPr>
+        <p:spPr>
+          <a:xfrm>
+            <a:off x="395536" y="1124744"/>
+            <a:ext cx="8280920" cy="4464496"/>
+          </a:xfrm>
+          <a:prstGeom prst="rect">
+            <a:avLst/>
+          </a:prstGeom>
+          <a:noFill/>
+        </p:spPr>
+        <p:txBody>
+          <a:bodyPr vert="horz" rtlCol="0" anchor="ctr">
+            <a:noAutofit/>
+            <a:scene3d>
+              <a:camera prst="orthographicFront"/>
+              <a:lightRig rig="soft" dir="t"/>
+            </a:scene3d>
+            <a:sp3d prstMaterial="softEdge">
+              <a:bevelT w="25400" h="25400"/>
+            </a:sp3d>
+          </a:bodyPr>
+          <a:lstStyle/>
+          <a:p>
+            <a:r>
+              <a:rPr lang="ru-RU" sz="2400" b="1" dirty="0" smtClean="0">
+                <a:latin typeface="Times New Roman" pitchFamily="18" charset="0"/>
+                <a:cs typeface="Times New Roman" pitchFamily="18" charset="0"/>
+              </a:rPr>
+              <a:t>Система позволяет решить следующие задачи</a:t>
+            </a:r>
+            <a:r>
+              <a:rPr lang="ru-RU" sz="2400" b="1" dirty="0" smtClean="0">
+                <a:latin typeface="Times New Roman" pitchFamily="18" charset="0"/>
+                <a:cs typeface="Times New Roman" pitchFamily="18" charset="0"/>
+              </a:rPr>
+              <a:t>:</a:t>
+            </a:r>
+          </a:p>
+          <a:p>
+            <a:pPr lvl="0">
+              <a:buFont typeface="Arial" pitchFamily="34" charset="0"/>
+              <a:buChar char="•"/>
+            </a:pPr>
+            <a:r>
+              <a:rPr lang="ru-RU" sz="2400" dirty="0" smtClean="0">
+                <a:latin typeface="Times New Roman" pitchFamily="18" charset="0"/>
+                <a:cs typeface="Times New Roman" pitchFamily="18" charset="0"/>
+              </a:rPr>
+              <a:t> организация </a:t>
+            </a:r>
+            <a:r>
+              <a:rPr lang="ru-RU" sz="2400" dirty="0" smtClean="0">
+                <a:latin typeface="Times New Roman" pitchFamily="18" charset="0"/>
+                <a:cs typeface="Times New Roman" pitchFamily="18" charset="0"/>
+              </a:rPr>
+              <a:t>единой телефонной сети для сотрудников, работающих удалено;</a:t>
+            </a:r>
+          </a:p>
+          <a:p>
+            <a:pPr lvl="0">
+              <a:buFont typeface="Arial" pitchFamily="34" charset="0"/>
+              <a:buChar char="•"/>
+            </a:pPr>
+            <a:r>
+              <a:rPr lang="ru-RU" sz="2400" dirty="0" smtClean="0">
+                <a:latin typeface="Times New Roman" pitchFamily="18" charset="0"/>
+                <a:cs typeface="Times New Roman" pitchFamily="18" charset="0"/>
+              </a:rPr>
+              <a:t> анализ </a:t>
+            </a:r>
+            <a:r>
+              <a:rPr lang="ru-RU" sz="2400" dirty="0" smtClean="0">
+                <a:latin typeface="Times New Roman" pitchFamily="18" charset="0"/>
+                <a:cs typeface="Times New Roman" pitchFamily="18" charset="0"/>
+              </a:rPr>
+              <a:t>качества общения менеджеров с клиентами;</a:t>
+            </a:r>
+          </a:p>
+          <a:p>
+            <a:pPr lvl="0">
+              <a:buFont typeface="Arial" pitchFamily="34" charset="0"/>
+              <a:buChar char="•"/>
+            </a:pPr>
+            <a:r>
+              <a:rPr lang="ru-RU" sz="2400" dirty="0" smtClean="0">
+                <a:latin typeface="Times New Roman" pitchFamily="18" charset="0"/>
+                <a:cs typeface="Times New Roman" pitchFamily="18" charset="0"/>
+              </a:rPr>
+              <a:t> сокращение </a:t>
+            </a:r>
+            <a:r>
+              <a:rPr lang="ru-RU" sz="2400" dirty="0" smtClean="0">
+                <a:latin typeface="Times New Roman" pitchFamily="18" charset="0"/>
+                <a:cs typeface="Times New Roman" pitchFamily="18" charset="0"/>
+              </a:rPr>
+              <a:t>числа пропущенных звонков;</a:t>
+            </a:r>
+          </a:p>
+          <a:p>
+            <a:pPr lvl="0">
+              <a:buFont typeface="Arial" pitchFamily="34" charset="0"/>
+              <a:buChar char="•"/>
+            </a:pPr>
+            <a:r>
+              <a:rPr lang="ru-RU" sz="2400" dirty="0" smtClean="0">
+                <a:latin typeface="Times New Roman" pitchFamily="18" charset="0"/>
+                <a:cs typeface="Times New Roman" pitchFamily="18" charset="0"/>
+              </a:rPr>
+              <a:t>оптимизация </a:t>
+            </a:r>
+            <a:r>
+              <a:rPr lang="ru-RU" sz="2400" dirty="0" smtClean="0">
+                <a:latin typeface="Times New Roman" pitchFamily="18" charset="0"/>
+                <a:cs typeface="Times New Roman" pitchFamily="18" charset="0"/>
+              </a:rPr>
+              <a:t>затрат на связь за счет экономии на переговорах внутри компании, по России и миру;</a:t>
+            </a:r>
+          </a:p>
+          <a:p>
+            <a:pPr lvl="0">
+              <a:buFont typeface="Arial" pitchFamily="34" charset="0"/>
+              <a:buChar char="•"/>
+            </a:pPr>
+            <a:r>
+              <a:rPr lang="ru-RU" sz="2400" dirty="0" smtClean="0">
+                <a:latin typeface="Times New Roman" pitchFamily="18" charset="0"/>
+                <a:cs typeface="Times New Roman" pitchFamily="18" charset="0"/>
+              </a:rPr>
+              <a:t> надежная </a:t>
+            </a:r>
+            <a:r>
+              <a:rPr lang="ru-RU" sz="2400" dirty="0" smtClean="0">
+                <a:latin typeface="Times New Roman" pitchFamily="18" charset="0"/>
+                <a:cs typeface="Times New Roman" pitchFamily="18" charset="0"/>
+              </a:rPr>
+              <a:t>работа сервиса и качественная </a:t>
+            </a:r>
+            <a:r>
+              <a:rPr lang="ru-RU" sz="2400" dirty="0" smtClean="0">
+                <a:latin typeface="Times New Roman" pitchFamily="18" charset="0"/>
+                <a:cs typeface="Times New Roman" pitchFamily="18" charset="0"/>
+              </a:rPr>
+              <a:t>связь.</a:t>
+            </a:r>
+            <a:endParaRPr lang="ru-RU" sz="2400" dirty="0" smtClean="0">
+              <a:latin typeface="Times New Roman" pitchFamily="18" charset="0"/>
+              <a:cs typeface="Times New Roman" pitchFamily="18" charset="0"/>
+            </a:endParaRPr>
+          </a:p>
+          <a:p>
+            <a:endParaRPr lang="ru-RU" sz="2400" b="1" dirty="0">
               <a:latin typeface="Times New Roman" pitchFamily="18" charset="0"/>
               <a:cs typeface="Times New Roman" pitchFamily="18" charset="0"/>
             </a:endParaRPr>
@@ -10430,37 +12932,8 @@
                 <a:ea typeface="+mj-ea"/>
                 <a:cs typeface="Times New Roman" pitchFamily="18" charset="0"/>
               </a:rPr>
-              <a:t> </a:t>
-            </a:r>
-            <a:r>
-              <a:rPr lang="ru-RU" sz="2400" dirty="0" smtClean="0">
-                <a:latin typeface="Times New Roman" pitchFamily="18" charset="0"/>
-                <a:ea typeface="+mj-ea"/>
-                <a:cs typeface="Times New Roman" pitchFamily="18" charset="0"/>
-              </a:rPr>
-              <a:t>поступление </a:t>
-            </a:r>
-            <a:r>
-              <a:rPr lang="ru-RU" sz="2400" dirty="0" smtClean="0">
-                <a:latin typeface="Times New Roman" pitchFamily="18" charset="0"/>
-                <a:ea typeface="+mj-ea"/>
-                <a:cs typeface="Times New Roman" pitchFamily="18" charset="0"/>
-              </a:rPr>
-              <a:t>товара от </a:t>
-            </a:r>
-            <a:r>
-              <a:rPr lang="ru-RU" sz="2400" dirty="0" smtClean="0">
-                <a:latin typeface="Times New Roman" pitchFamily="18" charset="0"/>
-                <a:ea typeface="+mj-ea"/>
-                <a:cs typeface="Times New Roman" pitchFamily="18" charset="0"/>
-              </a:rPr>
-              <a:t>поставщика;</a:t>
-            </a:r>
-            <a:endParaRPr lang="ru-RU" sz="2400" dirty="0" smtClean="0">
-              <a:latin typeface="Times New Roman" pitchFamily="18" charset="0"/>
-              <a:ea typeface="+mj-ea"/>
-              <a:cs typeface="Times New Roman" pitchFamily="18" charset="0"/>
-            </a:endParaRPr>
+              <a:t> поступление товара от поставщика;</a:t>
+            </a:r>
           </a:p>
           <a:p>
             <a:pPr marL="87313" marR="0" lvl="0" algn="l" defTabSz="914400" rtl="0" eaLnBrk="1" fontAlgn="auto" latinLnBrk="0" hangingPunct="1">
@@ -10486,37 +12959,8 @@
                 <a:ea typeface="+mj-ea"/>
                 <a:cs typeface="Times New Roman" pitchFamily="18" charset="0"/>
               </a:rPr>
-              <a:t> </a:t>
-            </a:r>
-            <a:r>
-              <a:rPr lang="ru-RU" sz="2400" dirty="0" smtClean="0">
-                <a:latin typeface="Times New Roman" pitchFamily="18" charset="0"/>
-                <a:ea typeface="+mj-ea"/>
-                <a:cs typeface="Times New Roman" pitchFamily="18" charset="0"/>
-              </a:rPr>
-              <a:t>приемка </a:t>
-            </a:r>
-            <a:r>
-              <a:rPr lang="ru-RU" sz="2400" dirty="0" smtClean="0">
-                <a:latin typeface="Times New Roman" pitchFamily="18" charset="0"/>
-                <a:ea typeface="+mj-ea"/>
-                <a:cs typeface="Times New Roman" pitchFamily="18" charset="0"/>
-              </a:rPr>
-              <a:t>товара по качеству и </a:t>
-            </a:r>
-            <a:r>
-              <a:rPr lang="ru-RU" sz="2400" dirty="0" smtClean="0">
-                <a:latin typeface="Times New Roman" pitchFamily="18" charset="0"/>
-                <a:ea typeface="+mj-ea"/>
-                <a:cs typeface="Times New Roman" pitchFamily="18" charset="0"/>
-              </a:rPr>
-              <a:t>количеству;</a:t>
-            </a:r>
-            <a:endParaRPr lang="ru-RU" sz="2400" dirty="0" smtClean="0">
-              <a:latin typeface="Times New Roman" pitchFamily="18" charset="0"/>
-              <a:ea typeface="+mj-ea"/>
-              <a:cs typeface="Times New Roman" pitchFamily="18" charset="0"/>
-            </a:endParaRPr>
+              <a:t> приемка товара по качеству и количеству;</a:t>
+            </a:r>
           </a:p>
           <a:p>
             <a:pPr marL="87313" marR="0" lvl="0" algn="l" defTabSz="914400" rtl="0" eaLnBrk="1" fontAlgn="auto" latinLnBrk="0" hangingPunct="1">
@@ -10542,37 +12986,8 @@
                 <a:ea typeface="+mj-ea"/>
                 <a:cs typeface="Times New Roman" pitchFamily="18" charset="0"/>
               </a:rPr>
-              <a:t> </a:t>
-            </a:r>
-            <a:r>
-              <a:rPr lang="ru-RU" sz="2400" dirty="0" smtClean="0">
-                <a:latin typeface="Times New Roman" pitchFamily="18" charset="0"/>
-                <a:ea typeface="+mj-ea"/>
-                <a:cs typeface="Times New Roman" pitchFamily="18" charset="0"/>
-              </a:rPr>
-              <a:t>возврат </a:t>
-            </a:r>
-            <a:r>
-              <a:rPr lang="ru-RU" sz="2400" dirty="0" smtClean="0">
-                <a:latin typeface="Times New Roman" pitchFamily="18" charset="0"/>
-                <a:ea typeface="+mj-ea"/>
-                <a:cs typeface="Times New Roman" pitchFamily="18" charset="0"/>
-              </a:rPr>
-              <a:t>товара </a:t>
-            </a:r>
-            <a:r>
-              <a:rPr lang="ru-RU" sz="2400" dirty="0" smtClean="0">
-                <a:latin typeface="Times New Roman" pitchFamily="18" charset="0"/>
-                <a:ea typeface="+mj-ea"/>
-                <a:cs typeface="Times New Roman" pitchFamily="18" charset="0"/>
-              </a:rPr>
-              <a:t>поставщику;</a:t>
-            </a:r>
-            <a:endParaRPr lang="ru-RU" sz="2400" dirty="0" smtClean="0">
-              <a:latin typeface="Times New Roman" pitchFamily="18" charset="0"/>
-              <a:ea typeface="+mj-ea"/>
-              <a:cs typeface="Times New Roman" pitchFamily="18" charset="0"/>
-            </a:endParaRPr>
+              <a:t> возврат товара поставщику;</a:t>
+            </a:r>
           </a:p>
           <a:p>
             <a:pPr marL="87313" marR="0" lvl="0" algn="l" defTabSz="914400" rtl="0" eaLnBrk="1" fontAlgn="auto" latinLnBrk="0" hangingPunct="1">
@@ -10598,37 +13013,8 @@
                 <a:ea typeface="+mj-ea"/>
                 <a:cs typeface="Times New Roman" pitchFamily="18" charset="0"/>
               </a:rPr>
-              <a:t> </a:t>
-            </a:r>
-            <a:r>
-              <a:rPr lang="ru-RU" sz="2400" dirty="0" smtClean="0">
-                <a:latin typeface="Times New Roman" pitchFamily="18" charset="0"/>
-                <a:ea typeface="+mj-ea"/>
-                <a:cs typeface="Times New Roman" pitchFamily="18" charset="0"/>
-              </a:rPr>
-              <a:t>установка </a:t>
-            </a:r>
-            <a:r>
-              <a:rPr lang="ru-RU" sz="2400" dirty="0" smtClean="0">
-                <a:latin typeface="Times New Roman" pitchFamily="18" charset="0"/>
-                <a:ea typeface="+mj-ea"/>
-                <a:cs typeface="Times New Roman" pitchFamily="18" charset="0"/>
-              </a:rPr>
-              <a:t>цен </a:t>
-            </a:r>
-            <a:r>
-              <a:rPr lang="ru-RU" sz="2400" dirty="0" smtClean="0">
-                <a:latin typeface="Times New Roman" pitchFamily="18" charset="0"/>
-                <a:ea typeface="+mj-ea"/>
-                <a:cs typeface="Times New Roman" pitchFamily="18" charset="0"/>
-              </a:rPr>
-              <a:t>номенклатуры;</a:t>
-            </a:r>
-            <a:endParaRPr lang="ru-RU" sz="2400" dirty="0" smtClean="0">
-              <a:latin typeface="Times New Roman" pitchFamily="18" charset="0"/>
-              <a:ea typeface="+mj-ea"/>
-              <a:cs typeface="Times New Roman" pitchFamily="18" charset="0"/>
-            </a:endParaRPr>
+              <a:t> установка цен номенклатуры;</a:t>
+            </a:r>
           </a:p>
           <a:p>
             <a:pPr marL="87313" marR="0" lvl="0" algn="l" defTabSz="914400" rtl="0" eaLnBrk="1" fontAlgn="auto" latinLnBrk="0" hangingPunct="1">
@@ -10654,21 +13040,8 @@
                 <a:ea typeface="+mj-ea"/>
                 <a:cs typeface="Times New Roman" pitchFamily="18" charset="0"/>
               </a:rPr>
-              <a:t> </a:t>
-            </a:r>
-            <a:r>
-              <a:rPr lang="ru-RU" sz="2400" dirty="0" smtClean="0">
-                <a:latin typeface="Times New Roman" pitchFamily="18" charset="0"/>
-                <a:ea typeface="+mj-ea"/>
-                <a:cs typeface="Times New Roman" pitchFamily="18" charset="0"/>
-              </a:rPr>
-              <a:t>перемещение товара на розничные склады;</a:t>
-            </a:r>
-            <a:endParaRPr lang="ru-RU" sz="2400" dirty="0" smtClean="0">
-              <a:latin typeface="Times New Roman" pitchFamily="18" charset="0"/>
-              <a:ea typeface="+mj-ea"/>
-              <a:cs typeface="Times New Roman" pitchFamily="18" charset="0"/>
-            </a:endParaRPr>
+              <a:t> перемещение товара на розничные склады;</a:t>
+            </a:r>
           </a:p>
           <a:p>
             <a:pPr marL="87313" marR="0" lvl="0" algn="l" defTabSz="914400" rtl="0" eaLnBrk="1" fontAlgn="auto" latinLnBrk="0" hangingPunct="1">
@@ -10694,23 +13067,7 @@
                 <a:ea typeface="+mj-ea"/>
                 <a:cs typeface="Times New Roman" pitchFamily="18" charset="0"/>
               </a:rPr>
-              <a:t> </a:t>
-            </a:r>
-            <a:r>
-              <a:rPr lang="ru-RU" sz="2400" dirty="0" smtClean="0">
-                <a:latin typeface="Times New Roman" pitchFamily="18" charset="0"/>
-                <a:ea typeface="+mj-ea"/>
-                <a:cs typeface="Times New Roman" pitchFamily="18" charset="0"/>
-              </a:rPr>
-              <a:t>реализация </a:t>
-            </a:r>
-            <a:r>
-              <a:rPr lang="ru-RU" sz="2400" dirty="0" smtClean="0">
-                <a:latin typeface="Times New Roman" pitchFamily="18" charset="0"/>
-                <a:ea typeface="+mj-ea"/>
-                <a:cs typeface="Times New Roman" pitchFamily="18" charset="0"/>
-              </a:rPr>
-              <a:t>товаров и услуг.</a:t>
+              <a:t> реализация товаров и услуг.</a:t>
             </a:r>
           </a:p>
           <a:p>
@@ -10772,6 +13129,1234 @@
               </a:effectLst>
               <a:latin typeface="Times New Roman" pitchFamily="18" charset="0"/>
               <a:ea typeface="+mj-ea"/>
+              <a:cs typeface="Times New Roman" pitchFamily="18" charset="0"/>
+            </a:endParaRPr>
+          </a:p>
+        </p:txBody>
+      </p:sp>
+    </p:spTree>
+  </p:cSld>
+  <p:clrMapOvr>
+    <a:masterClrMapping/>
+  </p:clrMapOvr>
+  <p:timing>
+    <p:tnLst>
+      <p:par>
+        <p:cTn id="1" dur="indefinite" restart="never" nodeType="tmRoot"/>
+      </p:par>
+    </p:tnLst>
+  </p:timing>
+</p:sld>
+</file>
+
+<file path=ppt/slides/slide30.xml><?xml version="1.0" encoding="utf-8"?>
+<p:sld xmlns:a="http://schemas.openxmlformats.org/drawingml/2006/main" xmlns:r="http://schemas.openxmlformats.org/officeDocument/2006/relationships" xmlns:p="http://schemas.openxmlformats.org/presentationml/2006/main">
+  <p:cSld>
+    <p:spTree>
+      <p:nvGrpSpPr>
+        <p:cNvPr id="1" name=""/>
+        <p:cNvGrpSpPr/>
+        <p:nvPr/>
+      </p:nvGrpSpPr>
+      <p:grpSpPr>
+        <a:xfrm>
+          <a:off x="0" y="0"/>
+          <a:ext cx="0" cy="0"/>
+          <a:chOff x="0" y="0"/>
+          <a:chExt cx="0" cy="0"/>
+        </a:xfrm>
+      </p:grpSpPr>
+      <p:sp>
+        <p:nvSpPr>
+          <p:cNvPr id="3" name="Заголовок 2"/>
+          <p:cNvSpPr>
+            <a:spLocks noGrp="1"/>
+          </p:cNvSpPr>
+          <p:nvPr>
+            <p:ph type="title"/>
+          </p:nvPr>
+        </p:nvSpPr>
+        <p:spPr>
+          <a:solidFill>
+            <a:schemeClr val="bg2">
+              <a:lumMod val="50000"/>
+            </a:schemeClr>
+          </a:solidFill>
+        </p:spPr>
+        <p:txBody>
+          <a:bodyPr>
+            <a:noAutofit/>
+          </a:bodyPr>
+          <a:lstStyle/>
+          <a:p>
+            <a:r>
+              <a:rPr lang="ru-RU" sz="3200" dirty="0" smtClean="0">
+                <a:solidFill>
+                  <a:schemeClr val="bg1"/>
+                </a:solidFill>
+              </a:rPr>
+              <a:t>Облачная АТС</a:t>
+            </a:r>
+            <a:endParaRPr lang="ru-RU" sz="3200" dirty="0">
+              <a:solidFill>
+                <a:schemeClr val="bg1"/>
+              </a:solidFill>
+              <a:latin typeface="Times New Roman" pitchFamily="18" charset="0"/>
+              <a:cs typeface="Times New Roman" pitchFamily="18" charset="0"/>
+            </a:endParaRPr>
+          </a:p>
+        </p:txBody>
+      </p:sp>
+      <p:sp>
+        <p:nvSpPr>
+          <p:cNvPr id="5" name="Заголовок 2"/>
+          <p:cNvSpPr txBox="1">
+            <a:spLocks/>
+          </p:cNvSpPr>
+          <p:nvPr/>
+        </p:nvSpPr>
+        <p:spPr>
+          <a:xfrm>
+            <a:off x="467544" y="1196752"/>
+            <a:ext cx="8208912" cy="3168352"/>
+          </a:xfrm>
+          <a:prstGeom prst="rect">
+            <a:avLst/>
+          </a:prstGeom>
+          <a:noFill/>
+        </p:spPr>
+        <p:txBody>
+          <a:bodyPr vert="horz" rtlCol="0" anchor="ctr">
+            <a:noAutofit/>
+            <a:scene3d>
+              <a:camera prst="orthographicFront"/>
+              <a:lightRig rig="soft" dir="t"/>
+            </a:scene3d>
+            <a:sp3d prstMaterial="softEdge">
+              <a:bevelT w="25400" h="25400"/>
+            </a:sp3d>
+          </a:bodyPr>
+          <a:lstStyle/>
+          <a:p>
+            <a:endParaRPr lang="ru-RU" sz="2400" dirty="0">
+              <a:latin typeface="Times New Roman" pitchFamily="18" charset="0"/>
+              <a:cs typeface="Times New Roman" pitchFamily="18" charset="0"/>
+            </a:endParaRPr>
+          </a:p>
+        </p:txBody>
+      </p:sp>
+      <p:sp>
+        <p:nvSpPr>
+          <p:cNvPr id="4" name="Заголовок 2"/>
+          <p:cNvSpPr txBox="1">
+            <a:spLocks/>
+          </p:cNvSpPr>
+          <p:nvPr/>
+        </p:nvSpPr>
+        <p:spPr>
+          <a:xfrm>
+            <a:off x="395536" y="1556792"/>
+            <a:ext cx="3312368" cy="720080"/>
+          </a:xfrm>
+          <a:prstGeom prst="rect">
+            <a:avLst/>
+          </a:prstGeom>
+          <a:noFill/>
+        </p:spPr>
+        <p:txBody>
+          <a:bodyPr vert="horz" rtlCol="0" anchor="ctr">
+            <a:noAutofit/>
+            <a:scene3d>
+              <a:camera prst="orthographicFront"/>
+              <a:lightRig rig="soft" dir="t"/>
+            </a:scene3d>
+            <a:sp3d prstMaterial="softEdge">
+              <a:bevelT w="25400" h="25400"/>
+            </a:sp3d>
+          </a:bodyPr>
+          <a:lstStyle/>
+          <a:p>
+            <a:r>
+              <a:rPr lang="ru-RU" sz="2400" b="1" dirty="0" smtClean="0">
+                <a:latin typeface="Times New Roman" pitchFamily="18" charset="0"/>
+                <a:cs typeface="Times New Roman" pitchFamily="18" charset="0"/>
+              </a:rPr>
+              <a:t>Версии облачной АТС</a:t>
+            </a:r>
+            <a:endParaRPr lang="ru-RU" sz="2400" dirty="0" smtClean="0">
+              <a:latin typeface="Times New Roman" pitchFamily="18" charset="0"/>
+              <a:cs typeface="Times New Roman" pitchFamily="18" charset="0"/>
+            </a:endParaRPr>
+          </a:p>
+          <a:p>
+            <a:endParaRPr lang="ru-RU" sz="2400" b="1" dirty="0">
+              <a:latin typeface="Times New Roman" pitchFamily="18" charset="0"/>
+              <a:cs typeface="Times New Roman" pitchFamily="18" charset="0"/>
+            </a:endParaRPr>
+          </a:p>
+        </p:txBody>
+      </p:sp>
+      <p:pic>
+        <p:nvPicPr>
+          <p:cNvPr id="57346" name="Picture 2"/>
+          <p:cNvPicPr>
+            <a:picLocks noChangeAspect="1" noChangeArrowheads="1"/>
+          </p:cNvPicPr>
+          <p:nvPr/>
+        </p:nvPicPr>
+        <p:blipFill>
+          <a:blip r:embed="rId3" cstate="print"/>
+          <a:srcRect l="29530" t="37652" r="23811" b="26911"/>
+          <a:stretch>
+            <a:fillRect/>
+          </a:stretch>
+        </p:blipFill>
+        <p:spPr bwMode="auto">
+          <a:xfrm>
+            <a:off x="1835696" y="2060848"/>
+            <a:ext cx="5688632" cy="3456384"/>
+          </a:xfrm>
+          <a:prstGeom prst="rect">
+            <a:avLst/>
+          </a:prstGeom>
+          <a:noFill/>
+          <a:ln w="9525">
+            <a:noFill/>
+            <a:miter lim="800000"/>
+            <a:headEnd/>
+            <a:tailEnd/>
+          </a:ln>
+        </p:spPr>
+      </p:pic>
+    </p:spTree>
+  </p:cSld>
+  <p:clrMapOvr>
+    <a:masterClrMapping/>
+  </p:clrMapOvr>
+  <p:timing>
+    <p:tnLst>
+      <p:par>
+        <p:cTn id="1" dur="indefinite" restart="never" nodeType="tmRoot"/>
+      </p:par>
+    </p:tnLst>
+  </p:timing>
+</p:sld>
+</file>
+
+<file path=ppt/slides/slide31.xml><?xml version="1.0" encoding="utf-8"?>
+<p:sld xmlns:a="http://schemas.openxmlformats.org/drawingml/2006/main" xmlns:r="http://schemas.openxmlformats.org/officeDocument/2006/relationships" xmlns:p="http://schemas.openxmlformats.org/presentationml/2006/main">
+  <p:cSld>
+    <p:spTree>
+      <p:nvGrpSpPr>
+        <p:cNvPr id="1" name=""/>
+        <p:cNvGrpSpPr/>
+        <p:nvPr/>
+      </p:nvGrpSpPr>
+      <p:grpSpPr>
+        <a:xfrm>
+          <a:off x="0" y="0"/>
+          <a:ext cx="0" cy="0"/>
+          <a:chOff x="0" y="0"/>
+          <a:chExt cx="0" cy="0"/>
+        </a:xfrm>
+      </p:grpSpPr>
+      <p:sp>
+        <p:nvSpPr>
+          <p:cNvPr id="3" name="Заголовок 2"/>
+          <p:cNvSpPr>
+            <a:spLocks noGrp="1"/>
+          </p:cNvSpPr>
+          <p:nvPr>
+            <p:ph type="title"/>
+          </p:nvPr>
+        </p:nvSpPr>
+        <p:spPr>
+          <a:solidFill>
+            <a:schemeClr val="bg2">
+              <a:lumMod val="50000"/>
+            </a:schemeClr>
+          </a:solidFill>
+        </p:spPr>
+        <p:txBody>
+          <a:bodyPr>
+            <a:noAutofit/>
+          </a:bodyPr>
+          <a:lstStyle/>
+          <a:p>
+            <a:r>
+              <a:rPr lang="ru-RU" sz="3200" dirty="0" smtClean="0">
+                <a:solidFill>
+                  <a:schemeClr val="bg1"/>
+                </a:solidFill>
+              </a:rPr>
+              <a:t>Облачная АТС</a:t>
+            </a:r>
+            <a:endParaRPr lang="ru-RU" sz="3200" dirty="0">
+              <a:solidFill>
+                <a:schemeClr val="bg1"/>
+              </a:solidFill>
+              <a:latin typeface="Times New Roman" pitchFamily="18" charset="0"/>
+              <a:cs typeface="Times New Roman" pitchFamily="18" charset="0"/>
+            </a:endParaRPr>
+          </a:p>
+        </p:txBody>
+      </p:sp>
+      <p:sp>
+        <p:nvSpPr>
+          <p:cNvPr id="5" name="Заголовок 2"/>
+          <p:cNvSpPr txBox="1">
+            <a:spLocks/>
+          </p:cNvSpPr>
+          <p:nvPr/>
+        </p:nvSpPr>
+        <p:spPr>
+          <a:xfrm>
+            <a:off x="467544" y="1196752"/>
+            <a:ext cx="8208912" cy="3168352"/>
+          </a:xfrm>
+          <a:prstGeom prst="rect">
+            <a:avLst/>
+          </a:prstGeom>
+          <a:noFill/>
+        </p:spPr>
+        <p:txBody>
+          <a:bodyPr vert="horz" rtlCol="0" anchor="ctr">
+            <a:noAutofit/>
+            <a:scene3d>
+              <a:camera prst="orthographicFront"/>
+              <a:lightRig rig="soft" dir="t"/>
+            </a:scene3d>
+            <a:sp3d prstMaterial="softEdge">
+              <a:bevelT w="25400" h="25400"/>
+            </a:sp3d>
+          </a:bodyPr>
+          <a:lstStyle/>
+          <a:p>
+            <a:endParaRPr lang="ru-RU" sz="2400" dirty="0">
+              <a:latin typeface="Times New Roman" pitchFamily="18" charset="0"/>
+              <a:cs typeface="Times New Roman" pitchFamily="18" charset="0"/>
+            </a:endParaRPr>
+          </a:p>
+        </p:txBody>
+      </p:sp>
+      <p:sp>
+        <p:nvSpPr>
+          <p:cNvPr id="4" name="Заголовок 2"/>
+          <p:cNvSpPr txBox="1">
+            <a:spLocks/>
+          </p:cNvSpPr>
+          <p:nvPr/>
+        </p:nvSpPr>
+        <p:spPr>
+          <a:xfrm>
+            <a:off x="395536" y="1556792"/>
+            <a:ext cx="8280920" cy="3744416"/>
+          </a:xfrm>
+          <a:prstGeom prst="rect">
+            <a:avLst/>
+          </a:prstGeom>
+          <a:noFill/>
+        </p:spPr>
+        <p:txBody>
+          <a:bodyPr vert="horz" rtlCol="0" anchor="ctr">
+            <a:noAutofit/>
+            <a:scene3d>
+              <a:camera prst="orthographicFront"/>
+              <a:lightRig rig="soft" dir="t"/>
+            </a:scene3d>
+            <a:sp3d prstMaterial="softEdge">
+              <a:bevelT w="25400" h="25400"/>
+            </a:sp3d>
+          </a:bodyPr>
+          <a:lstStyle/>
+          <a:p>
+            <a:r>
+              <a:rPr lang="ru-RU" sz="2400" dirty="0" smtClean="0"/>
+              <a:t>А</a:t>
+            </a:r>
+            <a:r>
+              <a:rPr lang="ru-RU" sz="2400" dirty="0" smtClean="0"/>
+              <a:t>лгоритмы </a:t>
+            </a:r>
+            <a:r>
+              <a:rPr lang="ru-RU" sz="2400" dirty="0" smtClean="0"/>
+              <a:t>работы распределения </a:t>
+            </a:r>
+            <a:r>
+              <a:rPr lang="ru-RU" sz="2400" dirty="0" smtClean="0"/>
+              <a:t>звонков</a:t>
+            </a:r>
+          </a:p>
+          <a:p>
+            <a:pPr lvl="0">
+              <a:buFont typeface="Arial" pitchFamily="34" charset="0"/>
+              <a:buChar char="•"/>
+            </a:pPr>
+            <a:r>
+              <a:rPr lang="ru-RU" sz="2400" dirty="0" smtClean="0">
+                <a:latin typeface="Times New Roman" pitchFamily="18" charset="0"/>
+                <a:cs typeface="Times New Roman" pitchFamily="18" charset="0"/>
+              </a:rPr>
+              <a:t> по </a:t>
+            </a:r>
+            <a:r>
+              <a:rPr lang="ru-RU" sz="2400" dirty="0" smtClean="0">
+                <a:latin typeface="Times New Roman" pitchFamily="18" charset="0"/>
+                <a:cs typeface="Times New Roman" pitchFamily="18" charset="0"/>
+              </a:rPr>
+              <a:t>очереди;</a:t>
+            </a:r>
+          </a:p>
+          <a:p>
+            <a:pPr lvl="0">
+              <a:buFont typeface="Arial" pitchFamily="34" charset="0"/>
+              <a:buChar char="•"/>
+            </a:pPr>
+            <a:r>
+              <a:rPr lang="ru-RU" sz="2400" dirty="0" smtClean="0">
+                <a:latin typeface="Times New Roman" pitchFamily="18" charset="0"/>
+                <a:cs typeface="Times New Roman" pitchFamily="18" charset="0"/>
+              </a:rPr>
+              <a:t> по </a:t>
+            </a:r>
+            <a:r>
+              <a:rPr lang="ru-RU" sz="2400" dirty="0" smtClean="0">
+                <a:latin typeface="Times New Roman" pitchFamily="18" charset="0"/>
+                <a:cs typeface="Times New Roman" pitchFamily="18" charset="0"/>
+              </a:rPr>
+              <a:t>нарастающей;</a:t>
+            </a:r>
+          </a:p>
+          <a:p>
+            <a:pPr lvl="0">
+              <a:buFont typeface="Arial" pitchFamily="34" charset="0"/>
+              <a:buChar char="•"/>
+            </a:pPr>
+            <a:r>
+              <a:rPr lang="ru-RU" sz="2400" dirty="0" smtClean="0">
+                <a:latin typeface="Times New Roman" pitchFamily="18" charset="0"/>
+                <a:cs typeface="Times New Roman" pitchFamily="18" charset="0"/>
+              </a:rPr>
+              <a:t> всем </a:t>
+            </a:r>
+            <a:r>
+              <a:rPr lang="ru-RU" sz="2400" dirty="0" smtClean="0">
+                <a:latin typeface="Times New Roman" pitchFamily="18" charset="0"/>
+                <a:cs typeface="Times New Roman" pitchFamily="18" charset="0"/>
+              </a:rPr>
+              <a:t>сразу;</a:t>
+            </a:r>
+          </a:p>
+          <a:p>
+            <a:pPr lvl="0">
+              <a:buFont typeface="Arial" pitchFamily="34" charset="0"/>
+              <a:buChar char="•"/>
+            </a:pPr>
+            <a:r>
+              <a:rPr lang="ru-RU" sz="2400" dirty="0" smtClean="0">
+                <a:latin typeface="Times New Roman" pitchFamily="18" charset="0"/>
+                <a:cs typeface="Times New Roman" pitchFamily="18" charset="0"/>
+              </a:rPr>
+              <a:t> равномерно</a:t>
+            </a:r>
+            <a:r>
+              <a:rPr lang="ru-RU" sz="2400" dirty="0" smtClean="0">
+                <a:latin typeface="Times New Roman" pitchFamily="18" charset="0"/>
+                <a:cs typeface="Times New Roman" pitchFamily="18" charset="0"/>
+              </a:rPr>
+              <a:t>.</a:t>
+            </a:r>
+          </a:p>
+          <a:p>
+            <a:endParaRPr lang="ru-RU" sz="2400" b="1" dirty="0">
+              <a:latin typeface="Times New Roman" pitchFamily="18" charset="0"/>
+              <a:cs typeface="Times New Roman" pitchFamily="18" charset="0"/>
+            </a:endParaRPr>
+          </a:p>
+        </p:txBody>
+      </p:sp>
+    </p:spTree>
+  </p:cSld>
+  <p:clrMapOvr>
+    <a:masterClrMapping/>
+  </p:clrMapOvr>
+  <p:timing>
+    <p:tnLst>
+      <p:par>
+        <p:cTn id="1" dur="indefinite" restart="never" nodeType="tmRoot"/>
+      </p:par>
+    </p:tnLst>
+  </p:timing>
+</p:sld>
+</file>
+
+<file path=ppt/slides/slide32.xml><?xml version="1.0" encoding="utf-8"?>
+<p:sld xmlns:a="http://schemas.openxmlformats.org/drawingml/2006/main" xmlns:r="http://schemas.openxmlformats.org/officeDocument/2006/relationships" xmlns:p="http://schemas.openxmlformats.org/presentationml/2006/main">
+  <p:cSld>
+    <p:spTree>
+      <p:nvGrpSpPr>
+        <p:cNvPr id="1" name=""/>
+        <p:cNvGrpSpPr/>
+        <p:nvPr/>
+      </p:nvGrpSpPr>
+      <p:grpSpPr>
+        <a:xfrm>
+          <a:off x="0" y="0"/>
+          <a:ext cx="0" cy="0"/>
+          <a:chOff x="0" y="0"/>
+          <a:chExt cx="0" cy="0"/>
+        </a:xfrm>
+      </p:grpSpPr>
+      <p:sp>
+        <p:nvSpPr>
+          <p:cNvPr id="3" name="Заголовок 2"/>
+          <p:cNvSpPr>
+            <a:spLocks noGrp="1"/>
+          </p:cNvSpPr>
+          <p:nvPr>
+            <p:ph type="title"/>
+          </p:nvPr>
+        </p:nvSpPr>
+        <p:spPr>
+          <a:solidFill>
+            <a:schemeClr val="bg2">
+              <a:lumMod val="50000"/>
+            </a:schemeClr>
+          </a:solidFill>
+        </p:spPr>
+        <p:txBody>
+          <a:bodyPr>
+            <a:noAutofit/>
+          </a:bodyPr>
+          <a:lstStyle/>
+          <a:p>
+            <a:r>
+              <a:rPr lang="ru-RU" sz="3200" dirty="0" smtClean="0">
+                <a:solidFill>
+                  <a:schemeClr val="bg1"/>
+                </a:solidFill>
+              </a:rPr>
+              <a:t>Проектирование системы </a:t>
+            </a:r>
+            <a:r>
+              <a:rPr lang="ru-RU" sz="3200" dirty="0" smtClean="0">
+                <a:solidFill>
+                  <a:schemeClr val="bg1"/>
+                </a:solidFill>
+              </a:rPr>
+              <a:t>видеонаблюдения</a:t>
+            </a:r>
+            <a:endParaRPr lang="ru-RU" sz="3200" dirty="0">
+              <a:solidFill>
+                <a:schemeClr val="bg1"/>
+              </a:solidFill>
+              <a:latin typeface="Times New Roman" pitchFamily="18" charset="0"/>
+              <a:cs typeface="Times New Roman" pitchFamily="18" charset="0"/>
+            </a:endParaRPr>
+          </a:p>
+        </p:txBody>
+      </p:sp>
+      <p:sp>
+        <p:nvSpPr>
+          <p:cNvPr id="5" name="Заголовок 2"/>
+          <p:cNvSpPr txBox="1">
+            <a:spLocks/>
+          </p:cNvSpPr>
+          <p:nvPr/>
+        </p:nvSpPr>
+        <p:spPr>
+          <a:xfrm>
+            <a:off x="899592" y="1484784"/>
+            <a:ext cx="1080120" cy="432048"/>
+          </a:xfrm>
+          <a:prstGeom prst="rect">
+            <a:avLst/>
+          </a:prstGeom>
+          <a:noFill/>
+        </p:spPr>
+        <p:txBody>
+          <a:bodyPr vert="horz" rtlCol="0" anchor="ctr">
+            <a:noAutofit/>
+            <a:scene3d>
+              <a:camera prst="orthographicFront"/>
+              <a:lightRig rig="soft" dir="t"/>
+            </a:scene3d>
+            <a:sp3d prstMaterial="softEdge">
+              <a:bevelT w="25400" h="25400"/>
+            </a:sp3d>
+          </a:bodyPr>
+          <a:lstStyle/>
+          <a:p>
+            <a:r>
+              <a:rPr lang="ru-RU" sz="2400" dirty="0" smtClean="0">
+                <a:latin typeface="Times New Roman" pitchFamily="18" charset="0"/>
+                <a:cs typeface="Times New Roman" pitchFamily="18" charset="0"/>
+              </a:rPr>
+              <a:t>Зал 1</a:t>
+            </a:r>
+            <a:endParaRPr lang="ru-RU" sz="2400" dirty="0">
+              <a:latin typeface="Times New Roman" pitchFamily="18" charset="0"/>
+              <a:cs typeface="Times New Roman" pitchFamily="18" charset="0"/>
+            </a:endParaRPr>
+          </a:p>
+        </p:txBody>
+      </p:sp>
+      <p:sp>
+        <p:nvSpPr>
+          <p:cNvPr id="4" name="Заголовок 2"/>
+          <p:cNvSpPr txBox="1">
+            <a:spLocks/>
+          </p:cNvSpPr>
+          <p:nvPr/>
+        </p:nvSpPr>
+        <p:spPr>
+          <a:xfrm>
+            <a:off x="395536" y="1556792"/>
+            <a:ext cx="8280920" cy="3744416"/>
+          </a:xfrm>
+          <a:prstGeom prst="rect">
+            <a:avLst/>
+          </a:prstGeom>
+          <a:noFill/>
+        </p:spPr>
+        <p:txBody>
+          <a:bodyPr vert="horz" rtlCol="0" anchor="ctr">
+            <a:noAutofit/>
+            <a:scene3d>
+              <a:camera prst="orthographicFront"/>
+              <a:lightRig rig="soft" dir="t"/>
+            </a:scene3d>
+            <a:sp3d prstMaterial="softEdge">
+              <a:bevelT w="25400" h="25400"/>
+            </a:sp3d>
+          </a:bodyPr>
+          <a:lstStyle/>
+          <a:p>
+            <a:endParaRPr lang="ru-RU" sz="2400" b="1" dirty="0">
+              <a:latin typeface="Times New Roman" pitchFamily="18" charset="0"/>
+              <a:cs typeface="Times New Roman" pitchFamily="18" charset="0"/>
+            </a:endParaRPr>
+          </a:p>
+        </p:txBody>
+      </p:sp>
+      <p:pic>
+        <p:nvPicPr>
+          <p:cNvPr id="58370" name="Picture 2"/>
+          <p:cNvPicPr>
+            <a:picLocks noChangeAspect="1" noChangeArrowheads="1"/>
+          </p:cNvPicPr>
+          <p:nvPr/>
+        </p:nvPicPr>
+        <p:blipFill>
+          <a:blip r:embed="rId3" cstate="print"/>
+          <a:srcRect l="15703" t="7193" r="16226"/>
+          <a:stretch>
+            <a:fillRect/>
+          </a:stretch>
+        </p:blipFill>
+        <p:spPr bwMode="auto">
+          <a:xfrm>
+            <a:off x="467544" y="1991225"/>
+            <a:ext cx="1800200" cy="3958055"/>
+          </a:xfrm>
+          <a:prstGeom prst="rect">
+            <a:avLst/>
+          </a:prstGeom>
+          <a:noFill/>
+          <a:ln w="9525">
+            <a:noFill/>
+            <a:miter lim="800000"/>
+            <a:headEnd/>
+            <a:tailEnd/>
+          </a:ln>
+        </p:spPr>
+      </p:pic>
+      <p:pic>
+        <p:nvPicPr>
+          <p:cNvPr id="58371" name="Picture 3"/>
+          <p:cNvPicPr>
+            <a:picLocks noChangeAspect="1" noChangeArrowheads="1"/>
+          </p:cNvPicPr>
+          <p:nvPr/>
+        </p:nvPicPr>
+        <p:blipFill>
+          <a:blip r:embed="rId4" cstate="print"/>
+          <a:srcRect l="9357" r="22041" b="3165"/>
+          <a:stretch>
+            <a:fillRect/>
+          </a:stretch>
+        </p:blipFill>
+        <p:spPr bwMode="auto">
+          <a:xfrm>
+            <a:off x="2302237" y="1988840"/>
+            <a:ext cx="1837715" cy="3966617"/>
+          </a:xfrm>
+          <a:prstGeom prst="rect">
+            <a:avLst/>
+          </a:prstGeom>
+          <a:noFill/>
+          <a:ln w="9525">
+            <a:noFill/>
+            <a:miter lim="800000"/>
+            <a:headEnd/>
+            <a:tailEnd/>
+          </a:ln>
+        </p:spPr>
+      </p:pic>
+      <p:pic>
+        <p:nvPicPr>
+          <p:cNvPr id="58372" name="Picture 4"/>
+          <p:cNvPicPr>
+            <a:picLocks noChangeAspect="1" noChangeArrowheads="1"/>
+          </p:cNvPicPr>
+          <p:nvPr/>
+        </p:nvPicPr>
+        <p:blipFill>
+          <a:blip r:embed="rId5" cstate="print"/>
+          <a:srcRect l="4231" t="6783" r="4588" b="7753"/>
+          <a:stretch>
+            <a:fillRect/>
+          </a:stretch>
+        </p:blipFill>
+        <p:spPr bwMode="auto">
+          <a:xfrm>
+            <a:off x="4215621" y="2258913"/>
+            <a:ext cx="4460835" cy="3186311"/>
+          </a:xfrm>
+          <a:prstGeom prst="rect">
+            <a:avLst/>
+          </a:prstGeom>
+          <a:noFill/>
+          <a:ln w="9525">
+            <a:noFill/>
+            <a:miter lim="800000"/>
+            <a:headEnd/>
+            <a:tailEnd/>
+          </a:ln>
+        </p:spPr>
+      </p:pic>
+      <p:sp>
+        <p:nvSpPr>
+          <p:cNvPr id="8" name="Заголовок 2"/>
+          <p:cNvSpPr txBox="1">
+            <a:spLocks/>
+          </p:cNvSpPr>
+          <p:nvPr/>
+        </p:nvSpPr>
+        <p:spPr>
+          <a:xfrm>
+            <a:off x="2843808" y="1484784"/>
+            <a:ext cx="936104" cy="432048"/>
+          </a:xfrm>
+          <a:prstGeom prst="rect">
+            <a:avLst/>
+          </a:prstGeom>
+          <a:noFill/>
+        </p:spPr>
+        <p:txBody>
+          <a:bodyPr vert="horz" rtlCol="0" anchor="ctr">
+            <a:noAutofit/>
+            <a:scene3d>
+              <a:camera prst="orthographicFront"/>
+              <a:lightRig rig="soft" dir="t"/>
+            </a:scene3d>
+            <a:sp3d prstMaterial="softEdge">
+              <a:bevelT w="25400" h="25400"/>
+            </a:sp3d>
+          </a:bodyPr>
+          <a:lstStyle/>
+          <a:p>
+            <a:r>
+              <a:rPr lang="ru-RU" sz="2400" dirty="0" smtClean="0">
+                <a:latin typeface="Times New Roman" pitchFamily="18" charset="0"/>
+                <a:cs typeface="Times New Roman" pitchFamily="18" charset="0"/>
+              </a:rPr>
+              <a:t>Зал 2</a:t>
+            </a:r>
+            <a:endParaRPr lang="ru-RU" sz="2400" dirty="0">
+              <a:latin typeface="Times New Roman" pitchFamily="18" charset="0"/>
+              <a:cs typeface="Times New Roman" pitchFamily="18" charset="0"/>
+            </a:endParaRPr>
+          </a:p>
+        </p:txBody>
+      </p:sp>
+      <p:sp>
+        <p:nvSpPr>
+          <p:cNvPr id="9" name="Заголовок 2"/>
+          <p:cNvSpPr txBox="1">
+            <a:spLocks/>
+          </p:cNvSpPr>
+          <p:nvPr/>
+        </p:nvSpPr>
+        <p:spPr>
+          <a:xfrm>
+            <a:off x="5940152" y="1484784"/>
+            <a:ext cx="936104" cy="432048"/>
+          </a:xfrm>
+          <a:prstGeom prst="rect">
+            <a:avLst/>
+          </a:prstGeom>
+          <a:noFill/>
+        </p:spPr>
+        <p:txBody>
+          <a:bodyPr vert="horz" rtlCol="0" anchor="ctr">
+            <a:noAutofit/>
+            <a:scene3d>
+              <a:camera prst="orthographicFront"/>
+              <a:lightRig rig="soft" dir="t"/>
+            </a:scene3d>
+            <a:sp3d prstMaterial="softEdge">
+              <a:bevelT w="25400" h="25400"/>
+            </a:sp3d>
+          </a:bodyPr>
+          <a:lstStyle/>
+          <a:p>
+            <a:r>
+              <a:rPr lang="ru-RU" sz="2400" dirty="0" smtClean="0">
+                <a:latin typeface="Times New Roman" pitchFamily="18" charset="0"/>
+                <a:cs typeface="Times New Roman" pitchFamily="18" charset="0"/>
+              </a:rPr>
+              <a:t>Зал 3</a:t>
+            </a:r>
+            <a:endParaRPr lang="ru-RU" sz="2400" dirty="0">
+              <a:latin typeface="Times New Roman" pitchFamily="18" charset="0"/>
+              <a:cs typeface="Times New Roman" pitchFamily="18" charset="0"/>
+            </a:endParaRPr>
+          </a:p>
+        </p:txBody>
+      </p:sp>
+      <p:sp>
+        <p:nvSpPr>
+          <p:cNvPr id="10" name="Заголовок 2"/>
+          <p:cNvSpPr txBox="1">
+            <a:spLocks/>
+          </p:cNvSpPr>
+          <p:nvPr/>
+        </p:nvSpPr>
+        <p:spPr>
+          <a:xfrm>
+            <a:off x="6516216" y="6093296"/>
+            <a:ext cx="2664296" cy="432048"/>
+          </a:xfrm>
+          <a:prstGeom prst="rect">
+            <a:avLst/>
+          </a:prstGeom>
+          <a:noFill/>
+        </p:spPr>
+        <p:txBody>
+          <a:bodyPr vert="horz" rtlCol="0" anchor="ctr">
+            <a:noAutofit/>
+            <a:scene3d>
+              <a:camera prst="orthographicFront"/>
+              <a:lightRig rig="soft" dir="t"/>
+            </a:scene3d>
+            <a:sp3d prstMaterial="softEdge">
+              <a:bevelT w="25400" h="25400"/>
+            </a:sp3d>
+          </a:bodyPr>
+          <a:lstStyle/>
+          <a:p>
+            <a:r>
+              <a:rPr lang="ru-RU" sz="2400" b="1" dirty="0" smtClean="0">
+                <a:latin typeface="Times New Roman" pitchFamily="18" charset="0"/>
+                <a:cs typeface="Times New Roman" pitchFamily="18" charset="0"/>
+              </a:rPr>
+              <a:t>Торговые залы</a:t>
+            </a:r>
+            <a:endParaRPr lang="ru-RU" sz="2400" b="1" dirty="0">
+              <a:latin typeface="Times New Roman" pitchFamily="18" charset="0"/>
+              <a:cs typeface="Times New Roman" pitchFamily="18" charset="0"/>
+            </a:endParaRPr>
+          </a:p>
+        </p:txBody>
+      </p:sp>
+    </p:spTree>
+  </p:cSld>
+  <p:clrMapOvr>
+    <a:masterClrMapping/>
+  </p:clrMapOvr>
+  <p:timing>
+    <p:tnLst>
+      <p:par>
+        <p:cTn id="1" dur="indefinite" restart="never" nodeType="tmRoot"/>
+      </p:par>
+    </p:tnLst>
+  </p:timing>
+</p:sld>
+</file>
+
+<file path=ppt/slides/slide33.xml><?xml version="1.0" encoding="utf-8"?>
+<p:sld xmlns:a="http://schemas.openxmlformats.org/drawingml/2006/main" xmlns:r="http://schemas.openxmlformats.org/officeDocument/2006/relationships" xmlns:p="http://schemas.openxmlformats.org/presentationml/2006/main">
+  <p:cSld>
+    <p:spTree>
+      <p:nvGrpSpPr>
+        <p:cNvPr id="1" name=""/>
+        <p:cNvGrpSpPr/>
+        <p:nvPr/>
+      </p:nvGrpSpPr>
+      <p:grpSpPr>
+        <a:xfrm>
+          <a:off x="0" y="0"/>
+          <a:ext cx="0" cy="0"/>
+          <a:chOff x="0" y="0"/>
+          <a:chExt cx="0" cy="0"/>
+        </a:xfrm>
+      </p:grpSpPr>
+      <p:sp>
+        <p:nvSpPr>
+          <p:cNvPr id="3" name="Заголовок 2"/>
+          <p:cNvSpPr>
+            <a:spLocks noGrp="1"/>
+          </p:cNvSpPr>
+          <p:nvPr>
+            <p:ph type="title"/>
+          </p:nvPr>
+        </p:nvSpPr>
+        <p:spPr>
+          <a:solidFill>
+            <a:schemeClr val="bg2">
+              <a:lumMod val="50000"/>
+            </a:schemeClr>
+          </a:solidFill>
+        </p:spPr>
+        <p:txBody>
+          <a:bodyPr>
+            <a:noAutofit/>
+          </a:bodyPr>
+          <a:lstStyle/>
+          <a:p>
+            <a:r>
+              <a:rPr lang="ru-RU" sz="3200" dirty="0" smtClean="0">
+                <a:solidFill>
+                  <a:schemeClr val="bg1"/>
+                </a:solidFill>
+              </a:rPr>
+              <a:t>Проектирование системы </a:t>
+            </a:r>
+            <a:r>
+              <a:rPr lang="ru-RU" sz="3200" dirty="0" smtClean="0">
+                <a:solidFill>
+                  <a:schemeClr val="bg1"/>
+                </a:solidFill>
+              </a:rPr>
+              <a:t>видеонаблюдения.</a:t>
+            </a:r>
+            <a:endParaRPr lang="ru-RU" sz="3200" dirty="0">
+              <a:solidFill>
+                <a:schemeClr val="bg1"/>
+              </a:solidFill>
+              <a:latin typeface="Times New Roman" pitchFamily="18" charset="0"/>
+              <a:cs typeface="Times New Roman" pitchFamily="18" charset="0"/>
+            </a:endParaRPr>
+          </a:p>
+        </p:txBody>
+      </p:sp>
+      <p:sp>
+        <p:nvSpPr>
+          <p:cNvPr id="4" name="Заголовок 2"/>
+          <p:cNvSpPr txBox="1">
+            <a:spLocks/>
+          </p:cNvSpPr>
+          <p:nvPr/>
+        </p:nvSpPr>
+        <p:spPr>
+          <a:xfrm>
+            <a:off x="395536" y="1556792"/>
+            <a:ext cx="8280920" cy="3744416"/>
+          </a:xfrm>
+          <a:prstGeom prst="rect">
+            <a:avLst/>
+          </a:prstGeom>
+          <a:noFill/>
+        </p:spPr>
+        <p:txBody>
+          <a:bodyPr vert="horz" rtlCol="0" anchor="ctr">
+            <a:noAutofit/>
+            <a:scene3d>
+              <a:camera prst="orthographicFront"/>
+              <a:lightRig rig="soft" dir="t"/>
+            </a:scene3d>
+            <a:sp3d prstMaterial="softEdge">
+              <a:bevelT w="25400" h="25400"/>
+            </a:sp3d>
+          </a:bodyPr>
+          <a:lstStyle/>
+          <a:p>
+            <a:endParaRPr lang="ru-RU" sz="2400" b="1" dirty="0">
+              <a:latin typeface="Times New Roman" pitchFamily="18" charset="0"/>
+              <a:cs typeface="Times New Roman" pitchFamily="18" charset="0"/>
+            </a:endParaRPr>
+          </a:p>
+        </p:txBody>
+      </p:sp>
+      <p:sp>
+        <p:nvSpPr>
+          <p:cNvPr id="10" name="Заголовок 2"/>
+          <p:cNvSpPr txBox="1">
+            <a:spLocks/>
+          </p:cNvSpPr>
+          <p:nvPr/>
+        </p:nvSpPr>
+        <p:spPr>
+          <a:xfrm>
+            <a:off x="4932040" y="6093296"/>
+            <a:ext cx="3960440" cy="432048"/>
+          </a:xfrm>
+          <a:prstGeom prst="rect">
+            <a:avLst/>
+          </a:prstGeom>
+          <a:noFill/>
+        </p:spPr>
+        <p:txBody>
+          <a:bodyPr vert="horz" rtlCol="0" anchor="ctr">
+            <a:noAutofit/>
+            <a:scene3d>
+              <a:camera prst="orthographicFront"/>
+              <a:lightRig rig="soft" dir="t"/>
+            </a:scene3d>
+            <a:sp3d prstMaterial="softEdge">
+              <a:bevelT w="25400" h="25400"/>
+            </a:sp3d>
+          </a:bodyPr>
+          <a:lstStyle/>
+          <a:p>
+            <a:r>
+              <a:rPr lang="ru-RU" sz="2400" b="1" dirty="0" smtClean="0">
+                <a:latin typeface="Times New Roman" pitchFamily="18" charset="0"/>
+                <a:cs typeface="Times New Roman" pitchFamily="18" charset="0"/>
+              </a:rPr>
+              <a:t>Прилегающая территория</a:t>
+            </a:r>
+            <a:endParaRPr lang="ru-RU" sz="2400" b="1" dirty="0">
+              <a:latin typeface="Times New Roman" pitchFamily="18" charset="0"/>
+              <a:cs typeface="Times New Roman" pitchFamily="18" charset="0"/>
+            </a:endParaRPr>
+          </a:p>
+        </p:txBody>
+      </p:sp>
+      <p:pic>
+        <p:nvPicPr>
+          <p:cNvPr id="59394" name="Picture 2"/>
+          <p:cNvPicPr>
+            <a:picLocks noChangeAspect="1" noChangeArrowheads="1"/>
+          </p:cNvPicPr>
+          <p:nvPr/>
+        </p:nvPicPr>
+        <p:blipFill>
+          <a:blip r:embed="rId3" cstate="print"/>
+          <a:srcRect l="7071" t="20142" r="4828"/>
+          <a:stretch>
+            <a:fillRect/>
+          </a:stretch>
+        </p:blipFill>
+        <p:spPr bwMode="auto">
+          <a:xfrm>
+            <a:off x="1817808" y="1636073"/>
+            <a:ext cx="5346480" cy="4169191"/>
+          </a:xfrm>
+          <a:prstGeom prst="rect">
+            <a:avLst/>
+          </a:prstGeom>
+          <a:noFill/>
+          <a:ln w="9525">
+            <a:noFill/>
+            <a:miter lim="800000"/>
+            <a:headEnd/>
+            <a:tailEnd/>
+          </a:ln>
+        </p:spPr>
+      </p:pic>
+    </p:spTree>
+  </p:cSld>
+  <p:clrMapOvr>
+    <a:masterClrMapping/>
+  </p:clrMapOvr>
+  <p:timing>
+    <p:tnLst>
+      <p:par>
+        <p:cTn id="1" dur="indefinite" restart="never" nodeType="tmRoot"/>
+      </p:par>
+    </p:tnLst>
+  </p:timing>
+</p:sld>
+</file>
+
+<file path=ppt/slides/slide34.xml><?xml version="1.0" encoding="utf-8"?>
+<p:sld xmlns:a="http://schemas.openxmlformats.org/drawingml/2006/main" xmlns:r="http://schemas.openxmlformats.org/officeDocument/2006/relationships" xmlns:p="http://schemas.openxmlformats.org/presentationml/2006/main">
+  <p:cSld>
+    <p:spTree>
+      <p:nvGrpSpPr>
+        <p:cNvPr id="1" name=""/>
+        <p:cNvGrpSpPr/>
+        <p:nvPr/>
+      </p:nvGrpSpPr>
+      <p:grpSpPr>
+        <a:xfrm>
+          <a:off x="0" y="0"/>
+          <a:ext cx="0" cy="0"/>
+          <a:chOff x="0" y="0"/>
+          <a:chExt cx="0" cy="0"/>
+        </a:xfrm>
+      </p:grpSpPr>
+      <p:pic>
+        <p:nvPicPr>
+          <p:cNvPr id="60418" name="Picture 2"/>
+          <p:cNvPicPr>
+            <a:picLocks noChangeAspect="1" noChangeArrowheads="1"/>
+          </p:cNvPicPr>
+          <p:nvPr/>
+        </p:nvPicPr>
+        <p:blipFill>
+          <a:blip r:embed="rId3" cstate="print"/>
+          <a:srcRect/>
+          <a:stretch>
+            <a:fillRect/>
+          </a:stretch>
+        </p:blipFill>
+        <p:spPr bwMode="auto">
+          <a:xfrm>
+            <a:off x="2483768" y="1556793"/>
+            <a:ext cx="4680520" cy="4714132"/>
+          </a:xfrm>
+          <a:prstGeom prst="rect">
+            <a:avLst/>
+          </a:prstGeom>
+          <a:noFill/>
+          <a:ln w="9525">
+            <a:noFill/>
+            <a:miter lim="800000"/>
+            <a:headEnd/>
+            <a:tailEnd/>
+          </a:ln>
+        </p:spPr>
+      </p:pic>
+      <p:sp>
+        <p:nvSpPr>
+          <p:cNvPr id="3" name="Заголовок 2"/>
+          <p:cNvSpPr>
+            <a:spLocks noGrp="1"/>
+          </p:cNvSpPr>
+          <p:nvPr>
+            <p:ph type="title"/>
+          </p:nvPr>
+        </p:nvSpPr>
+        <p:spPr>
+          <a:solidFill>
+            <a:schemeClr val="bg2">
+              <a:lumMod val="50000"/>
+            </a:schemeClr>
+          </a:solidFill>
+        </p:spPr>
+        <p:txBody>
+          <a:bodyPr>
+            <a:noAutofit/>
+          </a:bodyPr>
+          <a:lstStyle/>
+          <a:p>
+            <a:r>
+              <a:rPr lang="ru-RU" sz="3200" dirty="0" smtClean="0">
+                <a:solidFill>
+                  <a:schemeClr val="bg1"/>
+                </a:solidFill>
+              </a:rPr>
+              <a:t>Проектирование системы </a:t>
+            </a:r>
+            <a:r>
+              <a:rPr lang="ru-RU" sz="3200" dirty="0" smtClean="0">
+                <a:solidFill>
+                  <a:schemeClr val="bg1"/>
+                </a:solidFill>
+              </a:rPr>
+              <a:t>видеонаблюдения.</a:t>
+            </a:r>
+            <a:endParaRPr lang="ru-RU" sz="3200" dirty="0">
+              <a:solidFill>
+                <a:schemeClr val="bg1"/>
+              </a:solidFill>
+              <a:latin typeface="Times New Roman" pitchFamily="18" charset="0"/>
+              <a:cs typeface="Times New Roman" pitchFamily="18" charset="0"/>
+            </a:endParaRPr>
+          </a:p>
+        </p:txBody>
+      </p:sp>
+      <p:sp>
+        <p:nvSpPr>
+          <p:cNvPr id="4" name="Заголовок 2"/>
+          <p:cNvSpPr txBox="1">
+            <a:spLocks/>
+          </p:cNvSpPr>
+          <p:nvPr/>
+        </p:nvSpPr>
+        <p:spPr>
+          <a:xfrm>
+            <a:off x="395536" y="1556792"/>
+            <a:ext cx="8280920" cy="3744416"/>
+          </a:xfrm>
+          <a:prstGeom prst="rect">
+            <a:avLst/>
+          </a:prstGeom>
+          <a:noFill/>
+        </p:spPr>
+        <p:txBody>
+          <a:bodyPr vert="horz" rtlCol="0" anchor="ctr">
+            <a:noAutofit/>
+            <a:scene3d>
+              <a:camera prst="orthographicFront"/>
+              <a:lightRig rig="soft" dir="t"/>
+            </a:scene3d>
+            <a:sp3d prstMaterial="softEdge">
+              <a:bevelT w="25400" h="25400"/>
+            </a:sp3d>
+          </a:bodyPr>
+          <a:lstStyle/>
+          <a:p>
+            <a:endParaRPr lang="ru-RU" sz="2400" b="1" dirty="0">
+              <a:latin typeface="Times New Roman" pitchFamily="18" charset="0"/>
+              <a:cs typeface="Times New Roman" pitchFamily="18" charset="0"/>
+            </a:endParaRPr>
+          </a:p>
+        </p:txBody>
+      </p:sp>
+      <p:sp>
+        <p:nvSpPr>
+          <p:cNvPr id="10" name="Заголовок 2"/>
+          <p:cNvSpPr txBox="1">
+            <a:spLocks/>
+          </p:cNvSpPr>
+          <p:nvPr/>
+        </p:nvSpPr>
+        <p:spPr>
+          <a:xfrm>
+            <a:off x="6084168" y="6093296"/>
+            <a:ext cx="2736304" cy="432048"/>
+          </a:xfrm>
+          <a:prstGeom prst="rect">
+            <a:avLst/>
+          </a:prstGeom>
+          <a:noFill/>
+        </p:spPr>
+        <p:txBody>
+          <a:bodyPr vert="horz" rtlCol="0" anchor="ctr">
+            <a:noAutofit/>
+            <a:scene3d>
+              <a:camera prst="orthographicFront"/>
+              <a:lightRig rig="soft" dir="t"/>
+            </a:scene3d>
+            <a:sp3d prstMaterial="softEdge">
+              <a:bevelT w="25400" h="25400"/>
+            </a:sp3d>
+          </a:bodyPr>
+          <a:lstStyle/>
+          <a:p>
+            <a:r>
+              <a:rPr lang="ru-RU" sz="2400" b="1" dirty="0" smtClean="0">
+                <a:latin typeface="Times New Roman" pitchFamily="18" charset="0"/>
+                <a:cs typeface="Times New Roman" pitchFamily="18" charset="0"/>
+              </a:rPr>
+              <a:t>Посты операторов</a:t>
+            </a:r>
+            <a:endParaRPr lang="ru-RU" sz="2400" b="1" dirty="0">
+              <a:latin typeface="Times New Roman" pitchFamily="18" charset="0"/>
               <a:cs typeface="Times New Roman" pitchFamily="18" charset="0"/>
             </a:endParaRPr>
           </a:p>
@@ -10973,45 +14558,8 @@
                 <a:ea typeface="+mj-ea"/>
                 <a:cs typeface="Times New Roman" pitchFamily="18" charset="0"/>
               </a:rPr>
-              <a:t> </a:t>
-            </a:r>
-            <a:r>
-              <a:rPr lang="ru-RU" sz="2400" dirty="0" smtClean="0">
-                <a:latin typeface="Times New Roman" pitchFamily="18" charset="0"/>
-                <a:ea typeface="+mj-ea"/>
-                <a:cs typeface="Times New Roman" pitchFamily="18" charset="0"/>
-              </a:rPr>
-              <a:t>п</a:t>
-            </a:r>
-            <a:r>
-              <a:rPr lang="ru-RU" sz="2400" dirty="0" smtClean="0">
-                <a:latin typeface="Times New Roman" pitchFamily="18" charset="0"/>
-                <a:ea typeface="+mj-ea"/>
-                <a:cs typeface="Times New Roman" pitchFamily="18" charset="0"/>
-              </a:rPr>
-              <a:t>оступление </a:t>
-            </a:r>
-            <a:r>
-              <a:rPr lang="ru-RU" sz="2400" dirty="0" smtClean="0">
-                <a:latin typeface="Times New Roman" pitchFamily="18" charset="0"/>
-                <a:ea typeface="+mj-ea"/>
-                <a:cs typeface="Times New Roman" pitchFamily="18" charset="0"/>
-              </a:rPr>
-              <a:t>товара с оптового </a:t>
-            </a:r>
-            <a:r>
-              <a:rPr lang="ru-RU" sz="2400" dirty="0" smtClean="0">
-                <a:latin typeface="Times New Roman" pitchFamily="18" charset="0"/>
-                <a:ea typeface="+mj-ea"/>
-                <a:cs typeface="Times New Roman" pitchFamily="18" charset="0"/>
-              </a:rPr>
-              <a:t>склада;</a:t>
-            </a:r>
-            <a:endParaRPr lang="ru-RU" sz="2400" dirty="0" smtClean="0">
-              <a:latin typeface="Times New Roman" pitchFamily="18" charset="0"/>
-              <a:ea typeface="+mj-ea"/>
-              <a:cs typeface="Times New Roman" pitchFamily="18" charset="0"/>
-            </a:endParaRPr>
+              <a:t> поступление товара с оптового склада;</a:t>
+            </a:r>
           </a:p>
           <a:p>
             <a:pPr marL="87313" marR="0" lvl="0" algn="l" defTabSz="914400" rtl="0" eaLnBrk="1" fontAlgn="auto" latinLnBrk="0" hangingPunct="1">
@@ -11037,37 +14585,8 @@
                 <a:ea typeface="+mj-ea"/>
                 <a:cs typeface="Times New Roman" pitchFamily="18" charset="0"/>
               </a:rPr>
-              <a:t> </a:t>
-            </a:r>
-            <a:r>
-              <a:rPr lang="ru-RU" sz="2400" dirty="0" smtClean="0">
-                <a:latin typeface="Times New Roman" pitchFamily="18" charset="0"/>
-                <a:ea typeface="+mj-ea"/>
-                <a:cs typeface="Times New Roman" pitchFamily="18" charset="0"/>
-              </a:rPr>
-              <a:t>приемка </a:t>
-            </a:r>
-            <a:r>
-              <a:rPr lang="ru-RU" sz="2400" dirty="0" smtClean="0">
-                <a:latin typeface="Times New Roman" pitchFamily="18" charset="0"/>
-                <a:ea typeface="+mj-ea"/>
-                <a:cs typeface="Times New Roman" pitchFamily="18" charset="0"/>
-              </a:rPr>
-              <a:t>товара по качеству и </a:t>
-            </a:r>
-            <a:r>
-              <a:rPr lang="ru-RU" sz="2400" dirty="0" smtClean="0">
-                <a:latin typeface="Times New Roman" pitchFamily="18" charset="0"/>
-                <a:ea typeface="+mj-ea"/>
-                <a:cs typeface="Times New Roman" pitchFamily="18" charset="0"/>
-              </a:rPr>
-              <a:t>количеству;</a:t>
-            </a:r>
-            <a:endParaRPr lang="ru-RU" sz="2400" dirty="0" smtClean="0">
-              <a:latin typeface="Times New Roman" pitchFamily="18" charset="0"/>
-              <a:ea typeface="+mj-ea"/>
-              <a:cs typeface="Times New Roman" pitchFamily="18" charset="0"/>
-            </a:endParaRPr>
+              <a:t> приемка товара по качеству и количеству;</a:t>
+            </a:r>
           </a:p>
           <a:p>
             <a:pPr marL="87313" marR="0" lvl="0" algn="l" defTabSz="914400" rtl="0" eaLnBrk="1" fontAlgn="auto" latinLnBrk="0" hangingPunct="1">
@@ -11093,37 +14612,8 @@
                 <a:ea typeface="+mj-ea"/>
                 <a:cs typeface="Times New Roman" pitchFamily="18" charset="0"/>
               </a:rPr>
-              <a:t> </a:t>
-            </a:r>
-            <a:r>
-              <a:rPr lang="ru-RU" sz="2400" dirty="0" smtClean="0">
-                <a:latin typeface="Times New Roman" pitchFamily="18" charset="0"/>
-                <a:ea typeface="+mj-ea"/>
-                <a:cs typeface="Times New Roman" pitchFamily="18" charset="0"/>
-              </a:rPr>
-              <a:t>возврат </a:t>
-            </a:r>
-            <a:r>
-              <a:rPr lang="ru-RU" sz="2400" dirty="0" smtClean="0">
-                <a:latin typeface="Times New Roman" pitchFamily="18" charset="0"/>
-                <a:ea typeface="+mj-ea"/>
-                <a:cs typeface="Times New Roman" pitchFamily="18" charset="0"/>
-              </a:rPr>
-              <a:t>товара на оптовый </a:t>
-            </a:r>
-            <a:r>
-              <a:rPr lang="ru-RU" sz="2400" dirty="0" smtClean="0">
-                <a:latin typeface="Times New Roman" pitchFamily="18" charset="0"/>
-                <a:ea typeface="+mj-ea"/>
-                <a:cs typeface="Times New Roman" pitchFamily="18" charset="0"/>
-              </a:rPr>
-              <a:t>склад;</a:t>
-            </a:r>
-            <a:endParaRPr lang="ru-RU" sz="2400" dirty="0" smtClean="0">
-              <a:latin typeface="Times New Roman" pitchFamily="18" charset="0"/>
-              <a:ea typeface="+mj-ea"/>
-              <a:cs typeface="Times New Roman" pitchFamily="18" charset="0"/>
-            </a:endParaRPr>
+              <a:t> возврат товара на оптовый склад;</a:t>
+            </a:r>
           </a:p>
           <a:p>
             <a:pPr marL="87313" marR="0" lvl="0" algn="l" defTabSz="914400" rtl="0" eaLnBrk="1" fontAlgn="auto" latinLnBrk="0" hangingPunct="1">
@@ -11149,37 +14639,8 @@
                 <a:ea typeface="+mj-ea"/>
                 <a:cs typeface="Times New Roman" pitchFamily="18" charset="0"/>
               </a:rPr>
-              <a:t> </a:t>
-            </a:r>
-            <a:r>
-              <a:rPr lang="ru-RU" sz="2400" dirty="0" smtClean="0">
-                <a:latin typeface="Times New Roman" pitchFamily="18" charset="0"/>
-                <a:ea typeface="+mj-ea"/>
-                <a:cs typeface="Times New Roman" pitchFamily="18" charset="0"/>
-              </a:rPr>
-              <a:t>установка </a:t>
-            </a:r>
-            <a:r>
-              <a:rPr lang="ru-RU" sz="2400" dirty="0" smtClean="0">
-                <a:latin typeface="Times New Roman" pitchFamily="18" charset="0"/>
-                <a:ea typeface="+mj-ea"/>
-                <a:cs typeface="Times New Roman" pitchFamily="18" charset="0"/>
-              </a:rPr>
-              <a:t>цен </a:t>
-            </a:r>
-            <a:r>
-              <a:rPr lang="ru-RU" sz="2400" dirty="0" smtClean="0">
-                <a:latin typeface="Times New Roman" pitchFamily="18" charset="0"/>
-                <a:ea typeface="+mj-ea"/>
-                <a:cs typeface="Times New Roman" pitchFamily="18" charset="0"/>
-              </a:rPr>
-              <a:t>номенклатуры;</a:t>
-            </a:r>
-            <a:endParaRPr lang="ru-RU" sz="2400" dirty="0" smtClean="0">
-              <a:latin typeface="Times New Roman" pitchFamily="18" charset="0"/>
-              <a:ea typeface="+mj-ea"/>
-              <a:cs typeface="Times New Roman" pitchFamily="18" charset="0"/>
-            </a:endParaRPr>
+              <a:t> установка цен номенклатуры;</a:t>
+            </a:r>
           </a:p>
           <a:p>
             <a:pPr marL="87313" marR="0" lvl="0" algn="l" defTabSz="914400" rtl="0" eaLnBrk="1" fontAlgn="auto" latinLnBrk="0" hangingPunct="1">
@@ -11205,23 +14666,7 @@
                 <a:ea typeface="+mj-ea"/>
                 <a:cs typeface="Times New Roman" pitchFamily="18" charset="0"/>
               </a:rPr>
-              <a:t> </a:t>
-            </a:r>
-            <a:r>
-              <a:rPr lang="ru-RU" sz="2400" dirty="0" smtClean="0">
-                <a:latin typeface="Times New Roman" pitchFamily="18" charset="0"/>
-                <a:ea typeface="+mj-ea"/>
-                <a:cs typeface="Times New Roman" pitchFamily="18" charset="0"/>
-              </a:rPr>
-              <a:t>реализация </a:t>
-            </a:r>
-            <a:r>
-              <a:rPr lang="ru-RU" sz="2400" dirty="0" smtClean="0">
-                <a:latin typeface="Times New Roman" pitchFamily="18" charset="0"/>
-                <a:ea typeface="+mj-ea"/>
-                <a:cs typeface="Times New Roman" pitchFamily="18" charset="0"/>
-              </a:rPr>
-              <a:t>товаров и услуг.</a:t>
+              <a:t> реализация товаров и услуг.</a:t>
             </a:r>
           </a:p>
           <a:p>
@@ -11863,19 +15308,8 @@
                 <a:latin typeface="Times New Roman" pitchFamily="18" charset="0"/>
                 <a:cs typeface="Times New Roman" pitchFamily="18" charset="0"/>
               </a:rPr>
-              <a:t> </a:t>
-            </a:r>
-            <a:r>
-              <a:rPr lang="ru-RU" sz="2400" dirty="0" smtClean="0">
-                <a:latin typeface="Times New Roman" pitchFamily="18" charset="0"/>
-                <a:cs typeface="Times New Roman" pitchFamily="18" charset="0"/>
-              </a:rPr>
-              <a:t>устранение угроз.</a:t>
-            </a:r>
-            <a:endParaRPr lang="ru-RU" sz="2400" dirty="0" smtClean="0">
-              <a:latin typeface="Times New Roman" pitchFamily="18" charset="0"/>
-              <a:cs typeface="Times New Roman" pitchFamily="18" charset="0"/>
-            </a:endParaRPr>
+              <a:t> устранение угроз.</a:t>
+            </a:r>
           </a:p>
           <a:p>
             <a:pPr>
@@ -11890,10 +15324,6 @@
               </a:rPr>
               <a:t>Внешние источники опасности:</a:t>
             </a:r>
-            <a:endParaRPr lang="ru-RU" sz="2400" b="1" dirty="0" smtClean="0">
-              <a:latin typeface="Times New Roman" pitchFamily="18" charset="0"/>
-              <a:cs typeface="Times New Roman" pitchFamily="18" charset="0"/>
-            </a:endParaRPr>
           </a:p>
           <a:p>
             <a:pPr lvl="0">
@@ -11946,14 +15376,7 @@
                 <a:latin typeface="Times New Roman" pitchFamily="18" charset="0"/>
                 <a:cs typeface="Times New Roman" pitchFamily="18" charset="0"/>
               </a:rPr>
-              <a:t> технический </a:t>
-            </a:r>
-            <a:r>
-              <a:rPr lang="ru-RU" sz="2400" dirty="0" smtClean="0">
-                <a:latin typeface="Times New Roman" pitchFamily="18" charset="0"/>
-                <a:cs typeface="Times New Roman" pitchFamily="18" charset="0"/>
-              </a:rPr>
-              <a:t>персонал;</a:t>
+              <a:t> технический персонал;</a:t>
             </a:r>
           </a:p>
           <a:p>
@@ -11966,21 +15389,7 @@
                 <a:latin typeface="Times New Roman" pitchFamily="18" charset="0"/>
                 <a:cs typeface="Times New Roman" pitchFamily="18" charset="0"/>
               </a:rPr>
-              <a:t> </a:t>
-            </a:r>
-            <a:r>
-              <a:rPr lang="ru-RU" sz="2400" dirty="0" smtClean="0">
-                <a:latin typeface="Times New Roman" pitchFamily="18" charset="0"/>
-                <a:cs typeface="Times New Roman" pitchFamily="18" charset="0"/>
-              </a:rPr>
-              <a:t>конкуренты</a:t>
-            </a:r>
-            <a:r>
-              <a:rPr lang="ru-RU" sz="2400" dirty="0" smtClean="0">
-                <a:latin typeface="Times New Roman" pitchFamily="18" charset="0"/>
-                <a:cs typeface="Times New Roman" pitchFamily="18" charset="0"/>
-              </a:rPr>
-              <a:t>.</a:t>
+              <a:t> конкуренты.</a:t>
             </a:r>
           </a:p>
           <a:p>
@@ -11994,19 +15403,8 @@
                 <a:latin typeface="Times New Roman" pitchFamily="18" charset="0"/>
                 <a:cs typeface="Times New Roman" pitchFamily="18" charset="0"/>
               </a:rPr>
-              <a:t>В</a:t>
-            </a:r>
-            <a:r>
-              <a:rPr lang="ru-RU" sz="2400" b="1" dirty="0" smtClean="0">
-                <a:latin typeface="Times New Roman" pitchFamily="18" charset="0"/>
-                <a:cs typeface="Times New Roman" pitchFamily="18" charset="0"/>
-              </a:rPr>
-              <a:t>нутренние источники опасности:</a:t>
-            </a:r>
-            <a:endParaRPr lang="ru-RU" sz="2400" b="1" dirty="0" smtClean="0">
-              <a:latin typeface="Times New Roman" pitchFamily="18" charset="0"/>
-              <a:cs typeface="Times New Roman" pitchFamily="18" charset="0"/>
-            </a:endParaRPr>
+              <a:t>Внутренние источники опасности:</a:t>
+            </a:r>
           </a:p>
           <a:p>
             <a:pPr lvl="0">
@@ -12018,19 +15416,8 @@
                 <a:latin typeface="Times New Roman" pitchFamily="18" charset="0"/>
                 <a:cs typeface="Times New Roman" pitchFamily="18" charset="0"/>
               </a:rPr>
-              <a:t>персонал </a:t>
-            </a:r>
-            <a:r>
-              <a:rPr lang="ru-RU" sz="2400" dirty="0" smtClean="0">
-                <a:latin typeface="Times New Roman" pitchFamily="18" charset="0"/>
-                <a:cs typeface="Times New Roman" pitchFamily="18" charset="0"/>
-              </a:rPr>
-              <a:t>организации;</a:t>
-            </a:r>
-            <a:endParaRPr lang="ru-RU" sz="2400" dirty="0" smtClean="0">
-              <a:latin typeface="Times New Roman" pitchFamily="18" charset="0"/>
-              <a:cs typeface="Times New Roman" pitchFamily="18" charset="0"/>
-            </a:endParaRPr>
+              <a:t>персонал организации;</a:t>
+            </a:r>
           </a:p>
           <a:p>
             <a:pPr lvl="0">
@@ -12186,17 +15573,7 @@
                 <a:latin typeface="Times New Roman" pitchFamily="18" charset="0"/>
                 <a:cs typeface="Times New Roman" pitchFamily="18" charset="0"/>
               </a:rPr>
-              <a:t>Особенности </a:t>
-            </a:r>
-            <a:r>
-              <a:rPr lang="ru-RU" sz="3200" dirty="0" smtClean="0">
-                <a:solidFill>
-                  <a:schemeClr val="bg1"/>
-                </a:solidFill>
-                <a:latin typeface="Times New Roman" pitchFamily="18" charset="0"/>
-                <a:cs typeface="Times New Roman" pitchFamily="18" charset="0"/>
-              </a:rPr>
-              <a:t>организации учета магазина</a:t>
+              <a:t>Особенности организации учета магазина</a:t>
             </a:r>
             <a:endParaRPr lang="ru-RU" sz="3200" dirty="0">
               <a:solidFill>
@@ -12257,14 +15634,7 @@
                 <a:latin typeface="Times New Roman" pitchFamily="18" charset="0"/>
                 <a:cs typeface="Times New Roman" pitchFamily="18" charset="0"/>
               </a:rPr>
-              <a:t> учет </a:t>
-            </a:r>
-            <a:r>
-              <a:rPr lang="ru-RU" sz="2400" dirty="0" smtClean="0">
-                <a:latin typeface="Times New Roman" pitchFamily="18" charset="0"/>
-                <a:cs typeface="Times New Roman" pitchFamily="18" charset="0"/>
-              </a:rPr>
-              <a:t>товара;</a:t>
+              <a:t> учет товара;</a:t>
             </a:r>
           </a:p>
           <a:p>
@@ -12277,14 +15647,7 @@
                 <a:latin typeface="Times New Roman" pitchFamily="18" charset="0"/>
                 <a:cs typeface="Times New Roman" pitchFamily="18" charset="0"/>
               </a:rPr>
-              <a:t> контроль </a:t>
-            </a:r>
-            <a:r>
-              <a:rPr lang="ru-RU" sz="2400" dirty="0" smtClean="0">
-                <a:latin typeface="Times New Roman" pitchFamily="18" charset="0"/>
-                <a:cs typeface="Times New Roman" pitchFamily="18" charset="0"/>
-              </a:rPr>
-              <a:t>товара;</a:t>
+              <a:t> контроль товара;</a:t>
             </a:r>
           </a:p>
           <a:p>
@@ -12297,14 +15660,7 @@
                 <a:latin typeface="Times New Roman" pitchFamily="18" charset="0"/>
                 <a:cs typeface="Times New Roman" pitchFamily="18" charset="0"/>
               </a:rPr>
-              <a:t> предоставление </a:t>
-            </a:r>
-            <a:r>
-              <a:rPr lang="ru-RU" sz="2400" dirty="0" smtClean="0">
-                <a:latin typeface="Times New Roman" pitchFamily="18" charset="0"/>
-                <a:cs typeface="Times New Roman" pitchFamily="18" charset="0"/>
-              </a:rPr>
-              <a:t>полной информации;</a:t>
+              <a:t> предоставление полной информации;</a:t>
             </a:r>
           </a:p>
           <a:p>
@@ -12317,14 +15673,7 @@
                 <a:latin typeface="Times New Roman" pitchFamily="18" charset="0"/>
                 <a:cs typeface="Times New Roman" pitchFamily="18" charset="0"/>
               </a:rPr>
-              <a:t> предоставление </a:t>
-            </a:r>
-            <a:r>
-              <a:rPr lang="ru-RU" sz="2400" dirty="0" smtClean="0">
-                <a:latin typeface="Times New Roman" pitchFamily="18" charset="0"/>
-                <a:cs typeface="Times New Roman" pitchFamily="18" charset="0"/>
-              </a:rPr>
-              <a:t>информации о состоянии и эффективности товарных запасов.</a:t>
+              <a:t> предоставление информации о состоянии и эффективности товарных запасов.</a:t>
             </a:r>
           </a:p>
           <a:p>
@@ -12466,15 +15815,7 @@
                   <a:schemeClr val="bg1"/>
                 </a:solidFill>
               </a:rPr>
-              <a:t>Схема </a:t>
-            </a:r>
-            <a:r>
-              <a:rPr lang="ru-RU" sz="3200" dirty="0" smtClean="0">
-                <a:solidFill>
-                  <a:schemeClr val="bg1"/>
-                </a:solidFill>
-              </a:rPr>
-              <a:t>структуры автоматизации учетной деятельности</a:t>
+              <a:t>Схема структуры автоматизации учетной деятельности</a:t>
             </a:r>
             <a:endParaRPr lang="ru-RU" sz="3200" dirty="0">
               <a:solidFill>
@@ -12687,47 +16028,7 @@
                 <a:latin typeface="Times New Roman" pitchFamily="18" charset="0"/>
                 <a:cs typeface="Times New Roman" pitchFamily="18" charset="0"/>
               </a:rPr>
-              <a:t>П</a:t>
-            </a:r>
-            <a:r>
-              <a:rPr lang="ru-RU" sz="3200" dirty="0" smtClean="0">
-                <a:solidFill>
-                  <a:schemeClr val="bg1"/>
-                </a:solidFill>
-                <a:latin typeface="Times New Roman" pitchFamily="18" charset="0"/>
-                <a:cs typeface="Times New Roman" pitchFamily="18" charset="0"/>
-              </a:rPr>
-              <a:t>рограммные продукты учета </a:t>
-            </a:r>
-            <a:r>
-              <a:rPr lang="ru-RU" sz="3200" dirty="0" smtClean="0">
-                <a:solidFill>
-                  <a:schemeClr val="bg1"/>
-                </a:solidFill>
-                <a:latin typeface="Times New Roman" pitchFamily="18" charset="0"/>
-                <a:cs typeface="Times New Roman" pitchFamily="18" charset="0"/>
-              </a:rPr>
-              <a:t>розничных и оптовых </a:t>
-            </a:r>
-            <a:r>
-              <a:rPr lang="ru-RU" sz="3200" dirty="0" smtClean="0">
-                <a:solidFill>
-                  <a:schemeClr val="bg1"/>
-                </a:solidFill>
-                <a:latin typeface="Times New Roman" pitchFamily="18" charset="0"/>
-                <a:cs typeface="Times New Roman" pitchFamily="18" charset="0"/>
-              </a:rPr>
-              <a:t>продаж</a:t>
-            </a:r>
-            <a:r>
-              <a:rPr lang="ru-RU" sz="3200" dirty="0" smtClean="0">
-                <a:solidFill>
-                  <a:schemeClr val="bg1"/>
-                </a:solidFill>
-                <a:latin typeface="Times New Roman" pitchFamily="18" charset="0"/>
-                <a:cs typeface="Times New Roman" pitchFamily="18" charset="0"/>
-              </a:rPr>
-              <a:t>.</a:t>
+              <a:t>Программные продукты учета розничных и оптовых продаж.</a:t>
             </a:r>
             <a:endParaRPr lang="ru-RU" sz="3200" dirty="0">
               <a:solidFill>
@@ -12881,22 +16182,7 @@
                 <a:ea typeface="+mj-ea"/>
                 <a:cs typeface="Times New Roman" pitchFamily="18" charset="0"/>
               </a:rPr>
-              <a:t> </a:t>
-            </a:r>
-            <a:r>
-              <a:rPr lang="ru-RU" sz="2400" dirty="0" smtClean="0">
-                <a:effectLst>
-                  <a:outerShdw blurRad="31750" dist="25400" dir="5400000" algn="tl" rotWithShape="0">
-                    <a:srgbClr val="000000">
-                      <a:alpha val="25000"/>
-                    </a:srgbClr>
-                  </a:outerShdw>
-                </a:effectLst>
-                <a:latin typeface="Times New Roman" pitchFamily="18" charset="0"/>
-                <a:ea typeface="+mj-ea"/>
-                <a:cs typeface="Times New Roman" pitchFamily="18" charset="0"/>
-              </a:rPr>
-              <a:t>1С «Бухгалтер»;</a:t>
+              <a:t> 1С «Бухгалтер»;</a:t>
             </a:r>
           </a:p>
           <a:p>
@@ -12955,7 +16241,7 @@
                 <a:ea typeface="+mj-ea"/>
                 <a:cs typeface="Times New Roman" pitchFamily="18" charset="0"/>
               </a:rPr>
-              <a:t> </a:t>
+              <a:t> 1С «</a:t>
             </a:r>
             <a:r>
               <a:rPr lang="ru-RU" sz="2400" dirty="0" smtClean="0">
@@ -12967,10 +16253,9 @@
                   </a:outerShdw>
                 </a:effectLst>
                 <a:latin typeface="Times New Roman" pitchFamily="18" charset="0"/>
-                <a:ea typeface="+mj-ea"/>
-                <a:cs typeface="Times New Roman" pitchFamily="18" charset="0"/>
-              </a:rPr>
-              <a:t>1С «</a:t>
+                <a:cs typeface="Times New Roman" pitchFamily="18" charset="0"/>
+              </a:rPr>
+              <a:t>Управление предприятием</a:t>
             </a:r>
             <a:r>
               <a:rPr lang="ru-RU" sz="2400" dirty="0" smtClean="0">
@@ -12982,65 +16267,11 @@
                   </a:outerShdw>
                 </a:effectLst>
                 <a:latin typeface="Times New Roman" pitchFamily="18" charset="0"/>
-                <a:cs typeface="Times New Roman" pitchFamily="18" charset="0"/>
-              </a:rPr>
-              <a:t>У</a:t>
-            </a:r>
-            <a:r>
-              <a:rPr lang="ru-RU" sz="2400" dirty="0" smtClean="0">
-                <a:effectLst>
-                  <a:outerShdw blurRad="31750" dist="25400" dir="5400000" algn="tl" rotWithShape="0">
-                    <a:srgbClr val="000000">
-                      <a:alpha val="25000"/>
-                    </a:srgbClr>
-                  </a:outerShdw>
-                </a:effectLst>
-                <a:latin typeface="Times New Roman" pitchFamily="18" charset="0"/>
-                <a:cs typeface="Times New Roman" pitchFamily="18" charset="0"/>
-              </a:rPr>
-              <a:t>правление </a:t>
-            </a:r>
-            <a:r>
-              <a:rPr lang="ru-RU" sz="2400" dirty="0" smtClean="0">
-                <a:effectLst>
-                  <a:outerShdw blurRad="31750" dist="25400" dir="5400000" algn="tl" rotWithShape="0">
-                    <a:srgbClr val="000000">
-                      <a:alpha val="25000"/>
-                    </a:srgbClr>
-                  </a:outerShdw>
-                </a:effectLst>
-                <a:latin typeface="Times New Roman" pitchFamily="18" charset="0"/>
-                <a:cs typeface="Times New Roman" pitchFamily="18" charset="0"/>
-              </a:rPr>
-              <a:t>предприятием</a:t>
-            </a:r>
-            <a:r>
-              <a:rPr lang="ru-RU" sz="2400" dirty="0" smtClean="0">
-                <a:effectLst>
-                  <a:outerShdw blurRad="31750" dist="25400" dir="5400000" algn="tl" rotWithShape="0">
-                    <a:srgbClr val="000000">
-                      <a:alpha val="25000"/>
-                    </a:srgbClr>
-                  </a:outerShdw>
-                </a:effectLst>
-                <a:latin typeface="Times New Roman" pitchFamily="18" charset="0"/>
                 <a:ea typeface="+mj-ea"/>
                 <a:cs typeface="Times New Roman" pitchFamily="18" charset="0"/>
               </a:rPr>
               <a:t>»</a:t>
             </a:r>
-            <a:endParaRPr lang="ru-RU" sz="2400" dirty="0" smtClean="0">
-              <a:effectLst>
-                <a:outerShdw blurRad="31750" dist="25400" dir="5400000" algn="tl" rotWithShape="0">
-                  <a:srgbClr val="000000">
-                    <a:alpha val="25000"/>
-                  </a:srgbClr>
-                </a:outerShdw>
-              </a:effectLst>
-              <a:latin typeface="Times New Roman" pitchFamily="18" charset="0"/>
-              <a:ea typeface="+mj-ea"/>
-              <a:cs typeface="Times New Roman" pitchFamily="18" charset="0"/>
-            </a:endParaRPr>
           </a:p>
         </p:txBody>
       </p:sp>

--- a/Выпускная квалификационная работа.pptx
+++ b/Выпускная квалификационная работа.pptx
@@ -226,7 +226,7 @@
             <a:fld id="{6DD2198D-AA87-438E-AC3E-1AE87968A2FD}" type="datetimeFigureOut">
               <a:rPr lang="ru-RU" smtClean="0"/>
               <a:pPr/>
-              <a:t>23.05.2020</a:t>
+              <a:t>24.05.2020</a:t>
             </a:fld>
             <a:endParaRPr lang="ru-RU"/>
           </a:p>
@@ -3907,7 +3907,7 @@
             <a:fld id="{3FCDD233-0873-47C9-A30F-61D74E15F769}" type="datetimeFigureOut">
               <a:rPr lang="ru-RU" smtClean="0"/>
               <a:pPr/>
-              <a:t>23.05.2020</a:t>
+              <a:t>24.05.2020</a:t>
             </a:fld>
             <a:endParaRPr lang="ru-RU"/>
           </a:p>
@@ -4105,7 +4105,7 @@
             <a:fld id="{3FCDD233-0873-47C9-A30F-61D74E15F769}" type="datetimeFigureOut">
               <a:rPr lang="ru-RU" smtClean="0"/>
               <a:pPr/>
-              <a:t>23.05.2020</a:t>
+              <a:t>24.05.2020</a:t>
             </a:fld>
             <a:endParaRPr lang="ru-RU"/>
           </a:p>
@@ -4292,7 +4292,7 @@
             <a:fld id="{3FCDD233-0873-47C9-A30F-61D74E15F769}" type="datetimeFigureOut">
               <a:rPr lang="ru-RU" smtClean="0"/>
               <a:pPr/>
-              <a:t>23.05.2020</a:t>
+              <a:t>24.05.2020</a:t>
             </a:fld>
             <a:endParaRPr lang="ru-RU"/>
           </a:p>
@@ -4444,7 +4444,7 @@
             <a:fld id="{3FCDD233-0873-47C9-A30F-61D74E15F769}" type="datetimeFigureOut">
               <a:rPr lang="ru-RU" smtClean="0"/>
               <a:pPr/>
-              <a:t>23.05.2020</a:t>
+              <a:t>24.05.2020</a:t>
             </a:fld>
             <a:endParaRPr lang="ru-RU"/>
           </a:p>
@@ -4701,7 +4701,7 @@
             <a:fld id="{3FCDD233-0873-47C9-A30F-61D74E15F769}" type="datetimeFigureOut">
               <a:rPr lang="ru-RU" smtClean="0"/>
               <a:pPr/>
-              <a:t>23.05.2020</a:t>
+              <a:t>24.05.2020</a:t>
             </a:fld>
             <a:endParaRPr lang="ru-RU"/>
           </a:p>
@@ -5112,7 +5112,7 @@
             <a:fld id="{3FCDD233-0873-47C9-A30F-61D74E15F769}" type="datetimeFigureOut">
               <a:rPr lang="ru-RU" smtClean="0"/>
               <a:pPr/>
-              <a:t>23.05.2020</a:t>
+              <a:t>24.05.2020</a:t>
             </a:fld>
             <a:endParaRPr lang="ru-RU"/>
           </a:p>
@@ -5560,7 +5560,7 @@
             <a:fld id="{3FCDD233-0873-47C9-A30F-61D74E15F769}" type="datetimeFigureOut">
               <a:rPr lang="ru-RU" smtClean="0"/>
               <a:pPr/>
-              <a:t>23.05.2020</a:t>
+              <a:t>24.05.2020</a:t>
             </a:fld>
             <a:endParaRPr lang="ru-RU"/>
           </a:p>
@@ -5663,7 +5663,7 @@
             <a:fld id="{3FCDD233-0873-47C9-A30F-61D74E15F769}" type="datetimeFigureOut">
               <a:rPr lang="ru-RU" smtClean="0"/>
               <a:pPr/>
-              <a:t>23.05.2020</a:t>
+              <a:t>24.05.2020</a:t>
             </a:fld>
             <a:endParaRPr lang="ru-RU"/>
           </a:p>
@@ -5786,7 +5786,7 @@
             <a:fld id="{3FCDD233-0873-47C9-A30F-61D74E15F769}" type="datetimeFigureOut">
               <a:rPr lang="ru-RU" smtClean="0"/>
               <a:pPr/>
-              <a:t>23.05.2020</a:t>
+              <a:t>24.05.2020</a:t>
             </a:fld>
             <a:endParaRPr lang="ru-RU"/>
           </a:p>
@@ -6062,7 +6062,7 @@
             <a:fld id="{3FCDD233-0873-47C9-A30F-61D74E15F769}" type="datetimeFigureOut">
               <a:rPr lang="ru-RU" smtClean="0"/>
               <a:pPr/>
-              <a:t>23.05.2020</a:t>
+              <a:t>24.05.2020</a:t>
             </a:fld>
             <a:endParaRPr lang="ru-RU"/>
           </a:p>
@@ -6269,7 +6269,7 @@
             <a:fld id="{3FCDD233-0873-47C9-A30F-61D74E15F769}" type="datetimeFigureOut">
               <a:rPr lang="ru-RU" smtClean="0"/>
               <a:pPr/>
-              <a:t>23.05.2020</a:t>
+              <a:t>24.05.2020</a:t>
             </a:fld>
             <a:endParaRPr lang="ru-RU"/>
           </a:p>
@@ -7380,7 +7380,7 @@
             <a:fld id="{3FCDD233-0873-47C9-A30F-61D74E15F769}" type="datetimeFigureOut">
               <a:rPr lang="ru-RU" smtClean="0"/>
               <a:pPr/>
-              <a:t>23.05.2020</a:t>
+              <a:t>24.05.2020</a:t>
             </a:fld>
             <a:endParaRPr lang="ru-RU"/>
           </a:p>
@@ -8013,25 +8013,8 @@
                 <a:latin typeface="Times New Roman" pitchFamily="18" charset="0"/>
                 <a:cs typeface="Times New Roman" pitchFamily="18" charset="0"/>
               </a:rPr>
-              <a:t>Руководитель: Ланских Владимир </a:t>
-            </a:r>
-            <a:r>
-              <a:rPr lang="ru-RU" sz="2100" noProof="0" dirty="0" smtClean="0">
-                <a:solidFill>
-                  <a:schemeClr val="bg1"/>
-                </a:solidFill>
-                <a:latin typeface="Times New Roman" pitchFamily="18" charset="0"/>
-                <a:cs typeface="Times New Roman" pitchFamily="18" charset="0"/>
-              </a:rPr>
-              <a:t>Георгиевич.</a:t>
-            </a:r>
-            <a:endParaRPr lang="ru-RU" sz="2100" noProof="0" dirty="0" smtClean="0">
-              <a:solidFill>
-                <a:schemeClr val="bg1"/>
-              </a:solidFill>
-              <a:latin typeface="Times New Roman" pitchFamily="18" charset="0"/>
-              <a:cs typeface="Times New Roman" pitchFamily="18" charset="0"/>
-            </a:endParaRPr>
+              <a:t>Руководитель: Ланских Владимир Георгиевич.</a:t>
+            </a:r>
           </a:p>
           <a:p>
             <a:pPr marL="0" marR="64008" lvl="0" indent="0" defTabSz="914400" rtl="0" eaLnBrk="1" fontAlgn="auto" latinLnBrk="0" hangingPunct="1">
@@ -8649,7 +8632,7 @@
 </file>
 
 <file path=ppt/slides/slide12.xml><?xml version="1.0" encoding="utf-8"?>
-<p:sld xmlns:a="http://schemas.openxmlformats.org/drawingml/2006/main" xmlns:r="http://schemas.openxmlformats.org/officeDocument/2006/relationships" xmlns:p="http://schemas.openxmlformats.org/presentationml/2006/main">
+<p:sld xmlns:a="http://schemas.openxmlformats.org/drawingml/2006/main" xmlns:r="http://schemas.openxmlformats.org/officeDocument/2006/relationships" xmlns:p="http://schemas.openxmlformats.org/presentationml/2006/main" show="0">
   <p:cSld>
     <p:spTree>
       <p:nvGrpSpPr>
@@ -8781,6 +8764,7 @@
   <p:clrMapOvr>
     <a:masterClrMapping/>
   </p:clrMapOvr>
+  <p:transition/>
   <p:timing>
     <p:tnLst>
       <p:par>
@@ -8792,7 +8776,7 @@
 </file>
 
 <file path=ppt/slides/slide13.xml><?xml version="1.0" encoding="utf-8"?>
-<p:sld xmlns:a="http://schemas.openxmlformats.org/drawingml/2006/main" xmlns:r="http://schemas.openxmlformats.org/officeDocument/2006/relationships" xmlns:p="http://schemas.openxmlformats.org/presentationml/2006/main">
+<p:sld xmlns:a="http://schemas.openxmlformats.org/drawingml/2006/main" xmlns:r="http://schemas.openxmlformats.org/officeDocument/2006/relationships" xmlns:p="http://schemas.openxmlformats.org/presentationml/2006/main" show="0">
   <p:cSld>
     <p:spTree>
       <p:nvGrpSpPr>
@@ -8924,6 +8908,7 @@
   <p:clrMapOvr>
     <a:masterClrMapping/>
   </p:clrMapOvr>
+  <p:transition/>
   <p:timing>
     <p:tnLst>
       <p:par>
@@ -8935,7 +8920,7 @@
 </file>
 
 <file path=ppt/slides/slide14.xml><?xml version="1.0" encoding="utf-8"?>
-<p:sld xmlns:a="http://schemas.openxmlformats.org/drawingml/2006/main" xmlns:r="http://schemas.openxmlformats.org/officeDocument/2006/relationships" xmlns:p="http://schemas.openxmlformats.org/presentationml/2006/main">
+<p:sld xmlns:a="http://schemas.openxmlformats.org/drawingml/2006/main" xmlns:r="http://schemas.openxmlformats.org/officeDocument/2006/relationships" xmlns:p="http://schemas.openxmlformats.org/presentationml/2006/main" show="0">
   <p:cSld>
     <p:spTree>
       <p:nvGrpSpPr>
@@ -9097,6 +9082,7 @@
   <p:clrMapOvr>
     <a:masterClrMapping/>
   </p:clrMapOvr>
+  <p:transition/>
   <p:timing>
     <p:tnLst>
       <p:par>
@@ -9108,7 +9094,7 @@
 </file>
 
 <file path=ppt/slides/slide15.xml><?xml version="1.0" encoding="utf-8"?>
-<p:sld xmlns:a="http://schemas.openxmlformats.org/drawingml/2006/main" xmlns:r="http://schemas.openxmlformats.org/officeDocument/2006/relationships" xmlns:p="http://schemas.openxmlformats.org/presentationml/2006/main">
+<p:sld xmlns:a="http://schemas.openxmlformats.org/drawingml/2006/main" xmlns:r="http://schemas.openxmlformats.org/officeDocument/2006/relationships" xmlns:p="http://schemas.openxmlformats.org/presentationml/2006/main" show="0">
   <p:cSld>
     <p:spTree>
       <p:nvGrpSpPr>
@@ -9300,6 +9286,7 @@
   <p:clrMapOvr>
     <a:masterClrMapping/>
   </p:clrMapOvr>
+  <p:transition/>
   <p:timing>
     <p:tnLst>
       <p:par>
@@ -9810,16 +9797,6 @@
               <a:t>Схема организации и критерии выбора     </a:t>
             </a:r>
             <a:r>
-              <a:rPr lang="en-US" sz="3200" dirty="0" smtClean="0">
-                <a:solidFill>
-                  <a:schemeClr val="bg1"/>
-                </a:solidFill>
-                <a:latin typeface="Times New Roman" pitchFamily="18" charset="0"/>
-                <a:cs typeface="Times New Roman" pitchFamily="18" charset="0"/>
-              </a:rPr>
-              <a:t>IP</a:t>
-            </a:r>
-            <a:r>
               <a:rPr lang="ru-RU" sz="3200" dirty="0" smtClean="0">
                 <a:solidFill>
                   <a:schemeClr val="bg1"/>
@@ -9827,7 +9804,7 @@
                 <a:latin typeface="Times New Roman" pitchFamily="18" charset="0"/>
                 <a:cs typeface="Times New Roman" pitchFamily="18" charset="0"/>
               </a:rPr>
-              <a:t> – телефонии</a:t>
+              <a:t>системы телекоммуникации</a:t>
             </a:r>
             <a:endParaRPr lang="ru-RU" sz="3200" dirty="0">
               <a:solidFill>
@@ -9856,7 +9833,7 @@
         </p:blipFill>
         <p:spPr bwMode="auto">
           <a:xfrm>
-            <a:off x="4716016" y="2283668"/>
+            <a:off x="4716016" y="1916832"/>
             <a:ext cx="4248472" cy="4457700"/>
           </a:xfrm>
           <a:prstGeom prst="rect">
@@ -9881,8 +9858,8 @@
         </p:nvSpPr>
         <p:spPr>
           <a:xfrm>
-            <a:off x="467544" y="1412776"/>
-            <a:ext cx="5040560" cy="2736304"/>
+            <a:off x="395536" y="1412776"/>
+            <a:ext cx="5112568" cy="2736304"/>
           </a:xfrm>
           <a:prstGeom prst="rect">
             <a:avLst/>
@@ -9907,22 +9884,19 @@
                 <a:latin typeface="Times New Roman" pitchFamily="18" charset="0"/>
                 <a:cs typeface="Times New Roman" pitchFamily="18" charset="0"/>
               </a:rPr>
-              <a:t>Критерии выбора </a:t>
-            </a:r>
-            <a:r>
-              <a:rPr lang="ru-RU" sz="2400" b="1" dirty="0" err="1" smtClean="0">
-                <a:latin typeface="Times New Roman" pitchFamily="18" charset="0"/>
-                <a:cs typeface="Times New Roman" pitchFamily="18" charset="0"/>
-              </a:rPr>
-              <a:t>VoIP</a:t>
+              <a:t>Основные критерии</a:t>
             </a:r>
             <a:r>
               <a:rPr lang="ru-RU" sz="2400" b="1" dirty="0" smtClean="0">
                 <a:latin typeface="Times New Roman" pitchFamily="18" charset="0"/>
                 <a:cs typeface="Times New Roman" pitchFamily="18" charset="0"/>
               </a:rPr>
-              <a:t> - шлюза:</a:t>
-            </a:r>
+              <a:t>:</a:t>
+            </a:r>
+            <a:endParaRPr lang="ru-RU" sz="2400" b="1" dirty="0" smtClean="0">
+              <a:latin typeface="Times New Roman" pitchFamily="18" charset="0"/>
+              <a:cs typeface="Times New Roman" pitchFamily="18" charset="0"/>
+            </a:endParaRPr>
           </a:p>
           <a:p>
             <a:pPr lvl="0">
@@ -9947,7 +9921,21 @@
                 <a:latin typeface="Times New Roman" pitchFamily="18" charset="0"/>
                 <a:cs typeface="Times New Roman" pitchFamily="18" charset="0"/>
               </a:rPr>
-              <a:t> возможность подключения более 10 рабочих телефонных мест;</a:t>
+              <a:t> возможность подключения </a:t>
+            </a:r>
+            <a:r>
+              <a:rPr lang="ru-RU" sz="2400" dirty="0" smtClean="0">
+                <a:latin typeface="Times New Roman" pitchFamily="18" charset="0"/>
+                <a:cs typeface="Times New Roman" pitchFamily="18" charset="0"/>
+              </a:rPr>
+              <a:t>10 или более </a:t>
+            </a:r>
+            <a:r>
+              <a:rPr lang="ru-RU" sz="2400" dirty="0" smtClean="0">
+                <a:latin typeface="Times New Roman" pitchFamily="18" charset="0"/>
+                <a:cs typeface="Times New Roman" pitchFamily="18" charset="0"/>
+              </a:rPr>
+              <a:t>рабочих телефонных мест;</a:t>
             </a:r>
           </a:p>
           <a:p>
@@ -9992,7 +9980,7 @@
         </p:nvSpPr>
         <p:spPr>
           <a:xfrm>
-            <a:off x="5364088" y="1772816"/>
+            <a:off x="5364088" y="1484784"/>
             <a:ext cx="3024336" cy="432048"/>
           </a:xfrm>
           <a:prstGeom prst="rect">
@@ -10133,7 +10121,14 @@
                 <a:latin typeface="Times New Roman" pitchFamily="18" charset="0"/>
                 <a:cs typeface="Times New Roman" pitchFamily="18" charset="0"/>
               </a:rPr>
-              <a:t> Проектирование системы автоматизации магазина.</a:t>
+              <a:t>Проектирование </a:t>
+            </a:r>
+            <a:r>
+              <a:rPr lang="ru-RU" sz="2200" dirty="0" smtClean="0">
+                <a:latin typeface="Times New Roman" pitchFamily="18" charset="0"/>
+                <a:cs typeface="Times New Roman" pitchFamily="18" charset="0"/>
+              </a:rPr>
+              <a:t>системы автоматизации магазина.</a:t>
             </a:r>
           </a:p>
           <a:p>
@@ -10623,21 +10618,19 @@
                 <a:latin typeface="Times New Roman" pitchFamily="18" charset="0"/>
                 <a:cs typeface="Times New Roman" pitchFamily="18" charset="0"/>
               </a:rPr>
-              <a:t> сбор первичных данных о деятельности компании и представление их в удобном для анализа виде;</a:t>
-            </a:r>
-          </a:p>
-          <a:p>
-            <a:pPr lvl="0">
-              <a:buFont typeface="Arial" pitchFamily="34" charset="0"/>
-              <a:buChar char="•"/>
-            </a:pPr>
+              <a:t> сбор первичных данных о деятельности компании и представление их в удобном для анализа виде</a:t>
+            </a:r>
             <a:r>
               <a:rPr lang="ru-RU" sz="2400" dirty="0" smtClean="0">
                 <a:latin typeface="Times New Roman" pitchFamily="18" charset="0"/>
                 <a:cs typeface="Times New Roman" pitchFamily="18" charset="0"/>
               </a:rPr>
-              <a:t> управленческий и регламентированный учет;</a:t>
-            </a:r>
+              <a:t>;</a:t>
+            </a:r>
+            <a:endParaRPr lang="ru-RU" sz="2400" dirty="0" smtClean="0">
+              <a:latin typeface="Times New Roman" pitchFamily="18" charset="0"/>
+              <a:cs typeface="Times New Roman" pitchFamily="18" charset="0"/>
+            </a:endParaRPr>
           </a:p>
           <a:p>
             <a:pPr lvl="0">
@@ -11057,14 +11050,7 @@
                 <a:latin typeface="Times New Roman" pitchFamily="18" charset="0"/>
                 <a:cs typeface="Times New Roman" pitchFamily="18" charset="0"/>
               </a:rPr>
-              <a:t>Конфигурация 1С «Управление торговлей» включает в себя</a:t>
-            </a:r>
-            <a:r>
-              <a:rPr lang="ru-RU" sz="2400" b="1" dirty="0" smtClean="0">
-                <a:latin typeface="Times New Roman" pitchFamily="18" charset="0"/>
-                <a:cs typeface="Times New Roman" pitchFamily="18" charset="0"/>
-              </a:rPr>
-              <a:t>:</a:t>
+              <a:t>Конфигурация 1С «Управление торговлей» включает в себя:</a:t>
             </a:r>
           </a:p>
           <a:p>
@@ -11077,14 +11063,7 @@
                 <a:latin typeface="Times New Roman" pitchFamily="18" charset="0"/>
                 <a:cs typeface="Times New Roman" pitchFamily="18" charset="0"/>
               </a:rPr>
-              <a:t> справочники</a:t>
-            </a:r>
-            <a:r>
-              <a:rPr lang="ru-RU" sz="2400" dirty="0" smtClean="0">
-                <a:latin typeface="Times New Roman" pitchFamily="18" charset="0"/>
-                <a:cs typeface="Times New Roman" pitchFamily="18" charset="0"/>
-              </a:rPr>
-              <a:t>;</a:t>
+              <a:t> справочники;</a:t>
             </a:r>
           </a:p>
           <a:p>
@@ -11097,14 +11076,7 @@
                 <a:latin typeface="Times New Roman" pitchFamily="18" charset="0"/>
                 <a:cs typeface="Times New Roman" pitchFamily="18" charset="0"/>
               </a:rPr>
-              <a:t> документы</a:t>
-            </a:r>
-            <a:r>
-              <a:rPr lang="ru-RU" sz="2400" dirty="0" smtClean="0">
-                <a:latin typeface="Times New Roman" pitchFamily="18" charset="0"/>
-                <a:cs typeface="Times New Roman" pitchFamily="18" charset="0"/>
-              </a:rPr>
-              <a:t>;</a:t>
+              <a:t> документы;</a:t>
             </a:r>
           </a:p>
           <a:p>
@@ -11117,14 +11089,7 @@
                 <a:latin typeface="Times New Roman" pitchFamily="18" charset="0"/>
                 <a:cs typeface="Times New Roman" pitchFamily="18" charset="0"/>
               </a:rPr>
-              <a:t> журналы</a:t>
-            </a:r>
-            <a:r>
-              <a:rPr lang="ru-RU" sz="2400" dirty="0" smtClean="0">
-                <a:latin typeface="Times New Roman" pitchFamily="18" charset="0"/>
-                <a:cs typeface="Times New Roman" pitchFamily="18" charset="0"/>
-              </a:rPr>
-              <a:t>;</a:t>
+              <a:t> журналы;</a:t>
             </a:r>
           </a:p>
           <a:p>
@@ -11137,14 +11102,7 @@
                 <a:latin typeface="Times New Roman" pitchFamily="18" charset="0"/>
                 <a:cs typeface="Times New Roman" pitchFamily="18" charset="0"/>
               </a:rPr>
-              <a:t> отчеты</a:t>
-            </a:r>
-            <a:r>
-              <a:rPr lang="ru-RU" sz="2400" dirty="0" smtClean="0">
-                <a:latin typeface="Times New Roman" pitchFamily="18" charset="0"/>
-                <a:cs typeface="Times New Roman" pitchFamily="18" charset="0"/>
-              </a:rPr>
-              <a:t>.</a:t>
+              <a:t> отчеты.</a:t>
             </a:r>
           </a:p>
           <a:p>
@@ -11218,17 +11176,7 @@
                 <a:latin typeface="Times New Roman" pitchFamily="18" charset="0"/>
                 <a:cs typeface="Times New Roman" pitchFamily="18" charset="0"/>
               </a:rPr>
-              <a:t>Система «1C: Управление торговлей</a:t>
-            </a:r>
-            <a:r>
-              <a:rPr lang="ru-RU" sz="3200" dirty="0" smtClean="0">
-                <a:solidFill>
-                  <a:schemeClr val="bg1"/>
-                </a:solidFill>
-                <a:latin typeface="Times New Roman" pitchFamily="18" charset="0"/>
-                <a:cs typeface="Times New Roman" pitchFamily="18" charset="0"/>
-              </a:rPr>
-              <a:t>» Справочники</a:t>
+              <a:t>Система «1C: Управление торговлей» Справочники</a:t>
             </a:r>
             <a:endParaRPr lang="ru-RU" sz="3200" dirty="0">
               <a:solidFill>
@@ -11327,14 +11275,7 @@
                 <a:latin typeface="Times New Roman" pitchFamily="18" charset="0"/>
                 <a:cs typeface="Times New Roman" pitchFamily="18" charset="0"/>
               </a:rPr>
-              <a:t> контрагенты</a:t>
-            </a:r>
-            <a:r>
-              <a:rPr lang="ru-RU" sz="2400" dirty="0" smtClean="0">
-                <a:latin typeface="Times New Roman" pitchFamily="18" charset="0"/>
-                <a:cs typeface="Times New Roman" pitchFamily="18" charset="0"/>
-              </a:rPr>
-              <a:t>;</a:t>
+              <a:t> контрагенты;</a:t>
             </a:r>
           </a:p>
           <a:p>
@@ -11347,14 +11288,7 @@
                 <a:latin typeface="Times New Roman" pitchFamily="18" charset="0"/>
                 <a:cs typeface="Times New Roman" pitchFamily="18" charset="0"/>
               </a:rPr>
-              <a:t> организации</a:t>
-            </a:r>
-            <a:r>
-              <a:rPr lang="ru-RU" sz="2400" dirty="0" smtClean="0">
-                <a:latin typeface="Times New Roman" pitchFamily="18" charset="0"/>
-                <a:cs typeface="Times New Roman" pitchFamily="18" charset="0"/>
-              </a:rPr>
-              <a:t>;</a:t>
+              <a:t> организации;</a:t>
             </a:r>
           </a:p>
           <a:p>
@@ -11388,10 +11322,6 @@
               </a:rPr>
               <a:t>Контрагенты:</a:t>
             </a:r>
-            <a:endParaRPr lang="ru-RU" sz="2400" b="1" dirty="0" smtClean="0">
-              <a:latin typeface="Times New Roman" pitchFamily="18" charset="0"/>
-              <a:cs typeface="Times New Roman" pitchFamily="18" charset="0"/>
-            </a:endParaRPr>
           </a:p>
           <a:p>
             <a:pPr lvl="0">
@@ -11403,14 +11333,7 @@
                 <a:latin typeface="Times New Roman" pitchFamily="18" charset="0"/>
                 <a:cs typeface="Times New Roman" pitchFamily="18" charset="0"/>
               </a:rPr>
-              <a:t> покупатели</a:t>
-            </a:r>
-            <a:r>
-              <a:rPr lang="ru-RU" sz="2400" dirty="0" smtClean="0">
-                <a:latin typeface="Times New Roman" pitchFamily="18" charset="0"/>
-                <a:cs typeface="Times New Roman" pitchFamily="18" charset="0"/>
-              </a:rPr>
-              <a:t>;</a:t>
+              <a:t> покупатели;</a:t>
             </a:r>
           </a:p>
           <a:p>
@@ -11423,14 +11346,7 @@
                 <a:latin typeface="Times New Roman" pitchFamily="18" charset="0"/>
                 <a:cs typeface="Times New Roman" pitchFamily="18" charset="0"/>
               </a:rPr>
-              <a:t> поставщики</a:t>
-            </a:r>
-            <a:r>
-              <a:rPr lang="ru-RU" sz="2400" dirty="0" smtClean="0">
-                <a:latin typeface="Times New Roman" pitchFamily="18" charset="0"/>
-                <a:cs typeface="Times New Roman" pitchFamily="18" charset="0"/>
-              </a:rPr>
-              <a:t>.</a:t>
+              <a:t> поставщики.</a:t>
             </a:r>
           </a:p>
           <a:p>
@@ -11511,17 +11427,7 @@
                 <a:latin typeface="Times New Roman" pitchFamily="18" charset="0"/>
                 <a:cs typeface="Times New Roman" pitchFamily="18" charset="0"/>
               </a:rPr>
-              <a:t>Система «1C: Управление торговлей</a:t>
-            </a:r>
-            <a:r>
-              <a:rPr lang="ru-RU" sz="3200" dirty="0" smtClean="0">
-                <a:solidFill>
-                  <a:schemeClr val="bg1"/>
-                </a:solidFill>
-                <a:latin typeface="Times New Roman" pitchFamily="18" charset="0"/>
-                <a:cs typeface="Times New Roman" pitchFamily="18" charset="0"/>
-              </a:rPr>
-              <a:t>» Документы</a:t>
+              <a:t>Система «1C: Управление торговлей» Документы</a:t>
             </a:r>
             <a:endParaRPr lang="ru-RU" sz="3200" dirty="0">
               <a:solidFill>
@@ -11620,14 +11526,7 @@
                 <a:latin typeface="Times New Roman" pitchFamily="18" charset="0"/>
                 <a:cs typeface="Times New Roman" pitchFamily="18" charset="0"/>
               </a:rPr>
-              <a:t> заказ </a:t>
-            </a:r>
-            <a:r>
-              <a:rPr lang="ru-RU" sz="2400" dirty="0" smtClean="0">
-                <a:latin typeface="Times New Roman" pitchFamily="18" charset="0"/>
-                <a:cs typeface="Times New Roman" pitchFamily="18" charset="0"/>
-              </a:rPr>
-              <a:t>покупателя;</a:t>
+              <a:t> заказ покупателя;</a:t>
             </a:r>
           </a:p>
           <a:p>
@@ -11640,14 +11539,7 @@
                 <a:latin typeface="Times New Roman" pitchFamily="18" charset="0"/>
                 <a:cs typeface="Times New Roman" pitchFamily="18" charset="0"/>
               </a:rPr>
-              <a:t> счет-фактура</a:t>
-            </a:r>
-            <a:r>
-              <a:rPr lang="ru-RU" sz="2400" dirty="0" smtClean="0">
-                <a:latin typeface="Times New Roman" pitchFamily="18" charset="0"/>
-                <a:cs typeface="Times New Roman" pitchFamily="18" charset="0"/>
-              </a:rPr>
-              <a:t>;</a:t>
+              <a:t> счет-фактура;</a:t>
             </a:r>
           </a:p>
           <a:p>
@@ -11660,14 +11552,7 @@
                 <a:latin typeface="Times New Roman" pitchFamily="18" charset="0"/>
                 <a:cs typeface="Times New Roman" pitchFamily="18" charset="0"/>
               </a:rPr>
-              <a:t> реализация </a:t>
-            </a:r>
-            <a:r>
-              <a:rPr lang="ru-RU" sz="2400" dirty="0" smtClean="0">
-                <a:latin typeface="Times New Roman" pitchFamily="18" charset="0"/>
-                <a:cs typeface="Times New Roman" pitchFamily="18" charset="0"/>
-              </a:rPr>
-              <a:t>товаров и услуг;</a:t>
+              <a:t> реализация товаров и услуг;</a:t>
             </a:r>
           </a:p>
           <a:p>
@@ -11680,14 +11565,7 @@
                 <a:latin typeface="Times New Roman" pitchFamily="18" charset="0"/>
                 <a:cs typeface="Times New Roman" pitchFamily="18" charset="0"/>
               </a:rPr>
-              <a:t> финансовые </a:t>
-            </a:r>
-            <a:r>
-              <a:rPr lang="ru-RU" sz="2400" dirty="0" smtClean="0">
-                <a:latin typeface="Times New Roman" pitchFamily="18" charset="0"/>
-                <a:cs typeface="Times New Roman" pitchFamily="18" charset="0"/>
-              </a:rPr>
-              <a:t>документы.</a:t>
+              <a:t> финансовые документы.</a:t>
             </a:r>
           </a:p>
           <a:p>
@@ -11768,17 +11646,7 @@
                 <a:latin typeface="Times New Roman" pitchFamily="18" charset="0"/>
                 <a:cs typeface="Times New Roman" pitchFamily="18" charset="0"/>
               </a:rPr>
-              <a:t>Система «1C: Управление торговлей</a:t>
-            </a:r>
-            <a:r>
-              <a:rPr lang="ru-RU" sz="3200" dirty="0" smtClean="0">
-                <a:solidFill>
-                  <a:schemeClr val="bg1"/>
-                </a:solidFill>
-                <a:latin typeface="Times New Roman" pitchFamily="18" charset="0"/>
-                <a:cs typeface="Times New Roman" pitchFamily="18" charset="0"/>
-              </a:rPr>
-              <a:t>» Журналы</a:t>
+              <a:t>Система «1C: Управление торговлей» Журналы</a:t>
             </a:r>
             <a:endParaRPr lang="ru-RU" sz="3200" dirty="0">
               <a:solidFill>
@@ -11945,17 +11813,7 @@
                 <a:latin typeface="Times New Roman" pitchFamily="18" charset="0"/>
                 <a:cs typeface="Times New Roman" pitchFamily="18" charset="0"/>
               </a:rPr>
-              <a:t>Система «1C: Управление торговлей</a:t>
-            </a:r>
-            <a:r>
-              <a:rPr lang="ru-RU" sz="3200" dirty="0" smtClean="0">
-                <a:solidFill>
-                  <a:schemeClr val="bg1"/>
-                </a:solidFill>
-                <a:latin typeface="Times New Roman" pitchFamily="18" charset="0"/>
-                <a:cs typeface="Times New Roman" pitchFamily="18" charset="0"/>
-              </a:rPr>
-              <a:t>» Отчеты</a:t>
+              <a:t>Система «1C: Управление торговлей» Отчеты</a:t>
             </a:r>
             <a:endParaRPr lang="ru-RU" sz="3200" dirty="0">
               <a:solidFill>
@@ -12054,14 +11912,7 @@
                 <a:latin typeface="Times New Roman" pitchFamily="18" charset="0"/>
                 <a:cs typeface="Times New Roman" pitchFamily="18" charset="0"/>
               </a:rPr>
-              <a:t> анализ </a:t>
-            </a:r>
-            <a:r>
-              <a:rPr lang="ru-RU" sz="2400" dirty="0" smtClean="0">
-                <a:latin typeface="Times New Roman" pitchFamily="18" charset="0"/>
-                <a:cs typeface="Times New Roman" pitchFamily="18" charset="0"/>
-              </a:rPr>
-              <a:t>цен;</a:t>
+              <a:t> анализ цен;</a:t>
             </a:r>
           </a:p>
           <a:p>
@@ -12074,14 +11925,7 @@
                 <a:latin typeface="Times New Roman" pitchFamily="18" charset="0"/>
                 <a:cs typeface="Times New Roman" pitchFamily="18" charset="0"/>
               </a:rPr>
-              <a:t> оценка </a:t>
-            </a:r>
-            <a:r>
-              <a:rPr lang="ru-RU" sz="2400" dirty="0" smtClean="0">
-                <a:latin typeface="Times New Roman" pitchFamily="18" charset="0"/>
-                <a:cs typeface="Times New Roman" pitchFamily="18" charset="0"/>
-              </a:rPr>
-              <a:t>рентабельности продажи;</a:t>
+              <a:t> оценка рентабельности продажи;</a:t>
             </a:r>
           </a:p>
           <a:p>
@@ -12094,14 +11938,7 @@
                 <a:latin typeface="Times New Roman" pitchFamily="18" charset="0"/>
                 <a:cs typeface="Times New Roman" pitchFamily="18" charset="0"/>
               </a:rPr>
-              <a:t> состояние </a:t>
-            </a:r>
-            <a:r>
-              <a:rPr lang="ru-RU" sz="2400" dirty="0" smtClean="0">
-                <a:latin typeface="Times New Roman" pitchFamily="18" charset="0"/>
-                <a:cs typeface="Times New Roman" pitchFamily="18" charset="0"/>
-              </a:rPr>
-              <a:t>выполнения;</a:t>
+              <a:t> состояние выполнения;</a:t>
             </a:r>
           </a:p>
           <a:p>
@@ -12114,14 +11951,7 @@
                 <a:latin typeface="Times New Roman" pitchFamily="18" charset="0"/>
                 <a:cs typeface="Times New Roman" pitchFamily="18" charset="0"/>
               </a:rPr>
-              <a:t> причины </a:t>
-            </a:r>
-            <a:r>
-              <a:rPr lang="ru-RU" sz="2400" dirty="0" smtClean="0">
-                <a:latin typeface="Times New Roman" pitchFamily="18" charset="0"/>
-                <a:cs typeface="Times New Roman" pitchFamily="18" charset="0"/>
-              </a:rPr>
-              <a:t>отмены заказов;</a:t>
+              <a:t> причины отмены заказов;</a:t>
             </a:r>
           </a:p>
           <a:p>
@@ -12134,14 +11964,7 @@
                 <a:latin typeface="Times New Roman" pitchFamily="18" charset="0"/>
                 <a:cs typeface="Times New Roman" pitchFamily="18" charset="0"/>
               </a:rPr>
-              <a:t> ведомость </a:t>
-            </a:r>
-            <a:r>
-              <a:rPr lang="ru-RU" sz="2400" dirty="0" smtClean="0">
-                <a:latin typeface="Times New Roman" pitchFamily="18" charset="0"/>
-                <a:cs typeface="Times New Roman" pitchFamily="18" charset="0"/>
-              </a:rPr>
-              <a:t>расчетов с клиентами;</a:t>
+              <a:t> ведомость расчетов с клиентами;</a:t>
             </a:r>
           </a:p>
           <a:p>
@@ -12154,14 +11977,7 @@
                 <a:latin typeface="Times New Roman" pitchFamily="18" charset="0"/>
                 <a:cs typeface="Times New Roman" pitchFamily="18" charset="0"/>
               </a:rPr>
-              <a:t> динамика </a:t>
-            </a:r>
-            <a:r>
-              <a:rPr lang="ru-RU" sz="2400" dirty="0" smtClean="0">
-                <a:latin typeface="Times New Roman" pitchFamily="18" charset="0"/>
-                <a:cs typeface="Times New Roman" pitchFamily="18" charset="0"/>
-              </a:rPr>
-              <a:t>просроченной задолженности клиентов;</a:t>
+              <a:t> динамика просроченной задолженности клиентов;</a:t>
             </a:r>
           </a:p>
           <a:p>
@@ -12174,14 +11990,7 @@
                 <a:latin typeface="Times New Roman" pitchFamily="18" charset="0"/>
                 <a:cs typeface="Times New Roman" pitchFamily="18" charset="0"/>
               </a:rPr>
-              <a:t> платежная </a:t>
-            </a:r>
-            <a:r>
-              <a:rPr lang="ru-RU" sz="2400" dirty="0" smtClean="0">
-                <a:latin typeface="Times New Roman" pitchFamily="18" charset="0"/>
-                <a:cs typeface="Times New Roman" pitchFamily="18" charset="0"/>
-              </a:rPr>
-              <a:t>дисциплина клиента;</a:t>
+              <a:t> платежная дисциплина клиента;</a:t>
             </a:r>
           </a:p>
           <a:p>
@@ -12194,14 +12003,7 @@
                 <a:latin typeface="Times New Roman" pitchFamily="18" charset="0"/>
                 <a:cs typeface="Times New Roman" pitchFamily="18" charset="0"/>
               </a:rPr>
-              <a:t> задолженность </a:t>
-            </a:r>
-            <a:r>
-              <a:rPr lang="ru-RU" sz="2400" dirty="0" smtClean="0">
-                <a:latin typeface="Times New Roman" pitchFamily="18" charset="0"/>
-                <a:cs typeface="Times New Roman" pitchFamily="18" charset="0"/>
-              </a:rPr>
-              <a:t>клиентов по срокам.</a:t>
+              <a:t> задолженность клиентов по срокам.</a:t>
             </a:r>
           </a:p>
           <a:p>
@@ -12275,27 +12077,7 @@
                 <a:latin typeface="Times New Roman" pitchFamily="18" charset="0"/>
                 <a:cs typeface="Times New Roman" pitchFamily="18" charset="0"/>
               </a:rPr>
-              <a:t>Система «1C: Управление торговлей</a:t>
-            </a:r>
-            <a:r>
-              <a:rPr lang="ru-RU" sz="3200" dirty="0" smtClean="0">
-                <a:solidFill>
-                  <a:schemeClr val="bg1"/>
-                </a:solidFill>
-                <a:latin typeface="Times New Roman" pitchFamily="18" charset="0"/>
-                <a:cs typeface="Times New Roman" pitchFamily="18" charset="0"/>
-              </a:rPr>
-              <a:t>» </a:t>
-            </a:r>
-            <a:r>
-              <a:rPr lang="ru-RU" sz="3200" dirty="0" smtClean="0">
-                <a:solidFill>
-                  <a:schemeClr val="bg1"/>
-                </a:solidFill>
-                <a:latin typeface="Times New Roman" pitchFamily="18" charset="0"/>
-                <a:cs typeface="Times New Roman" pitchFamily="18" charset="0"/>
-              </a:rPr>
-              <a:t>Ограничение прав на уровне записи (RLS) </a:t>
+              <a:t>Система «1C: Управление торговлей» Ограничение прав на уровне записи (RLS) </a:t>
             </a:r>
             <a:endParaRPr lang="ru-RU" sz="3200" dirty="0">
               <a:solidFill>
@@ -12381,14 +12163,7 @@
                 <a:latin typeface="Times New Roman" pitchFamily="18" charset="0"/>
                 <a:cs typeface="Times New Roman" pitchFamily="18" charset="0"/>
               </a:rPr>
-              <a:t>Ограничение прав на уровне записи (RLS) применяется для ограничения следующих типов прав</a:t>
-            </a:r>
-            <a:r>
-              <a:rPr lang="ru-RU" sz="2400" b="1" dirty="0" smtClean="0">
-                <a:latin typeface="Times New Roman" pitchFamily="18" charset="0"/>
-                <a:cs typeface="Times New Roman" pitchFamily="18" charset="0"/>
-              </a:rPr>
-              <a:t>:</a:t>
+              <a:t>Ограничение прав на уровне записи (RLS) применяется для ограничения следующих типов прав:</a:t>
             </a:r>
           </a:p>
           <a:p>
@@ -12401,14 +12176,7 @@
                 <a:latin typeface="Times New Roman" pitchFamily="18" charset="0"/>
                 <a:cs typeface="Times New Roman" pitchFamily="18" charset="0"/>
               </a:rPr>
-              <a:t> чтение</a:t>
-            </a:r>
-            <a:r>
-              <a:rPr lang="ru-RU" sz="2400" dirty="0" smtClean="0">
-                <a:latin typeface="Times New Roman" pitchFamily="18" charset="0"/>
-                <a:cs typeface="Times New Roman" pitchFamily="18" charset="0"/>
-              </a:rPr>
-              <a:t>;</a:t>
+              <a:t> чтение;</a:t>
             </a:r>
           </a:p>
           <a:p>
@@ -12421,14 +12189,7 @@
                 <a:latin typeface="Times New Roman" pitchFamily="18" charset="0"/>
                 <a:cs typeface="Times New Roman" pitchFamily="18" charset="0"/>
               </a:rPr>
-              <a:t> добавление</a:t>
-            </a:r>
-            <a:r>
-              <a:rPr lang="ru-RU" sz="2400" dirty="0" smtClean="0">
-                <a:latin typeface="Times New Roman" pitchFamily="18" charset="0"/>
-                <a:cs typeface="Times New Roman" pitchFamily="18" charset="0"/>
-              </a:rPr>
-              <a:t>;</a:t>
+              <a:t> добавление;</a:t>
             </a:r>
           </a:p>
           <a:p>
@@ -12441,14 +12202,7 @@
                 <a:latin typeface="Times New Roman" pitchFamily="18" charset="0"/>
                 <a:cs typeface="Times New Roman" pitchFamily="18" charset="0"/>
               </a:rPr>
-              <a:t> изменение</a:t>
-            </a:r>
-            <a:r>
-              <a:rPr lang="ru-RU" sz="2400" dirty="0" smtClean="0">
-                <a:latin typeface="Times New Roman" pitchFamily="18" charset="0"/>
-                <a:cs typeface="Times New Roman" pitchFamily="18" charset="0"/>
-              </a:rPr>
-              <a:t>;</a:t>
+              <a:t> изменение;</a:t>
             </a:r>
           </a:p>
           <a:p>
@@ -12461,14 +12215,7 @@
                 <a:latin typeface="Times New Roman" pitchFamily="18" charset="0"/>
                 <a:cs typeface="Times New Roman" pitchFamily="18" charset="0"/>
               </a:rPr>
-              <a:t> удаление</a:t>
-            </a:r>
-            <a:r>
-              <a:rPr lang="ru-RU" sz="2400" dirty="0" smtClean="0">
-                <a:latin typeface="Times New Roman" pitchFamily="18" charset="0"/>
-                <a:cs typeface="Times New Roman" pitchFamily="18" charset="0"/>
-              </a:rPr>
-              <a:t>.</a:t>
+              <a:t> удаление.</a:t>
             </a:r>
           </a:p>
           <a:p>
@@ -12626,14 +12373,7 @@
                 <a:latin typeface="Times New Roman" pitchFamily="18" charset="0"/>
                 <a:cs typeface="Times New Roman" pitchFamily="18" charset="0"/>
               </a:rPr>
-              <a:t>Система позволяет решить следующие задачи</a:t>
-            </a:r>
-            <a:r>
-              <a:rPr lang="ru-RU" sz="2400" b="1" dirty="0" smtClean="0">
-                <a:latin typeface="Times New Roman" pitchFamily="18" charset="0"/>
-                <a:cs typeface="Times New Roman" pitchFamily="18" charset="0"/>
-              </a:rPr>
-              <a:t>:</a:t>
+              <a:t>Система позволяет решить следующие задачи:</a:t>
             </a:r>
           </a:p>
           <a:p>
@@ -12646,14 +12386,7 @@
                 <a:latin typeface="Times New Roman" pitchFamily="18" charset="0"/>
                 <a:cs typeface="Times New Roman" pitchFamily="18" charset="0"/>
               </a:rPr>
-              <a:t> организация </a:t>
-            </a:r>
-            <a:r>
-              <a:rPr lang="ru-RU" sz="2400" dirty="0" smtClean="0">
-                <a:latin typeface="Times New Roman" pitchFamily="18" charset="0"/>
-                <a:cs typeface="Times New Roman" pitchFamily="18" charset="0"/>
-              </a:rPr>
-              <a:t>единой телефонной сети для сотрудников, работающих удалено;</a:t>
+              <a:t> организация единой телефонной сети для сотрудников, работающих удалено;</a:t>
             </a:r>
           </a:p>
           <a:p>
@@ -12666,14 +12399,7 @@
                 <a:latin typeface="Times New Roman" pitchFamily="18" charset="0"/>
                 <a:cs typeface="Times New Roman" pitchFamily="18" charset="0"/>
               </a:rPr>
-              <a:t> анализ </a:t>
-            </a:r>
-            <a:r>
-              <a:rPr lang="ru-RU" sz="2400" dirty="0" smtClean="0">
-                <a:latin typeface="Times New Roman" pitchFamily="18" charset="0"/>
-                <a:cs typeface="Times New Roman" pitchFamily="18" charset="0"/>
-              </a:rPr>
-              <a:t>качества общения менеджеров с клиентами;</a:t>
+              <a:t> анализ качества общения менеджеров с клиентами;</a:t>
             </a:r>
           </a:p>
           <a:p>
@@ -12686,14 +12412,7 @@
                 <a:latin typeface="Times New Roman" pitchFamily="18" charset="0"/>
                 <a:cs typeface="Times New Roman" pitchFamily="18" charset="0"/>
               </a:rPr>
-              <a:t> сокращение </a:t>
-            </a:r>
-            <a:r>
-              <a:rPr lang="ru-RU" sz="2400" dirty="0" smtClean="0">
-                <a:latin typeface="Times New Roman" pitchFamily="18" charset="0"/>
-                <a:cs typeface="Times New Roman" pitchFamily="18" charset="0"/>
-              </a:rPr>
-              <a:t>числа пропущенных звонков;</a:t>
+              <a:t> сокращение числа пропущенных звонков;</a:t>
             </a:r>
           </a:p>
           <a:p>
@@ -12706,14 +12425,7 @@
                 <a:latin typeface="Times New Roman" pitchFamily="18" charset="0"/>
                 <a:cs typeface="Times New Roman" pitchFamily="18" charset="0"/>
               </a:rPr>
-              <a:t>оптимизация </a:t>
-            </a:r>
-            <a:r>
-              <a:rPr lang="ru-RU" sz="2400" dirty="0" smtClean="0">
-                <a:latin typeface="Times New Roman" pitchFamily="18" charset="0"/>
-                <a:cs typeface="Times New Roman" pitchFamily="18" charset="0"/>
-              </a:rPr>
-              <a:t>затрат на связь за счет экономии на переговорах внутри компании, по России и миру;</a:t>
+              <a:t>оптимизация затрат на связь за счет экономии на переговорах внутри компании, по России и миру;</a:t>
             </a:r>
           </a:p>
           <a:p>
@@ -12726,26 +12438,8 @@
                 <a:latin typeface="Times New Roman" pitchFamily="18" charset="0"/>
                 <a:cs typeface="Times New Roman" pitchFamily="18" charset="0"/>
               </a:rPr>
-              <a:t> надежная </a:t>
-            </a:r>
-            <a:r>
-              <a:rPr lang="ru-RU" sz="2400" dirty="0" smtClean="0">
-                <a:latin typeface="Times New Roman" pitchFamily="18" charset="0"/>
-                <a:cs typeface="Times New Roman" pitchFamily="18" charset="0"/>
-              </a:rPr>
-              <a:t>работа сервиса и качественная </a:t>
-            </a:r>
-            <a:r>
-              <a:rPr lang="ru-RU" sz="2400" dirty="0" smtClean="0">
-                <a:latin typeface="Times New Roman" pitchFamily="18" charset="0"/>
-                <a:cs typeface="Times New Roman" pitchFamily="18" charset="0"/>
-              </a:rPr>
-              <a:t>связь.</a:t>
-            </a:r>
-            <a:endParaRPr lang="ru-RU" sz="2400" dirty="0" smtClean="0">
-              <a:latin typeface="Times New Roman" pitchFamily="18" charset="0"/>
-              <a:cs typeface="Times New Roman" pitchFamily="18" charset="0"/>
-            </a:endParaRPr>
+              <a:t> надежная работа сервиса и качественная связь.</a:t>
+            </a:r>
           </a:p>
           <a:p>
             <a:endParaRPr lang="ru-RU" sz="2400" b="1" dirty="0">
@@ -12841,7 +12535,27 @@
                 <a:latin typeface="Times New Roman" pitchFamily="18" charset="0"/>
                 <a:cs typeface="Times New Roman" pitchFamily="18" charset="0"/>
               </a:rPr>
-              <a:t>Упрощенная схема документооборота. Оптовые продажи</a:t>
+              <a:t>Упрощенная схема </a:t>
+            </a:r>
+            <a:r>
+              <a:rPr lang="ru-RU" sz="3200" dirty="0" smtClean="0">
+                <a:solidFill>
+                  <a:schemeClr val="bg1"/>
+                </a:solidFill>
+                <a:latin typeface="Times New Roman" pitchFamily="18" charset="0"/>
+                <a:cs typeface="Times New Roman" pitchFamily="18" charset="0"/>
+              </a:rPr>
+              <a:t>документооборота </a:t>
+            </a:r>
+            <a:r>
+              <a:rPr lang="ru-RU" sz="3200" dirty="0" smtClean="0">
+                <a:solidFill>
+                  <a:schemeClr val="bg1"/>
+                </a:solidFill>
+                <a:latin typeface="Times New Roman" pitchFamily="18" charset="0"/>
+                <a:cs typeface="Times New Roman" pitchFamily="18" charset="0"/>
+              </a:rPr>
+              <a:t>Оптовые продажи</a:t>
             </a:r>
             <a:endParaRPr lang="ru-RU" sz="3200" dirty="0">
               <a:solidFill>
@@ -13472,19 +13186,7 @@
           <a:p>
             <a:r>
               <a:rPr lang="ru-RU" sz="2400" dirty="0" smtClean="0"/>
-              <a:t>А</a:t>
-            </a:r>
-            <a:r>
-              <a:rPr lang="ru-RU" sz="2400" dirty="0" smtClean="0"/>
-              <a:t>лгоритмы </a:t>
-            </a:r>
-            <a:r>
-              <a:rPr lang="ru-RU" sz="2400" dirty="0" smtClean="0"/>
-              <a:t>работы распределения </a:t>
-            </a:r>
-            <a:r>
-              <a:rPr lang="ru-RU" sz="2400" dirty="0" smtClean="0"/>
-              <a:t>звонков</a:t>
+              <a:t>Алгоритмы работы распределения звонков</a:t>
             </a:r>
           </a:p>
           <a:p>
@@ -13497,14 +13199,7 @@
                 <a:latin typeface="Times New Roman" pitchFamily="18" charset="0"/>
                 <a:cs typeface="Times New Roman" pitchFamily="18" charset="0"/>
               </a:rPr>
-              <a:t> по </a:t>
-            </a:r>
-            <a:r>
-              <a:rPr lang="ru-RU" sz="2400" dirty="0" smtClean="0">
-                <a:latin typeface="Times New Roman" pitchFamily="18" charset="0"/>
-                <a:cs typeface="Times New Roman" pitchFamily="18" charset="0"/>
-              </a:rPr>
-              <a:t>очереди;</a:t>
+              <a:t> по очереди;</a:t>
             </a:r>
           </a:p>
           <a:p>
@@ -13517,14 +13212,7 @@
                 <a:latin typeface="Times New Roman" pitchFamily="18" charset="0"/>
                 <a:cs typeface="Times New Roman" pitchFamily="18" charset="0"/>
               </a:rPr>
-              <a:t> по </a:t>
-            </a:r>
-            <a:r>
-              <a:rPr lang="ru-RU" sz="2400" dirty="0" smtClean="0">
-                <a:latin typeface="Times New Roman" pitchFamily="18" charset="0"/>
-                <a:cs typeface="Times New Roman" pitchFamily="18" charset="0"/>
-              </a:rPr>
-              <a:t>нарастающей;</a:t>
+              <a:t> по нарастающей;</a:t>
             </a:r>
           </a:p>
           <a:p>
@@ -13537,14 +13225,7 @@
                 <a:latin typeface="Times New Roman" pitchFamily="18" charset="0"/>
                 <a:cs typeface="Times New Roman" pitchFamily="18" charset="0"/>
               </a:rPr>
-              <a:t> всем </a:t>
-            </a:r>
-            <a:r>
-              <a:rPr lang="ru-RU" sz="2400" dirty="0" smtClean="0">
-                <a:latin typeface="Times New Roman" pitchFamily="18" charset="0"/>
-                <a:cs typeface="Times New Roman" pitchFamily="18" charset="0"/>
-              </a:rPr>
-              <a:t>сразу;</a:t>
+              <a:t> всем сразу;</a:t>
             </a:r>
           </a:p>
           <a:p>
@@ -13557,14 +13238,7 @@
                 <a:latin typeface="Times New Roman" pitchFamily="18" charset="0"/>
                 <a:cs typeface="Times New Roman" pitchFamily="18" charset="0"/>
               </a:rPr>
-              <a:t> равномерно</a:t>
-            </a:r>
-            <a:r>
-              <a:rPr lang="ru-RU" sz="2400" dirty="0" smtClean="0">
-                <a:latin typeface="Times New Roman" pitchFamily="18" charset="0"/>
-                <a:cs typeface="Times New Roman" pitchFamily="18" charset="0"/>
-              </a:rPr>
-              <a:t>.</a:t>
+              <a:t> равномерно.</a:t>
             </a:r>
           </a:p>
           <a:p>
@@ -13636,15 +13310,7 @@
                   <a:schemeClr val="bg1"/>
                 </a:solidFill>
               </a:rPr>
-              <a:t>Проектирование системы </a:t>
-            </a:r>
-            <a:r>
-              <a:rPr lang="ru-RU" sz="3200" dirty="0" smtClean="0">
-                <a:solidFill>
-                  <a:schemeClr val="bg1"/>
-                </a:solidFill>
-              </a:rPr>
-              <a:t>видеонаблюдения</a:t>
+              <a:t>Проектирование системы видеонаблюдения</a:t>
             </a:r>
             <a:endParaRPr lang="ru-RU" sz="3200" dirty="0">
               <a:solidFill>
@@ -14031,15 +13697,7 @@
                   <a:schemeClr val="bg1"/>
                 </a:solidFill>
               </a:rPr>
-              <a:t>Проектирование системы </a:t>
-            </a:r>
-            <a:r>
-              <a:rPr lang="ru-RU" sz="3200" dirty="0" smtClean="0">
-                <a:solidFill>
-                  <a:schemeClr val="bg1"/>
-                </a:solidFill>
-              </a:rPr>
-              <a:t>видеонаблюдения.</a:t>
+              <a:t>Проектирование системы видеонаблюдения.</a:t>
             </a:r>
             <a:endParaRPr lang="ru-RU" sz="3200" dirty="0">
               <a:solidFill>
@@ -14259,15 +13917,7 @@
                   <a:schemeClr val="bg1"/>
                 </a:solidFill>
               </a:rPr>
-              <a:t>Проектирование системы </a:t>
-            </a:r>
-            <a:r>
-              <a:rPr lang="ru-RU" sz="3200" dirty="0" smtClean="0">
-                <a:solidFill>
-                  <a:schemeClr val="bg1"/>
-                </a:solidFill>
-              </a:rPr>
-              <a:t>видеонаблюдения.</a:t>
+              <a:t>Проектирование системы видеонаблюдения.</a:t>
             </a:r>
             <a:endParaRPr lang="ru-RU" sz="3200" dirty="0">
               <a:solidFill>
@@ -14448,7 +14098,27 @@
                 <a:latin typeface="Times New Roman" pitchFamily="18" charset="0"/>
                 <a:cs typeface="Times New Roman" pitchFamily="18" charset="0"/>
               </a:rPr>
-              <a:t>Упрощенная схема документооборота. </a:t>
+              <a:t>Упрощенная схема </a:t>
+            </a:r>
+            <a:r>
+              <a:rPr lang="ru-RU" sz="3200" dirty="0" smtClean="0">
+                <a:solidFill>
+                  <a:schemeClr val="bg1"/>
+                </a:solidFill>
+                <a:latin typeface="Times New Roman" pitchFamily="18" charset="0"/>
+                <a:cs typeface="Times New Roman" pitchFamily="18" charset="0"/>
+              </a:rPr>
+              <a:t>документооборота </a:t>
+            </a:r>
+            <a:r>
+              <a:rPr lang="ru-RU" sz="3200" dirty="0" smtClean="0">
+                <a:solidFill>
+                  <a:schemeClr val="bg1"/>
+                </a:solidFill>
+                <a:latin typeface="Times New Roman" pitchFamily="18" charset="0"/>
+                <a:cs typeface="Times New Roman" pitchFamily="18" charset="0"/>
+              </a:rPr>
+              <a:t/>
             </a:r>
             <a:br>
               <a:rPr lang="ru-RU" sz="3200" dirty="0" smtClean="0">
@@ -15416,7 +15086,14 @@
                 <a:latin typeface="Times New Roman" pitchFamily="18" charset="0"/>
                 <a:cs typeface="Times New Roman" pitchFamily="18" charset="0"/>
               </a:rPr>
-              <a:t>персонал организации;</a:t>
+              <a:t> персонал </a:t>
+            </a:r>
+            <a:r>
+              <a:rPr lang="ru-RU" sz="2400" dirty="0" smtClean="0">
+                <a:latin typeface="Times New Roman" pitchFamily="18" charset="0"/>
+                <a:cs typeface="Times New Roman" pitchFamily="18" charset="0"/>
+              </a:rPr>
+              <a:t>организации;</a:t>
             </a:r>
           </a:p>
           <a:p>
@@ -15429,7 +15106,14 @@
                 <a:latin typeface="Times New Roman" pitchFamily="18" charset="0"/>
                 <a:cs typeface="Times New Roman" pitchFamily="18" charset="0"/>
               </a:rPr>
-              <a:t>вспомогательный персонал.</a:t>
+              <a:t> вспомогательный </a:t>
+            </a:r>
+            <a:r>
+              <a:rPr lang="ru-RU" sz="2400" dirty="0" smtClean="0">
+                <a:latin typeface="Times New Roman" pitchFamily="18" charset="0"/>
+                <a:cs typeface="Times New Roman" pitchFamily="18" charset="0"/>
+              </a:rPr>
+              <a:t>персонал.</a:t>
             </a:r>
           </a:p>
           <a:p>
@@ -16099,23 +15783,20 @@
                 <a:ea typeface="+mj-ea"/>
                 <a:cs typeface="Times New Roman" pitchFamily="18" charset="0"/>
               </a:rPr>
-              <a:t>Лидеры продуктов учета</a:t>
-            </a:r>
-            <a:r>
-              <a:rPr lang="ru-RU" sz="3200" b="1" dirty="0" smtClean="0">
-                <a:effectLst>
-                  <a:outerShdw blurRad="31750" dist="25400" dir="5400000" algn="tl" rotWithShape="0">
-                    <a:srgbClr val="000000">
-                      <a:alpha val="25000"/>
-                    </a:srgbClr>
-                  </a:outerShdw>
-                </a:effectLst>
-                <a:latin typeface="Times New Roman" pitchFamily="18" charset="0"/>
-                <a:ea typeface="+mj-ea"/>
-                <a:cs typeface="Times New Roman" pitchFamily="18" charset="0"/>
-              </a:rPr>
-              <a:t>:</a:t>
-            </a:r>
+              <a:t>Лидеры продуктов учета:</a:t>
+            </a:r>
+            <a:endParaRPr lang="ru-RU" sz="3200" b="1" dirty="0" smtClean="0">
+              <a:effectLst>
+                <a:outerShdw blurRad="31750" dist="25400" dir="5400000" algn="tl" rotWithShape="0">
+                  <a:srgbClr val="000000">
+                    <a:alpha val="25000"/>
+                  </a:srgbClr>
+                </a:outerShdw>
+              </a:effectLst>
+              <a:latin typeface="Times New Roman" pitchFamily="18" charset="0"/>
+              <a:ea typeface="+mj-ea"/>
+              <a:cs typeface="Times New Roman" pitchFamily="18" charset="0"/>
+            </a:endParaRPr>
           </a:p>
           <a:p>
             <a:pPr marL="0" marR="0" lvl="0" indent="0" algn="l" defTabSz="914400" rtl="0" eaLnBrk="1" fontAlgn="auto" latinLnBrk="0" hangingPunct="1">

--- a/Выпускная квалификационная работа.pptx
+++ b/Выпускная квалификационная работа.pptx
@@ -9794,17 +9794,7 @@
                 <a:latin typeface="Times New Roman" pitchFamily="18" charset="0"/>
                 <a:cs typeface="Times New Roman" pitchFamily="18" charset="0"/>
               </a:rPr>
-              <a:t>Схема организации и критерии выбора     </a:t>
-            </a:r>
-            <a:r>
-              <a:rPr lang="ru-RU" sz="3200" dirty="0" smtClean="0">
-                <a:solidFill>
-                  <a:schemeClr val="bg1"/>
-                </a:solidFill>
-                <a:latin typeface="Times New Roman" pitchFamily="18" charset="0"/>
-                <a:cs typeface="Times New Roman" pitchFamily="18" charset="0"/>
-              </a:rPr>
-              <a:t>системы телекоммуникации</a:t>
+              <a:t>Схема организации и критерии выбора     системы телекоммуникации</a:t>
             </a:r>
             <a:endParaRPr lang="ru-RU" sz="3200" dirty="0">
               <a:solidFill>
@@ -9884,19 +9874,8 @@
                 <a:latin typeface="Times New Roman" pitchFamily="18" charset="0"/>
                 <a:cs typeface="Times New Roman" pitchFamily="18" charset="0"/>
               </a:rPr>
-              <a:t>Основные критерии</a:t>
-            </a:r>
-            <a:r>
-              <a:rPr lang="ru-RU" sz="2400" b="1" dirty="0" smtClean="0">
-                <a:latin typeface="Times New Roman" pitchFamily="18" charset="0"/>
-                <a:cs typeface="Times New Roman" pitchFamily="18" charset="0"/>
-              </a:rPr>
-              <a:t>:</a:t>
-            </a:r>
-            <a:endParaRPr lang="ru-RU" sz="2400" b="1" dirty="0" smtClean="0">
-              <a:latin typeface="Times New Roman" pitchFamily="18" charset="0"/>
-              <a:cs typeface="Times New Roman" pitchFamily="18" charset="0"/>
-            </a:endParaRPr>
+              <a:t>Основные критерии:</a:t>
+            </a:r>
           </a:p>
           <a:p>
             <a:pPr lvl="0">
@@ -9921,21 +9900,7 @@
                 <a:latin typeface="Times New Roman" pitchFamily="18" charset="0"/>
                 <a:cs typeface="Times New Roman" pitchFamily="18" charset="0"/>
               </a:rPr>
-              <a:t> возможность подключения </a:t>
-            </a:r>
-            <a:r>
-              <a:rPr lang="ru-RU" sz="2400" dirty="0" smtClean="0">
-                <a:latin typeface="Times New Roman" pitchFamily="18" charset="0"/>
-                <a:cs typeface="Times New Roman" pitchFamily="18" charset="0"/>
-              </a:rPr>
-              <a:t>10 или более </a:t>
-            </a:r>
-            <a:r>
-              <a:rPr lang="ru-RU" sz="2400" dirty="0" smtClean="0">
-                <a:latin typeface="Times New Roman" pitchFamily="18" charset="0"/>
-                <a:cs typeface="Times New Roman" pitchFamily="18" charset="0"/>
-              </a:rPr>
-              <a:t>рабочих телефонных мест;</a:t>
+              <a:t> возможность подключения 10 или более рабочих телефонных мест;</a:t>
             </a:r>
           </a:p>
           <a:p>
@@ -10121,14 +10086,7 @@
                 <a:latin typeface="Times New Roman" pitchFamily="18" charset="0"/>
                 <a:cs typeface="Times New Roman" pitchFamily="18" charset="0"/>
               </a:rPr>
-              <a:t>Проектирование </a:t>
-            </a:r>
-            <a:r>
-              <a:rPr lang="ru-RU" sz="2200" dirty="0" smtClean="0">
-                <a:latin typeface="Times New Roman" pitchFamily="18" charset="0"/>
-                <a:cs typeface="Times New Roman" pitchFamily="18" charset="0"/>
-              </a:rPr>
-              <a:t>системы автоматизации магазина.</a:t>
+              <a:t>Проектирование системы автоматизации магазина.</a:t>
             </a:r>
           </a:p>
           <a:p>
@@ -10557,7 +10515,17 @@
                 <a:latin typeface="Times New Roman" pitchFamily="18" charset="0"/>
                 <a:cs typeface="Times New Roman" pitchFamily="18" charset="0"/>
               </a:rPr>
-              <a:t>Проектирование учетной системы.</a:t>
+              <a:t>Проектирование учетной </a:t>
+            </a:r>
+            <a:r>
+              <a:rPr lang="ru-RU" sz="3200" dirty="0" smtClean="0">
+                <a:solidFill>
+                  <a:schemeClr val="bg1"/>
+                </a:solidFill>
+                <a:latin typeface="Times New Roman" pitchFamily="18" charset="0"/>
+                <a:cs typeface="Times New Roman" pitchFamily="18" charset="0"/>
+              </a:rPr>
+              <a:t>системы</a:t>
             </a:r>
             <a:endParaRPr lang="ru-RU" sz="3200" dirty="0">
               <a:solidFill>
@@ -10618,19 +10586,8 @@
                 <a:latin typeface="Times New Roman" pitchFamily="18" charset="0"/>
                 <a:cs typeface="Times New Roman" pitchFamily="18" charset="0"/>
               </a:rPr>
-              <a:t> сбор первичных данных о деятельности компании и представление их в удобном для анализа виде</a:t>
-            </a:r>
-            <a:r>
-              <a:rPr lang="ru-RU" sz="2400" dirty="0" smtClean="0">
-                <a:latin typeface="Times New Roman" pitchFamily="18" charset="0"/>
-                <a:cs typeface="Times New Roman" pitchFamily="18" charset="0"/>
-              </a:rPr>
-              <a:t>;</a:t>
-            </a:r>
-            <a:endParaRPr lang="ru-RU" sz="2400" dirty="0" smtClean="0">
-              <a:latin typeface="Times New Roman" pitchFamily="18" charset="0"/>
-              <a:cs typeface="Times New Roman" pitchFamily="18" charset="0"/>
-            </a:endParaRPr>
+              <a:t> сбор первичных данных о деятельности компании и представление их в удобном для анализа виде;</a:t>
+            </a:r>
           </a:p>
           <a:p>
             <a:pPr lvl="0">
@@ -11236,7 +11193,7 @@
         </p:nvSpPr>
         <p:spPr>
           <a:xfrm>
-            <a:off x="395536" y="1700808"/>
+            <a:off x="395536" y="1556792"/>
             <a:ext cx="8280920" cy="4320480"/>
           </a:xfrm>
           <a:prstGeom prst="rect">
@@ -12535,27 +12492,7 @@
                 <a:latin typeface="Times New Roman" pitchFamily="18" charset="0"/>
                 <a:cs typeface="Times New Roman" pitchFamily="18" charset="0"/>
               </a:rPr>
-              <a:t>Упрощенная схема </a:t>
-            </a:r>
-            <a:r>
-              <a:rPr lang="ru-RU" sz="3200" dirty="0" smtClean="0">
-                <a:solidFill>
-                  <a:schemeClr val="bg1"/>
-                </a:solidFill>
-                <a:latin typeface="Times New Roman" pitchFamily="18" charset="0"/>
-                <a:cs typeface="Times New Roman" pitchFamily="18" charset="0"/>
-              </a:rPr>
-              <a:t>документооборота </a:t>
-            </a:r>
-            <a:r>
-              <a:rPr lang="ru-RU" sz="3200" dirty="0" smtClean="0">
-                <a:solidFill>
-                  <a:schemeClr val="bg1"/>
-                </a:solidFill>
-                <a:latin typeface="Times New Roman" pitchFamily="18" charset="0"/>
-                <a:cs typeface="Times New Roman" pitchFamily="18" charset="0"/>
-              </a:rPr>
-              <a:t>Оптовые продажи</a:t>
+              <a:t>Упрощенная схема документооборота Оптовые продажи</a:t>
             </a:r>
             <a:endParaRPr lang="ru-RU" sz="3200" dirty="0">
               <a:solidFill>
@@ -14098,27 +14035,7 @@
                 <a:latin typeface="Times New Roman" pitchFamily="18" charset="0"/>
                 <a:cs typeface="Times New Roman" pitchFamily="18" charset="0"/>
               </a:rPr>
-              <a:t>Упрощенная схема </a:t>
-            </a:r>
-            <a:r>
-              <a:rPr lang="ru-RU" sz="3200" dirty="0" smtClean="0">
-                <a:solidFill>
-                  <a:schemeClr val="bg1"/>
-                </a:solidFill>
-                <a:latin typeface="Times New Roman" pitchFamily="18" charset="0"/>
-                <a:cs typeface="Times New Roman" pitchFamily="18" charset="0"/>
-              </a:rPr>
-              <a:t>документооборота </a:t>
-            </a:r>
-            <a:r>
-              <a:rPr lang="ru-RU" sz="3200" dirty="0" smtClean="0">
-                <a:solidFill>
-                  <a:schemeClr val="bg1"/>
-                </a:solidFill>
-                <a:latin typeface="Times New Roman" pitchFamily="18" charset="0"/>
-                <a:cs typeface="Times New Roman" pitchFamily="18" charset="0"/>
-              </a:rPr>
-              <a:t/>
+              <a:t>Упрощенная схема документооборота </a:t>
             </a:r>
             <a:br>
               <a:rPr lang="ru-RU" sz="3200" dirty="0" smtClean="0">
@@ -15086,14 +15003,7 @@
                 <a:latin typeface="Times New Roman" pitchFamily="18" charset="0"/>
                 <a:cs typeface="Times New Roman" pitchFamily="18" charset="0"/>
               </a:rPr>
-              <a:t> персонал </a:t>
-            </a:r>
-            <a:r>
-              <a:rPr lang="ru-RU" sz="2400" dirty="0" smtClean="0">
-                <a:latin typeface="Times New Roman" pitchFamily="18" charset="0"/>
-                <a:cs typeface="Times New Roman" pitchFamily="18" charset="0"/>
-              </a:rPr>
-              <a:t>организации;</a:t>
+              <a:t> персонал организации;</a:t>
             </a:r>
           </a:p>
           <a:p>
@@ -15106,14 +15016,7 @@
                 <a:latin typeface="Times New Roman" pitchFamily="18" charset="0"/>
                 <a:cs typeface="Times New Roman" pitchFamily="18" charset="0"/>
               </a:rPr>
-              <a:t> вспомогательный </a:t>
-            </a:r>
-            <a:r>
-              <a:rPr lang="ru-RU" sz="2400" dirty="0" smtClean="0">
-                <a:latin typeface="Times New Roman" pitchFamily="18" charset="0"/>
-                <a:cs typeface="Times New Roman" pitchFamily="18" charset="0"/>
-              </a:rPr>
-              <a:t>персонал.</a:t>
+              <a:t> вспомогательный персонал.</a:t>
             </a:r>
           </a:p>
           <a:p>

--- a/Выпускная квалификационная работа.pptx
+++ b/Выпускная квалификационная работа.pptx
@@ -226,7 +226,7 @@
             <a:fld id="{6DD2198D-AA87-438E-AC3E-1AE87968A2FD}" type="datetimeFigureOut">
               <a:rPr lang="ru-RU" smtClean="0"/>
               <a:pPr/>
-              <a:t>24.05.2020</a:t>
+              <a:t>26.05.2020</a:t>
             </a:fld>
             <a:endParaRPr lang="ru-RU"/>
           </a:p>
@@ -3907,7 +3907,7 @@
             <a:fld id="{3FCDD233-0873-47C9-A30F-61D74E15F769}" type="datetimeFigureOut">
               <a:rPr lang="ru-RU" smtClean="0"/>
               <a:pPr/>
-              <a:t>24.05.2020</a:t>
+              <a:t>26.05.2020</a:t>
             </a:fld>
             <a:endParaRPr lang="ru-RU"/>
           </a:p>
@@ -4105,7 +4105,7 @@
             <a:fld id="{3FCDD233-0873-47C9-A30F-61D74E15F769}" type="datetimeFigureOut">
               <a:rPr lang="ru-RU" smtClean="0"/>
               <a:pPr/>
-              <a:t>24.05.2020</a:t>
+              <a:t>26.05.2020</a:t>
             </a:fld>
             <a:endParaRPr lang="ru-RU"/>
           </a:p>
@@ -4292,7 +4292,7 @@
             <a:fld id="{3FCDD233-0873-47C9-A30F-61D74E15F769}" type="datetimeFigureOut">
               <a:rPr lang="ru-RU" smtClean="0"/>
               <a:pPr/>
-              <a:t>24.05.2020</a:t>
+              <a:t>26.05.2020</a:t>
             </a:fld>
             <a:endParaRPr lang="ru-RU"/>
           </a:p>
@@ -4444,7 +4444,7 @@
             <a:fld id="{3FCDD233-0873-47C9-A30F-61D74E15F769}" type="datetimeFigureOut">
               <a:rPr lang="ru-RU" smtClean="0"/>
               <a:pPr/>
-              <a:t>24.05.2020</a:t>
+              <a:t>26.05.2020</a:t>
             </a:fld>
             <a:endParaRPr lang="ru-RU"/>
           </a:p>
@@ -4701,7 +4701,7 @@
             <a:fld id="{3FCDD233-0873-47C9-A30F-61D74E15F769}" type="datetimeFigureOut">
               <a:rPr lang="ru-RU" smtClean="0"/>
               <a:pPr/>
-              <a:t>24.05.2020</a:t>
+              <a:t>26.05.2020</a:t>
             </a:fld>
             <a:endParaRPr lang="ru-RU"/>
           </a:p>
@@ -5112,7 +5112,7 @@
             <a:fld id="{3FCDD233-0873-47C9-A30F-61D74E15F769}" type="datetimeFigureOut">
               <a:rPr lang="ru-RU" smtClean="0"/>
               <a:pPr/>
-              <a:t>24.05.2020</a:t>
+              <a:t>26.05.2020</a:t>
             </a:fld>
             <a:endParaRPr lang="ru-RU"/>
           </a:p>
@@ -5560,7 +5560,7 @@
             <a:fld id="{3FCDD233-0873-47C9-A30F-61D74E15F769}" type="datetimeFigureOut">
               <a:rPr lang="ru-RU" smtClean="0"/>
               <a:pPr/>
-              <a:t>24.05.2020</a:t>
+              <a:t>26.05.2020</a:t>
             </a:fld>
             <a:endParaRPr lang="ru-RU"/>
           </a:p>
@@ -5663,7 +5663,7 @@
             <a:fld id="{3FCDD233-0873-47C9-A30F-61D74E15F769}" type="datetimeFigureOut">
               <a:rPr lang="ru-RU" smtClean="0"/>
               <a:pPr/>
-              <a:t>24.05.2020</a:t>
+              <a:t>26.05.2020</a:t>
             </a:fld>
             <a:endParaRPr lang="ru-RU"/>
           </a:p>
@@ -5786,7 +5786,7 @@
             <a:fld id="{3FCDD233-0873-47C9-A30F-61D74E15F769}" type="datetimeFigureOut">
               <a:rPr lang="ru-RU" smtClean="0"/>
               <a:pPr/>
-              <a:t>24.05.2020</a:t>
+              <a:t>26.05.2020</a:t>
             </a:fld>
             <a:endParaRPr lang="ru-RU"/>
           </a:p>
@@ -6062,7 +6062,7 @@
             <a:fld id="{3FCDD233-0873-47C9-A30F-61D74E15F769}" type="datetimeFigureOut">
               <a:rPr lang="ru-RU" smtClean="0"/>
               <a:pPr/>
-              <a:t>24.05.2020</a:t>
+              <a:t>26.05.2020</a:t>
             </a:fld>
             <a:endParaRPr lang="ru-RU"/>
           </a:p>
@@ -6269,7 +6269,7 @@
             <a:fld id="{3FCDD233-0873-47C9-A30F-61D74E15F769}" type="datetimeFigureOut">
               <a:rPr lang="ru-RU" smtClean="0"/>
               <a:pPr/>
-              <a:t>24.05.2020</a:t>
+              <a:t>26.05.2020</a:t>
             </a:fld>
             <a:endParaRPr lang="ru-RU"/>
           </a:p>
@@ -7380,7 +7380,7 @@
             <a:fld id="{3FCDD233-0873-47C9-A30F-61D74E15F769}" type="datetimeFigureOut">
               <a:rPr lang="ru-RU" smtClean="0"/>
               <a:pPr/>
-              <a:t>24.05.2020</a:t>
+              <a:t>26.05.2020</a:t>
             </a:fld>
             <a:endParaRPr lang="ru-RU"/>
           </a:p>
@@ -10515,17 +10515,7 @@
                 <a:latin typeface="Times New Roman" pitchFamily="18" charset="0"/>
                 <a:cs typeface="Times New Roman" pitchFamily="18" charset="0"/>
               </a:rPr>
-              <a:t>Проектирование учетной </a:t>
-            </a:r>
-            <a:r>
-              <a:rPr lang="ru-RU" sz="3200" dirty="0" smtClean="0">
-                <a:solidFill>
-                  <a:schemeClr val="bg1"/>
-                </a:solidFill>
-                <a:latin typeface="Times New Roman" pitchFamily="18" charset="0"/>
-                <a:cs typeface="Times New Roman" pitchFamily="18" charset="0"/>
-              </a:rPr>
-              <a:t>системы</a:t>
+              <a:t>Проектирование учетной системы</a:t>
             </a:r>
             <a:endParaRPr lang="ru-RU" sz="3200" dirty="0">
               <a:solidFill>
@@ -12424,6 +12414,14 @@
 <file path=ppt/slides/slide3.xml><?xml version="1.0" encoding="utf-8"?>
 <p:sld xmlns:a="http://schemas.openxmlformats.org/drawingml/2006/main" xmlns:r="http://schemas.openxmlformats.org/officeDocument/2006/relationships" xmlns:p="http://schemas.openxmlformats.org/presentationml/2006/main">
   <p:cSld>
+    <p:bg>
+      <p:bgPr>
+        <a:solidFill>
+          <a:schemeClr val="bg1"/>
+        </a:solidFill>
+        <a:effectLst/>
+      </p:bgPr>
+    </p:bg>
     <p:spTree>
       <p:nvGrpSpPr>
         <p:cNvPr id="1" name=""/>
@@ -12445,7 +12443,7 @@
             <a:picLocks noGrp="1" noChangeAspect="1"/>
           </p:cNvPicPr>
           <p:nvPr>
-            <p:ph idx="1"/>
+            <p:ph sz="half" idx="1"/>
           </p:nvPr>
         </p:nvPicPr>
         <p:blipFill>
@@ -12456,14 +12454,14 @@
         </p:blipFill>
         <p:spPr>
           <a:xfrm>
-            <a:off x="4716016" y="1412776"/>
-            <a:ext cx="4232018" cy="5160694"/>
+            <a:off x="2483768" y="490662"/>
+            <a:ext cx="5066831" cy="6178698"/>
           </a:xfrm>
         </p:spPr>
       </p:pic>
       <p:sp>
         <p:nvSpPr>
-          <p:cNvPr id="3" name="Заголовок 2"/>
+          <p:cNvPr id="11" name="Заголовок 2"/>
           <p:cNvSpPr>
             <a:spLocks noGrp="1"/>
           </p:cNvSpPr>
@@ -12472,11 +12470,11 @@
           </p:nvPr>
         </p:nvSpPr>
         <p:spPr>
-          <a:solidFill>
-            <a:schemeClr val="bg2">
-              <a:lumMod val="50000"/>
-            </a:schemeClr>
-          </a:solidFill>
+          <a:xfrm>
+            <a:off x="899592" y="0"/>
+            <a:ext cx="7481776" cy="457200"/>
+          </a:xfrm>
+          <a:noFill/>
         </p:spPr>
         <p:txBody>
           <a:bodyPr>
@@ -12487,299 +12485,27 @@
             <a:r>
               <a:rPr lang="ru-RU" sz="3200" dirty="0" smtClean="0">
                 <a:solidFill>
-                  <a:schemeClr val="bg1"/>
+                  <a:schemeClr val="tx1"/>
                 </a:solidFill>
                 <a:latin typeface="Times New Roman" pitchFamily="18" charset="0"/>
                 <a:cs typeface="Times New Roman" pitchFamily="18" charset="0"/>
               </a:rPr>
-              <a:t>Упрощенная схема документооборота Оптовые продажи</a:t>
-            </a:r>
+              <a:t>Упрощенная схема документооборота </a:t>
+            </a:r>
+            <a:br>
+              <a:rPr lang="ru-RU" sz="3200" dirty="0" smtClean="0">
+                <a:solidFill>
+                  <a:schemeClr val="tx1"/>
+                </a:solidFill>
+                <a:latin typeface="Times New Roman" pitchFamily="18" charset="0"/>
+                <a:cs typeface="Times New Roman" pitchFamily="18" charset="0"/>
+              </a:rPr>
+            </a:br>
             <a:endParaRPr lang="ru-RU" sz="3200" dirty="0">
               <a:solidFill>
-                <a:schemeClr val="bg1"/>
+                <a:schemeClr val="tx1"/>
               </a:solidFill>
               <a:latin typeface="Times New Roman" pitchFamily="18" charset="0"/>
-              <a:cs typeface="Times New Roman" pitchFamily="18" charset="0"/>
-            </a:endParaRPr>
-          </a:p>
-        </p:txBody>
-      </p:sp>
-      <p:sp>
-        <p:nvSpPr>
-          <p:cNvPr id="5" name="Заголовок 2"/>
-          <p:cNvSpPr txBox="1">
-            <a:spLocks/>
-          </p:cNvSpPr>
-          <p:nvPr/>
-        </p:nvSpPr>
-        <p:spPr>
-          <a:xfrm>
-            <a:off x="467544" y="1700808"/>
-            <a:ext cx="4392488" cy="4392488"/>
-          </a:xfrm>
-          <a:prstGeom prst="rect">
-            <a:avLst/>
-          </a:prstGeom>
-          <a:noFill/>
-        </p:spPr>
-        <p:txBody>
-          <a:bodyPr vert="horz" rtlCol="0" anchor="ctr">
-            <a:noAutofit/>
-            <a:scene3d>
-              <a:camera prst="orthographicFront"/>
-              <a:lightRig rig="soft" dir="t"/>
-            </a:scene3d>
-            <a:sp3d prstMaterial="softEdge">
-              <a:bevelT w="25400" h="25400"/>
-            </a:sp3d>
-          </a:bodyPr>
-          <a:lstStyle/>
-          <a:p>
-            <a:pPr marR="0" lvl="0" algn="l" defTabSz="914400" rtl="0" eaLnBrk="1" fontAlgn="auto" latinLnBrk="0" hangingPunct="1">
-              <a:lnSpc>
-                <a:spcPct val="100000"/>
-              </a:lnSpc>
-              <a:spcBef>
-                <a:spcPct val="0"/>
-              </a:spcBef>
-              <a:spcAft>
-                <a:spcPts val="0"/>
-              </a:spcAft>
-              <a:buClrTx/>
-              <a:buSzTx/>
-              <a:tabLst/>
-              <a:defRPr/>
-            </a:pPr>
-            <a:r>
-              <a:rPr lang="ru-RU" sz="2400" b="1" dirty="0" smtClean="0">
-                <a:latin typeface="Times New Roman" pitchFamily="18" charset="0"/>
-                <a:ea typeface="+mj-ea"/>
-                <a:cs typeface="Times New Roman" pitchFamily="18" charset="0"/>
-              </a:rPr>
-              <a:t>Основные этапы:</a:t>
-            </a:r>
-          </a:p>
-          <a:p>
-            <a:pPr marL="87313" marR="0" lvl="0" algn="l" defTabSz="914400" rtl="0" eaLnBrk="1" fontAlgn="auto" latinLnBrk="0" hangingPunct="1">
-              <a:lnSpc>
-                <a:spcPct val="100000"/>
-              </a:lnSpc>
-              <a:spcBef>
-                <a:spcPct val="0"/>
-              </a:spcBef>
-              <a:spcAft>
-                <a:spcPts val="0"/>
-              </a:spcAft>
-              <a:buClrTx/>
-              <a:buSzTx/>
-              <a:buFont typeface="Arial" pitchFamily="34" charset="0"/>
-              <a:buChar char="•"/>
-              <a:tabLst/>
-              <a:defRPr/>
-            </a:pPr>
-            <a:r>
-              <a:rPr lang="ru-RU" sz="2400" dirty="0" smtClean="0">
-                <a:latin typeface="Times New Roman" pitchFamily="18" charset="0"/>
-                <a:ea typeface="+mj-ea"/>
-                <a:cs typeface="Times New Roman" pitchFamily="18" charset="0"/>
-              </a:rPr>
-              <a:t> поступление товара от поставщика;</a:t>
-            </a:r>
-          </a:p>
-          <a:p>
-            <a:pPr marL="87313" marR="0" lvl="0" algn="l" defTabSz="914400" rtl="0" eaLnBrk="1" fontAlgn="auto" latinLnBrk="0" hangingPunct="1">
-              <a:lnSpc>
-                <a:spcPct val="100000"/>
-              </a:lnSpc>
-              <a:spcBef>
-                <a:spcPct val="0"/>
-              </a:spcBef>
-              <a:spcAft>
-                <a:spcPts val="0"/>
-              </a:spcAft>
-              <a:buClrTx/>
-              <a:buSzTx/>
-              <a:buFont typeface="Arial" pitchFamily="34" charset="0"/>
-              <a:buChar char="•"/>
-              <a:tabLst/>
-              <a:defRPr/>
-            </a:pPr>
-            <a:r>
-              <a:rPr lang="ru-RU" sz="2400" dirty="0" smtClean="0">
-                <a:latin typeface="Times New Roman" pitchFamily="18" charset="0"/>
-                <a:ea typeface="+mj-ea"/>
-                <a:cs typeface="Times New Roman" pitchFamily="18" charset="0"/>
-              </a:rPr>
-              <a:t> приемка товара по качеству и количеству;</a:t>
-            </a:r>
-          </a:p>
-          <a:p>
-            <a:pPr marL="87313" marR="0" lvl="0" algn="l" defTabSz="914400" rtl="0" eaLnBrk="1" fontAlgn="auto" latinLnBrk="0" hangingPunct="1">
-              <a:lnSpc>
-                <a:spcPct val="100000"/>
-              </a:lnSpc>
-              <a:spcBef>
-                <a:spcPct val="0"/>
-              </a:spcBef>
-              <a:spcAft>
-                <a:spcPts val="0"/>
-              </a:spcAft>
-              <a:buClrTx/>
-              <a:buSzTx/>
-              <a:buFont typeface="Arial" pitchFamily="34" charset="0"/>
-              <a:buChar char="•"/>
-              <a:tabLst/>
-              <a:defRPr/>
-            </a:pPr>
-            <a:r>
-              <a:rPr lang="ru-RU" sz="2400" dirty="0" smtClean="0">
-                <a:latin typeface="Times New Roman" pitchFamily="18" charset="0"/>
-                <a:ea typeface="+mj-ea"/>
-                <a:cs typeface="Times New Roman" pitchFamily="18" charset="0"/>
-              </a:rPr>
-              <a:t> возврат товара поставщику;</a:t>
-            </a:r>
-          </a:p>
-          <a:p>
-            <a:pPr marL="87313" marR="0" lvl="0" algn="l" defTabSz="914400" rtl="0" eaLnBrk="1" fontAlgn="auto" latinLnBrk="0" hangingPunct="1">
-              <a:lnSpc>
-                <a:spcPct val="100000"/>
-              </a:lnSpc>
-              <a:spcBef>
-                <a:spcPct val="0"/>
-              </a:spcBef>
-              <a:spcAft>
-                <a:spcPts val="0"/>
-              </a:spcAft>
-              <a:buClrTx/>
-              <a:buSzTx/>
-              <a:buFont typeface="Arial" pitchFamily="34" charset="0"/>
-              <a:buChar char="•"/>
-              <a:tabLst/>
-              <a:defRPr/>
-            </a:pPr>
-            <a:r>
-              <a:rPr lang="ru-RU" sz="2400" dirty="0" smtClean="0">
-                <a:latin typeface="Times New Roman" pitchFamily="18" charset="0"/>
-                <a:ea typeface="+mj-ea"/>
-                <a:cs typeface="Times New Roman" pitchFamily="18" charset="0"/>
-              </a:rPr>
-              <a:t> установка цен номенклатуры;</a:t>
-            </a:r>
-          </a:p>
-          <a:p>
-            <a:pPr marL="87313" marR="0" lvl="0" algn="l" defTabSz="914400" rtl="0" eaLnBrk="1" fontAlgn="auto" latinLnBrk="0" hangingPunct="1">
-              <a:lnSpc>
-                <a:spcPct val="100000"/>
-              </a:lnSpc>
-              <a:spcBef>
-                <a:spcPct val="0"/>
-              </a:spcBef>
-              <a:spcAft>
-                <a:spcPts val="0"/>
-              </a:spcAft>
-              <a:buClrTx/>
-              <a:buSzTx/>
-              <a:buFont typeface="Arial" pitchFamily="34" charset="0"/>
-              <a:buChar char="•"/>
-              <a:tabLst/>
-              <a:defRPr/>
-            </a:pPr>
-            <a:r>
-              <a:rPr lang="ru-RU" sz="2400" dirty="0" smtClean="0">
-                <a:latin typeface="Times New Roman" pitchFamily="18" charset="0"/>
-                <a:ea typeface="+mj-ea"/>
-                <a:cs typeface="Times New Roman" pitchFamily="18" charset="0"/>
-              </a:rPr>
-              <a:t> перемещение товара на розничные склады;</a:t>
-            </a:r>
-          </a:p>
-          <a:p>
-            <a:pPr marL="87313" marR="0" lvl="0" algn="l" defTabSz="914400" rtl="0" eaLnBrk="1" fontAlgn="auto" latinLnBrk="0" hangingPunct="1">
-              <a:lnSpc>
-                <a:spcPct val="100000"/>
-              </a:lnSpc>
-              <a:spcBef>
-                <a:spcPct val="0"/>
-              </a:spcBef>
-              <a:spcAft>
-                <a:spcPts val="0"/>
-              </a:spcAft>
-              <a:buClrTx/>
-              <a:buSzTx/>
-              <a:buFont typeface="Arial" pitchFamily="34" charset="0"/>
-              <a:buChar char="•"/>
-              <a:tabLst/>
-              <a:defRPr/>
-            </a:pPr>
-            <a:r>
-              <a:rPr lang="ru-RU" sz="2400" dirty="0" smtClean="0">
-                <a:latin typeface="Times New Roman" pitchFamily="18" charset="0"/>
-                <a:ea typeface="+mj-ea"/>
-                <a:cs typeface="Times New Roman" pitchFamily="18" charset="0"/>
-              </a:rPr>
-              <a:t> реализация товаров и услуг.</a:t>
-            </a:r>
-          </a:p>
-          <a:p>
-            <a:pPr marL="0" marR="0" lvl="0" indent="0" algn="l" defTabSz="914400" rtl="0" eaLnBrk="1" fontAlgn="auto" latinLnBrk="0" hangingPunct="1">
-              <a:lnSpc>
-                <a:spcPct val="100000"/>
-              </a:lnSpc>
-              <a:spcBef>
-                <a:spcPct val="0"/>
-              </a:spcBef>
-              <a:spcAft>
-                <a:spcPts val="0"/>
-              </a:spcAft>
-              <a:buClrTx/>
-              <a:buSzTx/>
-              <a:buFont typeface="Arial" pitchFamily="34" charset="0"/>
-              <a:buChar char="•"/>
-              <a:tabLst/>
-              <a:defRPr/>
-            </a:pPr>
-            <a:endParaRPr lang="ru-RU" sz="3200" dirty="0" smtClean="0">
-              <a:effectLst>
-                <a:outerShdw blurRad="31750" dist="25400" dir="5400000" algn="tl" rotWithShape="0">
-                  <a:srgbClr val="000000">
-                    <a:alpha val="25000"/>
-                  </a:srgbClr>
-                </a:outerShdw>
-              </a:effectLst>
-              <a:latin typeface="Times New Roman" pitchFamily="18" charset="0"/>
-              <a:ea typeface="+mj-ea"/>
-              <a:cs typeface="Times New Roman" pitchFamily="18" charset="0"/>
-            </a:endParaRPr>
-          </a:p>
-          <a:p>
-            <a:pPr marL="0" marR="0" lvl="0" indent="0" algn="l" defTabSz="914400" rtl="0" eaLnBrk="1" fontAlgn="auto" latinLnBrk="0" hangingPunct="1">
-              <a:lnSpc>
-                <a:spcPct val="100000"/>
-              </a:lnSpc>
-              <a:spcBef>
-                <a:spcPct val="0"/>
-              </a:spcBef>
-              <a:spcAft>
-                <a:spcPts val="0"/>
-              </a:spcAft>
-              <a:buClrTx/>
-              <a:buSzTx/>
-              <a:buFont typeface="Arial" pitchFamily="34" charset="0"/>
-              <a:buChar char="•"/>
-              <a:tabLst/>
-              <a:defRPr/>
-            </a:pPr>
-            <a:endParaRPr lang="ru-RU" sz="3200" dirty="0" smtClean="0">
-              <a:effectLst>
-                <a:outerShdw blurRad="31750" dist="25400" dir="5400000" algn="tl" rotWithShape="0">
-                  <a:srgbClr val="000000">
-                    <a:alpha val="25000"/>
-                  </a:srgbClr>
-                </a:outerShdw>
-              </a:effectLst>
-              <a:latin typeface="Times New Roman" pitchFamily="18" charset="0"/>
-              <a:ea typeface="+mj-ea"/>
               <a:cs typeface="Times New Roman" pitchFamily="18" charset="0"/>
             </a:endParaRPr>
           </a:p>
@@ -13981,6 +13707,58 @@
           <a:chExt cx="0" cy="0"/>
         </a:xfrm>
       </p:grpSpPr>
+      <p:sp>
+        <p:nvSpPr>
+          <p:cNvPr id="3" name="Заголовок 2"/>
+          <p:cNvSpPr>
+            <a:spLocks noGrp="1"/>
+          </p:cNvSpPr>
+          <p:nvPr>
+            <p:ph type="title"/>
+          </p:nvPr>
+        </p:nvSpPr>
+        <p:spPr>
+          <a:xfrm>
+            <a:off x="899592" y="0"/>
+            <a:ext cx="7481776" cy="457200"/>
+          </a:xfrm>
+          <a:noFill/>
+        </p:spPr>
+        <p:txBody>
+          <a:bodyPr>
+            <a:noAutofit/>
+          </a:bodyPr>
+          <a:lstStyle/>
+          <a:p>
+            <a:r>
+              <a:rPr lang="ru-RU" sz="3200" dirty="0" smtClean="0">
+                <a:solidFill>
+                  <a:schemeClr val="tx1"/>
+                </a:solidFill>
+                <a:latin typeface="Times New Roman" pitchFamily="18" charset="0"/>
+                <a:cs typeface="Times New Roman" pitchFamily="18" charset="0"/>
+              </a:rPr>
+              <a:t>Упрощенная схема документооборота </a:t>
+            </a:r>
+            <a:br>
+              <a:rPr lang="ru-RU" sz="3200" dirty="0" smtClean="0">
+                <a:solidFill>
+                  <a:schemeClr val="tx1"/>
+                </a:solidFill>
+                <a:latin typeface="Times New Roman" pitchFamily="18" charset="0"/>
+                <a:cs typeface="Times New Roman" pitchFamily="18" charset="0"/>
+              </a:rPr>
+            </a:br>
+            <a:endParaRPr lang="ru-RU" sz="3200" dirty="0">
+              <a:solidFill>
+                <a:schemeClr val="tx1"/>
+              </a:solidFill>
+              <a:latin typeface="Times New Roman" pitchFamily="18" charset="0"/>
+              <a:cs typeface="Times New Roman" pitchFamily="18" charset="0"/>
+            </a:endParaRPr>
+          </a:p>
+        </p:txBody>
+      </p:sp>
       <p:pic>
         <p:nvPicPr>
           <p:cNvPr id="7" name="Содержимое 6" descr="розница.jpg"/>
@@ -13988,338 +13766,23 @@
             <a:picLocks noGrp="1" noChangeAspect="1"/>
           </p:cNvPicPr>
           <p:nvPr>
-            <p:ph idx="1"/>
+            <p:ph sz="half" idx="1"/>
           </p:nvPr>
         </p:nvPicPr>
         <p:blipFill>
           <a:blip r:embed="rId2" cstate="print"/>
+          <a:srcRect t="1624" b="1607"/>
           <a:stretch>
             <a:fillRect/>
           </a:stretch>
         </p:blipFill>
         <p:spPr>
           <a:xfrm>
-            <a:off x="4932040" y="1412776"/>
-            <a:ext cx="3830160" cy="5184576"/>
+            <a:off x="2699792" y="548680"/>
+            <a:ext cx="4536504" cy="6120680"/>
           </a:xfrm>
         </p:spPr>
       </p:pic>
-      <p:sp>
-        <p:nvSpPr>
-          <p:cNvPr id="3" name="Заголовок 2"/>
-          <p:cNvSpPr>
-            <a:spLocks noGrp="1"/>
-          </p:cNvSpPr>
-          <p:nvPr>
-            <p:ph type="title"/>
-          </p:nvPr>
-        </p:nvSpPr>
-        <p:spPr>
-          <a:solidFill>
-            <a:schemeClr val="bg2">
-              <a:lumMod val="50000"/>
-            </a:schemeClr>
-          </a:solidFill>
-        </p:spPr>
-        <p:txBody>
-          <a:bodyPr>
-            <a:noAutofit/>
-          </a:bodyPr>
-          <a:lstStyle/>
-          <a:p>
-            <a:r>
-              <a:rPr lang="ru-RU" sz="3200" dirty="0" smtClean="0">
-                <a:solidFill>
-                  <a:schemeClr val="bg1"/>
-                </a:solidFill>
-                <a:latin typeface="Times New Roman" pitchFamily="18" charset="0"/>
-                <a:cs typeface="Times New Roman" pitchFamily="18" charset="0"/>
-              </a:rPr>
-              <a:t>Упрощенная схема документооборота </a:t>
-            </a:r>
-            <a:br>
-              <a:rPr lang="ru-RU" sz="3200" dirty="0" smtClean="0">
-                <a:solidFill>
-                  <a:schemeClr val="bg1"/>
-                </a:solidFill>
-                <a:latin typeface="Times New Roman" pitchFamily="18" charset="0"/>
-                <a:cs typeface="Times New Roman" pitchFamily="18" charset="0"/>
-              </a:rPr>
-            </a:br>
-            <a:r>
-              <a:rPr lang="ru-RU" sz="3200" dirty="0" smtClean="0">
-                <a:solidFill>
-                  <a:schemeClr val="bg1"/>
-                </a:solidFill>
-                <a:latin typeface="Times New Roman" pitchFamily="18" charset="0"/>
-                <a:cs typeface="Times New Roman" pitchFamily="18" charset="0"/>
-              </a:rPr>
-              <a:t>Розничные продажи</a:t>
-            </a:r>
-            <a:endParaRPr lang="ru-RU" sz="3200" dirty="0">
-              <a:solidFill>
-                <a:schemeClr val="bg1"/>
-              </a:solidFill>
-              <a:latin typeface="Times New Roman" pitchFamily="18" charset="0"/>
-              <a:cs typeface="Times New Roman" pitchFamily="18" charset="0"/>
-            </a:endParaRPr>
-          </a:p>
-        </p:txBody>
-      </p:sp>
-      <p:sp>
-        <p:nvSpPr>
-          <p:cNvPr id="5" name="Заголовок 2"/>
-          <p:cNvSpPr txBox="1">
-            <a:spLocks/>
-          </p:cNvSpPr>
-          <p:nvPr/>
-        </p:nvSpPr>
-        <p:spPr>
-          <a:xfrm>
-            <a:off x="467544" y="1700808"/>
-            <a:ext cx="4392488" cy="4104456"/>
-          </a:xfrm>
-          <a:prstGeom prst="rect">
-            <a:avLst/>
-          </a:prstGeom>
-          <a:noFill/>
-        </p:spPr>
-        <p:txBody>
-          <a:bodyPr vert="horz" rtlCol="0" anchor="ctr">
-            <a:noAutofit/>
-            <a:scene3d>
-              <a:camera prst="orthographicFront"/>
-              <a:lightRig rig="soft" dir="t"/>
-            </a:scene3d>
-            <a:sp3d prstMaterial="softEdge">
-              <a:bevelT w="25400" h="25400"/>
-            </a:sp3d>
-          </a:bodyPr>
-          <a:lstStyle/>
-          <a:p>
-            <a:pPr marR="0" lvl="0" algn="l" defTabSz="914400" rtl="0" eaLnBrk="1" fontAlgn="auto" latinLnBrk="0" hangingPunct="1">
-              <a:lnSpc>
-                <a:spcPct val="100000"/>
-              </a:lnSpc>
-              <a:spcBef>
-                <a:spcPct val="0"/>
-              </a:spcBef>
-              <a:spcAft>
-                <a:spcPts val="0"/>
-              </a:spcAft>
-              <a:buClrTx/>
-              <a:buSzTx/>
-              <a:tabLst/>
-              <a:defRPr/>
-            </a:pPr>
-            <a:r>
-              <a:rPr lang="ru-RU" sz="2400" b="1" dirty="0" smtClean="0">
-                <a:latin typeface="Times New Roman" pitchFamily="18" charset="0"/>
-                <a:ea typeface="+mj-ea"/>
-                <a:cs typeface="Times New Roman" pitchFamily="18" charset="0"/>
-              </a:rPr>
-              <a:t>Основные этапы:</a:t>
-            </a:r>
-          </a:p>
-          <a:p>
-            <a:pPr marL="87313" marR="0" lvl="0" algn="l" defTabSz="914400" rtl="0" eaLnBrk="1" fontAlgn="auto" latinLnBrk="0" hangingPunct="1">
-              <a:lnSpc>
-                <a:spcPct val="100000"/>
-              </a:lnSpc>
-              <a:spcBef>
-                <a:spcPct val="0"/>
-              </a:spcBef>
-              <a:spcAft>
-                <a:spcPts val="0"/>
-              </a:spcAft>
-              <a:buClrTx/>
-              <a:buSzTx/>
-              <a:buFont typeface="Arial" pitchFamily="34" charset="0"/>
-              <a:buChar char="•"/>
-              <a:tabLst/>
-              <a:defRPr/>
-            </a:pPr>
-            <a:r>
-              <a:rPr lang="ru-RU" sz="2400" dirty="0" smtClean="0">
-                <a:latin typeface="Times New Roman" pitchFamily="18" charset="0"/>
-                <a:ea typeface="+mj-ea"/>
-                <a:cs typeface="Times New Roman" pitchFamily="18" charset="0"/>
-              </a:rPr>
-              <a:t> поступление товара с оптового склада;</a:t>
-            </a:r>
-          </a:p>
-          <a:p>
-            <a:pPr marL="87313" marR="0" lvl="0" algn="l" defTabSz="914400" rtl="0" eaLnBrk="1" fontAlgn="auto" latinLnBrk="0" hangingPunct="1">
-              <a:lnSpc>
-                <a:spcPct val="100000"/>
-              </a:lnSpc>
-              <a:spcBef>
-                <a:spcPct val="0"/>
-              </a:spcBef>
-              <a:spcAft>
-                <a:spcPts val="0"/>
-              </a:spcAft>
-              <a:buClrTx/>
-              <a:buSzTx/>
-              <a:buFont typeface="Arial" pitchFamily="34" charset="0"/>
-              <a:buChar char="•"/>
-              <a:tabLst/>
-              <a:defRPr/>
-            </a:pPr>
-            <a:r>
-              <a:rPr lang="ru-RU" sz="2400" dirty="0" smtClean="0">
-                <a:latin typeface="Times New Roman" pitchFamily="18" charset="0"/>
-                <a:ea typeface="+mj-ea"/>
-                <a:cs typeface="Times New Roman" pitchFamily="18" charset="0"/>
-              </a:rPr>
-              <a:t> приемка товара по качеству и количеству;</a:t>
-            </a:r>
-          </a:p>
-          <a:p>
-            <a:pPr marL="87313" marR="0" lvl="0" algn="l" defTabSz="914400" rtl="0" eaLnBrk="1" fontAlgn="auto" latinLnBrk="0" hangingPunct="1">
-              <a:lnSpc>
-                <a:spcPct val="100000"/>
-              </a:lnSpc>
-              <a:spcBef>
-                <a:spcPct val="0"/>
-              </a:spcBef>
-              <a:spcAft>
-                <a:spcPts val="0"/>
-              </a:spcAft>
-              <a:buClrTx/>
-              <a:buSzTx/>
-              <a:buFont typeface="Arial" pitchFamily="34" charset="0"/>
-              <a:buChar char="•"/>
-              <a:tabLst/>
-              <a:defRPr/>
-            </a:pPr>
-            <a:r>
-              <a:rPr lang="ru-RU" sz="2400" dirty="0" smtClean="0">
-                <a:latin typeface="Times New Roman" pitchFamily="18" charset="0"/>
-                <a:ea typeface="+mj-ea"/>
-                <a:cs typeface="Times New Roman" pitchFamily="18" charset="0"/>
-              </a:rPr>
-              <a:t> возврат товара на оптовый склад;</a:t>
-            </a:r>
-          </a:p>
-          <a:p>
-            <a:pPr marL="87313" marR="0" lvl="0" algn="l" defTabSz="914400" rtl="0" eaLnBrk="1" fontAlgn="auto" latinLnBrk="0" hangingPunct="1">
-              <a:lnSpc>
-                <a:spcPct val="100000"/>
-              </a:lnSpc>
-              <a:spcBef>
-                <a:spcPct val="0"/>
-              </a:spcBef>
-              <a:spcAft>
-                <a:spcPts val="0"/>
-              </a:spcAft>
-              <a:buClrTx/>
-              <a:buSzTx/>
-              <a:buFont typeface="Arial" pitchFamily="34" charset="0"/>
-              <a:buChar char="•"/>
-              <a:tabLst/>
-              <a:defRPr/>
-            </a:pPr>
-            <a:r>
-              <a:rPr lang="ru-RU" sz="2400" dirty="0" smtClean="0">
-                <a:latin typeface="Times New Roman" pitchFamily="18" charset="0"/>
-                <a:ea typeface="+mj-ea"/>
-                <a:cs typeface="Times New Roman" pitchFamily="18" charset="0"/>
-              </a:rPr>
-              <a:t> установка цен номенклатуры;</a:t>
-            </a:r>
-          </a:p>
-          <a:p>
-            <a:pPr marL="87313" marR="0" lvl="0" algn="l" defTabSz="914400" rtl="0" eaLnBrk="1" fontAlgn="auto" latinLnBrk="0" hangingPunct="1">
-              <a:lnSpc>
-                <a:spcPct val="100000"/>
-              </a:lnSpc>
-              <a:spcBef>
-                <a:spcPct val="0"/>
-              </a:spcBef>
-              <a:spcAft>
-                <a:spcPts val="0"/>
-              </a:spcAft>
-              <a:buClrTx/>
-              <a:buSzTx/>
-              <a:buFont typeface="Arial" pitchFamily="34" charset="0"/>
-              <a:buChar char="•"/>
-              <a:tabLst/>
-              <a:defRPr/>
-            </a:pPr>
-            <a:r>
-              <a:rPr lang="ru-RU" sz="2400" dirty="0" smtClean="0">
-                <a:latin typeface="Times New Roman" pitchFamily="18" charset="0"/>
-                <a:ea typeface="+mj-ea"/>
-                <a:cs typeface="Times New Roman" pitchFamily="18" charset="0"/>
-              </a:rPr>
-              <a:t> реализация товаров и услуг.</a:t>
-            </a:r>
-          </a:p>
-          <a:p>
-            <a:pPr marL="0" marR="0" lvl="0" indent="0" algn="l" defTabSz="914400" rtl="0" eaLnBrk="1" fontAlgn="auto" latinLnBrk="0" hangingPunct="1">
-              <a:lnSpc>
-                <a:spcPct val="100000"/>
-              </a:lnSpc>
-              <a:spcBef>
-                <a:spcPct val="0"/>
-              </a:spcBef>
-              <a:spcAft>
-                <a:spcPts val="0"/>
-              </a:spcAft>
-              <a:buClrTx/>
-              <a:buSzTx/>
-              <a:buFont typeface="Arial" pitchFamily="34" charset="0"/>
-              <a:buChar char="•"/>
-              <a:tabLst/>
-              <a:defRPr/>
-            </a:pPr>
-            <a:endParaRPr lang="ru-RU" sz="3200" dirty="0" smtClean="0">
-              <a:effectLst>
-                <a:outerShdw blurRad="31750" dist="25400" dir="5400000" algn="tl" rotWithShape="0">
-                  <a:srgbClr val="000000">
-                    <a:alpha val="25000"/>
-                  </a:srgbClr>
-                </a:outerShdw>
-              </a:effectLst>
-              <a:latin typeface="Times New Roman" pitchFamily="18" charset="0"/>
-              <a:ea typeface="+mj-ea"/>
-              <a:cs typeface="Times New Roman" pitchFamily="18" charset="0"/>
-            </a:endParaRPr>
-          </a:p>
-          <a:p>
-            <a:pPr marL="0" marR="0" lvl="0" indent="0" algn="l" defTabSz="914400" rtl="0" eaLnBrk="1" fontAlgn="auto" latinLnBrk="0" hangingPunct="1">
-              <a:lnSpc>
-                <a:spcPct val="100000"/>
-              </a:lnSpc>
-              <a:spcBef>
-                <a:spcPct val="0"/>
-              </a:spcBef>
-              <a:spcAft>
-                <a:spcPts val="0"/>
-              </a:spcAft>
-              <a:buClrTx/>
-              <a:buSzTx/>
-              <a:buFont typeface="Arial" pitchFamily="34" charset="0"/>
-              <a:buChar char="•"/>
-              <a:tabLst/>
-              <a:defRPr/>
-            </a:pPr>
-            <a:endParaRPr lang="ru-RU" sz="3200" dirty="0" smtClean="0">
-              <a:effectLst>
-                <a:outerShdw blurRad="31750" dist="25400" dir="5400000" algn="tl" rotWithShape="0">
-                  <a:srgbClr val="000000">
-                    <a:alpha val="25000"/>
-                  </a:srgbClr>
-                </a:outerShdw>
-              </a:effectLst>
-              <a:latin typeface="Times New Roman" pitchFamily="18" charset="0"/>
-              <a:ea typeface="+mj-ea"/>
-              <a:cs typeface="Times New Roman" pitchFamily="18" charset="0"/>
-            </a:endParaRPr>
-          </a:p>
-        </p:txBody>
-      </p:sp>
     </p:spTree>
   </p:cSld>
   <p:clrMapOvr>
@@ -14868,21 +14331,7 @@
                 <a:latin typeface="Times New Roman" pitchFamily="18" charset="0"/>
                 <a:cs typeface="Times New Roman" pitchFamily="18" charset="0"/>
               </a:rPr>
-              <a:t> </a:t>
-            </a:r>
-            <a:r>
-              <a:rPr lang="ru-RU" sz="2400" dirty="0" err="1" smtClean="0">
-                <a:latin typeface="Times New Roman" pitchFamily="18" charset="0"/>
-                <a:cs typeface="Times New Roman" pitchFamily="18" charset="0"/>
-              </a:rPr>
-              <a:t>присечение</a:t>
-            </a:r>
-            <a:r>
-              <a:rPr lang="ru-RU" sz="2400" dirty="0" smtClean="0">
-                <a:latin typeface="Times New Roman" pitchFamily="18" charset="0"/>
-                <a:cs typeface="Times New Roman" pitchFamily="18" charset="0"/>
-              </a:rPr>
-              <a:t> угроз;</a:t>
+              <a:t> пресечение угроз;</a:t>
             </a:r>
           </a:p>
           <a:p>
@@ -14925,25 +14374,11 @@
               <a:t> </a:t>
             </a:r>
             <a:r>
-              <a:rPr lang="en-US" sz="2400" dirty="0" err="1" smtClean="0">
-                <a:latin typeface="Times New Roman" pitchFamily="18" charset="0"/>
-                <a:cs typeface="Times New Roman" pitchFamily="18" charset="0"/>
-              </a:rPr>
-              <a:t>криминальные</a:t>
-            </a:r>
-            <a:r>
               <a:rPr lang="en-US" sz="2400" dirty="0" smtClean="0">
                 <a:latin typeface="Times New Roman" pitchFamily="18" charset="0"/>
                 <a:cs typeface="Times New Roman" pitchFamily="18" charset="0"/>
               </a:rPr>
-              <a:t> </a:t>
-            </a:r>
-            <a:r>
-              <a:rPr lang="en-US" sz="2400" dirty="0" err="1" smtClean="0">
-                <a:latin typeface="Times New Roman" pitchFamily="18" charset="0"/>
-                <a:cs typeface="Times New Roman" pitchFamily="18" charset="0"/>
-              </a:rPr>
-              <a:t>структуры</a:t>
+              <a:t>криминальные структуры</a:t>
             </a:r>
             <a:r>
               <a:rPr lang="ru-RU" sz="2400" dirty="0" smtClean="0">
@@ -15247,7 +14682,7 @@
                 <a:latin typeface="Times New Roman" pitchFamily="18" charset="0"/>
                 <a:cs typeface="Times New Roman" pitchFamily="18" charset="0"/>
               </a:rPr>
-              <a:t> предоставление полной информации;</a:t>
+              <a:t> предоставление полной информации организации;</a:t>
             </a:r>
           </a:p>
           <a:p>
@@ -15260,7 +14695,7 @@
                 <a:latin typeface="Times New Roman" pitchFamily="18" charset="0"/>
                 <a:cs typeface="Times New Roman" pitchFamily="18" charset="0"/>
               </a:rPr>
-              <a:t> предоставление информации о состоянии и эффективности товарных запасов.</a:t>
+              <a:t> предоставление информации о товарных запасах.</a:t>
             </a:r>
           </a:p>
           <a:p>

--- a/Выпускная квалификационная работа.pptx
+++ b/Выпускная квалификационная работа.pptx
@@ -226,7 +226,7 @@
             <a:fld id="{6DD2198D-AA87-438E-AC3E-1AE87968A2FD}" type="datetimeFigureOut">
               <a:rPr lang="ru-RU" smtClean="0"/>
               <a:pPr/>
-              <a:t>24.05.2020</a:t>
+              <a:t>25.05.2020</a:t>
             </a:fld>
             <a:endParaRPr lang="ru-RU"/>
           </a:p>
@@ -3907,7 +3907,7 @@
             <a:fld id="{3FCDD233-0873-47C9-A30F-61D74E15F769}" type="datetimeFigureOut">
               <a:rPr lang="ru-RU" smtClean="0"/>
               <a:pPr/>
-              <a:t>24.05.2020</a:t>
+              <a:t>25.05.2020</a:t>
             </a:fld>
             <a:endParaRPr lang="ru-RU"/>
           </a:p>
@@ -4105,7 +4105,7 @@
             <a:fld id="{3FCDD233-0873-47C9-A30F-61D74E15F769}" type="datetimeFigureOut">
               <a:rPr lang="ru-RU" smtClean="0"/>
               <a:pPr/>
-              <a:t>24.05.2020</a:t>
+              <a:t>25.05.2020</a:t>
             </a:fld>
             <a:endParaRPr lang="ru-RU"/>
           </a:p>
@@ -4292,7 +4292,7 @@
             <a:fld id="{3FCDD233-0873-47C9-A30F-61D74E15F769}" type="datetimeFigureOut">
               <a:rPr lang="ru-RU" smtClean="0"/>
               <a:pPr/>
-              <a:t>24.05.2020</a:t>
+              <a:t>25.05.2020</a:t>
             </a:fld>
             <a:endParaRPr lang="ru-RU"/>
           </a:p>
@@ -4444,7 +4444,7 @@
             <a:fld id="{3FCDD233-0873-47C9-A30F-61D74E15F769}" type="datetimeFigureOut">
               <a:rPr lang="ru-RU" smtClean="0"/>
               <a:pPr/>
-              <a:t>24.05.2020</a:t>
+              <a:t>25.05.2020</a:t>
             </a:fld>
             <a:endParaRPr lang="ru-RU"/>
           </a:p>
@@ -4701,7 +4701,7 @@
             <a:fld id="{3FCDD233-0873-47C9-A30F-61D74E15F769}" type="datetimeFigureOut">
               <a:rPr lang="ru-RU" smtClean="0"/>
               <a:pPr/>
-              <a:t>24.05.2020</a:t>
+              <a:t>25.05.2020</a:t>
             </a:fld>
             <a:endParaRPr lang="ru-RU"/>
           </a:p>
@@ -5112,7 +5112,7 @@
             <a:fld id="{3FCDD233-0873-47C9-A30F-61D74E15F769}" type="datetimeFigureOut">
               <a:rPr lang="ru-RU" smtClean="0"/>
               <a:pPr/>
-              <a:t>24.05.2020</a:t>
+              <a:t>25.05.2020</a:t>
             </a:fld>
             <a:endParaRPr lang="ru-RU"/>
           </a:p>
@@ -5560,7 +5560,7 @@
             <a:fld id="{3FCDD233-0873-47C9-A30F-61D74E15F769}" type="datetimeFigureOut">
               <a:rPr lang="ru-RU" smtClean="0"/>
               <a:pPr/>
-              <a:t>24.05.2020</a:t>
+              <a:t>25.05.2020</a:t>
             </a:fld>
             <a:endParaRPr lang="ru-RU"/>
           </a:p>
@@ -5663,7 +5663,7 @@
             <a:fld id="{3FCDD233-0873-47C9-A30F-61D74E15F769}" type="datetimeFigureOut">
               <a:rPr lang="ru-RU" smtClean="0"/>
               <a:pPr/>
-              <a:t>24.05.2020</a:t>
+              <a:t>25.05.2020</a:t>
             </a:fld>
             <a:endParaRPr lang="ru-RU"/>
           </a:p>
@@ -5786,7 +5786,7 @@
             <a:fld id="{3FCDD233-0873-47C9-A30F-61D74E15F769}" type="datetimeFigureOut">
               <a:rPr lang="ru-RU" smtClean="0"/>
               <a:pPr/>
-              <a:t>24.05.2020</a:t>
+              <a:t>25.05.2020</a:t>
             </a:fld>
             <a:endParaRPr lang="ru-RU"/>
           </a:p>
@@ -6062,7 +6062,7 @@
             <a:fld id="{3FCDD233-0873-47C9-A30F-61D74E15F769}" type="datetimeFigureOut">
               <a:rPr lang="ru-RU" smtClean="0"/>
               <a:pPr/>
-              <a:t>24.05.2020</a:t>
+              <a:t>25.05.2020</a:t>
             </a:fld>
             <a:endParaRPr lang="ru-RU"/>
           </a:p>
@@ -6269,7 +6269,7 @@
             <a:fld id="{3FCDD233-0873-47C9-A30F-61D74E15F769}" type="datetimeFigureOut">
               <a:rPr lang="ru-RU" smtClean="0"/>
               <a:pPr/>
-              <a:t>24.05.2020</a:t>
+              <a:t>25.05.2020</a:t>
             </a:fld>
             <a:endParaRPr lang="ru-RU"/>
           </a:p>
@@ -7380,7 +7380,7 @@
             <a:fld id="{3FCDD233-0873-47C9-A30F-61D74E15F769}" type="datetimeFigureOut">
               <a:rPr lang="ru-RU" smtClean="0"/>
               <a:pPr/>
-              <a:t>24.05.2020</a:t>
+              <a:t>25.05.2020</a:t>
             </a:fld>
             <a:endParaRPr lang="ru-RU"/>
           </a:p>
@@ -8013,8 +8013,45 @@
                 <a:latin typeface="Times New Roman" pitchFamily="18" charset="0"/>
                 <a:cs typeface="Times New Roman" pitchFamily="18" charset="0"/>
               </a:rPr>
-              <a:t>Руководитель: Ланских Владимир Георгиевич.</a:t>
-            </a:r>
+              <a:t>Руководитель: </a:t>
+            </a:r>
+            <a:r>
+              <a:rPr lang="ru-RU" sz="2100" noProof="0" dirty="0" err="1" smtClean="0">
+                <a:solidFill>
+                  <a:schemeClr val="bg1"/>
+                </a:solidFill>
+                <a:latin typeface="Times New Roman" pitchFamily="18" charset="0"/>
+                <a:cs typeface="Times New Roman" pitchFamily="18" charset="0"/>
+              </a:rPr>
+              <a:t>Ланских</a:t>
+            </a:r>
+            <a:r>
+              <a:rPr lang="ru-RU" sz="2100" noProof="0" dirty="0" smtClean="0">
+                <a:solidFill>
+                  <a:schemeClr val="bg1"/>
+                </a:solidFill>
+                <a:latin typeface="Times New Roman" pitchFamily="18" charset="0"/>
+                <a:cs typeface="Times New Roman" pitchFamily="18" charset="0"/>
+              </a:rPr>
+              <a:t> </a:t>
+            </a:r>
+            <a:r>
+              <a:rPr lang="ru-RU" sz="2100" noProof="0" dirty="0" smtClean="0">
+                <a:solidFill>
+                  <a:schemeClr val="bg1"/>
+                </a:solidFill>
+                <a:latin typeface="Times New Roman" pitchFamily="18" charset="0"/>
+                <a:cs typeface="Times New Roman" pitchFamily="18" charset="0"/>
+              </a:rPr>
+              <a:t>В.Г., доцент кафедры САУ.</a:t>
+            </a:r>
+            <a:endParaRPr lang="ru-RU" sz="2100" noProof="0" dirty="0" smtClean="0">
+              <a:solidFill>
+                <a:schemeClr val="bg1"/>
+              </a:solidFill>
+              <a:latin typeface="Times New Roman" pitchFamily="18" charset="0"/>
+              <a:cs typeface="Times New Roman" pitchFamily="18" charset="0"/>
+            </a:endParaRPr>
           </a:p>
           <a:p>
             <a:pPr marL="0" marR="64008" lvl="0" indent="0" defTabSz="914400" rtl="0" eaLnBrk="1" fontAlgn="auto" latinLnBrk="0" hangingPunct="1">
@@ -8632,7 +8669,7 @@
 </file>
 
 <file path=ppt/slides/slide12.xml><?xml version="1.0" encoding="utf-8"?>
-<p:sld xmlns:a="http://schemas.openxmlformats.org/drawingml/2006/main" xmlns:r="http://schemas.openxmlformats.org/officeDocument/2006/relationships" xmlns:p="http://schemas.openxmlformats.org/presentationml/2006/main" show="0">
+<p:sld xmlns:a="http://schemas.openxmlformats.org/drawingml/2006/main" xmlns:r="http://schemas.openxmlformats.org/officeDocument/2006/relationships" xmlns:p="http://schemas.openxmlformats.org/presentationml/2006/main">
   <p:cSld>
     <p:spTree>
       <p:nvGrpSpPr>
@@ -8650,6 +8687,25 @@
       </p:grpSpPr>
       <p:sp>
         <p:nvSpPr>
+          <p:cNvPr id="7" name="Содержимое 6"/>
+          <p:cNvSpPr>
+            <a:spLocks noGrp="1"/>
+          </p:cNvSpPr>
+          <p:nvPr>
+            <p:ph idx="1"/>
+          </p:nvPr>
+        </p:nvSpPr>
+        <p:spPr/>
+        <p:txBody>
+          <a:bodyPr/>
+          <a:lstStyle/>
+          <a:p>
+            <a:endParaRPr lang="ru-RU"/>
+          </a:p>
+        </p:txBody>
+      </p:sp>
+      <p:sp>
+        <p:nvSpPr>
           <p:cNvPr id="3" name="Заголовок 2"/>
           <p:cNvSpPr>
             <a:spLocks noGrp="1"/>
@@ -8658,36 +8714,16 @@
             <p:ph type="title"/>
           </p:nvPr>
         </p:nvSpPr>
-        <p:spPr>
-          <a:solidFill>
-            <a:schemeClr val="bg2">
-              <a:lumMod val="50000"/>
-            </a:schemeClr>
-          </a:solidFill>
-        </p:spPr>
-        <p:txBody>
-          <a:bodyPr>
-            <a:noAutofit/>
-          </a:bodyPr>
+        <p:spPr/>
+        <p:txBody>
+          <a:bodyPr/>
           <a:lstStyle/>
           <a:p>
             <a:r>
-              <a:rPr lang="ru-RU" sz="3200" dirty="0" smtClean="0">
-                <a:solidFill>
-                  <a:schemeClr val="bg1"/>
-                </a:solidFill>
-                <a:latin typeface="Times New Roman" pitchFamily="18" charset="0"/>
-                <a:cs typeface="Times New Roman" pitchFamily="18" charset="0"/>
-              </a:rPr>
+              <a:rPr lang="ru-RU" smtClean="0"/>
               <a:t>Оценка важности критериев</a:t>
             </a:r>
-            <a:endParaRPr lang="ru-RU" sz="3200" dirty="0">
-              <a:solidFill>
-                <a:schemeClr val="bg1"/>
-              </a:solidFill>
-              <a:latin typeface="Times New Roman" pitchFamily="18" charset="0"/>
-              <a:cs typeface="Times New Roman" pitchFamily="18" charset="0"/>
-            </a:endParaRPr>
+            <a:endParaRPr lang="ru-RU" dirty="0"/>
           </a:p>
         </p:txBody>
       </p:sp>
@@ -10515,17 +10551,7 @@
                 <a:latin typeface="Times New Roman" pitchFamily="18" charset="0"/>
                 <a:cs typeface="Times New Roman" pitchFamily="18" charset="0"/>
               </a:rPr>
-              <a:t>Проектирование учетной </a:t>
-            </a:r>
-            <a:r>
-              <a:rPr lang="ru-RU" sz="3200" dirty="0" smtClean="0">
-                <a:solidFill>
-                  <a:schemeClr val="bg1"/>
-                </a:solidFill>
-                <a:latin typeface="Times New Roman" pitchFamily="18" charset="0"/>
-                <a:cs typeface="Times New Roman" pitchFamily="18" charset="0"/>
-              </a:rPr>
-              <a:t>системы</a:t>
+              <a:t>Проектирование учетной системы</a:t>
             </a:r>
             <a:endParaRPr lang="ru-RU" sz="3200" dirty="0">
               <a:solidFill>

--- a/Выпускная квалификационная работа.pptx
+++ b/Выпускная квалификационная работа.pptx
@@ -13,22 +13,22 @@
     <p:sldId id="258" r:id="rId4"/>
     <p:sldId id="259" r:id="rId5"/>
     <p:sldId id="260" r:id="rId6"/>
-    <p:sldId id="261" r:id="rId7"/>
-    <p:sldId id="262" r:id="rId8"/>
-    <p:sldId id="263" r:id="rId9"/>
-    <p:sldId id="264" r:id="rId10"/>
-    <p:sldId id="265" r:id="rId11"/>
-    <p:sldId id="266" r:id="rId12"/>
-    <p:sldId id="267" r:id="rId13"/>
-    <p:sldId id="268" r:id="rId14"/>
-    <p:sldId id="269" r:id="rId15"/>
-    <p:sldId id="270" r:id="rId16"/>
-    <p:sldId id="271" r:id="rId17"/>
-    <p:sldId id="272" r:id="rId18"/>
-    <p:sldId id="273" r:id="rId19"/>
-    <p:sldId id="274" r:id="rId20"/>
-    <p:sldId id="275" r:id="rId21"/>
-    <p:sldId id="276" r:id="rId22"/>
+    <p:sldId id="262" r:id="rId7"/>
+    <p:sldId id="276" r:id="rId8"/>
+    <p:sldId id="261" r:id="rId9"/>
+    <p:sldId id="275" r:id="rId10"/>
+    <p:sldId id="274" r:id="rId11"/>
+    <p:sldId id="263" r:id="rId12"/>
+    <p:sldId id="264" r:id="rId13"/>
+    <p:sldId id="265" r:id="rId14"/>
+    <p:sldId id="266" r:id="rId15"/>
+    <p:sldId id="267" r:id="rId16"/>
+    <p:sldId id="268" r:id="rId17"/>
+    <p:sldId id="269" r:id="rId18"/>
+    <p:sldId id="270" r:id="rId19"/>
+    <p:sldId id="271" r:id="rId20"/>
+    <p:sldId id="272" r:id="rId21"/>
+    <p:sldId id="273" r:id="rId22"/>
     <p:sldId id="277" r:id="rId23"/>
     <p:sldId id="278" r:id="rId24"/>
     <p:sldId id="279" r:id="rId25"/>
@@ -226,7 +226,7 @@
             <a:fld id="{6DD2198D-AA87-438E-AC3E-1AE87968A2FD}" type="datetimeFigureOut">
               <a:rPr lang="ru-RU" smtClean="0"/>
               <a:pPr/>
-              <a:t>25.05.2020</a:t>
+              <a:t>23.06.2020</a:t>
             </a:fld>
             <a:endParaRPr lang="ru-RU"/>
           </a:p>
@@ -560,7 +560,7 @@
             <a:fld id="{3E9C54AA-E9DE-4FB5-81A5-31822454A93D}" type="slidenum">
               <a:rPr lang="ru-RU" smtClean="0"/>
               <a:pPr/>
-              <a:t>7</a:t>
+              <a:t>6</a:t>
             </a:fld>
             <a:endParaRPr lang="ru-RU"/>
           </a:p>
@@ -709,6 +709,7 @@
           </a:bodyPr>
           <a:lstStyle/>
           <a:p>
+            <a:pPr lvl="0"/>
             <a:endParaRPr lang="ru-RU" sz="1200" kern="1200" dirty="0">
               <a:solidFill>
                 <a:schemeClr val="tx1"/>
@@ -798,17 +799,6 @@
           </a:bodyPr>
           <a:lstStyle/>
           <a:p>
-            <a:r>
-              <a:rPr lang="ru-RU" sz="1200" kern="1200" dirty="0" smtClean="0">
-                <a:solidFill>
-                  <a:schemeClr val="tx1"/>
-                </a:solidFill>
-                <a:latin typeface="+mn-lt"/>
-                <a:ea typeface="+mn-ea"/>
-                <a:cs typeface="+mn-cs"/>
-              </a:rPr>
-              <a:t>В сети компании используется уже установленная система «1С: Управление торговлей» со специализацией под нужды организации, функция полезности которой из произведенного нами анализа равна 47.27%, что еще раз доказывает ее эффективность  перед исследуемыми аналогами.</a:t>
-            </a:r>
             <a:endParaRPr lang="ru-RU" sz="1200" kern="1200" dirty="0">
               <a:solidFill>
                 <a:schemeClr val="tx1"/>
@@ -1076,6 +1066,17 @@
           </a:bodyPr>
           <a:lstStyle/>
           <a:p>
+            <a:r>
+              <a:rPr lang="ru-RU" sz="1200" kern="1200" dirty="0" smtClean="0">
+                <a:solidFill>
+                  <a:schemeClr val="tx1"/>
+                </a:solidFill>
+                <a:latin typeface="+mn-lt"/>
+                <a:ea typeface="+mn-ea"/>
+                <a:cs typeface="+mn-cs"/>
+              </a:rPr>
+              <a:t>В сети компании используется уже установленная система «1С: Управление торговлей» со специализацией под нужды организации, функция полезности которой из произведенного нами анализа равна 47.27%, что еще раз доказывает ее эффективность  перед исследуемыми аналогами.</a:t>
+            </a:r>
             <a:endParaRPr lang="ru-RU" sz="1200" kern="1200" dirty="0">
               <a:solidFill>
                 <a:schemeClr val="tx1"/>
@@ -1521,7 +1522,14 @@
           </a:bodyPr>
           <a:lstStyle/>
           <a:p>
-            <a:endParaRPr lang="ru-RU" dirty="0"/>
+            <a:endParaRPr lang="ru-RU" sz="1200" kern="1200" dirty="0">
+              <a:solidFill>
+                <a:schemeClr val="tx1"/>
+              </a:solidFill>
+              <a:latin typeface="+mn-lt"/>
+              <a:ea typeface="+mn-ea"/>
+              <a:cs typeface="+mn-cs"/>
+            </a:endParaRPr>
           </a:p>
         </p:txBody>
       </p:sp>
@@ -1543,7 +1551,7 @@
             <a:fld id="{3E9C54AA-E9DE-4FB5-81A5-31822454A93D}" type="slidenum">
               <a:rPr lang="ru-RU" smtClean="0"/>
               <a:pPr/>
-              <a:t>8</a:t>
+              <a:t>7</a:t>
             </a:fld>
             <a:endParaRPr lang="ru-RU"/>
           </a:p>
@@ -2400,155 +2408,18 @@
         <p:spPr/>
         <p:txBody>
           <a:bodyPr>
-            <a:normAutofit lnSpcReduction="10000"/>
+            <a:normAutofit/>
           </a:bodyPr>
           <a:lstStyle/>
           <a:p>
-            <a:r>
-              <a:rPr lang="ru-RU" sz="1200" kern="1200" dirty="0" smtClean="0">
-                <a:solidFill>
-                  <a:schemeClr val="tx1"/>
-                </a:solidFill>
-                <a:latin typeface="+mn-lt"/>
-                <a:ea typeface="+mn-ea"/>
-                <a:cs typeface="+mn-cs"/>
-              </a:rPr>
-              <a:t>1. Турбо бухгалтер</a:t>
-            </a:r>
-            <a:r>
-              <a:rPr lang="ru-RU" sz="1200" kern="1200" baseline="0" dirty="0" smtClean="0">
-                <a:solidFill>
-                  <a:schemeClr val="tx1"/>
-                </a:solidFill>
-                <a:latin typeface="+mn-lt"/>
-                <a:ea typeface="+mn-ea"/>
-                <a:cs typeface="+mn-cs"/>
-              </a:rPr>
-              <a:t> </a:t>
-            </a:r>
-            <a:r>
-              <a:rPr lang="ru-RU" sz="1200" b="0" i="0" kern="1200" dirty="0" smtClean="0">
-                <a:solidFill>
-                  <a:schemeClr val="tx1"/>
-                </a:solidFill>
-                <a:latin typeface="+mn-lt"/>
-                <a:ea typeface="+mn-ea"/>
-                <a:cs typeface="+mn-cs"/>
-              </a:rPr>
-              <a:t>универсальная программа автоматизации бухгалтерского и управленческого учета, разработана </a:t>
-            </a:r>
-            <a:r>
-              <a:rPr lang="ru-RU" sz="1200" b="0" i="0" u="sng" kern="1200" dirty="0" err="1" smtClean="0">
-                <a:solidFill>
-                  <a:schemeClr val="tx1"/>
-                </a:solidFill>
-                <a:latin typeface="+mn-lt"/>
-                <a:ea typeface="+mn-ea"/>
-                <a:cs typeface="+mn-cs"/>
-                <a:hlinkClick r:id="rId3"/>
-              </a:rPr>
-              <a:t>Долгопрудненским</a:t>
-            </a:r>
-            <a:r>
-              <a:rPr lang="ru-RU" sz="1200" b="0" i="0" u="sng" kern="1200" dirty="0" smtClean="0">
-                <a:solidFill>
-                  <a:schemeClr val="tx1"/>
-                </a:solidFill>
-                <a:latin typeface="+mn-lt"/>
-                <a:ea typeface="+mn-ea"/>
-                <a:cs typeface="+mn-cs"/>
-                <a:hlinkClick r:id="rId3"/>
-              </a:rPr>
-              <a:t> Исследовательским Центром</a:t>
-            </a:r>
-            <a:r>
-              <a:rPr lang="ru-RU" sz="1200" b="0" i="0" kern="1200" dirty="0" smtClean="0">
-                <a:solidFill>
-                  <a:schemeClr val="tx1"/>
-                </a:solidFill>
-                <a:latin typeface="+mn-lt"/>
-                <a:ea typeface="+mn-ea"/>
-                <a:cs typeface="+mn-cs"/>
-              </a:rPr>
-              <a:t> (г. Москва).</a:t>
-            </a:r>
-            <a:r>
-              <a:rPr lang="ru-RU" sz="1200" kern="1200" dirty="0" smtClean="0">
-                <a:solidFill>
-                  <a:schemeClr val="tx1"/>
-                </a:solidFill>
-                <a:latin typeface="+mn-lt"/>
-                <a:ea typeface="+mn-ea"/>
-                <a:cs typeface="+mn-cs"/>
-              </a:rPr>
-              <a:t> Одним из достоинств линейки является ее преемственность, упрощающая переход с одной версии на другую по мере развития торговой организации. Единый интерфейс, одинаковые структуры картотек и справочников, формы журналов и т.д.  делают программу наиболее удобной для пользователя. Единственное отличие только в функциональных возможностях.</a:t>
-            </a:r>
-          </a:p>
-          <a:p>
-            <a:r>
-              <a:rPr lang="ru-RU" dirty="0" smtClean="0"/>
-              <a:t>2. </a:t>
-            </a:r>
-            <a:r>
-              <a:rPr lang="ru-RU" sz="1200" kern="1200" dirty="0" smtClean="0">
-                <a:solidFill>
-                  <a:schemeClr val="tx1"/>
-                </a:solidFill>
-                <a:latin typeface="+mn-lt"/>
-                <a:ea typeface="+mn-ea"/>
-                <a:cs typeface="+mn-cs"/>
-              </a:rPr>
-              <a:t>Система «1С: Бухгалтерия» - самая популярная бухгалтерская программа, способная вывести автоматизацию учета на качественно новый уровень. Удобный продукт и подключаемые к нему сервисы позволят эффективно выполнять задачи бухгалтерской службы любого бизнеса. </a:t>
-            </a:r>
-          </a:p>
-          <a:p>
-            <a:r>
-              <a:rPr lang="ru-RU" sz="1200" kern="1200" dirty="0" smtClean="0">
-                <a:solidFill>
-                  <a:schemeClr val="tx1"/>
-                </a:solidFill>
-                <a:latin typeface="+mn-lt"/>
-                <a:ea typeface="+mn-ea"/>
-                <a:cs typeface="+mn-cs"/>
-              </a:rPr>
-              <a:t>3. Система «1C: Управление торговлей»</a:t>
-            </a:r>
-            <a:r>
-              <a:rPr lang="ru-RU" sz="1200" b="1" kern="1200" dirty="0" smtClean="0">
-                <a:solidFill>
-                  <a:schemeClr val="tx1"/>
-                </a:solidFill>
-                <a:latin typeface="+mn-lt"/>
-                <a:ea typeface="+mn-ea"/>
-                <a:cs typeface="+mn-cs"/>
-              </a:rPr>
-              <a:t> - </a:t>
-            </a:r>
-            <a:r>
-              <a:rPr lang="ru-RU" sz="1200" kern="1200" dirty="0" smtClean="0">
-                <a:solidFill>
-                  <a:schemeClr val="tx1"/>
-                </a:solidFill>
-                <a:latin typeface="+mn-lt"/>
-                <a:ea typeface="+mn-ea"/>
-                <a:cs typeface="+mn-cs"/>
-              </a:rPr>
-              <a:t>позволяет в комплексе автоматизировать задачи оперативного и управленческого учета, анализа и планирования торговых операций, обеспечивая тем самым эффективное управление современным торговым предприятием.</a:t>
-            </a:r>
-          </a:p>
-          <a:p>
-            <a:r>
-              <a:rPr lang="ru-RU" sz="1200" kern="1200" dirty="0" smtClean="0">
-                <a:solidFill>
-                  <a:schemeClr val="tx1"/>
-                </a:solidFill>
-                <a:latin typeface="+mn-lt"/>
-                <a:ea typeface="+mn-ea"/>
-                <a:cs typeface="+mn-cs"/>
-              </a:rPr>
-              <a:t>4. Система «1С: Предприятие» -  включает в себя платформу и прикладные решения, разработанные на ее основе, для автоматизации деятельности организаций и частных лиц. Сама платформа не является программным продуктом для использования конечными пользователями, которые обычно работают с одним из многих прикладных решений (конфигураций), разработанных на данной платформе. Такой подход позволяет автоматизировать различные виды деятельности, используя единую технологическую платформу. </a:t>
-            </a:r>
-            <a:endParaRPr lang="ru-RU" dirty="0"/>
+            <a:endParaRPr lang="ru-RU" sz="1200" kern="1200" dirty="0">
+              <a:solidFill>
+                <a:schemeClr val="tx1"/>
+              </a:solidFill>
+              <a:latin typeface="+mn-lt"/>
+              <a:ea typeface="+mn-ea"/>
+              <a:cs typeface="+mn-cs"/>
+            </a:endParaRPr>
           </a:p>
         </p:txBody>
       </p:sp>
@@ -2630,7 +2501,14 @@
           </a:bodyPr>
           <a:lstStyle/>
           <a:p>
-            <a:endParaRPr lang="ru-RU" dirty="0"/>
+            <a:endParaRPr lang="ru-RU" sz="1200" kern="1200" dirty="0">
+              <a:solidFill>
+                <a:schemeClr val="tx1"/>
+              </a:solidFill>
+              <a:latin typeface="+mn-lt"/>
+              <a:ea typeface="+mn-ea"/>
+              <a:cs typeface="+mn-cs"/>
+            </a:endParaRPr>
           </a:p>
         </p:txBody>
       </p:sp>
@@ -2712,63 +2590,6 @@
           </a:bodyPr>
           <a:lstStyle/>
           <a:p>
-            <a:r>
-              <a:rPr lang="ru-RU" sz="1200" b="1" i="0" kern="1200" dirty="0" smtClean="0">
-                <a:solidFill>
-                  <a:schemeClr val="tx1"/>
-                </a:solidFill>
-                <a:latin typeface="+mn-lt"/>
-                <a:ea typeface="+mn-ea"/>
-                <a:cs typeface="+mn-cs"/>
-              </a:rPr>
-              <a:t>Метод анализа иерархий</a:t>
-            </a:r>
-            <a:r>
-              <a:rPr lang="ru-RU" sz="1200" b="0" i="0" kern="1200" dirty="0" smtClean="0">
-                <a:solidFill>
-                  <a:schemeClr val="tx1"/>
-                </a:solidFill>
-                <a:latin typeface="+mn-lt"/>
-                <a:ea typeface="+mn-ea"/>
-                <a:cs typeface="+mn-cs"/>
-              </a:rPr>
-              <a:t> (МАИ) — математический инструмент системного подхода к сложным проблемам принятия решений. Этот метод разработан американским математиком </a:t>
-            </a:r>
-            <a:r>
-              <a:rPr lang="ru-RU" sz="1200" b="0" i="0" u="none" strike="noStrike" kern="1200" dirty="0" smtClean="0">
-                <a:solidFill>
-                  <a:schemeClr val="tx1"/>
-                </a:solidFill>
-                <a:latin typeface="+mn-lt"/>
-                <a:ea typeface="+mn-ea"/>
-                <a:cs typeface="+mn-cs"/>
-                <a:hlinkClick r:id="rId3" tooltip="Саати, Томас"/>
-              </a:rPr>
-              <a:t>Томасом Л. </a:t>
-            </a:r>
-            <a:r>
-              <a:rPr lang="ru-RU" sz="1200" b="0" i="0" u="none" strike="noStrike" kern="1200" dirty="0" err="1" smtClean="0">
-                <a:solidFill>
-                  <a:schemeClr val="tx1"/>
-                </a:solidFill>
-                <a:latin typeface="+mn-lt"/>
-                <a:ea typeface="+mn-ea"/>
-                <a:cs typeface="+mn-cs"/>
-                <a:hlinkClick r:id="rId3" tooltip="Саати, Томас"/>
-              </a:rPr>
-              <a:t>Саати</a:t>
-            </a:r>
-            <a:r>
-              <a:rPr lang="ru-RU" sz="1200" b="0" i="0" kern="1200" dirty="0" smtClean="0">
-                <a:solidFill>
-                  <a:schemeClr val="tx1"/>
-                </a:solidFill>
-                <a:latin typeface="+mn-lt"/>
-                <a:ea typeface="+mn-ea"/>
-                <a:cs typeface="+mn-cs"/>
-              </a:rPr>
-              <a:t>,</a:t>
-            </a:r>
             <a:endParaRPr lang="ru-RU" dirty="0"/>
           </a:p>
         </p:txBody>
@@ -2847,7 +2668,7 @@
         <p:spPr/>
         <p:txBody>
           <a:bodyPr>
-            <a:normAutofit/>
+            <a:normAutofit lnSpcReduction="10000"/>
           </a:bodyPr>
           <a:lstStyle/>
           <a:p>
@@ -2860,13 +2681,10 @@
                 <a:ea typeface="+mn-ea"/>
                 <a:cs typeface="+mn-cs"/>
               </a:rPr>
-              <a:t>Получаем следующие веса критериев:</a:t>
-            </a:r>
-          </a:p>
-          <a:p>
-            <a:pPr lvl="0"/>
-            <a:r>
-              <a:rPr lang="en-US" sz="1200" kern="1200" dirty="0" smtClean="0">
+              <a:t>1. Турбо бухгалтер</a:t>
+            </a:r>
+            <a:r>
+              <a:rPr lang="ru-RU" sz="1200" kern="1200" baseline="0" dirty="0" smtClean="0">
                 <a:solidFill>
                   <a:schemeClr val="tx1"/>
                 </a:solidFill>
@@ -2874,10 +2692,10 @@
                 <a:ea typeface="+mn-ea"/>
                 <a:cs typeface="+mn-cs"/>
               </a:rPr>
-              <a:t>W</a:t>
-            </a:r>
-            <a:r>
-              <a:rPr lang="ru-RU" sz="1200" kern="1200" baseline="-25000" dirty="0" smtClean="0">
+              <a:t> </a:t>
+            </a:r>
+            <a:r>
+              <a:rPr lang="ru-RU" sz="1200" b="0" i="0" kern="1200" dirty="0" smtClean="0">
                 <a:solidFill>
                   <a:schemeClr val="tx1"/>
                 </a:solidFill>
@@ -2885,7 +2703,42 @@
                 <a:ea typeface="+mn-ea"/>
                 <a:cs typeface="+mn-cs"/>
               </a:rPr>
-              <a:t>1 </a:t>
+              <a:t>универсальная программа автоматизации бухгалтерского и управленческого учета, разработана </a:t>
+            </a:r>
+            <a:r>
+              <a:rPr lang="ru-RU" sz="1200" b="0" i="0" u="sng" kern="1200" dirty="0" err="1" smtClean="0">
+                <a:solidFill>
+                  <a:schemeClr val="tx1"/>
+                </a:solidFill>
+                <a:latin typeface="+mn-lt"/>
+                <a:ea typeface="+mn-ea"/>
+                <a:cs typeface="+mn-cs"/>
+                <a:hlinkClick r:id="rId3"/>
+              </a:rPr>
+              <a:t>Долгопрудненским</a:t>
+            </a:r>
+            <a:r>
+              <a:rPr lang="ru-RU" sz="1200" b="0" i="0" u="sng" kern="1200" dirty="0" smtClean="0">
+                <a:solidFill>
+                  <a:schemeClr val="tx1"/>
+                </a:solidFill>
+                <a:latin typeface="+mn-lt"/>
+                <a:ea typeface="+mn-ea"/>
+                <a:cs typeface="+mn-cs"/>
+                <a:hlinkClick r:id="rId3"/>
+              </a:rPr>
+              <a:t> Исследовательским Центром</a:t>
+            </a:r>
+            <a:r>
+              <a:rPr lang="ru-RU" sz="1200" b="0" i="0" kern="1200" dirty="0" smtClean="0">
+                <a:solidFill>
+                  <a:schemeClr val="tx1"/>
+                </a:solidFill>
+                <a:latin typeface="+mn-lt"/>
+                <a:ea typeface="+mn-ea"/>
+                <a:cs typeface="+mn-cs"/>
+              </a:rPr>
+              <a:t> (г. Москва).</a:t>
             </a:r>
             <a:r>
               <a:rPr lang="ru-RU" sz="1200" kern="1200" dirty="0" smtClean="0">
@@ -2896,32 +2749,13 @@
                 <a:ea typeface="+mn-ea"/>
                 <a:cs typeface="+mn-cs"/>
               </a:rPr>
-              <a:t>= 31.51% (доработка под нужны компании);</a:t>
-            </a:r>
-          </a:p>
-          <a:p>
-            <a:pPr lvl="0"/>
-            <a:r>
-              <a:rPr lang="en-US" sz="1200" kern="1200" dirty="0" smtClean="0">
-                <a:solidFill>
-                  <a:schemeClr val="tx1"/>
-                </a:solidFill>
-                <a:latin typeface="+mn-lt"/>
-                <a:ea typeface="+mn-ea"/>
-                <a:cs typeface="+mn-cs"/>
-              </a:rPr>
-              <a:t>W</a:t>
-            </a:r>
-            <a:r>
-              <a:rPr lang="ru-RU" sz="1200" kern="1200" baseline="-25000" dirty="0" smtClean="0">
-                <a:solidFill>
-                  <a:schemeClr val="tx1"/>
-                </a:solidFill>
-                <a:latin typeface="+mn-lt"/>
-                <a:ea typeface="+mn-ea"/>
-                <a:cs typeface="+mn-cs"/>
-              </a:rPr>
-              <a:t>1 </a:t>
+              <a:t> Одним из достоинств линейки является ее преемственность, упрощающая переход с одной версии на другую по мере развития торговой организации. Единый интерфейс, одинаковые структуры картотек и справочников, формы журналов и т.д.  делают программу наиболее удобной для пользователя. Единственное отличие только в функциональных возможностях.</a:t>
+            </a:r>
+          </a:p>
+          <a:p>
+            <a:r>
+              <a:rPr lang="ru-RU" dirty="0" smtClean="0"/>
+              <a:t>2. </a:t>
             </a:r>
             <a:r>
               <a:rPr lang="ru-RU" sz="1200" kern="1200" dirty="0" smtClean="0">
@@ -2932,33 +2766,10 @@
                 <a:ea typeface="+mn-ea"/>
                 <a:cs typeface="+mn-cs"/>
               </a:rPr>
-              <a:t>= 58.92% (простота использования);</a:t>
-            </a:r>
-          </a:p>
-          <a:p>
-            <a:pPr lvl="0"/>
-            <a:r>
-              <a:rPr lang="en-US" sz="1200" kern="1200" dirty="0" smtClean="0">
-                <a:solidFill>
-                  <a:schemeClr val="tx1"/>
-                </a:solidFill>
-                <a:latin typeface="+mn-lt"/>
-                <a:ea typeface="+mn-ea"/>
-                <a:cs typeface="+mn-cs"/>
-              </a:rPr>
-              <a:t>W</a:t>
-            </a:r>
-            <a:r>
-              <a:rPr lang="ru-RU" sz="1200" kern="1200" baseline="-25000" dirty="0" smtClean="0">
-                <a:solidFill>
-                  <a:schemeClr val="tx1"/>
-                </a:solidFill>
-                <a:latin typeface="+mn-lt"/>
-                <a:ea typeface="+mn-ea"/>
-                <a:cs typeface="+mn-cs"/>
-              </a:rPr>
-              <a:t>1 </a:t>
-            </a:r>
+              <a:t>Система «1С: Бухгалтерия» - самая популярная бухгалтерская программа, способная вывести автоматизацию учета на качественно новый уровень. Удобный продукт и подключаемые к нему сервисы позволят эффективно выполнять задачи бухгалтерской службы любого бизнеса. </a:t>
+            </a:r>
+          </a:p>
+          <a:p>
             <a:r>
               <a:rPr lang="ru-RU" sz="1200" kern="1200" dirty="0" smtClean="0">
                 <a:solidFill>
@@ -2968,16 +2779,44 @@
                 <a:ea typeface="+mn-ea"/>
                 <a:cs typeface="+mn-cs"/>
               </a:rPr>
-              <a:t>= 9.57% (простота интеграции с другими системами).</a:t>
-            </a:r>
-            <a:endParaRPr lang="ru-RU" sz="1200" kern="1200" dirty="0">
-              <a:solidFill>
-                <a:schemeClr val="tx1"/>
-              </a:solidFill>
-              <a:latin typeface="+mn-lt"/>
-              <a:ea typeface="+mn-ea"/>
-              <a:cs typeface="+mn-cs"/>
-            </a:endParaRPr>
+              <a:t>3. Система «1C: Управление торговлей»</a:t>
+            </a:r>
+            <a:r>
+              <a:rPr lang="ru-RU" sz="1200" b="1" kern="1200" dirty="0" smtClean="0">
+                <a:solidFill>
+                  <a:schemeClr val="tx1"/>
+                </a:solidFill>
+                <a:latin typeface="+mn-lt"/>
+                <a:ea typeface="+mn-ea"/>
+                <a:cs typeface="+mn-cs"/>
+              </a:rPr>
+              <a:t> - </a:t>
+            </a:r>
+            <a:r>
+              <a:rPr lang="ru-RU" sz="1200" kern="1200" dirty="0" smtClean="0">
+                <a:solidFill>
+                  <a:schemeClr val="tx1"/>
+                </a:solidFill>
+                <a:latin typeface="+mn-lt"/>
+                <a:ea typeface="+mn-ea"/>
+                <a:cs typeface="+mn-cs"/>
+              </a:rPr>
+              <a:t>позволяет в комплексе автоматизировать задачи оперативного и управленческого учета, анализа и планирования торговых операций, обеспечивая тем самым эффективное управление современным торговым предприятием.</a:t>
+            </a:r>
+          </a:p>
+          <a:p>
+            <a:r>
+              <a:rPr lang="ru-RU" sz="1200" kern="1200" dirty="0" smtClean="0">
+                <a:solidFill>
+                  <a:schemeClr val="tx1"/>
+                </a:solidFill>
+                <a:latin typeface="+mn-lt"/>
+                <a:ea typeface="+mn-ea"/>
+                <a:cs typeface="+mn-cs"/>
+              </a:rPr>
+              <a:t>4. Система «1С: Предприятие» -  включает в себя платформу и прикладные решения, разработанные на ее основе, для автоматизации деятельности организаций и частных лиц. Сама платформа не является программным продуктом для использования конечными пользователями, которые обычно работают с одним из многих прикладных решений (конфигураций), разработанных на данной платформе. Такой подход позволяет автоматизировать различные виды деятельности, используя единую технологическую платформу. </a:t>
+            </a:r>
+            <a:endParaRPr lang="ru-RU" dirty="0"/>
           </a:p>
         </p:txBody>
       </p:sp>
@@ -3059,14 +2898,7 @@
           </a:bodyPr>
           <a:lstStyle/>
           <a:p>
-            <a:endParaRPr lang="ru-RU" sz="1200" kern="1200" dirty="0">
-              <a:solidFill>
-                <a:schemeClr val="tx1"/>
-              </a:solidFill>
-              <a:latin typeface="+mn-lt"/>
-              <a:ea typeface="+mn-ea"/>
-              <a:cs typeface="+mn-cs"/>
-            </a:endParaRPr>
+            <a:endParaRPr lang="ru-RU" dirty="0"/>
           </a:p>
         </p:txBody>
       </p:sp>
@@ -3148,15 +2980,64 @@
           </a:bodyPr>
           <a:lstStyle/>
           <a:p>
-            <a:pPr lvl="0"/>
-            <a:endParaRPr lang="ru-RU" sz="1200" kern="1200" dirty="0">
-              <a:solidFill>
-                <a:schemeClr val="tx1"/>
-              </a:solidFill>
-              <a:latin typeface="+mn-lt"/>
-              <a:ea typeface="+mn-ea"/>
-              <a:cs typeface="+mn-cs"/>
-            </a:endParaRPr>
+            <a:r>
+              <a:rPr lang="ru-RU" sz="1200" b="1" i="0" kern="1200" dirty="0" smtClean="0">
+                <a:solidFill>
+                  <a:schemeClr val="tx1"/>
+                </a:solidFill>
+                <a:latin typeface="+mn-lt"/>
+                <a:ea typeface="+mn-ea"/>
+                <a:cs typeface="+mn-cs"/>
+              </a:rPr>
+              <a:t>Метод анализа иерархий</a:t>
+            </a:r>
+            <a:r>
+              <a:rPr lang="ru-RU" sz="1200" b="0" i="0" kern="1200" dirty="0" smtClean="0">
+                <a:solidFill>
+                  <a:schemeClr val="tx1"/>
+                </a:solidFill>
+                <a:latin typeface="+mn-lt"/>
+                <a:ea typeface="+mn-ea"/>
+                <a:cs typeface="+mn-cs"/>
+              </a:rPr>
+              <a:t> (МАИ) — математический инструмент системного подхода к сложным проблемам принятия решений. Этот метод разработан американским математиком </a:t>
+            </a:r>
+            <a:r>
+              <a:rPr lang="ru-RU" sz="1200" b="0" i="0" u="none" strike="noStrike" kern="1200" dirty="0" smtClean="0">
+                <a:solidFill>
+                  <a:schemeClr val="tx1"/>
+                </a:solidFill>
+                <a:latin typeface="+mn-lt"/>
+                <a:ea typeface="+mn-ea"/>
+                <a:cs typeface="+mn-cs"/>
+                <a:hlinkClick r:id="rId3" tooltip="Саати, Томас"/>
+              </a:rPr>
+              <a:t>Томасом Л. </a:t>
+            </a:r>
+            <a:r>
+              <a:rPr lang="ru-RU" sz="1200" b="0" i="0" u="none" strike="noStrike" kern="1200" dirty="0" err="1" smtClean="0">
+                <a:solidFill>
+                  <a:schemeClr val="tx1"/>
+                </a:solidFill>
+                <a:latin typeface="+mn-lt"/>
+                <a:ea typeface="+mn-ea"/>
+                <a:cs typeface="+mn-cs"/>
+                <a:hlinkClick r:id="rId3" tooltip="Саати, Томас"/>
+              </a:rPr>
+              <a:t>Саати</a:t>
+            </a:r>
+            <a:r>
+              <a:rPr lang="ru-RU" sz="1200" b="0" i="0" kern="1200" dirty="0" smtClean="0">
+                <a:solidFill>
+                  <a:schemeClr val="tx1"/>
+                </a:solidFill>
+                <a:latin typeface="+mn-lt"/>
+                <a:ea typeface="+mn-ea"/>
+                <a:cs typeface="+mn-cs"/>
+              </a:rPr>
+              <a:t>,</a:t>
+            </a:r>
+            <a:endParaRPr lang="ru-RU" dirty="0"/>
           </a:p>
         </p:txBody>
       </p:sp>
@@ -3238,6 +3119,125 @@
           </a:bodyPr>
           <a:lstStyle/>
           <a:p>
+            <a:r>
+              <a:rPr lang="ru-RU" sz="1200" kern="1200" dirty="0" smtClean="0">
+                <a:solidFill>
+                  <a:schemeClr val="tx1"/>
+                </a:solidFill>
+                <a:latin typeface="+mn-lt"/>
+                <a:ea typeface="+mn-ea"/>
+                <a:cs typeface="+mn-cs"/>
+              </a:rPr>
+              <a:t>Получаем следующие веса критериев:</a:t>
+            </a:r>
+          </a:p>
+          <a:p>
+            <a:pPr lvl="0"/>
+            <a:r>
+              <a:rPr lang="en-US" sz="1200" kern="1200" dirty="0" smtClean="0">
+                <a:solidFill>
+                  <a:schemeClr val="tx1"/>
+                </a:solidFill>
+                <a:latin typeface="+mn-lt"/>
+                <a:ea typeface="+mn-ea"/>
+                <a:cs typeface="+mn-cs"/>
+              </a:rPr>
+              <a:t>W</a:t>
+            </a:r>
+            <a:r>
+              <a:rPr lang="ru-RU" sz="1200" kern="1200" baseline="-25000" dirty="0" smtClean="0">
+                <a:solidFill>
+                  <a:schemeClr val="tx1"/>
+                </a:solidFill>
+                <a:latin typeface="+mn-lt"/>
+                <a:ea typeface="+mn-ea"/>
+                <a:cs typeface="+mn-cs"/>
+              </a:rPr>
+              <a:t>1 </a:t>
+            </a:r>
+            <a:r>
+              <a:rPr lang="ru-RU" sz="1200" kern="1200" dirty="0" smtClean="0">
+                <a:solidFill>
+                  <a:schemeClr val="tx1"/>
+                </a:solidFill>
+                <a:latin typeface="+mn-lt"/>
+                <a:ea typeface="+mn-ea"/>
+                <a:cs typeface="+mn-cs"/>
+              </a:rPr>
+              <a:t>= 31.51% (доработка под нужны компании);</a:t>
+            </a:r>
+          </a:p>
+          <a:p>
+            <a:pPr lvl="0"/>
+            <a:r>
+              <a:rPr lang="en-US" sz="1200" kern="1200" dirty="0" smtClean="0">
+                <a:solidFill>
+                  <a:schemeClr val="tx1"/>
+                </a:solidFill>
+                <a:latin typeface="+mn-lt"/>
+                <a:ea typeface="+mn-ea"/>
+                <a:cs typeface="+mn-cs"/>
+              </a:rPr>
+              <a:t>W</a:t>
+            </a:r>
+            <a:r>
+              <a:rPr lang="ru-RU" sz="1200" kern="1200" baseline="-25000" dirty="0" smtClean="0">
+                <a:solidFill>
+                  <a:schemeClr val="tx1"/>
+                </a:solidFill>
+                <a:latin typeface="+mn-lt"/>
+                <a:ea typeface="+mn-ea"/>
+                <a:cs typeface="+mn-cs"/>
+              </a:rPr>
+              <a:t>1 </a:t>
+            </a:r>
+            <a:r>
+              <a:rPr lang="ru-RU" sz="1200" kern="1200" dirty="0" smtClean="0">
+                <a:solidFill>
+                  <a:schemeClr val="tx1"/>
+                </a:solidFill>
+                <a:latin typeface="+mn-lt"/>
+                <a:ea typeface="+mn-ea"/>
+                <a:cs typeface="+mn-cs"/>
+              </a:rPr>
+              <a:t>= 58.92% (простота использования);</a:t>
+            </a:r>
+          </a:p>
+          <a:p>
+            <a:pPr lvl="0"/>
+            <a:r>
+              <a:rPr lang="en-US" sz="1200" kern="1200" dirty="0" smtClean="0">
+                <a:solidFill>
+                  <a:schemeClr val="tx1"/>
+                </a:solidFill>
+                <a:latin typeface="+mn-lt"/>
+                <a:ea typeface="+mn-ea"/>
+                <a:cs typeface="+mn-cs"/>
+              </a:rPr>
+              <a:t>W</a:t>
+            </a:r>
+            <a:r>
+              <a:rPr lang="ru-RU" sz="1200" kern="1200" baseline="-25000" dirty="0" smtClean="0">
+                <a:solidFill>
+                  <a:schemeClr val="tx1"/>
+                </a:solidFill>
+                <a:latin typeface="+mn-lt"/>
+                <a:ea typeface="+mn-ea"/>
+                <a:cs typeface="+mn-cs"/>
+              </a:rPr>
+              <a:t>1 </a:t>
+            </a:r>
+            <a:r>
+              <a:rPr lang="ru-RU" sz="1200" kern="1200" dirty="0" smtClean="0">
+                <a:solidFill>
+                  <a:schemeClr val="tx1"/>
+                </a:solidFill>
+                <a:latin typeface="+mn-lt"/>
+                <a:ea typeface="+mn-ea"/>
+                <a:cs typeface="+mn-cs"/>
+              </a:rPr>
+              <a:t>= 9.57% (простота интеграции с другими системами).</a:t>
+            </a:r>
             <a:endParaRPr lang="ru-RU" sz="1200" kern="1200" dirty="0">
               <a:solidFill>
                 <a:schemeClr val="tx1"/>
@@ -3907,7 +3907,7 @@
             <a:fld id="{3FCDD233-0873-47C9-A30F-61D74E15F769}" type="datetimeFigureOut">
               <a:rPr lang="ru-RU" smtClean="0"/>
               <a:pPr/>
-              <a:t>25.05.2020</a:t>
+              <a:t>23.06.2020</a:t>
             </a:fld>
             <a:endParaRPr lang="ru-RU"/>
           </a:p>
@@ -4105,7 +4105,7 @@
             <a:fld id="{3FCDD233-0873-47C9-A30F-61D74E15F769}" type="datetimeFigureOut">
               <a:rPr lang="ru-RU" smtClean="0"/>
               <a:pPr/>
-              <a:t>25.05.2020</a:t>
+              <a:t>23.06.2020</a:t>
             </a:fld>
             <a:endParaRPr lang="ru-RU"/>
           </a:p>
@@ -4292,7 +4292,7 @@
             <a:fld id="{3FCDD233-0873-47C9-A30F-61D74E15F769}" type="datetimeFigureOut">
               <a:rPr lang="ru-RU" smtClean="0"/>
               <a:pPr/>
-              <a:t>25.05.2020</a:t>
+              <a:t>23.06.2020</a:t>
             </a:fld>
             <a:endParaRPr lang="ru-RU"/>
           </a:p>
@@ -4444,7 +4444,7 @@
             <a:fld id="{3FCDD233-0873-47C9-A30F-61D74E15F769}" type="datetimeFigureOut">
               <a:rPr lang="ru-RU" smtClean="0"/>
               <a:pPr/>
-              <a:t>25.05.2020</a:t>
+              <a:t>23.06.2020</a:t>
             </a:fld>
             <a:endParaRPr lang="ru-RU"/>
           </a:p>
@@ -4701,7 +4701,7 @@
             <a:fld id="{3FCDD233-0873-47C9-A30F-61D74E15F769}" type="datetimeFigureOut">
               <a:rPr lang="ru-RU" smtClean="0"/>
               <a:pPr/>
-              <a:t>25.05.2020</a:t>
+              <a:t>23.06.2020</a:t>
             </a:fld>
             <a:endParaRPr lang="ru-RU"/>
           </a:p>
@@ -5112,7 +5112,7 @@
             <a:fld id="{3FCDD233-0873-47C9-A30F-61D74E15F769}" type="datetimeFigureOut">
               <a:rPr lang="ru-RU" smtClean="0"/>
               <a:pPr/>
-              <a:t>25.05.2020</a:t>
+              <a:t>23.06.2020</a:t>
             </a:fld>
             <a:endParaRPr lang="ru-RU"/>
           </a:p>
@@ -5560,7 +5560,7 @@
             <a:fld id="{3FCDD233-0873-47C9-A30F-61D74E15F769}" type="datetimeFigureOut">
               <a:rPr lang="ru-RU" smtClean="0"/>
               <a:pPr/>
-              <a:t>25.05.2020</a:t>
+              <a:t>23.06.2020</a:t>
             </a:fld>
             <a:endParaRPr lang="ru-RU"/>
           </a:p>
@@ -5663,7 +5663,7 @@
             <a:fld id="{3FCDD233-0873-47C9-A30F-61D74E15F769}" type="datetimeFigureOut">
               <a:rPr lang="ru-RU" smtClean="0"/>
               <a:pPr/>
-              <a:t>25.05.2020</a:t>
+              <a:t>23.06.2020</a:t>
             </a:fld>
             <a:endParaRPr lang="ru-RU"/>
           </a:p>
@@ -5786,7 +5786,7 @@
             <a:fld id="{3FCDD233-0873-47C9-A30F-61D74E15F769}" type="datetimeFigureOut">
               <a:rPr lang="ru-RU" smtClean="0"/>
               <a:pPr/>
-              <a:t>25.05.2020</a:t>
+              <a:t>23.06.2020</a:t>
             </a:fld>
             <a:endParaRPr lang="ru-RU"/>
           </a:p>
@@ -6062,7 +6062,7 @@
             <a:fld id="{3FCDD233-0873-47C9-A30F-61D74E15F769}" type="datetimeFigureOut">
               <a:rPr lang="ru-RU" smtClean="0"/>
               <a:pPr/>
-              <a:t>25.05.2020</a:t>
+              <a:t>23.06.2020</a:t>
             </a:fld>
             <a:endParaRPr lang="ru-RU"/>
           </a:p>
@@ -6269,7 +6269,7 @@
             <a:fld id="{3FCDD233-0873-47C9-A30F-61D74E15F769}" type="datetimeFigureOut">
               <a:rPr lang="ru-RU" smtClean="0"/>
               <a:pPr/>
-              <a:t>25.05.2020</a:t>
+              <a:t>23.06.2020</a:t>
             </a:fld>
             <a:endParaRPr lang="ru-RU"/>
           </a:p>
@@ -7380,7 +7380,7 @@
             <a:fld id="{3FCDD233-0873-47C9-A30F-61D74E15F769}" type="datetimeFigureOut">
               <a:rPr lang="ru-RU" smtClean="0"/>
               <a:pPr/>
-              <a:t>25.05.2020</a:t>
+              <a:t>23.06.2020</a:t>
             </a:fld>
             <a:endParaRPr lang="ru-RU"/>
           </a:p>
@@ -8033,25 +8033,8 @@
                 <a:latin typeface="Times New Roman" pitchFamily="18" charset="0"/>
                 <a:cs typeface="Times New Roman" pitchFamily="18" charset="0"/>
               </a:rPr>
-              <a:t> </a:t>
-            </a:r>
-            <a:r>
-              <a:rPr lang="ru-RU" sz="2100" noProof="0" dirty="0" smtClean="0">
-                <a:solidFill>
-                  <a:schemeClr val="bg1"/>
-                </a:solidFill>
-                <a:latin typeface="Times New Roman" pitchFamily="18" charset="0"/>
-                <a:cs typeface="Times New Roman" pitchFamily="18" charset="0"/>
-              </a:rPr>
-              <a:t>В.Г., доцент кафедры САУ.</a:t>
-            </a:r>
-            <a:endParaRPr lang="ru-RU" sz="2100" noProof="0" dirty="0" smtClean="0">
-              <a:solidFill>
-                <a:schemeClr val="bg1"/>
-              </a:solidFill>
-              <a:latin typeface="Times New Roman" pitchFamily="18" charset="0"/>
-              <a:cs typeface="Times New Roman" pitchFamily="18" charset="0"/>
-            </a:endParaRPr>
+              <a:t> В.Г., доцент кафедры САУ.</a:t>
+            </a:r>
           </a:p>
           <a:p>
             <a:pPr marL="0" marR="64008" lvl="0" indent="0" defTabSz="914400" rtl="0" eaLnBrk="1" fontAlgn="auto" latinLnBrk="0" hangingPunct="1">
@@ -8216,6 +8199,773 @@
                 <a:latin typeface="Times New Roman" pitchFamily="18" charset="0"/>
                 <a:cs typeface="Times New Roman" pitchFamily="18" charset="0"/>
               </a:rPr>
+              <a:t>Схема организации и критерии выбора     системы телекоммуникации</a:t>
+            </a:r>
+            <a:endParaRPr lang="ru-RU" sz="3200" dirty="0">
+              <a:solidFill>
+                <a:schemeClr val="bg1"/>
+              </a:solidFill>
+              <a:latin typeface="Times New Roman" pitchFamily="18" charset="0"/>
+              <a:cs typeface="Times New Roman" pitchFamily="18" charset="0"/>
+            </a:endParaRPr>
+          </a:p>
+        </p:txBody>
+      </p:sp>
+      <p:pic>
+        <p:nvPicPr>
+          <p:cNvPr id="4098" name="Picture 2" descr="Архитектура телеф"/>
+          <p:cNvPicPr>
+            <a:picLocks noChangeAspect="1" noChangeArrowheads="1"/>
+          </p:cNvPicPr>
+          <p:nvPr/>
+        </p:nvPicPr>
+        <p:blipFill>
+          <a:blip r:embed="rId3" cstate="print"/>
+          <a:srcRect/>
+          <a:stretch>
+            <a:fillRect/>
+          </a:stretch>
+        </p:blipFill>
+        <p:spPr bwMode="auto">
+          <a:xfrm>
+            <a:off x="4716016" y="1916832"/>
+            <a:ext cx="4248472" cy="4457700"/>
+          </a:xfrm>
+          <a:prstGeom prst="rect">
+            <a:avLst/>
+          </a:prstGeom>
+          <a:noFill/>
+          <a:ln w="9525">
+            <a:noFill/>
+            <a:miter lim="800000"/>
+            <a:headEnd/>
+            <a:tailEnd/>
+          </a:ln>
+        </p:spPr>
+      </p:pic>
+      <p:sp>
+        <p:nvSpPr>
+          <p:cNvPr id="5" name="Заголовок 2"/>
+          <p:cNvSpPr txBox="1">
+            <a:spLocks/>
+          </p:cNvSpPr>
+          <p:nvPr/>
+        </p:nvSpPr>
+        <p:spPr>
+          <a:xfrm>
+            <a:off x="395536" y="1412776"/>
+            <a:ext cx="5112568" cy="2736304"/>
+          </a:xfrm>
+          <a:prstGeom prst="rect">
+            <a:avLst/>
+          </a:prstGeom>
+          <a:noFill/>
+        </p:spPr>
+        <p:txBody>
+          <a:bodyPr vert="horz" rtlCol="0" anchor="ctr">
+            <a:noAutofit/>
+            <a:scene3d>
+              <a:camera prst="orthographicFront"/>
+              <a:lightRig rig="soft" dir="t"/>
+            </a:scene3d>
+            <a:sp3d prstMaterial="softEdge">
+              <a:bevelT w="25400" h="25400"/>
+            </a:sp3d>
+          </a:bodyPr>
+          <a:lstStyle/>
+          <a:p>
+            <a:r>
+              <a:rPr lang="ru-RU" sz="2400" b="1" dirty="0" smtClean="0">
+                <a:latin typeface="Times New Roman" pitchFamily="18" charset="0"/>
+                <a:cs typeface="Times New Roman" pitchFamily="18" charset="0"/>
+              </a:rPr>
+              <a:t>Основные критерии:</a:t>
+            </a:r>
+          </a:p>
+          <a:p>
+            <a:pPr lvl="0">
+              <a:buFont typeface="Arial" pitchFamily="34" charset="0"/>
+              <a:buChar char="•"/>
+            </a:pPr>
+            <a:r>
+              <a:rPr lang="ru-RU" sz="2400" dirty="0" smtClean="0">
+                <a:latin typeface="Times New Roman" pitchFamily="18" charset="0"/>
+                <a:cs typeface="Times New Roman" pitchFamily="18" charset="0"/>
+              </a:rPr>
+              <a:t> надежность и качество;</a:t>
+            </a:r>
+          </a:p>
+          <a:p>
+            <a:pPr lvl="0">
+              <a:buFont typeface="Arial" pitchFamily="34" charset="0"/>
+              <a:buChar char="•"/>
+            </a:pPr>
+            <a:r>
+              <a:rPr lang="ru-RU" sz="2400" dirty="0" smtClean="0">
+                <a:latin typeface="Times New Roman" pitchFamily="18" charset="0"/>
+                <a:cs typeface="Times New Roman" pitchFamily="18" charset="0"/>
+              </a:rPr>
+              <a:t> возможность подключения 10 или более рабочих телефонных мест;</a:t>
+            </a:r>
+          </a:p>
+          <a:p>
+            <a:pPr lvl="0">
+              <a:buFont typeface="Arial" pitchFamily="34" charset="0"/>
+              <a:buChar char="•"/>
+            </a:pPr>
+            <a:r>
+              <a:rPr lang="ru-RU" sz="2400" dirty="0" smtClean="0">
+                <a:latin typeface="Times New Roman" pitchFamily="18" charset="0"/>
+                <a:cs typeface="Times New Roman" pitchFamily="18" charset="0"/>
+              </a:rPr>
+              <a:t> возможность  переадресации и внутренних вызовов;</a:t>
+            </a:r>
+          </a:p>
+          <a:p>
+            <a:pPr lvl="0">
+              <a:buFont typeface="Arial" pitchFamily="34" charset="0"/>
+              <a:buChar char="•"/>
+            </a:pPr>
+            <a:r>
+              <a:rPr lang="ru-RU" sz="2400" dirty="0" smtClean="0">
+                <a:latin typeface="Times New Roman" pitchFamily="18" charset="0"/>
+                <a:cs typeface="Times New Roman" pitchFamily="18" charset="0"/>
+              </a:rPr>
+              <a:t> цена.</a:t>
+            </a:r>
+            <a:endParaRPr lang="ru-RU" sz="2400" dirty="0">
+              <a:latin typeface="Times New Roman" pitchFamily="18" charset="0"/>
+              <a:cs typeface="Times New Roman" pitchFamily="18" charset="0"/>
+            </a:endParaRPr>
+          </a:p>
+        </p:txBody>
+      </p:sp>
+      <p:sp>
+        <p:nvSpPr>
+          <p:cNvPr id="7" name="Заголовок 2"/>
+          <p:cNvSpPr txBox="1">
+            <a:spLocks/>
+          </p:cNvSpPr>
+          <p:nvPr/>
+        </p:nvSpPr>
+        <p:spPr>
+          <a:xfrm>
+            <a:off x="5364088" y="1484784"/>
+            <a:ext cx="3024336" cy="432048"/>
+          </a:xfrm>
+          <a:prstGeom prst="rect">
+            <a:avLst/>
+          </a:prstGeom>
+          <a:noFill/>
+        </p:spPr>
+        <p:txBody>
+          <a:bodyPr vert="horz" rtlCol="0" anchor="ctr">
+            <a:noAutofit/>
+            <a:scene3d>
+              <a:camera prst="orthographicFront"/>
+              <a:lightRig rig="soft" dir="t"/>
+            </a:scene3d>
+            <a:sp3d prstMaterial="softEdge">
+              <a:bevelT w="25400" h="25400"/>
+            </a:sp3d>
+          </a:bodyPr>
+          <a:lstStyle/>
+          <a:p>
+            <a:r>
+              <a:rPr lang="ru-RU" sz="2400" b="1" dirty="0" smtClean="0">
+                <a:latin typeface="Times New Roman" pitchFamily="18" charset="0"/>
+                <a:cs typeface="Times New Roman" pitchFamily="18" charset="0"/>
+              </a:rPr>
+              <a:t>Схема подключения</a:t>
+            </a:r>
+            <a:endParaRPr lang="ru-RU" sz="2400" dirty="0">
+              <a:latin typeface="Times New Roman" pitchFamily="18" charset="0"/>
+              <a:cs typeface="Times New Roman" pitchFamily="18" charset="0"/>
+            </a:endParaRPr>
+          </a:p>
+        </p:txBody>
+      </p:sp>
+    </p:spTree>
+  </p:cSld>
+  <p:clrMapOvr>
+    <a:masterClrMapping/>
+  </p:clrMapOvr>
+  <p:timing>
+    <p:tnLst>
+      <p:par>
+        <p:cTn id="1" dur="indefinite" restart="never" nodeType="tmRoot"/>
+      </p:par>
+    </p:tnLst>
+  </p:timing>
+</p:sld>
+</file>
+
+<file path=ppt/slides/slide11.xml><?xml version="1.0" encoding="utf-8"?>
+<p:sld xmlns:a="http://schemas.openxmlformats.org/drawingml/2006/main" xmlns:r="http://schemas.openxmlformats.org/officeDocument/2006/relationships" xmlns:p="http://schemas.openxmlformats.org/presentationml/2006/main">
+  <p:cSld>
+    <p:spTree>
+      <p:nvGrpSpPr>
+        <p:cNvPr id="1" name=""/>
+        <p:cNvGrpSpPr/>
+        <p:nvPr/>
+      </p:nvGrpSpPr>
+      <p:grpSpPr>
+        <a:xfrm>
+          <a:off x="0" y="0"/>
+          <a:ext cx="0" cy="0"/>
+          <a:chOff x="0" y="0"/>
+          <a:chExt cx="0" cy="0"/>
+        </a:xfrm>
+      </p:grpSpPr>
+      <p:sp>
+        <p:nvSpPr>
+          <p:cNvPr id="3" name="Заголовок 2"/>
+          <p:cNvSpPr>
+            <a:spLocks noGrp="1"/>
+          </p:cNvSpPr>
+          <p:nvPr>
+            <p:ph type="title"/>
+          </p:nvPr>
+        </p:nvSpPr>
+        <p:spPr>
+          <a:solidFill>
+            <a:schemeClr val="bg2">
+              <a:lumMod val="50000"/>
+            </a:schemeClr>
+          </a:solidFill>
+        </p:spPr>
+        <p:txBody>
+          <a:bodyPr>
+            <a:noAutofit/>
+          </a:bodyPr>
+          <a:lstStyle/>
+          <a:p>
+            <a:r>
+              <a:rPr lang="ru-RU" sz="3200" dirty="0" smtClean="0">
+                <a:solidFill>
+                  <a:schemeClr val="bg1"/>
+                </a:solidFill>
+              </a:rPr>
+              <a:t>Схема структуры автоматизации учетной деятельности</a:t>
+            </a:r>
+            <a:endParaRPr lang="ru-RU" sz="3200" dirty="0">
+              <a:solidFill>
+                <a:schemeClr val="bg1"/>
+              </a:solidFill>
+              <a:latin typeface="Times New Roman" pitchFamily="18" charset="0"/>
+              <a:cs typeface="Times New Roman" pitchFamily="18" charset="0"/>
+            </a:endParaRPr>
+          </a:p>
+        </p:txBody>
+      </p:sp>
+      <p:sp>
+        <p:nvSpPr>
+          <p:cNvPr id="5" name="Заголовок 2"/>
+          <p:cNvSpPr txBox="1">
+            <a:spLocks/>
+          </p:cNvSpPr>
+          <p:nvPr/>
+        </p:nvSpPr>
+        <p:spPr>
+          <a:xfrm>
+            <a:off x="467544" y="1556792"/>
+            <a:ext cx="8208912" cy="4032448"/>
+          </a:xfrm>
+          <a:prstGeom prst="rect">
+            <a:avLst/>
+          </a:prstGeom>
+          <a:noFill/>
+        </p:spPr>
+        <p:txBody>
+          <a:bodyPr vert="horz" rtlCol="0" anchor="ctr">
+            <a:noAutofit/>
+            <a:scene3d>
+              <a:camera prst="orthographicFront"/>
+              <a:lightRig rig="soft" dir="t"/>
+            </a:scene3d>
+            <a:sp3d prstMaterial="softEdge">
+              <a:bevelT w="25400" h="25400"/>
+            </a:sp3d>
+          </a:bodyPr>
+          <a:lstStyle/>
+          <a:p>
+            <a:pPr lvl="0"/>
+            <a:endParaRPr lang="ru-RU" sz="2400" dirty="0">
+              <a:latin typeface="Times New Roman" pitchFamily="18" charset="0"/>
+              <a:cs typeface="Times New Roman" pitchFamily="18" charset="0"/>
+            </a:endParaRPr>
+          </a:p>
+          <a:p>
+            <a:pPr lvl="0"/>
+            <a:endParaRPr lang="ru-RU" sz="2400" dirty="0">
+              <a:latin typeface="Times New Roman" pitchFamily="18" charset="0"/>
+              <a:cs typeface="Times New Roman" pitchFamily="18" charset="0"/>
+            </a:endParaRPr>
+          </a:p>
+          <a:p>
+            <a:pPr marL="0" marR="0" lvl="0" indent="0" algn="l" defTabSz="914400" rtl="0" eaLnBrk="1" fontAlgn="auto" latinLnBrk="0" hangingPunct="1">
+              <a:lnSpc>
+                <a:spcPct val="100000"/>
+              </a:lnSpc>
+              <a:spcBef>
+                <a:spcPct val="0"/>
+              </a:spcBef>
+              <a:spcAft>
+                <a:spcPts val="0"/>
+              </a:spcAft>
+              <a:buClrTx/>
+              <a:buSzTx/>
+              <a:buFont typeface="Arial" pitchFamily="34" charset="0"/>
+              <a:buChar char="•"/>
+              <a:tabLst/>
+              <a:defRPr/>
+            </a:pPr>
+            <a:endParaRPr lang="ru-RU" sz="3200" dirty="0" smtClean="0">
+              <a:effectLst>
+                <a:outerShdw blurRad="31750" dist="25400" dir="5400000" algn="tl" rotWithShape="0">
+                  <a:srgbClr val="000000">
+                    <a:alpha val="25000"/>
+                  </a:srgbClr>
+                </a:outerShdw>
+              </a:effectLst>
+              <a:latin typeface="Times New Roman" pitchFamily="18" charset="0"/>
+              <a:ea typeface="+mj-ea"/>
+              <a:cs typeface="Times New Roman" pitchFamily="18" charset="0"/>
+            </a:endParaRPr>
+          </a:p>
+          <a:p>
+            <a:pPr marL="0" marR="0" lvl="0" indent="0" algn="l" defTabSz="914400" rtl="0" eaLnBrk="1" fontAlgn="auto" latinLnBrk="0" hangingPunct="1">
+              <a:lnSpc>
+                <a:spcPct val="100000"/>
+              </a:lnSpc>
+              <a:spcBef>
+                <a:spcPct val="0"/>
+              </a:spcBef>
+              <a:spcAft>
+                <a:spcPts val="0"/>
+              </a:spcAft>
+              <a:buClrTx/>
+              <a:buSzTx/>
+              <a:buFont typeface="Arial" pitchFamily="34" charset="0"/>
+              <a:buChar char="•"/>
+              <a:tabLst/>
+              <a:defRPr/>
+            </a:pPr>
+            <a:endParaRPr lang="ru-RU" sz="3200" dirty="0" smtClean="0">
+              <a:effectLst>
+                <a:outerShdw blurRad="31750" dist="25400" dir="5400000" algn="tl" rotWithShape="0">
+                  <a:srgbClr val="000000">
+                    <a:alpha val="25000"/>
+                  </a:srgbClr>
+                </a:outerShdw>
+              </a:effectLst>
+              <a:latin typeface="Times New Roman" pitchFamily="18" charset="0"/>
+              <a:ea typeface="+mj-ea"/>
+              <a:cs typeface="Times New Roman" pitchFamily="18" charset="0"/>
+            </a:endParaRPr>
+          </a:p>
+        </p:txBody>
+      </p:sp>
+      <p:pic>
+        <p:nvPicPr>
+          <p:cNvPr id="4" name="Рисунок 3" descr="Архитектура Компов"/>
+          <p:cNvPicPr/>
+          <p:nvPr/>
+        </p:nvPicPr>
+        <p:blipFill>
+          <a:blip r:embed="rId3" cstate="print"/>
+          <a:srcRect/>
+          <a:stretch>
+            <a:fillRect/>
+          </a:stretch>
+        </p:blipFill>
+        <p:spPr bwMode="auto">
+          <a:xfrm>
+            <a:off x="1763688" y="1628800"/>
+            <a:ext cx="5544616" cy="4464496"/>
+          </a:xfrm>
+          <a:prstGeom prst="rect">
+            <a:avLst/>
+          </a:prstGeom>
+          <a:noFill/>
+          <a:ln w="9525">
+            <a:noFill/>
+            <a:miter lim="800000"/>
+            <a:headEnd/>
+            <a:tailEnd/>
+          </a:ln>
+        </p:spPr>
+      </p:pic>
+    </p:spTree>
+  </p:cSld>
+  <p:clrMapOvr>
+    <a:masterClrMapping/>
+  </p:clrMapOvr>
+  <p:timing>
+    <p:tnLst>
+      <p:par>
+        <p:cTn id="1" dur="indefinite" restart="never" nodeType="tmRoot"/>
+      </p:par>
+    </p:tnLst>
+  </p:timing>
+</p:sld>
+</file>
+
+<file path=ppt/slides/slide12.xml><?xml version="1.0" encoding="utf-8"?>
+<p:sld xmlns:a="http://schemas.openxmlformats.org/drawingml/2006/main" xmlns:r="http://schemas.openxmlformats.org/officeDocument/2006/relationships" xmlns:p="http://schemas.openxmlformats.org/presentationml/2006/main">
+  <p:cSld>
+    <p:spTree>
+      <p:nvGrpSpPr>
+        <p:cNvPr id="1" name=""/>
+        <p:cNvGrpSpPr/>
+        <p:nvPr/>
+      </p:nvGrpSpPr>
+      <p:grpSpPr>
+        <a:xfrm>
+          <a:off x="0" y="0"/>
+          <a:ext cx="0" cy="0"/>
+          <a:chOff x="0" y="0"/>
+          <a:chExt cx="0" cy="0"/>
+        </a:xfrm>
+      </p:grpSpPr>
+      <p:sp>
+        <p:nvSpPr>
+          <p:cNvPr id="3" name="Заголовок 2"/>
+          <p:cNvSpPr>
+            <a:spLocks noGrp="1"/>
+          </p:cNvSpPr>
+          <p:nvPr>
+            <p:ph type="title"/>
+          </p:nvPr>
+        </p:nvSpPr>
+        <p:spPr>
+          <a:solidFill>
+            <a:schemeClr val="bg2">
+              <a:lumMod val="50000"/>
+            </a:schemeClr>
+          </a:solidFill>
+        </p:spPr>
+        <p:txBody>
+          <a:bodyPr>
+            <a:noAutofit/>
+          </a:bodyPr>
+          <a:lstStyle/>
+          <a:p>
+            <a:r>
+              <a:rPr lang="ru-RU" sz="3200" dirty="0" smtClean="0">
+                <a:solidFill>
+                  <a:schemeClr val="bg1"/>
+                </a:solidFill>
+                <a:latin typeface="Times New Roman" pitchFamily="18" charset="0"/>
+                <a:cs typeface="Times New Roman" pitchFamily="18" charset="0"/>
+              </a:rPr>
+              <a:t>Программные продукты учета розничных и оптовых продаж.</a:t>
+            </a:r>
+            <a:endParaRPr lang="ru-RU" sz="3200" dirty="0">
+              <a:solidFill>
+                <a:schemeClr val="bg1"/>
+              </a:solidFill>
+              <a:latin typeface="Times New Roman" pitchFamily="18" charset="0"/>
+              <a:cs typeface="Times New Roman" pitchFamily="18" charset="0"/>
+            </a:endParaRPr>
+          </a:p>
+        </p:txBody>
+      </p:sp>
+      <p:sp>
+        <p:nvSpPr>
+          <p:cNvPr id="5" name="Заголовок 2"/>
+          <p:cNvSpPr txBox="1">
+            <a:spLocks/>
+          </p:cNvSpPr>
+          <p:nvPr/>
+        </p:nvSpPr>
+        <p:spPr>
+          <a:xfrm>
+            <a:off x="467544" y="1700808"/>
+            <a:ext cx="8208912" cy="2088232"/>
+          </a:xfrm>
+          <a:prstGeom prst="rect">
+            <a:avLst/>
+          </a:prstGeom>
+          <a:noFill/>
+        </p:spPr>
+        <p:txBody>
+          <a:bodyPr vert="horz" rtlCol="0" anchor="ctr">
+            <a:noAutofit/>
+            <a:scene3d>
+              <a:camera prst="orthographicFront"/>
+              <a:lightRig rig="soft" dir="t"/>
+            </a:scene3d>
+            <a:sp3d prstMaterial="softEdge">
+              <a:bevelT w="25400" h="25400"/>
+            </a:sp3d>
+          </a:bodyPr>
+          <a:lstStyle/>
+          <a:p>
+            <a:pPr marL="0" marR="0" lvl="0" indent="0" algn="l" defTabSz="914400" rtl="0" eaLnBrk="1" fontAlgn="auto" latinLnBrk="0" hangingPunct="1">
+              <a:lnSpc>
+                <a:spcPct val="100000"/>
+              </a:lnSpc>
+              <a:spcBef>
+                <a:spcPct val="0"/>
+              </a:spcBef>
+              <a:spcAft>
+                <a:spcPts val="0"/>
+              </a:spcAft>
+              <a:buClrTx/>
+              <a:buSzTx/>
+              <a:tabLst/>
+              <a:defRPr/>
+            </a:pPr>
+            <a:r>
+              <a:rPr lang="ru-RU" sz="2400" b="1" dirty="0" smtClean="0">
+                <a:effectLst>
+                  <a:outerShdw blurRad="31750" dist="25400" dir="5400000" algn="tl" rotWithShape="0">
+                    <a:srgbClr val="000000">
+                      <a:alpha val="25000"/>
+                    </a:srgbClr>
+                  </a:outerShdw>
+                </a:effectLst>
+                <a:latin typeface="Times New Roman" pitchFamily="18" charset="0"/>
+                <a:ea typeface="+mj-ea"/>
+                <a:cs typeface="Times New Roman" pitchFamily="18" charset="0"/>
+              </a:rPr>
+              <a:t>Лидеры продуктов учета:</a:t>
+            </a:r>
+            <a:endParaRPr lang="ru-RU" sz="3200" b="1" dirty="0" smtClean="0">
+              <a:effectLst>
+                <a:outerShdw blurRad="31750" dist="25400" dir="5400000" algn="tl" rotWithShape="0">
+                  <a:srgbClr val="000000">
+                    <a:alpha val="25000"/>
+                  </a:srgbClr>
+                </a:outerShdw>
+              </a:effectLst>
+              <a:latin typeface="Times New Roman" pitchFamily="18" charset="0"/>
+              <a:ea typeface="+mj-ea"/>
+              <a:cs typeface="Times New Roman" pitchFamily="18" charset="0"/>
+            </a:endParaRPr>
+          </a:p>
+          <a:p>
+            <a:pPr marL="0" marR="0" lvl="0" indent="0" algn="l" defTabSz="914400" rtl="0" eaLnBrk="1" fontAlgn="auto" latinLnBrk="0" hangingPunct="1">
+              <a:lnSpc>
+                <a:spcPct val="100000"/>
+              </a:lnSpc>
+              <a:spcBef>
+                <a:spcPct val="0"/>
+              </a:spcBef>
+              <a:spcAft>
+                <a:spcPts val="0"/>
+              </a:spcAft>
+              <a:buClrTx/>
+              <a:buSzTx/>
+              <a:buFont typeface="Arial" pitchFamily="34" charset="0"/>
+              <a:buChar char="•"/>
+              <a:tabLst/>
+              <a:defRPr/>
+            </a:pPr>
+            <a:r>
+              <a:rPr lang="ru-RU" sz="2400" dirty="0" smtClean="0">
+                <a:effectLst>
+                  <a:outerShdw blurRad="31750" dist="25400" dir="5400000" algn="tl" rotWithShape="0">
+                    <a:srgbClr val="000000">
+                      <a:alpha val="25000"/>
+                    </a:srgbClr>
+                  </a:outerShdw>
+                </a:effectLst>
+                <a:latin typeface="Times New Roman" pitchFamily="18" charset="0"/>
+                <a:ea typeface="+mj-ea"/>
+                <a:cs typeface="Times New Roman" pitchFamily="18" charset="0"/>
+              </a:rPr>
+              <a:t> Турбо Бухгалтер;</a:t>
+            </a:r>
+          </a:p>
+          <a:p>
+            <a:pPr marL="0" marR="0" lvl="0" indent="0" algn="l" defTabSz="914400" rtl="0" eaLnBrk="1" fontAlgn="auto" latinLnBrk="0" hangingPunct="1">
+              <a:lnSpc>
+                <a:spcPct val="100000"/>
+              </a:lnSpc>
+              <a:spcBef>
+                <a:spcPct val="0"/>
+              </a:spcBef>
+              <a:spcAft>
+                <a:spcPts val="0"/>
+              </a:spcAft>
+              <a:buClrTx/>
+              <a:buSzTx/>
+              <a:buFont typeface="Arial" pitchFamily="34" charset="0"/>
+              <a:buChar char="•"/>
+              <a:tabLst/>
+              <a:defRPr/>
+            </a:pPr>
+            <a:r>
+              <a:rPr lang="ru-RU" sz="2400" dirty="0" smtClean="0">
+                <a:effectLst>
+                  <a:outerShdw blurRad="31750" dist="25400" dir="5400000" algn="tl" rotWithShape="0">
+                    <a:srgbClr val="000000">
+                      <a:alpha val="25000"/>
+                    </a:srgbClr>
+                  </a:outerShdw>
+                </a:effectLst>
+                <a:latin typeface="Times New Roman" pitchFamily="18" charset="0"/>
+                <a:ea typeface="+mj-ea"/>
+                <a:cs typeface="Times New Roman" pitchFamily="18" charset="0"/>
+              </a:rPr>
+              <a:t> 1С «Бухгалтер»;</a:t>
+            </a:r>
+          </a:p>
+          <a:p>
+            <a:pPr marL="0" marR="0" lvl="0" indent="0" algn="l" defTabSz="914400" rtl="0" eaLnBrk="1" fontAlgn="auto" latinLnBrk="0" hangingPunct="1">
+              <a:lnSpc>
+                <a:spcPct val="100000"/>
+              </a:lnSpc>
+              <a:spcBef>
+                <a:spcPct val="0"/>
+              </a:spcBef>
+              <a:spcAft>
+                <a:spcPts val="0"/>
+              </a:spcAft>
+              <a:buClrTx/>
+              <a:buSzTx/>
+              <a:buFont typeface="Arial" pitchFamily="34" charset="0"/>
+              <a:buChar char="•"/>
+              <a:tabLst/>
+              <a:defRPr/>
+            </a:pPr>
+            <a:r>
+              <a:rPr lang="ru-RU" sz="2400" dirty="0" smtClean="0">
+                <a:effectLst>
+                  <a:outerShdw blurRad="31750" dist="25400" dir="5400000" algn="tl" rotWithShape="0">
+                    <a:srgbClr val="000000">
+                      <a:alpha val="25000"/>
+                    </a:srgbClr>
+                  </a:outerShdw>
+                </a:effectLst>
+                <a:latin typeface="Times New Roman" pitchFamily="18" charset="0"/>
+                <a:ea typeface="+mj-ea"/>
+                <a:cs typeface="Times New Roman" pitchFamily="18" charset="0"/>
+              </a:rPr>
+              <a:t> 1С «Управление торговлей»;</a:t>
+            </a:r>
+          </a:p>
+          <a:p>
+            <a:pPr lvl="0">
+              <a:spcBef>
+                <a:spcPct val="0"/>
+              </a:spcBef>
+              <a:buFont typeface="Arial" pitchFamily="34" charset="0"/>
+              <a:buChar char="•"/>
+              <a:defRPr/>
+            </a:pPr>
+            <a:r>
+              <a:rPr lang="ru-RU" sz="2400" dirty="0" smtClean="0">
+                <a:effectLst>
+                  <a:outerShdw blurRad="31750" dist="25400" dir="5400000" algn="tl" rotWithShape="0">
+                    <a:srgbClr val="000000">
+                      <a:alpha val="25000"/>
+                    </a:srgbClr>
+                  </a:outerShdw>
+                </a:effectLst>
+                <a:latin typeface="Times New Roman" pitchFamily="18" charset="0"/>
+                <a:ea typeface="+mj-ea"/>
+                <a:cs typeface="Times New Roman" pitchFamily="18" charset="0"/>
+              </a:rPr>
+              <a:t> 1С «</a:t>
+            </a:r>
+            <a:r>
+              <a:rPr lang="ru-RU" sz="2400" dirty="0" smtClean="0">
+                <a:effectLst>
+                  <a:outerShdw blurRad="31750" dist="25400" dir="5400000" algn="tl" rotWithShape="0">
+                    <a:srgbClr val="000000">
+                      <a:alpha val="25000"/>
+                    </a:srgbClr>
+                  </a:outerShdw>
+                </a:effectLst>
+                <a:latin typeface="Times New Roman" pitchFamily="18" charset="0"/>
+                <a:cs typeface="Times New Roman" pitchFamily="18" charset="0"/>
+              </a:rPr>
+              <a:t>Управление предприятием</a:t>
+            </a:r>
+            <a:r>
+              <a:rPr lang="ru-RU" sz="2400" dirty="0" smtClean="0">
+                <a:effectLst>
+                  <a:outerShdw blurRad="31750" dist="25400" dir="5400000" algn="tl" rotWithShape="0">
+                    <a:srgbClr val="000000">
+                      <a:alpha val="25000"/>
+                    </a:srgbClr>
+                  </a:outerShdw>
+                </a:effectLst>
+                <a:latin typeface="Times New Roman" pitchFamily="18" charset="0"/>
+                <a:ea typeface="+mj-ea"/>
+                <a:cs typeface="Times New Roman" pitchFamily="18" charset="0"/>
+              </a:rPr>
+              <a:t>»</a:t>
+            </a:r>
+          </a:p>
+        </p:txBody>
+      </p:sp>
+    </p:spTree>
+  </p:cSld>
+  <p:clrMapOvr>
+    <a:masterClrMapping/>
+  </p:clrMapOvr>
+  <p:timing>
+    <p:tnLst>
+      <p:par>
+        <p:cTn id="1" dur="indefinite" restart="never" nodeType="tmRoot"/>
+      </p:par>
+    </p:tnLst>
+  </p:timing>
+</p:sld>
+</file>
+
+<file path=ppt/slides/slide13.xml><?xml version="1.0" encoding="utf-8"?>
+<p:sld xmlns:a="http://schemas.openxmlformats.org/drawingml/2006/main" xmlns:r="http://schemas.openxmlformats.org/officeDocument/2006/relationships" xmlns:p="http://schemas.openxmlformats.org/presentationml/2006/main">
+  <p:cSld>
+    <p:spTree>
+      <p:nvGrpSpPr>
+        <p:cNvPr id="1" name=""/>
+        <p:cNvGrpSpPr/>
+        <p:nvPr/>
+      </p:nvGrpSpPr>
+      <p:grpSpPr>
+        <a:xfrm>
+          <a:off x="0" y="0"/>
+          <a:ext cx="0" cy="0"/>
+          <a:chOff x="0" y="0"/>
+          <a:chExt cx="0" cy="0"/>
+        </a:xfrm>
+      </p:grpSpPr>
+      <p:sp>
+        <p:nvSpPr>
+          <p:cNvPr id="3" name="Заголовок 2"/>
+          <p:cNvSpPr>
+            <a:spLocks noGrp="1"/>
+          </p:cNvSpPr>
+          <p:nvPr>
+            <p:ph type="title"/>
+          </p:nvPr>
+        </p:nvSpPr>
+        <p:spPr>
+          <a:solidFill>
+            <a:schemeClr val="bg2">
+              <a:lumMod val="50000"/>
+            </a:schemeClr>
+          </a:solidFill>
+        </p:spPr>
+        <p:txBody>
+          <a:bodyPr>
+            <a:noAutofit/>
+          </a:bodyPr>
+          <a:lstStyle/>
+          <a:p>
+            <a:r>
+              <a:rPr lang="ru-RU" sz="3200" dirty="0" smtClean="0">
+                <a:solidFill>
+                  <a:schemeClr val="bg1"/>
+                </a:solidFill>
+                <a:latin typeface="Times New Roman" pitchFamily="18" charset="0"/>
+                <a:cs typeface="Times New Roman" pitchFamily="18" charset="0"/>
+              </a:rPr>
               <a:t>Критерии выбора системы учета розничных и оптовых продаж.</a:t>
             </a:r>
             <a:endParaRPr lang="ru-RU" sz="3200" dirty="0">
@@ -8392,7 +9142,7 @@
 </p:sld>
 </file>
 
-<file path=ppt/slides/slide11.xml><?xml version="1.0" encoding="utf-8"?>
+<file path=ppt/slides/slide14.xml><?xml version="1.0" encoding="utf-8"?>
 <p:sld xmlns:a="http://schemas.openxmlformats.org/drawingml/2006/main" xmlns:r="http://schemas.openxmlformats.org/officeDocument/2006/relationships" xmlns:p="http://schemas.openxmlformats.org/presentationml/2006/main">
   <p:cSld>
     <p:spTree>
@@ -8668,7 +9418,7 @@
 </p:sld>
 </file>
 
-<file path=ppt/slides/slide12.xml><?xml version="1.0" encoding="utf-8"?>
+<file path=ppt/slides/slide15.xml><?xml version="1.0" encoding="utf-8"?>
 <p:sld xmlns:a="http://schemas.openxmlformats.org/drawingml/2006/main" xmlns:r="http://schemas.openxmlformats.org/officeDocument/2006/relationships" xmlns:p="http://schemas.openxmlformats.org/presentationml/2006/main">
   <p:cSld>
     <p:spTree>
@@ -8811,7 +9561,7 @@
 </p:sld>
 </file>
 
-<file path=ppt/slides/slide13.xml><?xml version="1.0" encoding="utf-8"?>
+<file path=ppt/slides/slide16.xml><?xml version="1.0" encoding="utf-8"?>
 <p:sld xmlns:a="http://schemas.openxmlformats.org/drawingml/2006/main" xmlns:r="http://schemas.openxmlformats.org/officeDocument/2006/relationships" xmlns:p="http://schemas.openxmlformats.org/presentationml/2006/main" show="0">
   <p:cSld>
     <p:spTree>
@@ -8955,7 +9705,7 @@
 </p:sld>
 </file>
 
-<file path=ppt/slides/slide14.xml><?xml version="1.0" encoding="utf-8"?>
+<file path=ppt/slides/slide17.xml><?xml version="1.0" encoding="utf-8"?>
 <p:sld xmlns:a="http://schemas.openxmlformats.org/drawingml/2006/main" xmlns:r="http://schemas.openxmlformats.org/officeDocument/2006/relationships" xmlns:p="http://schemas.openxmlformats.org/presentationml/2006/main" show="0">
   <p:cSld>
     <p:spTree>
@@ -9129,7 +9879,7 @@
 </p:sld>
 </file>
 
-<file path=ppt/slides/slide15.xml><?xml version="1.0" encoding="utf-8"?>
+<file path=ppt/slides/slide18.xml><?xml version="1.0" encoding="utf-8"?>
 <p:sld xmlns:a="http://schemas.openxmlformats.org/drawingml/2006/main" xmlns:r="http://schemas.openxmlformats.org/officeDocument/2006/relationships" xmlns:p="http://schemas.openxmlformats.org/presentationml/2006/main" show="0">
   <p:cSld>
     <p:spTree>
@@ -9333,8 +10083,8 @@
 </p:sld>
 </file>
 
-<file path=ppt/slides/slide16.xml><?xml version="1.0" encoding="utf-8"?>
-<p:sld xmlns:a="http://schemas.openxmlformats.org/drawingml/2006/main" xmlns:r="http://schemas.openxmlformats.org/officeDocument/2006/relationships" xmlns:p="http://schemas.openxmlformats.org/presentationml/2006/main">
+<file path=ppt/slides/slide19.xml><?xml version="1.0" encoding="utf-8"?>
+<p:sld xmlns:a="http://schemas.openxmlformats.org/drawingml/2006/main" xmlns:r="http://schemas.openxmlformats.org/officeDocument/2006/relationships" xmlns:p="http://schemas.openxmlformats.org/presentationml/2006/main" show="0">
   <p:cSld>
     <p:spTree>
       <p:nvGrpSpPr>
@@ -9468,6 +10218,7 @@
   <p:clrMapOvr>
     <a:masterClrMapping/>
   </p:clrMapOvr>
+  <p:transition/>
   <p:timing>
     <p:tnLst>
       <p:par>
@@ -9478,7 +10229,203 @@
 </p:sld>
 </file>
 
-<file path=ppt/slides/slide17.xml><?xml version="1.0" encoding="utf-8"?>
+<file path=ppt/slides/slide2.xml><?xml version="1.0" encoding="utf-8"?>
+<p:sld xmlns:a="http://schemas.openxmlformats.org/drawingml/2006/main" xmlns:r="http://schemas.openxmlformats.org/officeDocument/2006/relationships" xmlns:p="http://schemas.openxmlformats.org/presentationml/2006/main">
+  <p:cSld>
+    <p:spTree>
+      <p:nvGrpSpPr>
+        <p:cNvPr id="1" name=""/>
+        <p:cNvGrpSpPr/>
+        <p:nvPr/>
+      </p:nvGrpSpPr>
+      <p:grpSpPr>
+        <a:xfrm>
+          <a:off x="0" y="0"/>
+          <a:ext cx="0" cy="0"/>
+          <a:chOff x="0" y="0"/>
+          <a:chExt cx="0" cy="0"/>
+        </a:xfrm>
+      </p:grpSpPr>
+      <p:sp>
+        <p:nvSpPr>
+          <p:cNvPr id="2" name="Содержимое 1"/>
+          <p:cNvSpPr>
+            <a:spLocks noGrp="1"/>
+          </p:cNvSpPr>
+          <p:nvPr>
+            <p:ph idx="1"/>
+          </p:nvPr>
+        </p:nvSpPr>
+        <p:spPr/>
+        <p:txBody>
+          <a:bodyPr>
+            <a:normAutofit/>
+          </a:bodyPr>
+          <a:lstStyle/>
+          <a:p>
+            <a:pPr marL="0" indent="449263">
+              <a:buNone/>
+            </a:pPr>
+            <a:r>
+              <a:rPr lang="ru-RU" sz="2400" dirty="0" smtClean="0">
+                <a:latin typeface="Times New Roman" pitchFamily="18" charset="0"/>
+                <a:cs typeface="Times New Roman" pitchFamily="18" charset="0"/>
+              </a:rPr>
+              <a:t> </a:t>
+            </a:r>
+            <a:r>
+              <a:rPr lang="ru-RU" sz="2200" dirty="0" smtClean="0">
+                <a:latin typeface="Times New Roman" pitchFamily="18" charset="0"/>
+                <a:cs typeface="Times New Roman" pitchFamily="18" charset="0"/>
+              </a:rPr>
+              <a:t>Целью данной выпускной квалификационной работы является проектирование и внедрение комплексной автоматизации магазина строительных материалов.</a:t>
+            </a:r>
+          </a:p>
+          <a:p>
+            <a:pPr marL="0" indent="449263">
+              <a:buNone/>
+            </a:pPr>
+            <a:r>
+              <a:rPr lang="ru-RU" sz="2200" b="1" dirty="0" smtClean="0">
+                <a:latin typeface="Times New Roman" pitchFamily="18" charset="0"/>
+                <a:cs typeface="Times New Roman" pitchFamily="18" charset="0"/>
+              </a:rPr>
+              <a:t>Задачи:</a:t>
+            </a:r>
+          </a:p>
+          <a:p>
+            <a:pPr marL="536575" indent="449263"/>
+            <a:r>
+              <a:rPr lang="ru-RU" sz="2200" dirty="0" smtClean="0">
+                <a:latin typeface="Times New Roman" pitchFamily="18" charset="0"/>
+                <a:cs typeface="Times New Roman" pitchFamily="18" charset="0"/>
+              </a:rPr>
+              <a:t>Анализ автоматизации магазина строительных материалов;</a:t>
+            </a:r>
+          </a:p>
+          <a:p>
+            <a:pPr marL="536575" indent="449263"/>
+            <a:r>
+              <a:rPr lang="ru-RU" sz="2200" dirty="0" smtClean="0">
+                <a:latin typeface="Times New Roman" pitchFamily="18" charset="0"/>
+                <a:cs typeface="Times New Roman" pitchFamily="18" charset="0"/>
+              </a:rPr>
+              <a:t>Эскизное проектирование и выбор компонентов автоматизации магазина;</a:t>
+            </a:r>
+          </a:p>
+          <a:p>
+            <a:pPr marL="536575" indent="449263"/>
+            <a:r>
+              <a:rPr lang="ru-RU" sz="2200" dirty="0" smtClean="0">
+                <a:latin typeface="Times New Roman" pitchFamily="18" charset="0"/>
+                <a:cs typeface="Times New Roman" pitchFamily="18" charset="0"/>
+              </a:rPr>
+              <a:t>Проектирование систем автоматизации магазина;</a:t>
+            </a:r>
+          </a:p>
+          <a:p>
+            <a:pPr marL="536575" indent="449263"/>
+            <a:r>
+              <a:rPr lang="ru-RU" sz="2200" dirty="0" smtClean="0">
+                <a:latin typeface="Times New Roman" pitchFamily="18" charset="0"/>
+                <a:cs typeface="Times New Roman" pitchFamily="18" charset="0"/>
+              </a:rPr>
+              <a:t>Внедрение комплексной автоматизации магазина строительных материалов.</a:t>
+            </a:r>
+          </a:p>
+          <a:p>
+            <a:pPr marL="0" indent="261938">
+              <a:buNone/>
+            </a:pPr>
+            <a:endParaRPr lang="ru-RU" sz="2400" dirty="0" smtClean="0">
+              <a:latin typeface="Times New Roman" pitchFamily="18" charset="0"/>
+              <a:cs typeface="Times New Roman" pitchFamily="18" charset="0"/>
+            </a:endParaRPr>
+          </a:p>
+          <a:p>
+            <a:pPr marL="0" indent="0">
+              <a:buNone/>
+            </a:pPr>
+            <a:endParaRPr lang="ru-RU" sz="2400" dirty="0">
+              <a:latin typeface="Times New Roman" pitchFamily="18" charset="0"/>
+              <a:cs typeface="Times New Roman" pitchFamily="18" charset="0"/>
+            </a:endParaRPr>
+          </a:p>
+        </p:txBody>
+      </p:sp>
+      <p:sp>
+        <p:nvSpPr>
+          <p:cNvPr id="3" name="Заголовок 2"/>
+          <p:cNvSpPr>
+            <a:spLocks noGrp="1"/>
+          </p:cNvSpPr>
+          <p:nvPr>
+            <p:ph type="title"/>
+          </p:nvPr>
+        </p:nvSpPr>
+        <p:spPr>
+          <a:solidFill>
+            <a:schemeClr val="bg2">
+              <a:lumMod val="50000"/>
+            </a:schemeClr>
+          </a:solidFill>
+        </p:spPr>
+        <p:txBody>
+          <a:bodyPr>
+            <a:noAutofit/>
+          </a:bodyPr>
+          <a:lstStyle/>
+          <a:p>
+            <a:r>
+              <a:rPr lang="ru-RU" sz="3200" dirty="0" smtClean="0">
+                <a:solidFill>
+                  <a:schemeClr val="bg1"/>
+                </a:solidFill>
+                <a:effectLst>
+                  <a:outerShdw blurRad="38100" dist="38100" dir="2700000" algn="tl">
+                    <a:srgbClr val="000000">
+                      <a:alpha val="43137"/>
+                    </a:srgbClr>
+                  </a:outerShdw>
+                </a:effectLst>
+                <a:latin typeface="Times New Roman" pitchFamily="18" charset="0"/>
+                <a:cs typeface="Times New Roman" pitchFamily="18" charset="0"/>
+              </a:rPr>
+              <a:t>Цель и задачи выпускной квалификационной работы</a:t>
+            </a:r>
+            <a:endParaRPr lang="ru-RU" sz="3200" dirty="0">
+              <a:solidFill>
+                <a:schemeClr val="bg1"/>
+              </a:solidFill>
+              <a:effectLst>
+                <a:outerShdw blurRad="38100" dist="38100" dir="2700000" algn="tl">
+                  <a:srgbClr val="000000">
+                    <a:alpha val="43137"/>
+                  </a:srgbClr>
+                </a:outerShdw>
+              </a:effectLst>
+              <a:latin typeface="Times New Roman" pitchFamily="18" charset="0"/>
+              <a:cs typeface="Times New Roman" pitchFamily="18" charset="0"/>
+            </a:endParaRPr>
+          </a:p>
+        </p:txBody>
+      </p:sp>
+    </p:spTree>
+  </p:cSld>
+  <p:clrMapOvr>
+    <a:masterClrMapping/>
+  </p:clrMapOvr>
+  <p:timing>
+    <p:tnLst>
+      <p:par>
+        <p:cTn id="1" dur="indefinite" restart="never" nodeType="tmRoot"/>
+      </p:par>
+    </p:tnLst>
+  </p:timing>
+</p:sld>
+</file>
+
+<file path=ppt/slides/slide20.xml><?xml version="1.0" encoding="utf-8"?>
 <p:sld xmlns:a="http://schemas.openxmlformats.org/drawingml/2006/main" xmlns:r="http://schemas.openxmlformats.org/officeDocument/2006/relationships" xmlns:p="http://schemas.openxmlformats.org/presentationml/2006/main">
   <p:cSld>
     <p:spTree>
@@ -9675,7 +10622,7 @@
 </p:sld>
 </file>
 
-<file path=ppt/slides/slide18.xml><?xml version="1.0" encoding="utf-8"?>
+<file path=ppt/slides/slide21.xml><?xml version="1.0" encoding="utf-8"?>
 <p:sld xmlns:a="http://schemas.openxmlformats.org/drawingml/2006/main" xmlns:r="http://schemas.openxmlformats.org/officeDocument/2006/relationships" xmlns:p="http://schemas.openxmlformats.org/presentationml/2006/main">
   <p:cSld>
     <p:spTree>
@@ -9782,944 +10729,6 @@
 </p:sld>
 </file>
 
-<file path=ppt/slides/slide19.xml><?xml version="1.0" encoding="utf-8"?>
-<p:sld xmlns:a="http://schemas.openxmlformats.org/drawingml/2006/main" xmlns:r="http://schemas.openxmlformats.org/officeDocument/2006/relationships" xmlns:p="http://schemas.openxmlformats.org/presentationml/2006/main">
-  <p:cSld>
-    <p:spTree>
-      <p:nvGrpSpPr>
-        <p:cNvPr id="1" name=""/>
-        <p:cNvGrpSpPr/>
-        <p:nvPr/>
-      </p:nvGrpSpPr>
-      <p:grpSpPr>
-        <a:xfrm>
-          <a:off x="0" y="0"/>
-          <a:ext cx="0" cy="0"/>
-          <a:chOff x="0" y="0"/>
-          <a:chExt cx="0" cy="0"/>
-        </a:xfrm>
-      </p:grpSpPr>
-      <p:sp>
-        <p:nvSpPr>
-          <p:cNvPr id="3" name="Заголовок 2"/>
-          <p:cNvSpPr>
-            <a:spLocks noGrp="1"/>
-          </p:cNvSpPr>
-          <p:nvPr>
-            <p:ph type="title"/>
-          </p:nvPr>
-        </p:nvSpPr>
-        <p:spPr>
-          <a:solidFill>
-            <a:schemeClr val="bg2">
-              <a:lumMod val="50000"/>
-            </a:schemeClr>
-          </a:solidFill>
-        </p:spPr>
-        <p:txBody>
-          <a:bodyPr>
-            <a:noAutofit/>
-          </a:bodyPr>
-          <a:lstStyle/>
-          <a:p>
-            <a:r>
-              <a:rPr lang="ru-RU" sz="3200" dirty="0" smtClean="0">
-                <a:solidFill>
-                  <a:schemeClr val="bg1"/>
-                </a:solidFill>
-                <a:latin typeface="Times New Roman" pitchFamily="18" charset="0"/>
-                <a:cs typeface="Times New Roman" pitchFamily="18" charset="0"/>
-              </a:rPr>
-              <a:t>Схема организации и критерии выбора     системы телекоммуникации</a:t>
-            </a:r>
-            <a:endParaRPr lang="ru-RU" sz="3200" dirty="0">
-              <a:solidFill>
-                <a:schemeClr val="bg1"/>
-              </a:solidFill>
-              <a:latin typeface="Times New Roman" pitchFamily="18" charset="0"/>
-              <a:cs typeface="Times New Roman" pitchFamily="18" charset="0"/>
-            </a:endParaRPr>
-          </a:p>
-        </p:txBody>
-      </p:sp>
-      <p:pic>
-        <p:nvPicPr>
-          <p:cNvPr id="4098" name="Picture 2" descr="Архитектура телеф"/>
-          <p:cNvPicPr>
-            <a:picLocks noChangeAspect="1" noChangeArrowheads="1"/>
-          </p:cNvPicPr>
-          <p:nvPr/>
-        </p:nvPicPr>
-        <p:blipFill>
-          <a:blip r:embed="rId3" cstate="print"/>
-          <a:srcRect/>
-          <a:stretch>
-            <a:fillRect/>
-          </a:stretch>
-        </p:blipFill>
-        <p:spPr bwMode="auto">
-          <a:xfrm>
-            <a:off x="4716016" y="1916832"/>
-            <a:ext cx="4248472" cy="4457700"/>
-          </a:xfrm>
-          <a:prstGeom prst="rect">
-            <a:avLst/>
-          </a:prstGeom>
-          <a:noFill/>
-          <a:ln w="9525">
-            <a:noFill/>
-            <a:miter lim="800000"/>
-            <a:headEnd/>
-            <a:tailEnd/>
-          </a:ln>
-        </p:spPr>
-      </p:pic>
-      <p:sp>
-        <p:nvSpPr>
-          <p:cNvPr id="5" name="Заголовок 2"/>
-          <p:cNvSpPr txBox="1">
-            <a:spLocks/>
-          </p:cNvSpPr>
-          <p:nvPr/>
-        </p:nvSpPr>
-        <p:spPr>
-          <a:xfrm>
-            <a:off x="395536" y="1412776"/>
-            <a:ext cx="5112568" cy="2736304"/>
-          </a:xfrm>
-          <a:prstGeom prst="rect">
-            <a:avLst/>
-          </a:prstGeom>
-          <a:noFill/>
-        </p:spPr>
-        <p:txBody>
-          <a:bodyPr vert="horz" rtlCol="0" anchor="ctr">
-            <a:noAutofit/>
-            <a:scene3d>
-              <a:camera prst="orthographicFront"/>
-              <a:lightRig rig="soft" dir="t"/>
-            </a:scene3d>
-            <a:sp3d prstMaterial="softEdge">
-              <a:bevelT w="25400" h="25400"/>
-            </a:sp3d>
-          </a:bodyPr>
-          <a:lstStyle/>
-          <a:p>
-            <a:r>
-              <a:rPr lang="ru-RU" sz="2400" b="1" dirty="0" smtClean="0">
-                <a:latin typeface="Times New Roman" pitchFamily="18" charset="0"/>
-                <a:cs typeface="Times New Roman" pitchFamily="18" charset="0"/>
-              </a:rPr>
-              <a:t>Основные критерии:</a:t>
-            </a:r>
-          </a:p>
-          <a:p>
-            <a:pPr lvl="0">
-              <a:buFont typeface="Arial" pitchFamily="34" charset="0"/>
-              <a:buChar char="•"/>
-            </a:pPr>
-            <a:r>
-              <a:rPr lang="ru-RU" sz="2400" dirty="0" smtClean="0">
-                <a:latin typeface="Times New Roman" pitchFamily="18" charset="0"/>
-                <a:cs typeface="Times New Roman" pitchFamily="18" charset="0"/>
-              </a:rPr>
-              <a:t> надежность и качество;</a:t>
-            </a:r>
-          </a:p>
-          <a:p>
-            <a:pPr lvl="0">
-              <a:buFont typeface="Arial" pitchFamily="34" charset="0"/>
-              <a:buChar char="•"/>
-            </a:pPr>
-            <a:r>
-              <a:rPr lang="ru-RU" sz="2400" dirty="0" smtClean="0">
-                <a:latin typeface="Times New Roman" pitchFamily="18" charset="0"/>
-                <a:cs typeface="Times New Roman" pitchFamily="18" charset="0"/>
-              </a:rPr>
-              <a:t> возможность подключения 10 или более рабочих телефонных мест;</a:t>
-            </a:r>
-          </a:p>
-          <a:p>
-            <a:pPr lvl="0">
-              <a:buFont typeface="Arial" pitchFamily="34" charset="0"/>
-              <a:buChar char="•"/>
-            </a:pPr>
-            <a:r>
-              <a:rPr lang="ru-RU" sz="2400" dirty="0" smtClean="0">
-                <a:latin typeface="Times New Roman" pitchFamily="18" charset="0"/>
-                <a:cs typeface="Times New Roman" pitchFamily="18" charset="0"/>
-              </a:rPr>
-              <a:t> возможность  переадресации и внутренних вызовов;</a:t>
-            </a:r>
-          </a:p>
-          <a:p>
-            <a:pPr lvl="0">
-              <a:buFont typeface="Arial" pitchFamily="34" charset="0"/>
-              <a:buChar char="•"/>
-            </a:pPr>
-            <a:r>
-              <a:rPr lang="ru-RU" sz="2400" dirty="0" smtClean="0">
-                <a:latin typeface="Times New Roman" pitchFamily="18" charset="0"/>
-                <a:cs typeface="Times New Roman" pitchFamily="18" charset="0"/>
-              </a:rPr>
-              <a:t> цена.</a:t>
-            </a:r>
-            <a:endParaRPr lang="ru-RU" sz="2400" dirty="0">
-              <a:latin typeface="Times New Roman" pitchFamily="18" charset="0"/>
-              <a:cs typeface="Times New Roman" pitchFamily="18" charset="0"/>
-            </a:endParaRPr>
-          </a:p>
-        </p:txBody>
-      </p:sp>
-      <p:sp>
-        <p:nvSpPr>
-          <p:cNvPr id="7" name="Заголовок 2"/>
-          <p:cNvSpPr txBox="1">
-            <a:spLocks/>
-          </p:cNvSpPr>
-          <p:nvPr/>
-        </p:nvSpPr>
-        <p:spPr>
-          <a:xfrm>
-            <a:off x="5364088" y="1484784"/>
-            <a:ext cx="3024336" cy="432048"/>
-          </a:xfrm>
-          <a:prstGeom prst="rect">
-            <a:avLst/>
-          </a:prstGeom>
-          <a:noFill/>
-        </p:spPr>
-        <p:txBody>
-          <a:bodyPr vert="horz" rtlCol="0" anchor="ctr">
-            <a:noAutofit/>
-            <a:scene3d>
-              <a:camera prst="orthographicFront"/>
-              <a:lightRig rig="soft" dir="t"/>
-            </a:scene3d>
-            <a:sp3d prstMaterial="softEdge">
-              <a:bevelT w="25400" h="25400"/>
-            </a:sp3d>
-          </a:bodyPr>
-          <a:lstStyle/>
-          <a:p>
-            <a:r>
-              <a:rPr lang="ru-RU" sz="2400" b="1" dirty="0" smtClean="0">
-                <a:latin typeface="Times New Roman" pitchFamily="18" charset="0"/>
-                <a:cs typeface="Times New Roman" pitchFamily="18" charset="0"/>
-              </a:rPr>
-              <a:t>Схема подключения</a:t>
-            </a:r>
-            <a:endParaRPr lang="ru-RU" sz="2400" dirty="0">
-              <a:latin typeface="Times New Roman" pitchFamily="18" charset="0"/>
-              <a:cs typeface="Times New Roman" pitchFamily="18" charset="0"/>
-            </a:endParaRPr>
-          </a:p>
-        </p:txBody>
-      </p:sp>
-    </p:spTree>
-  </p:cSld>
-  <p:clrMapOvr>
-    <a:masterClrMapping/>
-  </p:clrMapOvr>
-  <p:timing>
-    <p:tnLst>
-      <p:par>
-        <p:cTn id="1" dur="indefinite" restart="never" nodeType="tmRoot"/>
-      </p:par>
-    </p:tnLst>
-  </p:timing>
-</p:sld>
-</file>
-
-<file path=ppt/slides/slide2.xml><?xml version="1.0" encoding="utf-8"?>
-<p:sld xmlns:a="http://schemas.openxmlformats.org/drawingml/2006/main" xmlns:r="http://schemas.openxmlformats.org/officeDocument/2006/relationships" xmlns:p="http://schemas.openxmlformats.org/presentationml/2006/main">
-  <p:cSld>
-    <p:spTree>
-      <p:nvGrpSpPr>
-        <p:cNvPr id="1" name=""/>
-        <p:cNvGrpSpPr/>
-        <p:nvPr/>
-      </p:nvGrpSpPr>
-      <p:grpSpPr>
-        <a:xfrm>
-          <a:off x="0" y="0"/>
-          <a:ext cx="0" cy="0"/>
-          <a:chOff x="0" y="0"/>
-          <a:chExt cx="0" cy="0"/>
-        </a:xfrm>
-      </p:grpSpPr>
-      <p:sp>
-        <p:nvSpPr>
-          <p:cNvPr id="2" name="Содержимое 1"/>
-          <p:cNvSpPr>
-            <a:spLocks noGrp="1"/>
-          </p:cNvSpPr>
-          <p:nvPr>
-            <p:ph idx="1"/>
-          </p:nvPr>
-        </p:nvSpPr>
-        <p:spPr/>
-        <p:txBody>
-          <a:bodyPr>
-            <a:normAutofit/>
-          </a:bodyPr>
-          <a:lstStyle/>
-          <a:p>
-            <a:pPr marL="0" indent="449263">
-              <a:buNone/>
-            </a:pPr>
-            <a:r>
-              <a:rPr lang="ru-RU" sz="2400" dirty="0" smtClean="0">
-                <a:latin typeface="Times New Roman" pitchFamily="18" charset="0"/>
-                <a:cs typeface="Times New Roman" pitchFamily="18" charset="0"/>
-              </a:rPr>
-              <a:t> </a:t>
-            </a:r>
-            <a:r>
-              <a:rPr lang="ru-RU" sz="2200" dirty="0" smtClean="0">
-                <a:latin typeface="Times New Roman" pitchFamily="18" charset="0"/>
-                <a:cs typeface="Times New Roman" pitchFamily="18" charset="0"/>
-              </a:rPr>
-              <a:t>Целью данной выпускной квалификационной работы является проектирование и внедрение комплексной автоматизации магазина строительных материалов.</a:t>
-            </a:r>
-          </a:p>
-          <a:p>
-            <a:pPr marL="0" indent="449263">
-              <a:buNone/>
-            </a:pPr>
-            <a:r>
-              <a:rPr lang="ru-RU" sz="2200" b="1" dirty="0" smtClean="0">
-                <a:latin typeface="Times New Roman" pitchFamily="18" charset="0"/>
-                <a:cs typeface="Times New Roman" pitchFamily="18" charset="0"/>
-              </a:rPr>
-              <a:t>Задачи:</a:t>
-            </a:r>
-          </a:p>
-          <a:p>
-            <a:pPr marL="536575" indent="449263"/>
-            <a:r>
-              <a:rPr lang="ru-RU" sz="2200" dirty="0" smtClean="0">
-                <a:latin typeface="Times New Roman" pitchFamily="18" charset="0"/>
-                <a:cs typeface="Times New Roman" pitchFamily="18" charset="0"/>
-              </a:rPr>
-              <a:t>Анализ автоматизации магазина строительных материалов.</a:t>
-            </a:r>
-          </a:p>
-          <a:p>
-            <a:pPr marL="536575" indent="449263"/>
-            <a:r>
-              <a:rPr lang="ru-RU" sz="2200" dirty="0" smtClean="0">
-                <a:latin typeface="Times New Roman" pitchFamily="18" charset="0"/>
-                <a:cs typeface="Times New Roman" pitchFamily="18" charset="0"/>
-              </a:rPr>
-              <a:t>Эскизное проектирование и выбор компонентов автоматизации магазина.</a:t>
-            </a:r>
-          </a:p>
-          <a:p>
-            <a:pPr marL="536575" indent="449263"/>
-            <a:r>
-              <a:rPr lang="ru-RU" sz="2200" dirty="0" smtClean="0">
-                <a:latin typeface="Times New Roman" pitchFamily="18" charset="0"/>
-                <a:cs typeface="Times New Roman" pitchFamily="18" charset="0"/>
-              </a:rPr>
-              <a:t>Проектирование системы автоматизации магазина.</a:t>
-            </a:r>
-          </a:p>
-          <a:p>
-            <a:pPr marL="536575" indent="449263"/>
-            <a:r>
-              <a:rPr lang="ru-RU" sz="2200" dirty="0" smtClean="0">
-                <a:latin typeface="Times New Roman" pitchFamily="18" charset="0"/>
-                <a:cs typeface="Times New Roman" pitchFamily="18" charset="0"/>
-              </a:rPr>
-              <a:t>Внедрение комплексной автоматизации магазина строительных материалов.</a:t>
-            </a:r>
-          </a:p>
-          <a:p>
-            <a:pPr marL="0" indent="261938">
-              <a:buNone/>
-            </a:pPr>
-            <a:endParaRPr lang="ru-RU" sz="2400" dirty="0" smtClean="0">
-              <a:latin typeface="Times New Roman" pitchFamily="18" charset="0"/>
-              <a:cs typeface="Times New Roman" pitchFamily="18" charset="0"/>
-            </a:endParaRPr>
-          </a:p>
-          <a:p>
-            <a:pPr marL="0" indent="0">
-              <a:buNone/>
-            </a:pPr>
-            <a:endParaRPr lang="ru-RU" sz="2400" dirty="0">
-              <a:latin typeface="Times New Roman" pitchFamily="18" charset="0"/>
-              <a:cs typeface="Times New Roman" pitchFamily="18" charset="0"/>
-            </a:endParaRPr>
-          </a:p>
-        </p:txBody>
-      </p:sp>
-      <p:sp>
-        <p:nvSpPr>
-          <p:cNvPr id="3" name="Заголовок 2"/>
-          <p:cNvSpPr>
-            <a:spLocks noGrp="1"/>
-          </p:cNvSpPr>
-          <p:nvPr>
-            <p:ph type="title"/>
-          </p:nvPr>
-        </p:nvSpPr>
-        <p:spPr>
-          <a:solidFill>
-            <a:schemeClr val="bg2">
-              <a:lumMod val="50000"/>
-            </a:schemeClr>
-          </a:solidFill>
-        </p:spPr>
-        <p:txBody>
-          <a:bodyPr>
-            <a:noAutofit/>
-          </a:bodyPr>
-          <a:lstStyle/>
-          <a:p>
-            <a:r>
-              <a:rPr lang="ru-RU" sz="3200" dirty="0" smtClean="0">
-                <a:solidFill>
-                  <a:schemeClr val="bg1"/>
-                </a:solidFill>
-                <a:effectLst>
-                  <a:outerShdw blurRad="38100" dist="38100" dir="2700000" algn="tl">
-                    <a:srgbClr val="000000">
-                      <a:alpha val="43137"/>
-                    </a:srgbClr>
-                  </a:outerShdw>
-                </a:effectLst>
-                <a:latin typeface="Times New Roman" pitchFamily="18" charset="0"/>
-                <a:cs typeface="Times New Roman" pitchFamily="18" charset="0"/>
-              </a:rPr>
-              <a:t>Цель и задачи выпускной квалификационной работы</a:t>
-            </a:r>
-            <a:endParaRPr lang="ru-RU" sz="3200" dirty="0">
-              <a:solidFill>
-                <a:schemeClr val="bg1"/>
-              </a:solidFill>
-              <a:effectLst>
-                <a:outerShdw blurRad="38100" dist="38100" dir="2700000" algn="tl">
-                  <a:srgbClr val="000000">
-                    <a:alpha val="43137"/>
-                  </a:srgbClr>
-                </a:outerShdw>
-              </a:effectLst>
-              <a:latin typeface="Times New Roman" pitchFamily="18" charset="0"/>
-              <a:cs typeface="Times New Roman" pitchFamily="18" charset="0"/>
-            </a:endParaRPr>
-          </a:p>
-        </p:txBody>
-      </p:sp>
-    </p:spTree>
-  </p:cSld>
-  <p:clrMapOvr>
-    <a:masterClrMapping/>
-  </p:clrMapOvr>
-  <p:timing>
-    <p:tnLst>
-      <p:par>
-        <p:cTn id="1" dur="indefinite" restart="never" nodeType="tmRoot"/>
-      </p:par>
-    </p:tnLst>
-  </p:timing>
-</p:sld>
-</file>
-
-<file path=ppt/slides/slide20.xml><?xml version="1.0" encoding="utf-8"?>
-<p:sld xmlns:a="http://schemas.openxmlformats.org/drawingml/2006/main" xmlns:r="http://schemas.openxmlformats.org/officeDocument/2006/relationships" xmlns:p="http://schemas.openxmlformats.org/presentationml/2006/main">
-  <p:cSld>
-    <p:spTree>
-      <p:nvGrpSpPr>
-        <p:cNvPr id="1" name=""/>
-        <p:cNvGrpSpPr/>
-        <p:nvPr/>
-      </p:nvGrpSpPr>
-      <p:grpSpPr>
-        <a:xfrm>
-          <a:off x="0" y="0"/>
-          <a:ext cx="0" cy="0"/>
-          <a:chOff x="0" y="0"/>
-          <a:chExt cx="0" cy="0"/>
-        </a:xfrm>
-      </p:grpSpPr>
-      <p:sp>
-        <p:nvSpPr>
-          <p:cNvPr id="3" name="Заголовок 2"/>
-          <p:cNvSpPr>
-            <a:spLocks noGrp="1"/>
-          </p:cNvSpPr>
-          <p:nvPr>
-            <p:ph type="title"/>
-          </p:nvPr>
-        </p:nvSpPr>
-        <p:spPr>
-          <a:solidFill>
-            <a:schemeClr val="bg2">
-              <a:lumMod val="50000"/>
-            </a:schemeClr>
-          </a:solidFill>
-        </p:spPr>
-        <p:txBody>
-          <a:bodyPr>
-            <a:noAutofit/>
-          </a:bodyPr>
-          <a:lstStyle/>
-          <a:p>
-            <a:r>
-              <a:rPr lang="ru-RU" sz="3200" dirty="0" smtClean="0">
-                <a:solidFill>
-                  <a:schemeClr val="bg1"/>
-                </a:solidFill>
-                <a:latin typeface="Times New Roman" pitchFamily="18" charset="0"/>
-                <a:cs typeface="Times New Roman" pitchFamily="18" charset="0"/>
-              </a:rPr>
-              <a:t>Системы безопасности и видеонаблюдения</a:t>
-            </a:r>
-            <a:endParaRPr lang="ru-RU" sz="3200" dirty="0">
-              <a:solidFill>
-                <a:schemeClr val="bg1"/>
-              </a:solidFill>
-              <a:latin typeface="Times New Roman" pitchFamily="18" charset="0"/>
-              <a:cs typeface="Times New Roman" pitchFamily="18" charset="0"/>
-            </a:endParaRPr>
-          </a:p>
-        </p:txBody>
-      </p:sp>
-      <p:sp>
-        <p:nvSpPr>
-          <p:cNvPr id="5" name="Заголовок 2"/>
-          <p:cNvSpPr txBox="1">
-            <a:spLocks/>
-          </p:cNvSpPr>
-          <p:nvPr/>
-        </p:nvSpPr>
-        <p:spPr>
-          <a:xfrm>
-            <a:off x="467544" y="1196752"/>
-            <a:ext cx="8208912" cy="5661248"/>
-          </a:xfrm>
-          <a:prstGeom prst="rect">
-            <a:avLst/>
-          </a:prstGeom>
-          <a:noFill/>
-        </p:spPr>
-        <p:txBody>
-          <a:bodyPr vert="horz" rtlCol="0" anchor="ctr">
-            <a:noAutofit/>
-            <a:scene3d>
-              <a:camera prst="orthographicFront"/>
-              <a:lightRig rig="soft" dir="t"/>
-            </a:scene3d>
-            <a:sp3d prstMaterial="softEdge">
-              <a:bevelT w="25400" h="25400"/>
-            </a:sp3d>
-          </a:bodyPr>
-          <a:lstStyle/>
-          <a:p>
-            <a:r>
-              <a:rPr lang="ru-RU" sz="2400" b="1" dirty="0" smtClean="0">
-                <a:latin typeface="Times New Roman" pitchFamily="18" charset="0"/>
-                <a:cs typeface="Times New Roman" pitchFamily="18" charset="0"/>
-              </a:rPr>
-              <a:t>Основные требования к системе:</a:t>
-            </a:r>
-          </a:p>
-          <a:p>
-            <a:pPr>
-              <a:buFont typeface="Arial" pitchFamily="34" charset="0"/>
-              <a:buChar char="•"/>
-            </a:pPr>
-            <a:r>
-              <a:rPr lang="ru-RU" sz="2400" dirty="0" smtClean="0">
-                <a:latin typeface="Times New Roman" pitchFamily="18" charset="0"/>
-                <a:cs typeface="Times New Roman" pitchFamily="18" charset="0"/>
-              </a:rPr>
-              <a:t> непрерывная круглосуточная работа;</a:t>
-            </a:r>
-          </a:p>
-          <a:p>
-            <a:pPr lvl="0">
-              <a:buFont typeface="Arial" pitchFamily="34" charset="0"/>
-              <a:buChar char="•"/>
-            </a:pPr>
-            <a:r>
-              <a:rPr lang="ru-RU" sz="2400" dirty="0" smtClean="0">
-                <a:latin typeface="Times New Roman" pitchFamily="18" charset="0"/>
-                <a:cs typeface="Times New Roman" pitchFamily="18" charset="0"/>
-              </a:rPr>
-              <a:t> высокое разрешение(</a:t>
-            </a:r>
-            <a:r>
-              <a:rPr lang="en-US" sz="2400" dirty="0" smtClean="0">
-                <a:latin typeface="Times New Roman" pitchFamily="18" charset="0"/>
-                <a:cs typeface="Times New Roman" pitchFamily="18" charset="0"/>
-              </a:rPr>
-              <a:t>Full HD</a:t>
-            </a:r>
-            <a:r>
-              <a:rPr lang="ru-RU" sz="2400" dirty="0" smtClean="0">
-                <a:latin typeface="Times New Roman" pitchFamily="18" charset="0"/>
-                <a:cs typeface="Times New Roman" pitchFamily="18" charset="0"/>
-              </a:rPr>
-              <a:t>): &gt; = 1280 </a:t>
-            </a:r>
-            <a:r>
-              <a:rPr lang="en-US" sz="2400" dirty="0" smtClean="0">
-                <a:latin typeface="Times New Roman" pitchFamily="18" charset="0"/>
-                <a:cs typeface="Times New Roman" pitchFamily="18" charset="0"/>
-              </a:rPr>
-              <a:t>x</a:t>
-            </a:r>
-            <a:r>
-              <a:rPr lang="ru-RU" sz="2400" dirty="0" smtClean="0">
-                <a:latin typeface="Times New Roman" pitchFamily="18" charset="0"/>
-                <a:cs typeface="Times New Roman" pitchFamily="18" charset="0"/>
-              </a:rPr>
-              <a:t> 1080;</a:t>
-            </a:r>
-          </a:p>
-          <a:p>
-            <a:pPr lvl="0">
-              <a:buFont typeface="Arial" pitchFamily="34" charset="0"/>
-              <a:buChar char="•"/>
-            </a:pPr>
-            <a:r>
-              <a:rPr lang="ru-RU" sz="2400" dirty="0" smtClean="0">
-                <a:latin typeface="Times New Roman" pitchFamily="18" charset="0"/>
-                <a:cs typeface="Times New Roman" pitchFamily="18" charset="0"/>
-              </a:rPr>
-              <a:t> угол обзора</a:t>
-            </a:r>
-            <a:r>
-              <a:rPr lang="en-US" sz="2400" dirty="0" smtClean="0">
-                <a:latin typeface="Times New Roman" pitchFamily="18" charset="0"/>
-                <a:cs typeface="Times New Roman" pitchFamily="18" charset="0"/>
-              </a:rPr>
-              <a:t>: &gt; = 90</a:t>
-            </a:r>
-            <a:r>
-              <a:rPr lang="ru-RU" sz="2400" baseline="30000" dirty="0" smtClean="0">
-                <a:latin typeface="Times New Roman" pitchFamily="18" charset="0"/>
-                <a:cs typeface="Times New Roman" pitchFamily="18" charset="0"/>
-              </a:rPr>
-              <a:t>◦</a:t>
-            </a:r>
-            <a:r>
-              <a:rPr lang="ru-RU" sz="2400" dirty="0" smtClean="0">
-                <a:latin typeface="Times New Roman" pitchFamily="18" charset="0"/>
-                <a:cs typeface="Times New Roman" pitchFamily="18" charset="0"/>
-              </a:rPr>
-              <a:t>;</a:t>
-            </a:r>
-          </a:p>
-          <a:p>
-            <a:pPr lvl="0">
-              <a:buFont typeface="Arial" pitchFamily="34" charset="0"/>
-              <a:buChar char="•"/>
-            </a:pPr>
-            <a:r>
-              <a:rPr lang="ru-RU" sz="2400" dirty="0" smtClean="0">
-                <a:latin typeface="Times New Roman" pitchFamily="18" charset="0"/>
-                <a:cs typeface="Times New Roman" pitchFamily="18" charset="0"/>
-              </a:rPr>
-              <a:t> возможность хранения видеоархива большого объема;</a:t>
-            </a:r>
-          </a:p>
-          <a:p>
-            <a:pPr>
-              <a:buFont typeface="Arial" pitchFamily="34" charset="0"/>
-              <a:buChar char="•"/>
-            </a:pPr>
-            <a:r>
-              <a:rPr lang="ru-RU" sz="2400" dirty="0" smtClean="0">
-                <a:latin typeface="Times New Roman" pitchFamily="18" charset="0"/>
-                <a:cs typeface="Times New Roman" pitchFamily="18" charset="0"/>
-              </a:rPr>
-              <a:t> возможность переноса и дальнейшего просмотра информации из архива как в формате системы, так и в других</a:t>
-            </a:r>
-          </a:p>
-          <a:p>
-            <a:pPr lvl="0">
-              <a:buFont typeface="Arial" pitchFamily="34" charset="0"/>
-              <a:buChar char="•"/>
-            </a:pPr>
-            <a:r>
-              <a:rPr lang="ru-RU" sz="2400" dirty="0" smtClean="0">
-                <a:latin typeface="Times New Roman" pitchFamily="18" charset="0"/>
-                <a:cs typeface="Times New Roman" pitchFamily="18" charset="0"/>
-              </a:rPr>
-              <a:t> возможность полноэкранного вывода любой камеры при просмотре в режиме реального времени и просмотре видеоархива;</a:t>
-            </a:r>
-          </a:p>
-          <a:p>
-            <a:pPr lvl="0">
-              <a:buFont typeface="Arial" pitchFamily="34" charset="0"/>
-              <a:buChar char="•"/>
-            </a:pPr>
-            <a:r>
-              <a:rPr lang="ru-RU" sz="2400" dirty="0" smtClean="0">
-                <a:latin typeface="Times New Roman" pitchFamily="18" charset="0"/>
-                <a:cs typeface="Times New Roman" pitchFamily="18" charset="0"/>
-              </a:rPr>
-              <a:t> возможность многократного цифрового увеличения изображения и обработки «кадра»;</a:t>
-            </a:r>
-          </a:p>
-          <a:p>
-            <a:pPr>
-              <a:buFont typeface="Arial" pitchFamily="34" charset="0"/>
-              <a:buChar char="•"/>
-            </a:pPr>
-            <a:endParaRPr lang="ru-RU" sz="2400" dirty="0" smtClean="0">
-              <a:latin typeface="Times New Roman" pitchFamily="18" charset="0"/>
-              <a:cs typeface="Times New Roman" pitchFamily="18" charset="0"/>
-            </a:endParaRPr>
-          </a:p>
-          <a:p>
-            <a:pPr lvl="0">
-              <a:buFont typeface="Arial" pitchFamily="34" charset="0"/>
-              <a:buChar char="•"/>
-            </a:pPr>
-            <a:endParaRPr lang="ru-RU" sz="2400" dirty="0">
-              <a:latin typeface="Times New Roman" pitchFamily="18" charset="0"/>
-              <a:cs typeface="Times New Roman" pitchFamily="18" charset="0"/>
-            </a:endParaRPr>
-          </a:p>
-        </p:txBody>
-      </p:sp>
-    </p:spTree>
-  </p:cSld>
-  <p:clrMapOvr>
-    <a:masterClrMapping/>
-  </p:clrMapOvr>
-  <p:timing>
-    <p:tnLst>
-      <p:par>
-        <p:cTn id="1" dur="indefinite" restart="never" nodeType="tmRoot"/>
-      </p:par>
-    </p:tnLst>
-  </p:timing>
-</p:sld>
-</file>
-
-<file path=ppt/slides/slide21.xml><?xml version="1.0" encoding="utf-8"?>
-<p:sld xmlns:a="http://schemas.openxmlformats.org/drawingml/2006/main" xmlns:r="http://schemas.openxmlformats.org/officeDocument/2006/relationships" xmlns:p="http://schemas.openxmlformats.org/presentationml/2006/main">
-  <p:cSld>
-    <p:spTree>
-      <p:nvGrpSpPr>
-        <p:cNvPr id="1" name=""/>
-        <p:cNvGrpSpPr/>
-        <p:nvPr/>
-      </p:nvGrpSpPr>
-      <p:grpSpPr>
-        <a:xfrm>
-          <a:off x="0" y="0"/>
-          <a:ext cx="0" cy="0"/>
-          <a:chOff x="0" y="0"/>
-          <a:chExt cx="0" cy="0"/>
-        </a:xfrm>
-      </p:grpSpPr>
-      <p:sp>
-        <p:nvSpPr>
-          <p:cNvPr id="3" name="Заголовок 2"/>
-          <p:cNvSpPr>
-            <a:spLocks noGrp="1"/>
-          </p:cNvSpPr>
-          <p:nvPr>
-            <p:ph type="title"/>
-          </p:nvPr>
-        </p:nvSpPr>
-        <p:spPr>
-          <a:solidFill>
-            <a:schemeClr val="bg2">
-              <a:lumMod val="50000"/>
-            </a:schemeClr>
-          </a:solidFill>
-        </p:spPr>
-        <p:txBody>
-          <a:bodyPr>
-            <a:noAutofit/>
-          </a:bodyPr>
-          <a:lstStyle/>
-          <a:p>
-            <a:r>
-              <a:rPr lang="ru-RU" sz="3200" dirty="0" smtClean="0">
-                <a:solidFill>
-                  <a:schemeClr val="bg1"/>
-                </a:solidFill>
-                <a:latin typeface="Times New Roman" pitchFamily="18" charset="0"/>
-                <a:cs typeface="Times New Roman" pitchFamily="18" charset="0"/>
-              </a:rPr>
-              <a:t>Проектирование учетной системы</a:t>
-            </a:r>
-            <a:endParaRPr lang="ru-RU" sz="3200" dirty="0">
-              <a:solidFill>
-                <a:schemeClr val="bg1"/>
-              </a:solidFill>
-              <a:latin typeface="Times New Roman" pitchFamily="18" charset="0"/>
-              <a:cs typeface="Times New Roman" pitchFamily="18" charset="0"/>
-            </a:endParaRPr>
-          </a:p>
-        </p:txBody>
-      </p:sp>
-      <p:sp>
-        <p:nvSpPr>
-          <p:cNvPr id="5" name="Заголовок 2"/>
-          <p:cNvSpPr txBox="1">
-            <a:spLocks/>
-          </p:cNvSpPr>
-          <p:nvPr/>
-        </p:nvSpPr>
-        <p:spPr>
-          <a:xfrm>
-            <a:off x="467544" y="1196752"/>
-            <a:ext cx="8208912" cy="4680520"/>
-          </a:xfrm>
-          <a:prstGeom prst="rect">
-            <a:avLst/>
-          </a:prstGeom>
-          <a:noFill/>
-        </p:spPr>
-        <p:txBody>
-          <a:bodyPr vert="horz" rtlCol="0" anchor="ctr">
-            <a:noAutofit/>
-            <a:scene3d>
-              <a:camera prst="orthographicFront"/>
-              <a:lightRig rig="soft" dir="t"/>
-            </a:scene3d>
-            <a:sp3d prstMaterial="softEdge">
-              <a:bevelT w="25400" h="25400"/>
-            </a:sp3d>
-          </a:bodyPr>
-          <a:lstStyle/>
-          <a:p>
-            <a:r>
-              <a:rPr lang="ru-RU" sz="2400" b="1" dirty="0" smtClean="0">
-                <a:latin typeface="Times New Roman" pitchFamily="18" charset="0"/>
-                <a:cs typeface="Times New Roman" pitchFamily="18" charset="0"/>
-              </a:rPr>
-              <a:t>Общие требования к учетной системе:</a:t>
-            </a:r>
-          </a:p>
-          <a:p>
-            <a:pPr lvl="0">
-              <a:buFont typeface="Arial" pitchFamily="34" charset="0"/>
-              <a:buChar char="•"/>
-            </a:pPr>
-            <a:r>
-              <a:rPr lang="ru-RU" sz="2400" dirty="0" smtClean="0">
-                <a:latin typeface="Times New Roman" pitchFamily="18" charset="0"/>
-                <a:cs typeface="Times New Roman" pitchFamily="18" charset="0"/>
-              </a:rPr>
-              <a:t> сбор первичных данных о деятельности компании и представление их в удобном для анализа виде;</a:t>
-            </a:r>
-          </a:p>
-          <a:p>
-            <a:pPr lvl="0">
-              <a:buFont typeface="Arial" pitchFamily="34" charset="0"/>
-              <a:buChar char="•"/>
-            </a:pPr>
-            <a:r>
-              <a:rPr lang="ru-RU" sz="2400" dirty="0" smtClean="0">
-                <a:latin typeface="Times New Roman" pitchFamily="18" charset="0"/>
-                <a:cs typeface="Times New Roman" pitchFamily="18" charset="0"/>
-              </a:rPr>
-              <a:t> поддержка документооборота;</a:t>
-            </a:r>
-          </a:p>
-          <a:p>
-            <a:pPr lvl="0">
-              <a:buFont typeface="Arial" pitchFamily="34" charset="0"/>
-              <a:buChar char="•"/>
-            </a:pPr>
-            <a:r>
-              <a:rPr lang="ru-RU" sz="2400" dirty="0" smtClean="0">
-                <a:latin typeface="Times New Roman" pitchFamily="18" charset="0"/>
-                <a:cs typeface="Times New Roman" pitchFamily="18" charset="0"/>
-              </a:rPr>
-              <a:t> планирование и прогнозирование;</a:t>
-            </a:r>
-          </a:p>
-          <a:p>
-            <a:pPr lvl="0">
-              <a:buFont typeface="Arial" pitchFamily="34" charset="0"/>
-              <a:buChar char="•"/>
-            </a:pPr>
-            <a:r>
-              <a:rPr lang="ru-RU" sz="2400" dirty="0" smtClean="0">
-                <a:latin typeface="Times New Roman" pitchFamily="18" charset="0"/>
-                <a:cs typeface="Times New Roman" pitchFamily="18" charset="0"/>
-              </a:rPr>
-              <a:t> поддержка бизнес-процессов;</a:t>
-            </a:r>
-          </a:p>
-          <a:p>
-            <a:pPr lvl="0">
-              <a:buFont typeface="Arial" pitchFamily="34" charset="0"/>
-              <a:buChar char="•"/>
-            </a:pPr>
-            <a:r>
-              <a:rPr lang="ru-RU" sz="2400" dirty="0" smtClean="0">
-                <a:latin typeface="Times New Roman" pitchFamily="18" charset="0"/>
-                <a:cs typeface="Times New Roman" pitchFamily="18" charset="0"/>
-              </a:rPr>
-              <a:t> доработка под нужды предприятия;</a:t>
-            </a:r>
-          </a:p>
-          <a:p>
-            <a:pPr lvl="0">
-              <a:buFont typeface="Arial" pitchFamily="34" charset="0"/>
-              <a:buChar char="•"/>
-            </a:pPr>
-            <a:r>
-              <a:rPr lang="ru-RU" sz="2400" dirty="0" smtClean="0">
-                <a:latin typeface="Times New Roman" pitchFamily="18" charset="0"/>
-                <a:cs typeface="Times New Roman" pitchFamily="18" charset="0"/>
-              </a:rPr>
-              <a:t> простота использования;</a:t>
-            </a:r>
-          </a:p>
-          <a:p>
-            <a:pPr>
-              <a:buFont typeface="Arial" pitchFamily="34" charset="0"/>
-              <a:buChar char="•"/>
-            </a:pPr>
-            <a:r>
-              <a:rPr lang="ru-RU" sz="2400" dirty="0" smtClean="0">
-                <a:latin typeface="Times New Roman" pitchFamily="18" charset="0"/>
-                <a:cs typeface="Times New Roman" pitchFamily="18" charset="0"/>
-              </a:rPr>
-              <a:t> простота интеграции с другими системами.</a:t>
-            </a:r>
-          </a:p>
-          <a:p>
-            <a:pPr lvl="0">
-              <a:buFont typeface="Arial" pitchFamily="34" charset="0"/>
-              <a:buChar char="•"/>
-            </a:pPr>
-            <a:endParaRPr lang="ru-RU" sz="2400" dirty="0">
-              <a:latin typeface="Times New Roman" pitchFamily="18" charset="0"/>
-              <a:cs typeface="Times New Roman" pitchFamily="18" charset="0"/>
-            </a:endParaRPr>
-          </a:p>
-        </p:txBody>
-      </p:sp>
-    </p:spTree>
-  </p:cSld>
-  <p:clrMapOvr>
-    <a:masterClrMapping/>
-  </p:clrMapOvr>
-  <p:timing>
-    <p:tnLst>
-      <p:par>
-        <p:cTn id="1" dur="indefinite" restart="never" nodeType="tmRoot"/>
-      </p:par>
-    </p:tnLst>
-  </p:timing>
-</p:sld>
-</file>
-
 <file path=ppt/slides/slide22.xml><?xml version="1.0" encoding="utf-8"?>
 <p:sld xmlns:a="http://schemas.openxmlformats.org/drawingml/2006/main" xmlns:r="http://schemas.openxmlformats.org/officeDocument/2006/relationships" xmlns:p="http://schemas.openxmlformats.org/presentationml/2006/main">
   <p:cSld>
@@ -12827,7 +12836,7 @@
 </file>
 
 <file path=ppt/slides/slide30.xml><?xml version="1.0" encoding="utf-8"?>
-<p:sld xmlns:a="http://schemas.openxmlformats.org/drawingml/2006/main" xmlns:r="http://schemas.openxmlformats.org/officeDocument/2006/relationships" xmlns:p="http://schemas.openxmlformats.org/presentationml/2006/main">
+<p:sld xmlns:a="http://schemas.openxmlformats.org/drawingml/2006/main" xmlns:r="http://schemas.openxmlformats.org/officeDocument/2006/relationships" xmlns:p="http://schemas.openxmlformats.org/presentationml/2006/main" show="0">
   <p:cSld>
     <p:spTree>
       <p:nvGrpSpPr>
@@ -13010,6 +13019,7 @@
   <p:clrMapOvr>
     <a:masterClrMapping/>
   </p:clrMapOvr>
+  <p:transition/>
   <p:timing>
     <p:tnLst>
       <p:par>
@@ -13021,7 +13031,7 @@
 </file>
 
 <file path=ppt/slides/slide31.xml><?xml version="1.0" encoding="utf-8"?>
-<p:sld xmlns:a="http://schemas.openxmlformats.org/drawingml/2006/main" xmlns:r="http://schemas.openxmlformats.org/officeDocument/2006/relationships" xmlns:p="http://schemas.openxmlformats.org/presentationml/2006/main">
+<p:sld xmlns:a="http://schemas.openxmlformats.org/drawingml/2006/main" xmlns:r="http://schemas.openxmlformats.org/officeDocument/2006/relationships" xmlns:p="http://schemas.openxmlformats.org/presentationml/2006/main" show="0">
   <p:cSld>
     <p:spTree>
       <p:nvGrpSpPr>
@@ -13217,6 +13227,7 @@
   <p:clrMapOvr>
     <a:masterClrMapping/>
   </p:clrMapOvr>
+  <p:transition/>
   <p:timing>
     <p:tnLst>
       <p:par>
@@ -14799,7 +14810,7 @@
                 <a:latin typeface="Times New Roman" pitchFamily="18" charset="0"/>
                 <a:cs typeface="Times New Roman" pitchFamily="18" charset="0"/>
               </a:rPr>
-              <a:t>Особенности задач обеспечения безопасности магазина</a:t>
+              <a:t>Особенности организации учета магазина</a:t>
             </a:r>
             <a:endParaRPr lang="ru-RU" sz="3200" dirty="0">
               <a:solidFill>
@@ -14821,8 +14832,8 @@
         </p:nvSpPr>
         <p:spPr>
           <a:xfrm>
-            <a:off x="467544" y="2348880"/>
-            <a:ext cx="8208912" cy="4320480"/>
+            <a:off x="467544" y="1556792"/>
+            <a:ext cx="8208912" cy="4032448"/>
           </a:xfrm>
           <a:prstGeom prst="rect">
             <a:avLst/>
@@ -14842,25 +14853,12 @@
           </a:bodyPr>
           <a:lstStyle/>
           <a:p>
-            <a:pPr marR="0" lvl="0" algn="l" defTabSz="914400" rtl="0" eaLnBrk="1" fontAlgn="auto" latinLnBrk="0" hangingPunct="1">
-              <a:spcBef>
-                <a:spcPct val="0"/>
-              </a:spcBef>
-              <a:spcAft>
-                <a:spcPts val="0"/>
-              </a:spcAft>
-              <a:buClrTx/>
-              <a:buSzTx/>
-              <a:tabLst/>
-              <a:defRPr/>
-            </a:pPr>
             <a:r>
               <a:rPr lang="ru-RU" sz="2400" b="1" dirty="0" smtClean="0">
                 <a:latin typeface="Times New Roman" pitchFamily="18" charset="0"/>
-                <a:ea typeface="+mj-ea"/>
-                <a:cs typeface="Times New Roman" pitchFamily="18" charset="0"/>
-              </a:rPr>
-              <a:t>Основные цели:</a:t>
+                <a:cs typeface="Times New Roman" pitchFamily="18" charset="0"/>
+              </a:rPr>
+              <a:t>Цели ведения учета:</a:t>
             </a:r>
           </a:p>
           <a:p>
@@ -14869,19 +14867,11 @@
               <a:buChar char="•"/>
             </a:pPr>
             <a:r>
-              <a:rPr lang="ru-RU" sz="2400" dirty="0">
-                <a:latin typeface="Times New Roman" pitchFamily="18" charset="0"/>
-                <a:ea typeface="+mj-ea"/>
-                <a:cs typeface="Times New Roman" pitchFamily="18" charset="0"/>
-              </a:rPr>
-              <a:t> </a:t>
-            </a:r>
-            <a:r>
               <a:rPr lang="ru-RU" sz="2400" dirty="0" smtClean="0">
                 <a:latin typeface="Times New Roman" pitchFamily="18" charset="0"/>
                 <a:cs typeface="Times New Roman" pitchFamily="18" charset="0"/>
               </a:rPr>
-              <a:t>предупреждение угроз;</a:t>
+              <a:t> учет товара;</a:t>
             </a:r>
           </a:p>
           <a:p>
@@ -14894,21 +14884,7 @@
                 <a:latin typeface="Times New Roman" pitchFamily="18" charset="0"/>
                 <a:cs typeface="Times New Roman" pitchFamily="18" charset="0"/>
               </a:rPr>
-              <a:t> </a:t>
-            </a:r>
-            <a:r>
-              <a:rPr lang="ru-RU" sz="2400" dirty="0" err="1" smtClean="0">
-                <a:latin typeface="Times New Roman" pitchFamily="18" charset="0"/>
-                <a:cs typeface="Times New Roman" pitchFamily="18" charset="0"/>
-              </a:rPr>
-              <a:t>присечение</a:t>
-            </a:r>
-            <a:r>
-              <a:rPr lang="ru-RU" sz="2400" dirty="0" smtClean="0">
-                <a:latin typeface="Times New Roman" pitchFamily="18" charset="0"/>
-                <a:cs typeface="Times New Roman" pitchFamily="18" charset="0"/>
-              </a:rPr>
-              <a:t> угроз;</a:t>
+              <a:t> контроль товара;</a:t>
             </a:r>
           </a:p>
           <a:p>
@@ -14921,128 +14897,7 @@
                 <a:latin typeface="Times New Roman" pitchFamily="18" charset="0"/>
                 <a:cs typeface="Times New Roman" pitchFamily="18" charset="0"/>
               </a:rPr>
-              <a:t> устранение угроз.</a:t>
-            </a:r>
-          </a:p>
-          <a:p>
-            <a:pPr>
-              <a:lnSpc>
-                <a:spcPct val="150000"/>
-              </a:lnSpc>
-            </a:pPr>
-            <a:r>
-              <a:rPr lang="ru-RU" sz="2400" b="1" dirty="0" smtClean="0">
-                <a:latin typeface="Times New Roman" pitchFamily="18" charset="0"/>
-                <a:cs typeface="Times New Roman" pitchFamily="18" charset="0"/>
-              </a:rPr>
-              <a:t>Внешние источники опасности:</a:t>
-            </a:r>
-          </a:p>
-          <a:p>
-            <a:pPr lvl="0">
-              <a:buFont typeface="Arial" pitchFamily="34" charset="0"/>
-              <a:buChar char="•"/>
-            </a:pPr>
-            <a:r>
-              <a:rPr lang="ru-RU" sz="2400" dirty="0" smtClean="0">
-                <a:latin typeface="Times New Roman" pitchFamily="18" charset="0"/>
-                <a:cs typeface="Times New Roman" pitchFamily="18" charset="0"/>
-              </a:rPr>
-              <a:t> </a:t>
-            </a:r>
-            <a:r>
-              <a:rPr lang="en-US" sz="2400" dirty="0" err="1" smtClean="0">
-                <a:latin typeface="Times New Roman" pitchFamily="18" charset="0"/>
-                <a:cs typeface="Times New Roman" pitchFamily="18" charset="0"/>
-              </a:rPr>
-              <a:t>криминальные</a:t>
-            </a:r>
-            <a:r>
-              <a:rPr lang="en-US" sz="2400" dirty="0" smtClean="0">
-                <a:latin typeface="Times New Roman" pitchFamily="18" charset="0"/>
-                <a:cs typeface="Times New Roman" pitchFamily="18" charset="0"/>
-              </a:rPr>
-              <a:t> </a:t>
-            </a:r>
-            <a:r>
-              <a:rPr lang="en-US" sz="2400" dirty="0" err="1" smtClean="0">
-                <a:latin typeface="Times New Roman" pitchFamily="18" charset="0"/>
-                <a:cs typeface="Times New Roman" pitchFamily="18" charset="0"/>
-              </a:rPr>
-              <a:t>структуры</a:t>
-            </a:r>
-            <a:r>
-              <a:rPr lang="ru-RU" sz="2400" dirty="0" smtClean="0">
-                <a:latin typeface="Times New Roman" pitchFamily="18" charset="0"/>
-                <a:cs typeface="Times New Roman" pitchFamily="18" charset="0"/>
-              </a:rPr>
-              <a:t>;</a:t>
-            </a:r>
-          </a:p>
-          <a:p>
-            <a:pPr lvl="0">
-              <a:buFont typeface="Arial" pitchFamily="34" charset="0"/>
-              <a:buChar char="•"/>
-            </a:pPr>
-            <a:r>
-              <a:rPr lang="ru-RU" sz="2400" dirty="0" smtClean="0">
-                <a:latin typeface="Times New Roman" pitchFamily="18" charset="0"/>
-                <a:cs typeface="Times New Roman" pitchFamily="18" charset="0"/>
-              </a:rPr>
-              <a:t> технический персонал;</a:t>
-            </a:r>
-          </a:p>
-          <a:p>
-            <a:pPr lvl="0">
-              <a:buFont typeface="Arial" pitchFamily="34" charset="0"/>
-              <a:buChar char="•"/>
-            </a:pPr>
-            <a:r>
-              <a:rPr lang="ru-RU" sz="2400" dirty="0" smtClean="0">
-                <a:latin typeface="Times New Roman" pitchFamily="18" charset="0"/>
-                <a:cs typeface="Times New Roman" pitchFamily="18" charset="0"/>
-              </a:rPr>
-              <a:t> конкуренты.</a:t>
-            </a:r>
-          </a:p>
-          <a:p>
-            <a:pPr>
-              <a:lnSpc>
-                <a:spcPct val="150000"/>
-              </a:lnSpc>
-            </a:pPr>
-            <a:r>
-              <a:rPr lang="ru-RU" sz="2400" b="1" dirty="0" smtClean="0">
-                <a:latin typeface="Times New Roman" pitchFamily="18" charset="0"/>
-                <a:cs typeface="Times New Roman" pitchFamily="18" charset="0"/>
-              </a:rPr>
-              <a:t>Внутренние источники опасности:</a:t>
-            </a:r>
-          </a:p>
-          <a:p>
-            <a:pPr lvl="0">
-              <a:buFont typeface="Arial" pitchFamily="34" charset="0"/>
-              <a:buChar char="•"/>
-            </a:pPr>
-            <a:r>
-              <a:rPr lang="ru-RU" sz="2400" dirty="0" smtClean="0">
-                <a:latin typeface="Times New Roman" pitchFamily="18" charset="0"/>
-                <a:cs typeface="Times New Roman" pitchFamily="18" charset="0"/>
-              </a:rPr>
-              <a:t> персонал организации;</a:t>
-            </a:r>
-          </a:p>
-          <a:p>
-            <a:pPr lvl="0">
-              <a:buFont typeface="Arial" pitchFamily="34" charset="0"/>
-              <a:buChar char="•"/>
-            </a:pPr>
-            <a:r>
-              <a:rPr lang="ru-RU" sz="2400" dirty="0" smtClean="0">
-                <a:latin typeface="Times New Roman" pitchFamily="18" charset="0"/>
-                <a:cs typeface="Times New Roman" pitchFamily="18" charset="0"/>
-              </a:rPr>
-              <a:t> вспомогательный персонал.</a:t>
+              <a:t> предоставление полной информации;</a:t>
             </a:r>
           </a:p>
           <a:p>
@@ -15208,8 +15063,8 @@
         </p:nvSpPr>
         <p:spPr>
           <a:xfrm>
-            <a:off x="467544" y="1556792"/>
-            <a:ext cx="8208912" cy="4032448"/>
+            <a:off x="467544" y="1196752"/>
+            <a:ext cx="8208912" cy="4680520"/>
           </a:xfrm>
           <a:prstGeom prst="rect">
             <a:avLst/>
@@ -15234,7 +15089,7 @@
                 <a:latin typeface="Times New Roman" pitchFamily="18" charset="0"/>
                 <a:cs typeface="Times New Roman" pitchFamily="18" charset="0"/>
               </a:rPr>
-              <a:t>Цели ведения учета:</a:t>
+              <a:t>Общие требования к учетной системе:</a:t>
             </a:r>
           </a:p>
           <a:p>
@@ -15247,7 +15102,7 @@
                 <a:latin typeface="Times New Roman" pitchFamily="18" charset="0"/>
                 <a:cs typeface="Times New Roman" pitchFamily="18" charset="0"/>
               </a:rPr>
-              <a:t> учет товара;</a:t>
+              <a:t> сбор первичных данных о деятельности компании и представление их в удобном для анализа виде;</a:t>
             </a:r>
           </a:p>
           <a:p>
@@ -15260,7 +15115,7 @@
                 <a:latin typeface="Times New Roman" pitchFamily="18" charset="0"/>
                 <a:cs typeface="Times New Roman" pitchFamily="18" charset="0"/>
               </a:rPr>
-              <a:t> контроль товара;</a:t>
+              <a:t> поддержка документооборота;</a:t>
             </a:r>
           </a:p>
           <a:p>
@@ -15273,7 +15128,7 @@
                 <a:latin typeface="Times New Roman" pitchFamily="18" charset="0"/>
                 <a:cs typeface="Times New Roman" pitchFamily="18" charset="0"/>
               </a:rPr>
-              <a:t> предоставление полной информации;</a:t>
+              <a:t> планирование и прогнозирование;</a:t>
             </a:r>
           </a:p>
           <a:p>
@@ -15286,82 +15141,55 @@
                 <a:latin typeface="Times New Roman" pitchFamily="18" charset="0"/>
                 <a:cs typeface="Times New Roman" pitchFamily="18" charset="0"/>
               </a:rPr>
-              <a:t> предоставление информации о состоянии и эффективности товарных запасов.</a:t>
-            </a:r>
-          </a:p>
-          <a:p>
-            <a:pPr lvl="0"/>
+              <a:t> поддержка бизнес-процессов;</a:t>
+            </a:r>
+          </a:p>
+          <a:p>
+            <a:pPr lvl="0">
+              <a:buFont typeface="Arial" pitchFamily="34" charset="0"/>
+              <a:buChar char="•"/>
+            </a:pPr>
+            <a:r>
+              <a:rPr lang="ru-RU" sz="2400" dirty="0" smtClean="0">
+                <a:latin typeface="Times New Roman" pitchFamily="18" charset="0"/>
+                <a:cs typeface="Times New Roman" pitchFamily="18" charset="0"/>
+              </a:rPr>
+              <a:t> доработка под нужды предприятия;</a:t>
+            </a:r>
+          </a:p>
+          <a:p>
+            <a:pPr lvl="0">
+              <a:buFont typeface="Arial" pitchFamily="34" charset="0"/>
+              <a:buChar char="•"/>
+            </a:pPr>
+            <a:r>
+              <a:rPr lang="ru-RU" sz="2400" dirty="0" smtClean="0">
+                <a:latin typeface="Times New Roman" pitchFamily="18" charset="0"/>
+                <a:cs typeface="Times New Roman" pitchFamily="18" charset="0"/>
+              </a:rPr>
+              <a:t> простота использования;</a:t>
+            </a:r>
+          </a:p>
+          <a:p>
+            <a:pPr>
+              <a:buFont typeface="Arial" pitchFamily="34" charset="0"/>
+              <a:buChar char="•"/>
+            </a:pPr>
+            <a:r>
+              <a:rPr lang="ru-RU" sz="2400" dirty="0" smtClean="0">
+                <a:latin typeface="Times New Roman" pitchFamily="18" charset="0"/>
+                <a:cs typeface="Times New Roman" pitchFamily="18" charset="0"/>
+              </a:rPr>
+              <a:t> простота интеграции с другими системами.</a:t>
+            </a:r>
+          </a:p>
+          <a:p>
+            <a:pPr lvl="0">
+              <a:buFont typeface="Arial" pitchFamily="34" charset="0"/>
+              <a:buChar char="•"/>
+            </a:pPr>
             <a:endParaRPr lang="ru-RU" sz="2400" dirty="0">
               <a:latin typeface="Times New Roman" pitchFamily="18" charset="0"/>
-              <a:cs typeface="Times New Roman" pitchFamily="18" charset="0"/>
-            </a:endParaRPr>
-          </a:p>
-          <a:p>
-            <a:pPr lvl="0"/>
-            <a:endParaRPr lang="ru-RU" sz="2400" dirty="0">
-              <a:latin typeface="Times New Roman" pitchFamily="18" charset="0"/>
-              <a:cs typeface="Times New Roman" pitchFamily="18" charset="0"/>
-            </a:endParaRPr>
-          </a:p>
-          <a:p>
-            <a:pPr marL="0" marR="0" lvl="0" indent="0" algn="l" defTabSz="914400" rtl="0" eaLnBrk="1" fontAlgn="auto" latinLnBrk="0" hangingPunct="1">
-              <a:lnSpc>
-                <a:spcPct val="100000"/>
-              </a:lnSpc>
-              <a:spcBef>
-                <a:spcPct val="0"/>
-              </a:spcBef>
-              <a:spcAft>
-                <a:spcPts val="0"/>
-              </a:spcAft>
-              <a:buClrTx/>
-              <a:buSzTx/>
-              <a:buFont typeface="Arial" pitchFamily="34" charset="0"/>
-              <a:buChar char="•"/>
-              <a:tabLst/>
-              <a:defRPr/>
-            </a:pPr>
-            <a:endParaRPr lang="ru-RU" sz="3200" dirty="0" smtClean="0">
-              <a:effectLst>
-                <a:outerShdw blurRad="31750" dist="25400" dir="5400000" algn="tl" rotWithShape="0">
-                  <a:srgbClr val="000000">
-                    <a:alpha val="25000"/>
-                  </a:srgbClr>
-                </a:outerShdw>
-              </a:effectLst>
-              <a:latin typeface="Times New Roman" pitchFamily="18" charset="0"/>
-              <a:ea typeface="+mj-ea"/>
-              <a:cs typeface="Times New Roman" pitchFamily="18" charset="0"/>
-            </a:endParaRPr>
-          </a:p>
-          <a:p>
-            <a:pPr marL="0" marR="0" lvl="0" indent="0" algn="l" defTabSz="914400" rtl="0" eaLnBrk="1" fontAlgn="auto" latinLnBrk="0" hangingPunct="1">
-              <a:lnSpc>
-                <a:spcPct val="100000"/>
-              </a:lnSpc>
-              <a:spcBef>
-                <a:spcPct val="0"/>
-              </a:spcBef>
-              <a:spcAft>
-                <a:spcPts val="0"/>
-              </a:spcAft>
-              <a:buClrTx/>
-              <a:buSzTx/>
-              <a:buFont typeface="Arial" pitchFamily="34" charset="0"/>
-              <a:buChar char="•"/>
-              <a:tabLst/>
-              <a:defRPr/>
-            </a:pPr>
-            <a:endParaRPr lang="ru-RU" sz="3200" dirty="0" smtClean="0">
-              <a:effectLst>
-                <a:outerShdw blurRad="31750" dist="25400" dir="5400000" algn="tl" rotWithShape="0">
-                  <a:srgbClr val="000000">
-                    <a:alpha val="25000"/>
-                  </a:srgbClr>
-                </a:outerShdw>
-              </a:effectLst>
-              <a:latin typeface="Times New Roman" pitchFamily="18" charset="0"/>
-              <a:ea typeface="+mj-ea"/>
               <a:cs typeface="Times New Roman" pitchFamily="18" charset="0"/>
             </a:endParaRPr>
           </a:p>
@@ -15427,8 +15255,10 @@
                 <a:solidFill>
                   <a:schemeClr val="bg1"/>
                 </a:solidFill>
-              </a:rPr>
-              <a:t>Схема структуры автоматизации учетной деятельности</a:t>
+                <a:latin typeface="Times New Roman" pitchFamily="18" charset="0"/>
+                <a:cs typeface="Times New Roman" pitchFamily="18" charset="0"/>
+              </a:rPr>
+              <a:t>Особенности задач обеспечения безопасности магазина</a:t>
             </a:r>
             <a:endParaRPr lang="ru-RU" sz="3200" dirty="0">
               <a:solidFill>
@@ -15450,8 +15280,8 @@
         </p:nvSpPr>
         <p:spPr>
           <a:xfrm>
-            <a:off x="467544" y="1556792"/>
-            <a:ext cx="8208912" cy="4032448"/>
+            <a:off x="467544" y="2348880"/>
+            <a:ext cx="8208912" cy="4320480"/>
           </a:xfrm>
           <a:prstGeom prst="rect">
             <a:avLst/>
@@ -15470,6 +15300,210 @@
             </a:sp3d>
           </a:bodyPr>
           <a:lstStyle/>
+          <a:p>
+            <a:pPr marR="0" lvl="0" algn="l" defTabSz="914400" rtl="0" eaLnBrk="1" fontAlgn="auto" latinLnBrk="0" hangingPunct="1">
+              <a:spcBef>
+                <a:spcPct val="0"/>
+              </a:spcBef>
+              <a:spcAft>
+                <a:spcPts val="0"/>
+              </a:spcAft>
+              <a:buClrTx/>
+              <a:buSzTx/>
+              <a:tabLst/>
+              <a:defRPr/>
+            </a:pPr>
+            <a:r>
+              <a:rPr lang="ru-RU" sz="2400" b="1" dirty="0" smtClean="0">
+                <a:latin typeface="Times New Roman" pitchFamily="18" charset="0"/>
+                <a:ea typeface="+mj-ea"/>
+                <a:cs typeface="Times New Roman" pitchFamily="18" charset="0"/>
+              </a:rPr>
+              <a:t>Основные цели:</a:t>
+            </a:r>
+          </a:p>
+          <a:p>
+            <a:pPr lvl="0">
+              <a:buFont typeface="Arial" pitchFamily="34" charset="0"/>
+              <a:buChar char="•"/>
+            </a:pPr>
+            <a:r>
+              <a:rPr lang="ru-RU" sz="2400" dirty="0">
+                <a:latin typeface="Times New Roman" pitchFamily="18" charset="0"/>
+                <a:ea typeface="+mj-ea"/>
+                <a:cs typeface="Times New Roman" pitchFamily="18" charset="0"/>
+              </a:rPr>
+              <a:t> </a:t>
+            </a:r>
+            <a:r>
+              <a:rPr lang="ru-RU" sz="2400" dirty="0" smtClean="0">
+                <a:latin typeface="Times New Roman" pitchFamily="18" charset="0"/>
+                <a:cs typeface="Times New Roman" pitchFamily="18" charset="0"/>
+              </a:rPr>
+              <a:t>предупреждение угроз;</a:t>
+            </a:r>
+          </a:p>
+          <a:p>
+            <a:pPr lvl="0">
+              <a:buFont typeface="Arial" pitchFamily="34" charset="0"/>
+              <a:buChar char="•"/>
+            </a:pPr>
+            <a:r>
+              <a:rPr lang="ru-RU" sz="2400" dirty="0" smtClean="0">
+                <a:latin typeface="Times New Roman" pitchFamily="18" charset="0"/>
+                <a:cs typeface="Times New Roman" pitchFamily="18" charset="0"/>
+              </a:rPr>
+              <a:t> </a:t>
+            </a:r>
+            <a:r>
+              <a:rPr lang="ru-RU" sz="2400" dirty="0" err="1" smtClean="0">
+                <a:latin typeface="Times New Roman" pitchFamily="18" charset="0"/>
+                <a:cs typeface="Times New Roman" pitchFamily="18" charset="0"/>
+              </a:rPr>
+              <a:t>присечение</a:t>
+            </a:r>
+            <a:r>
+              <a:rPr lang="ru-RU" sz="2400" dirty="0" smtClean="0">
+                <a:latin typeface="Times New Roman" pitchFamily="18" charset="0"/>
+                <a:cs typeface="Times New Roman" pitchFamily="18" charset="0"/>
+              </a:rPr>
+              <a:t> угроз;</a:t>
+            </a:r>
+          </a:p>
+          <a:p>
+            <a:pPr lvl="0">
+              <a:buFont typeface="Arial" pitchFamily="34" charset="0"/>
+              <a:buChar char="•"/>
+            </a:pPr>
+            <a:r>
+              <a:rPr lang="ru-RU" sz="2400" dirty="0" smtClean="0">
+                <a:latin typeface="Times New Roman" pitchFamily="18" charset="0"/>
+                <a:cs typeface="Times New Roman" pitchFamily="18" charset="0"/>
+              </a:rPr>
+              <a:t> устранение угроз.</a:t>
+            </a:r>
+          </a:p>
+          <a:p>
+            <a:pPr>
+              <a:lnSpc>
+                <a:spcPct val="150000"/>
+              </a:lnSpc>
+            </a:pPr>
+            <a:r>
+              <a:rPr lang="ru-RU" sz="2400" b="1" dirty="0" smtClean="0">
+                <a:latin typeface="Times New Roman" pitchFamily="18" charset="0"/>
+                <a:cs typeface="Times New Roman" pitchFamily="18" charset="0"/>
+              </a:rPr>
+              <a:t>Внешние источники опасности:</a:t>
+            </a:r>
+          </a:p>
+          <a:p>
+            <a:pPr lvl="0">
+              <a:buFont typeface="Arial" pitchFamily="34" charset="0"/>
+              <a:buChar char="•"/>
+            </a:pPr>
+            <a:r>
+              <a:rPr lang="ru-RU" sz="2400" dirty="0" smtClean="0">
+                <a:latin typeface="Times New Roman" pitchFamily="18" charset="0"/>
+                <a:cs typeface="Times New Roman" pitchFamily="18" charset="0"/>
+              </a:rPr>
+              <a:t> </a:t>
+            </a:r>
+            <a:r>
+              <a:rPr lang="en-US" sz="2400" dirty="0" err="1" smtClean="0">
+                <a:latin typeface="Times New Roman" pitchFamily="18" charset="0"/>
+                <a:cs typeface="Times New Roman" pitchFamily="18" charset="0"/>
+              </a:rPr>
+              <a:t>криминальные</a:t>
+            </a:r>
+            <a:r>
+              <a:rPr lang="en-US" sz="2400" dirty="0" smtClean="0">
+                <a:latin typeface="Times New Roman" pitchFamily="18" charset="0"/>
+                <a:cs typeface="Times New Roman" pitchFamily="18" charset="0"/>
+              </a:rPr>
+              <a:t> </a:t>
+            </a:r>
+            <a:r>
+              <a:rPr lang="en-US" sz="2400" dirty="0" err="1" smtClean="0">
+                <a:latin typeface="Times New Roman" pitchFamily="18" charset="0"/>
+                <a:cs typeface="Times New Roman" pitchFamily="18" charset="0"/>
+              </a:rPr>
+              <a:t>структуры</a:t>
+            </a:r>
+            <a:r>
+              <a:rPr lang="ru-RU" sz="2400" dirty="0" smtClean="0">
+                <a:latin typeface="Times New Roman" pitchFamily="18" charset="0"/>
+                <a:cs typeface="Times New Roman" pitchFamily="18" charset="0"/>
+              </a:rPr>
+              <a:t>;</a:t>
+            </a:r>
+          </a:p>
+          <a:p>
+            <a:pPr lvl="0">
+              <a:buFont typeface="Arial" pitchFamily="34" charset="0"/>
+              <a:buChar char="•"/>
+            </a:pPr>
+            <a:r>
+              <a:rPr lang="ru-RU" sz="2400" dirty="0" smtClean="0">
+                <a:latin typeface="Times New Roman" pitchFamily="18" charset="0"/>
+                <a:cs typeface="Times New Roman" pitchFamily="18" charset="0"/>
+              </a:rPr>
+              <a:t> технический персонал;</a:t>
+            </a:r>
+          </a:p>
+          <a:p>
+            <a:pPr lvl="0">
+              <a:buFont typeface="Arial" pitchFamily="34" charset="0"/>
+              <a:buChar char="•"/>
+            </a:pPr>
+            <a:r>
+              <a:rPr lang="ru-RU" sz="2400" dirty="0" smtClean="0">
+                <a:latin typeface="Times New Roman" pitchFamily="18" charset="0"/>
+                <a:cs typeface="Times New Roman" pitchFamily="18" charset="0"/>
+              </a:rPr>
+              <a:t> конкуренты.</a:t>
+            </a:r>
+          </a:p>
+          <a:p>
+            <a:pPr>
+              <a:lnSpc>
+                <a:spcPct val="150000"/>
+              </a:lnSpc>
+            </a:pPr>
+            <a:r>
+              <a:rPr lang="ru-RU" sz="2400" b="1" dirty="0" smtClean="0">
+                <a:latin typeface="Times New Roman" pitchFamily="18" charset="0"/>
+                <a:cs typeface="Times New Roman" pitchFamily="18" charset="0"/>
+              </a:rPr>
+              <a:t>Внутренние источники опасности:</a:t>
+            </a:r>
+          </a:p>
+          <a:p>
+            <a:pPr lvl="0">
+              <a:buFont typeface="Arial" pitchFamily="34" charset="0"/>
+              <a:buChar char="•"/>
+            </a:pPr>
+            <a:r>
+              <a:rPr lang="ru-RU" sz="2400" dirty="0" smtClean="0">
+                <a:latin typeface="Times New Roman" pitchFamily="18" charset="0"/>
+                <a:cs typeface="Times New Roman" pitchFamily="18" charset="0"/>
+              </a:rPr>
+              <a:t> персонал организации;</a:t>
+            </a:r>
+          </a:p>
+          <a:p>
+            <a:pPr lvl="0">
+              <a:buFont typeface="Arial" pitchFamily="34" charset="0"/>
+              <a:buChar char="•"/>
+            </a:pPr>
+            <a:r>
+              <a:rPr lang="ru-RU" sz="2400" dirty="0" smtClean="0">
+                <a:latin typeface="Times New Roman" pitchFamily="18" charset="0"/>
+                <a:cs typeface="Times New Roman" pitchFamily="18" charset="0"/>
+              </a:rPr>
+              <a:t> вспомогательный персонал.</a:t>
+            </a:r>
+          </a:p>
           <a:p>
             <a:pPr lvl="0"/>
             <a:endParaRPr lang="ru-RU" sz="2400" dirty="0">
@@ -15548,36 +15582,6 @@
           </a:p>
         </p:txBody>
       </p:sp>
-      <p:pic>
-        <p:nvPicPr>
-          <p:cNvPr id="4" name="Рисунок 3" descr="Архитектура Компов"/>
-          <p:cNvPicPr/>
-          <p:nvPr/>
-        </p:nvPicPr>
-        <p:blipFill>
-          <a:blip r:embed="rId3" cstate="print"/>
-          <a:srcRect/>
-          <a:stretch>
-            <a:fillRect/>
-          </a:stretch>
-        </p:blipFill>
-        <p:spPr bwMode="auto">
-          <a:xfrm>
-            <a:off x="1763688" y="1628800"/>
-            <a:ext cx="5544616" cy="4464496"/>
-          </a:xfrm>
-          <a:prstGeom prst="rect">
-            <a:avLst/>
-          </a:prstGeom>
-          <a:noFill/>
-          <a:ln w="9525">
-            <a:noFill/>
-            <a:miter lim="800000"/>
-            <a:headEnd/>
-            <a:tailEnd/>
-          </a:ln>
-        </p:spPr>
-      </p:pic>
     </p:spTree>
   </p:cSld>
   <p:clrMapOvr>
@@ -15641,7 +15645,7 @@
                 <a:latin typeface="Times New Roman" pitchFamily="18" charset="0"/>
                 <a:cs typeface="Times New Roman" pitchFamily="18" charset="0"/>
               </a:rPr>
-              <a:t>Программные продукты учета розничных и оптовых продаж.</a:t>
+              <a:t>Особенности задач обеспечения безопасности магазина</a:t>
             </a:r>
             <a:endParaRPr lang="ru-RU" sz="3200" dirty="0">
               <a:solidFill>
@@ -15663,8 +15667,8 @@
         </p:nvSpPr>
         <p:spPr>
           <a:xfrm>
-            <a:off x="467544" y="1700808"/>
-            <a:ext cx="8208912" cy="2088232"/>
+            <a:off x="467544" y="1196752"/>
+            <a:ext cx="8208912" cy="5661248"/>
           </a:xfrm>
           <a:prstGeom prst="rect">
             <a:avLst/>
@@ -15684,204 +15688,173 @@
           </a:bodyPr>
           <a:lstStyle/>
           <a:p>
-            <a:pPr marL="0" marR="0" lvl="0" indent="0" algn="l" defTabSz="914400" rtl="0" eaLnBrk="1" fontAlgn="auto" latinLnBrk="0" hangingPunct="1">
-              <a:lnSpc>
-                <a:spcPct val="100000"/>
-              </a:lnSpc>
-              <a:spcBef>
-                <a:spcPct val="0"/>
-              </a:spcBef>
-              <a:spcAft>
-                <a:spcPts val="0"/>
-              </a:spcAft>
-              <a:buClrTx/>
-              <a:buSzTx/>
-              <a:tabLst/>
-              <a:defRPr/>
+            <a:r>
+              <a:rPr lang="ru-RU" sz="2400" b="1" dirty="0" smtClean="0">
+                <a:latin typeface="Times New Roman" pitchFamily="18" charset="0"/>
+                <a:cs typeface="Times New Roman" pitchFamily="18" charset="0"/>
+              </a:rPr>
+              <a:t>Основные требования к системе:</a:t>
+            </a:r>
+          </a:p>
+          <a:p>
+            <a:pPr>
+              <a:buFont typeface="Arial" pitchFamily="34" charset="0"/>
+              <a:buChar char="•"/>
             </a:pPr>
             <a:r>
-              <a:rPr lang="ru-RU" sz="2400" b="1" dirty="0" smtClean="0">
-                <a:effectLst>
-                  <a:outerShdw blurRad="31750" dist="25400" dir="5400000" algn="tl" rotWithShape="0">
-                    <a:srgbClr val="000000">
-                      <a:alpha val="25000"/>
-                    </a:srgbClr>
-                  </a:outerShdw>
-                </a:effectLst>
-                <a:latin typeface="Times New Roman" pitchFamily="18" charset="0"/>
-                <a:ea typeface="+mj-ea"/>
-                <a:cs typeface="Times New Roman" pitchFamily="18" charset="0"/>
-              </a:rPr>
-              <a:t>Лидеры продуктов учета:</a:t>
-            </a:r>
-            <a:endParaRPr lang="ru-RU" sz="3200" b="1" dirty="0" smtClean="0">
-              <a:effectLst>
-                <a:outerShdw blurRad="31750" dist="25400" dir="5400000" algn="tl" rotWithShape="0">
-                  <a:srgbClr val="000000">
-                    <a:alpha val="25000"/>
-                  </a:srgbClr>
-                </a:outerShdw>
-              </a:effectLst>
+              <a:rPr lang="ru-RU" sz="2400" dirty="0" smtClean="0">
+                <a:latin typeface="Times New Roman" pitchFamily="18" charset="0"/>
+                <a:cs typeface="Times New Roman" pitchFamily="18" charset="0"/>
+              </a:rPr>
+              <a:t> непрерывная круглосуточная работа;</a:t>
+            </a:r>
+          </a:p>
+          <a:p>
+            <a:pPr lvl="0">
+              <a:buFont typeface="Arial" pitchFamily="34" charset="0"/>
+              <a:buChar char="•"/>
+            </a:pPr>
+            <a:r>
+              <a:rPr lang="ru-RU" sz="2400" dirty="0" smtClean="0">
+                <a:latin typeface="Times New Roman" pitchFamily="18" charset="0"/>
+                <a:cs typeface="Times New Roman" pitchFamily="18" charset="0"/>
+              </a:rPr>
+              <a:t> высокое разрешение(</a:t>
+            </a:r>
+            <a:r>
+              <a:rPr lang="en-US" sz="2400" dirty="0" smtClean="0">
+                <a:latin typeface="Times New Roman" pitchFamily="18" charset="0"/>
+                <a:cs typeface="Times New Roman" pitchFamily="18" charset="0"/>
+              </a:rPr>
+              <a:t>Full HD</a:t>
+            </a:r>
+            <a:r>
+              <a:rPr lang="ru-RU" sz="2400" dirty="0" smtClean="0">
+                <a:latin typeface="Times New Roman" pitchFamily="18" charset="0"/>
+                <a:cs typeface="Times New Roman" pitchFamily="18" charset="0"/>
+              </a:rPr>
+              <a:t>): &gt; = 1280 </a:t>
+            </a:r>
+            <a:r>
+              <a:rPr lang="en-US" sz="2400" dirty="0" smtClean="0">
+                <a:latin typeface="Times New Roman" pitchFamily="18" charset="0"/>
+                <a:cs typeface="Times New Roman" pitchFamily="18" charset="0"/>
+              </a:rPr>
+              <a:t>x</a:t>
+            </a:r>
+            <a:r>
+              <a:rPr lang="ru-RU" sz="2400" dirty="0" smtClean="0">
+                <a:latin typeface="Times New Roman" pitchFamily="18" charset="0"/>
+                <a:cs typeface="Times New Roman" pitchFamily="18" charset="0"/>
+              </a:rPr>
+              <a:t> 1080;</a:t>
+            </a:r>
+          </a:p>
+          <a:p>
+            <a:pPr lvl="0">
+              <a:buFont typeface="Arial" pitchFamily="34" charset="0"/>
+              <a:buChar char="•"/>
+            </a:pPr>
+            <a:r>
+              <a:rPr lang="ru-RU" sz="2400" dirty="0" smtClean="0">
+                <a:latin typeface="Times New Roman" pitchFamily="18" charset="0"/>
+                <a:cs typeface="Times New Roman" pitchFamily="18" charset="0"/>
+              </a:rPr>
+              <a:t> угол обзора</a:t>
+            </a:r>
+            <a:r>
+              <a:rPr lang="en-US" sz="2400" dirty="0" smtClean="0">
+                <a:latin typeface="Times New Roman" pitchFamily="18" charset="0"/>
+                <a:cs typeface="Times New Roman" pitchFamily="18" charset="0"/>
+              </a:rPr>
+              <a:t>: &gt; = 90</a:t>
+            </a:r>
+            <a:r>
+              <a:rPr lang="ru-RU" sz="2400" baseline="30000" dirty="0" smtClean="0">
+                <a:latin typeface="Times New Roman" pitchFamily="18" charset="0"/>
+                <a:cs typeface="Times New Roman" pitchFamily="18" charset="0"/>
+              </a:rPr>
+              <a:t>◦</a:t>
+            </a:r>
+            <a:r>
+              <a:rPr lang="ru-RU" sz="2400" dirty="0" smtClean="0">
+                <a:latin typeface="Times New Roman" pitchFamily="18" charset="0"/>
+                <a:cs typeface="Times New Roman" pitchFamily="18" charset="0"/>
+              </a:rPr>
+              <a:t>;</a:t>
+            </a:r>
+          </a:p>
+          <a:p>
+            <a:pPr lvl="0">
+              <a:buFont typeface="Arial" pitchFamily="34" charset="0"/>
+              <a:buChar char="•"/>
+            </a:pPr>
+            <a:r>
+              <a:rPr lang="ru-RU" sz="2400" dirty="0" smtClean="0">
+                <a:latin typeface="Times New Roman" pitchFamily="18" charset="0"/>
+                <a:cs typeface="Times New Roman" pitchFamily="18" charset="0"/>
+              </a:rPr>
+              <a:t> возможность хранения видеоархива большого объема;</a:t>
+            </a:r>
+          </a:p>
+          <a:p>
+            <a:pPr>
+              <a:buFont typeface="Arial" pitchFamily="34" charset="0"/>
+              <a:buChar char="•"/>
+            </a:pPr>
+            <a:r>
+              <a:rPr lang="ru-RU" sz="2400" dirty="0" smtClean="0">
+                <a:latin typeface="Times New Roman" pitchFamily="18" charset="0"/>
+                <a:cs typeface="Times New Roman" pitchFamily="18" charset="0"/>
+              </a:rPr>
+              <a:t> возможность переноса и дальнейшего просмотра информации из архива как в формате системы, так и в других</a:t>
+            </a:r>
+          </a:p>
+          <a:p>
+            <a:pPr lvl="0">
+              <a:buFont typeface="Arial" pitchFamily="34" charset="0"/>
+              <a:buChar char="•"/>
+            </a:pPr>
+            <a:r>
+              <a:rPr lang="ru-RU" sz="2400" dirty="0" smtClean="0">
+                <a:latin typeface="Times New Roman" pitchFamily="18" charset="0"/>
+                <a:cs typeface="Times New Roman" pitchFamily="18" charset="0"/>
+              </a:rPr>
+              <a:t> возможность полноэкранного вывода любой камеры при просмотре в режиме реального времени и просмотре видеоархива;</a:t>
+            </a:r>
+          </a:p>
+          <a:p>
+            <a:pPr lvl="0">
+              <a:buFont typeface="Arial" pitchFamily="34" charset="0"/>
+              <a:buChar char="•"/>
+            </a:pPr>
+            <a:r>
+              <a:rPr lang="ru-RU" sz="2400" dirty="0" smtClean="0">
+                <a:latin typeface="Times New Roman" pitchFamily="18" charset="0"/>
+                <a:cs typeface="Times New Roman" pitchFamily="18" charset="0"/>
+              </a:rPr>
+              <a:t> возможность многократного цифрового увеличения изображения и обработки «кадра»;</a:t>
+            </a:r>
+          </a:p>
+          <a:p>
+            <a:pPr>
+              <a:buFont typeface="Arial" pitchFamily="34" charset="0"/>
+              <a:buChar char="•"/>
+            </a:pPr>
+            <a:endParaRPr lang="ru-RU" sz="2400" dirty="0" smtClean="0">
               <a:latin typeface="Times New Roman" pitchFamily="18" charset="0"/>
-              <a:ea typeface="+mj-ea"/>
               <a:cs typeface="Times New Roman" pitchFamily="18" charset="0"/>
             </a:endParaRPr>
           </a:p>
           <a:p>
-            <a:pPr marL="0" marR="0" lvl="0" indent="0" algn="l" defTabSz="914400" rtl="0" eaLnBrk="1" fontAlgn="auto" latinLnBrk="0" hangingPunct="1">
-              <a:lnSpc>
-                <a:spcPct val="100000"/>
-              </a:lnSpc>
-              <a:spcBef>
-                <a:spcPct val="0"/>
-              </a:spcBef>
-              <a:spcAft>
-                <a:spcPts val="0"/>
-              </a:spcAft>
-              <a:buClrTx/>
-              <a:buSzTx/>
+            <a:pPr lvl="0">
               <a:buFont typeface="Arial" pitchFamily="34" charset="0"/>
               <a:buChar char="•"/>
-              <a:tabLst/>
-              <a:defRPr/>
             </a:pPr>
-            <a:r>
-              <a:rPr lang="ru-RU" sz="2400" dirty="0" smtClean="0">
-                <a:effectLst>
-                  <a:outerShdw blurRad="31750" dist="25400" dir="5400000" algn="tl" rotWithShape="0">
-                    <a:srgbClr val="000000">
-                      <a:alpha val="25000"/>
-                    </a:srgbClr>
-                  </a:outerShdw>
-                </a:effectLst>
-                <a:latin typeface="Times New Roman" pitchFamily="18" charset="0"/>
-                <a:ea typeface="+mj-ea"/>
-                <a:cs typeface="Times New Roman" pitchFamily="18" charset="0"/>
-              </a:rPr>
-              <a:t> Турбо Бухгалтер;</a:t>
-            </a:r>
-          </a:p>
-          <a:p>
-            <a:pPr marL="0" marR="0" lvl="0" indent="0" algn="l" defTabSz="914400" rtl="0" eaLnBrk="1" fontAlgn="auto" latinLnBrk="0" hangingPunct="1">
-              <a:lnSpc>
-                <a:spcPct val="100000"/>
-              </a:lnSpc>
-              <a:spcBef>
-                <a:spcPct val="0"/>
-              </a:spcBef>
-              <a:spcAft>
-                <a:spcPts val="0"/>
-              </a:spcAft>
-              <a:buClrTx/>
-              <a:buSzTx/>
-              <a:buFont typeface="Arial" pitchFamily="34" charset="0"/>
-              <a:buChar char="•"/>
-              <a:tabLst/>
-              <a:defRPr/>
-            </a:pPr>
-            <a:r>
-              <a:rPr lang="ru-RU" sz="2400" dirty="0" smtClean="0">
-                <a:effectLst>
-                  <a:outerShdw blurRad="31750" dist="25400" dir="5400000" algn="tl" rotWithShape="0">
-                    <a:srgbClr val="000000">
-                      <a:alpha val="25000"/>
-                    </a:srgbClr>
-                  </a:outerShdw>
-                </a:effectLst>
-                <a:latin typeface="Times New Roman" pitchFamily="18" charset="0"/>
-                <a:ea typeface="+mj-ea"/>
-                <a:cs typeface="Times New Roman" pitchFamily="18" charset="0"/>
-              </a:rPr>
-              <a:t> 1С «Бухгалтер»;</a:t>
-            </a:r>
-          </a:p>
-          <a:p>
-            <a:pPr marL="0" marR="0" lvl="0" indent="0" algn="l" defTabSz="914400" rtl="0" eaLnBrk="1" fontAlgn="auto" latinLnBrk="0" hangingPunct="1">
-              <a:lnSpc>
-                <a:spcPct val="100000"/>
-              </a:lnSpc>
-              <a:spcBef>
-                <a:spcPct val="0"/>
-              </a:spcBef>
-              <a:spcAft>
-                <a:spcPts val="0"/>
-              </a:spcAft>
-              <a:buClrTx/>
-              <a:buSzTx/>
-              <a:buFont typeface="Arial" pitchFamily="34" charset="0"/>
-              <a:buChar char="•"/>
-              <a:tabLst/>
-              <a:defRPr/>
-            </a:pPr>
-            <a:r>
-              <a:rPr lang="ru-RU" sz="2400" dirty="0" smtClean="0">
-                <a:effectLst>
-                  <a:outerShdw blurRad="31750" dist="25400" dir="5400000" algn="tl" rotWithShape="0">
-                    <a:srgbClr val="000000">
-                      <a:alpha val="25000"/>
-                    </a:srgbClr>
-                  </a:outerShdw>
-                </a:effectLst>
-                <a:latin typeface="Times New Roman" pitchFamily="18" charset="0"/>
-                <a:ea typeface="+mj-ea"/>
-                <a:cs typeface="Times New Roman" pitchFamily="18" charset="0"/>
-              </a:rPr>
-              <a:t> 1С «Управление торговлей»;</a:t>
-            </a:r>
-          </a:p>
-          <a:p>
-            <a:pPr lvl="0">
-              <a:spcBef>
-                <a:spcPct val="0"/>
-              </a:spcBef>
-              <a:buFont typeface="Arial" pitchFamily="34" charset="0"/>
-              <a:buChar char="•"/>
-              <a:defRPr/>
-            </a:pPr>
-            <a:r>
-              <a:rPr lang="ru-RU" sz="2400" dirty="0" smtClean="0">
-                <a:effectLst>
-                  <a:outerShdw blurRad="31750" dist="25400" dir="5400000" algn="tl" rotWithShape="0">
-                    <a:srgbClr val="000000">
-                      <a:alpha val="25000"/>
-                    </a:srgbClr>
-                  </a:outerShdw>
-                </a:effectLst>
-                <a:latin typeface="Times New Roman" pitchFamily="18" charset="0"/>
-                <a:ea typeface="+mj-ea"/>
-                <a:cs typeface="Times New Roman" pitchFamily="18" charset="0"/>
-              </a:rPr>
-              <a:t> 1С «</a:t>
-            </a:r>
-            <a:r>
-              <a:rPr lang="ru-RU" sz="2400" dirty="0" smtClean="0">
-                <a:effectLst>
-                  <a:outerShdw blurRad="31750" dist="25400" dir="5400000" algn="tl" rotWithShape="0">
-                    <a:srgbClr val="000000">
-                      <a:alpha val="25000"/>
-                    </a:srgbClr>
-                  </a:outerShdw>
-                </a:effectLst>
-                <a:latin typeface="Times New Roman" pitchFamily="18" charset="0"/>
-                <a:cs typeface="Times New Roman" pitchFamily="18" charset="0"/>
-              </a:rPr>
-              <a:t>Управление предприятием</a:t>
-            </a:r>
-            <a:r>
-              <a:rPr lang="ru-RU" sz="2400" dirty="0" smtClean="0">
-                <a:effectLst>
-                  <a:outerShdw blurRad="31750" dist="25400" dir="5400000" algn="tl" rotWithShape="0">
-                    <a:srgbClr val="000000">
-                      <a:alpha val="25000"/>
-                    </a:srgbClr>
-                  </a:outerShdw>
-                </a:effectLst>
-                <a:latin typeface="Times New Roman" pitchFamily="18" charset="0"/>
-                <a:ea typeface="+mj-ea"/>
-                <a:cs typeface="Times New Roman" pitchFamily="18" charset="0"/>
-              </a:rPr>
-              <a:t>»</a:t>
-            </a:r>
+            <a:endParaRPr lang="ru-RU" sz="2400" dirty="0">
+              <a:latin typeface="Times New Roman" pitchFamily="18" charset="0"/>
+              <a:cs typeface="Times New Roman" pitchFamily="18" charset="0"/>
+            </a:endParaRPr>
           </a:p>
         </p:txBody>
       </p:sp>

--- a/Выпускная квалификационная работа.pptx
+++ b/Выпускная квалификационная работа.pptx
@@ -5,7 +5,7 @@
     <p:sldMasterId id="2147483756" r:id="rId1"/>
   </p:sldMasterIdLst>
   <p:notesMasterIdLst>
-    <p:notesMasterId r:id="rId36"/>
+    <p:notesMasterId r:id="rId28"/>
   </p:notesMasterIdLst>
   <p:sldIdLst>
     <p:sldId id="256" r:id="rId2"/>
@@ -18,30 +18,22 @@
     <p:sldId id="261" r:id="rId9"/>
     <p:sldId id="275" r:id="rId10"/>
     <p:sldId id="274" r:id="rId11"/>
-    <p:sldId id="263" r:id="rId12"/>
-    <p:sldId id="264" r:id="rId13"/>
-    <p:sldId id="265" r:id="rId14"/>
-    <p:sldId id="266" r:id="rId15"/>
-    <p:sldId id="267" r:id="rId16"/>
-    <p:sldId id="268" r:id="rId17"/>
-    <p:sldId id="269" r:id="rId18"/>
-    <p:sldId id="270" r:id="rId19"/>
-    <p:sldId id="271" r:id="rId20"/>
-    <p:sldId id="272" r:id="rId21"/>
-    <p:sldId id="273" r:id="rId22"/>
-    <p:sldId id="277" r:id="rId23"/>
-    <p:sldId id="278" r:id="rId24"/>
-    <p:sldId id="279" r:id="rId25"/>
-    <p:sldId id="280" r:id="rId26"/>
-    <p:sldId id="281" r:id="rId27"/>
-    <p:sldId id="282" r:id="rId28"/>
-    <p:sldId id="283" r:id="rId29"/>
-    <p:sldId id="284" r:id="rId30"/>
-    <p:sldId id="285" r:id="rId31"/>
-    <p:sldId id="286" r:id="rId32"/>
-    <p:sldId id="287" r:id="rId33"/>
-    <p:sldId id="288" r:id="rId34"/>
-    <p:sldId id="289" r:id="rId35"/>
+    <p:sldId id="284" r:id="rId12"/>
+    <p:sldId id="263" r:id="rId13"/>
+    <p:sldId id="264" r:id="rId14"/>
+    <p:sldId id="265" r:id="rId15"/>
+    <p:sldId id="266" r:id="rId16"/>
+    <p:sldId id="272" r:id="rId17"/>
+    <p:sldId id="273" r:id="rId18"/>
+    <p:sldId id="277" r:id="rId19"/>
+    <p:sldId id="278" r:id="rId20"/>
+    <p:sldId id="279" r:id="rId21"/>
+    <p:sldId id="280" r:id="rId22"/>
+    <p:sldId id="281" r:id="rId23"/>
+    <p:sldId id="282" r:id="rId24"/>
+    <p:sldId id="287" r:id="rId25"/>
+    <p:sldId id="288" r:id="rId26"/>
+    <p:sldId id="289" r:id="rId27"/>
   </p:sldIdLst>
   <p:sldSz cx="9144000" cy="6858000" type="screen4x3"/>
   <p:notesSz cx="6858000" cy="9144000"/>
@@ -226,7 +218,7 @@
             <a:fld id="{6DD2198D-AA87-438E-AC3E-1AE87968A2FD}" type="datetimeFigureOut">
               <a:rPr lang="ru-RU" smtClean="0"/>
               <a:pPr/>
-              <a:t>23.06.2020</a:t>
+              <a:t>26.06.2020</a:t>
             </a:fld>
             <a:endParaRPr lang="ru-RU"/>
           </a:p>
@@ -709,7 +701,17 @@
           </a:bodyPr>
           <a:lstStyle/>
           <a:p>
-            <a:pPr lvl="0"/>
+            <a:r>
+              <a:rPr lang="ru-RU" sz="1200" kern="1200" dirty="0" smtClean="0">
+                <a:solidFill>
+                  <a:schemeClr val="tx1"/>
+                </a:solidFill>
+                <a:latin typeface="+mn-lt"/>
+                <a:ea typeface="+mn-ea"/>
+                <a:cs typeface="+mn-cs"/>
+              </a:rPr>
+              <a:t>В сети компании используется уже установленная система «1С: Управление торговлей» со специализацией под нужды организации, функция полезности которой из произведенного нами анализа равна 47.27%, что еще раз доказывает ее эффективность  перед исследуемыми аналогами.</a:t>
+            </a:r>
             <a:endParaRPr lang="ru-RU" sz="1200" kern="1200" dirty="0">
               <a:solidFill>
                 <a:schemeClr val="tx1"/>
@@ -1066,17 +1068,6 @@
           </a:bodyPr>
           <a:lstStyle/>
           <a:p>
-            <a:r>
-              <a:rPr lang="ru-RU" sz="1200" kern="1200" dirty="0" smtClean="0">
-                <a:solidFill>
-                  <a:schemeClr val="tx1"/>
-                </a:solidFill>
-                <a:latin typeface="+mn-lt"/>
-                <a:ea typeface="+mn-ea"/>
-                <a:cs typeface="+mn-cs"/>
-              </a:rPr>
-              <a:t>В сети компании используется уже установленная система «1С: Управление торговлей» со специализацией под нужды организации, функция полезности которой из произведенного нами анализа равна 47.27%, что еще раз доказывает ее эффективность  перед исследуемыми аналогами.</a:t>
-            </a:r>
             <a:endParaRPr lang="ru-RU" sz="1200" kern="1200" dirty="0">
               <a:solidFill>
                 <a:schemeClr val="tx1"/>
@@ -1654,718 +1645,6 @@
 </p:notes>
 </file>
 
-<file path=ppt/notesSlides/notesSlide21.xml><?xml version="1.0" encoding="utf-8"?>
-<p:notes xmlns:a="http://schemas.openxmlformats.org/drawingml/2006/main" xmlns:r="http://schemas.openxmlformats.org/officeDocument/2006/relationships" xmlns:p="http://schemas.openxmlformats.org/presentationml/2006/main">
-  <p:cSld>
-    <p:spTree>
-      <p:nvGrpSpPr>
-        <p:cNvPr id="1" name=""/>
-        <p:cNvGrpSpPr/>
-        <p:nvPr/>
-      </p:nvGrpSpPr>
-      <p:grpSpPr>
-        <a:xfrm>
-          <a:off x="0" y="0"/>
-          <a:ext cx="0" cy="0"/>
-          <a:chOff x="0" y="0"/>
-          <a:chExt cx="0" cy="0"/>
-        </a:xfrm>
-      </p:grpSpPr>
-      <p:sp>
-        <p:nvSpPr>
-          <p:cNvPr id="2" name="Образ слайда 1"/>
-          <p:cNvSpPr>
-            <a:spLocks noGrp="1" noRot="1" noChangeAspect="1"/>
-          </p:cNvSpPr>
-          <p:nvPr>
-            <p:ph type="sldImg"/>
-          </p:nvPr>
-        </p:nvSpPr>
-        <p:spPr/>
-      </p:sp>
-      <p:sp>
-        <p:nvSpPr>
-          <p:cNvPr id="3" name="Заметки 2"/>
-          <p:cNvSpPr>
-            <a:spLocks noGrp="1"/>
-          </p:cNvSpPr>
-          <p:nvPr>
-            <p:ph type="body" idx="1"/>
-          </p:nvPr>
-        </p:nvSpPr>
-        <p:spPr/>
-        <p:txBody>
-          <a:bodyPr>
-            <a:normAutofit/>
-          </a:bodyPr>
-          <a:lstStyle/>
-          <a:p>
-            <a:endParaRPr lang="ru-RU" sz="1200" kern="1200" dirty="0">
-              <a:solidFill>
-                <a:schemeClr val="tx1"/>
-              </a:solidFill>
-              <a:latin typeface="+mn-lt"/>
-              <a:ea typeface="+mn-ea"/>
-              <a:cs typeface="+mn-cs"/>
-            </a:endParaRPr>
-          </a:p>
-        </p:txBody>
-      </p:sp>
-      <p:sp>
-        <p:nvSpPr>
-          <p:cNvPr id="4" name="Номер слайда 3"/>
-          <p:cNvSpPr>
-            <a:spLocks noGrp="1"/>
-          </p:cNvSpPr>
-          <p:nvPr>
-            <p:ph type="sldNum" sz="quarter" idx="10"/>
-          </p:nvPr>
-        </p:nvSpPr>
-        <p:spPr/>
-        <p:txBody>
-          <a:bodyPr/>
-          <a:lstStyle/>
-          <a:p>
-            <a:fld id="{3E9C54AA-E9DE-4FB5-81A5-31822454A93D}" type="slidenum">
-              <a:rPr lang="ru-RU" smtClean="0"/>
-              <a:pPr/>
-              <a:t>27</a:t>
-            </a:fld>
-            <a:endParaRPr lang="ru-RU"/>
-          </a:p>
-        </p:txBody>
-      </p:sp>
-    </p:spTree>
-  </p:cSld>
-  <p:clrMapOvr>
-    <a:masterClrMapping/>
-  </p:clrMapOvr>
-</p:notes>
-</file>
-
-<file path=ppt/notesSlides/notesSlide22.xml><?xml version="1.0" encoding="utf-8"?>
-<p:notes xmlns:a="http://schemas.openxmlformats.org/drawingml/2006/main" xmlns:r="http://schemas.openxmlformats.org/officeDocument/2006/relationships" xmlns:p="http://schemas.openxmlformats.org/presentationml/2006/main">
-  <p:cSld>
-    <p:spTree>
-      <p:nvGrpSpPr>
-        <p:cNvPr id="1" name=""/>
-        <p:cNvGrpSpPr/>
-        <p:nvPr/>
-      </p:nvGrpSpPr>
-      <p:grpSpPr>
-        <a:xfrm>
-          <a:off x="0" y="0"/>
-          <a:ext cx="0" cy="0"/>
-          <a:chOff x="0" y="0"/>
-          <a:chExt cx="0" cy="0"/>
-        </a:xfrm>
-      </p:grpSpPr>
-      <p:sp>
-        <p:nvSpPr>
-          <p:cNvPr id="2" name="Образ слайда 1"/>
-          <p:cNvSpPr>
-            <a:spLocks noGrp="1" noRot="1" noChangeAspect="1"/>
-          </p:cNvSpPr>
-          <p:nvPr>
-            <p:ph type="sldImg"/>
-          </p:nvPr>
-        </p:nvSpPr>
-        <p:spPr/>
-      </p:sp>
-      <p:sp>
-        <p:nvSpPr>
-          <p:cNvPr id="3" name="Заметки 2"/>
-          <p:cNvSpPr>
-            <a:spLocks noGrp="1"/>
-          </p:cNvSpPr>
-          <p:nvPr>
-            <p:ph type="body" idx="1"/>
-          </p:nvPr>
-        </p:nvSpPr>
-        <p:spPr/>
-        <p:txBody>
-          <a:bodyPr>
-            <a:normAutofit/>
-          </a:bodyPr>
-          <a:lstStyle/>
-          <a:p>
-            <a:endParaRPr lang="ru-RU" sz="1200" kern="1200" dirty="0">
-              <a:solidFill>
-                <a:schemeClr val="tx1"/>
-              </a:solidFill>
-              <a:latin typeface="+mn-lt"/>
-              <a:ea typeface="+mn-ea"/>
-              <a:cs typeface="+mn-cs"/>
-            </a:endParaRPr>
-          </a:p>
-        </p:txBody>
-      </p:sp>
-      <p:sp>
-        <p:nvSpPr>
-          <p:cNvPr id="4" name="Номер слайда 3"/>
-          <p:cNvSpPr>
-            <a:spLocks noGrp="1"/>
-          </p:cNvSpPr>
-          <p:nvPr>
-            <p:ph type="sldNum" sz="quarter" idx="10"/>
-          </p:nvPr>
-        </p:nvSpPr>
-        <p:spPr/>
-        <p:txBody>
-          <a:bodyPr/>
-          <a:lstStyle/>
-          <a:p>
-            <a:fld id="{3E9C54AA-E9DE-4FB5-81A5-31822454A93D}" type="slidenum">
-              <a:rPr lang="ru-RU" smtClean="0"/>
-              <a:pPr/>
-              <a:t>28</a:t>
-            </a:fld>
-            <a:endParaRPr lang="ru-RU"/>
-          </a:p>
-        </p:txBody>
-      </p:sp>
-    </p:spTree>
-  </p:cSld>
-  <p:clrMapOvr>
-    <a:masterClrMapping/>
-  </p:clrMapOvr>
-</p:notes>
-</file>
-
-<file path=ppt/notesSlides/notesSlide23.xml><?xml version="1.0" encoding="utf-8"?>
-<p:notes xmlns:a="http://schemas.openxmlformats.org/drawingml/2006/main" xmlns:r="http://schemas.openxmlformats.org/officeDocument/2006/relationships" xmlns:p="http://schemas.openxmlformats.org/presentationml/2006/main">
-  <p:cSld>
-    <p:spTree>
-      <p:nvGrpSpPr>
-        <p:cNvPr id="1" name=""/>
-        <p:cNvGrpSpPr/>
-        <p:nvPr/>
-      </p:nvGrpSpPr>
-      <p:grpSpPr>
-        <a:xfrm>
-          <a:off x="0" y="0"/>
-          <a:ext cx="0" cy="0"/>
-          <a:chOff x="0" y="0"/>
-          <a:chExt cx="0" cy="0"/>
-        </a:xfrm>
-      </p:grpSpPr>
-      <p:sp>
-        <p:nvSpPr>
-          <p:cNvPr id="2" name="Образ слайда 1"/>
-          <p:cNvSpPr>
-            <a:spLocks noGrp="1" noRot="1" noChangeAspect="1"/>
-          </p:cNvSpPr>
-          <p:nvPr>
-            <p:ph type="sldImg"/>
-          </p:nvPr>
-        </p:nvSpPr>
-        <p:spPr/>
-      </p:sp>
-      <p:sp>
-        <p:nvSpPr>
-          <p:cNvPr id="3" name="Заметки 2"/>
-          <p:cNvSpPr>
-            <a:spLocks noGrp="1"/>
-          </p:cNvSpPr>
-          <p:nvPr>
-            <p:ph type="body" idx="1"/>
-          </p:nvPr>
-        </p:nvSpPr>
-        <p:spPr/>
-        <p:txBody>
-          <a:bodyPr>
-            <a:normAutofit/>
-          </a:bodyPr>
-          <a:lstStyle/>
-          <a:p>
-            <a:endParaRPr lang="ru-RU" sz="1200" kern="1200" dirty="0">
-              <a:solidFill>
-                <a:schemeClr val="tx1"/>
-              </a:solidFill>
-              <a:latin typeface="+mn-lt"/>
-              <a:ea typeface="+mn-ea"/>
-              <a:cs typeface="+mn-cs"/>
-            </a:endParaRPr>
-          </a:p>
-        </p:txBody>
-      </p:sp>
-      <p:sp>
-        <p:nvSpPr>
-          <p:cNvPr id="4" name="Номер слайда 3"/>
-          <p:cNvSpPr>
-            <a:spLocks noGrp="1"/>
-          </p:cNvSpPr>
-          <p:nvPr>
-            <p:ph type="sldNum" sz="quarter" idx="10"/>
-          </p:nvPr>
-        </p:nvSpPr>
-        <p:spPr/>
-        <p:txBody>
-          <a:bodyPr/>
-          <a:lstStyle/>
-          <a:p>
-            <a:fld id="{3E9C54AA-E9DE-4FB5-81A5-31822454A93D}" type="slidenum">
-              <a:rPr lang="ru-RU" smtClean="0"/>
-              <a:pPr/>
-              <a:t>29</a:t>
-            </a:fld>
-            <a:endParaRPr lang="ru-RU"/>
-          </a:p>
-        </p:txBody>
-      </p:sp>
-    </p:spTree>
-  </p:cSld>
-  <p:clrMapOvr>
-    <a:masterClrMapping/>
-  </p:clrMapOvr>
-</p:notes>
-</file>
-
-<file path=ppt/notesSlides/notesSlide24.xml><?xml version="1.0" encoding="utf-8"?>
-<p:notes xmlns:a="http://schemas.openxmlformats.org/drawingml/2006/main" xmlns:r="http://schemas.openxmlformats.org/officeDocument/2006/relationships" xmlns:p="http://schemas.openxmlformats.org/presentationml/2006/main">
-  <p:cSld>
-    <p:spTree>
-      <p:nvGrpSpPr>
-        <p:cNvPr id="1" name=""/>
-        <p:cNvGrpSpPr/>
-        <p:nvPr/>
-      </p:nvGrpSpPr>
-      <p:grpSpPr>
-        <a:xfrm>
-          <a:off x="0" y="0"/>
-          <a:ext cx="0" cy="0"/>
-          <a:chOff x="0" y="0"/>
-          <a:chExt cx="0" cy="0"/>
-        </a:xfrm>
-      </p:grpSpPr>
-      <p:sp>
-        <p:nvSpPr>
-          <p:cNvPr id="2" name="Образ слайда 1"/>
-          <p:cNvSpPr>
-            <a:spLocks noGrp="1" noRot="1" noChangeAspect="1"/>
-          </p:cNvSpPr>
-          <p:nvPr>
-            <p:ph type="sldImg"/>
-          </p:nvPr>
-        </p:nvSpPr>
-        <p:spPr/>
-      </p:sp>
-      <p:sp>
-        <p:nvSpPr>
-          <p:cNvPr id="3" name="Заметки 2"/>
-          <p:cNvSpPr>
-            <a:spLocks noGrp="1"/>
-          </p:cNvSpPr>
-          <p:nvPr>
-            <p:ph type="body" idx="1"/>
-          </p:nvPr>
-        </p:nvSpPr>
-        <p:spPr/>
-        <p:txBody>
-          <a:bodyPr>
-            <a:normAutofit/>
-          </a:bodyPr>
-          <a:lstStyle/>
-          <a:p>
-            <a:endParaRPr lang="ru-RU" sz="1200" kern="1200" dirty="0">
-              <a:solidFill>
-                <a:schemeClr val="tx1"/>
-              </a:solidFill>
-              <a:latin typeface="+mn-lt"/>
-              <a:ea typeface="+mn-ea"/>
-              <a:cs typeface="+mn-cs"/>
-            </a:endParaRPr>
-          </a:p>
-        </p:txBody>
-      </p:sp>
-      <p:sp>
-        <p:nvSpPr>
-          <p:cNvPr id="4" name="Номер слайда 3"/>
-          <p:cNvSpPr>
-            <a:spLocks noGrp="1"/>
-          </p:cNvSpPr>
-          <p:nvPr>
-            <p:ph type="sldNum" sz="quarter" idx="10"/>
-          </p:nvPr>
-        </p:nvSpPr>
-        <p:spPr/>
-        <p:txBody>
-          <a:bodyPr/>
-          <a:lstStyle/>
-          <a:p>
-            <a:fld id="{3E9C54AA-E9DE-4FB5-81A5-31822454A93D}" type="slidenum">
-              <a:rPr lang="ru-RU" smtClean="0"/>
-              <a:pPr/>
-              <a:t>30</a:t>
-            </a:fld>
-            <a:endParaRPr lang="ru-RU"/>
-          </a:p>
-        </p:txBody>
-      </p:sp>
-    </p:spTree>
-  </p:cSld>
-  <p:clrMapOvr>
-    <a:masterClrMapping/>
-  </p:clrMapOvr>
-</p:notes>
-</file>
-
-<file path=ppt/notesSlides/notesSlide25.xml><?xml version="1.0" encoding="utf-8"?>
-<p:notes xmlns:a="http://schemas.openxmlformats.org/drawingml/2006/main" xmlns:r="http://schemas.openxmlformats.org/officeDocument/2006/relationships" xmlns:p="http://schemas.openxmlformats.org/presentationml/2006/main">
-  <p:cSld>
-    <p:spTree>
-      <p:nvGrpSpPr>
-        <p:cNvPr id="1" name=""/>
-        <p:cNvGrpSpPr/>
-        <p:nvPr/>
-      </p:nvGrpSpPr>
-      <p:grpSpPr>
-        <a:xfrm>
-          <a:off x="0" y="0"/>
-          <a:ext cx="0" cy="0"/>
-          <a:chOff x="0" y="0"/>
-          <a:chExt cx="0" cy="0"/>
-        </a:xfrm>
-      </p:grpSpPr>
-      <p:sp>
-        <p:nvSpPr>
-          <p:cNvPr id="2" name="Образ слайда 1"/>
-          <p:cNvSpPr>
-            <a:spLocks noGrp="1" noRot="1" noChangeAspect="1"/>
-          </p:cNvSpPr>
-          <p:nvPr>
-            <p:ph type="sldImg"/>
-          </p:nvPr>
-        </p:nvSpPr>
-        <p:spPr/>
-      </p:sp>
-      <p:sp>
-        <p:nvSpPr>
-          <p:cNvPr id="3" name="Заметки 2"/>
-          <p:cNvSpPr>
-            <a:spLocks noGrp="1"/>
-          </p:cNvSpPr>
-          <p:nvPr>
-            <p:ph type="body" idx="1"/>
-          </p:nvPr>
-        </p:nvSpPr>
-        <p:spPr/>
-        <p:txBody>
-          <a:bodyPr>
-            <a:normAutofit/>
-          </a:bodyPr>
-          <a:lstStyle/>
-          <a:p>
-            <a:endParaRPr lang="ru-RU" sz="1200" kern="1200" dirty="0">
-              <a:solidFill>
-                <a:schemeClr val="tx1"/>
-              </a:solidFill>
-              <a:latin typeface="+mn-lt"/>
-              <a:ea typeface="+mn-ea"/>
-              <a:cs typeface="+mn-cs"/>
-            </a:endParaRPr>
-          </a:p>
-        </p:txBody>
-      </p:sp>
-      <p:sp>
-        <p:nvSpPr>
-          <p:cNvPr id="4" name="Номер слайда 3"/>
-          <p:cNvSpPr>
-            <a:spLocks noGrp="1"/>
-          </p:cNvSpPr>
-          <p:nvPr>
-            <p:ph type="sldNum" sz="quarter" idx="10"/>
-          </p:nvPr>
-        </p:nvSpPr>
-        <p:spPr/>
-        <p:txBody>
-          <a:bodyPr/>
-          <a:lstStyle/>
-          <a:p>
-            <a:fld id="{3E9C54AA-E9DE-4FB5-81A5-31822454A93D}" type="slidenum">
-              <a:rPr lang="ru-RU" smtClean="0"/>
-              <a:pPr/>
-              <a:t>31</a:t>
-            </a:fld>
-            <a:endParaRPr lang="ru-RU"/>
-          </a:p>
-        </p:txBody>
-      </p:sp>
-    </p:spTree>
-  </p:cSld>
-  <p:clrMapOvr>
-    <a:masterClrMapping/>
-  </p:clrMapOvr>
-</p:notes>
-</file>
-
-<file path=ppt/notesSlides/notesSlide26.xml><?xml version="1.0" encoding="utf-8"?>
-<p:notes xmlns:a="http://schemas.openxmlformats.org/drawingml/2006/main" xmlns:r="http://schemas.openxmlformats.org/officeDocument/2006/relationships" xmlns:p="http://schemas.openxmlformats.org/presentationml/2006/main">
-  <p:cSld>
-    <p:spTree>
-      <p:nvGrpSpPr>
-        <p:cNvPr id="1" name=""/>
-        <p:cNvGrpSpPr/>
-        <p:nvPr/>
-      </p:nvGrpSpPr>
-      <p:grpSpPr>
-        <a:xfrm>
-          <a:off x="0" y="0"/>
-          <a:ext cx="0" cy="0"/>
-          <a:chOff x="0" y="0"/>
-          <a:chExt cx="0" cy="0"/>
-        </a:xfrm>
-      </p:grpSpPr>
-      <p:sp>
-        <p:nvSpPr>
-          <p:cNvPr id="2" name="Образ слайда 1"/>
-          <p:cNvSpPr>
-            <a:spLocks noGrp="1" noRot="1" noChangeAspect="1"/>
-          </p:cNvSpPr>
-          <p:nvPr>
-            <p:ph type="sldImg"/>
-          </p:nvPr>
-        </p:nvSpPr>
-        <p:spPr/>
-      </p:sp>
-      <p:sp>
-        <p:nvSpPr>
-          <p:cNvPr id="3" name="Заметки 2"/>
-          <p:cNvSpPr>
-            <a:spLocks noGrp="1"/>
-          </p:cNvSpPr>
-          <p:nvPr>
-            <p:ph type="body" idx="1"/>
-          </p:nvPr>
-        </p:nvSpPr>
-        <p:spPr/>
-        <p:txBody>
-          <a:bodyPr>
-            <a:normAutofit/>
-          </a:bodyPr>
-          <a:lstStyle/>
-          <a:p>
-            <a:endParaRPr lang="ru-RU" sz="1200" kern="1200" dirty="0">
-              <a:solidFill>
-                <a:schemeClr val="tx1"/>
-              </a:solidFill>
-              <a:latin typeface="+mn-lt"/>
-              <a:ea typeface="+mn-ea"/>
-              <a:cs typeface="+mn-cs"/>
-            </a:endParaRPr>
-          </a:p>
-        </p:txBody>
-      </p:sp>
-      <p:sp>
-        <p:nvSpPr>
-          <p:cNvPr id="4" name="Номер слайда 3"/>
-          <p:cNvSpPr>
-            <a:spLocks noGrp="1"/>
-          </p:cNvSpPr>
-          <p:nvPr>
-            <p:ph type="sldNum" sz="quarter" idx="10"/>
-          </p:nvPr>
-        </p:nvSpPr>
-        <p:spPr/>
-        <p:txBody>
-          <a:bodyPr/>
-          <a:lstStyle/>
-          <a:p>
-            <a:fld id="{3E9C54AA-E9DE-4FB5-81A5-31822454A93D}" type="slidenum">
-              <a:rPr lang="ru-RU" smtClean="0"/>
-              <a:pPr/>
-              <a:t>32</a:t>
-            </a:fld>
-            <a:endParaRPr lang="ru-RU"/>
-          </a:p>
-        </p:txBody>
-      </p:sp>
-    </p:spTree>
-  </p:cSld>
-  <p:clrMapOvr>
-    <a:masterClrMapping/>
-  </p:clrMapOvr>
-</p:notes>
-</file>
-
-<file path=ppt/notesSlides/notesSlide27.xml><?xml version="1.0" encoding="utf-8"?>
-<p:notes xmlns:a="http://schemas.openxmlformats.org/drawingml/2006/main" xmlns:r="http://schemas.openxmlformats.org/officeDocument/2006/relationships" xmlns:p="http://schemas.openxmlformats.org/presentationml/2006/main">
-  <p:cSld>
-    <p:spTree>
-      <p:nvGrpSpPr>
-        <p:cNvPr id="1" name=""/>
-        <p:cNvGrpSpPr/>
-        <p:nvPr/>
-      </p:nvGrpSpPr>
-      <p:grpSpPr>
-        <a:xfrm>
-          <a:off x="0" y="0"/>
-          <a:ext cx="0" cy="0"/>
-          <a:chOff x="0" y="0"/>
-          <a:chExt cx="0" cy="0"/>
-        </a:xfrm>
-      </p:grpSpPr>
-      <p:sp>
-        <p:nvSpPr>
-          <p:cNvPr id="2" name="Образ слайда 1"/>
-          <p:cNvSpPr>
-            <a:spLocks noGrp="1" noRot="1" noChangeAspect="1"/>
-          </p:cNvSpPr>
-          <p:nvPr>
-            <p:ph type="sldImg"/>
-          </p:nvPr>
-        </p:nvSpPr>
-        <p:spPr/>
-      </p:sp>
-      <p:sp>
-        <p:nvSpPr>
-          <p:cNvPr id="3" name="Заметки 2"/>
-          <p:cNvSpPr>
-            <a:spLocks noGrp="1"/>
-          </p:cNvSpPr>
-          <p:nvPr>
-            <p:ph type="body" idx="1"/>
-          </p:nvPr>
-        </p:nvSpPr>
-        <p:spPr/>
-        <p:txBody>
-          <a:bodyPr>
-            <a:normAutofit/>
-          </a:bodyPr>
-          <a:lstStyle/>
-          <a:p>
-            <a:endParaRPr lang="ru-RU" sz="1200" kern="1200" dirty="0">
-              <a:solidFill>
-                <a:schemeClr val="tx1"/>
-              </a:solidFill>
-              <a:latin typeface="+mn-lt"/>
-              <a:ea typeface="+mn-ea"/>
-              <a:cs typeface="+mn-cs"/>
-            </a:endParaRPr>
-          </a:p>
-        </p:txBody>
-      </p:sp>
-      <p:sp>
-        <p:nvSpPr>
-          <p:cNvPr id="4" name="Номер слайда 3"/>
-          <p:cNvSpPr>
-            <a:spLocks noGrp="1"/>
-          </p:cNvSpPr>
-          <p:nvPr>
-            <p:ph type="sldNum" sz="quarter" idx="10"/>
-          </p:nvPr>
-        </p:nvSpPr>
-        <p:spPr/>
-        <p:txBody>
-          <a:bodyPr/>
-          <a:lstStyle/>
-          <a:p>
-            <a:fld id="{3E9C54AA-E9DE-4FB5-81A5-31822454A93D}" type="slidenum">
-              <a:rPr lang="ru-RU" smtClean="0"/>
-              <a:pPr/>
-              <a:t>33</a:t>
-            </a:fld>
-            <a:endParaRPr lang="ru-RU"/>
-          </a:p>
-        </p:txBody>
-      </p:sp>
-    </p:spTree>
-  </p:cSld>
-  <p:clrMapOvr>
-    <a:masterClrMapping/>
-  </p:clrMapOvr>
-</p:notes>
-</file>
-
-<file path=ppt/notesSlides/notesSlide28.xml><?xml version="1.0" encoding="utf-8"?>
-<p:notes xmlns:a="http://schemas.openxmlformats.org/drawingml/2006/main" xmlns:r="http://schemas.openxmlformats.org/officeDocument/2006/relationships" xmlns:p="http://schemas.openxmlformats.org/presentationml/2006/main">
-  <p:cSld>
-    <p:spTree>
-      <p:nvGrpSpPr>
-        <p:cNvPr id="1" name=""/>
-        <p:cNvGrpSpPr/>
-        <p:nvPr/>
-      </p:nvGrpSpPr>
-      <p:grpSpPr>
-        <a:xfrm>
-          <a:off x="0" y="0"/>
-          <a:ext cx="0" cy="0"/>
-          <a:chOff x="0" y="0"/>
-          <a:chExt cx="0" cy="0"/>
-        </a:xfrm>
-      </p:grpSpPr>
-      <p:sp>
-        <p:nvSpPr>
-          <p:cNvPr id="2" name="Образ слайда 1"/>
-          <p:cNvSpPr>
-            <a:spLocks noGrp="1" noRot="1" noChangeAspect="1"/>
-          </p:cNvSpPr>
-          <p:nvPr>
-            <p:ph type="sldImg"/>
-          </p:nvPr>
-        </p:nvSpPr>
-        <p:spPr/>
-      </p:sp>
-      <p:sp>
-        <p:nvSpPr>
-          <p:cNvPr id="3" name="Заметки 2"/>
-          <p:cNvSpPr>
-            <a:spLocks noGrp="1"/>
-          </p:cNvSpPr>
-          <p:nvPr>
-            <p:ph type="body" idx="1"/>
-          </p:nvPr>
-        </p:nvSpPr>
-        <p:spPr/>
-        <p:txBody>
-          <a:bodyPr>
-            <a:normAutofit/>
-          </a:bodyPr>
-          <a:lstStyle/>
-          <a:p>
-            <a:endParaRPr lang="ru-RU" sz="1200" kern="1200" dirty="0">
-              <a:solidFill>
-                <a:schemeClr val="tx1"/>
-              </a:solidFill>
-              <a:latin typeface="+mn-lt"/>
-              <a:ea typeface="+mn-ea"/>
-              <a:cs typeface="+mn-cs"/>
-            </a:endParaRPr>
-          </a:p>
-        </p:txBody>
-      </p:sp>
-      <p:sp>
-        <p:nvSpPr>
-          <p:cNvPr id="4" name="Номер слайда 3"/>
-          <p:cNvSpPr>
-            <a:spLocks noGrp="1"/>
-          </p:cNvSpPr>
-          <p:nvPr>
-            <p:ph type="sldNum" sz="quarter" idx="10"/>
-          </p:nvPr>
-        </p:nvSpPr>
-        <p:spPr/>
-        <p:txBody>
-          <a:bodyPr/>
-          <a:lstStyle/>
-          <a:p>
-            <a:fld id="{3E9C54AA-E9DE-4FB5-81A5-31822454A93D}" type="slidenum">
-              <a:rPr lang="ru-RU" smtClean="0"/>
-              <a:pPr/>
-              <a:t>34</a:t>
-            </a:fld>
-            <a:endParaRPr lang="ru-RU"/>
-          </a:p>
-        </p:txBody>
-      </p:sp>
-    </p:spTree>
-  </p:cSld>
-  <p:clrMapOvr>
-    <a:masterClrMapping/>
-  </p:clrMapOvr>
-</p:notes>
-</file>
-
 <file path=ppt/notesSlides/notesSlide3.xml><?xml version="1.0" encoding="utf-8"?>
 <p:notes xmlns:a="http://schemas.openxmlformats.org/drawingml/2006/main" xmlns:r="http://schemas.openxmlformats.org/officeDocument/2006/relationships" xmlns:p="http://schemas.openxmlformats.org/presentationml/2006/main">
   <p:cSld>
@@ -2590,7 +1869,14 @@
           </a:bodyPr>
           <a:lstStyle/>
           <a:p>
-            <a:endParaRPr lang="ru-RU" dirty="0"/>
+            <a:endParaRPr lang="ru-RU" sz="1200" kern="1200" dirty="0">
+              <a:solidFill>
+                <a:schemeClr val="tx1"/>
+              </a:solidFill>
+              <a:latin typeface="+mn-lt"/>
+              <a:ea typeface="+mn-ea"/>
+              <a:cs typeface="+mn-cs"/>
+            </a:endParaRPr>
           </a:p>
         </p:txBody>
       </p:sp>
@@ -2668,154 +1954,10 @@
         <p:spPr/>
         <p:txBody>
           <a:bodyPr>
-            <a:normAutofit lnSpcReduction="10000"/>
+            <a:normAutofit/>
           </a:bodyPr>
           <a:lstStyle/>
           <a:p>
-            <a:r>
-              <a:rPr lang="ru-RU" sz="1200" kern="1200" dirty="0" smtClean="0">
-                <a:solidFill>
-                  <a:schemeClr val="tx1"/>
-                </a:solidFill>
-                <a:latin typeface="+mn-lt"/>
-                <a:ea typeface="+mn-ea"/>
-                <a:cs typeface="+mn-cs"/>
-              </a:rPr>
-              <a:t>1. Турбо бухгалтер</a:t>
-            </a:r>
-            <a:r>
-              <a:rPr lang="ru-RU" sz="1200" kern="1200" baseline="0" dirty="0" smtClean="0">
-                <a:solidFill>
-                  <a:schemeClr val="tx1"/>
-                </a:solidFill>
-                <a:latin typeface="+mn-lt"/>
-                <a:ea typeface="+mn-ea"/>
-                <a:cs typeface="+mn-cs"/>
-              </a:rPr>
-              <a:t> </a:t>
-            </a:r>
-            <a:r>
-              <a:rPr lang="ru-RU" sz="1200" b="0" i="0" kern="1200" dirty="0" smtClean="0">
-                <a:solidFill>
-                  <a:schemeClr val="tx1"/>
-                </a:solidFill>
-                <a:latin typeface="+mn-lt"/>
-                <a:ea typeface="+mn-ea"/>
-                <a:cs typeface="+mn-cs"/>
-              </a:rPr>
-              <a:t>универсальная программа автоматизации бухгалтерского и управленческого учета, разработана </a:t>
-            </a:r>
-            <a:r>
-              <a:rPr lang="ru-RU" sz="1200" b="0" i="0" u="sng" kern="1200" dirty="0" err="1" smtClean="0">
-                <a:solidFill>
-                  <a:schemeClr val="tx1"/>
-                </a:solidFill>
-                <a:latin typeface="+mn-lt"/>
-                <a:ea typeface="+mn-ea"/>
-                <a:cs typeface="+mn-cs"/>
-                <a:hlinkClick r:id="rId3"/>
-              </a:rPr>
-              <a:t>Долгопрудненским</a:t>
-            </a:r>
-            <a:r>
-              <a:rPr lang="ru-RU" sz="1200" b="0" i="0" u="sng" kern="1200" dirty="0" smtClean="0">
-                <a:solidFill>
-                  <a:schemeClr val="tx1"/>
-                </a:solidFill>
-                <a:latin typeface="+mn-lt"/>
-                <a:ea typeface="+mn-ea"/>
-                <a:cs typeface="+mn-cs"/>
-                <a:hlinkClick r:id="rId3"/>
-              </a:rPr>
-              <a:t> Исследовательским Центром</a:t>
-            </a:r>
-            <a:r>
-              <a:rPr lang="ru-RU" sz="1200" b="0" i="0" kern="1200" dirty="0" smtClean="0">
-                <a:solidFill>
-                  <a:schemeClr val="tx1"/>
-                </a:solidFill>
-                <a:latin typeface="+mn-lt"/>
-                <a:ea typeface="+mn-ea"/>
-                <a:cs typeface="+mn-cs"/>
-              </a:rPr>
-              <a:t> (г. Москва).</a:t>
-            </a:r>
-            <a:r>
-              <a:rPr lang="ru-RU" sz="1200" kern="1200" dirty="0" smtClean="0">
-                <a:solidFill>
-                  <a:schemeClr val="tx1"/>
-                </a:solidFill>
-                <a:latin typeface="+mn-lt"/>
-                <a:ea typeface="+mn-ea"/>
-                <a:cs typeface="+mn-cs"/>
-              </a:rPr>
-              <a:t> Одним из достоинств линейки является ее преемственность, упрощающая переход с одной версии на другую по мере развития торговой организации. Единый интерфейс, одинаковые структуры картотек и справочников, формы журналов и т.д.  делают программу наиболее удобной для пользователя. Единственное отличие только в функциональных возможностях.</a:t>
-            </a:r>
-          </a:p>
-          <a:p>
-            <a:r>
-              <a:rPr lang="ru-RU" dirty="0" smtClean="0"/>
-              <a:t>2. </a:t>
-            </a:r>
-            <a:r>
-              <a:rPr lang="ru-RU" sz="1200" kern="1200" dirty="0" smtClean="0">
-                <a:solidFill>
-                  <a:schemeClr val="tx1"/>
-                </a:solidFill>
-                <a:latin typeface="+mn-lt"/>
-                <a:ea typeface="+mn-ea"/>
-                <a:cs typeface="+mn-cs"/>
-              </a:rPr>
-              <a:t>Система «1С: Бухгалтерия» - самая популярная бухгалтерская программа, способная вывести автоматизацию учета на качественно новый уровень. Удобный продукт и подключаемые к нему сервисы позволят эффективно выполнять задачи бухгалтерской службы любого бизнеса. </a:t>
-            </a:r>
-          </a:p>
-          <a:p>
-            <a:r>
-              <a:rPr lang="ru-RU" sz="1200" kern="1200" dirty="0" smtClean="0">
-                <a:solidFill>
-                  <a:schemeClr val="tx1"/>
-                </a:solidFill>
-                <a:latin typeface="+mn-lt"/>
-                <a:ea typeface="+mn-ea"/>
-                <a:cs typeface="+mn-cs"/>
-              </a:rPr>
-              <a:t>3. Система «1C: Управление торговлей»</a:t>
-            </a:r>
-            <a:r>
-              <a:rPr lang="ru-RU" sz="1200" b="1" kern="1200" dirty="0" smtClean="0">
-                <a:solidFill>
-                  <a:schemeClr val="tx1"/>
-                </a:solidFill>
-                <a:latin typeface="+mn-lt"/>
-                <a:ea typeface="+mn-ea"/>
-                <a:cs typeface="+mn-cs"/>
-              </a:rPr>
-              <a:t> - </a:t>
-            </a:r>
-            <a:r>
-              <a:rPr lang="ru-RU" sz="1200" kern="1200" dirty="0" smtClean="0">
-                <a:solidFill>
-                  <a:schemeClr val="tx1"/>
-                </a:solidFill>
-                <a:latin typeface="+mn-lt"/>
-                <a:ea typeface="+mn-ea"/>
-                <a:cs typeface="+mn-cs"/>
-              </a:rPr>
-              <a:t>позволяет в комплексе автоматизировать задачи оперативного и управленческого учета, анализа и планирования торговых операций, обеспечивая тем самым эффективное управление современным торговым предприятием.</a:t>
-            </a:r>
-          </a:p>
-          <a:p>
-            <a:r>
-              <a:rPr lang="ru-RU" sz="1200" kern="1200" dirty="0" smtClean="0">
-                <a:solidFill>
-                  <a:schemeClr val="tx1"/>
-                </a:solidFill>
-                <a:latin typeface="+mn-lt"/>
-                <a:ea typeface="+mn-ea"/>
-                <a:cs typeface="+mn-cs"/>
-              </a:rPr>
-              <a:t>4. Система «1С: Предприятие» -  включает в себя платформу и прикладные решения, разработанные на ее основе, для автоматизации деятельности организаций и частных лиц. Сама платформа не является программным продуктом для использования конечными пользователями, которые обычно работают с одним из многих прикладных решений (конфигураций), разработанных на данной платформе. Такой подход позволяет автоматизировать различные виды деятельности, используя единую технологическую платформу. </a:t>
-            </a:r>
             <a:endParaRPr lang="ru-RU" dirty="0"/>
           </a:p>
         </p:txBody>
@@ -2894,10 +2036,154 @@
         <p:spPr/>
         <p:txBody>
           <a:bodyPr>
-            <a:normAutofit/>
+            <a:normAutofit lnSpcReduction="10000"/>
           </a:bodyPr>
           <a:lstStyle/>
           <a:p>
+            <a:r>
+              <a:rPr lang="ru-RU" sz="1200" kern="1200" dirty="0" smtClean="0">
+                <a:solidFill>
+                  <a:schemeClr val="tx1"/>
+                </a:solidFill>
+                <a:latin typeface="+mn-lt"/>
+                <a:ea typeface="+mn-ea"/>
+                <a:cs typeface="+mn-cs"/>
+              </a:rPr>
+              <a:t>1. Турбо бухгалтер</a:t>
+            </a:r>
+            <a:r>
+              <a:rPr lang="ru-RU" sz="1200" kern="1200" baseline="0" dirty="0" smtClean="0">
+                <a:solidFill>
+                  <a:schemeClr val="tx1"/>
+                </a:solidFill>
+                <a:latin typeface="+mn-lt"/>
+                <a:ea typeface="+mn-ea"/>
+                <a:cs typeface="+mn-cs"/>
+              </a:rPr>
+              <a:t> </a:t>
+            </a:r>
+            <a:r>
+              <a:rPr lang="ru-RU" sz="1200" b="0" i="0" kern="1200" dirty="0" smtClean="0">
+                <a:solidFill>
+                  <a:schemeClr val="tx1"/>
+                </a:solidFill>
+                <a:latin typeface="+mn-lt"/>
+                <a:ea typeface="+mn-ea"/>
+                <a:cs typeface="+mn-cs"/>
+              </a:rPr>
+              <a:t>универсальная программа автоматизации бухгалтерского и управленческого учета, разработана </a:t>
+            </a:r>
+            <a:r>
+              <a:rPr lang="ru-RU" sz="1200" b="0" i="0" u="sng" kern="1200" dirty="0" err="1" smtClean="0">
+                <a:solidFill>
+                  <a:schemeClr val="tx1"/>
+                </a:solidFill>
+                <a:latin typeface="+mn-lt"/>
+                <a:ea typeface="+mn-ea"/>
+                <a:cs typeface="+mn-cs"/>
+                <a:hlinkClick r:id="rId3"/>
+              </a:rPr>
+              <a:t>Долгопрудненским</a:t>
+            </a:r>
+            <a:r>
+              <a:rPr lang="ru-RU" sz="1200" b="0" i="0" u="sng" kern="1200" dirty="0" smtClean="0">
+                <a:solidFill>
+                  <a:schemeClr val="tx1"/>
+                </a:solidFill>
+                <a:latin typeface="+mn-lt"/>
+                <a:ea typeface="+mn-ea"/>
+                <a:cs typeface="+mn-cs"/>
+                <a:hlinkClick r:id="rId3"/>
+              </a:rPr>
+              <a:t> Исследовательским Центром</a:t>
+            </a:r>
+            <a:r>
+              <a:rPr lang="ru-RU" sz="1200" b="0" i="0" kern="1200" dirty="0" smtClean="0">
+                <a:solidFill>
+                  <a:schemeClr val="tx1"/>
+                </a:solidFill>
+                <a:latin typeface="+mn-lt"/>
+                <a:ea typeface="+mn-ea"/>
+                <a:cs typeface="+mn-cs"/>
+              </a:rPr>
+              <a:t> (г. Москва).</a:t>
+            </a:r>
+            <a:r>
+              <a:rPr lang="ru-RU" sz="1200" kern="1200" dirty="0" smtClean="0">
+                <a:solidFill>
+                  <a:schemeClr val="tx1"/>
+                </a:solidFill>
+                <a:latin typeface="+mn-lt"/>
+                <a:ea typeface="+mn-ea"/>
+                <a:cs typeface="+mn-cs"/>
+              </a:rPr>
+              <a:t> Одним из достоинств линейки является ее преемственность, упрощающая переход с одной версии на другую по мере развития торговой организации. Единый интерфейс, одинаковые структуры картотек и справочников, формы журналов и т.д.  делают программу наиболее удобной для пользователя. Единственное отличие только в функциональных возможностях.</a:t>
+            </a:r>
+          </a:p>
+          <a:p>
+            <a:r>
+              <a:rPr lang="ru-RU" dirty="0" smtClean="0"/>
+              <a:t>2. </a:t>
+            </a:r>
+            <a:r>
+              <a:rPr lang="ru-RU" sz="1200" kern="1200" dirty="0" smtClean="0">
+                <a:solidFill>
+                  <a:schemeClr val="tx1"/>
+                </a:solidFill>
+                <a:latin typeface="+mn-lt"/>
+                <a:ea typeface="+mn-ea"/>
+                <a:cs typeface="+mn-cs"/>
+              </a:rPr>
+              <a:t>Система «1С: Бухгалтерия» - самая популярная бухгалтерская программа, способная вывести автоматизацию учета на качественно новый уровень. Удобный продукт и подключаемые к нему сервисы позволят эффективно выполнять задачи бухгалтерской службы любого бизнеса. </a:t>
+            </a:r>
+          </a:p>
+          <a:p>
+            <a:r>
+              <a:rPr lang="ru-RU" sz="1200" kern="1200" dirty="0" smtClean="0">
+                <a:solidFill>
+                  <a:schemeClr val="tx1"/>
+                </a:solidFill>
+                <a:latin typeface="+mn-lt"/>
+                <a:ea typeface="+mn-ea"/>
+                <a:cs typeface="+mn-cs"/>
+              </a:rPr>
+              <a:t>3. Система «1C: Управление торговлей»</a:t>
+            </a:r>
+            <a:r>
+              <a:rPr lang="ru-RU" sz="1200" b="1" kern="1200" dirty="0" smtClean="0">
+                <a:solidFill>
+                  <a:schemeClr val="tx1"/>
+                </a:solidFill>
+                <a:latin typeface="+mn-lt"/>
+                <a:ea typeface="+mn-ea"/>
+                <a:cs typeface="+mn-cs"/>
+              </a:rPr>
+              <a:t> - </a:t>
+            </a:r>
+            <a:r>
+              <a:rPr lang="ru-RU" sz="1200" kern="1200" dirty="0" smtClean="0">
+                <a:solidFill>
+                  <a:schemeClr val="tx1"/>
+                </a:solidFill>
+                <a:latin typeface="+mn-lt"/>
+                <a:ea typeface="+mn-ea"/>
+                <a:cs typeface="+mn-cs"/>
+              </a:rPr>
+              <a:t>позволяет в комплексе автоматизировать задачи оперативного и управленческого учета, анализа и планирования торговых операций, обеспечивая тем самым эффективное управление современным торговым предприятием.</a:t>
+            </a:r>
+          </a:p>
+          <a:p>
+            <a:r>
+              <a:rPr lang="ru-RU" sz="1200" kern="1200" dirty="0" smtClean="0">
+                <a:solidFill>
+                  <a:schemeClr val="tx1"/>
+                </a:solidFill>
+                <a:latin typeface="+mn-lt"/>
+                <a:ea typeface="+mn-ea"/>
+                <a:cs typeface="+mn-cs"/>
+              </a:rPr>
+              <a:t>4. Система «1С: Предприятие» -  включает в себя платформу и прикладные решения, разработанные на ее основе, для автоматизации деятельности организаций и частных лиц. Сама платформа не является программным продуктом для использования конечными пользователями, которые обычно работают с одним из многих прикладных решений (конфигураций), разработанных на данной платформе. Такой подход позволяет автоматизировать различные виды деятельности, используя единую технологическую платформу. </a:t>
+            </a:r>
             <a:endParaRPr lang="ru-RU" dirty="0"/>
           </a:p>
         </p:txBody>
@@ -2980,63 +2266,6 @@
           </a:bodyPr>
           <a:lstStyle/>
           <a:p>
-            <a:r>
-              <a:rPr lang="ru-RU" sz="1200" b="1" i="0" kern="1200" dirty="0" smtClean="0">
-                <a:solidFill>
-                  <a:schemeClr val="tx1"/>
-                </a:solidFill>
-                <a:latin typeface="+mn-lt"/>
-                <a:ea typeface="+mn-ea"/>
-                <a:cs typeface="+mn-cs"/>
-              </a:rPr>
-              <a:t>Метод анализа иерархий</a:t>
-            </a:r>
-            <a:r>
-              <a:rPr lang="ru-RU" sz="1200" b="0" i="0" kern="1200" dirty="0" smtClean="0">
-                <a:solidFill>
-                  <a:schemeClr val="tx1"/>
-                </a:solidFill>
-                <a:latin typeface="+mn-lt"/>
-                <a:ea typeface="+mn-ea"/>
-                <a:cs typeface="+mn-cs"/>
-              </a:rPr>
-              <a:t> (МАИ) — математический инструмент системного подхода к сложным проблемам принятия решений. Этот метод разработан американским математиком </a:t>
-            </a:r>
-            <a:r>
-              <a:rPr lang="ru-RU" sz="1200" b="0" i="0" u="none" strike="noStrike" kern="1200" dirty="0" smtClean="0">
-                <a:solidFill>
-                  <a:schemeClr val="tx1"/>
-                </a:solidFill>
-                <a:latin typeface="+mn-lt"/>
-                <a:ea typeface="+mn-ea"/>
-                <a:cs typeface="+mn-cs"/>
-                <a:hlinkClick r:id="rId3" tooltip="Саати, Томас"/>
-              </a:rPr>
-              <a:t>Томасом Л. </a:t>
-            </a:r>
-            <a:r>
-              <a:rPr lang="ru-RU" sz="1200" b="0" i="0" u="none" strike="noStrike" kern="1200" dirty="0" err="1" smtClean="0">
-                <a:solidFill>
-                  <a:schemeClr val="tx1"/>
-                </a:solidFill>
-                <a:latin typeface="+mn-lt"/>
-                <a:ea typeface="+mn-ea"/>
-                <a:cs typeface="+mn-cs"/>
-                <a:hlinkClick r:id="rId3" tooltip="Саати, Томас"/>
-              </a:rPr>
-              <a:t>Саати</a:t>
-            </a:r>
-            <a:r>
-              <a:rPr lang="ru-RU" sz="1200" b="0" i="0" kern="1200" dirty="0" smtClean="0">
-                <a:solidFill>
-                  <a:schemeClr val="tx1"/>
-                </a:solidFill>
-                <a:latin typeface="+mn-lt"/>
-                <a:ea typeface="+mn-ea"/>
-                <a:cs typeface="+mn-cs"/>
-              </a:rPr>
-              <a:t>,</a:t>
-            </a:r>
             <a:endParaRPr lang="ru-RU" dirty="0"/>
           </a:p>
         </p:txBody>
@@ -3120,7 +2349,7 @@
           <a:lstStyle/>
           <a:p>
             <a:r>
-              <a:rPr lang="ru-RU" sz="1200" kern="1200" dirty="0" smtClean="0">
+              <a:rPr lang="ru-RU" sz="1200" b="1" i="0" kern="1200" dirty="0" smtClean="0">
                 <a:solidFill>
                   <a:schemeClr val="tx1"/>
                 </a:solidFill>
@@ -3128,13 +2357,10 @@
                 <a:ea typeface="+mn-ea"/>
                 <a:cs typeface="+mn-cs"/>
               </a:rPr>
-              <a:t>Получаем следующие веса критериев:</a:t>
-            </a:r>
-          </a:p>
-          <a:p>
-            <a:pPr lvl="0"/>
-            <a:r>
-              <a:rPr lang="en-US" sz="1200" kern="1200" dirty="0" smtClean="0">
+              <a:t>Метод анализа иерархий</a:t>
+            </a:r>
+            <a:r>
+              <a:rPr lang="ru-RU" sz="1200" b="0" i="0" kern="1200" dirty="0" smtClean="0">
                 <a:solidFill>
                   <a:schemeClr val="tx1"/>
                 </a:solidFill>
@@ -3142,35 +2368,34 @@
                 <a:ea typeface="+mn-ea"/>
                 <a:cs typeface="+mn-cs"/>
               </a:rPr>
-              <a:t>W</a:t>
-            </a:r>
-            <a:r>
-              <a:rPr lang="ru-RU" sz="1200" kern="1200" baseline="-25000" dirty="0" smtClean="0">
+              <a:t> (МАИ) — математический инструмент системного подхода к сложным проблемам принятия решений. Этот метод разработан американским математиком </a:t>
+            </a:r>
+            <a:r>
+              <a:rPr lang="ru-RU" sz="1200" b="0" i="0" u="none" strike="noStrike" kern="1200" dirty="0" smtClean="0">
                 <a:solidFill>
                   <a:schemeClr val="tx1"/>
                 </a:solidFill>
                 <a:latin typeface="+mn-lt"/>
                 <a:ea typeface="+mn-ea"/>
                 <a:cs typeface="+mn-cs"/>
-              </a:rPr>
-              <a:t>1 </a:t>
-            </a:r>
-            <a:r>
-              <a:rPr lang="ru-RU" sz="1200" kern="1200" dirty="0" smtClean="0">
+                <a:hlinkClick r:id="rId3" tooltip="Саати, Томас"/>
+              </a:rPr>
+              <a:t>Томасом Л. </a:t>
+            </a:r>
+            <a:r>
+              <a:rPr lang="ru-RU" sz="1200" b="0" i="0" u="none" strike="noStrike" kern="1200" dirty="0" err="1" smtClean="0">
                 <a:solidFill>
                   <a:schemeClr val="tx1"/>
                 </a:solidFill>
                 <a:latin typeface="+mn-lt"/>
                 <a:ea typeface="+mn-ea"/>
                 <a:cs typeface="+mn-cs"/>
-              </a:rPr>
-              <a:t>= 31.51% (доработка под нужны компании);</a:t>
-            </a:r>
-          </a:p>
-          <a:p>
-            <a:pPr lvl="0"/>
-            <a:r>
-              <a:rPr lang="en-US" sz="1200" kern="1200" dirty="0" smtClean="0">
+                <a:hlinkClick r:id="rId3" tooltip="Саати, Томас"/>
+              </a:rPr>
+              <a:t>Саати</a:t>
+            </a:r>
+            <a:r>
+              <a:rPr lang="ru-RU" sz="1200" b="0" i="0" kern="1200" dirty="0" smtClean="0">
                 <a:solidFill>
                   <a:schemeClr val="tx1"/>
                 </a:solidFill>
@@ -3178,74 +2403,9 @@
                 <a:ea typeface="+mn-ea"/>
                 <a:cs typeface="+mn-cs"/>
               </a:rPr>
-              <a:t>W</a:t>
-            </a:r>
-            <a:r>
-              <a:rPr lang="ru-RU" sz="1200" kern="1200" baseline="-25000" dirty="0" smtClean="0">
-                <a:solidFill>
-                  <a:schemeClr val="tx1"/>
-                </a:solidFill>
-                <a:latin typeface="+mn-lt"/>
-                <a:ea typeface="+mn-ea"/>
-                <a:cs typeface="+mn-cs"/>
-              </a:rPr>
-              <a:t>1 </a:t>
-            </a:r>
-            <a:r>
-              <a:rPr lang="ru-RU" sz="1200" kern="1200" dirty="0" smtClean="0">
-                <a:solidFill>
-                  <a:schemeClr val="tx1"/>
-                </a:solidFill>
-                <a:latin typeface="+mn-lt"/>
-                <a:ea typeface="+mn-ea"/>
-                <a:cs typeface="+mn-cs"/>
-              </a:rPr>
-              <a:t>= 58.92% (простота использования);</a:t>
-            </a:r>
-          </a:p>
-          <a:p>
-            <a:pPr lvl="0"/>
-            <a:r>
-              <a:rPr lang="en-US" sz="1200" kern="1200" dirty="0" smtClean="0">
-                <a:solidFill>
-                  <a:schemeClr val="tx1"/>
-                </a:solidFill>
-                <a:latin typeface="+mn-lt"/>
-                <a:ea typeface="+mn-ea"/>
-                <a:cs typeface="+mn-cs"/>
-              </a:rPr>
-              <a:t>W</a:t>
-            </a:r>
-            <a:r>
-              <a:rPr lang="ru-RU" sz="1200" kern="1200" baseline="-25000" dirty="0" smtClean="0">
-                <a:solidFill>
-                  <a:schemeClr val="tx1"/>
-                </a:solidFill>
-                <a:latin typeface="+mn-lt"/>
-                <a:ea typeface="+mn-ea"/>
-                <a:cs typeface="+mn-cs"/>
-              </a:rPr>
-              <a:t>1 </a:t>
-            </a:r>
-            <a:r>
-              <a:rPr lang="ru-RU" sz="1200" kern="1200" dirty="0" smtClean="0">
-                <a:solidFill>
-                  <a:schemeClr val="tx1"/>
-                </a:solidFill>
-                <a:latin typeface="+mn-lt"/>
-                <a:ea typeface="+mn-ea"/>
-                <a:cs typeface="+mn-cs"/>
-              </a:rPr>
-              <a:t>= 9.57% (простота интеграции с другими системами).</a:t>
-            </a:r>
-            <a:endParaRPr lang="ru-RU" sz="1200" kern="1200" dirty="0">
-              <a:solidFill>
-                <a:schemeClr val="tx1"/>
-              </a:solidFill>
-              <a:latin typeface="+mn-lt"/>
-              <a:ea typeface="+mn-ea"/>
-              <a:cs typeface="+mn-cs"/>
-            </a:endParaRPr>
+              <a:t>,</a:t>
+            </a:r>
+            <a:endParaRPr lang="ru-RU" dirty="0"/>
           </a:p>
         </p:txBody>
       </p:sp>
@@ -3907,7 +3067,7 @@
             <a:fld id="{3FCDD233-0873-47C9-A30F-61D74E15F769}" type="datetimeFigureOut">
               <a:rPr lang="ru-RU" smtClean="0"/>
               <a:pPr/>
-              <a:t>23.06.2020</a:t>
+              <a:t>26.06.2020</a:t>
             </a:fld>
             <a:endParaRPr lang="ru-RU"/>
           </a:p>
@@ -4105,7 +3265,7 @@
             <a:fld id="{3FCDD233-0873-47C9-A30F-61D74E15F769}" type="datetimeFigureOut">
               <a:rPr lang="ru-RU" smtClean="0"/>
               <a:pPr/>
-              <a:t>23.06.2020</a:t>
+              <a:t>26.06.2020</a:t>
             </a:fld>
             <a:endParaRPr lang="ru-RU"/>
           </a:p>
@@ -4292,7 +3452,7 @@
             <a:fld id="{3FCDD233-0873-47C9-A30F-61D74E15F769}" type="datetimeFigureOut">
               <a:rPr lang="ru-RU" smtClean="0"/>
               <a:pPr/>
-              <a:t>23.06.2020</a:t>
+              <a:t>26.06.2020</a:t>
             </a:fld>
             <a:endParaRPr lang="ru-RU"/>
           </a:p>
@@ -4444,7 +3604,7 @@
             <a:fld id="{3FCDD233-0873-47C9-A30F-61D74E15F769}" type="datetimeFigureOut">
               <a:rPr lang="ru-RU" smtClean="0"/>
               <a:pPr/>
-              <a:t>23.06.2020</a:t>
+              <a:t>26.06.2020</a:t>
             </a:fld>
             <a:endParaRPr lang="ru-RU"/>
           </a:p>
@@ -4701,7 +3861,7 @@
             <a:fld id="{3FCDD233-0873-47C9-A30F-61D74E15F769}" type="datetimeFigureOut">
               <a:rPr lang="ru-RU" smtClean="0"/>
               <a:pPr/>
-              <a:t>23.06.2020</a:t>
+              <a:t>26.06.2020</a:t>
             </a:fld>
             <a:endParaRPr lang="ru-RU"/>
           </a:p>
@@ -5112,7 +4272,7 @@
             <a:fld id="{3FCDD233-0873-47C9-A30F-61D74E15F769}" type="datetimeFigureOut">
               <a:rPr lang="ru-RU" smtClean="0"/>
               <a:pPr/>
-              <a:t>23.06.2020</a:t>
+              <a:t>26.06.2020</a:t>
             </a:fld>
             <a:endParaRPr lang="ru-RU"/>
           </a:p>
@@ -5560,7 +4720,7 @@
             <a:fld id="{3FCDD233-0873-47C9-A30F-61D74E15F769}" type="datetimeFigureOut">
               <a:rPr lang="ru-RU" smtClean="0"/>
               <a:pPr/>
-              <a:t>23.06.2020</a:t>
+              <a:t>26.06.2020</a:t>
             </a:fld>
             <a:endParaRPr lang="ru-RU"/>
           </a:p>
@@ -5663,7 +4823,7 @@
             <a:fld id="{3FCDD233-0873-47C9-A30F-61D74E15F769}" type="datetimeFigureOut">
               <a:rPr lang="ru-RU" smtClean="0"/>
               <a:pPr/>
-              <a:t>23.06.2020</a:t>
+              <a:t>26.06.2020</a:t>
             </a:fld>
             <a:endParaRPr lang="ru-RU"/>
           </a:p>
@@ -5786,7 +4946,7 @@
             <a:fld id="{3FCDD233-0873-47C9-A30F-61D74E15F769}" type="datetimeFigureOut">
               <a:rPr lang="ru-RU" smtClean="0"/>
               <a:pPr/>
-              <a:t>23.06.2020</a:t>
+              <a:t>26.06.2020</a:t>
             </a:fld>
             <a:endParaRPr lang="ru-RU"/>
           </a:p>
@@ -6062,7 +5222,7 @@
             <a:fld id="{3FCDD233-0873-47C9-A30F-61D74E15F769}" type="datetimeFigureOut">
               <a:rPr lang="ru-RU" smtClean="0"/>
               <a:pPr/>
-              <a:t>23.06.2020</a:t>
+              <a:t>26.06.2020</a:t>
             </a:fld>
             <a:endParaRPr lang="ru-RU"/>
           </a:p>
@@ -6269,7 +5429,7 @@
             <a:fld id="{3FCDD233-0873-47C9-A30F-61D74E15F769}" type="datetimeFigureOut">
               <a:rPr lang="ru-RU" smtClean="0"/>
               <a:pPr/>
-              <a:t>23.06.2020</a:t>
+              <a:t>26.06.2020</a:t>
             </a:fld>
             <a:endParaRPr lang="ru-RU"/>
           </a:p>
@@ -7380,7 +6540,7 @@
             <a:fld id="{3FCDD233-0873-47C9-A30F-61D74E15F769}" type="datetimeFigureOut">
               <a:rPr lang="ru-RU" smtClean="0"/>
               <a:pPr/>
-              <a:t>23.06.2020</a:t>
+              <a:t>26.06.2020</a:t>
             </a:fld>
             <a:endParaRPr lang="ru-RU"/>
           </a:p>
@@ -8446,6 +7606,245 @@
                   <a:schemeClr val="bg1"/>
                 </a:solidFill>
               </a:rPr>
+              <a:t>С</a:t>
+            </a:r>
+            <a:r>
+              <a:rPr lang="ru-RU" sz="3200" dirty="0" smtClean="0">
+                <a:solidFill>
+                  <a:schemeClr val="bg1"/>
+                </a:solidFill>
+              </a:rPr>
+              <a:t>истема </a:t>
+            </a:r>
+            <a:r>
+              <a:rPr lang="ru-RU" sz="3200" dirty="0" smtClean="0">
+                <a:solidFill>
+                  <a:schemeClr val="bg1"/>
+                </a:solidFill>
+              </a:rPr>
+              <a:t>IP-телефонии.</a:t>
+            </a:r>
+            <a:endParaRPr lang="ru-RU" sz="3200" dirty="0">
+              <a:solidFill>
+                <a:schemeClr val="bg1"/>
+              </a:solidFill>
+              <a:latin typeface="Times New Roman" pitchFamily="18" charset="0"/>
+              <a:cs typeface="Times New Roman" pitchFamily="18" charset="0"/>
+            </a:endParaRPr>
+          </a:p>
+        </p:txBody>
+      </p:sp>
+      <p:sp>
+        <p:nvSpPr>
+          <p:cNvPr id="5" name="Заголовок 2"/>
+          <p:cNvSpPr txBox="1">
+            <a:spLocks/>
+          </p:cNvSpPr>
+          <p:nvPr/>
+        </p:nvSpPr>
+        <p:spPr>
+          <a:xfrm>
+            <a:off x="467544" y="1196752"/>
+            <a:ext cx="8208912" cy="3168352"/>
+          </a:xfrm>
+          <a:prstGeom prst="rect">
+            <a:avLst/>
+          </a:prstGeom>
+          <a:noFill/>
+        </p:spPr>
+        <p:txBody>
+          <a:bodyPr vert="horz" rtlCol="0" anchor="ctr">
+            <a:noAutofit/>
+            <a:scene3d>
+              <a:camera prst="orthographicFront"/>
+              <a:lightRig rig="soft" dir="t"/>
+            </a:scene3d>
+            <a:sp3d prstMaterial="softEdge">
+              <a:bevelT w="25400" h="25400"/>
+            </a:sp3d>
+          </a:bodyPr>
+          <a:lstStyle/>
+          <a:p>
+            <a:endParaRPr lang="ru-RU" sz="2400" dirty="0">
+              <a:latin typeface="Times New Roman" pitchFamily="18" charset="0"/>
+              <a:cs typeface="Times New Roman" pitchFamily="18" charset="0"/>
+            </a:endParaRPr>
+          </a:p>
+        </p:txBody>
+      </p:sp>
+      <p:sp>
+        <p:nvSpPr>
+          <p:cNvPr id="4" name="Заголовок 2"/>
+          <p:cNvSpPr txBox="1">
+            <a:spLocks/>
+          </p:cNvSpPr>
+          <p:nvPr/>
+        </p:nvSpPr>
+        <p:spPr>
+          <a:xfrm>
+            <a:off x="395536" y="1124744"/>
+            <a:ext cx="8280920" cy="4464496"/>
+          </a:xfrm>
+          <a:prstGeom prst="rect">
+            <a:avLst/>
+          </a:prstGeom>
+          <a:noFill/>
+        </p:spPr>
+        <p:txBody>
+          <a:bodyPr vert="horz" rtlCol="0" anchor="ctr">
+            <a:noAutofit/>
+            <a:scene3d>
+              <a:camera prst="orthographicFront"/>
+              <a:lightRig rig="soft" dir="t"/>
+            </a:scene3d>
+            <a:sp3d prstMaterial="softEdge">
+              <a:bevelT w="25400" h="25400"/>
+            </a:sp3d>
+          </a:bodyPr>
+          <a:lstStyle/>
+          <a:p>
+            <a:r>
+              <a:rPr lang="ru-RU" sz="2400" b="1" dirty="0" smtClean="0">
+                <a:latin typeface="Times New Roman" pitchFamily="18" charset="0"/>
+                <a:cs typeface="Times New Roman" pitchFamily="18" charset="0"/>
+              </a:rPr>
+              <a:t>Система позволяет решить следующие задачи:</a:t>
+            </a:r>
+          </a:p>
+          <a:p>
+            <a:pPr lvl="0">
+              <a:buFont typeface="Arial" pitchFamily="34" charset="0"/>
+              <a:buChar char="•"/>
+            </a:pPr>
+            <a:r>
+              <a:rPr lang="ru-RU" sz="2400" dirty="0" smtClean="0">
+                <a:latin typeface="Times New Roman" pitchFamily="18" charset="0"/>
+                <a:cs typeface="Times New Roman" pitchFamily="18" charset="0"/>
+              </a:rPr>
+              <a:t> организация единой телефонной сети для сотрудников, работающих удалено;</a:t>
+            </a:r>
+          </a:p>
+          <a:p>
+            <a:pPr lvl="0">
+              <a:buFont typeface="Arial" pitchFamily="34" charset="0"/>
+              <a:buChar char="•"/>
+            </a:pPr>
+            <a:r>
+              <a:rPr lang="ru-RU" sz="2400" dirty="0" smtClean="0">
+                <a:latin typeface="Times New Roman" pitchFamily="18" charset="0"/>
+                <a:cs typeface="Times New Roman" pitchFamily="18" charset="0"/>
+              </a:rPr>
+              <a:t> анализ качества общения менеджеров с клиентами;</a:t>
+            </a:r>
+          </a:p>
+          <a:p>
+            <a:pPr lvl="0">
+              <a:buFont typeface="Arial" pitchFamily="34" charset="0"/>
+              <a:buChar char="•"/>
+            </a:pPr>
+            <a:r>
+              <a:rPr lang="ru-RU" sz="2400" dirty="0" smtClean="0">
+                <a:latin typeface="Times New Roman" pitchFamily="18" charset="0"/>
+                <a:cs typeface="Times New Roman" pitchFamily="18" charset="0"/>
+              </a:rPr>
+              <a:t> сокращение числа пропущенных звонков;</a:t>
+            </a:r>
+          </a:p>
+          <a:p>
+            <a:pPr lvl="0">
+              <a:buFont typeface="Arial" pitchFamily="34" charset="0"/>
+              <a:buChar char="•"/>
+            </a:pPr>
+            <a:r>
+              <a:rPr lang="ru-RU" sz="2400" dirty="0" smtClean="0">
+                <a:latin typeface="Times New Roman" pitchFamily="18" charset="0"/>
+                <a:cs typeface="Times New Roman" pitchFamily="18" charset="0"/>
+              </a:rPr>
+              <a:t>оптимизация затрат на связь за счет экономии на переговорах внутри компании, по России и миру;</a:t>
+            </a:r>
+          </a:p>
+          <a:p>
+            <a:pPr lvl="0">
+              <a:buFont typeface="Arial" pitchFamily="34" charset="0"/>
+              <a:buChar char="•"/>
+            </a:pPr>
+            <a:r>
+              <a:rPr lang="ru-RU" sz="2400" dirty="0" smtClean="0">
+                <a:latin typeface="Times New Roman" pitchFamily="18" charset="0"/>
+                <a:cs typeface="Times New Roman" pitchFamily="18" charset="0"/>
+              </a:rPr>
+              <a:t> надежная работа сервиса и качественная связь.</a:t>
+            </a:r>
+          </a:p>
+          <a:p>
+            <a:endParaRPr lang="ru-RU" sz="2400" b="1" dirty="0">
+              <a:latin typeface="Times New Roman" pitchFamily="18" charset="0"/>
+              <a:cs typeface="Times New Roman" pitchFamily="18" charset="0"/>
+            </a:endParaRPr>
+          </a:p>
+        </p:txBody>
+      </p:sp>
+    </p:spTree>
+  </p:cSld>
+  <p:clrMapOvr>
+    <a:masterClrMapping/>
+  </p:clrMapOvr>
+  <p:timing>
+    <p:tnLst>
+      <p:par>
+        <p:cTn id="1" dur="indefinite" restart="never" nodeType="tmRoot"/>
+      </p:par>
+    </p:tnLst>
+  </p:timing>
+</p:sld>
+</file>
+
+<file path=ppt/slides/slide12.xml><?xml version="1.0" encoding="utf-8"?>
+<p:sld xmlns:a="http://schemas.openxmlformats.org/drawingml/2006/main" xmlns:r="http://schemas.openxmlformats.org/officeDocument/2006/relationships" xmlns:p="http://schemas.openxmlformats.org/presentationml/2006/main">
+  <p:cSld>
+    <p:spTree>
+      <p:nvGrpSpPr>
+        <p:cNvPr id="1" name=""/>
+        <p:cNvGrpSpPr/>
+        <p:nvPr/>
+      </p:nvGrpSpPr>
+      <p:grpSpPr>
+        <a:xfrm>
+          <a:off x="0" y="0"/>
+          <a:ext cx="0" cy="0"/>
+          <a:chOff x="0" y="0"/>
+          <a:chExt cx="0" cy="0"/>
+        </a:xfrm>
+      </p:grpSpPr>
+      <p:sp>
+        <p:nvSpPr>
+          <p:cNvPr id="3" name="Заголовок 2"/>
+          <p:cNvSpPr>
+            <a:spLocks noGrp="1"/>
+          </p:cNvSpPr>
+          <p:nvPr>
+            <p:ph type="title"/>
+          </p:nvPr>
+        </p:nvSpPr>
+        <p:spPr>
+          <a:solidFill>
+            <a:schemeClr val="bg2">
+              <a:lumMod val="50000"/>
+            </a:schemeClr>
+          </a:solidFill>
+        </p:spPr>
+        <p:txBody>
+          <a:bodyPr>
+            <a:noAutofit/>
+          </a:bodyPr>
+          <a:lstStyle/>
+          <a:p>
+            <a:r>
+              <a:rPr lang="ru-RU" sz="3200" dirty="0" smtClean="0">
+                <a:solidFill>
+                  <a:schemeClr val="bg1"/>
+                </a:solidFill>
+              </a:rPr>
               <a:t>Схема структуры автоматизации учетной деятельности</a:t>
             </a:r>
             <a:endParaRPr lang="ru-RU" sz="3200" dirty="0">
@@ -8611,7 +8010,7 @@
 </p:sld>
 </file>
 
-<file path=ppt/slides/slide12.xml><?xml version="1.0" encoding="utf-8"?>
+<file path=ppt/slides/slide13.xml><?xml version="1.0" encoding="utf-8"?>
 <p:sld xmlns:a="http://schemas.openxmlformats.org/drawingml/2006/main" xmlns:r="http://schemas.openxmlformats.org/officeDocument/2006/relationships" xmlns:p="http://schemas.openxmlformats.org/presentationml/2006/main">
   <p:cSld>
     <p:spTree>
@@ -8918,7 +8317,7 @@
 </p:sld>
 </file>
 
-<file path=ppt/slides/slide13.xml><?xml version="1.0" encoding="utf-8"?>
+<file path=ppt/slides/slide14.xml><?xml version="1.0" encoding="utf-8"?>
 <p:sld xmlns:a="http://schemas.openxmlformats.org/drawingml/2006/main" xmlns:r="http://schemas.openxmlformats.org/officeDocument/2006/relationships" xmlns:p="http://schemas.openxmlformats.org/presentationml/2006/main">
   <p:cSld>
     <p:spTree>
@@ -9142,7 +8541,7 @@
 </p:sld>
 </file>
 
-<file path=ppt/slides/slide14.xml><?xml version="1.0" encoding="utf-8"?>
+<file path=ppt/slides/slide15.xml><?xml version="1.0" encoding="utf-8"?>
 <p:sld xmlns:a="http://schemas.openxmlformats.org/drawingml/2006/main" xmlns:r="http://schemas.openxmlformats.org/officeDocument/2006/relationships" xmlns:p="http://schemas.openxmlformats.org/presentationml/2006/main">
   <p:cSld>
     <p:spTree>
@@ -9418,1014 +8817,7 @@
 </p:sld>
 </file>
 
-<file path=ppt/slides/slide15.xml><?xml version="1.0" encoding="utf-8"?>
-<p:sld xmlns:a="http://schemas.openxmlformats.org/drawingml/2006/main" xmlns:r="http://schemas.openxmlformats.org/officeDocument/2006/relationships" xmlns:p="http://schemas.openxmlformats.org/presentationml/2006/main">
-  <p:cSld>
-    <p:spTree>
-      <p:nvGrpSpPr>
-        <p:cNvPr id="1" name=""/>
-        <p:cNvGrpSpPr/>
-        <p:nvPr/>
-      </p:nvGrpSpPr>
-      <p:grpSpPr>
-        <a:xfrm>
-          <a:off x="0" y="0"/>
-          <a:ext cx="0" cy="0"/>
-          <a:chOff x="0" y="0"/>
-          <a:chExt cx="0" cy="0"/>
-        </a:xfrm>
-      </p:grpSpPr>
-      <p:sp>
-        <p:nvSpPr>
-          <p:cNvPr id="7" name="Содержимое 6"/>
-          <p:cNvSpPr>
-            <a:spLocks noGrp="1"/>
-          </p:cNvSpPr>
-          <p:nvPr>
-            <p:ph idx="1"/>
-          </p:nvPr>
-        </p:nvSpPr>
-        <p:spPr/>
-        <p:txBody>
-          <a:bodyPr/>
-          <a:lstStyle/>
-          <a:p>
-            <a:endParaRPr lang="ru-RU"/>
-          </a:p>
-        </p:txBody>
-      </p:sp>
-      <p:sp>
-        <p:nvSpPr>
-          <p:cNvPr id="3" name="Заголовок 2"/>
-          <p:cNvSpPr>
-            <a:spLocks noGrp="1"/>
-          </p:cNvSpPr>
-          <p:nvPr>
-            <p:ph type="title"/>
-          </p:nvPr>
-        </p:nvSpPr>
-        <p:spPr/>
-        <p:txBody>
-          <a:bodyPr/>
-          <a:lstStyle/>
-          <a:p>
-            <a:r>
-              <a:rPr lang="ru-RU" smtClean="0"/>
-              <a:t>Оценка важности критериев</a:t>
-            </a:r>
-            <a:endParaRPr lang="ru-RU" dirty="0"/>
-          </a:p>
-        </p:txBody>
-      </p:sp>
-      <p:sp>
-        <p:nvSpPr>
-          <p:cNvPr id="5" name="Заголовок 2"/>
-          <p:cNvSpPr txBox="1">
-            <a:spLocks/>
-          </p:cNvSpPr>
-          <p:nvPr/>
-        </p:nvSpPr>
-        <p:spPr>
-          <a:xfrm>
-            <a:off x="467544" y="4725144"/>
-            <a:ext cx="8208912" cy="2376264"/>
-          </a:xfrm>
-          <a:prstGeom prst="rect">
-            <a:avLst/>
-          </a:prstGeom>
-          <a:noFill/>
-        </p:spPr>
-        <p:txBody>
-          <a:bodyPr vert="horz" rtlCol="0" anchor="ctr">
-            <a:noAutofit/>
-            <a:scene3d>
-              <a:camera prst="orthographicFront"/>
-              <a:lightRig rig="soft" dir="t"/>
-            </a:scene3d>
-            <a:sp3d prstMaterial="softEdge">
-              <a:bevelT w="25400" h="25400"/>
-            </a:sp3d>
-          </a:bodyPr>
-          <a:lstStyle/>
-          <a:p>
-            <a:endParaRPr lang="ru-RU" sz="2400" dirty="0">
-              <a:latin typeface="Times New Roman" pitchFamily="18" charset="0"/>
-              <a:cs typeface="Times New Roman" pitchFamily="18" charset="0"/>
-            </a:endParaRPr>
-          </a:p>
-        </p:txBody>
-      </p:sp>
-      <p:pic>
-        <p:nvPicPr>
-          <p:cNvPr id="8" name="Рисунок 7"/>
-          <p:cNvPicPr/>
-          <p:nvPr/>
-        </p:nvPicPr>
-        <p:blipFill>
-          <a:blip r:embed="rId3" cstate="print"/>
-          <a:srcRect t="21170" r="37642" b="20613"/>
-          <a:stretch>
-            <a:fillRect/>
-          </a:stretch>
-        </p:blipFill>
-        <p:spPr bwMode="auto">
-          <a:xfrm>
-            <a:off x="467544" y="1628800"/>
-            <a:ext cx="8208912" cy="4104456"/>
-          </a:xfrm>
-          <a:prstGeom prst="rect">
-            <a:avLst/>
-          </a:prstGeom>
-          <a:noFill/>
-          <a:ln w="9525">
-            <a:noFill/>
-            <a:miter lim="800000"/>
-            <a:headEnd/>
-            <a:tailEnd/>
-          </a:ln>
-        </p:spPr>
-      </p:pic>
-    </p:spTree>
-  </p:cSld>
-  <p:clrMapOvr>
-    <a:masterClrMapping/>
-  </p:clrMapOvr>
-  <p:transition/>
-  <p:timing>
-    <p:tnLst>
-      <p:par>
-        <p:cTn id="1" dur="indefinite" restart="never" nodeType="tmRoot"/>
-      </p:par>
-    </p:tnLst>
-  </p:timing>
-</p:sld>
-</file>
-
 <file path=ppt/slides/slide16.xml><?xml version="1.0" encoding="utf-8"?>
-<p:sld xmlns:a="http://schemas.openxmlformats.org/drawingml/2006/main" xmlns:r="http://schemas.openxmlformats.org/officeDocument/2006/relationships" xmlns:p="http://schemas.openxmlformats.org/presentationml/2006/main" show="0">
-  <p:cSld>
-    <p:spTree>
-      <p:nvGrpSpPr>
-        <p:cNvPr id="1" name=""/>
-        <p:cNvGrpSpPr/>
-        <p:nvPr/>
-      </p:nvGrpSpPr>
-      <p:grpSpPr>
-        <a:xfrm>
-          <a:off x="0" y="0"/>
-          <a:ext cx="0" cy="0"/>
-          <a:chOff x="0" y="0"/>
-          <a:chExt cx="0" cy="0"/>
-        </a:xfrm>
-      </p:grpSpPr>
-      <p:sp>
-        <p:nvSpPr>
-          <p:cNvPr id="3" name="Заголовок 2"/>
-          <p:cNvSpPr>
-            <a:spLocks noGrp="1"/>
-          </p:cNvSpPr>
-          <p:nvPr>
-            <p:ph type="title"/>
-          </p:nvPr>
-        </p:nvSpPr>
-        <p:spPr>
-          <a:solidFill>
-            <a:schemeClr val="bg2">
-              <a:lumMod val="50000"/>
-            </a:schemeClr>
-          </a:solidFill>
-        </p:spPr>
-        <p:txBody>
-          <a:bodyPr>
-            <a:noAutofit/>
-          </a:bodyPr>
-          <a:lstStyle/>
-          <a:p>
-            <a:r>
-              <a:rPr lang="ru-RU" sz="3200" dirty="0" smtClean="0">
-                <a:solidFill>
-                  <a:schemeClr val="bg1"/>
-                </a:solidFill>
-                <a:latin typeface="Times New Roman" pitchFamily="18" charset="0"/>
-                <a:cs typeface="Times New Roman" pitchFamily="18" charset="0"/>
-              </a:rPr>
-              <a:t>Оценка критерия доработки под нужды организации</a:t>
-            </a:r>
-            <a:endParaRPr lang="ru-RU" sz="3200" dirty="0">
-              <a:solidFill>
-                <a:schemeClr val="bg1"/>
-              </a:solidFill>
-              <a:latin typeface="Times New Roman" pitchFamily="18" charset="0"/>
-              <a:cs typeface="Times New Roman" pitchFamily="18" charset="0"/>
-            </a:endParaRPr>
-          </a:p>
-        </p:txBody>
-      </p:sp>
-      <p:sp>
-        <p:nvSpPr>
-          <p:cNvPr id="5" name="Заголовок 2"/>
-          <p:cNvSpPr txBox="1">
-            <a:spLocks/>
-          </p:cNvSpPr>
-          <p:nvPr/>
-        </p:nvSpPr>
-        <p:spPr>
-          <a:xfrm>
-            <a:off x="467544" y="4725144"/>
-            <a:ext cx="8208912" cy="2376264"/>
-          </a:xfrm>
-          <a:prstGeom prst="rect">
-            <a:avLst/>
-          </a:prstGeom>
-          <a:noFill/>
-        </p:spPr>
-        <p:txBody>
-          <a:bodyPr vert="horz" rtlCol="0" anchor="ctr">
-            <a:noAutofit/>
-            <a:scene3d>
-              <a:camera prst="orthographicFront"/>
-              <a:lightRig rig="soft" dir="t"/>
-            </a:scene3d>
-            <a:sp3d prstMaterial="softEdge">
-              <a:bevelT w="25400" h="25400"/>
-            </a:sp3d>
-          </a:bodyPr>
-          <a:lstStyle/>
-          <a:p>
-            <a:endParaRPr lang="ru-RU" sz="2400" dirty="0">
-              <a:latin typeface="Times New Roman" pitchFamily="18" charset="0"/>
-              <a:cs typeface="Times New Roman" pitchFamily="18" charset="0"/>
-            </a:endParaRPr>
-          </a:p>
-        </p:txBody>
-      </p:sp>
-      <p:pic>
-        <p:nvPicPr>
-          <p:cNvPr id="9" name="Рисунок 8"/>
-          <p:cNvPicPr/>
-          <p:nvPr/>
-        </p:nvPicPr>
-        <p:blipFill>
-          <a:blip r:embed="rId3" cstate="print"/>
-          <a:srcRect t="26841" r="13146" b="20613"/>
-          <a:stretch>
-            <a:fillRect/>
-          </a:stretch>
-        </p:blipFill>
-        <p:spPr bwMode="auto">
-          <a:xfrm>
-            <a:off x="467544" y="1772816"/>
-            <a:ext cx="8208912" cy="3456384"/>
-          </a:xfrm>
-          <a:prstGeom prst="rect">
-            <a:avLst/>
-          </a:prstGeom>
-          <a:noFill/>
-          <a:ln w="9525">
-            <a:noFill/>
-            <a:miter lim="800000"/>
-            <a:headEnd/>
-            <a:tailEnd/>
-          </a:ln>
-        </p:spPr>
-      </p:pic>
-    </p:spTree>
-  </p:cSld>
-  <p:clrMapOvr>
-    <a:masterClrMapping/>
-  </p:clrMapOvr>
-  <p:transition/>
-  <p:timing>
-    <p:tnLst>
-      <p:par>
-        <p:cTn id="1" dur="indefinite" restart="never" nodeType="tmRoot"/>
-      </p:par>
-    </p:tnLst>
-  </p:timing>
-</p:sld>
-</file>
-
-<file path=ppt/slides/slide17.xml><?xml version="1.0" encoding="utf-8"?>
-<p:sld xmlns:a="http://schemas.openxmlformats.org/drawingml/2006/main" xmlns:r="http://schemas.openxmlformats.org/officeDocument/2006/relationships" xmlns:p="http://schemas.openxmlformats.org/presentationml/2006/main" show="0">
-  <p:cSld>
-    <p:spTree>
-      <p:nvGrpSpPr>
-        <p:cNvPr id="1" name=""/>
-        <p:cNvGrpSpPr/>
-        <p:nvPr/>
-      </p:nvGrpSpPr>
-      <p:grpSpPr>
-        <a:xfrm>
-          <a:off x="0" y="0"/>
-          <a:ext cx="0" cy="0"/>
-          <a:chOff x="0" y="0"/>
-          <a:chExt cx="0" cy="0"/>
-        </a:xfrm>
-      </p:grpSpPr>
-      <p:sp>
-        <p:nvSpPr>
-          <p:cNvPr id="3" name="Заголовок 2"/>
-          <p:cNvSpPr>
-            <a:spLocks noGrp="1"/>
-          </p:cNvSpPr>
-          <p:nvPr>
-            <p:ph type="title"/>
-          </p:nvPr>
-        </p:nvSpPr>
-        <p:spPr>
-          <a:solidFill>
-            <a:schemeClr val="bg2">
-              <a:lumMod val="50000"/>
-            </a:schemeClr>
-          </a:solidFill>
-        </p:spPr>
-        <p:txBody>
-          <a:bodyPr>
-            <a:noAutofit/>
-          </a:bodyPr>
-          <a:lstStyle/>
-          <a:p>
-            <a:r>
-              <a:rPr lang="ru-RU" sz="3200" dirty="0" smtClean="0">
-                <a:solidFill>
-                  <a:schemeClr val="bg1"/>
-                </a:solidFill>
-                <a:latin typeface="Times New Roman" pitchFamily="18" charset="0"/>
-                <a:cs typeface="Times New Roman" pitchFamily="18" charset="0"/>
-              </a:rPr>
-              <a:t>Оценка критерия простота использования</a:t>
-            </a:r>
-            <a:endParaRPr lang="ru-RU" sz="3200" dirty="0">
-              <a:solidFill>
-                <a:schemeClr val="bg1"/>
-              </a:solidFill>
-              <a:latin typeface="Times New Roman" pitchFamily="18" charset="0"/>
-              <a:cs typeface="Times New Roman" pitchFamily="18" charset="0"/>
-            </a:endParaRPr>
-          </a:p>
-        </p:txBody>
-      </p:sp>
-      <p:sp>
-        <p:nvSpPr>
-          <p:cNvPr id="5" name="Заголовок 2"/>
-          <p:cNvSpPr txBox="1">
-            <a:spLocks/>
-          </p:cNvSpPr>
-          <p:nvPr/>
-        </p:nvSpPr>
-        <p:spPr>
-          <a:xfrm>
-            <a:off x="467544" y="4725144"/>
-            <a:ext cx="8208912" cy="2376264"/>
-          </a:xfrm>
-          <a:prstGeom prst="rect">
-            <a:avLst/>
-          </a:prstGeom>
-          <a:noFill/>
-        </p:spPr>
-        <p:txBody>
-          <a:bodyPr vert="horz" rtlCol="0" anchor="ctr">
-            <a:noAutofit/>
-            <a:scene3d>
-              <a:camera prst="orthographicFront"/>
-              <a:lightRig rig="soft" dir="t"/>
-            </a:scene3d>
-            <a:sp3d prstMaterial="softEdge">
-              <a:bevelT w="25400" h="25400"/>
-            </a:sp3d>
-          </a:bodyPr>
-          <a:lstStyle/>
-          <a:p>
-            <a:endParaRPr lang="ru-RU" sz="2400" dirty="0">
-              <a:latin typeface="Times New Roman" pitchFamily="18" charset="0"/>
-              <a:cs typeface="Times New Roman" pitchFamily="18" charset="0"/>
-            </a:endParaRPr>
-          </a:p>
-        </p:txBody>
-      </p:sp>
-      <p:pic>
-        <p:nvPicPr>
-          <p:cNvPr id="9" name="Рисунок 8"/>
-          <p:cNvPicPr/>
-          <p:nvPr/>
-        </p:nvPicPr>
-        <p:blipFill>
-          <a:blip r:embed="rId3" cstate="print"/>
-          <a:srcRect t="26841" r="13146" b="20613"/>
-          <a:stretch>
-            <a:fillRect/>
-          </a:stretch>
-        </p:blipFill>
-        <p:spPr bwMode="auto">
-          <a:xfrm>
-            <a:off x="467544" y="1772816"/>
-            <a:ext cx="8208912" cy="3456384"/>
-          </a:xfrm>
-          <a:prstGeom prst="rect">
-            <a:avLst/>
-          </a:prstGeom>
-          <a:noFill/>
-          <a:ln w="9525">
-            <a:noFill/>
-            <a:miter lim="800000"/>
-            <a:headEnd/>
-            <a:tailEnd/>
-          </a:ln>
-        </p:spPr>
-      </p:pic>
-      <p:pic>
-        <p:nvPicPr>
-          <p:cNvPr id="6" name="Рисунок 5"/>
-          <p:cNvPicPr/>
-          <p:nvPr/>
-        </p:nvPicPr>
-        <p:blipFill>
-          <a:blip r:embed="rId4" cstate="print"/>
-          <a:srcRect t="21727" r="13073" b="21105"/>
-          <a:stretch>
-            <a:fillRect/>
-          </a:stretch>
-        </p:blipFill>
-        <p:spPr bwMode="auto">
-          <a:xfrm>
-            <a:off x="467544" y="1772816"/>
-            <a:ext cx="8208912" cy="3456384"/>
-          </a:xfrm>
-          <a:prstGeom prst="rect">
-            <a:avLst/>
-          </a:prstGeom>
-          <a:noFill/>
-          <a:ln w="9525">
-            <a:noFill/>
-            <a:miter lim="800000"/>
-            <a:headEnd/>
-            <a:tailEnd/>
-          </a:ln>
-        </p:spPr>
-      </p:pic>
-    </p:spTree>
-  </p:cSld>
-  <p:clrMapOvr>
-    <a:masterClrMapping/>
-  </p:clrMapOvr>
-  <p:transition/>
-  <p:timing>
-    <p:tnLst>
-      <p:par>
-        <p:cTn id="1" dur="indefinite" restart="never" nodeType="tmRoot"/>
-      </p:par>
-    </p:tnLst>
-  </p:timing>
-</p:sld>
-</file>
-
-<file path=ppt/slides/slide18.xml><?xml version="1.0" encoding="utf-8"?>
-<p:sld xmlns:a="http://schemas.openxmlformats.org/drawingml/2006/main" xmlns:r="http://schemas.openxmlformats.org/officeDocument/2006/relationships" xmlns:p="http://schemas.openxmlformats.org/presentationml/2006/main" show="0">
-  <p:cSld>
-    <p:spTree>
-      <p:nvGrpSpPr>
-        <p:cNvPr id="1" name=""/>
-        <p:cNvGrpSpPr/>
-        <p:nvPr/>
-      </p:nvGrpSpPr>
-      <p:grpSpPr>
-        <a:xfrm>
-          <a:off x="0" y="0"/>
-          <a:ext cx="0" cy="0"/>
-          <a:chOff x="0" y="0"/>
-          <a:chExt cx="0" cy="0"/>
-        </a:xfrm>
-      </p:grpSpPr>
-      <p:sp>
-        <p:nvSpPr>
-          <p:cNvPr id="3" name="Заголовок 2"/>
-          <p:cNvSpPr>
-            <a:spLocks noGrp="1"/>
-          </p:cNvSpPr>
-          <p:nvPr>
-            <p:ph type="title"/>
-          </p:nvPr>
-        </p:nvSpPr>
-        <p:spPr>
-          <a:solidFill>
-            <a:schemeClr val="bg2">
-              <a:lumMod val="50000"/>
-            </a:schemeClr>
-          </a:solidFill>
-        </p:spPr>
-        <p:txBody>
-          <a:bodyPr>
-            <a:noAutofit/>
-          </a:bodyPr>
-          <a:lstStyle/>
-          <a:p>
-            <a:r>
-              <a:rPr lang="ru-RU" sz="3200" dirty="0" smtClean="0">
-                <a:solidFill>
-                  <a:schemeClr val="bg1"/>
-                </a:solidFill>
-                <a:latin typeface="Times New Roman" pitchFamily="18" charset="0"/>
-                <a:cs typeface="Times New Roman" pitchFamily="18" charset="0"/>
-              </a:rPr>
-              <a:t>Оценка критерия простота интеграции с другими системами</a:t>
-            </a:r>
-            <a:endParaRPr lang="ru-RU" sz="3200" dirty="0">
-              <a:solidFill>
-                <a:schemeClr val="bg1"/>
-              </a:solidFill>
-              <a:latin typeface="Times New Roman" pitchFamily="18" charset="0"/>
-              <a:cs typeface="Times New Roman" pitchFamily="18" charset="0"/>
-            </a:endParaRPr>
-          </a:p>
-        </p:txBody>
-      </p:sp>
-      <p:sp>
-        <p:nvSpPr>
-          <p:cNvPr id="5" name="Заголовок 2"/>
-          <p:cNvSpPr txBox="1">
-            <a:spLocks/>
-          </p:cNvSpPr>
-          <p:nvPr/>
-        </p:nvSpPr>
-        <p:spPr>
-          <a:xfrm>
-            <a:off x="467544" y="4725144"/>
-            <a:ext cx="8208912" cy="2376264"/>
-          </a:xfrm>
-          <a:prstGeom prst="rect">
-            <a:avLst/>
-          </a:prstGeom>
-          <a:noFill/>
-        </p:spPr>
-        <p:txBody>
-          <a:bodyPr vert="horz" rtlCol="0" anchor="ctr">
-            <a:noAutofit/>
-            <a:scene3d>
-              <a:camera prst="orthographicFront"/>
-              <a:lightRig rig="soft" dir="t"/>
-            </a:scene3d>
-            <a:sp3d prstMaterial="softEdge">
-              <a:bevelT w="25400" h="25400"/>
-            </a:sp3d>
-          </a:bodyPr>
-          <a:lstStyle/>
-          <a:p>
-            <a:endParaRPr lang="ru-RU" sz="2400" dirty="0">
-              <a:latin typeface="Times New Roman" pitchFamily="18" charset="0"/>
-              <a:cs typeface="Times New Roman" pitchFamily="18" charset="0"/>
-            </a:endParaRPr>
-          </a:p>
-        </p:txBody>
-      </p:sp>
-      <p:pic>
-        <p:nvPicPr>
-          <p:cNvPr id="9" name="Рисунок 8"/>
-          <p:cNvPicPr/>
-          <p:nvPr/>
-        </p:nvPicPr>
-        <p:blipFill>
-          <a:blip r:embed="rId3" cstate="print"/>
-          <a:srcRect t="26841" r="13146" b="20613"/>
-          <a:stretch>
-            <a:fillRect/>
-          </a:stretch>
-        </p:blipFill>
-        <p:spPr bwMode="auto">
-          <a:xfrm>
-            <a:off x="467544" y="1772816"/>
-            <a:ext cx="8208912" cy="3456384"/>
-          </a:xfrm>
-          <a:prstGeom prst="rect">
-            <a:avLst/>
-          </a:prstGeom>
-          <a:noFill/>
-          <a:ln w="9525">
-            <a:noFill/>
-            <a:miter lim="800000"/>
-            <a:headEnd/>
-            <a:tailEnd/>
-          </a:ln>
-        </p:spPr>
-      </p:pic>
-      <p:pic>
-        <p:nvPicPr>
-          <p:cNvPr id="6" name="Рисунок 5"/>
-          <p:cNvPicPr/>
-          <p:nvPr/>
-        </p:nvPicPr>
-        <p:blipFill>
-          <a:blip r:embed="rId4" cstate="print"/>
-          <a:srcRect t="21727" r="13073" b="21105"/>
-          <a:stretch>
-            <a:fillRect/>
-          </a:stretch>
-        </p:blipFill>
-        <p:spPr bwMode="auto">
-          <a:xfrm>
-            <a:off x="467544" y="1772816"/>
-            <a:ext cx="8208912" cy="3456384"/>
-          </a:xfrm>
-          <a:prstGeom prst="rect">
-            <a:avLst/>
-          </a:prstGeom>
-          <a:noFill/>
-          <a:ln w="9525">
-            <a:noFill/>
-            <a:miter lim="800000"/>
-            <a:headEnd/>
-            <a:tailEnd/>
-          </a:ln>
-        </p:spPr>
-      </p:pic>
-      <p:pic>
-        <p:nvPicPr>
-          <p:cNvPr id="7" name="Рисунок 6"/>
-          <p:cNvPicPr/>
-          <p:nvPr/>
-        </p:nvPicPr>
-        <p:blipFill>
-          <a:blip r:embed="rId5" cstate="print"/>
-          <a:srcRect t="21448" r="11821" b="19777"/>
-          <a:stretch>
-            <a:fillRect/>
-          </a:stretch>
-        </p:blipFill>
-        <p:spPr bwMode="auto">
-          <a:xfrm>
-            <a:off x="467544" y="1772816"/>
-            <a:ext cx="8208912" cy="3456384"/>
-          </a:xfrm>
-          <a:prstGeom prst="rect">
-            <a:avLst/>
-          </a:prstGeom>
-          <a:noFill/>
-          <a:ln w="9525">
-            <a:noFill/>
-            <a:miter lim="800000"/>
-            <a:headEnd/>
-            <a:tailEnd/>
-          </a:ln>
-        </p:spPr>
-      </p:pic>
-    </p:spTree>
-  </p:cSld>
-  <p:clrMapOvr>
-    <a:masterClrMapping/>
-  </p:clrMapOvr>
-  <p:transition/>
-  <p:timing>
-    <p:tnLst>
-      <p:par>
-        <p:cTn id="1" dur="indefinite" restart="never" nodeType="tmRoot"/>
-      </p:par>
-    </p:tnLst>
-  </p:timing>
-</p:sld>
-</file>
-
-<file path=ppt/slides/slide19.xml><?xml version="1.0" encoding="utf-8"?>
-<p:sld xmlns:a="http://schemas.openxmlformats.org/drawingml/2006/main" xmlns:r="http://schemas.openxmlformats.org/officeDocument/2006/relationships" xmlns:p="http://schemas.openxmlformats.org/presentationml/2006/main" show="0">
-  <p:cSld>
-    <p:spTree>
-      <p:nvGrpSpPr>
-        <p:cNvPr id="1" name=""/>
-        <p:cNvGrpSpPr/>
-        <p:nvPr/>
-      </p:nvGrpSpPr>
-      <p:grpSpPr>
-        <a:xfrm>
-          <a:off x="0" y="0"/>
-          <a:ext cx="0" cy="0"/>
-          <a:chOff x="0" y="0"/>
-          <a:chExt cx="0" cy="0"/>
-        </a:xfrm>
-      </p:grpSpPr>
-      <p:sp>
-        <p:nvSpPr>
-          <p:cNvPr id="3" name="Заголовок 2"/>
-          <p:cNvSpPr>
-            <a:spLocks noGrp="1"/>
-          </p:cNvSpPr>
-          <p:nvPr>
-            <p:ph type="title"/>
-          </p:nvPr>
-        </p:nvSpPr>
-        <p:spPr>
-          <a:solidFill>
-            <a:schemeClr val="bg2">
-              <a:lumMod val="50000"/>
-            </a:schemeClr>
-          </a:solidFill>
-        </p:spPr>
-        <p:txBody>
-          <a:bodyPr>
-            <a:noAutofit/>
-          </a:bodyPr>
-          <a:lstStyle/>
-          <a:p>
-            <a:r>
-              <a:rPr lang="ru-RU" sz="3200" dirty="0" smtClean="0">
-                <a:solidFill>
-                  <a:schemeClr val="bg1"/>
-                </a:solidFill>
-                <a:latin typeface="Times New Roman" pitchFamily="18" charset="0"/>
-                <a:cs typeface="Times New Roman" pitchFamily="18" charset="0"/>
-              </a:rPr>
-              <a:t>Оценка альтернатив по критериям</a:t>
-            </a:r>
-            <a:endParaRPr lang="ru-RU" sz="3200" dirty="0">
-              <a:solidFill>
-                <a:schemeClr val="bg1"/>
-              </a:solidFill>
-              <a:latin typeface="Times New Roman" pitchFamily="18" charset="0"/>
-              <a:cs typeface="Times New Roman" pitchFamily="18" charset="0"/>
-            </a:endParaRPr>
-          </a:p>
-        </p:txBody>
-      </p:sp>
-      <p:sp>
-        <p:nvSpPr>
-          <p:cNvPr id="5" name="Заголовок 2"/>
-          <p:cNvSpPr txBox="1">
-            <a:spLocks/>
-          </p:cNvSpPr>
-          <p:nvPr/>
-        </p:nvSpPr>
-        <p:spPr>
-          <a:xfrm>
-            <a:off x="467544" y="4725144"/>
-            <a:ext cx="8208912" cy="2376264"/>
-          </a:xfrm>
-          <a:prstGeom prst="rect">
-            <a:avLst/>
-          </a:prstGeom>
-          <a:noFill/>
-        </p:spPr>
-        <p:txBody>
-          <a:bodyPr vert="horz" rtlCol="0" anchor="ctr">
-            <a:noAutofit/>
-            <a:scene3d>
-              <a:camera prst="orthographicFront"/>
-              <a:lightRig rig="soft" dir="t"/>
-            </a:scene3d>
-            <a:sp3d prstMaterial="softEdge">
-              <a:bevelT w="25400" h="25400"/>
-            </a:sp3d>
-          </a:bodyPr>
-          <a:lstStyle/>
-          <a:p>
-            <a:endParaRPr lang="ru-RU" sz="2400" dirty="0">
-              <a:latin typeface="Times New Roman" pitchFamily="18" charset="0"/>
-              <a:cs typeface="Times New Roman" pitchFamily="18" charset="0"/>
-            </a:endParaRPr>
-          </a:p>
-        </p:txBody>
-      </p:sp>
-      <p:pic>
-        <p:nvPicPr>
-          <p:cNvPr id="2050" name="Picture 2"/>
-          <p:cNvPicPr>
-            <a:picLocks noChangeAspect="1" noChangeArrowheads="1"/>
-          </p:cNvPicPr>
-          <p:nvPr/>
-        </p:nvPicPr>
-        <p:blipFill>
-          <a:blip r:embed="rId3" cstate="print"/>
-          <a:srcRect l="27944" t="45891" r="24460" b="16704"/>
-          <a:stretch>
-            <a:fillRect/>
-          </a:stretch>
-        </p:blipFill>
-        <p:spPr bwMode="auto">
-          <a:xfrm>
-            <a:off x="467544" y="1628800"/>
-            <a:ext cx="8148274" cy="3600400"/>
-          </a:xfrm>
-          <a:prstGeom prst="rect">
-            <a:avLst/>
-          </a:prstGeom>
-          <a:noFill/>
-          <a:ln w="9525">
-            <a:noFill/>
-            <a:miter lim="800000"/>
-            <a:headEnd/>
-            <a:tailEnd/>
-          </a:ln>
-        </p:spPr>
-      </p:pic>
-    </p:spTree>
-  </p:cSld>
-  <p:clrMapOvr>
-    <a:masterClrMapping/>
-  </p:clrMapOvr>
-  <p:transition/>
-  <p:timing>
-    <p:tnLst>
-      <p:par>
-        <p:cTn id="1" dur="indefinite" restart="never" nodeType="tmRoot"/>
-      </p:par>
-    </p:tnLst>
-  </p:timing>
-</p:sld>
-</file>
-
-<file path=ppt/slides/slide2.xml><?xml version="1.0" encoding="utf-8"?>
-<p:sld xmlns:a="http://schemas.openxmlformats.org/drawingml/2006/main" xmlns:r="http://schemas.openxmlformats.org/officeDocument/2006/relationships" xmlns:p="http://schemas.openxmlformats.org/presentationml/2006/main">
-  <p:cSld>
-    <p:spTree>
-      <p:nvGrpSpPr>
-        <p:cNvPr id="1" name=""/>
-        <p:cNvGrpSpPr/>
-        <p:nvPr/>
-      </p:nvGrpSpPr>
-      <p:grpSpPr>
-        <a:xfrm>
-          <a:off x="0" y="0"/>
-          <a:ext cx="0" cy="0"/>
-          <a:chOff x="0" y="0"/>
-          <a:chExt cx="0" cy="0"/>
-        </a:xfrm>
-      </p:grpSpPr>
-      <p:sp>
-        <p:nvSpPr>
-          <p:cNvPr id="2" name="Содержимое 1"/>
-          <p:cNvSpPr>
-            <a:spLocks noGrp="1"/>
-          </p:cNvSpPr>
-          <p:nvPr>
-            <p:ph idx="1"/>
-          </p:nvPr>
-        </p:nvSpPr>
-        <p:spPr/>
-        <p:txBody>
-          <a:bodyPr>
-            <a:normAutofit/>
-          </a:bodyPr>
-          <a:lstStyle/>
-          <a:p>
-            <a:pPr marL="0" indent="449263">
-              <a:buNone/>
-            </a:pPr>
-            <a:r>
-              <a:rPr lang="ru-RU" sz="2400" dirty="0" smtClean="0">
-                <a:latin typeface="Times New Roman" pitchFamily="18" charset="0"/>
-                <a:cs typeface="Times New Roman" pitchFamily="18" charset="0"/>
-              </a:rPr>
-              <a:t> </a:t>
-            </a:r>
-            <a:r>
-              <a:rPr lang="ru-RU" sz="2200" dirty="0" smtClean="0">
-                <a:latin typeface="Times New Roman" pitchFamily="18" charset="0"/>
-                <a:cs typeface="Times New Roman" pitchFamily="18" charset="0"/>
-              </a:rPr>
-              <a:t>Целью данной выпускной квалификационной работы является проектирование и внедрение комплексной автоматизации магазина строительных материалов.</a:t>
-            </a:r>
-          </a:p>
-          <a:p>
-            <a:pPr marL="0" indent="449263">
-              <a:buNone/>
-            </a:pPr>
-            <a:r>
-              <a:rPr lang="ru-RU" sz="2200" b="1" dirty="0" smtClean="0">
-                <a:latin typeface="Times New Roman" pitchFamily="18" charset="0"/>
-                <a:cs typeface="Times New Roman" pitchFamily="18" charset="0"/>
-              </a:rPr>
-              <a:t>Задачи:</a:t>
-            </a:r>
-          </a:p>
-          <a:p>
-            <a:pPr marL="536575" indent="449263"/>
-            <a:r>
-              <a:rPr lang="ru-RU" sz="2200" dirty="0" smtClean="0">
-                <a:latin typeface="Times New Roman" pitchFamily="18" charset="0"/>
-                <a:cs typeface="Times New Roman" pitchFamily="18" charset="0"/>
-              </a:rPr>
-              <a:t>Анализ автоматизации магазина строительных материалов;</a:t>
-            </a:r>
-          </a:p>
-          <a:p>
-            <a:pPr marL="536575" indent="449263"/>
-            <a:r>
-              <a:rPr lang="ru-RU" sz="2200" dirty="0" smtClean="0">
-                <a:latin typeface="Times New Roman" pitchFamily="18" charset="0"/>
-                <a:cs typeface="Times New Roman" pitchFamily="18" charset="0"/>
-              </a:rPr>
-              <a:t>Эскизное проектирование и выбор компонентов автоматизации магазина;</a:t>
-            </a:r>
-          </a:p>
-          <a:p>
-            <a:pPr marL="536575" indent="449263"/>
-            <a:r>
-              <a:rPr lang="ru-RU" sz="2200" dirty="0" smtClean="0">
-                <a:latin typeface="Times New Roman" pitchFamily="18" charset="0"/>
-                <a:cs typeface="Times New Roman" pitchFamily="18" charset="0"/>
-              </a:rPr>
-              <a:t>Проектирование систем автоматизации магазина;</a:t>
-            </a:r>
-          </a:p>
-          <a:p>
-            <a:pPr marL="536575" indent="449263"/>
-            <a:r>
-              <a:rPr lang="ru-RU" sz="2200" dirty="0" smtClean="0">
-                <a:latin typeface="Times New Roman" pitchFamily="18" charset="0"/>
-                <a:cs typeface="Times New Roman" pitchFamily="18" charset="0"/>
-              </a:rPr>
-              <a:t>Внедрение комплексной автоматизации магазина строительных материалов.</a:t>
-            </a:r>
-          </a:p>
-          <a:p>
-            <a:pPr marL="0" indent="261938">
-              <a:buNone/>
-            </a:pPr>
-            <a:endParaRPr lang="ru-RU" sz="2400" dirty="0" smtClean="0">
-              <a:latin typeface="Times New Roman" pitchFamily="18" charset="0"/>
-              <a:cs typeface="Times New Roman" pitchFamily="18" charset="0"/>
-            </a:endParaRPr>
-          </a:p>
-          <a:p>
-            <a:pPr marL="0" indent="0">
-              <a:buNone/>
-            </a:pPr>
-            <a:endParaRPr lang="ru-RU" sz="2400" dirty="0">
-              <a:latin typeface="Times New Roman" pitchFamily="18" charset="0"/>
-              <a:cs typeface="Times New Roman" pitchFamily="18" charset="0"/>
-            </a:endParaRPr>
-          </a:p>
-        </p:txBody>
-      </p:sp>
-      <p:sp>
-        <p:nvSpPr>
-          <p:cNvPr id="3" name="Заголовок 2"/>
-          <p:cNvSpPr>
-            <a:spLocks noGrp="1"/>
-          </p:cNvSpPr>
-          <p:nvPr>
-            <p:ph type="title"/>
-          </p:nvPr>
-        </p:nvSpPr>
-        <p:spPr>
-          <a:solidFill>
-            <a:schemeClr val="bg2">
-              <a:lumMod val="50000"/>
-            </a:schemeClr>
-          </a:solidFill>
-        </p:spPr>
-        <p:txBody>
-          <a:bodyPr>
-            <a:noAutofit/>
-          </a:bodyPr>
-          <a:lstStyle/>
-          <a:p>
-            <a:r>
-              <a:rPr lang="ru-RU" sz="3200" dirty="0" smtClean="0">
-                <a:solidFill>
-                  <a:schemeClr val="bg1"/>
-                </a:solidFill>
-                <a:effectLst>
-                  <a:outerShdw blurRad="38100" dist="38100" dir="2700000" algn="tl">
-                    <a:srgbClr val="000000">
-                      <a:alpha val="43137"/>
-                    </a:srgbClr>
-                  </a:outerShdw>
-                </a:effectLst>
-                <a:latin typeface="Times New Roman" pitchFamily="18" charset="0"/>
-                <a:cs typeface="Times New Roman" pitchFamily="18" charset="0"/>
-              </a:rPr>
-              <a:t>Цель и задачи выпускной квалификационной работы</a:t>
-            </a:r>
-            <a:endParaRPr lang="ru-RU" sz="3200" dirty="0">
-              <a:solidFill>
-                <a:schemeClr val="bg1"/>
-              </a:solidFill>
-              <a:effectLst>
-                <a:outerShdw blurRad="38100" dist="38100" dir="2700000" algn="tl">
-                  <a:srgbClr val="000000">
-                    <a:alpha val="43137"/>
-                  </a:srgbClr>
-                </a:outerShdw>
-              </a:effectLst>
-              <a:latin typeface="Times New Roman" pitchFamily="18" charset="0"/>
-              <a:cs typeface="Times New Roman" pitchFamily="18" charset="0"/>
-            </a:endParaRPr>
-          </a:p>
-        </p:txBody>
-      </p:sp>
-    </p:spTree>
-  </p:cSld>
-  <p:clrMapOvr>
-    <a:masterClrMapping/>
-  </p:clrMapOvr>
-  <p:timing>
-    <p:tnLst>
-      <p:par>
-        <p:cTn id="1" dur="indefinite" restart="never" nodeType="tmRoot"/>
-      </p:par>
-    </p:tnLst>
-  </p:timing>
-</p:sld>
-</file>
-
-<file path=ppt/slides/slide20.xml><?xml version="1.0" encoding="utf-8"?>
 <p:sld xmlns:a="http://schemas.openxmlformats.org/drawingml/2006/main" xmlns:r="http://schemas.openxmlformats.org/officeDocument/2006/relationships" xmlns:p="http://schemas.openxmlformats.org/presentationml/2006/main">
   <p:cSld>
     <p:spTree>
@@ -10622,7 +9014,7 @@
 </p:sld>
 </file>
 
-<file path=ppt/slides/slide21.xml><?xml version="1.0" encoding="utf-8"?>
+<file path=ppt/slides/slide17.xml><?xml version="1.0" encoding="utf-8"?>
 <p:sld xmlns:a="http://schemas.openxmlformats.org/drawingml/2006/main" xmlns:r="http://schemas.openxmlformats.org/officeDocument/2006/relationships" xmlns:p="http://schemas.openxmlformats.org/presentationml/2006/main">
   <p:cSld>
     <p:spTree>
@@ -10729,6 +9121,1063 @@
 </p:sld>
 </file>
 
+<file path=ppt/slides/slide18.xml><?xml version="1.0" encoding="utf-8"?>
+<p:sld xmlns:a="http://schemas.openxmlformats.org/drawingml/2006/main" xmlns:r="http://schemas.openxmlformats.org/officeDocument/2006/relationships" xmlns:p="http://schemas.openxmlformats.org/presentationml/2006/main">
+  <p:cSld>
+    <p:spTree>
+      <p:nvGrpSpPr>
+        <p:cNvPr id="1" name=""/>
+        <p:cNvGrpSpPr/>
+        <p:nvPr/>
+      </p:nvGrpSpPr>
+      <p:grpSpPr>
+        <a:xfrm>
+          <a:off x="0" y="0"/>
+          <a:ext cx="0" cy="0"/>
+          <a:chOff x="0" y="0"/>
+          <a:chExt cx="0" cy="0"/>
+        </a:xfrm>
+      </p:grpSpPr>
+      <p:sp>
+        <p:nvSpPr>
+          <p:cNvPr id="3" name="Заголовок 2"/>
+          <p:cNvSpPr>
+            <a:spLocks noGrp="1"/>
+          </p:cNvSpPr>
+          <p:nvPr>
+            <p:ph type="title"/>
+          </p:nvPr>
+        </p:nvSpPr>
+        <p:spPr>
+          <a:solidFill>
+            <a:schemeClr val="bg2">
+              <a:lumMod val="50000"/>
+            </a:schemeClr>
+          </a:solidFill>
+        </p:spPr>
+        <p:txBody>
+          <a:bodyPr>
+            <a:noAutofit/>
+          </a:bodyPr>
+          <a:lstStyle/>
+          <a:p>
+            <a:r>
+              <a:rPr lang="ru-RU" sz="3200" dirty="0" smtClean="0">
+                <a:solidFill>
+                  <a:schemeClr val="bg1"/>
+                </a:solidFill>
+                <a:latin typeface="Times New Roman" pitchFamily="18" charset="0"/>
+                <a:cs typeface="Times New Roman" pitchFamily="18" charset="0"/>
+              </a:rPr>
+              <a:t>Система «1C: Управление торговлей»</a:t>
+            </a:r>
+            <a:endParaRPr lang="ru-RU" sz="3200" dirty="0">
+              <a:solidFill>
+                <a:schemeClr val="bg1"/>
+              </a:solidFill>
+              <a:latin typeface="Times New Roman" pitchFamily="18" charset="0"/>
+              <a:cs typeface="Times New Roman" pitchFamily="18" charset="0"/>
+            </a:endParaRPr>
+          </a:p>
+        </p:txBody>
+      </p:sp>
+      <p:sp>
+        <p:nvSpPr>
+          <p:cNvPr id="5" name="Заголовок 2"/>
+          <p:cNvSpPr txBox="1">
+            <a:spLocks/>
+          </p:cNvSpPr>
+          <p:nvPr/>
+        </p:nvSpPr>
+        <p:spPr>
+          <a:xfrm>
+            <a:off x="467544" y="1196752"/>
+            <a:ext cx="8208912" cy="4680520"/>
+          </a:xfrm>
+          <a:prstGeom prst="rect">
+            <a:avLst/>
+          </a:prstGeom>
+          <a:noFill/>
+        </p:spPr>
+        <p:txBody>
+          <a:bodyPr vert="horz" rtlCol="0" anchor="ctr">
+            <a:noAutofit/>
+            <a:scene3d>
+              <a:camera prst="orthographicFront"/>
+              <a:lightRig rig="soft" dir="t"/>
+            </a:scene3d>
+            <a:sp3d prstMaterial="softEdge">
+              <a:bevelT w="25400" h="25400"/>
+            </a:sp3d>
+          </a:bodyPr>
+          <a:lstStyle/>
+          <a:p>
+            <a:r>
+              <a:rPr lang="ru-RU" sz="2400" b="1" dirty="0" smtClean="0">
+                <a:latin typeface="Times New Roman" pitchFamily="18" charset="0"/>
+                <a:cs typeface="Times New Roman" pitchFamily="18" charset="0"/>
+              </a:rPr>
+              <a:t>Автоматизирует следующие направления хозяйственной деятельности:</a:t>
+            </a:r>
+          </a:p>
+          <a:p>
+            <a:pPr lvl="0">
+              <a:buFont typeface="Arial" pitchFamily="34" charset="0"/>
+              <a:buChar char="•"/>
+            </a:pPr>
+            <a:r>
+              <a:rPr lang="ru-RU" sz="2400" dirty="0" smtClean="0">
+                <a:latin typeface="Times New Roman" pitchFamily="18" charset="0"/>
+                <a:cs typeface="Times New Roman" pitchFamily="18" charset="0"/>
+              </a:rPr>
+              <a:t> управление отношениями с клиентами;</a:t>
+            </a:r>
+          </a:p>
+          <a:p>
+            <a:pPr lvl="0">
+              <a:buFont typeface="Arial" pitchFamily="34" charset="0"/>
+              <a:buChar char="•"/>
+            </a:pPr>
+            <a:r>
+              <a:rPr lang="ru-RU" sz="2400" dirty="0" smtClean="0">
+                <a:latin typeface="Times New Roman" pitchFamily="18" charset="0"/>
+                <a:cs typeface="Times New Roman" pitchFamily="18" charset="0"/>
+              </a:rPr>
+              <a:t> управление процессами продаж;</a:t>
+            </a:r>
+          </a:p>
+          <a:p>
+            <a:pPr lvl="0">
+              <a:buFont typeface="Arial" pitchFamily="34" charset="0"/>
+              <a:buChar char="•"/>
+            </a:pPr>
+            <a:r>
+              <a:rPr lang="ru-RU" sz="2400" dirty="0" smtClean="0">
+                <a:latin typeface="Times New Roman" pitchFamily="18" charset="0"/>
+                <a:cs typeface="Times New Roman" pitchFamily="18" charset="0"/>
+              </a:rPr>
+              <a:t> управление запасами;</a:t>
+            </a:r>
+          </a:p>
+          <a:p>
+            <a:pPr lvl="0">
+              <a:buFont typeface="Arial" pitchFamily="34" charset="0"/>
+              <a:buChar char="•"/>
+            </a:pPr>
+            <a:r>
+              <a:rPr lang="ru-RU" sz="2400" dirty="0" smtClean="0">
+                <a:latin typeface="Times New Roman" pitchFamily="18" charset="0"/>
+                <a:cs typeface="Times New Roman" pitchFamily="18" charset="0"/>
+              </a:rPr>
+              <a:t> управление закупками;</a:t>
+            </a:r>
+          </a:p>
+          <a:p>
+            <a:pPr lvl="0">
+              <a:buFont typeface="Arial" pitchFamily="34" charset="0"/>
+              <a:buChar char="•"/>
+            </a:pPr>
+            <a:r>
+              <a:rPr lang="ru-RU" sz="2400" dirty="0" smtClean="0">
+                <a:latin typeface="Times New Roman" pitchFamily="18" charset="0"/>
+                <a:cs typeface="Times New Roman" pitchFamily="18" charset="0"/>
+              </a:rPr>
+              <a:t> управление складом;</a:t>
+            </a:r>
+          </a:p>
+          <a:p>
+            <a:pPr lvl="0">
+              <a:buFont typeface="Arial" pitchFamily="34" charset="0"/>
+              <a:buChar char="•"/>
+            </a:pPr>
+            <a:r>
+              <a:rPr lang="ru-RU" sz="2400" dirty="0" smtClean="0">
+                <a:latin typeface="Times New Roman" pitchFamily="18" charset="0"/>
+                <a:cs typeface="Times New Roman" pitchFamily="18" charset="0"/>
+              </a:rPr>
+              <a:t> управление финансами;</a:t>
+            </a:r>
+          </a:p>
+          <a:p>
+            <a:pPr lvl="0">
+              <a:buFont typeface="Arial" pitchFamily="34" charset="0"/>
+              <a:buChar char="•"/>
+            </a:pPr>
+            <a:r>
+              <a:rPr lang="ru-RU" sz="2400" dirty="0" smtClean="0">
+                <a:latin typeface="Times New Roman" pitchFamily="18" charset="0"/>
+                <a:cs typeface="Times New Roman" pitchFamily="18" charset="0"/>
+              </a:rPr>
+              <a:t> контроль и анализ целевых показателей деятельности предприятия.</a:t>
+            </a:r>
+          </a:p>
+          <a:p>
+            <a:pPr lvl="0">
+              <a:buFont typeface="Arial" pitchFamily="34" charset="0"/>
+              <a:buChar char="•"/>
+            </a:pPr>
+            <a:endParaRPr lang="ru-RU" sz="2400" dirty="0">
+              <a:latin typeface="Times New Roman" pitchFamily="18" charset="0"/>
+              <a:cs typeface="Times New Roman" pitchFamily="18" charset="0"/>
+            </a:endParaRPr>
+          </a:p>
+        </p:txBody>
+      </p:sp>
+    </p:spTree>
+  </p:cSld>
+  <p:clrMapOvr>
+    <a:masterClrMapping/>
+  </p:clrMapOvr>
+  <p:timing>
+    <p:tnLst>
+      <p:par>
+        <p:cTn id="1" dur="indefinite" restart="never" nodeType="tmRoot"/>
+      </p:par>
+    </p:tnLst>
+  </p:timing>
+</p:sld>
+</file>
+
+<file path=ppt/slides/slide19.xml><?xml version="1.0" encoding="utf-8"?>
+<p:sld xmlns:a="http://schemas.openxmlformats.org/drawingml/2006/main" xmlns:r="http://schemas.openxmlformats.org/officeDocument/2006/relationships" xmlns:p="http://schemas.openxmlformats.org/presentationml/2006/main">
+  <p:cSld>
+    <p:spTree>
+      <p:nvGrpSpPr>
+        <p:cNvPr id="1" name=""/>
+        <p:cNvGrpSpPr/>
+        <p:nvPr/>
+      </p:nvGrpSpPr>
+      <p:grpSpPr>
+        <a:xfrm>
+          <a:off x="0" y="0"/>
+          <a:ext cx="0" cy="0"/>
+          <a:chOff x="0" y="0"/>
+          <a:chExt cx="0" cy="0"/>
+        </a:xfrm>
+      </p:grpSpPr>
+      <p:sp>
+        <p:nvSpPr>
+          <p:cNvPr id="3" name="Заголовок 2"/>
+          <p:cNvSpPr>
+            <a:spLocks noGrp="1"/>
+          </p:cNvSpPr>
+          <p:nvPr>
+            <p:ph type="title"/>
+          </p:nvPr>
+        </p:nvSpPr>
+        <p:spPr>
+          <a:solidFill>
+            <a:schemeClr val="bg2">
+              <a:lumMod val="50000"/>
+            </a:schemeClr>
+          </a:solidFill>
+        </p:spPr>
+        <p:txBody>
+          <a:bodyPr>
+            <a:noAutofit/>
+          </a:bodyPr>
+          <a:lstStyle/>
+          <a:p>
+            <a:r>
+              <a:rPr lang="ru-RU" sz="3200" dirty="0" smtClean="0">
+                <a:solidFill>
+                  <a:schemeClr val="bg1"/>
+                </a:solidFill>
+                <a:latin typeface="Times New Roman" pitchFamily="18" charset="0"/>
+                <a:cs typeface="Times New Roman" pitchFamily="18" charset="0"/>
+              </a:rPr>
+              <a:t>Система «1C: Управление торговлей»</a:t>
+            </a:r>
+            <a:endParaRPr lang="ru-RU" sz="3200" dirty="0">
+              <a:solidFill>
+                <a:schemeClr val="bg1"/>
+              </a:solidFill>
+              <a:latin typeface="Times New Roman" pitchFamily="18" charset="0"/>
+              <a:cs typeface="Times New Roman" pitchFamily="18" charset="0"/>
+            </a:endParaRPr>
+          </a:p>
+        </p:txBody>
+      </p:sp>
+      <p:sp>
+        <p:nvSpPr>
+          <p:cNvPr id="5" name="Заголовок 2"/>
+          <p:cNvSpPr txBox="1">
+            <a:spLocks/>
+          </p:cNvSpPr>
+          <p:nvPr/>
+        </p:nvSpPr>
+        <p:spPr>
+          <a:xfrm>
+            <a:off x="467544" y="1196752"/>
+            <a:ext cx="8208912" cy="4320480"/>
+          </a:xfrm>
+          <a:prstGeom prst="rect">
+            <a:avLst/>
+          </a:prstGeom>
+          <a:noFill/>
+        </p:spPr>
+        <p:txBody>
+          <a:bodyPr vert="horz" rtlCol="0" anchor="ctr">
+            <a:noAutofit/>
+            <a:scene3d>
+              <a:camera prst="orthographicFront"/>
+              <a:lightRig rig="soft" dir="t"/>
+            </a:scene3d>
+            <a:sp3d prstMaterial="softEdge">
+              <a:bevelT w="25400" h="25400"/>
+            </a:sp3d>
+          </a:bodyPr>
+          <a:lstStyle/>
+          <a:p>
+            <a:r>
+              <a:rPr lang="ru-RU" sz="2400" b="1" dirty="0" smtClean="0">
+                <a:latin typeface="Times New Roman" pitchFamily="18" charset="0"/>
+                <a:cs typeface="Times New Roman" pitchFamily="18" charset="0"/>
+              </a:rPr>
+              <a:t>Конфигурация 1С «Управление торговлей» включает в себя:</a:t>
+            </a:r>
+          </a:p>
+          <a:p>
+            <a:pPr lvl="0">
+              <a:buFont typeface="Arial" pitchFamily="34" charset="0"/>
+              <a:buChar char="•"/>
+            </a:pPr>
+            <a:r>
+              <a:rPr lang="ru-RU" sz="2400" dirty="0" smtClean="0">
+                <a:latin typeface="Times New Roman" pitchFamily="18" charset="0"/>
+                <a:cs typeface="Times New Roman" pitchFamily="18" charset="0"/>
+              </a:rPr>
+              <a:t> справочники;</a:t>
+            </a:r>
+          </a:p>
+          <a:p>
+            <a:pPr lvl="0">
+              <a:buFont typeface="Arial" pitchFamily="34" charset="0"/>
+              <a:buChar char="•"/>
+            </a:pPr>
+            <a:r>
+              <a:rPr lang="ru-RU" sz="2400" dirty="0" smtClean="0">
+                <a:latin typeface="Times New Roman" pitchFamily="18" charset="0"/>
+                <a:cs typeface="Times New Roman" pitchFamily="18" charset="0"/>
+              </a:rPr>
+              <a:t> документы;</a:t>
+            </a:r>
+          </a:p>
+          <a:p>
+            <a:pPr lvl="0">
+              <a:buFont typeface="Arial" pitchFamily="34" charset="0"/>
+              <a:buChar char="•"/>
+            </a:pPr>
+            <a:r>
+              <a:rPr lang="ru-RU" sz="2400" dirty="0" smtClean="0">
+                <a:latin typeface="Times New Roman" pitchFamily="18" charset="0"/>
+                <a:cs typeface="Times New Roman" pitchFamily="18" charset="0"/>
+              </a:rPr>
+              <a:t> журналы;</a:t>
+            </a:r>
+          </a:p>
+          <a:p>
+            <a:pPr lvl="0">
+              <a:buFont typeface="Arial" pitchFamily="34" charset="0"/>
+              <a:buChar char="•"/>
+            </a:pPr>
+            <a:r>
+              <a:rPr lang="ru-RU" sz="2400" dirty="0" smtClean="0">
+                <a:latin typeface="Times New Roman" pitchFamily="18" charset="0"/>
+                <a:cs typeface="Times New Roman" pitchFamily="18" charset="0"/>
+              </a:rPr>
+              <a:t> отчеты.</a:t>
+            </a:r>
+          </a:p>
+          <a:p>
+            <a:endParaRPr lang="ru-RU" sz="2400" dirty="0">
+              <a:latin typeface="Times New Roman" pitchFamily="18" charset="0"/>
+              <a:cs typeface="Times New Roman" pitchFamily="18" charset="0"/>
+            </a:endParaRPr>
+          </a:p>
+        </p:txBody>
+      </p:sp>
+    </p:spTree>
+  </p:cSld>
+  <p:clrMapOvr>
+    <a:masterClrMapping/>
+  </p:clrMapOvr>
+  <p:timing>
+    <p:tnLst>
+      <p:par>
+        <p:cTn id="1" dur="indefinite" restart="never" nodeType="tmRoot"/>
+      </p:par>
+    </p:tnLst>
+  </p:timing>
+</p:sld>
+</file>
+
+<file path=ppt/slides/slide2.xml><?xml version="1.0" encoding="utf-8"?>
+<p:sld xmlns:a="http://schemas.openxmlformats.org/drawingml/2006/main" xmlns:r="http://schemas.openxmlformats.org/officeDocument/2006/relationships" xmlns:p="http://schemas.openxmlformats.org/presentationml/2006/main">
+  <p:cSld>
+    <p:spTree>
+      <p:nvGrpSpPr>
+        <p:cNvPr id="1" name=""/>
+        <p:cNvGrpSpPr/>
+        <p:nvPr/>
+      </p:nvGrpSpPr>
+      <p:grpSpPr>
+        <a:xfrm>
+          <a:off x="0" y="0"/>
+          <a:ext cx="0" cy="0"/>
+          <a:chOff x="0" y="0"/>
+          <a:chExt cx="0" cy="0"/>
+        </a:xfrm>
+      </p:grpSpPr>
+      <p:sp>
+        <p:nvSpPr>
+          <p:cNvPr id="2" name="Содержимое 1"/>
+          <p:cNvSpPr>
+            <a:spLocks noGrp="1"/>
+          </p:cNvSpPr>
+          <p:nvPr>
+            <p:ph idx="1"/>
+          </p:nvPr>
+        </p:nvSpPr>
+        <p:spPr/>
+        <p:txBody>
+          <a:bodyPr>
+            <a:normAutofit/>
+          </a:bodyPr>
+          <a:lstStyle/>
+          <a:p>
+            <a:pPr marL="0" indent="449263">
+              <a:buNone/>
+            </a:pPr>
+            <a:r>
+              <a:rPr lang="ru-RU" sz="2400" dirty="0" smtClean="0">
+                <a:latin typeface="Times New Roman" pitchFamily="18" charset="0"/>
+                <a:cs typeface="Times New Roman" pitchFamily="18" charset="0"/>
+              </a:rPr>
+              <a:t> </a:t>
+            </a:r>
+            <a:r>
+              <a:rPr lang="ru-RU" sz="2200" dirty="0" smtClean="0">
+                <a:latin typeface="Times New Roman" pitchFamily="18" charset="0"/>
+                <a:cs typeface="Times New Roman" pitchFamily="18" charset="0"/>
+              </a:rPr>
+              <a:t>Целью данной выпускной квалификационной работы является проектирование и внедрение комплексной автоматизации магазина строительных материалов.</a:t>
+            </a:r>
+          </a:p>
+          <a:p>
+            <a:pPr marL="0" indent="449263">
+              <a:buNone/>
+            </a:pPr>
+            <a:r>
+              <a:rPr lang="ru-RU" sz="2200" b="1" dirty="0" smtClean="0">
+                <a:latin typeface="Times New Roman" pitchFamily="18" charset="0"/>
+                <a:cs typeface="Times New Roman" pitchFamily="18" charset="0"/>
+              </a:rPr>
+              <a:t>Задачи:</a:t>
+            </a:r>
+          </a:p>
+          <a:p>
+            <a:pPr marL="536575" indent="449263"/>
+            <a:r>
+              <a:rPr lang="ru-RU" sz="2200" dirty="0" smtClean="0">
+                <a:latin typeface="Times New Roman" pitchFamily="18" charset="0"/>
+                <a:cs typeface="Times New Roman" pitchFamily="18" charset="0"/>
+              </a:rPr>
+              <a:t>Анализ автоматизации магазина строительных материалов;</a:t>
+            </a:r>
+          </a:p>
+          <a:p>
+            <a:pPr marL="536575" indent="449263"/>
+            <a:r>
+              <a:rPr lang="ru-RU" sz="2200" dirty="0" smtClean="0">
+                <a:latin typeface="Times New Roman" pitchFamily="18" charset="0"/>
+                <a:cs typeface="Times New Roman" pitchFamily="18" charset="0"/>
+              </a:rPr>
+              <a:t>Эскизное проектирование и выбор компонентов автоматизации магазина;</a:t>
+            </a:r>
+          </a:p>
+          <a:p>
+            <a:pPr marL="536575" indent="449263"/>
+            <a:r>
+              <a:rPr lang="ru-RU" sz="2200" dirty="0" smtClean="0">
+                <a:latin typeface="Times New Roman" pitchFamily="18" charset="0"/>
+                <a:cs typeface="Times New Roman" pitchFamily="18" charset="0"/>
+              </a:rPr>
+              <a:t>Проектирование систем автоматизации магазина;</a:t>
+            </a:r>
+          </a:p>
+          <a:p>
+            <a:pPr marL="536575" indent="449263"/>
+            <a:r>
+              <a:rPr lang="ru-RU" sz="2200" dirty="0" smtClean="0">
+                <a:latin typeface="Times New Roman" pitchFamily="18" charset="0"/>
+                <a:cs typeface="Times New Roman" pitchFamily="18" charset="0"/>
+              </a:rPr>
+              <a:t>Внедрение комплексной автоматизации магазина строительных материалов.</a:t>
+            </a:r>
+          </a:p>
+          <a:p>
+            <a:pPr marL="0" indent="261938">
+              <a:buNone/>
+            </a:pPr>
+            <a:endParaRPr lang="ru-RU" sz="2400" dirty="0" smtClean="0">
+              <a:latin typeface="Times New Roman" pitchFamily="18" charset="0"/>
+              <a:cs typeface="Times New Roman" pitchFamily="18" charset="0"/>
+            </a:endParaRPr>
+          </a:p>
+          <a:p>
+            <a:pPr marL="0" indent="0">
+              <a:buNone/>
+            </a:pPr>
+            <a:endParaRPr lang="ru-RU" sz="2400" dirty="0">
+              <a:latin typeface="Times New Roman" pitchFamily="18" charset="0"/>
+              <a:cs typeface="Times New Roman" pitchFamily="18" charset="0"/>
+            </a:endParaRPr>
+          </a:p>
+        </p:txBody>
+      </p:sp>
+      <p:sp>
+        <p:nvSpPr>
+          <p:cNvPr id="3" name="Заголовок 2"/>
+          <p:cNvSpPr>
+            <a:spLocks noGrp="1"/>
+          </p:cNvSpPr>
+          <p:nvPr>
+            <p:ph type="title"/>
+          </p:nvPr>
+        </p:nvSpPr>
+        <p:spPr>
+          <a:solidFill>
+            <a:schemeClr val="bg2">
+              <a:lumMod val="50000"/>
+            </a:schemeClr>
+          </a:solidFill>
+        </p:spPr>
+        <p:txBody>
+          <a:bodyPr>
+            <a:noAutofit/>
+          </a:bodyPr>
+          <a:lstStyle/>
+          <a:p>
+            <a:r>
+              <a:rPr lang="ru-RU" sz="3200" dirty="0" smtClean="0">
+                <a:solidFill>
+                  <a:schemeClr val="bg1"/>
+                </a:solidFill>
+                <a:effectLst>
+                  <a:outerShdw blurRad="38100" dist="38100" dir="2700000" algn="tl">
+                    <a:srgbClr val="000000">
+                      <a:alpha val="43137"/>
+                    </a:srgbClr>
+                  </a:outerShdw>
+                </a:effectLst>
+                <a:latin typeface="Times New Roman" pitchFamily="18" charset="0"/>
+                <a:cs typeface="Times New Roman" pitchFamily="18" charset="0"/>
+              </a:rPr>
+              <a:t>Цель и задачи выпускной квалификационной работы</a:t>
+            </a:r>
+            <a:endParaRPr lang="ru-RU" sz="3200" dirty="0">
+              <a:solidFill>
+                <a:schemeClr val="bg1"/>
+              </a:solidFill>
+              <a:effectLst>
+                <a:outerShdw blurRad="38100" dist="38100" dir="2700000" algn="tl">
+                  <a:srgbClr val="000000">
+                    <a:alpha val="43137"/>
+                  </a:srgbClr>
+                </a:outerShdw>
+              </a:effectLst>
+              <a:latin typeface="Times New Roman" pitchFamily="18" charset="0"/>
+              <a:cs typeface="Times New Roman" pitchFamily="18" charset="0"/>
+            </a:endParaRPr>
+          </a:p>
+        </p:txBody>
+      </p:sp>
+    </p:spTree>
+  </p:cSld>
+  <p:clrMapOvr>
+    <a:masterClrMapping/>
+  </p:clrMapOvr>
+  <p:timing>
+    <p:tnLst>
+      <p:par>
+        <p:cTn id="1" dur="indefinite" restart="never" nodeType="tmRoot"/>
+      </p:par>
+    </p:tnLst>
+  </p:timing>
+</p:sld>
+</file>
+
+<file path=ppt/slides/slide20.xml><?xml version="1.0" encoding="utf-8"?>
+<p:sld xmlns:a="http://schemas.openxmlformats.org/drawingml/2006/main" xmlns:r="http://schemas.openxmlformats.org/officeDocument/2006/relationships" xmlns:p="http://schemas.openxmlformats.org/presentationml/2006/main">
+  <p:cSld>
+    <p:spTree>
+      <p:nvGrpSpPr>
+        <p:cNvPr id="1" name=""/>
+        <p:cNvGrpSpPr/>
+        <p:nvPr/>
+      </p:nvGrpSpPr>
+      <p:grpSpPr>
+        <a:xfrm>
+          <a:off x="0" y="0"/>
+          <a:ext cx="0" cy="0"/>
+          <a:chOff x="0" y="0"/>
+          <a:chExt cx="0" cy="0"/>
+        </a:xfrm>
+      </p:grpSpPr>
+      <p:sp>
+        <p:nvSpPr>
+          <p:cNvPr id="3" name="Заголовок 2"/>
+          <p:cNvSpPr>
+            <a:spLocks noGrp="1"/>
+          </p:cNvSpPr>
+          <p:nvPr>
+            <p:ph type="title"/>
+          </p:nvPr>
+        </p:nvSpPr>
+        <p:spPr>
+          <a:solidFill>
+            <a:schemeClr val="bg2">
+              <a:lumMod val="50000"/>
+            </a:schemeClr>
+          </a:solidFill>
+        </p:spPr>
+        <p:txBody>
+          <a:bodyPr>
+            <a:noAutofit/>
+          </a:bodyPr>
+          <a:lstStyle/>
+          <a:p>
+            <a:r>
+              <a:rPr lang="ru-RU" sz="3200" dirty="0" smtClean="0">
+                <a:solidFill>
+                  <a:schemeClr val="bg1"/>
+                </a:solidFill>
+                <a:latin typeface="Times New Roman" pitchFamily="18" charset="0"/>
+                <a:cs typeface="Times New Roman" pitchFamily="18" charset="0"/>
+              </a:rPr>
+              <a:t>Система «1C: Управление торговлей» Справочники</a:t>
+            </a:r>
+            <a:endParaRPr lang="ru-RU" sz="3200" dirty="0">
+              <a:solidFill>
+                <a:schemeClr val="bg1"/>
+              </a:solidFill>
+              <a:latin typeface="Times New Roman" pitchFamily="18" charset="0"/>
+              <a:cs typeface="Times New Roman" pitchFamily="18" charset="0"/>
+            </a:endParaRPr>
+          </a:p>
+        </p:txBody>
+      </p:sp>
+      <p:sp>
+        <p:nvSpPr>
+          <p:cNvPr id="5" name="Заголовок 2"/>
+          <p:cNvSpPr txBox="1">
+            <a:spLocks/>
+          </p:cNvSpPr>
+          <p:nvPr/>
+        </p:nvSpPr>
+        <p:spPr>
+          <a:xfrm>
+            <a:off x="467544" y="1196752"/>
+            <a:ext cx="8208912" cy="3168352"/>
+          </a:xfrm>
+          <a:prstGeom prst="rect">
+            <a:avLst/>
+          </a:prstGeom>
+          <a:noFill/>
+        </p:spPr>
+        <p:txBody>
+          <a:bodyPr vert="horz" rtlCol="0" anchor="ctr">
+            <a:noAutofit/>
+            <a:scene3d>
+              <a:camera prst="orthographicFront"/>
+              <a:lightRig rig="soft" dir="t"/>
+            </a:scene3d>
+            <a:sp3d prstMaterial="softEdge">
+              <a:bevelT w="25400" h="25400"/>
+            </a:sp3d>
+          </a:bodyPr>
+          <a:lstStyle/>
+          <a:p>
+            <a:endParaRPr lang="ru-RU" sz="2400" dirty="0">
+              <a:latin typeface="Times New Roman" pitchFamily="18" charset="0"/>
+              <a:cs typeface="Times New Roman" pitchFamily="18" charset="0"/>
+            </a:endParaRPr>
+          </a:p>
+        </p:txBody>
+      </p:sp>
+      <p:sp>
+        <p:nvSpPr>
+          <p:cNvPr id="4" name="Заголовок 2"/>
+          <p:cNvSpPr txBox="1">
+            <a:spLocks/>
+          </p:cNvSpPr>
+          <p:nvPr/>
+        </p:nvSpPr>
+        <p:spPr>
+          <a:xfrm>
+            <a:off x="395536" y="1556792"/>
+            <a:ext cx="8280920" cy="4320480"/>
+          </a:xfrm>
+          <a:prstGeom prst="rect">
+            <a:avLst/>
+          </a:prstGeom>
+          <a:noFill/>
+        </p:spPr>
+        <p:txBody>
+          <a:bodyPr vert="horz" rtlCol="0" anchor="ctr">
+            <a:noAutofit/>
+            <a:scene3d>
+              <a:camera prst="orthographicFront"/>
+              <a:lightRig rig="soft" dir="t"/>
+            </a:scene3d>
+            <a:sp3d prstMaterial="softEdge">
+              <a:bevelT w="25400" h="25400"/>
+            </a:sp3d>
+          </a:bodyPr>
+          <a:lstStyle/>
+          <a:p>
+            <a:r>
+              <a:rPr lang="ru-RU" sz="2400" b="1" dirty="0" smtClean="0">
+                <a:latin typeface="Times New Roman" pitchFamily="18" charset="0"/>
+                <a:cs typeface="Times New Roman" pitchFamily="18" charset="0"/>
+              </a:rPr>
+              <a:t>Основные справочники:</a:t>
+            </a:r>
+          </a:p>
+          <a:p>
+            <a:pPr lvl="0">
+              <a:buFont typeface="Arial" pitchFamily="34" charset="0"/>
+              <a:buChar char="•"/>
+            </a:pPr>
+            <a:r>
+              <a:rPr lang="ru-RU" sz="2400" dirty="0" smtClean="0">
+                <a:latin typeface="Times New Roman" pitchFamily="18" charset="0"/>
+                <a:cs typeface="Times New Roman" pitchFamily="18" charset="0"/>
+              </a:rPr>
+              <a:t> контрагенты;</a:t>
+            </a:r>
+          </a:p>
+          <a:p>
+            <a:pPr lvl="0">
+              <a:buFont typeface="Arial" pitchFamily="34" charset="0"/>
+              <a:buChar char="•"/>
+            </a:pPr>
+            <a:r>
+              <a:rPr lang="ru-RU" sz="2400" dirty="0" smtClean="0">
+                <a:latin typeface="Times New Roman" pitchFamily="18" charset="0"/>
+                <a:cs typeface="Times New Roman" pitchFamily="18" charset="0"/>
+              </a:rPr>
+              <a:t> организации;</a:t>
+            </a:r>
+          </a:p>
+          <a:p>
+            <a:pPr lvl="0">
+              <a:buFont typeface="Arial" pitchFamily="34" charset="0"/>
+              <a:buChar char="•"/>
+            </a:pPr>
+            <a:r>
+              <a:rPr lang="ru-RU" sz="2400" dirty="0" smtClean="0">
+                <a:latin typeface="Times New Roman" pitchFamily="18" charset="0"/>
+                <a:cs typeface="Times New Roman" pitchFamily="18" charset="0"/>
+              </a:rPr>
+              <a:t> номенклатура.</a:t>
+            </a:r>
+          </a:p>
+          <a:p>
+            <a:pPr lvl="0">
+              <a:buFont typeface="Arial" pitchFamily="34" charset="0"/>
+              <a:buChar char="•"/>
+            </a:pPr>
+            <a:endParaRPr lang="ru-RU" sz="2400" dirty="0" smtClean="0">
+              <a:latin typeface="Times New Roman" pitchFamily="18" charset="0"/>
+              <a:cs typeface="Times New Roman" pitchFamily="18" charset="0"/>
+            </a:endParaRPr>
+          </a:p>
+          <a:p>
+            <a:r>
+              <a:rPr lang="ru-RU" sz="2400" b="1" dirty="0" smtClean="0">
+                <a:latin typeface="Times New Roman" pitchFamily="18" charset="0"/>
+                <a:cs typeface="Times New Roman" pitchFamily="18" charset="0"/>
+              </a:rPr>
+              <a:t>Контрагенты:</a:t>
+            </a:r>
+          </a:p>
+          <a:p>
+            <a:pPr lvl="0">
+              <a:buFont typeface="Arial" pitchFamily="34" charset="0"/>
+              <a:buChar char="•"/>
+            </a:pPr>
+            <a:r>
+              <a:rPr lang="ru-RU" sz="2400" dirty="0" smtClean="0">
+                <a:latin typeface="Times New Roman" pitchFamily="18" charset="0"/>
+                <a:cs typeface="Times New Roman" pitchFamily="18" charset="0"/>
+              </a:rPr>
+              <a:t> покупатели;</a:t>
+            </a:r>
+          </a:p>
+          <a:p>
+            <a:pPr lvl="0">
+              <a:buFont typeface="Arial" pitchFamily="34" charset="0"/>
+              <a:buChar char="•"/>
+            </a:pPr>
+            <a:r>
+              <a:rPr lang="ru-RU" sz="2400" dirty="0" smtClean="0">
+                <a:latin typeface="Times New Roman" pitchFamily="18" charset="0"/>
+                <a:cs typeface="Times New Roman" pitchFamily="18" charset="0"/>
+              </a:rPr>
+              <a:t> поставщики.</a:t>
+            </a:r>
+          </a:p>
+          <a:p>
+            <a:pPr lvl="0"/>
+            <a:endParaRPr lang="ru-RU" sz="2400" dirty="0" smtClean="0">
+              <a:latin typeface="Times New Roman" pitchFamily="18" charset="0"/>
+              <a:cs typeface="Times New Roman" pitchFamily="18" charset="0"/>
+            </a:endParaRPr>
+          </a:p>
+          <a:p>
+            <a:endParaRPr lang="ru-RU" sz="2400" dirty="0">
+              <a:latin typeface="Times New Roman" pitchFamily="18" charset="0"/>
+              <a:cs typeface="Times New Roman" pitchFamily="18" charset="0"/>
+            </a:endParaRPr>
+          </a:p>
+        </p:txBody>
+      </p:sp>
+    </p:spTree>
+  </p:cSld>
+  <p:clrMapOvr>
+    <a:masterClrMapping/>
+  </p:clrMapOvr>
+  <p:timing>
+    <p:tnLst>
+      <p:par>
+        <p:cTn id="1" dur="indefinite" restart="never" nodeType="tmRoot"/>
+      </p:par>
+    </p:tnLst>
+  </p:timing>
+</p:sld>
+</file>
+
+<file path=ppt/slides/slide21.xml><?xml version="1.0" encoding="utf-8"?>
+<p:sld xmlns:a="http://schemas.openxmlformats.org/drawingml/2006/main" xmlns:r="http://schemas.openxmlformats.org/officeDocument/2006/relationships" xmlns:p="http://schemas.openxmlformats.org/presentationml/2006/main">
+  <p:cSld>
+    <p:spTree>
+      <p:nvGrpSpPr>
+        <p:cNvPr id="1" name=""/>
+        <p:cNvGrpSpPr/>
+        <p:nvPr/>
+      </p:nvGrpSpPr>
+      <p:grpSpPr>
+        <a:xfrm>
+          <a:off x="0" y="0"/>
+          <a:ext cx="0" cy="0"/>
+          <a:chOff x="0" y="0"/>
+          <a:chExt cx="0" cy="0"/>
+        </a:xfrm>
+      </p:grpSpPr>
+      <p:sp>
+        <p:nvSpPr>
+          <p:cNvPr id="3" name="Заголовок 2"/>
+          <p:cNvSpPr>
+            <a:spLocks noGrp="1"/>
+          </p:cNvSpPr>
+          <p:nvPr>
+            <p:ph type="title"/>
+          </p:nvPr>
+        </p:nvSpPr>
+        <p:spPr>
+          <a:solidFill>
+            <a:schemeClr val="bg2">
+              <a:lumMod val="50000"/>
+            </a:schemeClr>
+          </a:solidFill>
+        </p:spPr>
+        <p:txBody>
+          <a:bodyPr>
+            <a:noAutofit/>
+          </a:bodyPr>
+          <a:lstStyle/>
+          <a:p>
+            <a:r>
+              <a:rPr lang="ru-RU" sz="3200" dirty="0" smtClean="0">
+                <a:solidFill>
+                  <a:schemeClr val="bg1"/>
+                </a:solidFill>
+                <a:latin typeface="Times New Roman" pitchFamily="18" charset="0"/>
+                <a:cs typeface="Times New Roman" pitchFamily="18" charset="0"/>
+              </a:rPr>
+              <a:t>Система «1C: Управление торговлей» Документы</a:t>
+            </a:r>
+            <a:endParaRPr lang="ru-RU" sz="3200" dirty="0">
+              <a:solidFill>
+                <a:schemeClr val="bg1"/>
+              </a:solidFill>
+              <a:latin typeface="Times New Roman" pitchFamily="18" charset="0"/>
+              <a:cs typeface="Times New Roman" pitchFamily="18" charset="0"/>
+            </a:endParaRPr>
+          </a:p>
+        </p:txBody>
+      </p:sp>
+      <p:sp>
+        <p:nvSpPr>
+          <p:cNvPr id="5" name="Заголовок 2"/>
+          <p:cNvSpPr txBox="1">
+            <a:spLocks/>
+          </p:cNvSpPr>
+          <p:nvPr/>
+        </p:nvSpPr>
+        <p:spPr>
+          <a:xfrm>
+            <a:off x="467544" y="1196752"/>
+            <a:ext cx="8208912" cy="3168352"/>
+          </a:xfrm>
+          <a:prstGeom prst="rect">
+            <a:avLst/>
+          </a:prstGeom>
+          <a:noFill/>
+        </p:spPr>
+        <p:txBody>
+          <a:bodyPr vert="horz" rtlCol="0" anchor="ctr">
+            <a:noAutofit/>
+            <a:scene3d>
+              <a:camera prst="orthographicFront"/>
+              <a:lightRig rig="soft" dir="t"/>
+            </a:scene3d>
+            <a:sp3d prstMaterial="softEdge">
+              <a:bevelT w="25400" h="25400"/>
+            </a:sp3d>
+          </a:bodyPr>
+          <a:lstStyle/>
+          <a:p>
+            <a:endParaRPr lang="ru-RU" sz="2400" dirty="0">
+              <a:latin typeface="Times New Roman" pitchFamily="18" charset="0"/>
+              <a:cs typeface="Times New Roman" pitchFamily="18" charset="0"/>
+            </a:endParaRPr>
+          </a:p>
+        </p:txBody>
+      </p:sp>
+      <p:sp>
+        <p:nvSpPr>
+          <p:cNvPr id="4" name="Заголовок 2"/>
+          <p:cNvSpPr txBox="1">
+            <a:spLocks/>
+          </p:cNvSpPr>
+          <p:nvPr/>
+        </p:nvSpPr>
+        <p:spPr>
+          <a:xfrm>
+            <a:off x="395536" y="1700808"/>
+            <a:ext cx="8280920" cy="3240360"/>
+          </a:xfrm>
+          <a:prstGeom prst="rect">
+            <a:avLst/>
+          </a:prstGeom>
+          <a:noFill/>
+        </p:spPr>
+        <p:txBody>
+          <a:bodyPr vert="horz" rtlCol="0" anchor="ctr">
+            <a:noAutofit/>
+            <a:scene3d>
+              <a:camera prst="orthographicFront"/>
+              <a:lightRig rig="soft" dir="t"/>
+            </a:scene3d>
+            <a:sp3d prstMaterial="softEdge">
+              <a:bevelT w="25400" h="25400"/>
+            </a:sp3d>
+          </a:bodyPr>
+          <a:lstStyle/>
+          <a:p>
+            <a:r>
+              <a:rPr lang="ru-RU" sz="2400" b="1" dirty="0" smtClean="0">
+                <a:latin typeface="Times New Roman" pitchFamily="18" charset="0"/>
+                <a:cs typeface="Times New Roman" pitchFamily="18" charset="0"/>
+              </a:rPr>
+              <a:t>Основные документы 1С «Управление торговлей»:</a:t>
+            </a:r>
+          </a:p>
+          <a:p>
+            <a:pPr lvl="0">
+              <a:buFont typeface="Arial" pitchFamily="34" charset="0"/>
+              <a:buChar char="•"/>
+            </a:pPr>
+            <a:r>
+              <a:rPr lang="ru-RU" sz="2400" dirty="0" smtClean="0">
+                <a:latin typeface="Times New Roman" pitchFamily="18" charset="0"/>
+                <a:cs typeface="Times New Roman" pitchFamily="18" charset="0"/>
+              </a:rPr>
+              <a:t> заказ покупателя;</a:t>
+            </a:r>
+          </a:p>
+          <a:p>
+            <a:pPr lvl="0">
+              <a:buFont typeface="Arial" pitchFamily="34" charset="0"/>
+              <a:buChar char="•"/>
+            </a:pPr>
+            <a:r>
+              <a:rPr lang="ru-RU" sz="2400" dirty="0" smtClean="0">
+                <a:latin typeface="Times New Roman" pitchFamily="18" charset="0"/>
+                <a:cs typeface="Times New Roman" pitchFamily="18" charset="0"/>
+              </a:rPr>
+              <a:t> счет-фактура;</a:t>
+            </a:r>
+          </a:p>
+          <a:p>
+            <a:pPr lvl="0">
+              <a:buFont typeface="Arial" pitchFamily="34" charset="0"/>
+              <a:buChar char="•"/>
+            </a:pPr>
+            <a:r>
+              <a:rPr lang="ru-RU" sz="2400" dirty="0" smtClean="0">
+                <a:latin typeface="Times New Roman" pitchFamily="18" charset="0"/>
+                <a:cs typeface="Times New Roman" pitchFamily="18" charset="0"/>
+              </a:rPr>
+              <a:t> реализация товаров и услуг;</a:t>
+            </a:r>
+          </a:p>
+          <a:p>
+            <a:pPr lvl="0">
+              <a:buFont typeface="Arial" pitchFamily="34" charset="0"/>
+              <a:buChar char="•"/>
+            </a:pPr>
+            <a:r>
+              <a:rPr lang="ru-RU" sz="2400" dirty="0" smtClean="0">
+                <a:latin typeface="Times New Roman" pitchFamily="18" charset="0"/>
+                <a:cs typeface="Times New Roman" pitchFamily="18" charset="0"/>
+              </a:rPr>
+              <a:t> финансовые документы.</a:t>
+            </a:r>
+          </a:p>
+          <a:p>
+            <a:pPr lvl="0"/>
+            <a:endParaRPr lang="ru-RU" sz="2400" dirty="0" smtClean="0">
+              <a:latin typeface="Times New Roman" pitchFamily="18" charset="0"/>
+              <a:cs typeface="Times New Roman" pitchFamily="18" charset="0"/>
+            </a:endParaRPr>
+          </a:p>
+          <a:p>
+            <a:endParaRPr lang="ru-RU" sz="2400" dirty="0">
+              <a:latin typeface="Times New Roman" pitchFamily="18" charset="0"/>
+              <a:cs typeface="Times New Roman" pitchFamily="18" charset="0"/>
+            </a:endParaRPr>
+          </a:p>
+        </p:txBody>
+      </p:sp>
+    </p:spTree>
+  </p:cSld>
+  <p:clrMapOvr>
+    <a:masterClrMapping/>
+  </p:clrMapOvr>
+  <p:timing>
+    <p:tnLst>
+      <p:par>
+        <p:cTn id="1" dur="indefinite" restart="never" nodeType="tmRoot"/>
+      </p:par>
+    </p:tnLst>
+  </p:timing>
+</p:sld>
+</file>
+
 <file path=ppt/slides/slide22.xml><?xml version="1.0" encoding="utf-8"?>
 <p:sld xmlns:a="http://schemas.openxmlformats.org/drawingml/2006/main" xmlns:r="http://schemas.openxmlformats.org/officeDocument/2006/relationships" xmlns:p="http://schemas.openxmlformats.org/presentationml/2006/main">
   <p:cSld>
@@ -10777,7 +10226,7 @@
                 <a:latin typeface="Times New Roman" pitchFamily="18" charset="0"/>
                 <a:cs typeface="Times New Roman" pitchFamily="18" charset="0"/>
               </a:rPr>
-              <a:t>Система «1C: Управление торговлей»</a:t>
+              <a:t>Система «1C: Управление торговлей» Журналы</a:t>
             </a:r>
             <a:endParaRPr lang="ru-RU" sz="3200" dirty="0">
               <a:solidFill>
@@ -10800,7 +10249,7 @@
         <p:spPr>
           <a:xfrm>
             <a:off x="467544" y="1196752"/>
-            <a:ext cx="8208912" cy="4680520"/>
+            <a:ext cx="8208912" cy="3168352"/>
           </a:xfrm>
           <a:prstGeom prst="rect">
             <a:avLst/>
@@ -10820,110 +10269,60 @@
           </a:bodyPr>
           <a:lstStyle/>
           <a:p>
+            <a:endParaRPr lang="ru-RU" sz="2400" dirty="0">
+              <a:latin typeface="Times New Roman" pitchFamily="18" charset="0"/>
+              <a:cs typeface="Times New Roman" pitchFamily="18" charset="0"/>
+            </a:endParaRPr>
+          </a:p>
+        </p:txBody>
+      </p:sp>
+      <p:sp>
+        <p:nvSpPr>
+          <p:cNvPr id="4" name="Заголовок 2"/>
+          <p:cNvSpPr txBox="1">
+            <a:spLocks/>
+          </p:cNvSpPr>
+          <p:nvPr/>
+        </p:nvSpPr>
+        <p:spPr>
+          <a:xfrm>
+            <a:off x="395536" y="1700808"/>
+            <a:ext cx="8280920" cy="3240360"/>
+          </a:xfrm>
+          <a:prstGeom prst="rect">
+            <a:avLst/>
+          </a:prstGeom>
+          <a:noFill/>
+        </p:spPr>
+        <p:txBody>
+          <a:bodyPr vert="horz" rtlCol="0" anchor="ctr">
+            <a:noAutofit/>
+            <a:scene3d>
+              <a:camera prst="orthographicFront"/>
+              <a:lightRig rig="soft" dir="t"/>
+            </a:scene3d>
+            <a:sp3d prstMaterial="softEdge">
+              <a:bevelT w="25400" h="25400"/>
+            </a:sp3d>
+          </a:bodyPr>
+          <a:lstStyle/>
+          <a:p>
             <a:r>
               <a:rPr lang="ru-RU" sz="2400" b="1" dirty="0" smtClean="0">
                 <a:latin typeface="Times New Roman" pitchFamily="18" charset="0"/>
                 <a:cs typeface="Times New Roman" pitchFamily="18" charset="0"/>
               </a:rPr>
-              <a:t>Автоматизирует следующие направления хозяйственной деятельности:</a:t>
-            </a:r>
-          </a:p>
-          <a:p>
-            <a:pPr lvl="0">
-              <a:buFont typeface="Arial" pitchFamily="34" charset="0"/>
-              <a:buChar char="•"/>
-            </a:pPr>
+              <a:t>Журналы документов </a:t>
+            </a:r>
             <a:r>
               <a:rPr lang="ru-RU" sz="2400" dirty="0" smtClean="0">
                 <a:latin typeface="Times New Roman" pitchFamily="18" charset="0"/>
                 <a:cs typeface="Times New Roman" pitchFamily="18" charset="0"/>
               </a:rPr>
-              <a:t> управление отношениями с клиентами;</a:t>
-            </a:r>
-          </a:p>
-          <a:p>
-            <a:pPr lvl="0">
-              <a:buFont typeface="Arial" pitchFamily="34" charset="0"/>
-              <a:buChar char="•"/>
-            </a:pPr>
-            <a:r>
-              <a:rPr lang="ru-RU" sz="2400" dirty="0" smtClean="0">
-                <a:latin typeface="Times New Roman" pitchFamily="18" charset="0"/>
-                <a:cs typeface="Times New Roman" pitchFamily="18" charset="0"/>
-              </a:rPr>
-              <a:t> управление процессами продаж;</a:t>
-            </a:r>
-          </a:p>
-          <a:p>
-            <a:pPr lvl="0">
-              <a:buFont typeface="Arial" pitchFamily="34" charset="0"/>
-              <a:buChar char="•"/>
-            </a:pPr>
-            <a:r>
-              <a:rPr lang="ru-RU" sz="2400" dirty="0" smtClean="0">
-                <a:latin typeface="Times New Roman" pitchFamily="18" charset="0"/>
-                <a:cs typeface="Times New Roman" pitchFamily="18" charset="0"/>
-              </a:rPr>
-              <a:t> управление запасами;</a:t>
-            </a:r>
-          </a:p>
-          <a:p>
-            <a:pPr lvl="0">
-              <a:buFont typeface="Arial" pitchFamily="34" charset="0"/>
-              <a:buChar char="•"/>
-            </a:pPr>
-            <a:r>
-              <a:rPr lang="ru-RU" sz="2400" dirty="0" smtClean="0">
-                <a:latin typeface="Times New Roman" pitchFamily="18" charset="0"/>
-                <a:cs typeface="Times New Roman" pitchFamily="18" charset="0"/>
-              </a:rPr>
-              <a:t> управление закупками;</a:t>
-            </a:r>
-          </a:p>
-          <a:p>
-            <a:pPr lvl="0">
-              <a:buFont typeface="Arial" pitchFamily="34" charset="0"/>
-              <a:buChar char="•"/>
-            </a:pPr>
-            <a:r>
-              <a:rPr lang="ru-RU" sz="2400" dirty="0" smtClean="0">
-                <a:latin typeface="Times New Roman" pitchFamily="18" charset="0"/>
-                <a:cs typeface="Times New Roman" pitchFamily="18" charset="0"/>
-              </a:rPr>
-              <a:t> управление складом;</a:t>
-            </a:r>
-          </a:p>
-          <a:p>
-            <a:pPr lvl="0">
-              <a:buFont typeface="Arial" pitchFamily="34" charset="0"/>
-              <a:buChar char="•"/>
-            </a:pPr>
-            <a:r>
-              <a:rPr lang="ru-RU" sz="2400" dirty="0" smtClean="0">
-                <a:latin typeface="Times New Roman" pitchFamily="18" charset="0"/>
-                <a:cs typeface="Times New Roman" pitchFamily="18" charset="0"/>
-              </a:rPr>
-              <a:t> управление финансами;</a:t>
-            </a:r>
-          </a:p>
-          <a:p>
-            <a:pPr lvl="0">
-              <a:buFont typeface="Arial" pitchFamily="34" charset="0"/>
-              <a:buChar char="•"/>
-            </a:pPr>
-            <a:r>
-              <a:rPr lang="ru-RU" sz="2400" dirty="0" smtClean="0">
-                <a:latin typeface="Times New Roman" pitchFamily="18" charset="0"/>
-                <a:cs typeface="Times New Roman" pitchFamily="18" charset="0"/>
-              </a:rPr>
-              <a:t> контроль и анализ целевых показателей деятельности предприятия.</a:t>
-            </a:r>
-          </a:p>
-          <a:p>
-            <a:pPr lvl="0">
-              <a:buFont typeface="Arial" pitchFamily="34" charset="0"/>
-              <a:buChar char="•"/>
-            </a:pPr>
+              <a:t>– это прикладные объекты конфигурации, предназначенные для просмотра документов разных типов. </a:t>
+            </a:r>
+          </a:p>
+          <a:p>
             <a:endParaRPr lang="ru-RU" sz="2400" dirty="0">
               <a:latin typeface="Times New Roman" pitchFamily="18" charset="0"/>
               <a:cs typeface="Times New Roman" pitchFamily="18" charset="0"/>
@@ -10994,7 +10393,7 @@
                 <a:latin typeface="Times New Roman" pitchFamily="18" charset="0"/>
                 <a:cs typeface="Times New Roman" pitchFamily="18" charset="0"/>
               </a:rPr>
-              <a:t>Система «1C: Управление торговлей»</a:t>
+              <a:t>Система «1C: Управление торговлей» Отчеты</a:t>
             </a:r>
             <a:endParaRPr lang="ru-RU" sz="3200" dirty="0">
               <a:solidFill>
@@ -11017,7 +10416,7 @@
         <p:spPr>
           <a:xfrm>
             <a:off x="467544" y="1196752"/>
-            <a:ext cx="8208912" cy="4320480"/>
+            <a:ext cx="8208912" cy="3168352"/>
           </a:xfrm>
           <a:prstGeom prst="rect">
             <a:avLst/>
@@ -11037,12 +10436,50 @@
           </a:bodyPr>
           <a:lstStyle/>
           <a:p>
+            <a:endParaRPr lang="ru-RU" sz="2400" dirty="0">
+              <a:latin typeface="Times New Roman" pitchFamily="18" charset="0"/>
+              <a:cs typeface="Times New Roman" pitchFamily="18" charset="0"/>
+            </a:endParaRPr>
+          </a:p>
+        </p:txBody>
+      </p:sp>
+      <p:sp>
+        <p:nvSpPr>
+          <p:cNvPr id="4" name="Заголовок 2"/>
+          <p:cNvSpPr txBox="1">
+            <a:spLocks/>
+          </p:cNvSpPr>
+          <p:nvPr/>
+        </p:nvSpPr>
+        <p:spPr>
+          <a:xfrm>
+            <a:off x="395536" y="1700808"/>
+            <a:ext cx="8280920" cy="4248472"/>
+          </a:xfrm>
+          <a:prstGeom prst="rect">
+            <a:avLst/>
+          </a:prstGeom>
+          <a:noFill/>
+        </p:spPr>
+        <p:txBody>
+          <a:bodyPr vert="horz" rtlCol="0" anchor="ctr">
+            <a:noAutofit/>
+            <a:scene3d>
+              <a:camera prst="orthographicFront"/>
+              <a:lightRig rig="soft" dir="t"/>
+            </a:scene3d>
+            <a:sp3d prstMaterial="softEdge">
+              <a:bevelT w="25400" h="25400"/>
+            </a:sp3d>
+          </a:bodyPr>
+          <a:lstStyle/>
+          <a:p>
             <a:r>
               <a:rPr lang="ru-RU" sz="2400" b="1" dirty="0" smtClean="0">
                 <a:latin typeface="Times New Roman" pitchFamily="18" charset="0"/>
                 <a:cs typeface="Times New Roman" pitchFamily="18" charset="0"/>
               </a:rPr>
-              <a:t>Конфигурация 1С «Управление торговлей» включает в себя:</a:t>
+              <a:t>Основные отчеты:</a:t>
             </a:r>
           </a:p>
           <a:p>
@@ -11055,7 +10492,7 @@
                 <a:latin typeface="Times New Roman" pitchFamily="18" charset="0"/>
                 <a:cs typeface="Times New Roman" pitchFamily="18" charset="0"/>
               </a:rPr>
-              <a:t> справочники;</a:t>
+              <a:t> анализ цен;</a:t>
             </a:r>
           </a:p>
           <a:p>
@@ -11068,7 +10505,7 @@
                 <a:latin typeface="Times New Roman" pitchFamily="18" charset="0"/>
                 <a:cs typeface="Times New Roman" pitchFamily="18" charset="0"/>
               </a:rPr>
-              <a:t> документы;</a:t>
+              <a:t> оценка рентабельности продажи;</a:t>
             </a:r>
           </a:p>
           <a:p>
@@ -11081,7 +10518,7 @@
                 <a:latin typeface="Times New Roman" pitchFamily="18" charset="0"/>
                 <a:cs typeface="Times New Roman" pitchFamily="18" charset="0"/>
               </a:rPr>
-              <a:t> журналы;</a:t>
+              <a:t> состояние выполнения;</a:t>
             </a:r>
           </a:p>
           <a:p>
@@ -11094,7 +10531,59 @@
                 <a:latin typeface="Times New Roman" pitchFamily="18" charset="0"/>
                 <a:cs typeface="Times New Roman" pitchFamily="18" charset="0"/>
               </a:rPr>
-              <a:t> отчеты.</a:t>
+              <a:t> причины отмены заказов;</a:t>
+            </a:r>
+          </a:p>
+          <a:p>
+            <a:pPr lvl="0">
+              <a:buFont typeface="Arial" pitchFamily="34" charset="0"/>
+              <a:buChar char="•"/>
+            </a:pPr>
+            <a:r>
+              <a:rPr lang="ru-RU" sz="2400" dirty="0" smtClean="0">
+                <a:latin typeface="Times New Roman" pitchFamily="18" charset="0"/>
+                <a:cs typeface="Times New Roman" pitchFamily="18" charset="0"/>
+              </a:rPr>
+              <a:t> ведомость расчетов с клиентами;</a:t>
+            </a:r>
+          </a:p>
+          <a:p>
+            <a:pPr lvl="0">
+              <a:buFont typeface="Arial" pitchFamily="34" charset="0"/>
+              <a:buChar char="•"/>
+            </a:pPr>
+            <a:r>
+              <a:rPr lang="ru-RU" sz="2400" dirty="0" smtClean="0">
+                <a:latin typeface="Times New Roman" pitchFamily="18" charset="0"/>
+                <a:cs typeface="Times New Roman" pitchFamily="18" charset="0"/>
+              </a:rPr>
+              <a:t> динамика просроченной задолженности клиентов;</a:t>
+            </a:r>
+          </a:p>
+          <a:p>
+            <a:pPr lvl="0">
+              <a:buFont typeface="Arial" pitchFamily="34" charset="0"/>
+              <a:buChar char="•"/>
+            </a:pPr>
+            <a:r>
+              <a:rPr lang="ru-RU" sz="2400" dirty="0" smtClean="0">
+                <a:latin typeface="Times New Roman" pitchFamily="18" charset="0"/>
+                <a:cs typeface="Times New Roman" pitchFamily="18" charset="0"/>
+              </a:rPr>
+              <a:t> платежная дисциплина клиента;</a:t>
+            </a:r>
+          </a:p>
+          <a:p>
+            <a:pPr lvl="0">
+              <a:buFont typeface="Arial" pitchFamily="34" charset="0"/>
+              <a:buChar char="•"/>
+            </a:pPr>
+            <a:r>
+              <a:rPr lang="ru-RU" sz="2400" dirty="0" smtClean="0">
+                <a:latin typeface="Times New Roman" pitchFamily="18" charset="0"/>
+                <a:cs typeface="Times New Roman" pitchFamily="18" charset="0"/>
+              </a:rPr>
+              <a:t> задолженность клиентов по срокам.</a:t>
             </a:r>
           </a:p>
           <a:p>
@@ -11121,2124 +10610,6 @@
 </file>
 
 <file path=ppt/slides/slide24.xml><?xml version="1.0" encoding="utf-8"?>
-<p:sld xmlns:a="http://schemas.openxmlformats.org/drawingml/2006/main" xmlns:r="http://schemas.openxmlformats.org/officeDocument/2006/relationships" xmlns:p="http://schemas.openxmlformats.org/presentationml/2006/main">
-  <p:cSld>
-    <p:spTree>
-      <p:nvGrpSpPr>
-        <p:cNvPr id="1" name=""/>
-        <p:cNvGrpSpPr/>
-        <p:nvPr/>
-      </p:nvGrpSpPr>
-      <p:grpSpPr>
-        <a:xfrm>
-          <a:off x="0" y="0"/>
-          <a:ext cx="0" cy="0"/>
-          <a:chOff x="0" y="0"/>
-          <a:chExt cx="0" cy="0"/>
-        </a:xfrm>
-      </p:grpSpPr>
-      <p:sp>
-        <p:nvSpPr>
-          <p:cNvPr id="3" name="Заголовок 2"/>
-          <p:cNvSpPr>
-            <a:spLocks noGrp="1"/>
-          </p:cNvSpPr>
-          <p:nvPr>
-            <p:ph type="title"/>
-          </p:nvPr>
-        </p:nvSpPr>
-        <p:spPr>
-          <a:solidFill>
-            <a:schemeClr val="bg2">
-              <a:lumMod val="50000"/>
-            </a:schemeClr>
-          </a:solidFill>
-        </p:spPr>
-        <p:txBody>
-          <a:bodyPr>
-            <a:noAutofit/>
-          </a:bodyPr>
-          <a:lstStyle/>
-          <a:p>
-            <a:r>
-              <a:rPr lang="ru-RU" sz="3200" dirty="0" smtClean="0">
-                <a:solidFill>
-                  <a:schemeClr val="bg1"/>
-                </a:solidFill>
-                <a:latin typeface="Times New Roman" pitchFamily="18" charset="0"/>
-                <a:cs typeface="Times New Roman" pitchFamily="18" charset="0"/>
-              </a:rPr>
-              <a:t>Система «1C: Управление торговлей» Справочники</a:t>
-            </a:r>
-            <a:endParaRPr lang="ru-RU" sz="3200" dirty="0">
-              <a:solidFill>
-                <a:schemeClr val="bg1"/>
-              </a:solidFill>
-              <a:latin typeface="Times New Roman" pitchFamily="18" charset="0"/>
-              <a:cs typeface="Times New Roman" pitchFamily="18" charset="0"/>
-            </a:endParaRPr>
-          </a:p>
-        </p:txBody>
-      </p:sp>
-      <p:sp>
-        <p:nvSpPr>
-          <p:cNvPr id="5" name="Заголовок 2"/>
-          <p:cNvSpPr txBox="1">
-            <a:spLocks/>
-          </p:cNvSpPr>
-          <p:nvPr/>
-        </p:nvSpPr>
-        <p:spPr>
-          <a:xfrm>
-            <a:off x="467544" y="1196752"/>
-            <a:ext cx="8208912" cy="3168352"/>
-          </a:xfrm>
-          <a:prstGeom prst="rect">
-            <a:avLst/>
-          </a:prstGeom>
-          <a:noFill/>
-        </p:spPr>
-        <p:txBody>
-          <a:bodyPr vert="horz" rtlCol="0" anchor="ctr">
-            <a:noAutofit/>
-            <a:scene3d>
-              <a:camera prst="orthographicFront"/>
-              <a:lightRig rig="soft" dir="t"/>
-            </a:scene3d>
-            <a:sp3d prstMaterial="softEdge">
-              <a:bevelT w="25400" h="25400"/>
-            </a:sp3d>
-          </a:bodyPr>
-          <a:lstStyle/>
-          <a:p>
-            <a:endParaRPr lang="ru-RU" sz="2400" dirty="0">
-              <a:latin typeface="Times New Roman" pitchFamily="18" charset="0"/>
-              <a:cs typeface="Times New Roman" pitchFamily="18" charset="0"/>
-            </a:endParaRPr>
-          </a:p>
-        </p:txBody>
-      </p:sp>
-      <p:sp>
-        <p:nvSpPr>
-          <p:cNvPr id="4" name="Заголовок 2"/>
-          <p:cNvSpPr txBox="1">
-            <a:spLocks/>
-          </p:cNvSpPr>
-          <p:nvPr/>
-        </p:nvSpPr>
-        <p:spPr>
-          <a:xfrm>
-            <a:off x="395536" y="1556792"/>
-            <a:ext cx="8280920" cy="4320480"/>
-          </a:xfrm>
-          <a:prstGeom prst="rect">
-            <a:avLst/>
-          </a:prstGeom>
-          <a:noFill/>
-        </p:spPr>
-        <p:txBody>
-          <a:bodyPr vert="horz" rtlCol="0" anchor="ctr">
-            <a:noAutofit/>
-            <a:scene3d>
-              <a:camera prst="orthographicFront"/>
-              <a:lightRig rig="soft" dir="t"/>
-            </a:scene3d>
-            <a:sp3d prstMaterial="softEdge">
-              <a:bevelT w="25400" h="25400"/>
-            </a:sp3d>
-          </a:bodyPr>
-          <a:lstStyle/>
-          <a:p>
-            <a:r>
-              <a:rPr lang="ru-RU" sz="2400" b="1" dirty="0" smtClean="0">
-                <a:latin typeface="Times New Roman" pitchFamily="18" charset="0"/>
-                <a:cs typeface="Times New Roman" pitchFamily="18" charset="0"/>
-              </a:rPr>
-              <a:t>Основные справочники:</a:t>
-            </a:r>
-          </a:p>
-          <a:p>
-            <a:pPr lvl="0">
-              <a:buFont typeface="Arial" pitchFamily="34" charset="0"/>
-              <a:buChar char="•"/>
-            </a:pPr>
-            <a:r>
-              <a:rPr lang="ru-RU" sz="2400" dirty="0" smtClean="0">
-                <a:latin typeface="Times New Roman" pitchFamily="18" charset="0"/>
-                <a:cs typeface="Times New Roman" pitchFamily="18" charset="0"/>
-              </a:rPr>
-              <a:t> контрагенты;</a:t>
-            </a:r>
-          </a:p>
-          <a:p>
-            <a:pPr lvl="0">
-              <a:buFont typeface="Arial" pitchFamily="34" charset="0"/>
-              <a:buChar char="•"/>
-            </a:pPr>
-            <a:r>
-              <a:rPr lang="ru-RU" sz="2400" dirty="0" smtClean="0">
-                <a:latin typeface="Times New Roman" pitchFamily="18" charset="0"/>
-                <a:cs typeface="Times New Roman" pitchFamily="18" charset="0"/>
-              </a:rPr>
-              <a:t> организации;</a:t>
-            </a:r>
-          </a:p>
-          <a:p>
-            <a:pPr lvl="0">
-              <a:buFont typeface="Arial" pitchFamily="34" charset="0"/>
-              <a:buChar char="•"/>
-            </a:pPr>
-            <a:r>
-              <a:rPr lang="ru-RU" sz="2400" dirty="0" smtClean="0">
-                <a:latin typeface="Times New Roman" pitchFamily="18" charset="0"/>
-                <a:cs typeface="Times New Roman" pitchFamily="18" charset="0"/>
-              </a:rPr>
-              <a:t> номенклатура.</a:t>
-            </a:r>
-          </a:p>
-          <a:p>
-            <a:pPr lvl="0">
-              <a:buFont typeface="Arial" pitchFamily="34" charset="0"/>
-              <a:buChar char="•"/>
-            </a:pPr>
-            <a:endParaRPr lang="ru-RU" sz="2400" dirty="0" smtClean="0">
-              <a:latin typeface="Times New Roman" pitchFamily="18" charset="0"/>
-              <a:cs typeface="Times New Roman" pitchFamily="18" charset="0"/>
-            </a:endParaRPr>
-          </a:p>
-          <a:p>
-            <a:r>
-              <a:rPr lang="ru-RU" sz="2400" b="1" dirty="0" smtClean="0">
-                <a:latin typeface="Times New Roman" pitchFamily="18" charset="0"/>
-                <a:cs typeface="Times New Roman" pitchFamily="18" charset="0"/>
-              </a:rPr>
-              <a:t>Контрагенты:</a:t>
-            </a:r>
-          </a:p>
-          <a:p>
-            <a:pPr lvl="0">
-              <a:buFont typeface="Arial" pitchFamily="34" charset="0"/>
-              <a:buChar char="•"/>
-            </a:pPr>
-            <a:r>
-              <a:rPr lang="ru-RU" sz="2400" dirty="0" smtClean="0">
-                <a:latin typeface="Times New Roman" pitchFamily="18" charset="0"/>
-                <a:cs typeface="Times New Roman" pitchFamily="18" charset="0"/>
-              </a:rPr>
-              <a:t> покупатели;</a:t>
-            </a:r>
-          </a:p>
-          <a:p>
-            <a:pPr lvl="0">
-              <a:buFont typeface="Arial" pitchFamily="34" charset="0"/>
-              <a:buChar char="•"/>
-            </a:pPr>
-            <a:r>
-              <a:rPr lang="ru-RU" sz="2400" dirty="0" smtClean="0">
-                <a:latin typeface="Times New Roman" pitchFamily="18" charset="0"/>
-                <a:cs typeface="Times New Roman" pitchFamily="18" charset="0"/>
-              </a:rPr>
-              <a:t> поставщики.</a:t>
-            </a:r>
-          </a:p>
-          <a:p>
-            <a:pPr lvl="0"/>
-            <a:endParaRPr lang="ru-RU" sz="2400" dirty="0" smtClean="0">
-              <a:latin typeface="Times New Roman" pitchFamily="18" charset="0"/>
-              <a:cs typeface="Times New Roman" pitchFamily="18" charset="0"/>
-            </a:endParaRPr>
-          </a:p>
-          <a:p>
-            <a:endParaRPr lang="ru-RU" sz="2400" dirty="0">
-              <a:latin typeface="Times New Roman" pitchFamily="18" charset="0"/>
-              <a:cs typeface="Times New Roman" pitchFamily="18" charset="0"/>
-            </a:endParaRPr>
-          </a:p>
-        </p:txBody>
-      </p:sp>
-    </p:spTree>
-  </p:cSld>
-  <p:clrMapOvr>
-    <a:masterClrMapping/>
-  </p:clrMapOvr>
-  <p:timing>
-    <p:tnLst>
-      <p:par>
-        <p:cTn id="1" dur="indefinite" restart="never" nodeType="tmRoot"/>
-      </p:par>
-    </p:tnLst>
-  </p:timing>
-</p:sld>
-</file>
-
-<file path=ppt/slides/slide25.xml><?xml version="1.0" encoding="utf-8"?>
-<p:sld xmlns:a="http://schemas.openxmlformats.org/drawingml/2006/main" xmlns:r="http://schemas.openxmlformats.org/officeDocument/2006/relationships" xmlns:p="http://schemas.openxmlformats.org/presentationml/2006/main">
-  <p:cSld>
-    <p:spTree>
-      <p:nvGrpSpPr>
-        <p:cNvPr id="1" name=""/>
-        <p:cNvGrpSpPr/>
-        <p:nvPr/>
-      </p:nvGrpSpPr>
-      <p:grpSpPr>
-        <a:xfrm>
-          <a:off x="0" y="0"/>
-          <a:ext cx="0" cy="0"/>
-          <a:chOff x="0" y="0"/>
-          <a:chExt cx="0" cy="0"/>
-        </a:xfrm>
-      </p:grpSpPr>
-      <p:sp>
-        <p:nvSpPr>
-          <p:cNvPr id="3" name="Заголовок 2"/>
-          <p:cNvSpPr>
-            <a:spLocks noGrp="1"/>
-          </p:cNvSpPr>
-          <p:nvPr>
-            <p:ph type="title"/>
-          </p:nvPr>
-        </p:nvSpPr>
-        <p:spPr>
-          <a:solidFill>
-            <a:schemeClr val="bg2">
-              <a:lumMod val="50000"/>
-            </a:schemeClr>
-          </a:solidFill>
-        </p:spPr>
-        <p:txBody>
-          <a:bodyPr>
-            <a:noAutofit/>
-          </a:bodyPr>
-          <a:lstStyle/>
-          <a:p>
-            <a:r>
-              <a:rPr lang="ru-RU" sz="3200" dirty="0" smtClean="0">
-                <a:solidFill>
-                  <a:schemeClr val="bg1"/>
-                </a:solidFill>
-                <a:latin typeface="Times New Roman" pitchFamily="18" charset="0"/>
-                <a:cs typeface="Times New Roman" pitchFamily="18" charset="0"/>
-              </a:rPr>
-              <a:t>Система «1C: Управление торговлей» Документы</a:t>
-            </a:r>
-            <a:endParaRPr lang="ru-RU" sz="3200" dirty="0">
-              <a:solidFill>
-                <a:schemeClr val="bg1"/>
-              </a:solidFill>
-              <a:latin typeface="Times New Roman" pitchFamily="18" charset="0"/>
-              <a:cs typeface="Times New Roman" pitchFamily="18" charset="0"/>
-            </a:endParaRPr>
-          </a:p>
-        </p:txBody>
-      </p:sp>
-      <p:sp>
-        <p:nvSpPr>
-          <p:cNvPr id="5" name="Заголовок 2"/>
-          <p:cNvSpPr txBox="1">
-            <a:spLocks/>
-          </p:cNvSpPr>
-          <p:nvPr/>
-        </p:nvSpPr>
-        <p:spPr>
-          <a:xfrm>
-            <a:off x="467544" y="1196752"/>
-            <a:ext cx="8208912" cy="3168352"/>
-          </a:xfrm>
-          <a:prstGeom prst="rect">
-            <a:avLst/>
-          </a:prstGeom>
-          <a:noFill/>
-        </p:spPr>
-        <p:txBody>
-          <a:bodyPr vert="horz" rtlCol="0" anchor="ctr">
-            <a:noAutofit/>
-            <a:scene3d>
-              <a:camera prst="orthographicFront"/>
-              <a:lightRig rig="soft" dir="t"/>
-            </a:scene3d>
-            <a:sp3d prstMaterial="softEdge">
-              <a:bevelT w="25400" h="25400"/>
-            </a:sp3d>
-          </a:bodyPr>
-          <a:lstStyle/>
-          <a:p>
-            <a:endParaRPr lang="ru-RU" sz="2400" dirty="0">
-              <a:latin typeface="Times New Roman" pitchFamily="18" charset="0"/>
-              <a:cs typeface="Times New Roman" pitchFamily="18" charset="0"/>
-            </a:endParaRPr>
-          </a:p>
-        </p:txBody>
-      </p:sp>
-      <p:sp>
-        <p:nvSpPr>
-          <p:cNvPr id="4" name="Заголовок 2"/>
-          <p:cNvSpPr txBox="1">
-            <a:spLocks/>
-          </p:cNvSpPr>
-          <p:nvPr/>
-        </p:nvSpPr>
-        <p:spPr>
-          <a:xfrm>
-            <a:off x="395536" y="1700808"/>
-            <a:ext cx="8280920" cy="3240360"/>
-          </a:xfrm>
-          <a:prstGeom prst="rect">
-            <a:avLst/>
-          </a:prstGeom>
-          <a:noFill/>
-        </p:spPr>
-        <p:txBody>
-          <a:bodyPr vert="horz" rtlCol="0" anchor="ctr">
-            <a:noAutofit/>
-            <a:scene3d>
-              <a:camera prst="orthographicFront"/>
-              <a:lightRig rig="soft" dir="t"/>
-            </a:scene3d>
-            <a:sp3d prstMaterial="softEdge">
-              <a:bevelT w="25400" h="25400"/>
-            </a:sp3d>
-          </a:bodyPr>
-          <a:lstStyle/>
-          <a:p>
-            <a:r>
-              <a:rPr lang="ru-RU" sz="2400" b="1" dirty="0" smtClean="0">
-                <a:latin typeface="Times New Roman" pitchFamily="18" charset="0"/>
-                <a:cs typeface="Times New Roman" pitchFamily="18" charset="0"/>
-              </a:rPr>
-              <a:t>Основные документы 1С «Управление торговлей»:</a:t>
-            </a:r>
-          </a:p>
-          <a:p>
-            <a:pPr lvl="0">
-              <a:buFont typeface="Arial" pitchFamily="34" charset="0"/>
-              <a:buChar char="•"/>
-            </a:pPr>
-            <a:r>
-              <a:rPr lang="ru-RU" sz="2400" dirty="0" smtClean="0">
-                <a:latin typeface="Times New Roman" pitchFamily="18" charset="0"/>
-                <a:cs typeface="Times New Roman" pitchFamily="18" charset="0"/>
-              </a:rPr>
-              <a:t> заказ покупателя;</a:t>
-            </a:r>
-          </a:p>
-          <a:p>
-            <a:pPr lvl="0">
-              <a:buFont typeface="Arial" pitchFamily="34" charset="0"/>
-              <a:buChar char="•"/>
-            </a:pPr>
-            <a:r>
-              <a:rPr lang="ru-RU" sz="2400" dirty="0" smtClean="0">
-                <a:latin typeface="Times New Roman" pitchFamily="18" charset="0"/>
-                <a:cs typeface="Times New Roman" pitchFamily="18" charset="0"/>
-              </a:rPr>
-              <a:t> счет-фактура;</a:t>
-            </a:r>
-          </a:p>
-          <a:p>
-            <a:pPr lvl="0">
-              <a:buFont typeface="Arial" pitchFamily="34" charset="0"/>
-              <a:buChar char="•"/>
-            </a:pPr>
-            <a:r>
-              <a:rPr lang="ru-RU" sz="2400" dirty="0" smtClean="0">
-                <a:latin typeface="Times New Roman" pitchFamily="18" charset="0"/>
-                <a:cs typeface="Times New Roman" pitchFamily="18" charset="0"/>
-              </a:rPr>
-              <a:t> реализация товаров и услуг;</a:t>
-            </a:r>
-          </a:p>
-          <a:p>
-            <a:pPr lvl="0">
-              <a:buFont typeface="Arial" pitchFamily="34" charset="0"/>
-              <a:buChar char="•"/>
-            </a:pPr>
-            <a:r>
-              <a:rPr lang="ru-RU" sz="2400" dirty="0" smtClean="0">
-                <a:latin typeface="Times New Roman" pitchFamily="18" charset="0"/>
-                <a:cs typeface="Times New Roman" pitchFamily="18" charset="0"/>
-              </a:rPr>
-              <a:t> финансовые документы.</a:t>
-            </a:r>
-          </a:p>
-          <a:p>
-            <a:pPr lvl="0"/>
-            <a:endParaRPr lang="ru-RU" sz="2400" dirty="0" smtClean="0">
-              <a:latin typeface="Times New Roman" pitchFamily="18" charset="0"/>
-              <a:cs typeface="Times New Roman" pitchFamily="18" charset="0"/>
-            </a:endParaRPr>
-          </a:p>
-          <a:p>
-            <a:endParaRPr lang="ru-RU" sz="2400" dirty="0">
-              <a:latin typeface="Times New Roman" pitchFamily="18" charset="0"/>
-              <a:cs typeface="Times New Roman" pitchFamily="18" charset="0"/>
-            </a:endParaRPr>
-          </a:p>
-        </p:txBody>
-      </p:sp>
-    </p:spTree>
-  </p:cSld>
-  <p:clrMapOvr>
-    <a:masterClrMapping/>
-  </p:clrMapOvr>
-  <p:timing>
-    <p:tnLst>
-      <p:par>
-        <p:cTn id="1" dur="indefinite" restart="never" nodeType="tmRoot"/>
-      </p:par>
-    </p:tnLst>
-  </p:timing>
-</p:sld>
-</file>
-
-<file path=ppt/slides/slide26.xml><?xml version="1.0" encoding="utf-8"?>
-<p:sld xmlns:a="http://schemas.openxmlformats.org/drawingml/2006/main" xmlns:r="http://schemas.openxmlformats.org/officeDocument/2006/relationships" xmlns:p="http://schemas.openxmlformats.org/presentationml/2006/main">
-  <p:cSld>
-    <p:spTree>
-      <p:nvGrpSpPr>
-        <p:cNvPr id="1" name=""/>
-        <p:cNvGrpSpPr/>
-        <p:nvPr/>
-      </p:nvGrpSpPr>
-      <p:grpSpPr>
-        <a:xfrm>
-          <a:off x="0" y="0"/>
-          <a:ext cx="0" cy="0"/>
-          <a:chOff x="0" y="0"/>
-          <a:chExt cx="0" cy="0"/>
-        </a:xfrm>
-      </p:grpSpPr>
-      <p:sp>
-        <p:nvSpPr>
-          <p:cNvPr id="3" name="Заголовок 2"/>
-          <p:cNvSpPr>
-            <a:spLocks noGrp="1"/>
-          </p:cNvSpPr>
-          <p:nvPr>
-            <p:ph type="title"/>
-          </p:nvPr>
-        </p:nvSpPr>
-        <p:spPr>
-          <a:solidFill>
-            <a:schemeClr val="bg2">
-              <a:lumMod val="50000"/>
-            </a:schemeClr>
-          </a:solidFill>
-        </p:spPr>
-        <p:txBody>
-          <a:bodyPr>
-            <a:noAutofit/>
-          </a:bodyPr>
-          <a:lstStyle/>
-          <a:p>
-            <a:r>
-              <a:rPr lang="ru-RU" sz="3200" dirty="0" smtClean="0">
-                <a:solidFill>
-                  <a:schemeClr val="bg1"/>
-                </a:solidFill>
-                <a:latin typeface="Times New Roman" pitchFamily="18" charset="0"/>
-                <a:cs typeface="Times New Roman" pitchFamily="18" charset="0"/>
-              </a:rPr>
-              <a:t>Система «1C: Управление торговлей» Журналы</a:t>
-            </a:r>
-            <a:endParaRPr lang="ru-RU" sz="3200" dirty="0">
-              <a:solidFill>
-                <a:schemeClr val="bg1"/>
-              </a:solidFill>
-              <a:latin typeface="Times New Roman" pitchFamily="18" charset="0"/>
-              <a:cs typeface="Times New Roman" pitchFamily="18" charset="0"/>
-            </a:endParaRPr>
-          </a:p>
-        </p:txBody>
-      </p:sp>
-      <p:sp>
-        <p:nvSpPr>
-          <p:cNvPr id="5" name="Заголовок 2"/>
-          <p:cNvSpPr txBox="1">
-            <a:spLocks/>
-          </p:cNvSpPr>
-          <p:nvPr/>
-        </p:nvSpPr>
-        <p:spPr>
-          <a:xfrm>
-            <a:off x="467544" y="1196752"/>
-            <a:ext cx="8208912" cy="3168352"/>
-          </a:xfrm>
-          <a:prstGeom prst="rect">
-            <a:avLst/>
-          </a:prstGeom>
-          <a:noFill/>
-        </p:spPr>
-        <p:txBody>
-          <a:bodyPr vert="horz" rtlCol="0" anchor="ctr">
-            <a:noAutofit/>
-            <a:scene3d>
-              <a:camera prst="orthographicFront"/>
-              <a:lightRig rig="soft" dir="t"/>
-            </a:scene3d>
-            <a:sp3d prstMaterial="softEdge">
-              <a:bevelT w="25400" h="25400"/>
-            </a:sp3d>
-          </a:bodyPr>
-          <a:lstStyle/>
-          <a:p>
-            <a:endParaRPr lang="ru-RU" sz="2400" dirty="0">
-              <a:latin typeface="Times New Roman" pitchFamily="18" charset="0"/>
-              <a:cs typeface="Times New Roman" pitchFamily="18" charset="0"/>
-            </a:endParaRPr>
-          </a:p>
-        </p:txBody>
-      </p:sp>
-      <p:sp>
-        <p:nvSpPr>
-          <p:cNvPr id="4" name="Заголовок 2"/>
-          <p:cNvSpPr txBox="1">
-            <a:spLocks/>
-          </p:cNvSpPr>
-          <p:nvPr/>
-        </p:nvSpPr>
-        <p:spPr>
-          <a:xfrm>
-            <a:off x="395536" y="1700808"/>
-            <a:ext cx="8280920" cy="3240360"/>
-          </a:xfrm>
-          <a:prstGeom prst="rect">
-            <a:avLst/>
-          </a:prstGeom>
-          <a:noFill/>
-        </p:spPr>
-        <p:txBody>
-          <a:bodyPr vert="horz" rtlCol="0" anchor="ctr">
-            <a:noAutofit/>
-            <a:scene3d>
-              <a:camera prst="orthographicFront"/>
-              <a:lightRig rig="soft" dir="t"/>
-            </a:scene3d>
-            <a:sp3d prstMaterial="softEdge">
-              <a:bevelT w="25400" h="25400"/>
-            </a:sp3d>
-          </a:bodyPr>
-          <a:lstStyle/>
-          <a:p>
-            <a:r>
-              <a:rPr lang="ru-RU" sz="2400" b="1" dirty="0" smtClean="0">
-                <a:latin typeface="Times New Roman" pitchFamily="18" charset="0"/>
-                <a:cs typeface="Times New Roman" pitchFamily="18" charset="0"/>
-              </a:rPr>
-              <a:t>Журналы документов </a:t>
-            </a:r>
-            <a:r>
-              <a:rPr lang="ru-RU" sz="2400" dirty="0" smtClean="0">
-                <a:latin typeface="Times New Roman" pitchFamily="18" charset="0"/>
-                <a:cs typeface="Times New Roman" pitchFamily="18" charset="0"/>
-              </a:rPr>
-              <a:t>– это прикладные объекты конфигурации, предназначенные для просмотра документов разных типов. </a:t>
-            </a:r>
-          </a:p>
-          <a:p>
-            <a:endParaRPr lang="ru-RU" sz="2400" dirty="0">
-              <a:latin typeface="Times New Roman" pitchFamily="18" charset="0"/>
-              <a:cs typeface="Times New Roman" pitchFamily="18" charset="0"/>
-            </a:endParaRPr>
-          </a:p>
-        </p:txBody>
-      </p:sp>
-    </p:spTree>
-  </p:cSld>
-  <p:clrMapOvr>
-    <a:masterClrMapping/>
-  </p:clrMapOvr>
-  <p:timing>
-    <p:tnLst>
-      <p:par>
-        <p:cTn id="1" dur="indefinite" restart="never" nodeType="tmRoot"/>
-      </p:par>
-    </p:tnLst>
-  </p:timing>
-</p:sld>
-</file>
-
-<file path=ppt/slides/slide27.xml><?xml version="1.0" encoding="utf-8"?>
-<p:sld xmlns:a="http://schemas.openxmlformats.org/drawingml/2006/main" xmlns:r="http://schemas.openxmlformats.org/officeDocument/2006/relationships" xmlns:p="http://schemas.openxmlformats.org/presentationml/2006/main">
-  <p:cSld>
-    <p:spTree>
-      <p:nvGrpSpPr>
-        <p:cNvPr id="1" name=""/>
-        <p:cNvGrpSpPr/>
-        <p:nvPr/>
-      </p:nvGrpSpPr>
-      <p:grpSpPr>
-        <a:xfrm>
-          <a:off x="0" y="0"/>
-          <a:ext cx="0" cy="0"/>
-          <a:chOff x="0" y="0"/>
-          <a:chExt cx="0" cy="0"/>
-        </a:xfrm>
-      </p:grpSpPr>
-      <p:sp>
-        <p:nvSpPr>
-          <p:cNvPr id="3" name="Заголовок 2"/>
-          <p:cNvSpPr>
-            <a:spLocks noGrp="1"/>
-          </p:cNvSpPr>
-          <p:nvPr>
-            <p:ph type="title"/>
-          </p:nvPr>
-        </p:nvSpPr>
-        <p:spPr>
-          <a:solidFill>
-            <a:schemeClr val="bg2">
-              <a:lumMod val="50000"/>
-            </a:schemeClr>
-          </a:solidFill>
-        </p:spPr>
-        <p:txBody>
-          <a:bodyPr>
-            <a:noAutofit/>
-          </a:bodyPr>
-          <a:lstStyle/>
-          <a:p>
-            <a:r>
-              <a:rPr lang="ru-RU" sz="3200" dirty="0" smtClean="0">
-                <a:solidFill>
-                  <a:schemeClr val="bg1"/>
-                </a:solidFill>
-                <a:latin typeface="Times New Roman" pitchFamily="18" charset="0"/>
-                <a:cs typeface="Times New Roman" pitchFamily="18" charset="0"/>
-              </a:rPr>
-              <a:t>Система «1C: Управление торговлей» Отчеты</a:t>
-            </a:r>
-            <a:endParaRPr lang="ru-RU" sz="3200" dirty="0">
-              <a:solidFill>
-                <a:schemeClr val="bg1"/>
-              </a:solidFill>
-              <a:latin typeface="Times New Roman" pitchFamily="18" charset="0"/>
-              <a:cs typeface="Times New Roman" pitchFamily="18" charset="0"/>
-            </a:endParaRPr>
-          </a:p>
-        </p:txBody>
-      </p:sp>
-      <p:sp>
-        <p:nvSpPr>
-          <p:cNvPr id="5" name="Заголовок 2"/>
-          <p:cNvSpPr txBox="1">
-            <a:spLocks/>
-          </p:cNvSpPr>
-          <p:nvPr/>
-        </p:nvSpPr>
-        <p:spPr>
-          <a:xfrm>
-            <a:off x="467544" y="1196752"/>
-            <a:ext cx="8208912" cy="3168352"/>
-          </a:xfrm>
-          <a:prstGeom prst="rect">
-            <a:avLst/>
-          </a:prstGeom>
-          <a:noFill/>
-        </p:spPr>
-        <p:txBody>
-          <a:bodyPr vert="horz" rtlCol="0" anchor="ctr">
-            <a:noAutofit/>
-            <a:scene3d>
-              <a:camera prst="orthographicFront"/>
-              <a:lightRig rig="soft" dir="t"/>
-            </a:scene3d>
-            <a:sp3d prstMaterial="softEdge">
-              <a:bevelT w="25400" h="25400"/>
-            </a:sp3d>
-          </a:bodyPr>
-          <a:lstStyle/>
-          <a:p>
-            <a:endParaRPr lang="ru-RU" sz="2400" dirty="0">
-              <a:latin typeface="Times New Roman" pitchFamily="18" charset="0"/>
-              <a:cs typeface="Times New Roman" pitchFamily="18" charset="0"/>
-            </a:endParaRPr>
-          </a:p>
-        </p:txBody>
-      </p:sp>
-      <p:sp>
-        <p:nvSpPr>
-          <p:cNvPr id="4" name="Заголовок 2"/>
-          <p:cNvSpPr txBox="1">
-            <a:spLocks/>
-          </p:cNvSpPr>
-          <p:nvPr/>
-        </p:nvSpPr>
-        <p:spPr>
-          <a:xfrm>
-            <a:off x="395536" y="1700808"/>
-            <a:ext cx="8280920" cy="4248472"/>
-          </a:xfrm>
-          <a:prstGeom prst="rect">
-            <a:avLst/>
-          </a:prstGeom>
-          <a:noFill/>
-        </p:spPr>
-        <p:txBody>
-          <a:bodyPr vert="horz" rtlCol="0" anchor="ctr">
-            <a:noAutofit/>
-            <a:scene3d>
-              <a:camera prst="orthographicFront"/>
-              <a:lightRig rig="soft" dir="t"/>
-            </a:scene3d>
-            <a:sp3d prstMaterial="softEdge">
-              <a:bevelT w="25400" h="25400"/>
-            </a:sp3d>
-          </a:bodyPr>
-          <a:lstStyle/>
-          <a:p>
-            <a:r>
-              <a:rPr lang="ru-RU" sz="2400" b="1" dirty="0" smtClean="0">
-                <a:latin typeface="Times New Roman" pitchFamily="18" charset="0"/>
-                <a:cs typeface="Times New Roman" pitchFamily="18" charset="0"/>
-              </a:rPr>
-              <a:t>Основные отчеты:</a:t>
-            </a:r>
-          </a:p>
-          <a:p>
-            <a:pPr lvl="0">
-              <a:buFont typeface="Arial" pitchFamily="34" charset="0"/>
-              <a:buChar char="•"/>
-            </a:pPr>
-            <a:r>
-              <a:rPr lang="ru-RU" sz="2400" dirty="0" smtClean="0">
-                <a:latin typeface="Times New Roman" pitchFamily="18" charset="0"/>
-                <a:cs typeface="Times New Roman" pitchFamily="18" charset="0"/>
-              </a:rPr>
-              <a:t> анализ цен;</a:t>
-            </a:r>
-          </a:p>
-          <a:p>
-            <a:pPr lvl="0">
-              <a:buFont typeface="Arial" pitchFamily="34" charset="0"/>
-              <a:buChar char="•"/>
-            </a:pPr>
-            <a:r>
-              <a:rPr lang="ru-RU" sz="2400" dirty="0" smtClean="0">
-                <a:latin typeface="Times New Roman" pitchFamily="18" charset="0"/>
-                <a:cs typeface="Times New Roman" pitchFamily="18" charset="0"/>
-              </a:rPr>
-              <a:t> оценка рентабельности продажи;</a:t>
-            </a:r>
-          </a:p>
-          <a:p>
-            <a:pPr lvl="0">
-              <a:buFont typeface="Arial" pitchFamily="34" charset="0"/>
-              <a:buChar char="•"/>
-            </a:pPr>
-            <a:r>
-              <a:rPr lang="ru-RU" sz="2400" dirty="0" smtClean="0">
-                <a:latin typeface="Times New Roman" pitchFamily="18" charset="0"/>
-                <a:cs typeface="Times New Roman" pitchFamily="18" charset="0"/>
-              </a:rPr>
-              <a:t> состояние выполнения;</a:t>
-            </a:r>
-          </a:p>
-          <a:p>
-            <a:pPr lvl="0">
-              <a:buFont typeface="Arial" pitchFamily="34" charset="0"/>
-              <a:buChar char="•"/>
-            </a:pPr>
-            <a:r>
-              <a:rPr lang="ru-RU" sz="2400" dirty="0" smtClean="0">
-                <a:latin typeface="Times New Roman" pitchFamily="18" charset="0"/>
-                <a:cs typeface="Times New Roman" pitchFamily="18" charset="0"/>
-              </a:rPr>
-              <a:t> причины отмены заказов;</a:t>
-            </a:r>
-          </a:p>
-          <a:p>
-            <a:pPr lvl="0">
-              <a:buFont typeface="Arial" pitchFamily="34" charset="0"/>
-              <a:buChar char="•"/>
-            </a:pPr>
-            <a:r>
-              <a:rPr lang="ru-RU" sz="2400" dirty="0" smtClean="0">
-                <a:latin typeface="Times New Roman" pitchFamily="18" charset="0"/>
-                <a:cs typeface="Times New Roman" pitchFamily="18" charset="0"/>
-              </a:rPr>
-              <a:t> ведомость расчетов с клиентами;</a:t>
-            </a:r>
-          </a:p>
-          <a:p>
-            <a:pPr lvl="0">
-              <a:buFont typeface="Arial" pitchFamily="34" charset="0"/>
-              <a:buChar char="•"/>
-            </a:pPr>
-            <a:r>
-              <a:rPr lang="ru-RU" sz="2400" dirty="0" smtClean="0">
-                <a:latin typeface="Times New Roman" pitchFamily="18" charset="0"/>
-                <a:cs typeface="Times New Roman" pitchFamily="18" charset="0"/>
-              </a:rPr>
-              <a:t> динамика просроченной задолженности клиентов;</a:t>
-            </a:r>
-          </a:p>
-          <a:p>
-            <a:pPr lvl="0">
-              <a:buFont typeface="Arial" pitchFamily="34" charset="0"/>
-              <a:buChar char="•"/>
-            </a:pPr>
-            <a:r>
-              <a:rPr lang="ru-RU" sz="2400" dirty="0" smtClean="0">
-                <a:latin typeface="Times New Roman" pitchFamily="18" charset="0"/>
-                <a:cs typeface="Times New Roman" pitchFamily="18" charset="0"/>
-              </a:rPr>
-              <a:t> платежная дисциплина клиента;</a:t>
-            </a:r>
-          </a:p>
-          <a:p>
-            <a:pPr lvl="0">
-              <a:buFont typeface="Arial" pitchFamily="34" charset="0"/>
-              <a:buChar char="•"/>
-            </a:pPr>
-            <a:r>
-              <a:rPr lang="ru-RU" sz="2400" dirty="0" smtClean="0">
-                <a:latin typeface="Times New Roman" pitchFamily="18" charset="0"/>
-                <a:cs typeface="Times New Roman" pitchFamily="18" charset="0"/>
-              </a:rPr>
-              <a:t> задолженность клиентов по срокам.</a:t>
-            </a:r>
-          </a:p>
-          <a:p>
-            <a:endParaRPr lang="ru-RU" sz="2400" dirty="0">
-              <a:latin typeface="Times New Roman" pitchFamily="18" charset="0"/>
-              <a:cs typeface="Times New Roman" pitchFamily="18" charset="0"/>
-            </a:endParaRPr>
-          </a:p>
-        </p:txBody>
-      </p:sp>
-    </p:spTree>
-  </p:cSld>
-  <p:clrMapOvr>
-    <a:masterClrMapping/>
-  </p:clrMapOvr>
-  <p:timing>
-    <p:tnLst>
-      <p:par>
-        <p:cTn id="1" dur="indefinite" restart="never" nodeType="tmRoot"/>
-      </p:par>
-    </p:tnLst>
-  </p:timing>
-</p:sld>
-</file>
-
-<file path=ppt/slides/slide28.xml><?xml version="1.0" encoding="utf-8"?>
-<p:sld xmlns:a="http://schemas.openxmlformats.org/drawingml/2006/main" xmlns:r="http://schemas.openxmlformats.org/officeDocument/2006/relationships" xmlns:p="http://schemas.openxmlformats.org/presentationml/2006/main">
-  <p:cSld>
-    <p:spTree>
-      <p:nvGrpSpPr>
-        <p:cNvPr id="1" name=""/>
-        <p:cNvGrpSpPr/>
-        <p:nvPr/>
-      </p:nvGrpSpPr>
-      <p:grpSpPr>
-        <a:xfrm>
-          <a:off x="0" y="0"/>
-          <a:ext cx="0" cy="0"/>
-          <a:chOff x="0" y="0"/>
-          <a:chExt cx="0" cy="0"/>
-        </a:xfrm>
-      </p:grpSpPr>
-      <p:sp>
-        <p:nvSpPr>
-          <p:cNvPr id="3" name="Заголовок 2"/>
-          <p:cNvSpPr>
-            <a:spLocks noGrp="1"/>
-          </p:cNvSpPr>
-          <p:nvPr>
-            <p:ph type="title"/>
-          </p:nvPr>
-        </p:nvSpPr>
-        <p:spPr>
-          <a:solidFill>
-            <a:schemeClr val="bg2">
-              <a:lumMod val="50000"/>
-            </a:schemeClr>
-          </a:solidFill>
-        </p:spPr>
-        <p:txBody>
-          <a:bodyPr>
-            <a:noAutofit/>
-          </a:bodyPr>
-          <a:lstStyle/>
-          <a:p>
-            <a:r>
-              <a:rPr lang="ru-RU" sz="3200" dirty="0" smtClean="0">
-                <a:solidFill>
-                  <a:schemeClr val="bg1"/>
-                </a:solidFill>
-                <a:latin typeface="Times New Roman" pitchFamily="18" charset="0"/>
-                <a:cs typeface="Times New Roman" pitchFamily="18" charset="0"/>
-              </a:rPr>
-              <a:t>Система «1C: Управление торговлей» Ограничение прав на уровне записи (RLS) </a:t>
-            </a:r>
-            <a:endParaRPr lang="ru-RU" sz="3200" dirty="0">
-              <a:solidFill>
-                <a:schemeClr val="bg1"/>
-              </a:solidFill>
-              <a:latin typeface="Times New Roman" pitchFamily="18" charset="0"/>
-              <a:cs typeface="Times New Roman" pitchFamily="18" charset="0"/>
-            </a:endParaRPr>
-          </a:p>
-        </p:txBody>
-      </p:sp>
-      <p:sp>
-        <p:nvSpPr>
-          <p:cNvPr id="5" name="Заголовок 2"/>
-          <p:cNvSpPr txBox="1">
-            <a:spLocks/>
-          </p:cNvSpPr>
-          <p:nvPr/>
-        </p:nvSpPr>
-        <p:spPr>
-          <a:xfrm>
-            <a:off x="467544" y="1196752"/>
-            <a:ext cx="8208912" cy="3168352"/>
-          </a:xfrm>
-          <a:prstGeom prst="rect">
-            <a:avLst/>
-          </a:prstGeom>
-          <a:noFill/>
-        </p:spPr>
-        <p:txBody>
-          <a:bodyPr vert="horz" rtlCol="0" anchor="ctr">
-            <a:noAutofit/>
-            <a:scene3d>
-              <a:camera prst="orthographicFront"/>
-              <a:lightRig rig="soft" dir="t"/>
-            </a:scene3d>
-            <a:sp3d prstMaterial="softEdge">
-              <a:bevelT w="25400" h="25400"/>
-            </a:sp3d>
-          </a:bodyPr>
-          <a:lstStyle/>
-          <a:p>
-            <a:endParaRPr lang="ru-RU" sz="2400" dirty="0">
-              <a:latin typeface="Times New Roman" pitchFamily="18" charset="0"/>
-              <a:cs typeface="Times New Roman" pitchFamily="18" charset="0"/>
-            </a:endParaRPr>
-          </a:p>
-        </p:txBody>
-      </p:sp>
-      <p:sp>
-        <p:nvSpPr>
-          <p:cNvPr id="4" name="Заголовок 2"/>
-          <p:cNvSpPr txBox="1">
-            <a:spLocks/>
-          </p:cNvSpPr>
-          <p:nvPr/>
-        </p:nvSpPr>
-        <p:spPr>
-          <a:xfrm>
-            <a:off x="395536" y="1700808"/>
-            <a:ext cx="8280920" cy="3168352"/>
-          </a:xfrm>
-          <a:prstGeom prst="rect">
-            <a:avLst/>
-          </a:prstGeom>
-          <a:noFill/>
-        </p:spPr>
-        <p:txBody>
-          <a:bodyPr vert="horz" rtlCol="0" anchor="ctr">
-            <a:noAutofit/>
-            <a:scene3d>
-              <a:camera prst="orthographicFront"/>
-              <a:lightRig rig="soft" dir="t"/>
-            </a:scene3d>
-            <a:sp3d prstMaterial="softEdge">
-              <a:bevelT w="25400" h="25400"/>
-            </a:sp3d>
-          </a:bodyPr>
-          <a:lstStyle/>
-          <a:p>
-            <a:r>
-              <a:rPr lang="ru-RU" sz="2400" b="1" dirty="0" smtClean="0">
-                <a:latin typeface="Times New Roman" pitchFamily="18" charset="0"/>
-                <a:cs typeface="Times New Roman" pitchFamily="18" charset="0"/>
-              </a:rPr>
-              <a:t>Ограничение прав на уровне записи (RLS) применяется для ограничения следующих типов прав:</a:t>
-            </a:r>
-          </a:p>
-          <a:p>
-            <a:pPr lvl="0">
-              <a:buFont typeface="Arial" pitchFamily="34" charset="0"/>
-              <a:buChar char="•"/>
-            </a:pPr>
-            <a:r>
-              <a:rPr lang="ru-RU" sz="2400" dirty="0" smtClean="0">
-                <a:latin typeface="Times New Roman" pitchFamily="18" charset="0"/>
-                <a:cs typeface="Times New Roman" pitchFamily="18" charset="0"/>
-              </a:rPr>
-              <a:t> чтение;</a:t>
-            </a:r>
-          </a:p>
-          <a:p>
-            <a:pPr lvl="0">
-              <a:buFont typeface="Arial" pitchFamily="34" charset="0"/>
-              <a:buChar char="•"/>
-            </a:pPr>
-            <a:r>
-              <a:rPr lang="ru-RU" sz="2400" dirty="0" smtClean="0">
-                <a:latin typeface="Times New Roman" pitchFamily="18" charset="0"/>
-                <a:cs typeface="Times New Roman" pitchFamily="18" charset="0"/>
-              </a:rPr>
-              <a:t> добавление;</a:t>
-            </a:r>
-          </a:p>
-          <a:p>
-            <a:pPr lvl="0">
-              <a:buFont typeface="Arial" pitchFamily="34" charset="0"/>
-              <a:buChar char="•"/>
-            </a:pPr>
-            <a:r>
-              <a:rPr lang="ru-RU" sz="2400" dirty="0" smtClean="0">
-                <a:latin typeface="Times New Roman" pitchFamily="18" charset="0"/>
-                <a:cs typeface="Times New Roman" pitchFamily="18" charset="0"/>
-              </a:rPr>
-              <a:t> изменение;</a:t>
-            </a:r>
-          </a:p>
-          <a:p>
-            <a:pPr lvl="0">
-              <a:buFont typeface="Arial" pitchFamily="34" charset="0"/>
-              <a:buChar char="•"/>
-            </a:pPr>
-            <a:r>
-              <a:rPr lang="ru-RU" sz="2400" dirty="0" smtClean="0">
-                <a:latin typeface="Times New Roman" pitchFamily="18" charset="0"/>
-                <a:cs typeface="Times New Roman" pitchFamily="18" charset="0"/>
-              </a:rPr>
-              <a:t> удаление.</a:t>
-            </a:r>
-          </a:p>
-          <a:p>
-            <a:endParaRPr lang="ru-RU" sz="2400" b="1" dirty="0">
-              <a:latin typeface="Times New Roman" pitchFamily="18" charset="0"/>
-              <a:cs typeface="Times New Roman" pitchFamily="18" charset="0"/>
-            </a:endParaRPr>
-          </a:p>
-        </p:txBody>
-      </p:sp>
-    </p:spTree>
-  </p:cSld>
-  <p:clrMapOvr>
-    <a:masterClrMapping/>
-  </p:clrMapOvr>
-  <p:timing>
-    <p:tnLst>
-      <p:par>
-        <p:cTn id="1" dur="indefinite" restart="never" nodeType="tmRoot"/>
-      </p:par>
-    </p:tnLst>
-  </p:timing>
-</p:sld>
-</file>
-
-<file path=ppt/slides/slide29.xml><?xml version="1.0" encoding="utf-8"?>
-<p:sld xmlns:a="http://schemas.openxmlformats.org/drawingml/2006/main" xmlns:r="http://schemas.openxmlformats.org/officeDocument/2006/relationships" xmlns:p="http://schemas.openxmlformats.org/presentationml/2006/main">
-  <p:cSld>
-    <p:spTree>
-      <p:nvGrpSpPr>
-        <p:cNvPr id="1" name=""/>
-        <p:cNvGrpSpPr/>
-        <p:nvPr/>
-      </p:nvGrpSpPr>
-      <p:grpSpPr>
-        <a:xfrm>
-          <a:off x="0" y="0"/>
-          <a:ext cx="0" cy="0"/>
-          <a:chOff x="0" y="0"/>
-          <a:chExt cx="0" cy="0"/>
-        </a:xfrm>
-      </p:grpSpPr>
-      <p:sp>
-        <p:nvSpPr>
-          <p:cNvPr id="3" name="Заголовок 2"/>
-          <p:cNvSpPr>
-            <a:spLocks noGrp="1"/>
-          </p:cNvSpPr>
-          <p:nvPr>
-            <p:ph type="title"/>
-          </p:nvPr>
-        </p:nvSpPr>
-        <p:spPr>
-          <a:solidFill>
-            <a:schemeClr val="bg2">
-              <a:lumMod val="50000"/>
-            </a:schemeClr>
-          </a:solidFill>
-        </p:spPr>
-        <p:txBody>
-          <a:bodyPr>
-            <a:noAutofit/>
-          </a:bodyPr>
-          <a:lstStyle/>
-          <a:p>
-            <a:r>
-              <a:rPr lang="ru-RU" sz="3200" dirty="0" smtClean="0">
-                <a:solidFill>
-                  <a:schemeClr val="bg1"/>
-                </a:solidFill>
-              </a:rPr>
-              <a:t>Проектирование системы IP-телефонии.</a:t>
-            </a:r>
-            <a:endParaRPr lang="ru-RU" sz="3200" dirty="0">
-              <a:solidFill>
-                <a:schemeClr val="bg1"/>
-              </a:solidFill>
-              <a:latin typeface="Times New Roman" pitchFamily="18" charset="0"/>
-              <a:cs typeface="Times New Roman" pitchFamily="18" charset="0"/>
-            </a:endParaRPr>
-          </a:p>
-        </p:txBody>
-      </p:sp>
-      <p:sp>
-        <p:nvSpPr>
-          <p:cNvPr id="5" name="Заголовок 2"/>
-          <p:cNvSpPr txBox="1">
-            <a:spLocks/>
-          </p:cNvSpPr>
-          <p:nvPr/>
-        </p:nvSpPr>
-        <p:spPr>
-          <a:xfrm>
-            <a:off x="467544" y="1196752"/>
-            <a:ext cx="8208912" cy="3168352"/>
-          </a:xfrm>
-          <a:prstGeom prst="rect">
-            <a:avLst/>
-          </a:prstGeom>
-          <a:noFill/>
-        </p:spPr>
-        <p:txBody>
-          <a:bodyPr vert="horz" rtlCol="0" anchor="ctr">
-            <a:noAutofit/>
-            <a:scene3d>
-              <a:camera prst="orthographicFront"/>
-              <a:lightRig rig="soft" dir="t"/>
-            </a:scene3d>
-            <a:sp3d prstMaterial="softEdge">
-              <a:bevelT w="25400" h="25400"/>
-            </a:sp3d>
-          </a:bodyPr>
-          <a:lstStyle/>
-          <a:p>
-            <a:endParaRPr lang="ru-RU" sz="2400" dirty="0">
-              <a:latin typeface="Times New Roman" pitchFamily="18" charset="0"/>
-              <a:cs typeface="Times New Roman" pitchFamily="18" charset="0"/>
-            </a:endParaRPr>
-          </a:p>
-        </p:txBody>
-      </p:sp>
-      <p:sp>
-        <p:nvSpPr>
-          <p:cNvPr id="4" name="Заголовок 2"/>
-          <p:cNvSpPr txBox="1">
-            <a:spLocks/>
-          </p:cNvSpPr>
-          <p:nvPr/>
-        </p:nvSpPr>
-        <p:spPr>
-          <a:xfrm>
-            <a:off x="395536" y="1124744"/>
-            <a:ext cx="8280920" cy="4464496"/>
-          </a:xfrm>
-          <a:prstGeom prst="rect">
-            <a:avLst/>
-          </a:prstGeom>
-          <a:noFill/>
-        </p:spPr>
-        <p:txBody>
-          <a:bodyPr vert="horz" rtlCol="0" anchor="ctr">
-            <a:noAutofit/>
-            <a:scene3d>
-              <a:camera prst="orthographicFront"/>
-              <a:lightRig rig="soft" dir="t"/>
-            </a:scene3d>
-            <a:sp3d prstMaterial="softEdge">
-              <a:bevelT w="25400" h="25400"/>
-            </a:sp3d>
-          </a:bodyPr>
-          <a:lstStyle/>
-          <a:p>
-            <a:r>
-              <a:rPr lang="ru-RU" sz="2400" b="1" dirty="0" smtClean="0">
-                <a:latin typeface="Times New Roman" pitchFamily="18" charset="0"/>
-                <a:cs typeface="Times New Roman" pitchFamily="18" charset="0"/>
-              </a:rPr>
-              <a:t>Система позволяет решить следующие задачи:</a:t>
-            </a:r>
-          </a:p>
-          <a:p>
-            <a:pPr lvl="0">
-              <a:buFont typeface="Arial" pitchFamily="34" charset="0"/>
-              <a:buChar char="•"/>
-            </a:pPr>
-            <a:r>
-              <a:rPr lang="ru-RU" sz="2400" dirty="0" smtClean="0">
-                <a:latin typeface="Times New Roman" pitchFamily="18" charset="0"/>
-                <a:cs typeface="Times New Roman" pitchFamily="18" charset="0"/>
-              </a:rPr>
-              <a:t> организация единой телефонной сети для сотрудников, работающих удалено;</a:t>
-            </a:r>
-          </a:p>
-          <a:p>
-            <a:pPr lvl="0">
-              <a:buFont typeface="Arial" pitchFamily="34" charset="0"/>
-              <a:buChar char="•"/>
-            </a:pPr>
-            <a:r>
-              <a:rPr lang="ru-RU" sz="2400" dirty="0" smtClean="0">
-                <a:latin typeface="Times New Roman" pitchFamily="18" charset="0"/>
-                <a:cs typeface="Times New Roman" pitchFamily="18" charset="0"/>
-              </a:rPr>
-              <a:t> анализ качества общения менеджеров с клиентами;</a:t>
-            </a:r>
-          </a:p>
-          <a:p>
-            <a:pPr lvl="0">
-              <a:buFont typeface="Arial" pitchFamily="34" charset="0"/>
-              <a:buChar char="•"/>
-            </a:pPr>
-            <a:r>
-              <a:rPr lang="ru-RU" sz="2400" dirty="0" smtClean="0">
-                <a:latin typeface="Times New Roman" pitchFamily="18" charset="0"/>
-                <a:cs typeface="Times New Roman" pitchFamily="18" charset="0"/>
-              </a:rPr>
-              <a:t> сокращение числа пропущенных звонков;</a:t>
-            </a:r>
-          </a:p>
-          <a:p>
-            <a:pPr lvl="0">
-              <a:buFont typeface="Arial" pitchFamily="34" charset="0"/>
-              <a:buChar char="•"/>
-            </a:pPr>
-            <a:r>
-              <a:rPr lang="ru-RU" sz="2400" dirty="0" smtClean="0">
-                <a:latin typeface="Times New Roman" pitchFamily="18" charset="0"/>
-                <a:cs typeface="Times New Roman" pitchFamily="18" charset="0"/>
-              </a:rPr>
-              <a:t>оптимизация затрат на связь за счет экономии на переговорах внутри компании, по России и миру;</a:t>
-            </a:r>
-          </a:p>
-          <a:p>
-            <a:pPr lvl="0">
-              <a:buFont typeface="Arial" pitchFamily="34" charset="0"/>
-              <a:buChar char="•"/>
-            </a:pPr>
-            <a:r>
-              <a:rPr lang="ru-RU" sz="2400" dirty="0" smtClean="0">
-                <a:latin typeface="Times New Roman" pitchFamily="18" charset="0"/>
-                <a:cs typeface="Times New Roman" pitchFamily="18" charset="0"/>
-              </a:rPr>
-              <a:t> надежная работа сервиса и качественная связь.</a:t>
-            </a:r>
-          </a:p>
-          <a:p>
-            <a:endParaRPr lang="ru-RU" sz="2400" b="1" dirty="0">
-              <a:latin typeface="Times New Roman" pitchFamily="18" charset="0"/>
-              <a:cs typeface="Times New Roman" pitchFamily="18" charset="0"/>
-            </a:endParaRPr>
-          </a:p>
-        </p:txBody>
-      </p:sp>
-    </p:spTree>
-  </p:cSld>
-  <p:clrMapOvr>
-    <a:masterClrMapping/>
-  </p:clrMapOvr>
-  <p:timing>
-    <p:tnLst>
-      <p:par>
-        <p:cTn id="1" dur="indefinite" restart="never" nodeType="tmRoot"/>
-      </p:par>
-    </p:tnLst>
-  </p:timing>
-</p:sld>
-</file>
-
-<file path=ppt/slides/slide3.xml><?xml version="1.0" encoding="utf-8"?>
-<p:sld xmlns:a="http://schemas.openxmlformats.org/drawingml/2006/main" xmlns:r="http://schemas.openxmlformats.org/officeDocument/2006/relationships" xmlns:p="http://schemas.openxmlformats.org/presentationml/2006/main">
-  <p:cSld>
-    <p:spTree>
-      <p:nvGrpSpPr>
-        <p:cNvPr id="1" name=""/>
-        <p:cNvGrpSpPr/>
-        <p:nvPr/>
-      </p:nvGrpSpPr>
-      <p:grpSpPr>
-        <a:xfrm>
-          <a:off x="0" y="0"/>
-          <a:ext cx="0" cy="0"/>
-          <a:chOff x="0" y="0"/>
-          <a:chExt cx="0" cy="0"/>
-        </a:xfrm>
-      </p:grpSpPr>
-      <p:pic>
-        <p:nvPicPr>
-          <p:cNvPr id="4" name="Содержимое 3" descr="опт.jpg"/>
-          <p:cNvPicPr>
-            <a:picLocks noGrp="1" noChangeAspect="1"/>
-          </p:cNvPicPr>
-          <p:nvPr>
-            <p:ph idx="1"/>
-          </p:nvPr>
-        </p:nvPicPr>
-        <p:blipFill>
-          <a:blip r:embed="rId2" cstate="print"/>
-          <a:stretch>
-            <a:fillRect/>
-          </a:stretch>
-        </p:blipFill>
-        <p:spPr>
-          <a:xfrm>
-            <a:off x="4716016" y="1412776"/>
-            <a:ext cx="4232018" cy="5160694"/>
-          </a:xfrm>
-        </p:spPr>
-      </p:pic>
-      <p:sp>
-        <p:nvSpPr>
-          <p:cNvPr id="3" name="Заголовок 2"/>
-          <p:cNvSpPr>
-            <a:spLocks noGrp="1"/>
-          </p:cNvSpPr>
-          <p:nvPr>
-            <p:ph type="title"/>
-          </p:nvPr>
-        </p:nvSpPr>
-        <p:spPr>
-          <a:solidFill>
-            <a:schemeClr val="bg2">
-              <a:lumMod val="50000"/>
-            </a:schemeClr>
-          </a:solidFill>
-        </p:spPr>
-        <p:txBody>
-          <a:bodyPr>
-            <a:noAutofit/>
-          </a:bodyPr>
-          <a:lstStyle/>
-          <a:p>
-            <a:r>
-              <a:rPr lang="ru-RU" sz="3200" dirty="0" smtClean="0">
-                <a:solidFill>
-                  <a:schemeClr val="bg1"/>
-                </a:solidFill>
-                <a:latin typeface="Times New Roman" pitchFamily="18" charset="0"/>
-                <a:cs typeface="Times New Roman" pitchFamily="18" charset="0"/>
-              </a:rPr>
-              <a:t>Упрощенная схема документооборота Оптовые продажи</a:t>
-            </a:r>
-            <a:endParaRPr lang="ru-RU" sz="3200" dirty="0">
-              <a:solidFill>
-                <a:schemeClr val="bg1"/>
-              </a:solidFill>
-              <a:latin typeface="Times New Roman" pitchFamily="18" charset="0"/>
-              <a:cs typeface="Times New Roman" pitchFamily="18" charset="0"/>
-            </a:endParaRPr>
-          </a:p>
-        </p:txBody>
-      </p:sp>
-      <p:sp>
-        <p:nvSpPr>
-          <p:cNvPr id="5" name="Заголовок 2"/>
-          <p:cNvSpPr txBox="1">
-            <a:spLocks/>
-          </p:cNvSpPr>
-          <p:nvPr/>
-        </p:nvSpPr>
-        <p:spPr>
-          <a:xfrm>
-            <a:off x="467544" y="1700808"/>
-            <a:ext cx="4392488" cy="4392488"/>
-          </a:xfrm>
-          <a:prstGeom prst="rect">
-            <a:avLst/>
-          </a:prstGeom>
-          <a:noFill/>
-        </p:spPr>
-        <p:txBody>
-          <a:bodyPr vert="horz" rtlCol="0" anchor="ctr">
-            <a:noAutofit/>
-            <a:scene3d>
-              <a:camera prst="orthographicFront"/>
-              <a:lightRig rig="soft" dir="t"/>
-            </a:scene3d>
-            <a:sp3d prstMaterial="softEdge">
-              <a:bevelT w="25400" h="25400"/>
-            </a:sp3d>
-          </a:bodyPr>
-          <a:lstStyle/>
-          <a:p>
-            <a:pPr marR="0" lvl="0" algn="l" defTabSz="914400" rtl="0" eaLnBrk="1" fontAlgn="auto" latinLnBrk="0" hangingPunct="1">
-              <a:lnSpc>
-                <a:spcPct val="100000"/>
-              </a:lnSpc>
-              <a:spcBef>
-                <a:spcPct val="0"/>
-              </a:spcBef>
-              <a:spcAft>
-                <a:spcPts val="0"/>
-              </a:spcAft>
-              <a:buClrTx/>
-              <a:buSzTx/>
-              <a:tabLst/>
-              <a:defRPr/>
-            </a:pPr>
-            <a:r>
-              <a:rPr lang="ru-RU" sz="2400" b="1" dirty="0" smtClean="0">
-                <a:latin typeface="Times New Roman" pitchFamily="18" charset="0"/>
-                <a:ea typeface="+mj-ea"/>
-                <a:cs typeface="Times New Roman" pitchFamily="18" charset="0"/>
-              </a:rPr>
-              <a:t>Основные этапы:</a:t>
-            </a:r>
-          </a:p>
-          <a:p>
-            <a:pPr marL="87313" marR="0" lvl="0" algn="l" defTabSz="914400" rtl="0" eaLnBrk="1" fontAlgn="auto" latinLnBrk="0" hangingPunct="1">
-              <a:lnSpc>
-                <a:spcPct val="100000"/>
-              </a:lnSpc>
-              <a:spcBef>
-                <a:spcPct val="0"/>
-              </a:spcBef>
-              <a:spcAft>
-                <a:spcPts val="0"/>
-              </a:spcAft>
-              <a:buClrTx/>
-              <a:buSzTx/>
-              <a:buFont typeface="Arial" pitchFamily="34" charset="0"/>
-              <a:buChar char="•"/>
-              <a:tabLst/>
-              <a:defRPr/>
-            </a:pPr>
-            <a:r>
-              <a:rPr lang="ru-RU" sz="2400" dirty="0" smtClean="0">
-                <a:latin typeface="Times New Roman" pitchFamily="18" charset="0"/>
-                <a:ea typeface="+mj-ea"/>
-                <a:cs typeface="Times New Roman" pitchFamily="18" charset="0"/>
-              </a:rPr>
-              <a:t> поступление товара от поставщика;</a:t>
-            </a:r>
-          </a:p>
-          <a:p>
-            <a:pPr marL="87313" marR="0" lvl="0" algn="l" defTabSz="914400" rtl="0" eaLnBrk="1" fontAlgn="auto" latinLnBrk="0" hangingPunct="1">
-              <a:lnSpc>
-                <a:spcPct val="100000"/>
-              </a:lnSpc>
-              <a:spcBef>
-                <a:spcPct val="0"/>
-              </a:spcBef>
-              <a:spcAft>
-                <a:spcPts val="0"/>
-              </a:spcAft>
-              <a:buClrTx/>
-              <a:buSzTx/>
-              <a:buFont typeface="Arial" pitchFamily="34" charset="0"/>
-              <a:buChar char="•"/>
-              <a:tabLst/>
-              <a:defRPr/>
-            </a:pPr>
-            <a:r>
-              <a:rPr lang="ru-RU" sz="2400" dirty="0" smtClean="0">
-                <a:latin typeface="Times New Roman" pitchFamily="18" charset="0"/>
-                <a:ea typeface="+mj-ea"/>
-                <a:cs typeface="Times New Roman" pitchFamily="18" charset="0"/>
-              </a:rPr>
-              <a:t> приемка товара по качеству и количеству;</a:t>
-            </a:r>
-          </a:p>
-          <a:p>
-            <a:pPr marL="87313" marR="0" lvl="0" algn="l" defTabSz="914400" rtl="0" eaLnBrk="1" fontAlgn="auto" latinLnBrk="0" hangingPunct="1">
-              <a:lnSpc>
-                <a:spcPct val="100000"/>
-              </a:lnSpc>
-              <a:spcBef>
-                <a:spcPct val="0"/>
-              </a:spcBef>
-              <a:spcAft>
-                <a:spcPts val="0"/>
-              </a:spcAft>
-              <a:buClrTx/>
-              <a:buSzTx/>
-              <a:buFont typeface="Arial" pitchFamily="34" charset="0"/>
-              <a:buChar char="•"/>
-              <a:tabLst/>
-              <a:defRPr/>
-            </a:pPr>
-            <a:r>
-              <a:rPr lang="ru-RU" sz="2400" dirty="0" smtClean="0">
-                <a:latin typeface="Times New Roman" pitchFamily="18" charset="0"/>
-                <a:ea typeface="+mj-ea"/>
-                <a:cs typeface="Times New Roman" pitchFamily="18" charset="0"/>
-              </a:rPr>
-              <a:t> возврат товара поставщику;</a:t>
-            </a:r>
-          </a:p>
-          <a:p>
-            <a:pPr marL="87313" marR="0" lvl="0" algn="l" defTabSz="914400" rtl="0" eaLnBrk="1" fontAlgn="auto" latinLnBrk="0" hangingPunct="1">
-              <a:lnSpc>
-                <a:spcPct val="100000"/>
-              </a:lnSpc>
-              <a:spcBef>
-                <a:spcPct val="0"/>
-              </a:spcBef>
-              <a:spcAft>
-                <a:spcPts val="0"/>
-              </a:spcAft>
-              <a:buClrTx/>
-              <a:buSzTx/>
-              <a:buFont typeface="Arial" pitchFamily="34" charset="0"/>
-              <a:buChar char="•"/>
-              <a:tabLst/>
-              <a:defRPr/>
-            </a:pPr>
-            <a:r>
-              <a:rPr lang="ru-RU" sz="2400" dirty="0" smtClean="0">
-                <a:latin typeface="Times New Roman" pitchFamily="18" charset="0"/>
-                <a:ea typeface="+mj-ea"/>
-                <a:cs typeface="Times New Roman" pitchFamily="18" charset="0"/>
-              </a:rPr>
-              <a:t> установка цен номенклатуры;</a:t>
-            </a:r>
-          </a:p>
-          <a:p>
-            <a:pPr marL="87313" marR="0" lvl="0" algn="l" defTabSz="914400" rtl="0" eaLnBrk="1" fontAlgn="auto" latinLnBrk="0" hangingPunct="1">
-              <a:lnSpc>
-                <a:spcPct val="100000"/>
-              </a:lnSpc>
-              <a:spcBef>
-                <a:spcPct val="0"/>
-              </a:spcBef>
-              <a:spcAft>
-                <a:spcPts val="0"/>
-              </a:spcAft>
-              <a:buClrTx/>
-              <a:buSzTx/>
-              <a:buFont typeface="Arial" pitchFamily="34" charset="0"/>
-              <a:buChar char="•"/>
-              <a:tabLst/>
-              <a:defRPr/>
-            </a:pPr>
-            <a:r>
-              <a:rPr lang="ru-RU" sz="2400" dirty="0" smtClean="0">
-                <a:latin typeface="Times New Roman" pitchFamily="18" charset="0"/>
-                <a:ea typeface="+mj-ea"/>
-                <a:cs typeface="Times New Roman" pitchFamily="18" charset="0"/>
-              </a:rPr>
-              <a:t> перемещение товара на розничные склады;</a:t>
-            </a:r>
-          </a:p>
-          <a:p>
-            <a:pPr marL="87313" marR="0" lvl="0" algn="l" defTabSz="914400" rtl="0" eaLnBrk="1" fontAlgn="auto" latinLnBrk="0" hangingPunct="1">
-              <a:lnSpc>
-                <a:spcPct val="100000"/>
-              </a:lnSpc>
-              <a:spcBef>
-                <a:spcPct val="0"/>
-              </a:spcBef>
-              <a:spcAft>
-                <a:spcPts val="0"/>
-              </a:spcAft>
-              <a:buClrTx/>
-              <a:buSzTx/>
-              <a:buFont typeface="Arial" pitchFamily="34" charset="0"/>
-              <a:buChar char="•"/>
-              <a:tabLst/>
-              <a:defRPr/>
-            </a:pPr>
-            <a:r>
-              <a:rPr lang="ru-RU" sz="2400" dirty="0" smtClean="0">
-                <a:latin typeface="Times New Roman" pitchFamily="18" charset="0"/>
-                <a:ea typeface="+mj-ea"/>
-                <a:cs typeface="Times New Roman" pitchFamily="18" charset="0"/>
-              </a:rPr>
-              <a:t> реализация товаров и услуг.</a:t>
-            </a:r>
-          </a:p>
-          <a:p>
-            <a:pPr marL="0" marR="0" lvl="0" indent="0" algn="l" defTabSz="914400" rtl="0" eaLnBrk="1" fontAlgn="auto" latinLnBrk="0" hangingPunct="1">
-              <a:lnSpc>
-                <a:spcPct val="100000"/>
-              </a:lnSpc>
-              <a:spcBef>
-                <a:spcPct val="0"/>
-              </a:spcBef>
-              <a:spcAft>
-                <a:spcPts val="0"/>
-              </a:spcAft>
-              <a:buClrTx/>
-              <a:buSzTx/>
-              <a:buFont typeface="Arial" pitchFamily="34" charset="0"/>
-              <a:buChar char="•"/>
-              <a:tabLst/>
-              <a:defRPr/>
-            </a:pPr>
-            <a:endParaRPr lang="ru-RU" sz="3200" dirty="0" smtClean="0">
-              <a:effectLst>
-                <a:outerShdw blurRad="31750" dist="25400" dir="5400000" algn="tl" rotWithShape="0">
-                  <a:srgbClr val="000000">
-                    <a:alpha val="25000"/>
-                  </a:srgbClr>
-                </a:outerShdw>
-              </a:effectLst>
-              <a:latin typeface="Times New Roman" pitchFamily="18" charset="0"/>
-              <a:ea typeface="+mj-ea"/>
-              <a:cs typeface="Times New Roman" pitchFamily="18" charset="0"/>
-            </a:endParaRPr>
-          </a:p>
-          <a:p>
-            <a:pPr marL="0" marR="0" lvl="0" indent="0" algn="l" defTabSz="914400" rtl="0" eaLnBrk="1" fontAlgn="auto" latinLnBrk="0" hangingPunct="1">
-              <a:lnSpc>
-                <a:spcPct val="100000"/>
-              </a:lnSpc>
-              <a:spcBef>
-                <a:spcPct val="0"/>
-              </a:spcBef>
-              <a:spcAft>
-                <a:spcPts val="0"/>
-              </a:spcAft>
-              <a:buClrTx/>
-              <a:buSzTx/>
-              <a:buFont typeface="Arial" pitchFamily="34" charset="0"/>
-              <a:buChar char="•"/>
-              <a:tabLst/>
-              <a:defRPr/>
-            </a:pPr>
-            <a:endParaRPr lang="ru-RU" sz="3200" dirty="0" smtClean="0">
-              <a:effectLst>
-                <a:outerShdw blurRad="31750" dist="25400" dir="5400000" algn="tl" rotWithShape="0">
-                  <a:srgbClr val="000000">
-                    <a:alpha val="25000"/>
-                  </a:srgbClr>
-                </a:outerShdw>
-              </a:effectLst>
-              <a:latin typeface="Times New Roman" pitchFamily="18" charset="0"/>
-              <a:ea typeface="+mj-ea"/>
-              <a:cs typeface="Times New Roman" pitchFamily="18" charset="0"/>
-            </a:endParaRPr>
-          </a:p>
-        </p:txBody>
-      </p:sp>
-    </p:spTree>
-  </p:cSld>
-  <p:clrMapOvr>
-    <a:masterClrMapping/>
-  </p:clrMapOvr>
-  <p:timing>
-    <p:tnLst>
-      <p:par>
-        <p:cTn id="1" dur="indefinite" restart="never" nodeType="tmRoot"/>
-      </p:par>
-    </p:tnLst>
-  </p:timing>
-</p:sld>
-</file>
-
-<file path=ppt/slides/slide30.xml><?xml version="1.0" encoding="utf-8"?>
-<p:sld xmlns:a="http://schemas.openxmlformats.org/drawingml/2006/main" xmlns:r="http://schemas.openxmlformats.org/officeDocument/2006/relationships" xmlns:p="http://schemas.openxmlformats.org/presentationml/2006/main" show="0">
-  <p:cSld>
-    <p:spTree>
-      <p:nvGrpSpPr>
-        <p:cNvPr id="1" name=""/>
-        <p:cNvGrpSpPr/>
-        <p:nvPr/>
-      </p:nvGrpSpPr>
-      <p:grpSpPr>
-        <a:xfrm>
-          <a:off x="0" y="0"/>
-          <a:ext cx="0" cy="0"/>
-          <a:chOff x="0" y="0"/>
-          <a:chExt cx="0" cy="0"/>
-        </a:xfrm>
-      </p:grpSpPr>
-      <p:sp>
-        <p:nvSpPr>
-          <p:cNvPr id="3" name="Заголовок 2"/>
-          <p:cNvSpPr>
-            <a:spLocks noGrp="1"/>
-          </p:cNvSpPr>
-          <p:nvPr>
-            <p:ph type="title"/>
-          </p:nvPr>
-        </p:nvSpPr>
-        <p:spPr>
-          <a:solidFill>
-            <a:schemeClr val="bg2">
-              <a:lumMod val="50000"/>
-            </a:schemeClr>
-          </a:solidFill>
-        </p:spPr>
-        <p:txBody>
-          <a:bodyPr>
-            <a:noAutofit/>
-          </a:bodyPr>
-          <a:lstStyle/>
-          <a:p>
-            <a:r>
-              <a:rPr lang="ru-RU" sz="3200" dirty="0" smtClean="0">
-                <a:solidFill>
-                  <a:schemeClr val="bg1"/>
-                </a:solidFill>
-              </a:rPr>
-              <a:t>Облачная АТС</a:t>
-            </a:r>
-            <a:endParaRPr lang="ru-RU" sz="3200" dirty="0">
-              <a:solidFill>
-                <a:schemeClr val="bg1"/>
-              </a:solidFill>
-              <a:latin typeface="Times New Roman" pitchFamily="18" charset="0"/>
-              <a:cs typeface="Times New Roman" pitchFamily="18" charset="0"/>
-            </a:endParaRPr>
-          </a:p>
-        </p:txBody>
-      </p:sp>
-      <p:sp>
-        <p:nvSpPr>
-          <p:cNvPr id="5" name="Заголовок 2"/>
-          <p:cNvSpPr txBox="1">
-            <a:spLocks/>
-          </p:cNvSpPr>
-          <p:nvPr/>
-        </p:nvSpPr>
-        <p:spPr>
-          <a:xfrm>
-            <a:off x="467544" y="1196752"/>
-            <a:ext cx="8208912" cy="3168352"/>
-          </a:xfrm>
-          <a:prstGeom prst="rect">
-            <a:avLst/>
-          </a:prstGeom>
-          <a:noFill/>
-        </p:spPr>
-        <p:txBody>
-          <a:bodyPr vert="horz" rtlCol="0" anchor="ctr">
-            <a:noAutofit/>
-            <a:scene3d>
-              <a:camera prst="orthographicFront"/>
-              <a:lightRig rig="soft" dir="t"/>
-            </a:scene3d>
-            <a:sp3d prstMaterial="softEdge">
-              <a:bevelT w="25400" h="25400"/>
-            </a:sp3d>
-          </a:bodyPr>
-          <a:lstStyle/>
-          <a:p>
-            <a:endParaRPr lang="ru-RU" sz="2400" dirty="0">
-              <a:latin typeface="Times New Roman" pitchFamily="18" charset="0"/>
-              <a:cs typeface="Times New Roman" pitchFamily="18" charset="0"/>
-            </a:endParaRPr>
-          </a:p>
-        </p:txBody>
-      </p:sp>
-      <p:sp>
-        <p:nvSpPr>
-          <p:cNvPr id="4" name="Заголовок 2"/>
-          <p:cNvSpPr txBox="1">
-            <a:spLocks/>
-          </p:cNvSpPr>
-          <p:nvPr/>
-        </p:nvSpPr>
-        <p:spPr>
-          <a:xfrm>
-            <a:off x="395536" y="1556792"/>
-            <a:ext cx="3312368" cy="720080"/>
-          </a:xfrm>
-          <a:prstGeom prst="rect">
-            <a:avLst/>
-          </a:prstGeom>
-          <a:noFill/>
-        </p:spPr>
-        <p:txBody>
-          <a:bodyPr vert="horz" rtlCol="0" anchor="ctr">
-            <a:noAutofit/>
-            <a:scene3d>
-              <a:camera prst="orthographicFront"/>
-              <a:lightRig rig="soft" dir="t"/>
-            </a:scene3d>
-            <a:sp3d prstMaterial="softEdge">
-              <a:bevelT w="25400" h="25400"/>
-            </a:sp3d>
-          </a:bodyPr>
-          <a:lstStyle/>
-          <a:p>
-            <a:r>
-              <a:rPr lang="ru-RU" sz="2400" b="1" dirty="0" smtClean="0">
-                <a:latin typeface="Times New Roman" pitchFamily="18" charset="0"/>
-                <a:cs typeface="Times New Roman" pitchFamily="18" charset="0"/>
-              </a:rPr>
-              <a:t>Версии облачной АТС</a:t>
-            </a:r>
-            <a:endParaRPr lang="ru-RU" sz="2400" dirty="0" smtClean="0">
-              <a:latin typeface="Times New Roman" pitchFamily="18" charset="0"/>
-              <a:cs typeface="Times New Roman" pitchFamily="18" charset="0"/>
-            </a:endParaRPr>
-          </a:p>
-          <a:p>
-            <a:endParaRPr lang="ru-RU" sz="2400" b="1" dirty="0">
-              <a:latin typeface="Times New Roman" pitchFamily="18" charset="0"/>
-              <a:cs typeface="Times New Roman" pitchFamily="18" charset="0"/>
-            </a:endParaRPr>
-          </a:p>
-        </p:txBody>
-      </p:sp>
-      <p:pic>
-        <p:nvPicPr>
-          <p:cNvPr id="57346" name="Picture 2"/>
-          <p:cNvPicPr>
-            <a:picLocks noChangeAspect="1" noChangeArrowheads="1"/>
-          </p:cNvPicPr>
-          <p:nvPr/>
-        </p:nvPicPr>
-        <p:blipFill>
-          <a:blip r:embed="rId3" cstate="print"/>
-          <a:srcRect l="29530" t="37652" r="23811" b="26911"/>
-          <a:stretch>
-            <a:fillRect/>
-          </a:stretch>
-        </p:blipFill>
-        <p:spPr bwMode="auto">
-          <a:xfrm>
-            <a:off x="1835696" y="2060848"/>
-            <a:ext cx="5688632" cy="3456384"/>
-          </a:xfrm>
-          <a:prstGeom prst="rect">
-            <a:avLst/>
-          </a:prstGeom>
-          <a:noFill/>
-          <a:ln w="9525">
-            <a:noFill/>
-            <a:miter lim="800000"/>
-            <a:headEnd/>
-            <a:tailEnd/>
-          </a:ln>
-        </p:spPr>
-      </p:pic>
-    </p:spTree>
-  </p:cSld>
-  <p:clrMapOvr>
-    <a:masterClrMapping/>
-  </p:clrMapOvr>
-  <p:transition/>
-  <p:timing>
-    <p:tnLst>
-      <p:par>
-        <p:cTn id="1" dur="indefinite" restart="never" nodeType="tmRoot"/>
-      </p:par>
-    </p:tnLst>
-  </p:timing>
-</p:sld>
-</file>
-
-<file path=ppt/slides/slide31.xml><?xml version="1.0" encoding="utf-8"?>
-<p:sld xmlns:a="http://schemas.openxmlformats.org/drawingml/2006/main" xmlns:r="http://schemas.openxmlformats.org/officeDocument/2006/relationships" xmlns:p="http://schemas.openxmlformats.org/presentationml/2006/main" show="0">
-  <p:cSld>
-    <p:spTree>
-      <p:nvGrpSpPr>
-        <p:cNvPr id="1" name=""/>
-        <p:cNvGrpSpPr/>
-        <p:nvPr/>
-      </p:nvGrpSpPr>
-      <p:grpSpPr>
-        <a:xfrm>
-          <a:off x="0" y="0"/>
-          <a:ext cx="0" cy="0"/>
-          <a:chOff x="0" y="0"/>
-          <a:chExt cx="0" cy="0"/>
-        </a:xfrm>
-      </p:grpSpPr>
-      <p:sp>
-        <p:nvSpPr>
-          <p:cNvPr id="3" name="Заголовок 2"/>
-          <p:cNvSpPr>
-            <a:spLocks noGrp="1"/>
-          </p:cNvSpPr>
-          <p:nvPr>
-            <p:ph type="title"/>
-          </p:nvPr>
-        </p:nvSpPr>
-        <p:spPr>
-          <a:solidFill>
-            <a:schemeClr val="bg2">
-              <a:lumMod val="50000"/>
-            </a:schemeClr>
-          </a:solidFill>
-        </p:spPr>
-        <p:txBody>
-          <a:bodyPr>
-            <a:noAutofit/>
-          </a:bodyPr>
-          <a:lstStyle/>
-          <a:p>
-            <a:r>
-              <a:rPr lang="ru-RU" sz="3200" dirty="0" smtClean="0">
-                <a:solidFill>
-                  <a:schemeClr val="bg1"/>
-                </a:solidFill>
-              </a:rPr>
-              <a:t>Облачная АТС</a:t>
-            </a:r>
-            <a:endParaRPr lang="ru-RU" sz="3200" dirty="0">
-              <a:solidFill>
-                <a:schemeClr val="bg1"/>
-              </a:solidFill>
-              <a:latin typeface="Times New Roman" pitchFamily="18" charset="0"/>
-              <a:cs typeface="Times New Roman" pitchFamily="18" charset="0"/>
-            </a:endParaRPr>
-          </a:p>
-        </p:txBody>
-      </p:sp>
-      <p:sp>
-        <p:nvSpPr>
-          <p:cNvPr id="5" name="Заголовок 2"/>
-          <p:cNvSpPr txBox="1">
-            <a:spLocks/>
-          </p:cNvSpPr>
-          <p:nvPr/>
-        </p:nvSpPr>
-        <p:spPr>
-          <a:xfrm>
-            <a:off x="467544" y="1196752"/>
-            <a:ext cx="8208912" cy="3168352"/>
-          </a:xfrm>
-          <a:prstGeom prst="rect">
-            <a:avLst/>
-          </a:prstGeom>
-          <a:noFill/>
-        </p:spPr>
-        <p:txBody>
-          <a:bodyPr vert="horz" rtlCol="0" anchor="ctr">
-            <a:noAutofit/>
-            <a:scene3d>
-              <a:camera prst="orthographicFront"/>
-              <a:lightRig rig="soft" dir="t"/>
-            </a:scene3d>
-            <a:sp3d prstMaterial="softEdge">
-              <a:bevelT w="25400" h="25400"/>
-            </a:sp3d>
-          </a:bodyPr>
-          <a:lstStyle/>
-          <a:p>
-            <a:endParaRPr lang="ru-RU" sz="2400" dirty="0">
-              <a:latin typeface="Times New Roman" pitchFamily="18" charset="0"/>
-              <a:cs typeface="Times New Roman" pitchFamily="18" charset="0"/>
-            </a:endParaRPr>
-          </a:p>
-        </p:txBody>
-      </p:sp>
-      <p:sp>
-        <p:nvSpPr>
-          <p:cNvPr id="4" name="Заголовок 2"/>
-          <p:cNvSpPr txBox="1">
-            <a:spLocks/>
-          </p:cNvSpPr>
-          <p:nvPr/>
-        </p:nvSpPr>
-        <p:spPr>
-          <a:xfrm>
-            <a:off x="395536" y="1556792"/>
-            <a:ext cx="8280920" cy="3744416"/>
-          </a:xfrm>
-          <a:prstGeom prst="rect">
-            <a:avLst/>
-          </a:prstGeom>
-          <a:noFill/>
-        </p:spPr>
-        <p:txBody>
-          <a:bodyPr vert="horz" rtlCol="0" anchor="ctr">
-            <a:noAutofit/>
-            <a:scene3d>
-              <a:camera prst="orthographicFront"/>
-              <a:lightRig rig="soft" dir="t"/>
-            </a:scene3d>
-            <a:sp3d prstMaterial="softEdge">
-              <a:bevelT w="25400" h="25400"/>
-            </a:sp3d>
-          </a:bodyPr>
-          <a:lstStyle/>
-          <a:p>
-            <a:r>
-              <a:rPr lang="ru-RU" sz="2400" dirty="0" smtClean="0"/>
-              <a:t>Алгоритмы работы распределения звонков</a:t>
-            </a:r>
-          </a:p>
-          <a:p>
-            <a:pPr lvl="0">
-              <a:buFont typeface="Arial" pitchFamily="34" charset="0"/>
-              <a:buChar char="•"/>
-            </a:pPr>
-            <a:r>
-              <a:rPr lang="ru-RU" sz="2400" dirty="0" smtClean="0">
-                <a:latin typeface="Times New Roman" pitchFamily="18" charset="0"/>
-                <a:cs typeface="Times New Roman" pitchFamily="18" charset="0"/>
-              </a:rPr>
-              <a:t> по очереди;</a:t>
-            </a:r>
-          </a:p>
-          <a:p>
-            <a:pPr lvl="0">
-              <a:buFont typeface="Arial" pitchFamily="34" charset="0"/>
-              <a:buChar char="•"/>
-            </a:pPr>
-            <a:r>
-              <a:rPr lang="ru-RU" sz="2400" dirty="0" smtClean="0">
-                <a:latin typeface="Times New Roman" pitchFamily="18" charset="0"/>
-                <a:cs typeface="Times New Roman" pitchFamily="18" charset="0"/>
-              </a:rPr>
-              <a:t> по нарастающей;</a:t>
-            </a:r>
-          </a:p>
-          <a:p>
-            <a:pPr lvl="0">
-              <a:buFont typeface="Arial" pitchFamily="34" charset="0"/>
-              <a:buChar char="•"/>
-            </a:pPr>
-            <a:r>
-              <a:rPr lang="ru-RU" sz="2400" dirty="0" smtClean="0">
-                <a:latin typeface="Times New Roman" pitchFamily="18" charset="0"/>
-                <a:cs typeface="Times New Roman" pitchFamily="18" charset="0"/>
-              </a:rPr>
-              <a:t> всем сразу;</a:t>
-            </a:r>
-          </a:p>
-          <a:p>
-            <a:pPr lvl="0">
-              <a:buFont typeface="Arial" pitchFamily="34" charset="0"/>
-              <a:buChar char="•"/>
-            </a:pPr>
-            <a:r>
-              <a:rPr lang="ru-RU" sz="2400" dirty="0" smtClean="0">
-                <a:latin typeface="Times New Roman" pitchFamily="18" charset="0"/>
-                <a:cs typeface="Times New Roman" pitchFamily="18" charset="0"/>
-              </a:rPr>
-              <a:t> равномерно.</a:t>
-            </a:r>
-          </a:p>
-          <a:p>
-            <a:endParaRPr lang="ru-RU" sz="2400" b="1" dirty="0">
-              <a:latin typeface="Times New Roman" pitchFamily="18" charset="0"/>
-              <a:cs typeface="Times New Roman" pitchFamily="18" charset="0"/>
-            </a:endParaRPr>
-          </a:p>
-        </p:txBody>
-      </p:sp>
-    </p:spTree>
-  </p:cSld>
-  <p:clrMapOvr>
-    <a:masterClrMapping/>
-  </p:clrMapOvr>
-  <p:transition/>
-  <p:timing>
-    <p:tnLst>
-      <p:par>
-        <p:cTn id="1" dur="indefinite" restart="never" nodeType="tmRoot"/>
-      </p:par>
-    </p:tnLst>
-  </p:timing>
-</p:sld>
-</file>
-
-<file path=ppt/slides/slide32.xml><?xml version="1.0" encoding="utf-8"?>
 <p:sld xmlns:a="http://schemas.openxmlformats.org/drawingml/2006/main" xmlns:r="http://schemas.openxmlformats.org/officeDocument/2006/relationships" xmlns:p="http://schemas.openxmlformats.org/presentationml/2006/main">
   <p:cSld>
     <p:spTree>
@@ -13625,7 +10996,7 @@
 </p:sld>
 </file>
 
-<file path=ppt/slides/slide33.xml><?xml version="1.0" encoding="utf-8"?>
+<file path=ppt/slides/slide25.xml><?xml version="1.0" encoding="utf-8"?>
 <p:sld xmlns:a="http://schemas.openxmlformats.org/drawingml/2006/main" xmlns:r="http://schemas.openxmlformats.org/officeDocument/2006/relationships" xmlns:p="http://schemas.openxmlformats.org/presentationml/2006/main">
   <p:cSld>
     <p:spTree>
@@ -13813,7 +11184,7 @@
 </p:sld>
 </file>
 
-<file path=ppt/slides/slide34.xml><?xml version="1.0" encoding="utf-8"?>
+<file path=ppt/slides/slide26.xml><?xml version="1.0" encoding="utf-8"?>
 <p:sld xmlns:a="http://schemas.openxmlformats.org/drawingml/2006/main" xmlns:r="http://schemas.openxmlformats.org/officeDocument/2006/relationships" xmlns:p="http://schemas.openxmlformats.org/presentationml/2006/main">
   <p:cSld>
     <p:spTree>
@@ -13981,6 +11352,385 @@
             </a:r>
             <a:endParaRPr lang="ru-RU" sz="2400" b="1" dirty="0">
               <a:latin typeface="Times New Roman" pitchFamily="18" charset="0"/>
+              <a:cs typeface="Times New Roman" pitchFamily="18" charset="0"/>
+            </a:endParaRPr>
+          </a:p>
+        </p:txBody>
+      </p:sp>
+    </p:spTree>
+  </p:cSld>
+  <p:clrMapOvr>
+    <a:masterClrMapping/>
+  </p:clrMapOvr>
+  <p:timing>
+    <p:tnLst>
+      <p:par>
+        <p:cTn id="1" dur="indefinite" restart="never" nodeType="tmRoot"/>
+      </p:par>
+    </p:tnLst>
+  </p:timing>
+</p:sld>
+</file>
+
+<file path=ppt/slides/slide3.xml><?xml version="1.0" encoding="utf-8"?>
+<p:sld xmlns:a="http://schemas.openxmlformats.org/drawingml/2006/main" xmlns:r="http://schemas.openxmlformats.org/officeDocument/2006/relationships" xmlns:p="http://schemas.openxmlformats.org/presentationml/2006/main">
+  <p:cSld>
+    <p:spTree>
+      <p:nvGrpSpPr>
+        <p:cNvPr id="1" name=""/>
+        <p:cNvGrpSpPr/>
+        <p:nvPr/>
+      </p:nvGrpSpPr>
+      <p:grpSpPr>
+        <a:xfrm>
+          <a:off x="0" y="0"/>
+          <a:ext cx="0" cy="0"/>
+          <a:chOff x="0" y="0"/>
+          <a:chExt cx="0" cy="0"/>
+        </a:xfrm>
+      </p:grpSpPr>
+      <p:pic>
+        <p:nvPicPr>
+          <p:cNvPr id="4" name="Содержимое 3" descr="опт.jpg"/>
+          <p:cNvPicPr>
+            <a:picLocks noGrp="1" noChangeAspect="1"/>
+          </p:cNvPicPr>
+          <p:nvPr>
+            <p:ph idx="1"/>
+          </p:nvPr>
+        </p:nvPicPr>
+        <p:blipFill>
+          <a:blip r:embed="rId2" cstate="print"/>
+          <a:stretch>
+            <a:fillRect/>
+          </a:stretch>
+        </p:blipFill>
+        <p:spPr>
+          <a:xfrm>
+            <a:off x="4716016" y="1412776"/>
+            <a:ext cx="4232018" cy="5160694"/>
+          </a:xfrm>
+        </p:spPr>
+      </p:pic>
+      <p:sp>
+        <p:nvSpPr>
+          <p:cNvPr id="3" name="Заголовок 2"/>
+          <p:cNvSpPr>
+            <a:spLocks noGrp="1"/>
+          </p:cNvSpPr>
+          <p:nvPr>
+            <p:ph type="title"/>
+          </p:nvPr>
+        </p:nvSpPr>
+        <p:spPr>
+          <a:solidFill>
+            <a:schemeClr val="bg2">
+              <a:lumMod val="50000"/>
+            </a:schemeClr>
+          </a:solidFill>
+        </p:spPr>
+        <p:txBody>
+          <a:bodyPr>
+            <a:noAutofit/>
+          </a:bodyPr>
+          <a:lstStyle/>
+          <a:p>
+            <a:r>
+              <a:rPr lang="ru-RU" sz="3200" dirty="0" smtClean="0">
+                <a:solidFill>
+                  <a:schemeClr val="bg1"/>
+                </a:solidFill>
+                <a:latin typeface="Times New Roman" pitchFamily="18" charset="0"/>
+                <a:cs typeface="Times New Roman" pitchFamily="18" charset="0"/>
+              </a:rPr>
+              <a:t>Упрощенная схема документооборота Оптовые продажи</a:t>
+            </a:r>
+            <a:endParaRPr lang="ru-RU" sz="3200" dirty="0">
+              <a:solidFill>
+                <a:schemeClr val="bg1"/>
+              </a:solidFill>
+              <a:latin typeface="Times New Roman" pitchFamily="18" charset="0"/>
+              <a:cs typeface="Times New Roman" pitchFamily="18" charset="0"/>
+            </a:endParaRPr>
+          </a:p>
+        </p:txBody>
+      </p:sp>
+      <p:sp>
+        <p:nvSpPr>
+          <p:cNvPr id="5" name="Заголовок 2"/>
+          <p:cNvSpPr txBox="1">
+            <a:spLocks/>
+          </p:cNvSpPr>
+          <p:nvPr/>
+        </p:nvSpPr>
+        <p:spPr>
+          <a:xfrm>
+            <a:off x="467544" y="1700808"/>
+            <a:ext cx="4392488" cy="4392488"/>
+          </a:xfrm>
+          <a:prstGeom prst="rect">
+            <a:avLst/>
+          </a:prstGeom>
+          <a:noFill/>
+        </p:spPr>
+        <p:txBody>
+          <a:bodyPr vert="horz" rtlCol="0" anchor="ctr">
+            <a:noAutofit/>
+            <a:scene3d>
+              <a:camera prst="orthographicFront"/>
+              <a:lightRig rig="soft" dir="t"/>
+            </a:scene3d>
+            <a:sp3d prstMaterial="softEdge">
+              <a:bevelT w="25400" h="25400"/>
+            </a:sp3d>
+          </a:bodyPr>
+          <a:lstStyle/>
+          <a:p>
+            <a:pPr marR="0" lvl="0" algn="l" defTabSz="914400" rtl="0" eaLnBrk="1" fontAlgn="auto" latinLnBrk="0" hangingPunct="1">
+              <a:lnSpc>
+                <a:spcPct val="100000"/>
+              </a:lnSpc>
+              <a:spcBef>
+                <a:spcPct val="0"/>
+              </a:spcBef>
+              <a:spcAft>
+                <a:spcPts val="0"/>
+              </a:spcAft>
+              <a:buClrTx/>
+              <a:buSzTx/>
+              <a:tabLst/>
+              <a:defRPr/>
+            </a:pPr>
+            <a:r>
+              <a:rPr lang="ru-RU" sz="2400" b="1" dirty="0" smtClean="0">
+                <a:latin typeface="Times New Roman" pitchFamily="18" charset="0"/>
+                <a:ea typeface="+mj-ea"/>
+                <a:cs typeface="Times New Roman" pitchFamily="18" charset="0"/>
+              </a:rPr>
+              <a:t>Основные этапы:</a:t>
+            </a:r>
+          </a:p>
+          <a:p>
+            <a:pPr marL="87313" marR="0" lvl="0" algn="l" defTabSz="914400" rtl="0" eaLnBrk="1" fontAlgn="auto" latinLnBrk="0" hangingPunct="1">
+              <a:lnSpc>
+                <a:spcPct val="100000"/>
+              </a:lnSpc>
+              <a:spcBef>
+                <a:spcPct val="0"/>
+              </a:spcBef>
+              <a:spcAft>
+                <a:spcPts val="0"/>
+              </a:spcAft>
+              <a:buClrTx/>
+              <a:buSzTx/>
+              <a:buFont typeface="Arial" pitchFamily="34" charset="0"/>
+              <a:buChar char="•"/>
+              <a:tabLst/>
+              <a:defRPr/>
+            </a:pPr>
+            <a:r>
+              <a:rPr lang="ru-RU" sz="2400" dirty="0" smtClean="0">
+                <a:latin typeface="Times New Roman" pitchFamily="18" charset="0"/>
+                <a:ea typeface="+mj-ea"/>
+                <a:cs typeface="Times New Roman" pitchFamily="18" charset="0"/>
+              </a:rPr>
+              <a:t> поступление товара от поставщика;</a:t>
+            </a:r>
+          </a:p>
+          <a:p>
+            <a:pPr marL="87313" marR="0" lvl="0" algn="l" defTabSz="914400" rtl="0" eaLnBrk="1" fontAlgn="auto" latinLnBrk="0" hangingPunct="1">
+              <a:lnSpc>
+                <a:spcPct val="100000"/>
+              </a:lnSpc>
+              <a:spcBef>
+                <a:spcPct val="0"/>
+              </a:spcBef>
+              <a:spcAft>
+                <a:spcPts val="0"/>
+              </a:spcAft>
+              <a:buClrTx/>
+              <a:buSzTx/>
+              <a:buFont typeface="Arial" pitchFamily="34" charset="0"/>
+              <a:buChar char="•"/>
+              <a:tabLst/>
+              <a:defRPr/>
+            </a:pPr>
+            <a:r>
+              <a:rPr lang="ru-RU" sz="2400" dirty="0" smtClean="0">
+                <a:latin typeface="Times New Roman" pitchFamily="18" charset="0"/>
+                <a:ea typeface="+mj-ea"/>
+                <a:cs typeface="Times New Roman" pitchFamily="18" charset="0"/>
+              </a:rPr>
+              <a:t> приемка товара по качеству и количеству;</a:t>
+            </a:r>
+          </a:p>
+          <a:p>
+            <a:pPr marL="87313" marR="0" lvl="0" algn="l" defTabSz="914400" rtl="0" eaLnBrk="1" fontAlgn="auto" latinLnBrk="0" hangingPunct="1">
+              <a:lnSpc>
+                <a:spcPct val="100000"/>
+              </a:lnSpc>
+              <a:spcBef>
+                <a:spcPct val="0"/>
+              </a:spcBef>
+              <a:spcAft>
+                <a:spcPts val="0"/>
+              </a:spcAft>
+              <a:buClrTx/>
+              <a:buSzTx/>
+              <a:buFont typeface="Arial" pitchFamily="34" charset="0"/>
+              <a:buChar char="•"/>
+              <a:tabLst/>
+              <a:defRPr/>
+            </a:pPr>
+            <a:r>
+              <a:rPr lang="ru-RU" sz="2400" dirty="0" smtClean="0">
+                <a:latin typeface="Times New Roman" pitchFamily="18" charset="0"/>
+                <a:ea typeface="+mj-ea"/>
+                <a:cs typeface="Times New Roman" pitchFamily="18" charset="0"/>
+              </a:rPr>
+              <a:t> возврат товара поставщику;</a:t>
+            </a:r>
+          </a:p>
+          <a:p>
+            <a:pPr marL="87313" marR="0" lvl="0" algn="l" defTabSz="914400" rtl="0" eaLnBrk="1" fontAlgn="auto" latinLnBrk="0" hangingPunct="1">
+              <a:lnSpc>
+                <a:spcPct val="100000"/>
+              </a:lnSpc>
+              <a:spcBef>
+                <a:spcPct val="0"/>
+              </a:spcBef>
+              <a:spcAft>
+                <a:spcPts val="0"/>
+              </a:spcAft>
+              <a:buClrTx/>
+              <a:buSzTx/>
+              <a:buFont typeface="Arial" pitchFamily="34" charset="0"/>
+              <a:buChar char="•"/>
+              <a:tabLst/>
+              <a:defRPr/>
+            </a:pPr>
+            <a:r>
+              <a:rPr lang="ru-RU" sz="2400" dirty="0" smtClean="0">
+                <a:latin typeface="Times New Roman" pitchFamily="18" charset="0"/>
+                <a:ea typeface="+mj-ea"/>
+                <a:cs typeface="Times New Roman" pitchFamily="18" charset="0"/>
+              </a:rPr>
+              <a:t> установка цен номенклатуры;</a:t>
+            </a:r>
+          </a:p>
+          <a:p>
+            <a:pPr marL="87313" marR="0" lvl="0" algn="l" defTabSz="914400" rtl="0" eaLnBrk="1" fontAlgn="auto" latinLnBrk="0" hangingPunct="1">
+              <a:lnSpc>
+                <a:spcPct val="100000"/>
+              </a:lnSpc>
+              <a:spcBef>
+                <a:spcPct val="0"/>
+              </a:spcBef>
+              <a:spcAft>
+                <a:spcPts val="0"/>
+              </a:spcAft>
+              <a:buClrTx/>
+              <a:buSzTx/>
+              <a:buFont typeface="Arial" pitchFamily="34" charset="0"/>
+              <a:buChar char="•"/>
+              <a:tabLst/>
+              <a:defRPr/>
+            </a:pPr>
+            <a:r>
+              <a:rPr lang="ru-RU" sz="2400" dirty="0" smtClean="0">
+                <a:latin typeface="Times New Roman" pitchFamily="18" charset="0"/>
+                <a:ea typeface="+mj-ea"/>
+                <a:cs typeface="Times New Roman" pitchFamily="18" charset="0"/>
+              </a:rPr>
+              <a:t> перемещение товара на розничные склады;</a:t>
+            </a:r>
+          </a:p>
+          <a:p>
+            <a:pPr marL="87313" marR="0" lvl="0" algn="l" defTabSz="914400" rtl="0" eaLnBrk="1" fontAlgn="auto" latinLnBrk="0" hangingPunct="1">
+              <a:lnSpc>
+                <a:spcPct val="100000"/>
+              </a:lnSpc>
+              <a:spcBef>
+                <a:spcPct val="0"/>
+              </a:spcBef>
+              <a:spcAft>
+                <a:spcPts val="0"/>
+              </a:spcAft>
+              <a:buClrTx/>
+              <a:buSzTx/>
+              <a:buFont typeface="Arial" pitchFamily="34" charset="0"/>
+              <a:buChar char="•"/>
+              <a:tabLst/>
+              <a:defRPr/>
+            </a:pPr>
+            <a:r>
+              <a:rPr lang="ru-RU" sz="2400" dirty="0" smtClean="0">
+                <a:latin typeface="Times New Roman" pitchFamily="18" charset="0"/>
+                <a:ea typeface="+mj-ea"/>
+                <a:cs typeface="Times New Roman" pitchFamily="18" charset="0"/>
+              </a:rPr>
+              <a:t> реализация товаров и услуг.</a:t>
+            </a:r>
+          </a:p>
+          <a:p>
+            <a:pPr marL="0" marR="0" lvl="0" indent="0" algn="l" defTabSz="914400" rtl="0" eaLnBrk="1" fontAlgn="auto" latinLnBrk="0" hangingPunct="1">
+              <a:lnSpc>
+                <a:spcPct val="100000"/>
+              </a:lnSpc>
+              <a:spcBef>
+                <a:spcPct val="0"/>
+              </a:spcBef>
+              <a:spcAft>
+                <a:spcPts val="0"/>
+              </a:spcAft>
+              <a:buClrTx/>
+              <a:buSzTx/>
+              <a:buFont typeface="Arial" pitchFamily="34" charset="0"/>
+              <a:buChar char="•"/>
+              <a:tabLst/>
+              <a:defRPr/>
+            </a:pPr>
+            <a:endParaRPr lang="ru-RU" sz="3200" dirty="0" smtClean="0">
+              <a:effectLst>
+                <a:outerShdw blurRad="31750" dist="25400" dir="5400000" algn="tl" rotWithShape="0">
+                  <a:srgbClr val="000000">
+                    <a:alpha val="25000"/>
+                  </a:srgbClr>
+                </a:outerShdw>
+              </a:effectLst>
+              <a:latin typeface="Times New Roman" pitchFamily="18" charset="0"/>
+              <a:ea typeface="+mj-ea"/>
+              <a:cs typeface="Times New Roman" pitchFamily="18" charset="0"/>
+            </a:endParaRPr>
+          </a:p>
+          <a:p>
+            <a:pPr marL="0" marR="0" lvl="0" indent="0" algn="l" defTabSz="914400" rtl="0" eaLnBrk="1" fontAlgn="auto" latinLnBrk="0" hangingPunct="1">
+              <a:lnSpc>
+                <a:spcPct val="100000"/>
+              </a:lnSpc>
+              <a:spcBef>
+                <a:spcPct val="0"/>
+              </a:spcBef>
+              <a:spcAft>
+                <a:spcPts val="0"/>
+              </a:spcAft>
+              <a:buClrTx/>
+              <a:buSzTx/>
+              <a:buFont typeface="Arial" pitchFamily="34" charset="0"/>
+              <a:buChar char="•"/>
+              <a:tabLst/>
+              <a:defRPr/>
+            </a:pPr>
+            <a:endParaRPr lang="ru-RU" sz="3200" dirty="0" smtClean="0">
+              <a:effectLst>
+                <a:outerShdw blurRad="31750" dist="25400" dir="5400000" algn="tl" rotWithShape="0">
+                  <a:srgbClr val="000000">
+                    <a:alpha val="25000"/>
+                  </a:srgbClr>
+                </a:outerShdw>
+              </a:effectLst>
+              <a:latin typeface="Times New Roman" pitchFamily="18" charset="0"/>
+              <a:ea typeface="+mj-ea"/>
               <a:cs typeface="Times New Roman" pitchFamily="18" charset="0"/>
             </a:endParaRPr>
           </a:p>

--- a/Выпускная квалификационная работа.pptx
+++ b/Выпускная квалификационная работа.pptx
@@ -5,7 +5,7 @@
     <p:sldMasterId id="2147483756" r:id="rId1"/>
   </p:sldMasterIdLst>
   <p:notesMasterIdLst>
-    <p:notesMasterId r:id="rId28"/>
+    <p:notesMasterId r:id="rId34"/>
   </p:notesMasterIdLst>
   <p:sldIdLst>
     <p:sldId id="256" r:id="rId2"/>
@@ -34,6 +34,12 @@
     <p:sldId id="287" r:id="rId25"/>
     <p:sldId id="288" r:id="rId26"/>
     <p:sldId id="289" r:id="rId27"/>
+    <p:sldId id="290" r:id="rId28"/>
+    <p:sldId id="291" r:id="rId29"/>
+    <p:sldId id="292" r:id="rId30"/>
+    <p:sldId id="293" r:id="rId31"/>
+    <p:sldId id="294" r:id="rId32"/>
+    <p:sldId id="295" r:id="rId33"/>
   </p:sldIdLst>
   <p:sldSz cx="9144000" cy="6858000" type="screen4x3"/>
   <p:notesSz cx="6858000" cy="9144000"/>
@@ -218,7 +224,7 @@
             <a:fld id="{6DD2198D-AA87-438E-AC3E-1AE87968A2FD}" type="datetimeFigureOut">
               <a:rPr lang="ru-RU" smtClean="0"/>
               <a:pPr/>
-              <a:t>26.06.2020</a:t>
+              <a:t>27.06.2020</a:t>
             </a:fld>
             <a:endParaRPr lang="ru-RU"/>
           </a:p>
@@ -1632,6 +1638,540 @@
               <a:rPr lang="ru-RU" smtClean="0"/>
               <a:pPr/>
               <a:t>26</a:t>
+            </a:fld>
+            <a:endParaRPr lang="ru-RU"/>
+          </a:p>
+        </p:txBody>
+      </p:sp>
+    </p:spTree>
+  </p:cSld>
+  <p:clrMapOvr>
+    <a:masterClrMapping/>
+  </p:clrMapOvr>
+</p:notes>
+</file>
+
+<file path=ppt/notesSlides/notesSlide21.xml><?xml version="1.0" encoding="utf-8"?>
+<p:notes xmlns:a="http://schemas.openxmlformats.org/drawingml/2006/main" xmlns:r="http://schemas.openxmlformats.org/officeDocument/2006/relationships" xmlns:p="http://schemas.openxmlformats.org/presentationml/2006/main">
+  <p:cSld>
+    <p:spTree>
+      <p:nvGrpSpPr>
+        <p:cNvPr id="1" name=""/>
+        <p:cNvGrpSpPr/>
+        <p:nvPr/>
+      </p:nvGrpSpPr>
+      <p:grpSpPr>
+        <a:xfrm>
+          <a:off x="0" y="0"/>
+          <a:ext cx="0" cy="0"/>
+          <a:chOff x="0" y="0"/>
+          <a:chExt cx="0" cy="0"/>
+        </a:xfrm>
+      </p:grpSpPr>
+      <p:sp>
+        <p:nvSpPr>
+          <p:cNvPr id="2" name="Образ слайда 1"/>
+          <p:cNvSpPr>
+            <a:spLocks noGrp="1" noRot="1" noChangeAspect="1"/>
+          </p:cNvSpPr>
+          <p:nvPr>
+            <p:ph type="sldImg"/>
+          </p:nvPr>
+        </p:nvSpPr>
+        <p:spPr/>
+      </p:sp>
+      <p:sp>
+        <p:nvSpPr>
+          <p:cNvPr id="3" name="Заметки 2"/>
+          <p:cNvSpPr>
+            <a:spLocks noGrp="1"/>
+          </p:cNvSpPr>
+          <p:nvPr>
+            <p:ph type="body" idx="1"/>
+          </p:nvPr>
+        </p:nvSpPr>
+        <p:spPr/>
+        <p:txBody>
+          <a:bodyPr>
+            <a:normAutofit/>
+          </a:bodyPr>
+          <a:lstStyle/>
+          <a:p>
+            <a:endParaRPr lang="ru-RU" sz="1200" kern="1200" dirty="0">
+              <a:solidFill>
+                <a:schemeClr val="tx1"/>
+              </a:solidFill>
+              <a:latin typeface="+mn-lt"/>
+              <a:ea typeface="+mn-ea"/>
+              <a:cs typeface="+mn-cs"/>
+            </a:endParaRPr>
+          </a:p>
+        </p:txBody>
+      </p:sp>
+      <p:sp>
+        <p:nvSpPr>
+          <p:cNvPr id="4" name="Номер слайда 3"/>
+          <p:cNvSpPr>
+            <a:spLocks noGrp="1"/>
+          </p:cNvSpPr>
+          <p:nvPr>
+            <p:ph type="sldNum" sz="quarter" idx="10"/>
+          </p:nvPr>
+        </p:nvSpPr>
+        <p:spPr/>
+        <p:txBody>
+          <a:bodyPr/>
+          <a:lstStyle/>
+          <a:p>
+            <a:fld id="{3E9C54AA-E9DE-4FB5-81A5-31822454A93D}" type="slidenum">
+              <a:rPr lang="ru-RU" smtClean="0"/>
+              <a:pPr/>
+              <a:t>27</a:t>
+            </a:fld>
+            <a:endParaRPr lang="ru-RU"/>
+          </a:p>
+        </p:txBody>
+      </p:sp>
+    </p:spTree>
+  </p:cSld>
+  <p:clrMapOvr>
+    <a:masterClrMapping/>
+  </p:clrMapOvr>
+</p:notes>
+</file>
+
+<file path=ppt/notesSlides/notesSlide22.xml><?xml version="1.0" encoding="utf-8"?>
+<p:notes xmlns:a="http://schemas.openxmlformats.org/drawingml/2006/main" xmlns:r="http://schemas.openxmlformats.org/officeDocument/2006/relationships" xmlns:p="http://schemas.openxmlformats.org/presentationml/2006/main">
+  <p:cSld>
+    <p:spTree>
+      <p:nvGrpSpPr>
+        <p:cNvPr id="1" name=""/>
+        <p:cNvGrpSpPr/>
+        <p:nvPr/>
+      </p:nvGrpSpPr>
+      <p:grpSpPr>
+        <a:xfrm>
+          <a:off x="0" y="0"/>
+          <a:ext cx="0" cy="0"/>
+          <a:chOff x="0" y="0"/>
+          <a:chExt cx="0" cy="0"/>
+        </a:xfrm>
+      </p:grpSpPr>
+      <p:sp>
+        <p:nvSpPr>
+          <p:cNvPr id="2" name="Образ слайда 1"/>
+          <p:cNvSpPr>
+            <a:spLocks noGrp="1" noRot="1" noChangeAspect="1"/>
+          </p:cNvSpPr>
+          <p:nvPr>
+            <p:ph type="sldImg"/>
+          </p:nvPr>
+        </p:nvSpPr>
+        <p:spPr/>
+      </p:sp>
+      <p:sp>
+        <p:nvSpPr>
+          <p:cNvPr id="3" name="Заметки 2"/>
+          <p:cNvSpPr>
+            <a:spLocks noGrp="1"/>
+          </p:cNvSpPr>
+          <p:nvPr>
+            <p:ph type="body" idx="1"/>
+          </p:nvPr>
+        </p:nvSpPr>
+        <p:spPr/>
+        <p:txBody>
+          <a:bodyPr>
+            <a:normAutofit/>
+          </a:bodyPr>
+          <a:lstStyle/>
+          <a:p>
+            <a:endParaRPr lang="ru-RU" sz="1200" kern="1200" dirty="0">
+              <a:solidFill>
+                <a:schemeClr val="tx1"/>
+              </a:solidFill>
+              <a:latin typeface="+mn-lt"/>
+              <a:ea typeface="+mn-ea"/>
+              <a:cs typeface="+mn-cs"/>
+            </a:endParaRPr>
+          </a:p>
+        </p:txBody>
+      </p:sp>
+      <p:sp>
+        <p:nvSpPr>
+          <p:cNvPr id="4" name="Номер слайда 3"/>
+          <p:cNvSpPr>
+            <a:spLocks noGrp="1"/>
+          </p:cNvSpPr>
+          <p:nvPr>
+            <p:ph type="sldNum" sz="quarter" idx="10"/>
+          </p:nvPr>
+        </p:nvSpPr>
+        <p:spPr/>
+        <p:txBody>
+          <a:bodyPr/>
+          <a:lstStyle/>
+          <a:p>
+            <a:fld id="{3E9C54AA-E9DE-4FB5-81A5-31822454A93D}" type="slidenum">
+              <a:rPr lang="ru-RU" smtClean="0"/>
+              <a:pPr/>
+              <a:t>28</a:t>
+            </a:fld>
+            <a:endParaRPr lang="ru-RU"/>
+          </a:p>
+        </p:txBody>
+      </p:sp>
+    </p:spTree>
+  </p:cSld>
+  <p:clrMapOvr>
+    <a:masterClrMapping/>
+  </p:clrMapOvr>
+</p:notes>
+</file>
+
+<file path=ppt/notesSlides/notesSlide23.xml><?xml version="1.0" encoding="utf-8"?>
+<p:notes xmlns:a="http://schemas.openxmlformats.org/drawingml/2006/main" xmlns:r="http://schemas.openxmlformats.org/officeDocument/2006/relationships" xmlns:p="http://schemas.openxmlformats.org/presentationml/2006/main">
+  <p:cSld>
+    <p:spTree>
+      <p:nvGrpSpPr>
+        <p:cNvPr id="1" name=""/>
+        <p:cNvGrpSpPr/>
+        <p:nvPr/>
+      </p:nvGrpSpPr>
+      <p:grpSpPr>
+        <a:xfrm>
+          <a:off x="0" y="0"/>
+          <a:ext cx="0" cy="0"/>
+          <a:chOff x="0" y="0"/>
+          <a:chExt cx="0" cy="0"/>
+        </a:xfrm>
+      </p:grpSpPr>
+      <p:sp>
+        <p:nvSpPr>
+          <p:cNvPr id="2" name="Образ слайда 1"/>
+          <p:cNvSpPr>
+            <a:spLocks noGrp="1" noRot="1" noChangeAspect="1"/>
+          </p:cNvSpPr>
+          <p:nvPr>
+            <p:ph type="sldImg"/>
+          </p:nvPr>
+        </p:nvSpPr>
+        <p:spPr/>
+      </p:sp>
+      <p:sp>
+        <p:nvSpPr>
+          <p:cNvPr id="3" name="Заметки 2"/>
+          <p:cNvSpPr>
+            <a:spLocks noGrp="1"/>
+          </p:cNvSpPr>
+          <p:nvPr>
+            <p:ph type="body" idx="1"/>
+          </p:nvPr>
+        </p:nvSpPr>
+        <p:spPr/>
+        <p:txBody>
+          <a:bodyPr>
+            <a:normAutofit/>
+          </a:bodyPr>
+          <a:lstStyle/>
+          <a:p>
+            <a:endParaRPr lang="ru-RU" sz="1200" kern="1200" dirty="0">
+              <a:solidFill>
+                <a:schemeClr val="tx1"/>
+              </a:solidFill>
+              <a:latin typeface="+mn-lt"/>
+              <a:ea typeface="+mn-ea"/>
+              <a:cs typeface="+mn-cs"/>
+            </a:endParaRPr>
+          </a:p>
+        </p:txBody>
+      </p:sp>
+      <p:sp>
+        <p:nvSpPr>
+          <p:cNvPr id="4" name="Номер слайда 3"/>
+          <p:cNvSpPr>
+            <a:spLocks noGrp="1"/>
+          </p:cNvSpPr>
+          <p:nvPr>
+            <p:ph type="sldNum" sz="quarter" idx="10"/>
+          </p:nvPr>
+        </p:nvSpPr>
+        <p:spPr/>
+        <p:txBody>
+          <a:bodyPr/>
+          <a:lstStyle/>
+          <a:p>
+            <a:fld id="{3E9C54AA-E9DE-4FB5-81A5-31822454A93D}" type="slidenum">
+              <a:rPr lang="ru-RU" smtClean="0"/>
+              <a:pPr/>
+              <a:t>29</a:t>
+            </a:fld>
+            <a:endParaRPr lang="ru-RU"/>
+          </a:p>
+        </p:txBody>
+      </p:sp>
+    </p:spTree>
+  </p:cSld>
+  <p:clrMapOvr>
+    <a:masterClrMapping/>
+  </p:clrMapOvr>
+</p:notes>
+</file>
+
+<file path=ppt/notesSlides/notesSlide24.xml><?xml version="1.0" encoding="utf-8"?>
+<p:notes xmlns:a="http://schemas.openxmlformats.org/drawingml/2006/main" xmlns:r="http://schemas.openxmlformats.org/officeDocument/2006/relationships" xmlns:p="http://schemas.openxmlformats.org/presentationml/2006/main">
+  <p:cSld>
+    <p:spTree>
+      <p:nvGrpSpPr>
+        <p:cNvPr id="1" name=""/>
+        <p:cNvGrpSpPr/>
+        <p:nvPr/>
+      </p:nvGrpSpPr>
+      <p:grpSpPr>
+        <a:xfrm>
+          <a:off x="0" y="0"/>
+          <a:ext cx="0" cy="0"/>
+          <a:chOff x="0" y="0"/>
+          <a:chExt cx="0" cy="0"/>
+        </a:xfrm>
+      </p:grpSpPr>
+      <p:sp>
+        <p:nvSpPr>
+          <p:cNvPr id="2" name="Образ слайда 1"/>
+          <p:cNvSpPr>
+            <a:spLocks noGrp="1" noRot="1" noChangeAspect="1"/>
+          </p:cNvSpPr>
+          <p:nvPr>
+            <p:ph type="sldImg"/>
+          </p:nvPr>
+        </p:nvSpPr>
+        <p:spPr/>
+      </p:sp>
+      <p:sp>
+        <p:nvSpPr>
+          <p:cNvPr id="3" name="Заметки 2"/>
+          <p:cNvSpPr>
+            <a:spLocks noGrp="1"/>
+          </p:cNvSpPr>
+          <p:nvPr>
+            <p:ph type="body" idx="1"/>
+          </p:nvPr>
+        </p:nvSpPr>
+        <p:spPr/>
+        <p:txBody>
+          <a:bodyPr>
+            <a:normAutofit/>
+          </a:bodyPr>
+          <a:lstStyle/>
+          <a:p>
+            <a:endParaRPr lang="ru-RU" sz="1200" kern="1200" dirty="0">
+              <a:solidFill>
+                <a:schemeClr val="tx1"/>
+              </a:solidFill>
+              <a:latin typeface="+mn-lt"/>
+              <a:ea typeface="+mn-ea"/>
+              <a:cs typeface="+mn-cs"/>
+            </a:endParaRPr>
+          </a:p>
+        </p:txBody>
+      </p:sp>
+      <p:sp>
+        <p:nvSpPr>
+          <p:cNvPr id="4" name="Номер слайда 3"/>
+          <p:cNvSpPr>
+            <a:spLocks noGrp="1"/>
+          </p:cNvSpPr>
+          <p:nvPr>
+            <p:ph type="sldNum" sz="quarter" idx="10"/>
+          </p:nvPr>
+        </p:nvSpPr>
+        <p:spPr/>
+        <p:txBody>
+          <a:bodyPr/>
+          <a:lstStyle/>
+          <a:p>
+            <a:fld id="{3E9C54AA-E9DE-4FB5-81A5-31822454A93D}" type="slidenum">
+              <a:rPr lang="ru-RU" smtClean="0"/>
+              <a:pPr/>
+              <a:t>30</a:t>
+            </a:fld>
+            <a:endParaRPr lang="ru-RU"/>
+          </a:p>
+        </p:txBody>
+      </p:sp>
+    </p:spTree>
+  </p:cSld>
+  <p:clrMapOvr>
+    <a:masterClrMapping/>
+  </p:clrMapOvr>
+</p:notes>
+</file>
+
+<file path=ppt/notesSlides/notesSlide25.xml><?xml version="1.0" encoding="utf-8"?>
+<p:notes xmlns:a="http://schemas.openxmlformats.org/drawingml/2006/main" xmlns:r="http://schemas.openxmlformats.org/officeDocument/2006/relationships" xmlns:p="http://schemas.openxmlformats.org/presentationml/2006/main">
+  <p:cSld>
+    <p:spTree>
+      <p:nvGrpSpPr>
+        <p:cNvPr id="1" name=""/>
+        <p:cNvGrpSpPr/>
+        <p:nvPr/>
+      </p:nvGrpSpPr>
+      <p:grpSpPr>
+        <a:xfrm>
+          <a:off x="0" y="0"/>
+          <a:ext cx="0" cy="0"/>
+          <a:chOff x="0" y="0"/>
+          <a:chExt cx="0" cy="0"/>
+        </a:xfrm>
+      </p:grpSpPr>
+      <p:sp>
+        <p:nvSpPr>
+          <p:cNvPr id="2" name="Образ слайда 1"/>
+          <p:cNvSpPr>
+            <a:spLocks noGrp="1" noRot="1" noChangeAspect="1"/>
+          </p:cNvSpPr>
+          <p:nvPr>
+            <p:ph type="sldImg"/>
+          </p:nvPr>
+        </p:nvSpPr>
+        <p:spPr/>
+      </p:sp>
+      <p:sp>
+        <p:nvSpPr>
+          <p:cNvPr id="3" name="Заметки 2"/>
+          <p:cNvSpPr>
+            <a:spLocks noGrp="1"/>
+          </p:cNvSpPr>
+          <p:nvPr>
+            <p:ph type="body" idx="1"/>
+          </p:nvPr>
+        </p:nvSpPr>
+        <p:spPr/>
+        <p:txBody>
+          <a:bodyPr>
+            <a:normAutofit/>
+          </a:bodyPr>
+          <a:lstStyle/>
+          <a:p>
+            <a:endParaRPr lang="ru-RU" sz="1200" kern="1200" dirty="0">
+              <a:solidFill>
+                <a:schemeClr val="tx1"/>
+              </a:solidFill>
+              <a:latin typeface="+mn-lt"/>
+              <a:ea typeface="+mn-ea"/>
+              <a:cs typeface="+mn-cs"/>
+            </a:endParaRPr>
+          </a:p>
+        </p:txBody>
+      </p:sp>
+      <p:sp>
+        <p:nvSpPr>
+          <p:cNvPr id="4" name="Номер слайда 3"/>
+          <p:cNvSpPr>
+            <a:spLocks noGrp="1"/>
+          </p:cNvSpPr>
+          <p:nvPr>
+            <p:ph type="sldNum" sz="quarter" idx="10"/>
+          </p:nvPr>
+        </p:nvSpPr>
+        <p:spPr/>
+        <p:txBody>
+          <a:bodyPr/>
+          <a:lstStyle/>
+          <a:p>
+            <a:fld id="{3E9C54AA-E9DE-4FB5-81A5-31822454A93D}" type="slidenum">
+              <a:rPr lang="ru-RU" smtClean="0"/>
+              <a:pPr/>
+              <a:t>31</a:t>
+            </a:fld>
+            <a:endParaRPr lang="ru-RU"/>
+          </a:p>
+        </p:txBody>
+      </p:sp>
+    </p:spTree>
+  </p:cSld>
+  <p:clrMapOvr>
+    <a:masterClrMapping/>
+  </p:clrMapOvr>
+</p:notes>
+</file>
+
+<file path=ppt/notesSlides/notesSlide26.xml><?xml version="1.0" encoding="utf-8"?>
+<p:notes xmlns:a="http://schemas.openxmlformats.org/drawingml/2006/main" xmlns:r="http://schemas.openxmlformats.org/officeDocument/2006/relationships" xmlns:p="http://schemas.openxmlformats.org/presentationml/2006/main">
+  <p:cSld>
+    <p:spTree>
+      <p:nvGrpSpPr>
+        <p:cNvPr id="1" name=""/>
+        <p:cNvGrpSpPr/>
+        <p:nvPr/>
+      </p:nvGrpSpPr>
+      <p:grpSpPr>
+        <a:xfrm>
+          <a:off x="0" y="0"/>
+          <a:ext cx="0" cy="0"/>
+          <a:chOff x="0" y="0"/>
+          <a:chExt cx="0" cy="0"/>
+        </a:xfrm>
+      </p:grpSpPr>
+      <p:sp>
+        <p:nvSpPr>
+          <p:cNvPr id="2" name="Образ слайда 1"/>
+          <p:cNvSpPr>
+            <a:spLocks noGrp="1" noRot="1" noChangeAspect="1"/>
+          </p:cNvSpPr>
+          <p:nvPr>
+            <p:ph type="sldImg"/>
+          </p:nvPr>
+        </p:nvSpPr>
+        <p:spPr/>
+      </p:sp>
+      <p:sp>
+        <p:nvSpPr>
+          <p:cNvPr id="3" name="Заметки 2"/>
+          <p:cNvSpPr>
+            <a:spLocks noGrp="1"/>
+          </p:cNvSpPr>
+          <p:nvPr>
+            <p:ph type="body" idx="1"/>
+          </p:nvPr>
+        </p:nvSpPr>
+        <p:spPr/>
+        <p:txBody>
+          <a:bodyPr>
+            <a:normAutofit/>
+          </a:bodyPr>
+          <a:lstStyle/>
+          <a:p>
+            <a:endParaRPr lang="ru-RU" sz="1200" kern="1200" dirty="0">
+              <a:solidFill>
+                <a:schemeClr val="tx1"/>
+              </a:solidFill>
+              <a:latin typeface="+mn-lt"/>
+              <a:ea typeface="+mn-ea"/>
+              <a:cs typeface="+mn-cs"/>
+            </a:endParaRPr>
+          </a:p>
+        </p:txBody>
+      </p:sp>
+      <p:sp>
+        <p:nvSpPr>
+          <p:cNvPr id="4" name="Номер слайда 3"/>
+          <p:cNvSpPr>
+            <a:spLocks noGrp="1"/>
+          </p:cNvSpPr>
+          <p:nvPr>
+            <p:ph type="sldNum" sz="quarter" idx="10"/>
+          </p:nvPr>
+        </p:nvSpPr>
+        <p:spPr/>
+        <p:txBody>
+          <a:bodyPr/>
+          <a:lstStyle/>
+          <a:p>
+            <a:fld id="{3E9C54AA-E9DE-4FB5-81A5-31822454A93D}" type="slidenum">
+              <a:rPr lang="ru-RU" smtClean="0"/>
+              <a:pPr/>
+              <a:t>32</a:t>
             </a:fld>
             <a:endParaRPr lang="ru-RU"/>
           </a:p>
@@ -3067,7 +3607,7 @@
             <a:fld id="{3FCDD233-0873-47C9-A30F-61D74E15F769}" type="datetimeFigureOut">
               <a:rPr lang="ru-RU" smtClean="0"/>
               <a:pPr/>
-              <a:t>26.06.2020</a:t>
+              <a:t>27.06.2020</a:t>
             </a:fld>
             <a:endParaRPr lang="ru-RU"/>
           </a:p>
@@ -3265,7 +3805,7 @@
             <a:fld id="{3FCDD233-0873-47C9-A30F-61D74E15F769}" type="datetimeFigureOut">
               <a:rPr lang="ru-RU" smtClean="0"/>
               <a:pPr/>
-              <a:t>26.06.2020</a:t>
+              <a:t>27.06.2020</a:t>
             </a:fld>
             <a:endParaRPr lang="ru-RU"/>
           </a:p>
@@ -3452,7 +3992,7 @@
             <a:fld id="{3FCDD233-0873-47C9-A30F-61D74E15F769}" type="datetimeFigureOut">
               <a:rPr lang="ru-RU" smtClean="0"/>
               <a:pPr/>
-              <a:t>26.06.2020</a:t>
+              <a:t>27.06.2020</a:t>
             </a:fld>
             <a:endParaRPr lang="ru-RU"/>
           </a:p>
@@ -3604,7 +4144,7 @@
             <a:fld id="{3FCDD233-0873-47C9-A30F-61D74E15F769}" type="datetimeFigureOut">
               <a:rPr lang="ru-RU" smtClean="0"/>
               <a:pPr/>
-              <a:t>26.06.2020</a:t>
+              <a:t>27.06.2020</a:t>
             </a:fld>
             <a:endParaRPr lang="ru-RU"/>
           </a:p>
@@ -3861,7 +4401,7 @@
             <a:fld id="{3FCDD233-0873-47C9-A30F-61D74E15F769}" type="datetimeFigureOut">
               <a:rPr lang="ru-RU" smtClean="0"/>
               <a:pPr/>
-              <a:t>26.06.2020</a:t>
+              <a:t>27.06.2020</a:t>
             </a:fld>
             <a:endParaRPr lang="ru-RU"/>
           </a:p>
@@ -4272,7 +4812,7 @@
             <a:fld id="{3FCDD233-0873-47C9-A30F-61D74E15F769}" type="datetimeFigureOut">
               <a:rPr lang="ru-RU" smtClean="0"/>
               <a:pPr/>
-              <a:t>26.06.2020</a:t>
+              <a:t>27.06.2020</a:t>
             </a:fld>
             <a:endParaRPr lang="ru-RU"/>
           </a:p>
@@ -4720,7 +5260,7 @@
             <a:fld id="{3FCDD233-0873-47C9-A30F-61D74E15F769}" type="datetimeFigureOut">
               <a:rPr lang="ru-RU" smtClean="0"/>
               <a:pPr/>
-              <a:t>26.06.2020</a:t>
+              <a:t>27.06.2020</a:t>
             </a:fld>
             <a:endParaRPr lang="ru-RU"/>
           </a:p>
@@ -4823,7 +5363,7 @@
             <a:fld id="{3FCDD233-0873-47C9-A30F-61D74E15F769}" type="datetimeFigureOut">
               <a:rPr lang="ru-RU" smtClean="0"/>
               <a:pPr/>
-              <a:t>26.06.2020</a:t>
+              <a:t>27.06.2020</a:t>
             </a:fld>
             <a:endParaRPr lang="ru-RU"/>
           </a:p>
@@ -4946,7 +5486,7 @@
             <a:fld id="{3FCDD233-0873-47C9-A30F-61D74E15F769}" type="datetimeFigureOut">
               <a:rPr lang="ru-RU" smtClean="0"/>
               <a:pPr/>
-              <a:t>26.06.2020</a:t>
+              <a:t>27.06.2020</a:t>
             </a:fld>
             <a:endParaRPr lang="ru-RU"/>
           </a:p>
@@ -5222,7 +5762,7 @@
             <a:fld id="{3FCDD233-0873-47C9-A30F-61D74E15F769}" type="datetimeFigureOut">
               <a:rPr lang="ru-RU" smtClean="0"/>
               <a:pPr/>
-              <a:t>26.06.2020</a:t>
+              <a:t>27.06.2020</a:t>
             </a:fld>
             <a:endParaRPr lang="ru-RU"/>
           </a:p>
@@ -5429,7 +5969,7 @@
             <a:fld id="{3FCDD233-0873-47C9-A30F-61D74E15F769}" type="datetimeFigureOut">
               <a:rPr lang="ru-RU" smtClean="0"/>
               <a:pPr/>
-              <a:t>26.06.2020</a:t>
+              <a:t>27.06.2020</a:t>
             </a:fld>
             <a:endParaRPr lang="ru-RU"/>
           </a:p>
@@ -6540,7 +7080,7 @@
             <a:fld id="{3FCDD233-0873-47C9-A30F-61D74E15F769}" type="datetimeFigureOut">
               <a:rPr lang="ru-RU" smtClean="0"/>
               <a:pPr/>
-              <a:t>26.06.2020</a:t>
+              <a:t>27.06.2020</a:t>
             </a:fld>
             <a:endParaRPr lang="ru-RU"/>
           </a:p>
@@ -7371,38 +7911,6 @@
           </a:p>
         </p:txBody>
       </p:sp>
-      <p:pic>
-        <p:nvPicPr>
-          <p:cNvPr id="4098" name="Picture 2" descr="Архитектура телеф"/>
-          <p:cNvPicPr>
-            <a:picLocks noChangeAspect="1" noChangeArrowheads="1"/>
-          </p:cNvPicPr>
-          <p:nvPr/>
-        </p:nvPicPr>
-        <p:blipFill>
-          <a:blip r:embed="rId3" cstate="print"/>
-          <a:srcRect/>
-          <a:stretch>
-            <a:fillRect/>
-          </a:stretch>
-        </p:blipFill>
-        <p:spPr bwMode="auto">
-          <a:xfrm>
-            <a:off x="4716016" y="1916832"/>
-            <a:ext cx="4248472" cy="4457700"/>
-          </a:xfrm>
-          <a:prstGeom prst="rect">
-            <a:avLst/>
-          </a:prstGeom>
-          <a:noFill/>
-          <a:ln w="9525">
-            <a:noFill/>
-            <a:miter lim="800000"/>
-            <a:headEnd/>
-            <a:tailEnd/>
-          </a:ln>
-        </p:spPr>
-      </p:pic>
       <p:sp>
         <p:nvSpPr>
           <p:cNvPr id="5" name="Заголовок 2"/>
@@ -7492,51 +8000,6 @@
                 <a:cs typeface="Times New Roman" pitchFamily="18" charset="0"/>
               </a:rPr>
               <a:t> цена.</a:t>
-            </a:r>
-            <a:endParaRPr lang="ru-RU" sz="2400" dirty="0">
-              <a:latin typeface="Times New Roman" pitchFamily="18" charset="0"/>
-              <a:cs typeface="Times New Roman" pitchFamily="18" charset="0"/>
-            </a:endParaRPr>
-          </a:p>
-        </p:txBody>
-      </p:sp>
-      <p:sp>
-        <p:nvSpPr>
-          <p:cNvPr id="7" name="Заголовок 2"/>
-          <p:cNvSpPr txBox="1">
-            <a:spLocks/>
-          </p:cNvSpPr>
-          <p:nvPr/>
-        </p:nvSpPr>
-        <p:spPr>
-          <a:xfrm>
-            <a:off x="5364088" y="1484784"/>
-            <a:ext cx="3024336" cy="432048"/>
-          </a:xfrm>
-          <a:prstGeom prst="rect">
-            <a:avLst/>
-          </a:prstGeom>
-          <a:noFill/>
-        </p:spPr>
-        <p:txBody>
-          <a:bodyPr vert="horz" rtlCol="0" anchor="ctr">
-            <a:noAutofit/>
-            <a:scene3d>
-              <a:camera prst="orthographicFront"/>
-              <a:lightRig rig="soft" dir="t"/>
-            </a:scene3d>
-            <a:sp3d prstMaterial="softEdge">
-              <a:bevelT w="25400" h="25400"/>
-            </a:sp3d>
-          </a:bodyPr>
-          <a:lstStyle/>
-          <a:p>
-            <a:r>
-              <a:rPr lang="ru-RU" sz="2400" b="1" dirty="0" smtClean="0">
-                <a:latin typeface="Times New Roman" pitchFamily="18" charset="0"/>
-                <a:cs typeface="Times New Roman" pitchFamily="18" charset="0"/>
-              </a:rPr>
-              <a:t>Схема подключения</a:t>
             </a:r>
             <a:endParaRPr lang="ru-RU" sz="2400" dirty="0">
               <a:latin typeface="Times New Roman" pitchFamily="18" charset="0"/>
@@ -7606,23 +8069,7 @@
                   <a:schemeClr val="bg1"/>
                 </a:solidFill>
               </a:rPr>
-              <a:t>С</a:t>
-            </a:r>
-            <a:r>
-              <a:rPr lang="ru-RU" sz="3200" dirty="0" smtClean="0">
-                <a:solidFill>
-                  <a:schemeClr val="bg1"/>
-                </a:solidFill>
-              </a:rPr>
-              <a:t>истема </a:t>
-            </a:r>
-            <a:r>
-              <a:rPr lang="ru-RU" sz="3200" dirty="0" smtClean="0">
-                <a:solidFill>
-                  <a:schemeClr val="bg1"/>
-                </a:solidFill>
-              </a:rPr>
-              <a:t>IP-телефонии.</a:t>
+              <a:t>Система IP-телефонии.</a:t>
             </a:r>
             <a:endParaRPr lang="ru-RU" sz="3200" dirty="0">
               <a:solidFill>
@@ -10655,7 +11102,23 @@
                   <a:schemeClr val="bg1"/>
                 </a:solidFill>
               </a:rPr>
-              <a:t>Проектирование системы видеонаблюдения</a:t>
+              <a:t>С</a:t>
+            </a:r>
+            <a:r>
+              <a:rPr lang="ru-RU" sz="3200" dirty="0" smtClean="0">
+                <a:solidFill>
+                  <a:schemeClr val="bg1"/>
+                </a:solidFill>
+              </a:rPr>
+              <a:t>истема </a:t>
+            </a:r>
+            <a:r>
+              <a:rPr lang="ru-RU" sz="3200" dirty="0" smtClean="0">
+                <a:solidFill>
+                  <a:schemeClr val="bg1"/>
+                </a:solidFill>
+              </a:rPr>
+              <a:t>видеонаблюдения</a:t>
             </a:r>
             <a:endParaRPr lang="ru-RU" sz="3200" dirty="0">
               <a:solidFill>
@@ -11042,7 +11505,23 @@
                   <a:schemeClr val="bg1"/>
                 </a:solidFill>
               </a:rPr>
-              <a:t>Проектирование системы видеонаблюдения.</a:t>
+              <a:t>С</a:t>
+            </a:r>
+            <a:r>
+              <a:rPr lang="ru-RU" sz="3200" dirty="0" smtClean="0">
+                <a:solidFill>
+                  <a:schemeClr val="bg1"/>
+                </a:solidFill>
+              </a:rPr>
+              <a:t>истема </a:t>
+            </a:r>
+            <a:r>
+              <a:rPr lang="ru-RU" sz="3200" dirty="0" smtClean="0">
+                <a:solidFill>
+                  <a:schemeClr val="bg1"/>
+                </a:solidFill>
+              </a:rPr>
+              <a:t>видеонаблюдения.</a:t>
             </a:r>
             <a:endParaRPr lang="ru-RU" sz="3200" dirty="0">
               <a:solidFill>
@@ -11262,7 +11741,23 @@
                   <a:schemeClr val="bg1"/>
                 </a:solidFill>
               </a:rPr>
-              <a:t>Проектирование системы видеонаблюдения.</a:t>
+              <a:t>С</a:t>
+            </a:r>
+            <a:r>
+              <a:rPr lang="ru-RU" sz="3200" dirty="0" smtClean="0">
+                <a:solidFill>
+                  <a:schemeClr val="bg1"/>
+                </a:solidFill>
+              </a:rPr>
+              <a:t>истема </a:t>
+            </a:r>
+            <a:r>
+              <a:rPr lang="ru-RU" sz="3200" dirty="0" smtClean="0">
+                <a:solidFill>
+                  <a:schemeClr val="bg1"/>
+                </a:solidFill>
+              </a:rPr>
+              <a:t>видеонаблюдения.</a:t>
             </a:r>
             <a:endParaRPr lang="ru-RU" sz="3200" dirty="0">
               <a:solidFill>
@@ -11351,6 +11846,1338 @@
               <a:t>Посты операторов</a:t>
             </a:r>
             <a:endParaRPr lang="ru-RU" sz="2400" b="1" dirty="0">
+              <a:latin typeface="Times New Roman" pitchFamily="18" charset="0"/>
+              <a:cs typeface="Times New Roman" pitchFamily="18" charset="0"/>
+            </a:endParaRPr>
+          </a:p>
+        </p:txBody>
+      </p:sp>
+    </p:spTree>
+  </p:cSld>
+  <p:clrMapOvr>
+    <a:masterClrMapping/>
+  </p:clrMapOvr>
+  <p:timing>
+    <p:tnLst>
+      <p:par>
+        <p:cTn id="1" dur="indefinite" restart="never" nodeType="tmRoot"/>
+      </p:par>
+    </p:tnLst>
+  </p:timing>
+</p:sld>
+</file>
+
+<file path=ppt/slides/slide27.xml><?xml version="1.0" encoding="utf-8"?>
+<p:sld xmlns:a="http://schemas.openxmlformats.org/drawingml/2006/main" xmlns:r="http://schemas.openxmlformats.org/officeDocument/2006/relationships" xmlns:p="http://schemas.openxmlformats.org/presentationml/2006/main">
+  <p:cSld>
+    <p:spTree>
+      <p:nvGrpSpPr>
+        <p:cNvPr id="1" name=""/>
+        <p:cNvGrpSpPr/>
+        <p:nvPr/>
+      </p:nvGrpSpPr>
+      <p:grpSpPr>
+        <a:xfrm>
+          <a:off x="0" y="0"/>
+          <a:ext cx="0" cy="0"/>
+          <a:chOff x="0" y="0"/>
+          <a:chExt cx="0" cy="0"/>
+        </a:xfrm>
+      </p:grpSpPr>
+      <p:sp>
+        <p:nvSpPr>
+          <p:cNvPr id="3" name="Заголовок 2"/>
+          <p:cNvSpPr>
+            <a:spLocks noGrp="1"/>
+          </p:cNvSpPr>
+          <p:nvPr>
+            <p:ph type="title"/>
+          </p:nvPr>
+        </p:nvSpPr>
+        <p:spPr>
+          <a:solidFill>
+            <a:schemeClr val="bg2">
+              <a:lumMod val="50000"/>
+            </a:schemeClr>
+          </a:solidFill>
+        </p:spPr>
+        <p:txBody>
+          <a:bodyPr>
+            <a:noAutofit/>
+          </a:bodyPr>
+          <a:lstStyle/>
+          <a:p>
+            <a:r>
+              <a:rPr lang="ru-RU" sz="3200" dirty="0" smtClean="0">
+                <a:solidFill>
+                  <a:schemeClr val="bg1"/>
+                </a:solidFill>
+              </a:rPr>
+              <a:t>С</a:t>
+            </a:r>
+            <a:r>
+              <a:rPr lang="ru-RU" sz="3200" dirty="0" smtClean="0">
+                <a:solidFill>
+                  <a:schemeClr val="bg1"/>
+                </a:solidFill>
+              </a:rPr>
+              <a:t>истема </a:t>
+            </a:r>
+            <a:r>
+              <a:rPr lang="en-US" sz="3200" dirty="0" smtClean="0">
+                <a:solidFill>
+                  <a:schemeClr val="bg1"/>
+                </a:solidFill>
+              </a:rPr>
+              <a:t>IP </a:t>
+            </a:r>
+            <a:r>
+              <a:rPr lang="ru-RU" sz="3200" dirty="0" smtClean="0">
+                <a:solidFill>
+                  <a:schemeClr val="bg1"/>
+                </a:solidFill>
+              </a:rPr>
+              <a:t>телефонии.</a:t>
+            </a:r>
+            <a:endParaRPr lang="ru-RU" sz="3200" dirty="0">
+              <a:solidFill>
+                <a:schemeClr val="bg1"/>
+              </a:solidFill>
+              <a:latin typeface="Times New Roman" pitchFamily="18" charset="0"/>
+              <a:cs typeface="Times New Roman" pitchFamily="18" charset="0"/>
+            </a:endParaRPr>
+          </a:p>
+        </p:txBody>
+      </p:sp>
+      <p:sp>
+        <p:nvSpPr>
+          <p:cNvPr id="4" name="Заголовок 2"/>
+          <p:cNvSpPr txBox="1">
+            <a:spLocks/>
+          </p:cNvSpPr>
+          <p:nvPr/>
+        </p:nvSpPr>
+        <p:spPr>
+          <a:xfrm>
+            <a:off x="395536" y="1556792"/>
+            <a:ext cx="8280920" cy="3744416"/>
+          </a:xfrm>
+          <a:prstGeom prst="rect">
+            <a:avLst/>
+          </a:prstGeom>
+          <a:noFill/>
+        </p:spPr>
+        <p:txBody>
+          <a:bodyPr vert="horz" rtlCol="0" anchor="ctr">
+            <a:noAutofit/>
+            <a:scene3d>
+              <a:camera prst="orthographicFront"/>
+              <a:lightRig rig="soft" dir="t"/>
+            </a:scene3d>
+            <a:sp3d prstMaterial="softEdge">
+              <a:bevelT w="25400" h="25400"/>
+            </a:sp3d>
+          </a:bodyPr>
+          <a:lstStyle/>
+          <a:p>
+            <a:endParaRPr lang="ru-RU" sz="2400" b="1" dirty="0">
+              <a:latin typeface="Times New Roman" pitchFamily="18" charset="0"/>
+              <a:cs typeface="Times New Roman" pitchFamily="18" charset="0"/>
+            </a:endParaRPr>
+          </a:p>
+        </p:txBody>
+      </p:sp>
+      <p:sp>
+        <p:nvSpPr>
+          <p:cNvPr id="10" name="Заголовок 2"/>
+          <p:cNvSpPr txBox="1">
+            <a:spLocks/>
+          </p:cNvSpPr>
+          <p:nvPr/>
+        </p:nvSpPr>
+        <p:spPr>
+          <a:xfrm>
+            <a:off x="6084168" y="6093296"/>
+            <a:ext cx="2736304" cy="432048"/>
+          </a:xfrm>
+          <a:prstGeom prst="rect">
+            <a:avLst/>
+          </a:prstGeom>
+          <a:noFill/>
+        </p:spPr>
+        <p:txBody>
+          <a:bodyPr vert="horz" rtlCol="0" anchor="ctr">
+            <a:noAutofit/>
+            <a:scene3d>
+              <a:camera prst="orthographicFront"/>
+              <a:lightRig rig="soft" dir="t"/>
+            </a:scene3d>
+            <a:sp3d prstMaterial="softEdge">
+              <a:bevelT w="25400" h="25400"/>
+            </a:sp3d>
+          </a:bodyPr>
+          <a:lstStyle/>
+          <a:p>
+            <a:endParaRPr lang="ru-RU" sz="2400" b="1" dirty="0">
+              <a:latin typeface="Times New Roman" pitchFamily="18" charset="0"/>
+              <a:cs typeface="Times New Roman" pitchFamily="18" charset="0"/>
+            </a:endParaRPr>
+          </a:p>
+        </p:txBody>
+      </p:sp>
+      <p:pic>
+        <p:nvPicPr>
+          <p:cNvPr id="6" name="Picture 2" descr="Архитектура телеф"/>
+          <p:cNvPicPr>
+            <a:picLocks noChangeAspect="1" noChangeArrowheads="1"/>
+          </p:cNvPicPr>
+          <p:nvPr/>
+        </p:nvPicPr>
+        <p:blipFill>
+          <a:blip r:embed="rId3" cstate="print"/>
+          <a:srcRect/>
+          <a:stretch>
+            <a:fillRect/>
+          </a:stretch>
+        </p:blipFill>
+        <p:spPr bwMode="auto">
+          <a:xfrm>
+            <a:off x="4355976" y="1772816"/>
+            <a:ext cx="4248472" cy="4457700"/>
+          </a:xfrm>
+          <a:prstGeom prst="rect">
+            <a:avLst/>
+          </a:prstGeom>
+          <a:noFill/>
+          <a:ln w="9525">
+            <a:noFill/>
+            <a:miter lim="800000"/>
+            <a:headEnd/>
+            <a:tailEnd/>
+          </a:ln>
+        </p:spPr>
+      </p:pic>
+      <p:sp>
+        <p:nvSpPr>
+          <p:cNvPr id="7" name="Заголовок 2"/>
+          <p:cNvSpPr txBox="1">
+            <a:spLocks/>
+          </p:cNvSpPr>
+          <p:nvPr/>
+        </p:nvSpPr>
+        <p:spPr>
+          <a:xfrm>
+            <a:off x="395536" y="1628800"/>
+            <a:ext cx="3024336" cy="432048"/>
+          </a:xfrm>
+          <a:prstGeom prst="rect">
+            <a:avLst/>
+          </a:prstGeom>
+          <a:noFill/>
+        </p:spPr>
+        <p:txBody>
+          <a:bodyPr vert="horz" rtlCol="0" anchor="ctr">
+            <a:noAutofit/>
+            <a:scene3d>
+              <a:camera prst="orthographicFront"/>
+              <a:lightRig rig="soft" dir="t"/>
+            </a:scene3d>
+            <a:sp3d prstMaterial="softEdge">
+              <a:bevelT w="25400" h="25400"/>
+            </a:sp3d>
+          </a:bodyPr>
+          <a:lstStyle/>
+          <a:p>
+            <a:r>
+              <a:rPr lang="ru-RU" sz="2400" b="1" dirty="0" smtClean="0">
+                <a:latin typeface="Times New Roman" pitchFamily="18" charset="0"/>
+                <a:cs typeface="Times New Roman" pitchFamily="18" charset="0"/>
+              </a:rPr>
+              <a:t>Схема </a:t>
+            </a:r>
+            <a:r>
+              <a:rPr lang="ru-RU" sz="2400" b="1" dirty="0" smtClean="0">
+                <a:latin typeface="Times New Roman" pitchFamily="18" charset="0"/>
+                <a:cs typeface="Times New Roman" pitchFamily="18" charset="0"/>
+              </a:rPr>
+              <a:t>подключения</a:t>
+            </a:r>
+            <a:endParaRPr lang="ru-RU" sz="2400" dirty="0">
+              <a:latin typeface="Times New Roman" pitchFamily="18" charset="0"/>
+              <a:cs typeface="Times New Roman" pitchFamily="18" charset="0"/>
+            </a:endParaRPr>
+          </a:p>
+        </p:txBody>
+      </p:sp>
+    </p:spTree>
+  </p:cSld>
+  <p:clrMapOvr>
+    <a:masterClrMapping/>
+  </p:clrMapOvr>
+  <p:timing>
+    <p:tnLst>
+      <p:par>
+        <p:cTn id="1" dur="indefinite" restart="never" nodeType="tmRoot"/>
+      </p:par>
+    </p:tnLst>
+  </p:timing>
+</p:sld>
+</file>
+
+<file path=ppt/slides/slide28.xml><?xml version="1.0" encoding="utf-8"?>
+<p:sld xmlns:a="http://schemas.openxmlformats.org/drawingml/2006/main" xmlns:r="http://schemas.openxmlformats.org/officeDocument/2006/relationships" xmlns:p="http://schemas.openxmlformats.org/presentationml/2006/main">
+  <p:cSld>
+    <p:spTree>
+      <p:nvGrpSpPr>
+        <p:cNvPr id="1" name=""/>
+        <p:cNvGrpSpPr/>
+        <p:nvPr/>
+      </p:nvGrpSpPr>
+      <p:grpSpPr>
+        <a:xfrm>
+          <a:off x="0" y="0"/>
+          <a:ext cx="0" cy="0"/>
+          <a:chOff x="0" y="0"/>
+          <a:chExt cx="0" cy="0"/>
+        </a:xfrm>
+      </p:grpSpPr>
+      <p:sp>
+        <p:nvSpPr>
+          <p:cNvPr id="3" name="Заголовок 2"/>
+          <p:cNvSpPr>
+            <a:spLocks noGrp="1"/>
+          </p:cNvSpPr>
+          <p:nvPr>
+            <p:ph type="title"/>
+          </p:nvPr>
+        </p:nvSpPr>
+        <p:spPr>
+          <a:solidFill>
+            <a:schemeClr val="bg2">
+              <a:lumMod val="50000"/>
+            </a:schemeClr>
+          </a:solidFill>
+        </p:spPr>
+        <p:txBody>
+          <a:bodyPr>
+            <a:noAutofit/>
+          </a:bodyPr>
+          <a:lstStyle/>
+          <a:p>
+            <a:r>
+              <a:rPr lang="ru-RU" sz="3200" dirty="0" smtClean="0">
+                <a:solidFill>
+                  <a:schemeClr val="bg1"/>
+                </a:solidFill>
+              </a:rPr>
+              <a:t>Модель жизненного цикла системы автоматизации</a:t>
+            </a:r>
+            <a:r>
+              <a:rPr lang="ru-RU" sz="3200" dirty="0" smtClean="0">
+                <a:solidFill>
+                  <a:schemeClr val="bg1"/>
+                </a:solidFill>
+              </a:rPr>
+              <a:t>.</a:t>
+            </a:r>
+            <a:endParaRPr lang="ru-RU" sz="3200" dirty="0">
+              <a:solidFill>
+                <a:schemeClr val="bg1"/>
+              </a:solidFill>
+              <a:latin typeface="Times New Roman" pitchFamily="18" charset="0"/>
+              <a:cs typeface="Times New Roman" pitchFamily="18" charset="0"/>
+            </a:endParaRPr>
+          </a:p>
+        </p:txBody>
+      </p:sp>
+      <p:sp>
+        <p:nvSpPr>
+          <p:cNvPr id="4" name="Заголовок 2"/>
+          <p:cNvSpPr txBox="1">
+            <a:spLocks/>
+          </p:cNvSpPr>
+          <p:nvPr/>
+        </p:nvSpPr>
+        <p:spPr>
+          <a:xfrm>
+            <a:off x="395536" y="1556792"/>
+            <a:ext cx="8280920" cy="3744416"/>
+          </a:xfrm>
+          <a:prstGeom prst="rect">
+            <a:avLst/>
+          </a:prstGeom>
+          <a:noFill/>
+        </p:spPr>
+        <p:txBody>
+          <a:bodyPr vert="horz" rtlCol="0" anchor="ctr">
+            <a:noAutofit/>
+            <a:scene3d>
+              <a:camera prst="orthographicFront"/>
+              <a:lightRig rig="soft" dir="t"/>
+            </a:scene3d>
+            <a:sp3d prstMaterial="softEdge">
+              <a:bevelT w="25400" h="25400"/>
+            </a:sp3d>
+          </a:bodyPr>
+          <a:lstStyle/>
+          <a:p>
+            <a:endParaRPr lang="ru-RU" sz="2400" b="1" dirty="0">
+              <a:latin typeface="Times New Roman" pitchFamily="18" charset="0"/>
+              <a:cs typeface="Times New Roman" pitchFamily="18" charset="0"/>
+            </a:endParaRPr>
+          </a:p>
+        </p:txBody>
+      </p:sp>
+      <p:sp>
+        <p:nvSpPr>
+          <p:cNvPr id="10" name="Заголовок 2"/>
+          <p:cNvSpPr txBox="1">
+            <a:spLocks/>
+          </p:cNvSpPr>
+          <p:nvPr/>
+        </p:nvSpPr>
+        <p:spPr>
+          <a:xfrm>
+            <a:off x="6084168" y="6093296"/>
+            <a:ext cx="2736304" cy="432048"/>
+          </a:xfrm>
+          <a:prstGeom prst="rect">
+            <a:avLst/>
+          </a:prstGeom>
+          <a:noFill/>
+        </p:spPr>
+        <p:txBody>
+          <a:bodyPr vert="horz" rtlCol="0" anchor="ctr">
+            <a:noAutofit/>
+            <a:scene3d>
+              <a:camera prst="orthographicFront"/>
+              <a:lightRig rig="soft" dir="t"/>
+            </a:scene3d>
+            <a:sp3d prstMaterial="softEdge">
+              <a:bevelT w="25400" h="25400"/>
+            </a:sp3d>
+          </a:bodyPr>
+          <a:lstStyle/>
+          <a:p>
+            <a:endParaRPr lang="ru-RU" sz="2400" b="1" dirty="0">
+              <a:latin typeface="Times New Roman" pitchFamily="18" charset="0"/>
+              <a:cs typeface="Times New Roman" pitchFamily="18" charset="0"/>
+            </a:endParaRPr>
+          </a:p>
+        </p:txBody>
+      </p:sp>
+      <p:sp>
+        <p:nvSpPr>
+          <p:cNvPr id="7" name="Заголовок 2"/>
+          <p:cNvSpPr txBox="1">
+            <a:spLocks/>
+          </p:cNvSpPr>
+          <p:nvPr/>
+        </p:nvSpPr>
+        <p:spPr>
+          <a:xfrm>
+            <a:off x="395536" y="1772816"/>
+            <a:ext cx="8280920" cy="432048"/>
+          </a:xfrm>
+          <a:prstGeom prst="rect">
+            <a:avLst/>
+          </a:prstGeom>
+          <a:noFill/>
+        </p:spPr>
+        <p:txBody>
+          <a:bodyPr vert="horz" rtlCol="0" anchor="ctr">
+            <a:noAutofit/>
+            <a:scene3d>
+              <a:camera prst="orthographicFront"/>
+              <a:lightRig rig="soft" dir="t"/>
+            </a:scene3d>
+            <a:sp3d prstMaterial="softEdge">
+              <a:bevelT w="25400" h="25400"/>
+            </a:sp3d>
+          </a:bodyPr>
+          <a:lstStyle/>
+          <a:p>
+            <a:r>
+              <a:rPr lang="ru-RU" sz="2400" b="1" dirty="0" smtClean="0">
+                <a:latin typeface="Times New Roman" pitchFamily="18" charset="0"/>
+                <a:cs typeface="Times New Roman" pitchFamily="18" charset="0"/>
+              </a:rPr>
+              <a:t>Модель жизненного цикла </a:t>
+            </a:r>
+            <a:r>
+              <a:rPr lang="ru-RU" sz="2400" b="1" dirty="0" smtClean="0">
+                <a:latin typeface="Times New Roman" pitchFamily="18" charset="0"/>
+                <a:cs typeface="Times New Roman" pitchFamily="18" charset="0"/>
+              </a:rPr>
+              <a:t>системы автоматизации</a:t>
+            </a:r>
+            <a:endParaRPr lang="ru-RU" sz="2400" b="1" dirty="0">
+              <a:latin typeface="Times New Roman" pitchFamily="18" charset="0"/>
+              <a:cs typeface="Times New Roman" pitchFamily="18" charset="0"/>
+            </a:endParaRPr>
+          </a:p>
+        </p:txBody>
+      </p:sp>
+      <p:sp>
+        <p:nvSpPr>
+          <p:cNvPr id="15" name="Прямоугольник 14"/>
+          <p:cNvSpPr/>
+          <p:nvPr/>
+        </p:nvSpPr>
+        <p:spPr>
+          <a:xfrm>
+            <a:off x="467544" y="2708920"/>
+            <a:ext cx="2088232" cy="504056"/>
+          </a:xfrm>
+          <a:prstGeom prst="rect">
+            <a:avLst/>
+          </a:prstGeom>
+        </p:spPr>
+        <p:style>
+          <a:lnRef idx="2">
+            <a:schemeClr val="accent1">
+              <a:shade val="50000"/>
+            </a:schemeClr>
+          </a:lnRef>
+          <a:fillRef idx="1">
+            <a:schemeClr val="accent1"/>
+          </a:fillRef>
+          <a:effectRef idx="0">
+            <a:schemeClr val="accent1"/>
+          </a:effectRef>
+          <a:fontRef idx="minor">
+            <a:schemeClr val="lt1"/>
+          </a:fontRef>
+        </p:style>
+        <p:txBody>
+          <a:bodyPr rtlCol="0" anchor="ctr"/>
+          <a:lstStyle/>
+          <a:p>
+            <a:pPr algn="ctr"/>
+            <a:r>
+              <a:rPr lang="ru-RU" dirty="0" smtClean="0"/>
+              <a:t>Проектирование</a:t>
+            </a:r>
+            <a:endParaRPr lang="ru-RU" dirty="0"/>
+          </a:p>
+        </p:txBody>
+      </p:sp>
+      <p:sp>
+        <p:nvSpPr>
+          <p:cNvPr id="16" name="Прямоугольник 15"/>
+          <p:cNvSpPr/>
+          <p:nvPr/>
+        </p:nvSpPr>
+        <p:spPr>
+          <a:xfrm>
+            <a:off x="2915816" y="2708920"/>
+            <a:ext cx="1512168" cy="504056"/>
+          </a:xfrm>
+          <a:prstGeom prst="rect">
+            <a:avLst/>
+          </a:prstGeom>
+        </p:spPr>
+        <p:style>
+          <a:lnRef idx="2">
+            <a:schemeClr val="accent1">
+              <a:shade val="50000"/>
+            </a:schemeClr>
+          </a:lnRef>
+          <a:fillRef idx="1">
+            <a:schemeClr val="accent1"/>
+          </a:fillRef>
+          <a:effectRef idx="0">
+            <a:schemeClr val="accent1"/>
+          </a:effectRef>
+          <a:fontRef idx="minor">
+            <a:schemeClr val="lt1"/>
+          </a:fontRef>
+        </p:style>
+        <p:txBody>
+          <a:bodyPr rtlCol="0" anchor="ctr"/>
+          <a:lstStyle/>
+          <a:p>
+            <a:pPr algn="ctr"/>
+            <a:r>
+              <a:rPr lang="ru-RU" dirty="0" smtClean="0"/>
+              <a:t>Внедрение</a:t>
+            </a:r>
+            <a:endParaRPr lang="ru-RU" dirty="0"/>
+          </a:p>
+        </p:txBody>
+      </p:sp>
+      <p:sp>
+        <p:nvSpPr>
+          <p:cNvPr id="17" name="Прямоугольник 16"/>
+          <p:cNvSpPr/>
+          <p:nvPr/>
+        </p:nvSpPr>
+        <p:spPr>
+          <a:xfrm>
+            <a:off x="4788024" y="2708920"/>
+            <a:ext cx="1512168" cy="504056"/>
+          </a:xfrm>
+          <a:prstGeom prst="rect">
+            <a:avLst/>
+          </a:prstGeom>
+        </p:spPr>
+        <p:style>
+          <a:lnRef idx="2">
+            <a:schemeClr val="accent1">
+              <a:shade val="50000"/>
+            </a:schemeClr>
+          </a:lnRef>
+          <a:fillRef idx="1">
+            <a:schemeClr val="accent1"/>
+          </a:fillRef>
+          <a:effectRef idx="0">
+            <a:schemeClr val="accent1"/>
+          </a:effectRef>
+          <a:fontRef idx="minor">
+            <a:schemeClr val="lt1"/>
+          </a:fontRef>
+        </p:style>
+        <p:txBody>
+          <a:bodyPr rtlCol="0" anchor="ctr"/>
+          <a:lstStyle/>
+          <a:p>
+            <a:pPr algn="ctr"/>
+            <a:r>
+              <a:rPr lang="ru-RU" dirty="0" smtClean="0"/>
+              <a:t>Освоение</a:t>
+            </a:r>
+            <a:endParaRPr lang="ru-RU" dirty="0"/>
+          </a:p>
+        </p:txBody>
+      </p:sp>
+      <p:sp>
+        <p:nvSpPr>
+          <p:cNvPr id="18" name="Прямоугольник 17"/>
+          <p:cNvSpPr/>
+          <p:nvPr/>
+        </p:nvSpPr>
+        <p:spPr>
+          <a:xfrm>
+            <a:off x="6660232" y="2708920"/>
+            <a:ext cx="1944216" cy="504056"/>
+          </a:xfrm>
+          <a:prstGeom prst="rect">
+            <a:avLst/>
+          </a:prstGeom>
+        </p:spPr>
+        <p:style>
+          <a:lnRef idx="2">
+            <a:schemeClr val="accent1">
+              <a:shade val="50000"/>
+            </a:schemeClr>
+          </a:lnRef>
+          <a:fillRef idx="1">
+            <a:schemeClr val="accent1"/>
+          </a:fillRef>
+          <a:effectRef idx="0">
+            <a:schemeClr val="accent1"/>
+          </a:effectRef>
+          <a:fontRef idx="minor">
+            <a:schemeClr val="lt1"/>
+          </a:fontRef>
+        </p:style>
+        <p:txBody>
+          <a:bodyPr rtlCol="0" anchor="ctr"/>
+          <a:lstStyle/>
+          <a:p>
+            <a:pPr algn="ctr"/>
+            <a:r>
+              <a:rPr lang="ru-RU" dirty="0" smtClean="0"/>
+              <a:t>Обслуживание</a:t>
+            </a:r>
+            <a:endParaRPr lang="ru-RU" dirty="0"/>
+          </a:p>
+        </p:txBody>
+      </p:sp>
+      <p:cxnSp>
+        <p:nvCxnSpPr>
+          <p:cNvPr id="29" name="Прямая со стрелкой 28"/>
+          <p:cNvCxnSpPr>
+            <a:stCxn id="15" idx="3"/>
+            <a:endCxn id="16" idx="1"/>
+          </p:cNvCxnSpPr>
+          <p:nvPr/>
+        </p:nvCxnSpPr>
+        <p:spPr>
+          <a:xfrm>
+            <a:off x="2555776" y="2960948"/>
+            <a:ext cx="360040" cy="0"/>
+          </a:xfrm>
+          <a:prstGeom prst="straightConnector1">
+            <a:avLst/>
+          </a:prstGeom>
+          <a:ln>
+            <a:tailEnd type="arrow"/>
+          </a:ln>
+        </p:spPr>
+        <p:style>
+          <a:lnRef idx="1">
+            <a:schemeClr val="accent1"/>
+          </a:lnRef>
+          <a:fillRef idx="0">
+            <a:schemeClr val="accent1"/>
+          </a:fillRef>
+          <a:effectRef idx="0">
+            <a:schemeClr val="accent1"/>
+          </a:effectRef>
+          <a:fontRef idx="minor">
+            <a:schemeClr val="tx1"/>
+          </a:fontRef>
+        </p:style>
+      </p:cxnSp>
+      <p:cxnSp>
+        <p:nvCxnSpPr>
+          <p:cNvPr id="31" name="Прямая со стрелкой 30"/>
+          <p:cNvCxnSpPr>
+            <a:endCxn id="17" idx="1"/>
+          </p:cNvCxnSpPr>
+          <p:nvPr/>
+        </p:nvCxnSpPr>
+        <p:spPr>
+          <a:xfrm>
+            <a:off x="4427984" y="2960948"/>
+            <a:ext cx="360040" cy="0"/>
+          </a:xfrm>
+          <a:prstGeom prst="straightConnector1">
+            <a:avLst/>
+          </a:prstGeom>
+          <a:ln>
+            <a:tailEnd type="arrow"/>
+          </a:ln>
+        </p:spPr>
+        <p:style>
+          <a:lnRef idx="1">
+            <a:schemeClr val="accent1"/>
+          </a:lnRef>
+          <a:fillRef idx="0">
+            <a:schemeClr val="accent1"/>
+          </a:fillRef>
+          <a:effectRef idx="0">
+            <a:schemeClr val="accent1"/>
+          </a:effectRef>
+          <a:fontRef idx="minor">
+            <a:schemeClr val="tx1"/>
+          </a:fontRef>
+        </p:style>
+      </p:cxnSp>
+      <p:cxnSp>
+        <p:nvCxnSpPr>
+          <p:cNvPr id="32" name="Прямая со стрелкой 31"/>
+          <p:cNvCxnSpPr>
+            <a:endCxn id="18" idx="1"/>
+          </p:cNvCxnSpPr>
+          <p:nvPr/>
+        </p:nvCxnSpPr>
+        <p:spPr>
+          <a:xfrm>
+            <a:off x="6300192" y="2960948"/>
+            <a:ext cx="360040" cy="0"/>
+          </a:xfrm>
+          <a:prstGeom prst="straightConnector1">
+            <a:avLst/>
+          </a:prstGeom>
+          <a:ln>
+            <a:tailEnd type="arrow"/>
+          </a:ln>
+        </p:spPr>
+        <p:style>
+          <a:lnRef idx="1">
+            <a:schemeClr val="accent1"/>
+          </a:lnRef>
+          <a:fillRef idx="0">
+            <a:schemeClr val="accent1"/>
+          </a:fillRef>
+          <a:effectRef idx="0">
+            <a:schemeClr val="accent1"/>
+          </a:effectRef>
+          <a:fontRef idx="minor">
+            <a:schemeClr val="tx1"/>
+          </a:fontRef>
+        </p:style>
+      </p:cxnSp>
+    </p:spTree>
+  </p:cSld>
+  <p:clrMapOvr>
+    <a:masterClrMapping/>
+  </p:clrMapOvr>
+  <p:timing>
+    <p:tnLst>
+      <p:par>
+        <p:cTn id="1" dur="indefinite" restart="never" nodeType="tmRoot"/>
+      </p:par>
+    </p:tnLst>
+  </p:timing>
+</p:sld>
+</file>
+
+<file path=ppt/slides/slide29.xml><?xml version="1.0" encoding="utf-8"?>
+<p:sld xmlns:a="http://schemas.openxmlformats.org/drawingml/2006/main" xmlns:r="http://schemas.openxmlformats.org/officeDocument/2006/relationships" xmlns:p="http://schemas.openxmlformats.org/presentationml/2006/main">
+  <p:cSld>
+    <p:spTree>
+      <p:nvGrpSpPr>
+        <p:cNvPr id="1" name=""/>
+        <p:cNvGrpSpPr/>
+        <p:nvPr/>
+      </p:nvGrpSpPr>
+      <p:grpSpPr>
+        <a:xfrm>
+          <a:off x="0" y="0"/>
+          <a:ext cx="0" cy="0"/>
+          <a:chOff x="0" y="0"/>
+          <a:chExt cx="0" cy="0"/>
+        </a:xfrm>
+      </p:grpSpPr>
+      <p:sp>
+        <p:nvSpPr>
+          <p:cNvPr id="3" name="Заголовок 2"/>
+          <p:cNvSpPr>
+            <a:spLocks noGrp="1"/>
+          </p:cNvSpPr>
+          <p:nvPr>
+            <p:ph type="title"/>
+          </p:nvPr>
+        </p:nvSpPr>
+        <p:spPr>
+          <a:solidFill>
+            <a:schemeClr val="bg2">
+              <a:lumMod val="50000"/>
+            </a:schemeClr>
+          </a:solidFill>
+        </p:spPr>
+        <p:txBody>
+          <a:bodyPr>
+            <a:noAutofit/>
+          </a:bodyPr>
+          <a:lstStyle/>
+          <a:p>
+            <a:r>
+              <a:rPr lang="ru-RU" sz="3200" dirty="0" smtClean="0">
+                <a:solidFill>
+                  <a:schemeClr val="bg1"/>
+                </a:solidFill>
+              </a:rPr>
+              <a:t>Обоснование экономической выгоды от создания систем </a:t>
+            </a:r>
+            <a:r>
+              <a:rPr lang="ru-RU" sz="3200" dirty="0" smtClean="0">
+                <a:solidFill>
+                  <a:schemeClr val="bg1"/>
+                </a:solidFill>
+              </a:rPr>
+              <a:t>автоматизации</a:t>
+            </a:r>
+            <a:r>
+              <a:rPr lang="ru-RU" sz="3200" dirty="0" smtClean="0">
+                <a:solidFill>
+                  <a:schemeClr val="bg1"/>
+                </a:solidFill>
+              </a:rPr>
+              <a:t>.</a:t>
+            </a:r>
+            <a:endParaRPr lang="ru-RU" sz="3200" dirty="0">
+              <a:solidFill>
+                <a:schemeClr val="bg1"/>
+              </a:solidFill>
+              <a:latin typeface="Times New Roman" pitchFamily="18" charset="0"/>
+              <a:cs typeface="Times New Roman" pitchFamily="18" charset="0"/>
+            </a:endParaRPr>
+          </a:p>
+        </p:txBody>
+      </p:sp>
+      <p:sp>
+        <p:nvSpPr>
+          <p:cNvPr id="4" name="Заголовок 2"/>
+          <p:cNvSpPr txBox="1">
+            <a:spLocks/>
+          </p:cNvSpPr>
+          <p:nvPr/>
+        </p:nvSpPr>
+        <p:spPr>
+          <a:xfrm>
+            <a:off x="395536" y="1556792"/>
+            <a:ext cx="8280920" cy="3744416"/>
+          </a:xfrm>
+          <a:prstGeom prst="rect">
+            <a:avLst/>
+          </a:prstGeom>
+          <a:noFill/>
+        </p:spPr>
+        <p:txBody>
+          <a:bodyPr vert="horz" rtlCol="0" anchor="ctr">
+            <a:noAutofit/>
+            <a:scene3d>
+              <a:camera prst="orthographicFront"/>
+              <a:lightRig rig="soft" dir="t"/>
+            </a:scene3d>
+            <a:sp3d prstMaterial="softEdge">
+              <a:bevelT w="25400" h="25400"/>
+            </a:sp3d>
+          </a:bodyPr>
+          <a:lstStyle/>
+          <a:p>
+            <a:endParaRPr lang="ru-RU" sz="2400" b="1" dirty="0">
+              <a:latin typeface="Times New Roman" pitchFamily="18" charset="0"/>
+              <a:cs typeface="Times New Roman" pitchFamily="18" charset="0"/>
+            </a:endParaRPr>
+          </a:p>
+        </p:txBody>
+      </p:sp>
+      <p:sp>
+        <p:nvSpPr>
+          <p:cNvPr id="10" name="Заголовок 2"/>
+          <p:cNvSpPr txBox="1">
+            <a:spLocks/>
+          </p:cNvSpPr>
+          <p:nvPr/>
+        </p:nvSpPr>
+        <p:spPr>
+          <a:xfrm>
+            <a:off x="6084168" y="6093296"/>
+            <a:ext cx="2736304" cy="432048"/>
+          </a:xfrm>
+          <a:prstGeom prst="rect">
+            <a:avLst/>
+          </a:prstGeom>
+          <a:noFill/>
+        </p:spPr>
+        <p:txBody>
+          <a:bodyPr vert="horz" rtlCol="0" anchor="ctr">
+            <a:noAutofit/>
+            <a:scene3d>
+              <a:camera prst="orthographicFront"/>
+              <a:lightRig rig="soft" dir="t"/>
+            </a:scene3d>
+            <a:sp3d prstMaterial="softEdge">
+              <a:bevelT w="25400" h="25400"/>
+            </a:sp3d>
+          </a:bodyPr>
+          <a:lstStyle/>
+          <a:p>
+            <a:endParaRPr lang="ru-RU" sz="2400" b="1" dirty="0">
+              <a:latin typeface="Times New Roman" pitchFamily="18" charset="0"/>
+              <a:cs typeface="Times New Roman" pitchFamily="18" charset="0"/>
+            </a:endParaRPr>
+          </a:p>
+        </p:txBody>
+      </p:sp>
+      <p:sp>
+        <p:nvSpPr>
+          <p:cNvPr id="7" name="Заголовок 2"/>
+          <p:cNvSpPr txBox="1">
+            <a:spLocks/>
+          </p:cNvSpPr>
+          <p:nvPr/>
+        </p:nvSpPr>
+        <p:spPr>
+          <a:xfrm>
+            <a:off x="395536" y="1556792"/>
+            <a:ext cx="8280920" cy="648072"/>
+          </a:xfrm>
+          <a:prstGeom prst="rect">
+            <a:avLst/>
+          </a:prstGeom>
+          <a:noFill/>
+        </p:spPr>
+        <p:txBody>
+          <a:bodyPr vert="horz" rtlCol="0" anchor="ctr">
+            <a:noAutofit/>
+            <a:scene3d>
+              <a:camera prst="orthographicFront"/>
+              <a:lightRig rig="soft" dir="t"/>
+            </a:scene3d>
+            <a:sp3d prstMaterial="softEdge">
+              <a:bevelT w="25400" h="25400"/>
+            </a:sp3d>
+          </a:bodyPr>
+          <a:lstStyle/>
+          <a:p>
+            <a:r>
+              <a:rPr lang="ru-RU" sz="2200" b="1" dirty="0" smtClean="0">
+                <a:latin typeface="Times New Roman" pitchFamily="18" charset="0"/>
+                <a:cs typeface="Times New Roman" pitchFamily="18" charset="0"/>
+              </a:rPr>
+              <a:t>Полная стоимость владения определяется по формуле:</a:t>
+            </a:r>
+          </a:p>
+          <a:p>
+            <a:r>
+              <a:rPr lang="ru-RU" sz="2400" dirty="0" smtClean="0"/>
+              <a:t>		</a:t>
+            </a:r>
+            <a:endParaRPr lang="ru-RU" sz="2400" dirty="0">
+              <a:latin typeface="Times New Roman" pitchFamily="18" charset="0"/>
+              <a:cs typeface="Times New Roman" pitchFamily="18" charset="0"/>
+            </a:endParaRPr>
+          </a:p>
+        </p:txBody>
+      </p:sp>
+      <p:sp>
+        <p:nvSpPr>
+          <p:cNvPr id="2052" name="Rectangle 4"/>
+          <p:cNvSpPr>
+            <a:spLocks noChangeArrowheads="1"/>
+          </p:cNvSpPr>
+          <p:nvPr/>
+        </p:nvSpPr>
+        <p:spPr bwMode="auto">
+          <a:xfrm>
+            <a:off x="0" y="0"/>
+            <a:ext cx="9144000" cy="0"/>
+          </a:xfrm>
+          <a:prstGeom prst="rect">
+            <a:avLst/>
+          </a:prstGeom>
+          <a:noFill/>
+          <a:ln w="9525">
+            <a:noFill/>
+            <a:miter lim="800000"/>
+            <a:headEnd/>
+            <a:tailEnd/>
+          </a:ln>
+          <a:effectLst/>
+        </p:spPr>
+        <p:txBody>
+          <a:bodyPr vert="horz" wrap="none" lIns="91440" tIns="45720" rIns="91440" bIns="45720" numCol="1" anchor="ctr" anchorCtr="0" compatLnSpc="1">
+            <a:prstTxWarp prst="textNoShape">
+              <a:avLst/>
+            </a:prstTxWarp>
+            <a:spAutoFit/>
+          </a:bodyPr>
+          <a:lstStyle/>
+          <a:p>
+            <a:endParaRPr lang="ru-RU"/>
+          </a:p>
+        </p:txBody>
+      </p:sp>
+      <p:graphicFrame>
+        <p:nvGraphicFramePr>
+          <p:cNvPr id="2051" name="Object 3"/>
+          <p:cNvGraphicFramePr>
+            <a:graphicFrameLocks noChangeAspect="1"/>
+          </p:cNvGraphicFramePr>
+          <p:nvPr/>
+        </p:nvGraphicFramePr>
+        <p:xfrm>
+          <a:off x="3707904" y="1906831"/>
+          <a:ext cx="1656184" cy="874097"/>
+        </p:xfrm>
+        <a:graphic>
+          <a:graphicData uri="http://schemas.openxmlformats.org/presentationml/2006/ole">
+            <p:oleObj spid="_x0000_s2051" r:id="rId4" imgW="825500" imgH="431800" progId="Equation.3">
+              <p:embed/>
+            </p:oleObj>
+          </a:graphicData>
+        </a:graphic>
+      </p:graphicFrame>
+      <p:sp>
+        <p:nvSpPr>
+          <p:cNvPr id="17" name="Прямоугольник 16"/>
+          <p:cNvSpPr/>
+          <p:nvPr/>
+        </p:nvSpPr>
+        <p:spPr>
+          <a:xfrm>
+            <a:off x="467544" y="2780928"/>
+            <a:ext cx="7560840" cy="400110"/>
+          </a:xfrm>
+          <a:prstGeom prst="rect">
+            <a:avLst/>
+          </a:prstGeom>
+        </p:spPr>
+        <p:txBody>
+          <a:bodyPr wrap="square">
+            <a:spAutoFit/>
+          </a:bodyPr>
+          <a:lstStyle/>
+          <a:p>
+            <a:r>
+              <a:rPr lang="ru-RU" dirty="0" smtClean="0">
+                <a:latin typeface="Times New Roman" pitchFamily="18" charset="0"/>
+                <a:cs typeface="Times New Roman" pitchFamily="18" charset="0"/>
+              </a:rPr>
+              <a:t>где </a:t>
+            </a:r>
+            <a:r>
+              <a:rPr lang="en-US" i="1" dirty="0" smtClean="0">
+                <a:latin typeface="Times New Roman" pitchFamily="18" charset="0"/>
+                <a:cs typeface="Times New Roman" pitchFamily="18" charset="0"/>
+              </a:rPr>
+              <a:t>c</a:t>
+            </a:r>
+            <a:r>
+              <a:rPr lang="en-US" i="1" baseline="-25000" dirty="0" smtClean="0">
+                <a:latin typeface="Times New Roman" pitchFamily="18" charset="0"/>
+                <a:cs typeface="Times New Roman" pitchFamily="18" charset="0"/>
+              </a:rPr>
+              <a:t>k</a:t>
+            </a:r>
+            <a:r>
+              <a:rPr lang="ru-RU" dirty="0" smtClean="0">
+                <a:latin typeface="Times New Roman" pitchFamily="18" charset="0"/>
+                <a:cs typeface="Times New Roman" pitchFamily="18" charset="0"/>
+              </a:rPr>
+              <a:t> – издержки на </a:t>
+            </a:r>
+            <a:r>
+              <a:rPr lang="en-US" i="1" dirty="0" smtClean="0">
+                <a:latin typeface="Times New Roman" pitchFamily="18" charset="0"/>
+                <a:cs typeface="Times New Roman" pitchFamily="18" charset="0"/>
+              </a:rPr>
+              <a:t>k</a:t>
+            </a:r>
+            <a:r>
+              <a:rPr lang="ru-RU" dirty="0" smtClean="0">
+                <a:latin typeface="Times New Roman" pitchFamily="18" charset="0"/>
+                <a:cs typeface="Times New Roman" pitchFamily="18" charset="0"/>
+              </a:rPr>
+              <a:t>-</a:t>
+            </a:r>
+            <a:r>
+              <a:rPr lang="ru-RU" dirty="0" err="1" smtClean="0">
+                <a:latin typeface="Times New Roman" pitchFamily="18" charset="0"/>
+                <a:cs typeface="Times New Roman" pitchFamily="18" charset="0"/>
+              </a:rPr>
+              <a:t>й</a:t>
+            </a:r>
+            <a:r>
+              <a:rPr lang="ru-RU" dirty="0" smtClean="0">
+                <a:latin typeface="Times New Roman" pitchFamily="18" charset="0"/>
+                <a:cs typeface="Times New Roman" pitchFamily="18" charset="0"/>
+              </a:rPr>
+              <a:t> этап жизненного цикла</a:t>
+            </a:r>
+            <a:r>
+              <a:rPr lang="ru-RU" sz="2000" dirty="0" smtClean="0">
+                <a:latin typeface="Times New Roman" pitchFamily="18" charset="0"/>
+                <a:cs typeface="Times New Roman" pitchFamily="18" charset="0"/>
+              </a:rPr>
+              <a:t>.</a:t>
+            </a:r>
+            <a:endParaRPr lang="ru-RU" sz="2000" dirty="0">
+              <a:latin typeface="Times New Roman" pitchFamily="18" charset="0"/>
+              <a:cs typeface="Times New Roman" pitchFamily="18" charset="0"/>
+            </a:endParaRPr>
+          </a:p>
+        </p:txBody>
+      </p:sp>
+      <p:sp>
+        <p:nvSpPr>
+          <p:cNvPr id="18" name="Прямоугольник 17"/>
+          <p:cNvSpPr/>
+          <p:nvPr/>
+        </p:nvSpPr>
+        <p:spPr>
+          <a:xfrm>
+            <a:off x="467544" y="3356992"/>
+            <a:ext cx="8136904" cy="769441"/>
+          </a:xfrm>
+          <a:prstGeom prst="rect">
+            <a:avLst/>
+          </a:prstGeom>
+        </p:spPr>
+        <p:txBody>
+          <a:bodyPr wrap="square">
+            <a:spAutoFit/>
+          </a:bodyPr>
+          <a:lstStyle/>
+          <a:p>
+            <a:r>
+              <a:rPr lang="ru-RU" sz="2200" b="1" dirty="0" smtClean="0">
+                <a:latin typeface="Times New Roman" pitchFamily="18" charset="0"/>
+                <a:cs typeface="Times New Roman" pitchFamily="18" charset="0"/>
+              </a:rPr>
+              <a:t>Польза от систем автоматизации (их вклад в основную деятельность организации) рассчитывается по формуле:</a:t>
+            </a:r>
+            <a:endParaRPr lang="ru-RU" sz="2200" b="1" dirty="0">
+              <a:latin typeface="Times New Roman" pitchFamily="18" charset="0"/>
+              <a:cs typeface="Times New Roman" pitchFamily="18" charset="0"/>
+            </a:endParaRPr>
+          </a:p>
+        </p:txBody>
+      </p:sp>
+      <p:sp>
+        <p:nvSpPr>
+          <p:cNvPr id="2054" name="Rectangle 6"/>
+          <p:cNvSpPr>
+            <a:spLocks noChangeArrowheads="1"/>
+          </p:cNvSpPr>
+          <p:nvPr/>
+        </p:nvSpPr>
+        <p:spPr bwMode="auto">
+          <a:xfrm>
+            <a:off x="0" y="0"/>
+            <a:ext cx="9144000" cy="0"/>
+          </a:xfrm>
+          <a:prstGeom prst="rect">
+            <a:avLst/>
+          </a:prstGeom>
+          <a:noFill/>
+          <a:ln w="9525">
+            <a:noFill/>
+            <a:miter lim="800000"/>
+            <a:headEnd/>
+            <a:tailEnd/>
+          </a:ln>
+          <a:effectLst/>
+        </p:spPr>
+        <p:txBody>
+          <a:bodyPr vert="horz" wrap="none" lIns="91440" tIns="45720" rIns="91440" bIns="45720" numCol="1" anchor="ctr" anchorCtr="0" compatLnSpc="1">
+            <a:prstTxWarp prst="textNoShape">
+              <a:avLst/>
+            </a:prstTxWarp>
+            <a:spAutoFit/>
+          </a:bodyPr>
+          <a:lstStyle/>
+          <a:p>
+            <a:endParaRPr lang="ru-RU"/>
+          </a:p>
+        </p:txBody>
+      </p:sp>
+      <p:graphicFrame>
+        <p:nvGraphicFramePr>
+          <p:cNvPr id="2053" name="Object 5"/>
+          <p:cNvGraphicFramePr>
+            <a:graphicFrameLocks noChangeAspect="1"/>
+          </p:cNvGraphicFramePr>
+          <p:nvPr/>
+        </p:nvGraphicFramePr>
+        <p:xfrm>
+          <a:off x="3707904" y="4043085"/>
+          <a:ext cx="1944216" cy="1042099"/>
+        </p:xfrm>
+        <a:graphic>
+          <a:graphicData uri="http://schemas.openxmlformats.org/presentationml/2006/ole">
+            <p:oleObj spid="_x0000_s2053" r:id="rId5" imgW="876300" imgH="508000" progId="Equation.3">
+              <p:embed/>
+            </p:oleObj>
+          </a:graphicData>
+        </a:graphic>
+      </p:graphicFrame>
+      <p:sp>
+        <p:nvSpPr>
+          <p:cNvPr id="23" name="Прямоугольник 22"/>
+          <p:cNvSpPr/>
+          <p:nvPr/>
+        </p:nvSpPr>
+        <p:spPr>
+          <a:xfrm>
+            <a:off x="467544" y="5085184"/>
+            <a:ext cx="7992888" cy="646331"/>
+          </a:xfrm>
+          <a:prstGeom prst="rect">
+            <a:avLst/>
+          </a:prstGeom>
+        </p:spPr>
+        <p:txBody>
+          <a:bodyPr wrap="square">
+            <a:spAutoFit/>
+          </a:bodyPr>
+          <a:lstStyle/>
+          <a:p>
+            <a:r>
+              <a:rPr lang="ru-RU" dirty="0" smtClean="0">
+                <a:latin typeface="Times New Roman" pitchFamily="18" charset="0"/>
+                <a:cs typeface="Times New Roman" pitchFamily="18" charset="0"/>
+              </a:rPr>
+              <a:t>где </a:t>
+            </a:r>
+            <a:r>
+              <a:rPr lang="en-US" i="1" dirty="0" smtClean="0">
+                <a:latin typeface="Times New Roman" pitchFamily="18" charset="0"/>
+                <a:cs typeface="Times New Roman" pitchFamily="18" charset="0"/>
+              </a:rPr>
+              <a:t>Q</a:t>
+            </a:r>
+            <a:r>
+              <a:rPr lang="ru-RU" i="1" dirty="0" smtClean="0">
+                <a:latin typeface="Times New Roman" pitchFamily="18" charset="0"/>
+                <a:cs typeface="Times New Roman" pitchFamily="18" charset="0"/>
+              </a:rPr>
+              <a:t> </a:t>
+            </a:r>
+            <a:r>
+              <a:rPr lang="ru-RU" dirty="0" smtClean="0">
+                <a:latin typeface="Times New Roman" pitchFamily="18" charset="0"/>
+                <a:cs typeface="Times New Roman" pitchFamily="18" charset="0"/>
+              </a:rPr>
+              <a:t>(</a:t>
+            </a:r>
+            <a:r>
+              <a:rPr lang="en-US" i="1" dirty="0" smtClean="0">
+                <a:latin typeface="Times New Roman" pitchFamily="18" charset="0"/>
+                <a:cs typeface="Times New Roman" pitchFamily="18" charset="0"/>
+              </a:rPr>
+              <a:t>t</a:t>
+            </a:r>
+            <a:r>
+              <a:rPr lang="ru-RU" i="1" dirty="0" smtClean="0">
+                <a:latin typeface="Times New Roman" pitchFamily="18" charset="0"/>
+                <a:cs typeface="Times New Roman" pitchFamily="18" charset="0"/>
+              </a:rPr>
+              <a:t> </a:t>
+            </a:r>
+            <a:r>
+              <a:rPr lang="ru-RU" dirty="0" smtClean="0">
+                <a:latin typeface="Times New Roman" pitchFamily="18" charset="0"/>
+                <a:cs typeface="Times New Roman" pitchFamily="18" charset="0"/>
+              </a:rPr>
+              <a:t>) </a:t>
+            </a:r>
+            <a:r>
+              <a:rPr lang="ru-RU" dirty="0" smtClean="0">
+                <a:latin typeface="Times New Roman" pitchFamily="18" charset="0"/>
+                <a:cs typeface="Times New Roman" pitchFamily="18" charset="0"/>
+              </a:rPr>
+              <a:t>– текущая производительность автоматизированных систем, </a:t>
+            </a:r>
+            <a:r>
+              <a:rPr lang="en-US" i="1" dirty="0" smtClean="0">
+                <a:latin typeface="Times New Roman" pitchFamily="18" charset="0"/>
+                <a:cs typeface="Times New Roman" pitchFamily="18" charset="0"/>
+              </a:rPr>
+              <a:t>T</a:t>
+            </a:r>
+            <a:r>
+              <a:rPr lang="ru-RU" i="1" baseline="-25000" dirty="0" smtClean="0">
+                <a:latin typeface="Times New Roman" pitchFamily="18" charset="0"/>
+                <a:cs typeface="Times New Roman" pitchFamily="18" charset="0"/>
+              </a:rPr>
+              <a:t>0</a:t>
+            </a:r>
+            <a:r>
+              <a:rPr lang="ru-RU" dirty="0" smtClean="0">
+                <a:latin typeface="Times New Roman" pitchFamily="18" charset="0"/>
+                <a:cs typeface="Times New Roman" pitchFamily="18" charset="0"/>
+              </a:rPr>
+              <a:t> и </a:t>
+            </a:r>
+            <a:r>
+              <a:rPr lang="en-US" i="1" dirty="0" smtClean="0">
+                <a:latin typeface="Times New Roman" pitchFamily="18" charset="0"/>
+                <a:cs typeface="Times New Roman" pitchFamily="18" charset="0"/>
+              </a:rPr>
+              <a:t>T</a:t>
+            </a:r>
+            <a:r>
+              <a:rPr lang="ru-RU" i="1" baseline="-25000" dirty="0" err="1" smtClean="0">
+                <a:latin typeface="Times New Roman" pitchFamily="18" charset="0"/>
+                <a:cs typeface="Times New Roman" pitchFamily="18" charset="0"/>
+              </a:rPr>
+              <a:t>дегр</a:t>
+            </a:r>
+            <a:r>
+              <a:rPr lang="ru-RU" dirty="0" smtClean="0">
+                <a:latin typeface="Times New Roman" pitchFamily="18" charset="0"/>
+                <a:cs typeface="Times New Roman" pitchFamily="18" charset="0"/>
+              </a:rPr>
+              <a:t> – время начала создания и время деградации систем. </a:t>
+            </a:r>
+            <a:endParaRPr lang="ru-RU" dirty="0">
               <a:latin typeface="Times New Roman" pitchFamily="18" charset="0"/>
               <a:cs typeface="Times New Roman" pitchFamily="18" charset="0"/>
             </a:endParaRPr>
@@ -11751,6 +13578,2350 @@
 </p:sld>
 </file>
 
+<file path=ppt/slides/slide30.xml><?xml version="1.0" encoding="utf-8"?>
+<p:sld xmlns:a="http://schemas.openxmlformats.org/drawingml/2006/main" xmlns:r="http://schemas.openxmlformats.org/officeDocument/2006/relationships" xmlns:p="http://schemas.openxmlformats.org/presentationml/2006/main">
+  <p:cSld>
+    <p:spTree>
+      <p:nvGrpSpPr>
+        <p:cNvPr id="1" name=""/>
+        <p:cNvGrpSpPr/>
+        <p:nvPr/>
+      </p:nvGrpSpPr>
+      <p:grpSpPr>
+        <a:xfrm>
+          <a:off x="0" y="0"/>
+          <a:ext cx="0" cy="0"/>
+          <a:chOff x="0" y="0"/>
+          <a:chExt cx="0" cy="0"/>
+        </a:xfrm>
+      </p:grpSpPr>
+      <p:sp>
+        <p:nvSpPr>
+          <p:cNvPr id="3" name="Заголовок 2"/>
+          <p:cNvSpPr>
+            <a:spLocks noGrp="1"/>
+          </p:cNvSpPr>
+          <p:nvPr>
+            <p:ph type="title"/>
+          </p:nvPr>
+        </p:nvSpPr>
+        <p:spPr>
+          <a:solidFill>
+            <a:schemeClr val="bg2">
+              <a:lumMod val="50000"/>
+            </a:schemeClr>
+          </a:solidFill>
+        </p:spPr>
+        <p:txBody>
+          <a:bodyPr>
+            <a:noAutofit/>
+          </a:bodyPr>
+          <a:lstStyle/>
+          <a:p>
+            <a:r>
+              <a:rPr lang="ru-RU" sz="3200" dirty="0" smtClean="0">
+                <a:solidFill>
+                  <a:schemeClr val="bg1"/>
+                </a:solidFill>
+              </a:rPr>
+              <a:t>Обоснование экономической выгоды от создания систем </a:t>
+            </a:r>
+            <a:r>
+              <a:rPr lang="ru-RU" sz="3200" dirty="0" smtClean="0">
+                <a:solidFill>
+                  <a:schemeClr val="bg1"/>
+                </a:solidFill>
+              </a:rPr>
+              <a:t>автоматизации</a:t>
+            </a:r>
+            <a:r>
+              <a:rPr lang="ru-RU" sz="3200" dirty="0" smtClean="0">
+                <a:solidFill>
+                  <a:schemeClr val="bg1"/>
+                </a:solidFill>
+              </a:rPr>
+              <a:t>.</a:t>
+            </a:r>
+            <a:endParaRPr lang="ru-RU" sz="3200" dirty="0">
+              <a:solidFill>
+                <a:schemeClr val="bg1"/>
+              </a:solidFill>
+              <a:latin typeface="Times New Roman" pitchFamily="18" charset="0"/>
+              <a:cs typeface="Times New Roman" pitchFamily="18" charset="0"/>
+            </a:endParaRPr>
+          </a:p>
+        </p:txBody>
+      </p:sp>
+      <p:sp>
+        <p:nvSpPr>
+          <p:cNvPr id="4" name="Заголовок 2"/>
+          <p:cNvSpPr txBox="1">
+            <a:spLocks/>
+          </p:cNvSpPr>
+          <p:nvPr/>
+        </p:nvSpPr>
+        <p:spPr>
+          <a:xfrm>
+            <a:off x="395536" y="1556792"/>
+            <a:ext cx="8280920" cy="3744416"/>
+          </a:xfrm>
+          <a:prstGeom prst="rect">
+            <a:avLst/>
+          </a:prstGeom>
+          <a:noFill/>
+        </p:spPr>
+        <p:txBody>
+          <a:bodyPr vert="horz" rtlCol="0" anchor="ctr">
+            <a:noAutofit/>
+            <a:scene3d>
+              <a:camera prst="orthographicFront"/>
+              <a:lightRig rig="soft" dir="t"/>
+            </a:scene3d>
+            <a:sp3d prstMaterial="softEdge">
+              <a:bevelT w="25400" h="25400"/>
+            </a:sp3d>
+          </a:bodyPr>
+          <a:lstStyle/>
+          <a:p>
+            <a:endParaRPr lang="ru-RU" sz="2400" b="1" dirty="0">
+              <a:latin typeface="Times New Roman" pitchFamily="18" charset="0"/>
+              <a:cs typeface="Times New Roman" pitchFamily="18" charset="0"/>
+            </a:endParaRPr>
+          </a:p>
+        </p:txBody>
+      </p:sp>
+      <p:sp>
+        <p:nvSpPr>
+          <p:cNvPr id="10" name="Заголовок 2"/>
+          <p:cNvSpPr txBox="1">
+            <a:spLocks/>
+          </p:cNvSpPr>
+          <p:nvPr/>
+        </p:nvSpPr>
+        <p:spPr>
+          <a:xfrm>
+            <a:off x="6084168" y="6093296"/>
+            <a:ext cx="2736304" cy="432048"/>
+          </a:xfrm>
+          <a:prstGeom prst="rect">
+            <a:avLst/>
+          </a:prstGeom>
+          <a:noFill/>
+        </p:spPr>
+        <p:txBody>
+          <a:bodyPr vert="horz" rtlCol="0" anchor="ctr">
+            <a:noAutofit/>
+            <a:scene3d>
+              <a:camera prst="orthographicFront"/>
+              <a:lightRig rig="soft" dir="t"/>
+            </a:scene3d>
+            <a:sp3d prstMaterial="softEdge">
+              <a:bevelT w="25400" h="25400"/>
+            </a:sp3d>
+          </a:bodyPr>
+          <a:lstStyle/>
+          <a:p>
+            <a:endParaRPr lang="ru-RU" sz="2400" b="1" dirty="0">
+              <a:latin typeface="Times New Roman" pitchFamily="18" charset="0"/>
+              <a:cs typeface="Times New Roman" pitchFamily="18" charset="0"/>
+            </a:endParaRPr>
+          </a:p>
+        </p:txBody>
+      </p:sp>
+      <p:sp>
+        <p:nvSpPr>
+          <p:cNvPr id="7" name="Заголовок 2"/>
+          <p:cNvSpPr txBox="1">
+            <a:spLocks/>
+          </p:cNvSpPr>
+          <p:nvPr/>
+        </p:nvSpPr>
+        <p:spPr>
+          <a:xfrm>
+            <a:off x="395536" y="1556792"/>
+            <a:ext cx="8280920" cy="648072"/>
+          </a:xfrm>
+          <a:prstGeom prst="rect">
+            <a:avLst/>
+          </a:prstGeom>
+          <a:noFill/>
+        </p:spPr>
+        <p:txBody>
+          <a:bodyPr vert="horz" rtlCol="0" anchor="ctr">
+            <a:noAutofit/>
+            <a:scene3d>
+              <a:camera prst="orthographicFront"/>
+              <a:lightRig rig="soft" dir="t"/>
+            </a:scene3d>
+            <a:sp3d prstMaterial="softEdge">
+              <a:bevelT w="25400" h="25400"/>
+            </a:sp3d>
+          </a:bodyPr>
+          <a:lstStyle/>
+          <a:p>
+            <a:r>
+              <a:rPr lang="ru-RU" sz="2200" b="1" dirty="0" smtClean="0">
+                <a:latin typeface="Times New Roman" pitchFamily="18" charset="0"/>
+                <a:cs typeface="Times New Roman" pitchFamily="18" charset="0"/>
+              </a:rPr>
+              <a:t>Экономическая эффективность Э может быть рассчитана как:</a:t>
+            </a:r>
+          </a:p>
+          <a:p>
+            <a:r>
+              <a:rPr lang="ru-RU" sz="2400" dirty="0" smtClean="0"/>
+              <a:t>		</a:t>
+            </a:r>
+            <a:endParaRPr lang="ru-RU" sz="2400" dirty="0">
+              <a:latin typeface="Times New Roman" pitchFamily="18" charset="0"/>
+              <a:cs typeface="Times New Roman" pitchFamily="18" charset="0"/>
+            </a:endParaRPr>
+          </a:p>
+        </p:txBody>
+      </p:sp>
+      <p:sp>
+        <p:nvSpPr>
+          <p:cNvPr id="2052" name="Rectangle 4"/>
+          <p:cNvSpPr>
+            <a:spLocks noChangeArrowheads="1"/>
+          </p:cNvSpPr>
+          <p:nvPr/>
+        </p:nvSpPr>
+        <p:spPr bwMode="auto">
+          <a:xfrm>
+            <a:off x="0" y="0"/>
+            <a:ext cx="9144000" cy="0"/>
+          </a:xfrm>
+          <a:prstGeom prst="rect">
+            <a:avLst/>
+          </a:prstGeom>
+          <a:noFill/>
+          <a:ln w="9525">
+            <a:noFill/>
+            <a:miter lim="800000"/>
+            <a:headEnd/>
+            <a:tailEnd/>
+          </a:ln>
+          <a:effectLst/>
+        </p:spPr>
+        <p:txBody>
+          <a:bodyPr vert="horz" wrap="none" lIns="91440" tIns="45720" rIns="91440" bIns="45720" numCol="1" anchor="ctr" anchorCtr="0" compatLnSpc="1">
+            <a:prstTxWarp prst="textNoShape">
+              <a:avLst/>
+            </a:prstTxWarp>
+            <a:spAutoFit/>
+          </a:bodyPr>
+          <a:lstStyle/>
+          <a:p>
+            <a:endParaRPr lang="ru-RU"/>
+          </a:p>
+        </p:txBody>
+      </p:sp>
+      <p:sp>
+        <p:nvSpPr>
+          <p:cNvPr id="18" name="Прямоугольник 17"/>
+          <p:cNvSpPr/>
+          <p:nvPr/>
+        </p:nvSpPr>
+        <p:spPr>
+          <a:xfrm>
+            <a:off x="395536" y="3140968"/>
+            <a:ext cx="8136904" cy="430887"/>
+          </a:xfrm>
+          <a:prstGeom prst="rect">
+            <a:avLst/>
+          </a:prstGeom>
+        </p:spPr>
+        <p:txBody>
+          <a:bodyPr wrap="square">
+            <a:spAutoFit/>
+          </a:bodyPr>
+          <a:lstStyle/>
+          <a:p>
+            <a:r>
+              <a:rPr lang="ru-RU" sz="2200" b="1" dirty="0" smtClean="0">
+                <a:latin typeface="Times New Roman" pitchFamily="18" charset="0"/>
+                <a:cs typeface="Times New Roman" pitchFamily="18" charset="0"/>
+              </a:rPr>
+              <a:t>Срок окупаемости может быть рассчитан как:</a:t>
+            </a:r>
+            <a:endParaRPr lang="ru-RU" sz="2200" b="1" dirty="0">
+              <a:latin typeface="Times New Roman" pitchFamily="18" charset="0"/>
+              <a:cs typeface="Times New Roman" pitchFamily="18" charset="0"/>
+            </a:endParaRPr>
+          </a:p>
+        </p:txBody>
+      </p:sp>
+      <p:sp>
+        <p:nvSpPr>
+          <p:cNvPr id="2054" name="Rectangle 6"/>
+          <p:cNvSpPr>
+            <a:spLocks noChangeArrowheads="1"/>
+          </p:cNvSpPr>
+          <p:nvPr/>
+        </p:nvSpPr>
+        <p:spPr bwMode="auto">
+          <a:xfrm>
+            <a:off x="0" y="0"/>
+            <a:ext cx="9144000" cy="0"/>
+          </a:xfrm>
+          <a:prstGeom prst="rect">
+            <a:avLst/>
+          </a:prstGeom>
+          <a:noFill/>
+          <a:ln w="9525">
+            <a:noFill/>
+            <a:miter lim="800000"/>
+            <a:headEnd/>
+            <a:tailEnd/>
+          </a:ln>
+          <a:effectLst/>
+        </p:spPr>
+        <p:txBody>
+          <a:bodyPr vert="horz" wrap="none" lIns="91440" tIns="45720" rIns="91440" bIns="45720" numCol="1" anchor="ctr" anchorCtr="0" compatLnSpc="1">
+            <a:prstTxWarp prst="textNoShape">
+              <a:avLst/>
+            </a:prstTxWarp>
+            <a:spAutoFit/>
+          </a:bodyPr>
+          <a:lstStyle/>
+          <a:p>
+            <a:endParaRPr lang="ru-RU"/>
+          </a:p>
+        </p:txBody>
+      </p:sp>
+      <p:sp>
+        <p:nvSpPr>
+          <p:cNvPr id="67589" name="Rectangle 5"/>
+          <p:cNvSpPr>
+            <a:spLocks noChangeArrowheads="1"/>
+          </p:cNvSpPr>
+          <p:nvPr/>
+        </p:nvSpPr>
+        <p:spPr bwMode="auto">
+          <a:xfrm>
+            <a:off x="0" y="0"/>
+            <a:ext cx="9144000" cy="0"/>
+          </a:xfrm>
+          <a:prstGeom prst="rect">
+            <a:avLst/>
+          </a:prstGeom>
+          <a:noFill/>
+          <a:ln w="9525">
+            <a:noFill/>
+            <a:miter lim="800000"/>
+            <a:headEnd/>
+            <a:tailEnd/>
+          </a:ln>
+          <a:effectLst/>
+        </p:spPr>
+        <p:txBody>
+          <a:bodyPr vert="horz" wrap="none" lIns="91440" tIns="45720" rIns="91440" bIns="45720" numCol="1" anchor="ctr" anchorCtr="0" compatLnSpc="1">
+            <a:prstTxWarp prst="textNoShape">
+              <a:avLst/>
+            </a:prstTxWarp>
+            <a:spAutoFit/>
+          </a:bodyPr>
+          <a:lstStyle/>
+          <a:p>
+            <a:endParaRPr lang="ru-RU"/>
+          </a:p>
+        </p:txBody>
+      </p:sp>
+      <p:graphicFrame>
+        <p:nvGraphicFramePr>
+          <p:cNvPr id="67588" name="Object 4"/>
+          <p:cNvGraphicFramePr>
+            <a:graphicFrameLocks noChangeAspect="1"/>
+          </p:cNvGraphicFramePr>
+          <p:nvPr/>
+        </p:nvGraphicFramePr>
+        <p:xfrm>
+          <a:off x="3707904" y="2068564"/>
+          <a:ext cx="1368152" cy="928388"/>
+        </p:xfrm>
+        <a:graphic>
+          <a:graphicData uri="http://schemas.openxmlformats.org/presentationml/2006/ole">
+            <p:oleObj spid="_x0000_s67588" r:id="rId4" imgW="622030" imgH="431613" progId="Equation.3">
+              <p:embed/>
+            </p:oleObj>
+          </a:graphicData>
+        </a:graphic>
+      </p:graphicFrame>
+      <p:sp>
+        <p:nvSpPr>
+          <p:cNvPr id="67591" name="Rectangle 7"/>
+          <p:cNvSpPr>
+            <a:spLocks noChangeArrowheads="1"/>
+          </p:cNvSpPr>
+          <p:nvPr/>
+        </p:nvSpPr>
+        <p:spPr bwMode="auto">
+          <a:xfrm>
+            <a:off x="0" y="0"/>
+            <a:ext cx="9144000" cy="0"/>
+          </a:xfrm>
+          <a:prstGeom prst="rect">
+            <a:avLst/>
+          </a:prstGeom>
+          <a:noFill/>
+          <a:ln w="9525">
+            <a:noFill/>
+            <a:miter lim="800000"/>
+            <a:headEnd/>
+            <a:tailEnd/>
+          </a:ln>
+          <a:effectLst/>
+        </p:spPr>
+        <p:txBody>
+          <a:bodyPr vert="horz" wrap="none" lIns="91440" tIns="45720" rIns="91440" bIns="45720" numCol="1" anchor="ctr" anchorCtr="0" compatLnSpc="1">
+            <a:prstTxWarp prst="textNoShape">
+              <a:avLst/>
+            </a:prstTxWarp>
+            <a:spAutoFit/>
+          </a:bodyPr>
+          <a:lstStyle/>
+          <a:p>
+            <a:endParaRPr lang="ru-RU"/>
+          </a:p>
+        </p:txBody>
+      </p:sp>
+      <p:graphicFrame>
+        <p:nvGraphicFramePr>
+          <p:cNvPr id="67590" name="Object 6"/>
+          <p:cNvGraphicFramePr>
+            <a:graphicFrameLocks noChangeAspect="1"/>
+          </p:cNvGraphicFramePr>
+          <p:nvPr/>
+        </p:nvGraphicFramePr>
+        <p:xfrm>
+          <a:off x="3707904" y="3717032"/>
+          <a:ext cx="1538090" cy="864096"/>
+        </p:xfrm>
+        <a:graphic>
+          <a:graphicData uri="http://schemas.openxmlformats.org/presentationml/2006/ole">
+            <p:oleObj spid="_x0000_s67590" r:id="rId5" imgW="685800" imgH="419100" progId="Equation.3">
+              <p:embed/>
+            </p:oleObj>
+          </a:graphicData>
+        </a:graphic>
+      </p:graphicFrame>
+    </p:spTree>
+  </p:cSld>
+  <p:clrMapOvr>
+    <a:masterClrMapping/>
+  </p:clrMapOvr>
+  <p:timing>
+    <p:tnLst>
+      <p:par>
+        <p:cTn id="1" dur="indefinite" restart="never" nodeType="tmRoot"/>
+      </p:par>
+    </p:tnLst>
+  </p:timing>
+</p:sld>
+</file>
+
+<file path=ppt/slides/slide31.xml><?xml version="1.0" encoding="utf-8"?>
+<p:sld xmlns:a="http://schemas.openxmlformats.org/drawingml/2006/main" xmlns:r="http://schemas.openxmlformats.org/officeDocument/2006/relationships" xmlns:p="http://schemas.openxmlformats.org/presentationml/2006/main">
+  <p:cSld>
+    <p:spTree>
+      <p:nvGrpSpPr>
+        <p:cNvPr id="1" name=""/>
+        <p:cNvGrpSpPr/>
+        <p:nvPr/>
+      </p:nvGrpSpPr>
+      <p:grpSpPr>
+        <a:xfrm>
+          <a:off x="0" y="0"/>
+          <a:ext cx="0" cy="0"/>
+          <a:chOff x="0" y="0"/>
+          <a:chExt cx="0" cy="0"/>
+        </a:xfrm>
+      </p:grpSpPr>
+      <p:sp>
+        <p:nvSpPr>
+          <p:cNvPr id="3" name="Заголовок 2"/>
+          <p:cNvSpPr>
+            <a:spLocks noGrp="1"/>
+          </p:cNvSpPr>
+          <p:nvPr>
+            <p:ph type="title"/>
+          </p:nvPr>
+        </p:nvSpPr>
+        <p:spPr>
+          <a:solidFill>
+            <a:schemeClr val="bg2">
+              <a:lumMod val="50000"/>
+            </a:schemeClr>
+          </a:solidFill>
+        </p:spPr>
+        <p:txBody>
+          <a:bodyPr>
+            <a:noAutofit/>
+          </a:bodyPr>
+          <a:lstStyle/>
+          <a:p>
+            <a:r>
+              <a:rPr lang="ru-RU" sz="3200" dirty="0" smtClean="0">
+                <a:solidFill>
+                  <a:schemeClr val="bg1"/>
+                </a:solidFill>
+              </a:rPr>
+              <a:t>Обоснование экономической выгоды от создания систем </a:t>
+            </a:r>
+            <a:r>
+              <a:rPr lang="ru-RU" sz="3200" dirty="0" smtClean="0">
+                <a:solidFill>
+                  <a:schemeClr val="bg1"/>
+                </a:solidFill>
+              </a:rPr>
+              <a:t>автоматизации</a:t>
+            </a:r>
+            <a:r>
+              <a:rPr lang="ru-RU" sz="3200" dirty="0" smtClean="0">
+                <a:solidFill>
+                  <a:schemeClr val="bg1"/>
+                </a:solidFill>
+              </a:rPr>
+              <a:t>.</a:t>
+            </a:r>
+            <a:endParaRPr lang="ru-RU" sz="3200" dirty="0">
+              <a:solidFill>
+                <a:schemeClr val="bg1"/>
+              </a:solidFill>
+              <a:latin typeface="Times New Roman" pitchFamily="18" charset="0"/>
+              <a:cs typeface="Times New Roman" pitchFamily="18" charset="0"/>
+            </a:endParaRPr>
+          </a:p>
+        </p:txBody>
+      </p:sp>
+      <p:sp>
+        <p:nvSpPr>
+          <p:cNvPr id="4" name="Заголовок 2"/>
+          <p:cNvSpPr txBox="1">
+            <a:spLocks/>
+          </p:cNvSpPr>
+          <p:nvPr/>
+        </p:nvSpPr>
+        <p:spPr>
+          <a:xfrm>
+            <a:off x="395536" y="1556792"/>
+            <a:ext cx="8280920" cy="3744416"/>
+          </a:xfrm>
+          <a:prstGeom prst="rect">
+            <a:avLst/>
+          </a:prstGeom>
+          <a:noFill/>
+        </p:spPr>
+        <p:txBody>
+          <a:bodyPr vert="horz" rtlCol="0" anchor="ctr">
+            <a:noAutofit/>
+            <a:scene3d>
+              <a:camera prst="orthographicFront"/>
+              <a:lightRig rig="soft" dir="t"/>
+            </a:scene3d>
+            <a:sp3d prstMaterial="softEdge">
+              <a:bevelT w="25400" h="25400"/>
+            </a:sp3d>
+          </a:bodyPr>
+          <a:lstStyle/>
+          <a:p>
+            <a:endParaRPr lang="ru-RU" sz="2400" b="1" dirty="0">
+              <a:latin typeface="Times New Roman" pitchFamily="18" charset="0"/>
+              <a:cs typeface="Times New Roman" pitchFamily="18" charset="0"/>
+            </a:endParaRPr>
+          </a:p>
+        </p:txBody>
+      </p:sp>
+      <p:sp>
+        <p:nvSpPr>
+          <p:cNvPr id="10" name="Заголовок 2"/>
+          <p:cNvSpPr txBox="1">
+            <a:spLocks/>
+          </p:cNvSpPr>
+          <p:nvPr/>
+        </p:nvSpPr>
+        <p:spPr>
+          <a:xfrm>
+            <a:off x="6084168" y="6093296"/>
+            <a:ext cx="2736304" cy="432048"/>
+          </a:xfrm>
+          <a:prstGeom prst="rect">
+            <a:avLst/>
+          </a:prstGeom>
+          <a:noFill/>
+        </p:spPr>
+        <p:txBody>
+          <a:bodyPr vert="horz" rtlCol="0" anchor="ctr">
+            <a:noAutofit/>
+            <a:scene3d>
+              <a:camera prst="orthographicFront"/>
+              <a:lightRig rig="soft" dir="t"/>
+            </a:scene3d>
+            <a:sp3d prstMaterial="softEdge">
+              <a:bevelT w="25400" h="25400"/>
+            </a:sp3d>
+          </a:bodyPr>
+          <a:lstStyle/>
+          <a:p>
+            <a:endParaRPr lang="ru-RU" sz="2400" b="1" dirty="0">
+              <a:latin typeface="Times New Roman" pitchFamily="18" charset="0"/>
+              <a:cs typeface="Times New Roman" pitchFamily="18" charset="0"/>
+            </a:endParaRPr>
+          </a:p>
+        </p:txBody>
+      </p:sp>
+      <p:sp>
+        <p:nvSpPr>
+          <p:cNvPr id="2052" name="Rectangle 4"/>
+          <p:cNvSpPr>
+            <a:spLocks noChangeArrowheads="1"/>
+          </p:cNvSpPr>
+          <p:nvPr/>
+        </p:nvSpPr>
+        <p:spPr bwMode="auto">
+          <a:xfrm>
+            <a:off x="0" y="0"/>
+            <a:ext cx="9144000" cy="0"/>
+          </a:xfrm>
+          <a:prstGeom prst="rect">
+            <a:avLst/>
+          </a:prstGeom>
+          <a:noFill/>
+          <a:ln w="9525">
+            <a:noFill/>
+            <a:miter lim="800000"/>
+            <a:headEnd/>
+            <a:tailEnd/>
+          </a:ln>
+          <a:effectLst/>
+        </p:spPr>
+        <p:txBody>
+          <a:bodyPr vert="horz" wrap="none" lIns="91440" tIns="45720" rIns="91440" bIns="45720" numCol="1" anchor="ctr" anchorCtr="0" compatLnSpc="1">
+            <a:prstTxWarp prst="textNoShape">
+              <a:avLst/>
+            </a:prstTxWarp>
+            <a:spAutoFit/>
+          </a:bodyPr>
+          <a:lstStyle/>
+          <a:p>
+            <a:endParaRPr lang="ru-RU"/>
+          </a:p>
+        </p:txBody>
+      </p:sp>
+      <p:sp>
+        <p:nvSpPr>
+          <p:cNvPr id="18" name="Прямоугольник 17"/>
+          <p:cNvSpPr/>
+          <p:nvPr/>
+        </p:nvSpPr>
+        <p:spPr>
+          <a:xfrm>
+            <a:off x="395536" y="3175808"/>
+            <a:ext cx="8136904" cy="1631216"/>
+          </a:xfrm>
+          <a:prstGeom prst="rect">
+            <a:avLst/>
+          </a:prstGeom>
+        </p:spPr>
+        <p:txBody>
+          <a:bodyPr wrap="square">
+            <a:spAutoFit/>
+          </a:bodyPr>
+          <a:lstStyle/>
+          <a:p>
+            <a:r>
+              <a:rPr lang="ru-RU" sz="2200" b="1" dirty="0" smtClean="0">
+                <a:latin typeface="Times New Roman" pitchFamily="18" charset="0"/>
+                <a:cs typeface="Times New Roman" pitchFamily="18" charset="0"/>
+              </a:rPr>
+              <a:t>Затраты после внедрения систем автоматизации как сумма всех приведенных затрат: </a:t>
+            </a:r>
+          </a:p>
+          <a:p>
+            <a:endParaRPr lang="ru-RU" dirty="0" smtClean="0"/>
+          </a:p>
+          <a:p>
+            <a:r>
+              <a:rPr lang="ru-RU" sz="2000" dirty="0" smtClean="0">
+                <a:latin typeface="Times New Roman" pitchFamily="18" charset="0"/>
+                <a:cs typeface="Times New Roman" pitchFamily="18" charset="0"/>
+              </a:rPr>
+              <a:t>С</a:t>
+            </a:r>
+            <a:r>
+              <a:rPr lang="ru-RU" sz="2000" i="1" baseline="-25000" dirty="0" smtClean="0">
+                <a:latin typeface="Times New Roman" pitchFamily="18" charset="0"/>
+                <a:cs typeface="Times New Roman" pitchFamily="18" charset="0"/>
+              </a:rPr>
+              <a:t>послевн</a:t>
+            </a:r>
+            <a:r>
+              <a:rPr lang="ru-RU" sz="2000" i="1" dirty="0" smtClean="0">
+                <a:latin typeface="Times New Roman" pitchFamily="18" charset="0"/>
+                <a:cs typeface="Times New Roman" pitchFamily="18" charset="0"/>
+              </a:rPr>
+              <a:t> </a:t>
+            </a:r>
+            <a:r>
+              <a:rPr lang="ru-RU" sz="2000" dirty="0" smtClean="0">
+                <a:latin typeface="Times New Roman" pitchFamily="18" charset="0"/>
+                <a:cs typeface="Times New Roman" pitchFamily="18" charset="0"/>
+              </a:rPr>
+              <a:t>= (71 490 + 5 000 + 9 080) * 12 = 1 026 840руб/год</a:t>
+            </a:r>
+          </a:p>
+          <a:p>
+            <a:endParaRPr lang="ru-RU" dirty="0"/>
+          </a:p>
+        </p:txBody>
+      </p:sp>
+      <p:sp>
+        <p:nvSpPr>
+          <p:cNvPr id="2054" name="Rectangle 6"/>
+          <p:cNvSpPr>
+            <a:spLocks noChangeArrowheads="1"/>
+          </p:cNvSpPr>
+          <p:nvPr/>
+        </p:nvSpPr>
+        <p:spPr bwMode="auto">
+          <a:xfrm>
+            <a:off x="0" y="0"/>
+            <a:ext cx="9144000" cy="0"/>
+          </a:xfrm>
+          <a:prstGeom prst="rect">
+            <a:avLst/>
+          </a:prstGeom>
+          <a:noFill/>
+          <a:ln w="9525">
+            <a:noFill/>
+            <a:miter lim="800000"/>
+            <a:headEnd/>
+            <a:tailEnd/>
+          </a:ln>
+          <a:effectLst/>
+        </p:spPr>
+        <p:txBody>
+          <a:bodyPr vert="horz" wrap="none" lIns="91440" tIns="45720" rIns="91440" bIns="45720" numCol="1" anchor="ctr" anchorCtr="0" compatLnSpc="1">
+            <a:prstTxWarp prst="textNoShape">
+              <a:avLst/>
+            </a:prstTxWarp>
+            <a:spAutoFit/>
+          </a:bodyPr>
+          <a:lstStyle/>
+          <a:p>
+            <a:endParaRPr lang="ru-RU"/>
+          </a:p>
+        </p:txBody>
+      </p:sp>
+      <p:sp>
+        <p:nvSpPr>
+          <p:cNvPr id="67589" name="Rectangle 5"/>
+          <p:cNvSpPr>
+            <a:spLocks noChangeArrowheads="1"/>
+          </p:cNvSpPr>
+          <p:nvPr/>
+        </p:nvSpPr>
+        <p:spPr bwMode="auto">
+          <a:xfrm>
+            <a:off x="0" y="0"/>
+            <a:ext cx="9144000" cy="0"/>
+          </a:xfrm>
+          <a:prstGeom prst="rect">
+            <a:avLst/>
+          </a:prstGeom>
+          <a:noFill/>
+          <a:ln w="9525">
+            <a:noFill/>
+            <a:miter lim="800000"/>
+            <a:headEnd/>
+            <a:tailEnd/>
+          </a:ln>
+          <a:effectLst/>
+        </p:spPr>
+        <p:txBody>
+          <a:bodyPr vert="horz" wrap="none" lIns="91440" tIns="45720" rIns="91440" bIns="45720" numCol="1" anchor="ctr" anchorCtr="0" compatLnSpc="1">
+            <a:prstTxWarp prst="textNoShape">
+              <a:avLst/>
+            </a:prstTxWarp>
+            <a:spAutoFit/>
+          </a:bodyPr>
+          <a:lstStyle/>
+          <a:p>
+            <a:endParaRPr lang="ru-RU"/>
+          </a:p>
+        </p:txBody>
+      </p:sp>
+      <p:sp>
+        <p:nvSpPr>
+          <p:cNvPr id="67591" name="Rectangle 7"/>
+          <p:cNvSpPr>
+            <a:spLocks noChangeArrowheads="1"/>
+          </p:cNvSpPr>
+          <p:nvPr/>
+        </p:nvSpPr>
+        <p:spPr bwMode="auto">
+          <a:xfrm>
+            <a:off x="0" y="0"/>
+            <a:ext cx="9144000" cy="0"/>
+          </a:xfrm>
+          <a:prstGeom prst="rect">
+            <a:avLst/>
+          </a:prstGeom>
+          <a:noFill/>
+          <a:ln w="9525">
+            <a:noFill/>
+            <a:miter lim="800000"/>
+            <a:headEnd/>
+            <a:tailEnd/>
+          </a:ln>
+          <a:effectLst/>
+        </p:spPr>
+        <p:txBody>
+          <a:bodyPr vert="horz" wrap="none" lIns="91440" tIns="45720" rIns="91440" bIns="45720" numCol="1" anchor="ctr" anchorCtr="0" compatLnSpc="1">
+            <a:prstTxWarp prst="textNoShape">
+              <a:avLst/>
+            </a:prstTxWarp>
+            <a:spAutoFit/>
+          </a:bodyPr>
+          <a:lstStyle/>
+          <a:p>
+            <a:endParaRPr lang="ru-RU"/>
+          </a:p>
+        </p:txBody>
+      </p:sp>
+      <p:sp>
+        <p:nvSpPr>
+          <p:cNvPr id="13" name="Прямоугольник 12"/>
+          <p:cNvSpPr/>
+          <p:nvPr/>
+        </p:nvSpPr>
+        <p:spPr>
+          <a:xfrm>
+            <a:off x="395536" y="1663640"/>
+            <a:ext cx="8136904" cy="1631216"/>
+          </a:xfrm>
+          <a:prstGeom prst="rect">
+            <a:avLst/>
+          </a:prstGeom>
+        </p:spPr>
+        <p:txBody>
+          <a:bodyPr wrap="square">
+            <a:spAutoFit/>
+          </a:bodyPr>
+          <a:lstStyle/>
+          <a:p>
+            <a:r>
+              <a:rPr lang="ru-RU" sz="2200" b="1" dirty="0" smtClean="0">
+                <a:latin typeface="Times New Roman" pitchFamily="18" charset="0"/>
+                <a:cs typeface="Times New Roman" pitchFamily="18" charset="0"/>
+              </a:rPr>
+              <a:t>Затраты до внедрения систем автоматизации как сумма всех приведенных затрат: </a:t>
+            </a:r>
+          </a:p>
+          <a:p>
+            <a:endParaRPr lang="ru-RU" dirty="0" smtClean="0"/>
+          </a:p>
+          <a:p>
+            <a:r>
+              <a:rPr lang="ru-RU" sz="2000" dirty="0" smtClean="0">
+                <a:latin typeface="Times New Roman" pitchFamily="18" charset="0"/>
+                <a:cs typeface="Times New Roman" pitchFamily="18" charset="0"/>
+              </a:rPr>
+              <a:t>С</a:t>
+            </a:r>
+            <a:r>
+              <a:rPr lang="ru-RU" sz="2000" i="1" baseline="-25000" dirty="0" smtClean="0">
+                <a:latin typeface="Times New Roman" pitchFamily="18" charset="0"/>
+                <a:cs typeface="Times New Roman" pitchFamily="18" charset="0"/>
+              </a:rPr>
+              <a:t>послевн</a:t>
+            </a:r>
+            <a:r>
+              <a:rPr lang="ru-RU" sz="2000" i="1" dirty="0" smtClean="0">
+                <a:latin typeface="Times New Roman" pitchFamily="18" charset="0"/>
+                <a:cs typeface="Times New Roman" pitchFamily="18" charset="0"/>
+              </a:rPr>
+              <a:t> </a:t>
+            </a:r>
+            <a:r>
+              <a:rPr lang="ru-RU" sz="2000" dirty="0" smtClean="0">
+                <a:latin typeface="Times New Roman" pitchFamily="18" charset="0"/>
+                <a:cs typeface="Times New Roman" pitchFamily="18" charset="0"/>
+              </a:rPr>
+              <a:t>= </a:t>
+            </a:r>
+            <a:r>
+              <a:rPr lang="ru-RU" sz="2000" dirty="0" smtClean="0">
+                <a:latin typeface="Times New Roman" pitchFamily="18" charset="0"/>
+                <a:cs typeface="Times New Roman" pitchFamily="18" charset="0"/>
+              </a:rPr>
+              <a:t>(108 000 </a:t>
+            </a:r>
+            <a:r>
+              <a:rPr lang="ru-RU" sz="2000" dirty="0" smtClean="0">
+                <a:latin typeface="Times New Roman" pitchFamily="18" charset="0"/>
+                <a:cs typeface="Times New Roman" pitchFamily="18" charset="0"/>
+              </a:rPr>
+              <a:t>+ </a:t>
+            </a:r>
+            <a:r>
+              <a:rPr lang="ru-RU" sz="2000" dirty="0" smtClean="0">
+                <a:latin typeface="Times New Roman" pitchFamily="18" charset="0"/>
+                <a:cs typeface="Times New Roman" pitchFamily="18" charset="0"/>
+              </a:rPr>
+              <a:t>10 </a:t>
+            </a:r>
+            <a:r>
+              <a:rPr lang="ru-RU" sz="2000" dirty="0" smtClean="0">
+                <a:latin typeface="Times New Roman" pitchFamily="18" charset="0"/>
+                <a:cs typeface="Times New Roman" pitchFamily="18" charset="0"/>
+              </a:rPr>
+              <a:t>000 + </a:t>
+            </a:r>
+            <a:r>
+              <a:rPr lang="ru-RU" sz="2000" dirty="0" smtClean="0">
+                <a:latin typeface="Times New Roman" pitchFamily="18" charset="0"/>
+                <a:cs typeface="Times New Roman" pitchFamily="18" charset="0"/>
+              </a:rPr>
+              <a:t>15 6</a:t>
+            </a:r>
+            <a:r>
+              <a:rPr lang="ru-RU" sz="2000" dirty="0" smtClean="0">
+                <a:latin typeface="Times New Roman" pitchFamily="18" charset="0"/>
+                <a:cs typeface="Times New Roman" pitchFamily="18" charset="0"/>
+              </a:rPr>
+              <a:t>0</a:t>
+            </a:r>
+            <a:r>
+              <a:rPr lang="ru-RU" sz="2000" dirty="0" smtClean="0">
+                <a:latin typeface="Times New Roman" pitchFamily="18" charset="0"/>
+                <a:cs typeface="Times New Roman" pitchFamily="18" charset="0"/>
+              </a:rPr>
+              <a:t>0</a:t>
+            </a:r>
+            <a:r>
+              <a:rPr lang="ru-RU" sz="2000" dirty="0" smtClean="0">
+                <a:latin typeface="Times New Roman" pitchFamily="18" charset="0"/>
+                <a:cs typeface="Times New Roman" pitchFamily="18" charset="0"/>
+              </a:rPr>
+              <a:t>) * 12 = 1 </a:t>
+            </a:r>
+            <a:r>
+              <a:rPr lang="ru-RU" sz="2000" dirty="0" smtClean="0">
+                <a:latin typeface="Times New Roman" pitchFamily="18" charset="0"/>
+                <a:cs typeface="Times New Roman" pitchFamily="18" charset="0"/>
+              </a:rPr>
+              <a:t>603 2</a:t>
+            </a:r>
+            <a:r>
+              <a:rPr lang="ru-RU" sz="2000" dirty="0" smtClean="0">
+                <a:latin typeface="Times New Roman" pitchFamily="18" charset="0"/>
+                <a:cs typeface="Times New Roman" pitchFamily="18" charset="0"/>
+              </a:rPr>
+              <a:t>0</a:t>
+            </a:r>
+            <a:r>
+              <a:rPr lang="ru-RU" sz="2000" dirty="0" smtClean="0">
+                <a:latin typeface="Times New Roman" pitchFamily="18" charset="0"/>
+                <a:cs typeface="Times New Roman" pitchFamily="18" charset="0"/>
+              </a:rPr>
+              <a:t>0руб/год</a:t>
+            </a:r>
+            <a:endParaRPr lang="ru-RU" sz="2000" dirty="0" smtClean="0">
+              <a:latin typeface="Times New Roman" pitchFamily="18" charset="0"/>
+              <a:cs typeface="Times New Roman" pitchFamily="18" charset="0"/>
+            </a:endParaRPr>
+          </a:p>
+          <a:p>
+            <a:endParaRPr lang="ru-RU" dirty="0"/>
+          </a:p>
+        </p:txBody>
+      </p:sp>
+      <p:sp>
+        <p:nvSpPr>
+          <p:cNvPr id="14" name="Прямоугольник 13"/>
+          <p:cNvSpPr/>
+          <p:nvPr/>
+        </p:nvSpPr>
+        <p:spPr>
+          <a:xfrm>
+            <a:off x="395536" y="4725144"/>
+            <a:ext cx="8208912" cy="430887"/>
+          </a:xfrm>
+          <a:prstGeom prst="rect">
+            <a:avLst/>
+          </a:prstGeom>
+        </p:spPr>
+        <p:txBody>
+          <a:bodyPr wrap="square">
+            <a:spAutoFit/>
+          </a:bodyPr>
+          <a:lstStyle/>
+          <a:p>
+            <a:r>
+              <a:rPr lang="ru-RU" sz="2200" b="1" dirty="0" smtClean="0">
+                <a:latin typeface="Times New Roman" pitchFamily="18" charset="0"/>
+                <a:cs typeface="Times New Roman" pitchFamily="18" charset="0"/>
+              </a:rPr>
+              <a:t>Получаем производительность систем автоматизации: </a:t>
+            </a:r>
+            <a:endParaRPr lang="ru-RU" sz="2200" b="1" dirty="0">
+              <a:latin typeface="Times New Roman" pitchFamily="18" charset="0"/>
+              <a:cs typeface="Times New Roman" pitchFamily="18" charset="0"/>
+            </a:endParaRPr>
+          </a:p>
+        </p:txBody>
+      </p:sp>
+      <p:sp>
+        <p:nvSpPr>
+          <p:cNvPr id="69636" name="Rectangle 4"/>
+          <p:cNvSpPr>
+            <a:spLocks noChangeArrowheads="1"/>
+          </p:cNvSpPr>
+          <p:nvPr/>
+        </p:nvSpPr>
+        <p:spPr bwMode="auto">
+          <a:xfrm>
+            <a:off x="0" y="5204593"/>
+            <a:ext cx="9144000" cy="938719"/>
+          </a:xfrm>
+          <a:prstGeom prst="rect">
+            <a:avLst/>
+          </a:prstGeom>
+          <a:noFill/>
+          <a:ln w="9525">
+            <a:noFill/>
+            <a:miter lim="800000"/>
+            <a:headEnd/>
+            <a:tailEnd/>
+          </a:ln>
+          <a:effectLst/>
+        </p:spPr>
+        <p:txBody>
+          <a:bodyPr vert="horz" wrap="square" lIns="91440" tIns="45720" rIns="91440" bIns="45720" numCol="1" anchor="ctr" anchorCtr="0" compatLnSpc="1">
+            <a:prstTxWarp prst="textNoShape">
+              <a:avLst/>
+            </a:prstTxWarp>
+            <a:spAutoFit/>
+          </a:bodyPr>
+          <a:lstStyle/>
+          <a:p>
+            <a:pPr marL="0" marR="0" lvl="0" indent="450850" algn="ctr" defTabSz="914400" rtl="0" eaLnBrk="1" fontAlgn="base" latinLnBrk="0" hangingPunct="1">
+              <a:lnSpc>
+                <a:spcPct val="100000"/>
+              </a:lnSpc>
+              <a:spcBef>
+                <a:spcPct val="0"/>
+              </a:spcBef>
+              <a:spcAft>
+                <a:spcPct val="0"/>
+              </a:spcAft>
+              <a:buClrTx/>
+              <a:buSzTx/>
+              <a:buFontTx/>
+              <a:buNone/>
+              <a:tabLst/>
+            </a:pPr>
+            <a:r>
+              <a:rPr kumimoji="0" lang="ru-RU" sz="2400" b="0" i="1" u="none" strike="noStrike" cap="none" normalizeH="0" baseline="0" dirty="0" smtClean="0">
+                <a:ln>
+                  <a:noFill/>
+                </a:ln>
+                <a:solidFill>
+                  <a:schemeClr val="tx1"/>
+                </a:solidFill>
+                <a:effectLst/>
+                <a:latin typeface="Times New Roman" pitchFamily="18" charset="0"/>
+                <a:ea typeface="Calibri" pitchFamily="34" charset="0"/>
+                <a:cs typeface="Times New Roman" pitchFamily="18" charset="0"/>
+              </a:rPr>
+              <a:t>П</a:t>
+            </a:r>
+            <a:r>
+              <a:rPr kumimoji="0" lang="ru-RU" sz="2400" b="0" i="0" u="none" strike="noStrike" cap="none" normalizeH="0" baseline="0" dirty="0" smtClean="0">
+                <a:ln>
+                  <a:noFill/>
+                </a:ln>
+                <a:solidFill>
+                  <a:schemeClr val="tx1"/>
+                </a:solidFill>
+                <a:effectLst/>
+                <a:latin typeface="Times New Roman" pitchFamily="18" charset="0"/>
+                <a:ea typeface="Calibri" pitchFamily="34" charset="0"/>
+                <a:cs typeface="Times New Roman" pitchFamily="18" charset="0"/>
+              </a:rPr>
+              <a:t> = </a:t>
+            </a:r>
+            <a:r>
+              <a:rPr kumimoji="0" lang="en-US" sz="2400" b="0" i="1" u="none" strike="noStrike" cap="none" normalizeH="0" baseline="0" dirty="0" smtClean="0">
+                <a:ln>
+                  <a:noFill/>
+                </a:ln>
+                <a:solidFill>
+                  <a:schemeClr val="tx1"/>
+                </a:solidFill>
+                <a:effectLst/>
+                <a:latin typeface="Times New Roman" pitchFamily="18" charset="0"/>
+                <a:ea typeface="Calibri" pitchFamily="34" charset="0"/>
+                <a:cs typeface="Times New Roman" pitchFamily="18" charset="0"/>
+              </a:rPr>
+              <a:t>C</a:t>
+            </a:r>
+            <a:r>
+              <a:rPr kumimoji="0" lang="ru-RU" sz="2400" b="0" i="1" u="none" strike="noStrike" cap="none" normalizeH="0" baseline="-30000" dirty="0" smtClean="0">
+                <a:ln>
+                  <a:noFill/>
+                </a:ln>
+                <a:solidFill>
+                  <a:schemeClr val="tx1"/>
+                </a:solidFill>
+                <a:effectLst/>
+                <a:latin typeface="Times New Roman" pitchFamily="18" charset="0"/>
+                <a:ea typeface="Calibri" pitchFamily="34" charset="0"/>
+                <a:cs typeface="Times New Roman" pitchFamily="18" charset="0"/>
+              </a:rPr>
+              <a:t>довн</a:t>
+            </a:r>
+            <a:r>
+              <a:rPr kumimoji="0" lang="ru-RU" sz="2400" b="0" i="0" u="none" strike="noStrike" cap="none" normalizeH="0" baseline="0" dirty="0" smtClean="0">
+                <a:ln>
+                  <a:noFill/>
+                </a:ln>
+                <a:solidFill>
+                  <a:schemeClr val="tx1"/>
+                </a:solidFill>
+                <a:effectLst/>
+                <a:latin typeface="Times New Roman" pitchFamily="18" charset="0"/>
+                <a:ea typeface="Calibri" pitchFamily="34" charset="0"/>
+                <a:cs typeface="Times New Roman" pitchFamily="18" charset="0"/>
+              </a:rPr>
+              <a:t> – </a:t>
+            </a:r>
+            <a:r>
+              <a:rPr kumimoji="0" lang="en-US" sz="2400" b="0" i="1" u="none" strike="noStrike" cap="none" normalizeH="0" baseline="0" dirty="0" smtClean="0">
+                <a:ln>
+                  <a:noFill/>
+                </a:ln>
+                <a:solidFill>
+                  <a:schemeClr val="tx1"/>
+                </a:solidFill>
+                <a:effectLst/>
+                <a:latin typeface="Times New Roman" pitchFamily="18" charset="0"/>
+                <a:ea typeface="Calibri" pitchFamily="34" charset="0"/>
+                <a:cs typeface="Times New Roman" pitchFamily="18" charset="0"/>
+              </a:rPr>
+              <a:t>C</a:t>
+            </a:r>
+            <a:r>
+              <a:rPr kumimoji="0" lang="ru-RU" sz="2400" b="0" i="1" u="none" strike="noStrike" cap="none" normalizeH="0" baseline="-30000" dirty="0" smtClean="0">
+                <a:ln>
+                  <a:noFill/>
+                </a:ln>
+                <a:solidFill>
+                  <a:schemeClr val="tx1"/>
+                </a:solidFill>
+                <a:effectLst/>
+                <a:latin typeface="Times New Roman" pitchFamily="18" charset="0"/>
+                <a:ea typeface="Calibri" pitchFamily="34" charset="0"/>
+                <a:cs typeface="Times New Roman" pitchFamily="18" charset="0"/>
+              </a:rPr>
+              <a:t>послевн</a:t>
+            </a:r>
+            <a:r>
+              <a:rPr kumimoji="0" lang="ru-RU" sz="2400" b="0" i="1" u="none" strike="noStrike" cap="none" normalizeH="0" baseline="0" dirty="0" smtClean="0">
+                <a:ln>
+                  <a:noFill/>
+                </a:ln>
+                <a:solidFill>
+                  <a:schemeClr val="tx1"/>
+                </a:solidFill>
+                <a:effectLst/>
+                <a:latin typeface="Times New Roman" pitchFamily="18" charset="0"/>
+                <a:ea typeface="Calibri" pitchFamily="34" charset="0"/>
+                <a:cs typeface="Times New Roman" pitchFamily="18" charset="0"/>
+              </a:rPr>
+              <a:t> ,</a:t>
+            </a:r>
+          </a:p>
+          <a:p>
+            <a:pPr marL="0" marR="0" lvl="0" indent="450850" algn="ctr" defTabSz="914400" rtl="0" eaLnBrk="1" fontAlgn="base" latinLnBrk="0" hangingPunct="1">
+              <a:lnSpc>
+                <a:spcPct val="100000"/>
+              </a:lnSpc>
+              <a:spcBef>
+                <a:spcPct val="0"/>
+              </a:spcBef>
+              <a:spcAft>
+                <a:spcPct val="0"/>
+              </a:spcAft>
+              <a:buClrTx/>
+              <a:buSzTx/>
+              <a:buFontTx/>
+              <a:buNone/>
+              <a:tabLst/>
+            </a:pPr>
+            <a:endParaRPr kumimoji="0" lang="ru-RU" sz="1100" b="0" i="0" u="none" strike="noStrike" cap="none" normalizeH="0" baseline="0" dirty="0" smtClean="0">
+              <a:ln>
+                <a:noFill/>
+              </a:ln>
+              <a:solidFill>
+                <a:schemeClr val="tx1"/>
+              </a:solidFill>
+              <a:effectLst/>
+              <a:latin typeface="Times New Roman" pitchFamily="18" charset="0"/>
+              <a:cs typeface="Times New Roman" pitchFamily="18" charset="0"/>
+            </a:endParaRPr>
+          </a:p>
+          <a:p>
+            <a:pPr marL="0" marR="0" lvl="0" indent="539750" algn="ctr" defTabSz="914400" rtl="0" eaLnBrk="0" fontAlgn="base" latinLnBrk="0" hangingPunct="0">
+              <a:lnSpc>
+                <a:spcPct val="100000"/>
+              </a:lnSpc>
+              <a:spcBef>
+                <a:spcPct val="0"/>
+              </a:spcBef>
+              <a:spcAft>
+                <a:spcPct val="0"/>
+              </a:spcAft>
+              <a:buClrTx/>
+              <a:buSzTx/>
+              <a:buFontTx/>
+              <a:buNone/>
+              <a:tabLst/>
+            </a:pPr>
+            <a:r>
+              <a:rPr kumimoji="0" lang="ru-RU" sz="2000" b="0" i="1" u="none" strike="noStrike" cap="none" normalizeH="0" baseline="0" dirty="0" smtClean="0">
+                <a:ln>
+                  <a:noFill/>
+                </a:ln>
+                <a:solidFill>
+                  <a:schemeClr val="tx1"/>
+                </a:solidFill>
+                <a:effectLst/>
+                <a:latin typeface="Times New Roman" pitchFamily="18" charset="0"/>
+                <a:ea typeface="Calibri" pitchFamily="34" charset="0"/>
+                <a:cs typeface="Times New Roman" pitchFamily="18" charset="0"/>
+              </a:rPr>
+              <a:t>П  </a:t>
+            </a:r>
+            <a:r>
+              <a:rPr kumimoji="0" lang="ru-RU" sz="2000" b="0" i="0" u="none" strike="noStrike" cap="none" normalizeH="0" baseline="0" dirty="0" smtClean="0">
+                <a:ln>
+                  <a:noFill/>
+                </a:ln>
+                <a:solidFill>
+                  <a:schemeClr val="tx1"/>
+                </a:solidFill>
+                <a:effectLst/>
+                <a:latin typeface="Times New Roman" pitchFamily="18" charset="0"/>
+                <a:ea typeface="Calibri" pitchFamily="34" charset="0"/>
+                <a:cs typeface="Times New Roman" pitchFamily="18" charset="0"/>
+              </a:rPr>
+              <a:t>= 1 603 200 – 1 026 840 = 576 360 руб/год.</a:t>
+            </a:r>
+            <a:endParaRPr kumimoji="0" lang="ru-RU" sz="3200" b="0" i="0" u="none" strike="noStrike" cap="none" normalizeH="0" baseline="0" dirty="0" smtClean="0">
+              <a:ln>
+                <a:noFill/>
+              </a:ln>
+              <a:solidFill>
+                <a:schemeClr val="tx1"/>
+              </a:solidFill>
+              <a:effectLst/>
+              <a:latin typeface="Times New Roman" pitchFamily="18" charset="0"/>
+              <a:cs typeface="Times New Roman" pitchFamily="18" charset="0"/>
+            </a:endParaRPr>
+          </a:p>
+        </p:txBody>
+      </p:sp>
+    </p:spTree>
+  </p:cSld>
+  <p:clrMapOvr>
+    <a:masterClrMapping/>
+  </p:clrMapOvr>
+  <p:timing>
+    <p:tnLst>
+      <p:par>
+        <p:cTn id="1" dur="indefinite" restart="never" nodeType="tmRoot"/>
+      </p:par>
+    </p:tnLst>
+  </p:timing>
+</p:sld>
+</file>
+
+<file path=ppt/slides/slide32.xml><?xml version="1.0" encoding="utf-8"?>
+<p:sld xmlns:a="http://schemas.openxmlformats.org/drawingml/2006/main" xmlns:r="http://schemas.openxmlformats.org/officeDocument/2006/relationships" xmlns:p="http://schemas.openxmlformats.org/presentationml/2006/main">
+  <p:cSld>
+    <p:spTree>
+      <p:nvGrpSpPr>
+        <p:cNvPr id="1" name=""/>
+        <p:cNvGrpSpPr/>
+        <p:nvPr/>
+      </p:nvGrpSpPr>
+      <p:grpSpPr>
+        <a:xfrm>
+          <a:off x="0" y="0"/>
+          <a:ext cx="0" cy="0"/>
+          <a:chOff x="0" y="0"/>
+          <a:chExt cx="0" cy="0"/>
+        </a:xfrm>
+      </p:grpSpPr>
+      <p:sp>
+        <p:nvSpPr>
+          <p:cNvPr id="3" name="Заголовок 2"/>
+          <p:cNvSpPr>
+            <a:spLocks noGrp="1"/>
+          </p:cNvSpPr>
+          <p:nvPr>
+            <p:ph type="title"/>
+          </p:nvPr>
+        </p:nvSpPr>
+        <p:spPr>
+          <a:solidFill>
+            <a:schemeClr val="bg2">
+              <a:lumMod val="50000"/>
+            </a:schemeClr>
+          </a:solidFill>
+        </p:spPr>
+        <p:txBody>
+          <a:bodyPr>
+            <a:noAutofit/>
+          </a:bodyPr>
+          <a:lstStyle/>
+          <a:p>
+            <a:r>
+              <a:rPr lang="ru-RU" sz="3200" dirty="0" smtClean="0">
+                <a:solidFill>
+                  <a:schemeClr val="bg1"/>
+                </a:solidFill>
+              </a:rPr>
+              <a:t>Обоснование экономической выгоды от создания систем </a:t>
+            </a:r>
+            <a:r>
+              <a:rPr lang="ru-RU" sz="3200" dirty="0" smtClean="0">
+                <a:solidFill>
+                  <a:schemeClr val="bg1"/>
+                </a:solidFill>
+              </a:rPr>
+              <a:t>автоматизации</a:t>
+            </a:r>
+            <a:r>
+              <a:rPr lang="ru-RU" sz="3200" dirty="0" smtClean="0">
+                <a:solidFill>
+                  <a:schemeClr val="bg1"/>
+                </a:solidFill>
+              </a:rPr>
+              <a:t>.</a:t>
+            </a:r>
+            <a:endParaRPr lang="ru-RU" sz="3200" dirty="0">
+              <a:solidFill>
+                <a:schemeClr val="bg1"/>
+              </a:solidFill>
+              <a:latin typeface="Times New Roman" pitchFamily="18" charset="0"/>
+              <a:cs typeface="Times New Roman" pitchFamily="18" charset="0"/>
+            </a:endParaRPr>
+          </a:p>
+        </p:txBody>
+      </p:sp>
+      <p:sp>
+        <p:nvSpPr>
+          <p:cNvPr id="10" name="Заголовок 2"/>
+          <p:cNvSpPr txBox="1">
+            <a:spLocks/>
+          </p:cNvSpPr>
+          <p:nvPr/>
+        </p:nvSpPr>
+        <p:spPr>
+          <a:xfrm>
+            <a:off x="6084168" y="6093296"/>
+            <a:ext cx="2736304" cy="432048"/>
+          </a:xfrm>
+          <a:prstGeom prst="rect">
+            <a:avLst/>
+          </a:prstGeom>
+          <a:noFill/>
+        </p:spPr>
+        <p:txBody>
+          <a:bodyPr vert="horz" rtlCol="0" anchor="ctr">
+            <a:noAutofit/>
+            <a:scene3d>
+              <a:camera prst="orthographicFront"/>
+              <a:lightRig rig="soft" dir="t"/>
+            </a:scene3d>
+            <a:sp3d prstMaterial="softEdge">
+              <a:bevelT w="25400" h="25400"/>
+            </a:sp3d>
+          </a:bodyPr>
+          <a:lstStyle/>
+          <a:p>
+            <a:endParaRPr lang="ru-RU" sz="2400" b="1" dirty="0">
+              <a:latin typeface="Times New Roman" pitchFamily="18" charset="0"/>
+              <a:cs typeface="Times New Roman" pitchFamily="18" charset="0"/>
+            </a:endParaRPr>
+          </a:p>
+        </p:txBody>
+      </p:sp>
+      <p:sp>
+        <p:nvSpPr>
+          <p:cNvPr id="2052" name="Rectangle 4"/>
+          <p:cNvSpPr>
+            <a:spLocks noChangeArrowheads="1"/>
+          </p:cNvSpPr>
+          <p:nvPr/>
+        </p:nvSpPr>
+        <p:spPr bwMode="auto">
+          <a:xfrm>
+            <a:off x="0" y="0"/>
+            <a:ext cx="9144000" cy="0"/>
+          </a:xfrm>
+          <a:prstGeom prst="rect">
+            <a:avLst/>
+          </a:prstGeom>
+          <a:noFill/>
+          <a:ln w="9525">
+            <a:noFill/>
+            <a:miter lim="800000"/>
+            <a:headEnd/>
+            <a:tailEnd/>
+          </a:ln>
+          <a:effectLst/>
+        </p:spPr>
+        <p:txBody>
+          <a:bodyPr vert="horz" wrap="none" lIns="91440" tIns="45720" rIns="91440" bIns="45720" numCol="1" anchor="ctr" anchorCtr="0" compatLnSpc="1">
+            <a:prstTxWarp prst="textNoShape">
+              <a:avLst/>
+            </a:prstTxWarp>
+            <a:spAutoFit/>
+          </a:bodyPr>
+          <a:lstStyle/>
+          <a:p>
+            <a:endParaRPr lang="ru-RU"/>
+          </a:p>
+        </p:txBody>
+      </p:sp>
+      <p:sp>
+        <p:nvSpPr>
+          <p:cNvPr id="2054" name="Rectangle 6"/>
+          <p:cNvSpPr>
+            <a:spLocks noChangeArrowheads="1"/>
+          </p:cNvSpPr>
+          <p:nvPr/>
+        </p:nvSpPr>
+        <p:spPr bwMode="auto">
+          <a:xfrm>
+            <a:off x="0" y="0"/>
+            <a:ext cx="9144000" cy="0"/>
+          </a:xfrm>
+          <a:prstGeom prst="rect">
+            <a:avLst/>
+          </a:prstGeom>
+          <a:noFill/>
+          <a:ln w="9525">
+            <a:noFill/>
+            <a:miter lim="800000"/>
+            <a:headEnd/>
+            <a:tailEnd/>
+          </a:ln>
+          <a:effectLst/>
+        </p:spPr>
+        <p:txBody>
+          <a:bodyPr vert="horz" wrap="none" lIns="91440" tIns="45720" rIns="91440" bIns="45720" numCol="1" anchor="ctr" anchorCtr="0" compatLnSpc="1">
+            <a:prstTxWarp prst="textNoShape">
+              <a:avLst/>
+            </a:prstTxWarp>
+            <a:spAutoFit/>
+          </a:bodyPr>
+          <a:lstStyle/>
+          <a:p>
+            <a:endParaRPr lang="ru-RU"/>
+          </a:p>
+        </p:txBody>
+      </p:sp>
+      <p:sp>
+        <p:nvSpPr>
+          <p:cNvPr id="67589" name="Rectangle 5"/>
+          <p:cNvSpPr>
+            <a:spLocks noChangeArrowheads="1"/>
+          </p:cNvSpPr>
+          <p:nvPr/>
+        </p:nvSpPr>
+        <p:spPr bwMode="auto">
+          <a:xfrm>
+            <a:off x="0" y="0"/>
+            <a:ext cx="9144000" cy="0"/>
+          </a:xfrm>
+          <a:prstGeom prst="rect">
+            <a:avLst/>
+          </a:prstGeom>
+          <a:noFill/>
+          <a:ln w="9525">
+            <a:noFill/>
+            <a:miter lim="800000"/>
+            <a:headEnd/>
+            <a:tailEnd/>
+          </a:ln>
+          <a:effectLst/>
+        </p:spPr>
+        <p:txBody>
+          <a:bodyPr vert="horz" wrap="none" lIns="91440" tIns="45720" rIns="91440" bIns="45720" numCol="1" anchor="ctr" anchorCtr="0" compatLnSpc="1">
+            <a:prstTxWarp prst="textNoShape">
+              <a:avLst/>
+            </a:prstTxWarp>
+            <a:spAutoFit/>
+          </a:bodyPr>
+          <a:lstStyle/>
+          <a:p>
+            <a:endParaRPr lang="ru-RU"/>
+          </a:p>
+        </p:txBody>
+      </p:sp>
+      <p:sp>
+        <p:nvSpPr>
+          <p:cNvPr id="67591" name="Rectangle 7"/>
+          <p:cNvSpPr>
+            <a:spLocks noChangeArrowheads="1"/>
+          </p:cNvSpPr>
+          <p:nvPr/>
+        </p:nvSpPr>
+        <p:spPr bwMode="auto">
+          <a:xfrm>
+            <a:off x="0" y="0"/>
+            <a:ext cx="9144000" cy="0"/>
+          </a:xfrm>
+          <a:prstGeom prst="rect">
+            <a:avLst/>
+          </a:prstGeom>
+          <a:noFill/>
+          <a:ln w="9525">
+            <a:noFill/>
+            <a:miter lim="800000"/>
+            <a:headEnd/>
+            <a:tailEnd/>
+          </a:ln>
+          <a:effectLst/>
+        </p:spPr>
+        <p:txBody>
+          <a:bodyPr vert="horz" wrap="none" lIns="91440" tIns="45720" rIns="91440" bIns="45720" numCol="1" anchor="ctr" anchorCtr="0" compatLnSpc="1">
+            <a:prstTxWarp prst="textNoShape">
+              <a:avLst/>
+            </a:prstTxWarp>
+            <a:spAutoFit/>
+          </a:bodyPr>
+          <a:lstStyle/>
+          <a:p>
+            <a:endParaRPr lang="ru-RU"/>
+          </a:p>
+        </p:txBody>
+      </p:sp>
+      <p:graphicFrame>
+        <p:nvGraphicFramePr>
+          <p:cNvPr id="15" name="Таблица 14"/>
+          <p:cNvGraphicFramePr>
+            <a:graphicFrameLocks noGrp="1"/>
+          </p:cNvGraphicFramePr>
+          <p:nvPr/>
+        </p:nvGraphicFramePr>
+        <p:xfrm>
+          <a:off x="683568" y="2564904"/>
+          <a:ext cx="8460432" cy="864096"/>
+        </p:xfrm>
+        <a:graphic>
+          <a:graphicData uri="http://schemas.openxmlformats.org/drawingml/2006/table">
+            <a:tbl>
+              <a:tblPr/>
+              <a:tblGrid>
+                <a:gridCol w="7834351"/>
+                <a:gridCol w="626081"/>
+              </a:tblGrid>
+              <a:tr h="864096">
+                <a:tc>
+                  <a:txBody>
+                    <a:bodyPr/>
+                    <a:lstStyle/>
+                    <a:p>
+                      <a:pPr indent="450215" algn="ctr">
+                        <a:lnSpc>
+                          <a:spcPct val="150000"/>
+                        </a:lnSpc>
+                        <a:spcBef>
+                          <a:spcPts val="600"/>
+                        </a:spcBef>
+                        <a:spcAft>
+                          <a:spcPts val="600"/>
+                        </a:spcAft>
+                      </a:pPr>
+                      <a:r>
+                        <a:rPr lang="ru-RU" sz="1600" i="1" dirty="0">
+                          <a:latin typeface="Times New Roman"/>
+                          <a:ea typeface="Calibri"/>
+                          <a:cs typeface="Times New Roman"/>
+                        </a:rPr>
+                        <a:t>С</a:t>
+                      </a:r>
+                      <a:r>
+                        <a:rPr lang="ru-RU" sz="1600" i="1" baseline="-25000" dirty="0">
+                          <a:latin typeface="Times New Roman"/>
+                          <a:ea typeface="Calibri"/>
+                          <a:cs typeface="Times New Roman"/>
+                        </a:rPr>
+                        <a:t>ТСО</a:t>
+                      </a:r>
+                      <a:r>
+                        <a:rPr lang="ru-RU" sz="1600" dirty="0">
+                          <a:latin typeface="Times New Roman"/>
+                          <a:ea typeface="Calibri"/>
+                          <a:cs typeface="Times New Roman"/>
+                        </a:rPr>
+                        <a:t> = </a:t>
+                      </a:r>
+                      <a:r>
+                        <a:rPr lang="en-US" sz="1600" i="1" dirty="0">
+                          <a:latin typeface="Times New Roman"/>
+                          <a:ea typeface="Calibri"/>
+                          <a:cs typeface="Times New Roman"/>
+                        </a:rPr>
+                        <a:t>C</a:t>
+                      </a:r>
+                      <a:r>
+                        <a:rPr lang="ru-RU" sz="1600" i="1" baseline="-25000" dirty="0">
+                          <a:latin typeface="Times New Roman"/>
+                          <a:ea typeface="Calibri"/>
+                          <a:cs typeface="Times New Roman"/>
+                        </a:rPr>
+                        <a:t>про </a:t>
+                      </a:r>
+                      <a:r>
+                        <a:rPr lang="ru-RU" sz="1600" i="1" dirty="0">
+                          <a:latin typeface="Times New Roman"/>
+                          <a:ea typeface="Calibri"/>
+                          <a:cs typeface="Times New Roman"/>
+                        </a:rPr>
+                        <a:t>+</a:t>
+                      </a:r>
+                      <a:r>
+                        <a:rPr lang="ru-RU" sz="1600" dirty="0">
+                          <a:latin typeface="Times New Roman"/>
+                          <a:ea typeface="Calibri"/>
+                          <a:cs typeface="Times New Roman"/>
+                        </a:rPr>
+                        <a:t> </a:t>
+                      </a:r>
+                      <a:r>
+                        <a:rPr lang="en-US" sz="1600" i="1" dirty="0">
+                          <a:latin typeface="Times New Roman"/>
+                          <a:ea typeface="Calibri"/>
+                          <a:cs typeface="Times New Roman"/>
+                        </a:rPr>
+                        <a:t>C</a:t>
+                      </a:r>
+                      <a:r>
+                        <a:rPr lang="ru-RU" sz="1600" i="1" baseline="-25000" dirty="0" err="1">
+                          <a:latin typeface="Times New Roman"/>
+                          <a:ea typeface="Calibri"/>
+                          <a:cs typeface="Times New Roman"/>
+                        </a:rPr>
+                        <a:t>приоб</a:t>
+                      </a:r>
+                      <a:r>
+                        <a:rPr lang="ru-RU" sz="1600" i="1" dirty="0" err="1">
+                          <a:latin typeface="Times New Roman"/>
+                          <a:ea typeface="Calibri"/>
+                          <a:cs typeface="Times New Roman"/>
+                        </a:rPr>
+                        <a:t>+</a:t>
+                      </a:r>
+                      <a:r>
+                        <a:rPr lang="ru-RU" sz="1600" dirty="0">
+                          <a:latin typeface="Times New Roman"/>
+                          <a:ea typeface="Calibri"/>
+                          <a:cs typeface="Times New Roman"/>
+                        </a:rPr>
+                        <a:t> </a:t>
+                      </a:r>
+                      <a:r>
+                        <a:rPr lang="en-US" sz="1600" i="1" dirty="0">
+                          <a:latin typeface="Times New Roman"/>
+                          <a:ea typeface="Calibri"/>
+                          <a:cs typeface="Times New Roman"/>
+                        </a:rPr>
+                        <a:t>C</a:t>
+                      </a:r>
+                      <a:r>
+                        <a:rPr lang="ru-RU" sz="1600" i="1" baseline="-25000" dirty="0" err="1">
+                          <a:latin typeface="Times New Roman"/>
+                          <a:ea typeface="Calibri"/>
+                          <a:cs typeface="Times New Roman"/>
+                        </a:rPr>
+                        <a:t>приАсу</a:t>
+                      </a:r>
+                      <a:r>
+                        <a:rPr lang="ru-RU" sz="1600" i="1" dirty="0">
+                          <a:latin typeface="Times New Roman"/>
+                          <a:ea typeface="Calibri"/>
+                          <a:cs typeface="Times New Roman"/>
+                        </a:rPr>
+                        <a:t> +</a:t>
+                      </a:r>
+                      <a:r>
+                        <a:rPr lang="ru-RU" sz="1600" dirty="0">
+                          <a:latin typeface="Times New Roman"/>
+                          <a:ea typeface="Calibri"/>
+                          <a:cs typeface="Times New Roman"/>
+                        </a:rPr>
+                        <a:t> </a:t>
+                      </a:r>
+                      <a:r>
+                        <a:rPr lang="en-US" sz="1600" i="1" dirty="0">
+                          <a:latin typeface="Times New Roman"/>
+                          <a:ea typeface="Calibri"/>
+                          <a:cs typeface="Times New Roman"/>
+                        </a:rPr>
+                        <a:t>C</a:t>
+                      </a:r>
+                      <a:r>
+                        <a:rPr lang="ru-RU" sz="1600" i="1" baseline="-25000" dirty="0" err="1">
+                          <a:latin typeface="Times New Roman"/>
+                          <a:ea typeface="Calibri"/>
+                          <a:cs typeface="Times New Roman"/>
+                        </a:rPr>
+                        <a:t>приАТС</a:t>
+                      </a:r>
+                      <a:r>
+                        <a:rPr lang="ru-RU" sz="1600" i="1" dirty="0" err="1">
+                          <a:latin typeface="Times New Roman"/>
+                          <a:ea typeface="Calibri"/>
+                          <a:cs typeface="Times New Roman"/>
+                        </a:rPr>
+                        <a:t>+</a:t>
+                      </a:r>
+                      <a:r>
+                        <a:rPr lang="ru-RU" sz="1600" dirty="0">
+                          <a:latin typeface="Times New Roman"/>
+                          <a:ea typeface="Calibri"/>
+                          <a:cs typeface="Times New Roman"/>
+                        </a:rPr>
+                        <a:t> </a:t>
+                      </a:r>
+                      <a:r>
+                        <a:rPr lang="en-US" sz="1600" i="1" dirty="0">
+                          <a:latin typeface="Times New Roman"/>
+                          <a:ea typeface="Calibri"/>
+                          <a:cs typeface="Times New Roman"/>
+                        </a:rPr>
+                        <a:t>C</a:t>
+                      </a:r>
+                      <a:r>
+                        <a:rPr lang="ru-RU" sz="1600" i="1" baseline="-25000" dirty="0" err="1">
+                          <a:latin typeface="Times New Roman"/>
+                          <a:ea typeface="Calibri"/>
+                          <a:cs typeface="Times New Roman"/>
+                        </a:rPr>
+                        <a:t>приВид</a:t>
+                      </a:r>
+                      <a:r>
+                        <a:rPr lang="ru-RU" sz="1600" i="1" dirty="0" err="1">
+                          <a:latin typeface="Times New Roman"/>
+                          <a:ea typeface="Calibri"/>
+                          <a:cs typeface="Times New Roman"/>
+                        </a:rPr>
+                        <a:t>+</a:t>
+                      </a:r>
+                      <a:r>
+                        <a:rPr lang="ru-RU" sz="1600" dirty="0">
+                          <a:latin typeface="Times New Roman"/>
+                          <a:ea typeface="Calibri"/>
+                          <a:cs typeface="Times New Roman"/>
+                        </a:rPr>
+                        <a:t> </a:t>
+                      </a:r>
+                      <a:r>
+                        <a:rPr lang="en-US" sz="1600" i="1" dirty="0">
+                          <a:latin typeface="Times New Roman"/>
+                          <a:ea typeface="Calibri"/>
+                          <a:cs typeface="Times New Roman"/>
+                        </a:rPr>
+                        <a:t>C</a:t>
+                      </a:r>
+                      <a:r>
+                        <a:rPr lang="ru-RU" sz="1600" i="1" baseline="-25000" dirty="0" err="1">
+                          <a:latin typeface="Times New Roman"/>
+                          <a:ea typeface="Calibri"/>
+                          <a:cs typeface="Times New Roman"/>
+                        </a:rPr>
+                        <a:t>внед</a:t>
+                      </a:r>
+                      <a:r>
+                        <a:rPr lang="ru-RU" sz="1600" i="1" dirty="0" err="1">
+                          <a:latin typeface="Times New Roman"/>
+                          <a:ea typeface="Calibri"/>
+                          <a:cs typeface="Times New Roman"/>
+                        </a:rPr>
+                        <a:t>+</a:t>
+                      </a:r>
+                      <a:r>
+                        <a:rPr lang="ru-RU" sz="1600" dirty="0">
+                          <a:latin typeface="Times New Roman"/>
+                          <a:ea typeface="Calibri"/>
+                          <a:cs typeface="Times New Roman"/>
+                        </a:rPr>
+                        <a:t> </a:t>
+                      </a:r>
+                      <a:r>
+                        <a:rPr lang="en-US" sz="1600" i="1" dirty="0">
+                          <a:latin typeface="Times New Roman"/>
+                          <a:ea typeface="Calibri"/>
+                          <a:cs typeface="Times New Roman"/>
+                        </a:rPr>
+                        <a:t>C</a:t>
+                      </a:r>
+                      <a:r>
+                        <a:rPr lang="ru-RU" sz="1600" i="1" baseline="-25000" dirty="0" err="1">
+                          <a:latin typeface="Times New Roman"/>
+                          <a:ea typeface="Calibri"/>
+                          <a:cs typeface="Times New Roman"/>
+                        </a:rPr>
+                        <a:t>осОбщ</a:t>
+                      </a:r>
+                      <a:r>
+                        <a:rPr lang="ru-RU" sz="1600" i="1" dirty="0" err="1">
+                          <a:latin typeface="Times New Roman"/>
+                          <a:ea typeface="Calibri"/>
+                          <a:cs typeface="Times New Roman"/>
+                        </a:rPr>
+                        <a:t>+</a:t>
+                      </a:r>
+                      <a:r>
+                        <a:rPr lang="en-US" sz="1600" i="1" dirty="0">
+                          <a:latin typeface="Times New Roman"/>
+                          <a:ea typeface="Calibri"/>
+                          <a:cs typeface="Times New Roman"/>
+                        </a:rPr>
+                        <a:t>C</a:t>
+                      </a:r>
+                      <a:r>
+                        <a:rPr lang="ru-RU" sz="1600" i="1" baseline="-25000" dirty="0" err="1">
+                          <a:latin typeface="Times New Roman"/>
+                          <a:ea typeface="Calibri"/>
+                          <a:cs typeface="Times New Roman"/>
+                        </a:rPr>
+                        <a:t>обсл</a:t>
+                      </a:r>
+                      <a:r>
+                        <a:rPr lang="ru-RU" sz="1600" i="1" dirty="0">
+                          <a:latin typeface="Times New Roman"/>
+                          <a:ea typeface="Calibri"/>
+                          <a:cs typeface="Times New Roman"/>
+                        </a:rPr>
+                        <a:t>,</a:t>
+                      </a:r>
+                      <a:endParaRPr lang="ru-RU" sz="1600" dirty="0">
+                        <a:latin typeface="Times New Roman"/>
+                        <a:ea typeface="Calibri"/>
+                        <a:cs typeface="Times New Roman"/>
+                      </a:endParaRPr>
+                    </a:p>
+                    <a:p>
+                      <a:pPr indent="540385" algn="ctr">
+                        <a:lnSpc>
+                          <a:spcPct val="150000"/>
+                        </a:lnSpc>
+                        <a:spcBef>
+                          <a:spcPts val="600"/>
+                        </a:spcBef>
+                        <a:spcAft>
+                          <a:spcPts val="600"/>
+                        </a:spcAft>
+                      </a:pPr>
+                      <a:r>
+                        <a:rPr lang="ru-RU" sz="1600" i="1" dirty="0">
+                          <a:latin typeface="Times New Roman"/>
+                          <a:ea typeface="Calibri"/>
+                          <a:cs typeface="Times New Roman"/>
+                        </a:rPr>
+                        <a:t>С</a:t>
+                      </a:r>
+                      <a:r>
+                        <a:rPr lang="ru-RU" sz="1600" i="1" baseline="-25000" dirty="0">
+                          <a:latin typeface="Times New Roman"/>
+                          <a:ea typeface="Calibri"/>
+                          <a:cs typeface="Times New Roman"/>
+                        </a:rPr>
+                        <a:t>ТСО</a:t>
+                      </a:r>
+                      <a:r>
+                        <a:rPr lang="ru-RU" sz="1600" i="1" dirty="0">
+                          <a:latin typeface="Times New Roman"/>
+                          <a:ea typeface="Calibri"/>
+                          <a:cs typeface="Times New Roman"/>
+                        </a:rPr>
+                        <a:t> </a:t>
+                      </a:r>
+                      <a:r>
+                        <a:rPr lang="ru-RU" sz="1600" dirty="0">
+                          <a:latin typeface="Times New Roman"/>
+                          <a:ea typeface="Calibri"/>
+                          <a:cs typeface="Times New Roman"/>
+                        </a:rPr>
+                        <a:t>= 0 + 1 108 921  + 0 + 60 000 + 0 + 37 200 + 1 200 + 4 800 = 1 212 121 руб.</a:t>
+                      </a:r>
+                    </a:p>
+                  </a:txBody>
+                  <a:tcPr marL="68331" marR="68331" marT="0" marB="0">
+                    <a:lnL>
+                      <a:noFill/>
+                    </a:lnL>
+                    <a:lnR>
+                      <a:noFill/>
+                    </a:lnR>
+                    <a:lnT>
+                      <a:noFill/>
+                    </a:lnT>
+                    <a:lnB>
+                      <a:noFill/>
+                    </a:lnB>
+                  </a:tcPr>
+                </a:tc>
+                <a:tc>
+                  <a:txBody>
+                    <a:bodyPr/>
+                    <a:lstStyle/>
+                    <a:p>
+                      <a:pPr indent="540385" algn="r">
+                        <a:lnSpc>
+                          <a:spcPct val="150000"/>
+                        </a:lnSpc>
+                        <a:spcAft>
+                          <a:spcPts val="0"/>
+                        </a:spcAft>
+                      </a:pPr>
+                      <a:r>
+                        <a:rPr lang="ru-RU" sz="1200" dirty="0" smtClean="0">
+                          <a:latin typeface="Times New Roman"/>
+                          <a:ea typeface="Calibri"/>
+                          <a:cs typeface="Times New Roman"/>
+                        </a:rPr>
+                        <a:t>(</a:t>
+                      </a:r>
+                      <a:endParaRPr lang="ru-RU" sz="1200" dirty="0">
+                        <a:latin typeface="Times New Roman"/>
+                        <a:ea typeface="Calibri"/>
+                        <a:cs typeface="Times New Roman"/>
+                      </a:endParaRPr>
+                    </a:p>
+                  </a:txBody>
+                  <a:tcPr marL="68331" marR="68331" marT="0" marB="0">
+                    <a:lnL>
+                      <a:noFill/>
+                    </a:lnL>
+                    <a:lnR>
+                      <a:noFill/>
+                    </a:lnR>
+                    <a:lnT>
+                      <a:noFill/>
+                    </a:lnT>
+                    <a:lnB>
+                      <a:noFill/>
+                    </a:lnB>
+                  </a:tcPr>
+                </a:tc>
+              </a:tr>
+            </a:tbl>
+          </a:graphicData>
+        </a:graphic>
+      </p:graphicFrame>
+      <p:sp>
+        <p:nvSpPr>
+          <p:cNvPr id="72705" name="Rectangle 1"/>
+          <p:cNvSpPr>
+            <a:spLocks noChangeArrowheads="1"/>
+          </p:cNvSpPr>
+          <p:nvPr/>
+        </p:nvSpPr>
+        <p:spPr bwMode="auto">
+          <a:xfrm>
+            <a:off x="36512" y="1628219"/>
+            <a:ext cx="8855968" cy="4247317"/>
+          </a:xfrm>
+          <a:prstGeom prst="rect">
+            <a:avLst/>
+          </a:prstGeom>
+          <a:noFill/>
+          <a:ln w="9525">
+            <a:noFill/>
+            <a:miter lim="800000"/>
+            <a:headEnd/>
+            <a:tailEnd/>
+          </a:ln>
+          <a:effectLst/>
+        </p:spPr>
+        <p:txBody>
+          <a:bodyPr vert="horz" wrap="square" lIns="91440" tIns="45720" rIns="91440" bIns="45720" numCol="1" anchor="ctr" anchorCtr="0" compatLnSpc="1">
+            <a:prstTxWarp prst="textNoShape">
+              <a:avLst/>
+            </a:prstTxWarp>
+            <a:spAutoFit/>
+          </a:bodyPr>
+          <a:lstStyle/>
+          <a:p>
+            <a:pPr marL="354013" marR="0" lvl="0" defTabSz="914400" rtl="0" eaLnBrk="1" fontAlgn="base" latinLnBrk="0" hangingPunct="1">
+              <a:lnSpc>
+                <a:spcPct val="100000"/>
+              </a:lnSpc>
+              <a:spcBef>
+                <a:spcPct val="0"/>
+              </a:spcBef>
+              <a:spcAft>
+                <a:spcPct val="0"/>
+              </a:spcAft>
+              <a:buClrTx/>
+              <a:buSzTx/>
+              <a:buFontTx/>
+              <a:buNone/>
+              <a:tabLst/>
+            </a:pPr>
+            <a:r>
+              <a:rPr kumimoji="0" lang="ru-RU" sz="2200" b="1" i="0" u="none" strike="noStrike" cap="none" normalizeH="0" baseline="0" dirty="0" smtClean="0">
+                <a:ln>
+                  <a:noFill/>
+                </a:ln>
+                <a:solidFill>
+                  <a:schemeClr val="tx1"/>
+                </a:solidFill>
+                <a:effectLst/>
+                <a:latin typeface="Times New Roman" pitchFamily="18" charset="0"/>
+                <a:ea typeface="Calibri" pitchFamily="34" charset="0"/>
+                <a:cs typeface="Times New Roman" pitchFamily="18" charset="0"/>
+              </a:rPr>
+              <a:t>Исходя из всех затрат на рассмотренных стадиях жизненного цикла систем автоматизации, совокупная стоимость владения составляет: </a:t>
+            </a:r>
+            <a:endParaRPr lang="ru-RU" sz="2200" b="1" dirty="0" smtClean="0">
+              <a:latin typeface="Times New Roman" pitchFamily="18" charset="0"/>
+              <a:cs typeface="Times New Roman" pitchFamily="18" charset="0"/>
+            </a:endParaRPr>
+          </a:p>
+          <a:p>
+            <a:pPr indent="539750" algn="ctr" eaLnBrk="0" fontAlgn="base" hangingPunct="0">
+              <a:spcBef>
+                <a:spcPct val="0"/>
+              </a:spcBef>
+              <a:spcAft>
+                <a:spcPct val="0"/>
+              </a:spcAft>
+            </a:pPr>
+            <a:endParaRPr lang="ru-RU" sz="2400" dirty="0" smtClean="0"/>
+          </a:p>
+          <a:p>
+            <a:pPr indent="539750" algn="ctr" eaLnBrk="0" fontAlgn="base" hangingPunct="0">
+              <a:spcBef>
+                <a:spcPct val="0"/>
+              </a:spcBef>
+              <a:spcAft>
+                <a:spcPct val="0"/>
+              </a:spcAft>
+            </a:pPr>
+            <a:endParaRPr lang="ru-RU" sz="2400" dirty="0" smtClean="0"/>
+          </a:p>
+          <a:p>
+            <a:pPr indent="539750" algn="ctr" eaLnBrk="0" fontAlgn="base" hangingPunct="0">
+              <a:spcBef>
+                <a:spcPct val="0"/>
+              </a:spcBef>
+              <a:spcAft>
+                <a:spcPct val="0"/>
+              </a:spcAft>
+            </a:pPr>
+            <a:endParaRPr lang="ru-RU" sz="2400" dirty="0" smtClean="0"/>
+          </a:p>
+          <a:p>
+            <a:pPr marL="354013" eaLnBrk="0" fontAlgn="base" hangingPunct="0">
+              <a:spcBef>
+                <a:spcPct val="0"/>
+              </a:spcBef>
+              <a:spcAft>
+                <a:spcPct val="0"/>
+              </a:spcAft>
+            </a:pPr>
+            <a:r>
+              <a:rPr lang="ru-RU" sz="2200" b="1" smtClean="0">
+                <a:latin typeface="Times New Roman" pitchFamily="18" charset="0"/>
+                <a:cs typeface="Times New Roman" pitchFamily="18" charset="0"/>
+              </a:rPr>
+              <a:t>О</a:t>
+            </a:r>
+            <a:r>
+              <a:rPr lang="ru-RU" sz="2200" b="1" smtClean="0">
+                <a:latin typeface="Times New Roman" pitchFamily="18" charset="0"/>
+                <a:cs typeface="Times New Roman" pitchFamily="18" charset="0"/>
+              </a:rPr>
+              <a:t>жидаемый </a:t>
+            </a:r>
+            <a:r>
+              <a:rPr lang="ru-RU" sz="2200" b="1" dirty="0" smtClean="0">
+                <a:latin typeface="Times New Roman" pitchFamily="18" charset="0"/>
+                <a:cs typeface="Times New Roman" pitchFamily="18" charset="0"/>
+              </a:rPr>
+              <a:t>доход от внедренных систем за 10 лет составляет: </a:t>
+            </a:r>
+            <a:endParaRPr lang="ru-RU" sz="2200" b="1" dirty="0" smtClean="0">
+              <a:latin typeface="Times New Roman" pitchFamily="18" charset="0"/>
+              <a:ea typeface="Calibri" pitchFamily="34" charset="0"/>
+              <a:cs typeface="Times New Roman" pitchFamily="18" charset="0"/>
+            </a:endParaRPr>
+          </a:p>
+          <a:p>
+            <a:pPr marL="0" marR="0" lvl="0" indent="539750" algn="ctr" defTabSz="914400" rtl="0" eaLnBrk="0" fontAlgn="base" latinLnBrk="0" hangingPunct="0">
+              <a:lnSpc>
+                <a:spcPct val="100000"/>
+              </a:lnSpc>
+              <a:spcBef>
+                <a:spcPct val="0"/>
+              </a:spcBef>
+              <a:spcAft>
+                <a:spcPct val="0"/>
+              </a:spcAft>
+              <a:buClrTx/>
+              <a:buSzTx/>
+              <a:buFontTx/>
+              <a:buNone/>
+              <a:tabLst/>
+            </a:pPr>
+            <a:r>
+              <a:rPr kumimoji="0" lang="en-US" sz="2200" b="0" i="0" u="none" strike="noStrike" cap="none" normalizeH="0" baseline="0" dirty="0" smtClean="0">
+                <a:ln>
+                  <a:noFill/>
+                </a:ln>
+                <a:solidFill>
+                  <a:schemeClr val="tx1"/>
+                </a:solidFill>
+                <a:effectLst/>
+                <a:latin typeface="Times New Roman" pitchFamily="18" charset="0"/>
+                <a:ea typeface="Calibri" pitchFamily="34" charset="0"/>
+                <a:cs typeface="Times New Roman" pitchFamily="18" charset="0"/>
+              </a:rPr>
+              <a:t>W</a:t>
+            </a:r>
+            <a:r>
+              <a:rPr kumimoji="0" lang="ru-RU" sz="2200" b="0" i="0" u="none" strike="noStrike" cap="none" normalizeH="0" baseline="0" dirty="0" smtClean="0">
+                <a:ln>
+                  <a:noFill/>
+                </a:ln>
+                <a:solidFill>
+                  <a:schemeClr val="tx1"/>
+                </a:solidFill>
+                <a:effectLst/>
+                <a:latin typeface="Times New Roman" pitchFamily="18" charset="0"/>
+                <a:ea typeface="Calibri" pitchFamily="34" charset="0"/>
+                <a:cs typeface="Times New Roman" pitchFamily="18" charset="0"/>
+              </a:rPr>
+              <a:t> = 5 763 600 руб.</a:t>
+            </a:r>
+            <a:endParaRPr kumimoji="0" lang="ru-RU" sz="2200" b="0" i="0" u="none" strike="noStrike" cap="none" normalizeH="0" baseline="0" dirty="0" smtClean="0">
+              <a:ln>
+                <a:noFill/>
+              </a:ln>
+              <a:solidFill>
+                <a:schemeClr val="tx1"/>
+              </a:solidFill>
+              <a:effectLst/>
+              <a:latin typeface="Times New Roman" pitchFamily="18" charset="0"/>
+              <a:cs typeface="Times New Roman" pitchFamily="18" charset="0"/>
+            </a:endParaRPr>
+          </a:p>
+          <a:p>
+            <a:pPr marL="354013" marR="0" lvl="0" defTabSz="914400" rtl="0" eaLnBrk="0" fontAlgn="base" latinLnBrk="0" hangingPunct="0">
+              <a:lnSpc>
+                <a:spcPct val="100000"/>
+              </a:lnSpc>
+              <a:spcBef>
+                <a:spcPct val="0"/>
+              </a:spcBef>
+              <a:spcAft>
+                <a:spcPct val="0"/>
+              </a:spcAft>
+              <a:buClrTx/>
+              <a:buSzTx/>
+              <a:buFontTx/>
+              <a:buNone/>
+              <a:tabLst/>
+            </a:pPr>
+            <a:r>
+              <a:rPr kumimoji="0" lang="ru-RU" sz="2200" b="1" i="0" u="none" strike="noStrike" cap="none" normalizeH="0" baseline="0" dirty="0" smtClean="0">
+                <a:ln>
+                  <a:noFill/>
+                </a:ln>
+                <a:solidFill>
+                  <a:schemeClr val="tx1"/>
+                </a:solidFill>
+                <a:effectLst/>
+                <a:latin typeface="Times New Roman" pitchFamily="18" charset="0"/>
+                <a:ea typeface="Calibri" pitchFamily="34" charset="0"/>
+                <a:cs typeface="Times New Roman" pitchFamily="18" charset="0"/>
+              </a:rPr>
+              <a:t>Экономическая эффективность:</a:t>
+            </a:r>
+            <a:endParaRPr kumimoji="0" lang="ru-RU" sz="2400" b="0" i="0" u="none" strike="noStrike" cap="none" normalizeH="0" baseline="0" dirty="0" smtClean="0">
+              <a:ln>
+                <a:noFill/>
+              </a:ln>
+              <a:solidFill>
+                <a:schemeClr val="tx1"/>
+              </a:solidFill>
+              <a:effectLst/>
+              <a:latin typeface="Times New Roman" pitchFamily="18" charset="0"/>
+              <a:ea typeface="Calibri" pitchFamily="34" charset="0"/>
+              <a:cs typeface="Times New Roman" pitchFamily="18" charset="0"/>
+            </a:endParaRPr>
+          </a:p>
+          <a:p>
+            <a:pPr marL="0" marR="0" lvl="0" indent="539750" algn="ctr" defTabSz="914400" rtl="0" eaLnBrk="0" fontAlgn="base" latinLnBrk="0" hangingPunct="0">
+              <a:lnSpc>
+                <a:spcPct val="100000"/>
+              </a:lnSpc>
+              <a:spcBef>
+                <a:spcPct val="0"/>
+              </a:spcBef>
+              <a:spcAft>
+                <a:spcPct val="0"/>
+              </a:spcAft>
+              <a:buClrTx/>
+              <a:buSzTx/>
+              <a:buFontTx/>
+              <a:buNone/>
+              <a:tabLst/>
+            </a:pPr>
+            <a:r>
+              <a:rPr kumimoji="0" lang="ru-RU" sz="2200" b="0" i="0" u="none" strike="noStrike" cap="none" normalizeH="0" baseline="0" dirty="0" smtClean="0">
+                <a:ln>
+                  <a:noFill/>
+                </a:ln>
+                <a:solidFill>
+                  <a:schemeClr val="tx1"/>
+                </a:solidFill>
+                <a:effectLst/>
+                <a:latin typeface="Times New Roman" pitchFamily="18" charset="0"/>
+                <a:ea typeface="Calibri" pitchFamily="34" charset="0"/>
+                <a:cs typeface="Times New Roman" pitchFamily="18" charset="0"/>
+              </a:rPr>
+              <a:t>Э = 576 360 / 1 212 121 = 47,5%</a:t>
+            </a:r>
+            <a:endParaRPr kumimoji="0" lang="ru-RU" sz="2200" b="1" i="0" u="none" strike="noStrike" cap="none" normalizeH="0" baseline="0" dirty="0" smtClean="0">
+              <a:ln>
+                <a:noFill/>
+              </a:ln>
+              <a:solidFill>
+                <a:schemeClr val="tx1"/>
+              </a:solidFill>
+              <a:effectLst/>
+              <a:latin typeface="Times New Roman" pitchFamily="18" charset="0"/>
+              <a:ea typeface="Calibri" pitchFamily="34" charset="0"/>
+              <a:cs typeface="Times New Roman" pitchFamily="18" charset="0"/>
+            </a:endParaRPr>
+          </a:p>
+          <a:p>
+            <a:pPr marL="354013" marR="0" lvl="0" defTabSz="914400" rtl="0" eaLnBrk="0" fontAlgn="base" latinLnBrk="0" hangingPunct="0">
+              <a:lnSpc>
+                <a:spcPct val="100000"/>
+              </a:lnSpc>
+              <a:spcBef>
+                <a:spcPct val="0"/>
+              </a:spcBef>
+              <a:spcAft>
+                <a:spcPct val="0"/>
+              </a:spcAft>
+              <a:buClrTx/>
+              <a:buSzTx/>
+              <a:buFontTx/>
+              <a:buNone/>
+              <a:tabLst/>
+            </a:pPr>
+            <a:r>
+              <a:rPr kumimoji="0" lang="ru-RU" sz="2200" b="1" i="0" u="none" strike="noStrike" cap="none" normalizeH="0" baseline="0" dirty="0" smtClean="0">
+                <a:ln>
+                  <a:noFill/>
+                </a:ln>
+                <a:solidFill>
+                  <a:schemeClr val="tx1"/>
+                </a:solidFill>
+                <a:effectLst/>
+                <a:latin typeface="Times New Roman" pitchFamily="18" charset="0"/>
+                <a:ea typeface="Calibri" pitchFamily="34" charset="0"/>
+                <a:cs typeface="Times New Roman" pitchFamily="18" charset="0"/>
+              </a:rPr>
+              <a:t>Срок окупаемости: </a:t>
+            </a:r>
+            <a:endParaRPr kumimoji="0" lang="ru-RU" sz="2200" b="1" i="0" u="none" strike="noStrike" cap="none" normalizeH="0" baseline="0" dirty="0" smtClean="0">
+              <a:ln>
+                <a:noFill/>
+              </a:ln>
+              <a:solidFill>
+                <a:schemeClr val="tx1"/>
+              </a:solidFill>
+              <a:effectLst/>
+              <a:latin typeface="Times New Roman" pitchFamily="18" charset="0"/>
+              <a:cs typeface="Times New Roman" pitchFamily="18" charset="0"/>
+            </a:endParaRPr>
+          </a:p>
+          <a:p>
+            <a:pPr marL="0" marR="0" lvl="0" indent="539750" algn="ctr" defTabSz="914400" rtl="0" eaLnBrk="0" fontAlgn="base" latinLnBrk="0" hangingPunct="0">
+              <a:lnSpc>
+                <a:spcPct val="100000"/>
+              </a:lnSpc>
+              <a:spcBef>
+                <a:spcPct val="0"/>
+              </a:spcBef>
+              <a:spcAft>
+                <a:spcPct val="0"/>
+              </a:spcAft>
+              <a:buClrTx/>
+              <a:buSzTx/>
+              <a:buFontTx/>
+              <a:buNone/>
+              <a:tabLst/>
+            </a:pPr>
+            <a:r>
+              <a:rPr kumimoji="0" lang="ru-RU" sz="2200" b="0" i="0" u="none" strike="noStrike" cap="none" normalizeH="0" baseline="0" dirty="0" smtClean="0">
+                <a:ln>
+                  <a:noFill/>
+                </a:ln>
+                <a:solidFill>
+                  <a:schemeClr val="tx1"/>
+                </a:solidFill>
+                <a:effectLst/>
+                <a:latin typeface="Times New Roman" pitchFamily="18" charset="0"/>
+                <a:ea typeface="Calibri" pitchFamily="34" charset="0"/>
+                <a:cs typeface="Times New Roman" pitchFamily="18" charset="0"/>
+              </a:rPr>
+              <a:t>То = 1 212 121 / 576 360 = 2,1 года</a:t>
+            </a:r>
+            <a:endParaRPr kumimoji="0" lang="ru-RU" sz="2200" b="0" i="0" u="none" strike="noStrike" cap="none" normalizeH="0" baseline="0" dirty="0" smtClean="0">
+              <a:ln>
+                <a:noFill/>
+              </a:ln>
+              <a:solidFill>
+                <a:schemeClr val="tx1"/>
+              </a:solidFill>
+              <a:effectLst/>
+              <a:latin typeface="Times New Roman" pitchFamily="18" charset="0"/>
+              <a:cs typeface="Times New Roman" pitchFamily="18" charset="0"/>
+            </a:endParaRPr>
+          </a:p>
+        </p:txBody>
+      </p:sp>
+    </p:spTree>
+  </p:cSld>
+  <p:clrMapOvr>
+    <a:masterClrMapping/>
+  </p:clrMapOvr>
+  <p:timing>
+    <p:tnLst>
+      <p:par>
+        <p:cTn id="1" dur="indefinite" restart="never" nodeType="tmRoot"/>
+      </p:par>
+    </p:tnLst>
+  </p:timing>
+</p:sld>
+</file>
+
 <file path=ppt/slides/slide4.xml><?xml version="1.0" encoding="utf-8"?>
 <p:sld xmlns:a="http://schemas.openxmlformats.org/drawingml/2006/main" xmlns:r="http://schemas.openxmlformats.org/officeDocument/2006/relationships" xmlns:p="http://schemas.openxmlformats.org/presentationml/2006/main">
   <p:cSld>
@@ -12332,14 +16503,28 @@
                 <a:latin typeface="Times New Roman" pitchFamily="18" charset="0"/>
                 <a:cs typeface="Times New Roman" pitchFamily="18" charset="0"/>
               </a:rPr>
-              <a:t> визуальный </a:t>
+              <a:t> контроль </a:t>
             </a:r>
             <a:r>
               <a:rPr lang="ru-RU" sz="2400" dirty="0">
                 <a:latin typeface="Times New Roman" pitchFamily="18" charset="0"/>
                 <a:cs typeface="Times New Roman" pitchFamily="18" charset="0"/>
               </a:rPr>
-              <a:t>контроль периметров и площади объекта</a:t>
+              <a:t>периметров и </a:t>
+            </a:r>
+            <a:r>
+              <a:rPr lang="ru-RU" sz="2400" dirty="0" smtClean="0">
+                <a:latin typeface="Times New Roman" pitchFamily="18" charset="0"/>
+                <a:cs typeface="Times New Roman" pitchFamily="18" charset="0"/>
+              </a:rPr>
+              <a:t>площадей </a:t>
+            </a:r>
+            <a:r>
+              <a:rPr lang="ru-RU" sz="2400" dirty="0">
+                <a:latin typeface="Times New Roman" pitchFamily="18" charset="0"/>
+                <a:cs typeface="Times New Roman" pitchFamily="18" charset="0"/>
+              </a:rPr>
+              <a:t>объекта</a:t>
             </a:r>
             <a:r>
               <a:rPr lang="ru-RU" sz="2400" dirty="0" smtClean="0">
